--- a/Presentations/DesignPres/DesignPres-75.pptx
+++ b/Presentations/DesignPres/DesignPres-75.pptx
@@ -5,26 +5,32 @@
     <p:sldMasterId id="2147483678" r:id="rId4"/>
   </p:sldMasterIdLst>
   <p:notesMasterIdLst>
-    <p:notesMasterId r:id="rId22"/>
+    <p:notesMasterId r:id="rId28"/>
   </p:notesMasterIdLst>
   <p:sldIdLst>
     <p:sldId id="256" r:id="rId5"/>
-    <p:sldId id="272" r:id="rId6"/>
-    <p:sldId id="261" r:id="rId7"/>
-    <p:sldId id="271" r:id="rId8"/>
-    <p:sldId id="273" r:id="rId9"/>
-    <p:sldId id="269" r:id="rId10"/>
-    <p:sldId id="260" r:id="rId11"/>
-    <p:sldId id="274" r:id="rId12"/>
-    <p:sldId id="275" r:id="rId13"/>
+    <p:sldId id="261" r:id="rId6"/>
+    <p:sldId id="272" r:id="rId7"/>
+    <p:sldId id="273" r:id="rId8"/>
+    <p:sldId id="269" r:id="rId9"/>
+    <p:sldId id="260" r:id="rId10"/>
+    <p:sldId id="279" r:id="rId11"/>
+    <p:sldId id="265" r:id="rId12"/>
+    <p:sldId id="274" r:id="rId13"/>
     <p:sldId id="263" r:id="rId14"/>
-    <p:sldId id="262" r:id="rId15"/>
-    <p:sldId id="265" r:id="rId16"/>
-    <p:sldId id="264" r:id="rId17"/>
-    <p:sldId id="276" r:id="rId18"/>
-    <p:sldId id="277" r:id="rId19"/>
-    <p:sldId id="278" r:id="rId20"/>
-    <p:sldId id="270" r:id="rId21"/>
+    <p:sldId id="281" r:id="rId15"/>
+    <p:sldId id="282" r:id="rId16"/>
+    <p:sldId id="283" r:id="rId17"/>
+    <p:sldId id="284" r:id="rId18"/>
+    <p:sldId id="285" r:id="rId19"/>
+    <p:sldId id="286" r:id="rId20"/>
+    <p:sldId id="287" r:id="rId21"/>
+    <p:sldId id="288" r:id="rId22"/>
+    <p:sldId id="276" r:id="rId23"/>
+    <p:sldId id="289" r:id="rId24"/>
+    <p:sldId id="278" r:id="rId25"/>
+    <p:sldId id="291" r:id="rId26"/>
+    <p:sldId id="270" r:id="rId27"/>
   </p:sldIdLst>
   <p:sldSz cx="12192000" cy="6858000"/>
   <p:notesSz cx="6858000" cy="9144000"/>
@@ -213,7 +219,7 @@
           <a:p>
             <a:fld id="{EDEAC965-93D5-4BF2-BEB3-753A18A2DA84}" type="datetimeFigureOut">
               <a:rPr lang="en-US" smtClean="0"/>
-              <a:t>4/24/2014</a:t>
+              <a:t>11/16/2014</a:t>
             </a:fld>
             <a:endParaRPr lang="en-US"/>
           </a:p>
@@ -1067,7 +1073,7 @@
           <a:p>
             <a:fld id="{20B296D5-E3CF-4672-8939-A7C2F0F5EC5D}" type="datetime1">
               <a:rPr lang="en-US" smtClean="0"/>
-              <a:t>4/24/2014</a:t>
+              <a:t>11/16/2014</a:t>
             </a:fld>
             <a:endParaRPr lang="en-US"/>
           </a:p>
@@ -1363,7 +1369,7 @@
           <a:p>
             <a:fld id="{28A02E2E-7E1A-4CF8-B33B-7A3A0C846DC2}" type="datetime1">
               <a:rPr lang="en-US" smtClean="0"/>
-              <a:t>4/24/2014</a:t>
+              <a:t>11/16/2014</a:t>
             </a:fld>
             <a:endParaRPr lang="en-US"/>
           </a:p>
@@ -1611,7 +1617,7 @@
           <a:p>
             <a:fld id="{8CE046AC-902E-42C0-88FC-A13213B32EAE}" type="datetime1">
               <a:rPr lang="en-US" smtClean="0"/>
-              <a:t>4/24/2014</a:t>
+              <a:t>11/16/2014</a:t>
             </a:fld>
             <a:endParaRPr lang="en-US"/>
           </a:p>
@@ -2151,7 +2157,7 @@
           <a:p>
             <a:fld id="{31A6F805-971A-403C-A032-DEFF7CF3C983}" type="datetime1">
               <a:rPr lang="en-US" smtClean="0"/>
-              <a:t>4/24/2014</a:t>
+              <a:t>11/16/2014</a:t>
             </a:fld>
             <a:endParaRPr lang="en-US"/>
           </a:p>
@@ -2399,7 +2405,7 @@
           <a:p>
             <a:fld id="{A47BC926-D3EC-4D9D-A99F-9E843187F3B0}" type="datetime1">
               <a:rPr lang="en-US" smtClean="0"/>
-              <a:t>4/24/2014</a:t>
+              <a:t>11/16/2014</a:t>
             </a:fld>
             <a:endParaRPr lang="en-US"/>
           </a:p>
@@ -2931,7 +2937,7 @@
           <a:p>
             <a:fld id="{706D8B8A-C6A1-4E34-A79C-7660F8ED0256}" type="datetime1">
               <a:rPr lang="en-US" smtClean="0"/>
-              <a:t>4/24/2014</a:t>
+              <a:t>11/16/2014</a:t>
             </a:fld>
             <a:endParaRPr lang="en-US"/>
           </a:p>
@@ -3228,7 +3234,7 @@
           <a:p>
             <a:fld id="{F4BE39B4-CFBF-45CF-82E8-4594DA2BC016}" type="datetime1">
               <a:rPr lang="en-US" smtClean="0"/>
-              <a:t>4/24/2014</a:t>
+              <a:t>11/16/2014</a:t>
             </a:fld>
             <a:endParaRPr lang="en-US"/>
           </a:p>
@@ -3402,7 +3408,7 @@
           <a:p>
             <a:fld id="{DE0C5273-F1EA-4469-BB96-269557B0EFD7}" type="datetime1">
               <a:rPr lang="en-US" smtClean="0"/>
-              <a:t>4/24/2014</a:t>
+              <a:t>11/16/2014</a:t>
             </a:fld>
             <a:endParaRPr lang="en-US"/>
           </a:p>
@@ -3582,7 +3588,7 @@
           <a:p>
             <a:fld id="{A151EF98-F8EA-4C17-B600-10F3495D73A0}" type="datetime1">
               <a:rPr lang="en-US" smtClean="0"/>
-              <a:t>4/24/2014</a:t>
+              <a:t>11/16/2014</a:t>
             </a:fld>
             <a:endParaRPr lang="en-US"/>
           </a:p>
@@ -3778,7 +3784,7 @@
           <a:p>
             <a:fld id="{573D28D5-0840-4988-BF4D-6D4AA1076FF1}" type="datetime1">
               <a:rPr lang="en-US" smtClean="0"/>
-              <a:t>4/24/2014</a:t>
+              <a:t>11/16/2014</a:t>
             </a:fld>
             <a:endParaRPr lang="en-US"/>
           </a:p>
@@ -4031,7 +4037,7 @@
           <a:p>
             <a:fld id="{9F96B093-F3D2-4BE9-838E-E3D4B84B74A6}" type="datetime1">
               <a:rPr lang="en-US" smtClean="0"/>
-              <a:t>4/24/2014</a:t>
+              <a:t>11/16/2014</a:t>
             </a:fld>
             <a:endParaRPr lang="en-US"/>
           </a:p>
@@ -4334,7 +4340,7 @@
           <a:p>
             <a:fld id="{BE18AAB6-E895-4CF5-8797-8DBFC83C491D}" type="datetime1">
               <a:rPr lang="en-US" smtClean="0"/>
-              <a:t>4/24/2014</a:t>
+              <a:t>11/16/2014</a:t>
             </a:fld>
             <a:endParaRPr lang="en-US"/>
           </a:p>
@@ -4776,7 +4782,7 @@
           <a:p>
             <a:fld id="{72210C82-80B6-439C-A993-8C06E994D74A}" type="datetime1">
               <a:rPr lang="en-US" smtClean="0"/>
-              <a:t>4/24/2014</a:t>
+              <a:t>11/16/2014</a:t>
             </a:fld>
             <a:endParaRPr lang="en-US"/>
           </a:p>
@@ -4894,7 +4900,7 @@
           <a:p>
             <a:fld id="{24A3ABEB-97E0-4DED-AEF3-FAB70F021CC7}" type="datetime1">
               <a:rPr lang="en-US" smtClean="0"/>
-              <a:t>4/24/2014</a:t>
+              <a:t>11/16/2014</a:t>
             </a:fld>
             <a:endParaRPr lang="en-US"/>
           </a:p>
@@ -4989,7 +4995,7 @@
           <a:p>
             <a:fld id="{FFC76860-5976-4A44-8E7A-96795D52A085}" type="datetime1">
               <a:rPr lang="en-US" smtClean="0"/>
-              <a:t>4/24/2014</a:t>
+              <a:t>11/16/2014</a:t>
             </a:fld>
             <a:endParaRPr lang="en-US"/>
           </a:p>
@@ -5272,7 +5278,7 @@
           <a:p>
             <a:fld id="{D041843B-E1B4-43C8-9F5C-31408ABDC424}" type="datetime1">
               <a:rPr lang="en-US" smtClean="0"/>
-              <a:t>4/24/2014</a:t>
+              <a:t>11/16/2014</a:t>
             </a:fld>
             <a:endParaRPr lang="en-US"/>
           </a:p>
@@ -5563,7 +5569,7 @@
           <a:p>
             <a:fld id="{731A8D32-FC45-449B-9B90-E5553677A65C}" type="datetime1">
               <a:rPr lang="en-US" smtClean="0"/>
-              <a:t>4/24/2014</a:t>
+              <a:t>11/16/2014</a:t>
             </a:fld>
             <a:endParaRPr lang="en-US"/>
           </a:p>
@@ -6093,7 +6099,7 @@
           <a:p>
             <a:fld id="{5E17704D-19AD-47EC-889C-2F8A90D9F71A}" type="datetime1">
               <a:rPr lang="en-US" smtClean="0"/>
-              <a:t>4/24/2014</a:t>
+              <a:t>11/16/2014</a:t>
             </a:fld>
             <a:endParaRPr lang="en-US"/>
           </a:p>
@@ -7032,9 +7038,10 @@
           <a:lstStyle/>
           <a:p>
             <a:r>
-              <a:rPr lang="en-US" dirty="0"/>
-              <a:t>Standards</a:t>
-            </a:r>
+              <a:rPr lang="en-US" dirty="0" smtClean="0"/>
+              <a:t>Technical Drawings</a:t>
+            </a:r>
+            <a:endParaRPr lang="en-US" dirty="0"/>
           </a:p>
         </p:txBody>
       </p:sp>
@@ -7050,122 +7057,10 @@
         </p:nvSpPr>
         <p:spPr/>
         <p:txBody>
-          <a:bodyPr>
-            <a:normAutofit fontScale="70000" lnSpcReduction="20000"/>
-          </a:bodyPr>
-          <a:lstStyle/>
-          <a:p>
-            <a:r>
-              <a:rPr lang="en-US" dirty="0"/>
-              <a:t>ISO 262 - </a:t>
-            </a:r>
-            <a:r>
-              <a:rPr lang="en-US" dirty="0" smtClean="0"/>
-              <a:t>Metric </a:t>
-            </a:r>
-            <a:r>
-              <a:rPr lang="en-US" dirty="0"/>
-              <a:t>screw thread </a:t>
-            </a:r>
-            <a:r>
-              <a:rPr lang="en-US" dirty="0" smtClean="0"/>
-              <a:t>dimensions [2]</a:t>
-            </a:r>
-            <a:endParaRPr lang="en-US" dirty="0"/>
-          </a:p>
-          <a:p>
-            <a:r>
-              <a:rPr lang="en-US" dirty="0"/>
-              <a:t>DIN 103  -  Trapezoidal lead screw </a:t>
-            </a:r>
-            <a:r>
-              <a:rPr lang="en-US" dirty="0" smtClean="0"/>
-              <a:t>dimensions [3]</a:t>
-            </a:r>
-            <a:endParaRPr lang="en-US" dirty="0"/>
-          </a:p>
-          <a:p>
-            <a:r>
-              <a:rPr lang="en-US" dirty="0"/>
-              <a:t>ANSI/NEMA MG 1-2011  -  Stepper motor mounting </a:t>
-            </a:r>
-            <a:r>
-              <a:rPr lang="en-US" dirty="0" smtClean="0"/>
-              <a:t>dimensions [4]</a:t>
-            </a:r>
-            <a:endParaRPr lang="en-US" dirty="0"/>
-          </a:p>
-          <a:p>
-            <a:r>
-              <a:rPr lang="en-US" dirty="0"/>
-              <a:t>ISO 6983  -  </a:t>
-            </a:r>
-            <a:r>
-              <a:rPr lang="en-US" dirty="0" smtClean="0"/>
-              <a:t>G-Code [5]</a:t>
-            </a:r>
-            <a:endParaRPr lang="en-US" dirty="0"/>
-          </a:p>
-          <a:p>
-            <a:r>
-              <a:rPr lang="en-US" dirty="0"/>
-              <a:t>ISO 10303-21  -  STEP </a:t>
-            </a:r>
-            <a:r>
-              <a:rPr lang="en-US" dirty="0" smtClean="0"/>
-              <a:t>file [6]</a:t>
-            </a:r>
-            <a:endParaRPr lang="en-US" dirty="0"/>
-          </a:p>
-          <a:p>
-            <a:r>
-              <a:rPr lang="en-US" dirty="0"/>
-              <a:t>STL file format ( ungoverned </a:t>
-            </a:r>
-            <a:r>
-              <a:rPr lang="en-US" dirty="0" smtClean="0"/>
-              <a:t>) [7]</a:t>
-            </a:r>
-            <a:endParaRPr lang="en-US" dirty="0"/>
-          </a:p>
-          <a:p>
-            <a:r>
-              <a:rPr lang="en-US" dirty="0"/>
-              <a:t>ISO/ASTM 52915:2013  -   Additive manufacturing file </a:t>
-            </a:r>
-            <a:r>
-              <a:rPr lang="en-US" dirty="0" smtClean="0"/>
-              <a:t>format [8]</a:t>
-            </a:r>
-            <a:endParaRPr lang="en-US" dirty="0"/>
-          </a:p>
-          <a:p>
-            <a:r>
-              <a:rPr lang="en-US" dirty="0"/>
-              <a:t>W3C XML 1.1  -  Extensible Markup Language file </a:t>
-            </a:r>
-            <a:r>
-              <a:rPr lang="en-US" dirty="0" smtClean="0"/>
-              <a:t>format [9]</a:t>
-            </a:r>
-          </a:p>
-          <a:p>
-            <a:r>
-              <a:rPr lang="en-US" dirty="0" smtClean="0"/>
-              <a:t>W3C SVG 1.1 - Scalable Vector Graphics file format [10]</a:t>
-            </a:r>
-            <a:endParaRPr lang="en-US" dirty="0"/>
-          </a:p>
-          <a:p>
-            <a:r>
-              <a:rPr lang="en-US" dirty="0"/>
-              <a:t>ISO/IEC 14882:2011 / 2011  -  C++ programming </a:t>
-            </a:r>
-            <a:r>
-              <a:rPr lang="en-US" dirty="0" smtClean="0"/>
-              <a:t>language [11]</a:t>
-            </a:r>
-            <a:endParaRPr lang="en-US" dirty="0"/>
+          <a:bodyPr/>
+          <a:lstStyle/>
+          <a:p>
+            <a:endParaRPr lang="en-US"/>
           </a:p>
         </p:txBody>
       </p:sp>
@@ -7195,20 +7090,13 @@
     </p:spTree>
     <p:extLst>
       <p:ext uri="{BB962C8B-B14F-4D97-AF65-F5344CB8AC3E}">
-        <p14:creationId xmlns:p14="http://schemas.microsoft.com/office/powerpoint/2010/main" val="3039060801"/>
+        <p14:creationId xmlns:p14="http://schemas.microsoft.com/office/powerpoint/2010/main" val="2704906384"/>
       </p:ext>
     </p:extLst>
   </p:cSld>
   <p:clrMapOvr>
     <a:masterClrMapping/>
   </p:clrMapOvr>
-  <p:timing>
-    <p:tnLst>
-      <p:par>
-        <p:cTn id="1" dur="indefinite" restart="never" nodeType="tmRoot"/>
-      </p:par>
-    </p:tnLst>
-  </p:timing>
 </p:sld>
 </file>
 
@@ -7246,12 +7134,28 @@
           <a:p>
             <a:r>
               <a:rPr lang="en-US" dirty="0" smtClean="0"/>
-              <a:t>Functional </a:t>
-            </a:r>
-            <a:r>
-              <a:rPr lang="en-US" dirty="0"/>
-              <a:t>Block Diagram</a:t>
-            </a:r>
+              <a:t>Vat Design</a:t>
+            </a:r>
+            <a:endParaRPr lang="en-US" dirty="0"/>
+          </a:p>
+        </p:txBody>
+      </p:sp>
+      <p:sp>
+        <p:nvSpPr>
+          <p:cNvPr id="3" name="Content Placeholder 2"/>
+          <p:cNvSpPr>
+            <a:spLocks noGrp="1"/>
+          </p:cNvSpPr>
+          <p:nvPr>
+            <p:ph idx="1"/>
+          </p:nvPr>
+        </p:nvSpPr>
+        <p:spPr/>
+        <p:txBody>
+          <a:bodyPr/>
+          <a:lstStyle/>
+          <a:p>
+            <a:endParaRPr lang="en-US"/>
           </a:p>
         </p:txBody>
       </p:sp>
@@ -7278,77 +7182,16 @@
           </a:p>
         </p:txBody>
       </p:sp>
-      <p:pic>
-        <p:nvPicPr>
-          <p:cNvPr id="6" name="Picture 5"/>
-          <p:cNvPicPr>
-            <a:picLocks noChangeAspect="1"/>
-          </p:cNvPicPr>
-          <p:nvPr/>
-        </p:nvPicPr>
-        <p:blipFill>
-          <a:blip r:embed="rId2"/>
-          <a:stretch>
-            <a:fillRect/>
-          </a:stretch>
-        </p:blipFill>
-        <p:spPr>
-          <a:xfrm>
-            <a:off x="1064412" y="1504440"/>
-            <a:ext cx="10973866" cy="4336349"/>
-          </a:xfrm>
-          <a:prstGeom prst="rect">
-            <a:avLst/>
-          </a:prstGeom>
-        </p:spPr>
-      </p:pic>
-      <p:sp>
-        <p:nvSpPr>
-          <p:cNvPr id="7" name="TextBox 6"/>
-          <p:cNvSpPr txBox="1"/>
-          <p:nvPr/>
-        </p:nvSpPr>
-        <p:spPr>
-          <a:xfrm>
-            <a:off x="4799904" y="5867130"/>
-            <a:ext cx="3502882" cy="369332"/>
-          </a:xfrm>
-          <a:prstGeom prst="rect">
-            <a:avLst/>
-          </a:prstGeom>
-          <a:noFill/>
-        </p:spPr>
-        <p:txBody>
-          <a:bodyPr wrap="none" rtlCol="0">
-            <a:spAutoFit/>
-          </a:bodyPr>
-          <a:lstStyle/>
-          <a:p>
-            <a:r>
-              <a:rPr lang="en-US" dirty="0" smtClean="0"/>
-              <a:t>Figure 6. Functional Block Diagram</a:t>
-            </a:r>
-            <a:endParaRPr lang="en-US" dirty="0"/>
-          </a:p>
-        </p:txBody>
-      </p:sp>
     </p:spTree>
     <p:extLst>
       <p:ext uri="{BB962C8B-B14F-4D97-AF65-F5344CB8AC3E}">
-        <p14:creationId xmlns:p14="http://schemas.microsoft.com/office/powerpoint/2010/main" val="3997829335"/>
+        <p14:creationId xmlns:p14="http://schemas.microsoft.com/office/powerpoint/2010/main" val="795725223"/>
       </p:ext>
     </p:extLst>
   </p:cSld>
   <p:clrMapOvr>
     <a:masterClrMapping/>
   </p:clrMapOvr>
-  <p:timing>
-    <p:tnLst>
-      <p:par>
-        <p:cTn id="1" dur="indefinite" restart="never" nodeType="tmRoot"/>
-      </p:par>
-    </p:tnLst>
-  </p:timing>
 </p:sld>
 </file>
 
@@ -7371,7 +7214,7 @@
       </p:grpSpPr>
       <p:sp>
         <p:nvSpPr>
-          <p:cNvPr id="6" name="Title 5"/>
+          <p:cNvPr id="2" name="Title 1"/>
           <p:cNvSpPr>
             <a:spLocks noGrp="1"/>
           </p:cNvSpPr>
@@ -7386,18 +7229,34 @@
           <a:p>
             <a:r>
               <a:rPr lang="en-US" dirty="0" smtClean="0"/>
-              <a:t>Printer </a:t>
-            </a:r>
-            <a:r>
-              <a:rPr lang="en-US" dirty="0"/>
-              <a:t>Control Software</a:t>
-            </a:r>
-          </a:p>
-        </p:txBody>
-      </p:sp>
-      <p:sp>
-        <p:nvSpPr>
-          <p:cNvPr id="5" name="Slide Number Placeholder 4"/>
+              <a:t>Wire Diagram</a:t>
+            </a:r>
+            <a:endParaRPr lang="en-US" dirty="0"/>
+          </a:p>
+        </p:txBody>
+      </p:sp>
+      <p:sp>
+        <p:nvSpPr>
+          <p:cNvPr id="3" name="Content Placeholder 2"/>
+          <p:cNvSpPr>
+            <a:spLocks noGrp="1"/>
+          </p:cNvSpPr>
+          <p:nvPr>
+            <p:ph idx="1"/>
+          </p:nvPr>
+        </p:nvSpPr>
+        <p:spPr/>
+        <p:txBody>
+          <a:bodyPr/>
+          <a:lstStyle/>
+          <a:p>
+            <a:endParaRPr lang="en-US"/>
+          </a:p>
+        </p:txBody>
+      </p:sp>
+      <p:sp>
+        <p:nvSpPr>
+          <p:cNvPr id="4" name="Slide Number Placeholder 3"/>
           <p:cNvSpPr>
             <a:spLocks noGrp="1"/>
           </p:cNvSpPr>
@@ -7418,1336 +7277,16 @@
           </a:p>
         </p:txBody>
       </p:sp>
-      <p:graphicFrame>
-        <p:nvGraphicFramePr>
-          <p:cNvPr id="9" name="Content Placeholder 1"/>
-          <p:cNvGraphicFramePr>
-            <a:graphicFrameLocks/>
-          </p:cNvGraphicFramePr>
-          <p:nvPr>
-            <p:extLst>
-              <p:ext uri="{D42A27DB-BD31-4B8C-83A1-F6EECF244321}">
-                <p14:modId xmlns:p14="http://schemas.microsoft.com/office/powerpoint/2010/main" val="3690389850"/>
-              </p:ext>
-            </p:extLst>
-          </p:nvPr>
-        </p:nvGraphicFramePr>
-        <p:xfrm>
-          <a:off x="2298446" y="1955514"/>
-          <a:ext cx="8276096" cy="4572000"/>
-        </p:xfrm>
-        <a:graphic>
-          <a:graphicData uri="http://schemas.openxmlformats.org/drawingml/2006/table">
-            <a:tbl>
-              <a:tblPr firstRow="1" firstCol="1" bandRow="1">
-                <a:tableStyleId>{5C22544A-7EE6-4342-B048-85BDC9FD1C3A}</a:tableStyleId>
-              </a:tblPr>
-              <a:tblGrid>
-                <a:gridCol w="1563391"/>
-                <a:gridCol w="1267129"/>
-                <a:gridCol w="1413336"/>
-                <a:gridCol w="2016120"/>
-                <a:gridCol w="2016120"/>
-              </a:tblGrid>
-              <a:tr h="273755">
-                <a:tc>
-                  <a:txBody>
-                    <a:bodyPr/>
-                    <a:lstStyle/>
-                    <a:p>
-                      <a:pPr marL="0" marR="0" algn="ctr">
-                        <a:spcBef>
-                          <a:spcPts val="0"/>
-                        </a:spcBef>
-                        <a:spcAft>
-                          <a:spcPts val="0"/>
-                        </a:spcAft>
-                      </a:pPr>
-                      <a:r>
-                        <a:rPr lang="en-US" sz="2000" dirty="0" smtClean="0">
-                          <a:effectLst/>
-                        </a:rPr>
-                        <a:t>Solution</a:t>
-                      </a:r>
-                      <a:r>
-                        <a:rPr lang="en-US" sz="2000" dirty="0">
-                          <a:effectLst/>
-                        </a:rPr>
-                        <a:t> </a:t>
-                      </a:r>
-                      <a:endParaRPr lang="en-US" sz="2000" dirty="0">
-                        <a:effectLst/>
-                        <a:latin typeface="Times New Roman" panose="02020603050405020304" pitchFamily="18" charset="0"/>
-                        <a:ea typeface="Times New Roman" panose="02020603050405020304" pitchFamily="18" charset="0"/>
-                      </a:endParaRPr>
-                    </a:p>
-                  </a:txBody>
-                  <a:tcPr marL="68580" marR="68580" marT="0" marB="0" anchor="ctr"/>
-                </a:tc>
-                <a:tc>
-                  <a:txBody>
-                    <a:bodyPr/>
-                    <a:lstStyle/>
-                    <a:p>
-                      <a:pPr marL="0" marR="0" algn="ctr">
-                        <a:spcBef>
-                          <a:spcPts val="0"/>
-                        </a:spcBef>
-                        <a:spcAft>
-                          <a:spcPts val="0"/>
-                        </a:spcAft>
-                      </a:pPr>
-                      <a:r>
-                        <a:rPr lang="en-US" sz="2000" dirty="0">
-                          <a:effectLst/>
-                        </a:rPr>
-                        <a:t>B9 Creator</a:t>
-                      </a:r>
-                      <a:endParaRPr lang="en-US" sz="2000" dirty="0">
-                        <a:effectLst/>
-                        <a:latin typeface="Times New Roman" panose="02020603050405020304" pitchFamily="18" charset="0"/>
-                        <a:ea typeface="Times New Roman" panose="02020603050405020304" pitchFamily="18" charset="0"/>
-                      </a:endParaRPr>
-                    </a:p>
-                  </a:txBody>
-                  <a:tcPr marL="68580" marR="68580" marT="0" marB="0" anchor="ctr"/>
-                </a:tc>
-                <a:tc>
-                  <a:txBody>
-                    <a:bodyPr/>
-                    <a:lstStyle/>
-                    <a:p>
-                      <a:pPr marL="0" marR="0" algn="ctr">
-                        <a:spcBef>
-                          <a:spcPts val="0"/>
-                        </a:spcBef>
-                        <a:spcAft>
-                          <a:spcPts val="0"/>
-                        </a:spcAft>
-                      </a:pPr>
-                      <a:r>
-                        <a:rPr lang="en-US" sz="2000">
-                          <a:effectLst/>
-                        </a:rPr>
-                        <a:t>MiiCraft</a:t>
-                      </a:r>
-                      <a:endParaRPr lang="en-US" sz="2000">
-                        <a:effectLst/>
-                        <a:latin typeface="Times New Roman" panose="02020603050405020304" pitchFamily="18" charset="0"/>
-                        <a:ea typeface="Times New Roman" panose="02020603050405020304" pitchFamily="18" charset="0"/>
-                      </a:endParaRPr>
-                    </a:p>
-                  </a:txBody>
-                  <a:tcPr marL="68580" marR="68580" marT="0" marB="0" anchor="ctr"/>
-                </a:tc>
-                <a:tc>
-                  <a:txBody>
-                    <a:bodyPr/>
-                    <a:lstStyle/>
-                    <a:p>
-                      <a:pPr marL="0" marR="0" algn="ctr">
-                        <a:spcBef>
-                          <a:spcPts val="0"/>
-                        </a:spcBef>
-                        <a:spcAft>
-                          <a:spcPts val="0"/>
-                        </a:spcAft>
-                      </a:pPr>
-                      <a:r>
-                        <a:rPr lang="en-US" sz="2000" dirty="0">
-                          <a:effectLst/>
-                        </a:rPr>
-                        <a:t>Creation Workshop</a:t>
-                      </a:r>
-                      <a:endParaRPr lang="en-US" sz="2000" dirty="0">
-                        <a:effectLst/>
-                        <a:latin typeface="Times New Roman" panose="02020603050405020304" pitchFamily="18" charset="0"/>
-                        <a:ea typeface="Times New Roman" panose="02020603050405020304" pitchFamily="18" charset="0"/>
-                      </a:endParaRPr>
-                    </a:p>
-                  </a:txBody>
-                  <a:tcPr marL="68580" marR="68580" marT="0" marB="0" anchor="ctr"/>
-                </a:tc>
-                <a:tc>
-                  <a:txBody>
-                    <a:bodyPr/>
-                    <a:lstStyle/>
-                    <a:p>
-                      <a:pPr marL="0" marR="0" algn="ctr">
-                        <a:spcBef>
-                          <a:spcPts val="0"/>
-                        </a:spcBef>
-                        <a:spcAft>
-                          <a:spcPts val="0"/>
-                        </a:spcAft>
-                      </a:pPr>
-                      <a:r>
-                        <a:rPr lang="en-US" sz="2000" dirty="0" smtClean="0">
-                          <a:effectLst/>
-                          <a:latin typeface="+mn-lt"/>
-                          <a:ea typeface="Times New Roman" panose="02020603050405020304" pitchFamily="18" charset="0"/>
-                        </a:rPr>
-                        <a:t>PAM</a:t>
-                      </a:r>
-                      <a:endParaRPr lang="en-US" sz="2000" dirty="0">
-                        <a:effectLst/>
-                        <a:latin typeface="+mn-lt"/>
-                        <a:ea typeface="Times New Roman" panose="02020603050405020304" pitchFamily="18" charset="0"/>
-                      </a:endParaRPr>
-                    </a:p>
-                  </a:txBody>
-                  <a:tcPr marL="68580" marR="68580" marT="0" marB="0" anchor="ctr"/>
-                </a:tc>
-              </a:tr>
-              <a:tr h="273755">
-                <a:tc>
-                  <a:txBody>
-                    <a:bodyPr/>
-                    <a:lstStyle/>
-                    <a:p>
-                      <a:pPr marL="0" marR="0" algn="ctr">
-                        <a:spcBef>
-                          <a:spcPts val="0"/>
-                        </a:spcBef>
-                        <a:spcAft>
-                          <a:spcPts val="0"/>
-                        </a:spcAft>
-                      </a:pPr>
-                      <a:r>
-                        <a:rPr lang="en-US" sz="2000">
-                          <a:effectLst/>
-                        </a:rPr>
-                        <a:t>Language</a:t>
-                      </a:r>
-                      <a:endParaRPr lang="en-US" sz="2000">
-                        <a:effectLst/>
-                        <a:latin typeface="Times New Roman" panose="02020603050405020304" pitchFamily="18" charset="0"/>
-                        <a:ea typeface="Times New Roman" panose="02020603050405020304" pitchFamily="18" charset="0"/>
-                      </a:endParaRPr>
-                    </a:p>
-                  </a:txBody>
-                  <a:tcPr marL="68580" marR="68580" marT="0" marB="0" anchor="ctr"/>
-                </a:tc>
-                <a:tc>
-                  <a:txBody>
-                    <a:bodyPr/>
-                    <a:lstStyle/>
-                    <a:p>
-                      <a:pPr marL="0" marR="0" algn="ctr">
-                        <a:spcBef>
-                          <a:spcPts val="0"/>
-                        </a:spcBef>
-                        <a:spcAft>
-                          <a:spcPts val="0"/>
-                        </a:spcAft>
-                      </a:pPr>
-                      <a:r>
-                        <a:rPr lang="en-US" sz="2000" dirty="0">
-                          <a:effectLst/>
-                        </a:rPr>
-                        <a:t>C</a:t>
-                      </a:r>
-                      <a:r>
-                        <a:rPr lang="en-US" sz="2000" dirty="0" smtClean="0">
-                          <a:effectLst/>
-                        </a:rPr>
-                        <a:t>++ </a:t>
-                      </a:r>
-                      <a:endParaRPr lang="en-US" sz="2000" dirty="0">
-                        <a:effectLst/>
-                        <a:latin typeface="Times New Roman" panose="02020603050405020304" pitchFamily="18" charset="0"/>
-                        <a:ea typeface="Times New Roman" panose="02020603050405020304" pitchFamily="18" charset="0"/>
-                      </a:endParaRPr>
-                    </a:p>
-                  </a:txBody>
-                  <a:tcPr marL="68580" marR="68580" marT="0" marB="0" anchor="ctr"/>
-                </a:tc>
-                <a:tc>
-                  <a:txBody>
-                    <a:bodyPr/>
-                    <a:lstStyle/>
-                    <a:p>
-                      <a:pPr marL="0" marR="0" algn="ctr">
-                        <a:spcBef>
-                          <a:spcPts val="0"/>
-                        </a:spcBef>
-                        <a:spcAft>
-                          <a:spcPts val="0"/>
-                        </a:spcAft>
-                      </a:pPr>
-                      <a:r>
-                        <a:rPr lang="en-US" sz="2000" dirty="0" smtClean="0">
-                          <a:effectLst/>
-                        </a:rPr>
-                        <a:t>Python</a:t>
-                      </a:r>
-                      <a:endParaRPr lang="en-US" sz="2000" dirty="0">
-                        <a:effectLst/>
-                        <a:latin typeface="Times New Roman" panose="02020603050405020304" pitchFamily="18" charset="0"/>
-                        <a:ea typeface="Times New Roman" panose="02020603050405020304" pitchFamily="18" charset="0"/>
-                      </a:endParaRPr>
-                    </a:p>
-                  </a:txBody>
-                  <a:tcPr marL="68580" marR="68580" marT="0" marB="0" anchor="ctr"/>
-                </a:tc>
-                <a:tc>
-                  <a:txBody>
-                    <a:bodyPr/>
-                    <a:lstStyle/>
-                    <a:p>
-                      <a:pPr marL="0" marR="0" algn="ctr">
-                        <a:spcBef>
-                          <a:spcPts val="0"/>
-                        </a:spcBef>
-                        <a:spcAft>
-                          <a:spcPts val="0"/>
-                        </a:spcAft>
-                      </a:pPr>
-                      <a:r>
-                        <a:rPr lang="en-US" sz="2000" dirty="0">
-                          <a:effectLst/>
-                        </a:rPr>
-                        <a:t>C</a:t>
-                      </a:r>
-                      <a:r>
-                        <a:rPr lang="en-US" sz="2000" dirty="0" smtClean="0">
-                          <a:effectLst/>
-                        </a:rPr>
-                        <a:t>#</a:t>
-                      </a:r>
-                      <a:endParaRPr lang="en-US" sz="2000" dirty="0">
-                        <a:effectLst/>
-                        <a:latin typeface="Times New Roman" panose="02020603050405020304" pitchFamily="18" charset="0"/>
-                        <a:ea typeface="Times New Roman" panose="02020603050405020304" pitchFamily="18" charset="0"/>
-                      </a:endParaRPr>
-                    </a:p>
-                  </a:txBody>
-                  <a:tcPr marL="68580" marR="68580" marT="0" marB="0" anchor="ctr"/>
-                </a:tc>
-                <a:tc>
-                  <a:txBody>
-                    <a:bodyPr/>
-                    <a:lstStyle/>
-                    <a:p>
-                      <a:pPr marL="0" marR="0" algn="ctr">
-                        <a:spcBef>
-                          <a:spcPts val="0"/>
-                        </a:spcBef>
-                        <a:spcAft>
-                          <a:spcPts val="0"/>
-                        </a:spcAft>
-                      </a:pPr>
-                      <a:r>
-                        <a:rPr lang="en-US" sz="2000" dirty="0" smtClean="0">
-                          <a:effectLst/>
-                          <a:latin typeface="+mn-lt"/>
-                          <a:ea typeface="Times New Roman" panose="02020603050405020304" pitchFamily="18" charset="0"/>
-                        </a:rPr>
-                        <a:t>C++</a:t>
-                      </a:r>
-                      <a:endParaRPr lang="en-US" sz="2000" dirty="0">
-                        <a:effectLst/>
-                        <a:latin typeface="+mn-lt"/>
-                        <a:ea typeface="Times New Roman" panose="02020603050405020304" pitchFamily="18" charset="0"/>
-                      </a:endParaRPr>
-                    </a:p>
-                  </a:txBody>
-                  <a:tcPr marL="68580" marR="68580" marT="0" marB="0" anchor="ctr"/>
-                </a:tc>
-              </a:tr>
-              <a:tr h="473522">
-                <a:tc>
-                  <a:txBody>
-                    <a:bodyPr/>
-                    <a:lstStyle/>
-                    <a:p>
-                      <a:pPr marL="0" marR="0" algn="ctr">
-                        <a:spcBef>
-                          <a:spcPts val="0"/>
-                        </a:spcBef>
-                        <a:spcAft>
-                          <a:spcPts val="0"/>
-                        </a:spcAft>
-                      </a:pPr>
-                      <a:r>
-                        <a:rPr lang="en-US" sz="2000">
-                          <a:effectLst/>
-                        </a:rPr>
-                        <a:t>Cross-platform</a:t>
-                      </a:r>
-                      <a:endParaRPr lang="en-US" sz="2000">
-                        <a:effectLst/>
-                        <a:latin typeface="Times New Roman" panose="02020603050405020304" pitchFamily="18" charset="0"/>
-                        <a:ea typeface="Times New Roman" panose="02020603050405020304" pitchFamily="18" charset="0"/>
-                      </a:endParaRPr>
-                    </a:p>
-                  </a:txBody>
-                  <a:tcPr marL="68580" marR="68580" marT="0" marB="0" anchor="ctr"/>
-                </a:tc>
-                <a:tc>
-                  <a:txBody>
-                    <a:bodyPr/>
-                    <a:lstStyle/>
-                    <a:p>
-                      <a:pPr marL="0" marR="0" algn="ctr">
-                        <a:spcBef>
-                          <a:spcPts val="0"/>
-                        </a:spcBef>
-                        <a:spcAft>
-                          <a:spcPts val="0"/>
-                        </a:spcAft>
-                      </a:pPr>
-                      <a:r>
-                        <a:rPr lang="en-US" sz="2000" dirty="0" smtClean="0">
-                          <a:effectLst/>
-                        </a:rPr>
-                        <a:t>✓</a:t>
-                      </a:r>
-                      <a:endParaRPr lang="en-US" sz="2000" dirty="0">
-                        <a:effectLst/>
-                        <a:latin typeface="Times New Roman" panose="02020603050405020304" pitchFamily="18" charset="0"/>
-                        <a:ea typeface="Times New Roman" panose="02020603050405020304" pitchFamily="18" charset="0"/>
-                      </a:endParaRPr>
-                    </a:p>
-                  </a:txBody>
-                  <a:tcPr marL="68580" marR="68580" marT="0" marB="0" anchor="ctr"/>
-                </a:tc>
-                <a:tc>
-                  <a:txBody>
-                    <a:bodyPr/>
-                    <a:lstStyle/>
-                    <a:p>
-                      <a:pPr marL="0" marR="0" algn="ctr">
-                        <a:spcBef>
-                          <a:spcPts val="0"/>
-                        </a:spcBef>
-                        <a:spcAft>
-                          <a:spcPts val="0"/>
-                        </a:spcAft>
-                      </a:pPr>
-                      <a:r>
-                        <a:rPr lang="en-US" sz="2000" dirty="0" smtClean="0">
-                          <a:effectLst/>
-                        </a:rPr>
-                        <a:t>✗</a:t>
-                      </a:r>
-                      <a:endParaRPr lang="en-US" sz="2000" dirty="0">
-                        <a:effectLst/>
-                        <a:latin typeface="Times New Roman" panose="02020603050405020304" pitchFamily="18" charset="0"/>
-                        <a:ea typeface="Times New Roman" panose="02020603050405020304" pitchFamily="18" charset="0"/>
-                      </a:endParaRPr>
-                    </a:p>
-                  </a:txBody>
-                  <a:tcPr marL="68580" marR="68580" marT="0" marB="0" anchor="ctr"/>
-                </a:tc>
-                <a:tc>
-                  <a:txBody>
-                    <a:bodyPr/>
-                    <a:lstStyle/>
-                    <a:p>
-                      <a:pPr marL="0" marR="0" algn="ctr">
-                        <a:spcBef>
-                          <a:spcPts val="0"/>
-                        </a:spcBef>
-                        <a:spcAft>
-                          <a:spcPts val="0"/>
-                        </a:spcAft>
-                      </a:pPr>
-                      <a:r>
-                        <a:rPr lang="en-US" sz="2000" dirty="0" smtClean="0">
-                          <a:effectLst/>
-                        </a:rPr>
-                        <a:t>✓</a:t>
-                      </a:r>
-                      <a:endParaRPr lang="en-US" sz="2000" dirty="0">
-                        <a:effectLst/>
-                        <a:latin typeface="Times New Roman" panose="02020603050405020304" pitchFamily="18" charset="0"/>
-                        <a:ea typeface="Times New Roman" panose="02020603050405020304" pitchFamily="18" charset="0"/>
-                      </a:endParaRPr>
-                    </a:p>
-                  </a:txBody>
-                  <a:tcPr marL="68580" marR="68580" marT="0" marB="0" anchor="ctr"/>
-                </a:tc>
-                <a:tc>
-                  <a:txBody>
-                    <a:bodyPr/>
-                    <a:lstStyle/>
-                    <a:p>
-                      <a:pPr marL="0" marR="0" indent="0" algn="ctr" defTabSz="457200" rtl="0" eaLnBrk="1" fontAlgn="auto" latinLnBrk="0" hangingPunct="1">
-                        <a:lnSpc>
-                          <a:spcPct val="100000"/>
-                        </a:lnSpc>
-                        <a:spcBef>
-                          <a:spcPts val="0"/>
-                        </a:spcBef>
-                        <a:spcAft>
-                          <a:spcPts val="0"/>
-                        </a:spcAft>
-                        <a:buClrTx/>
-                        <a:buSzTx/>
-                        <a:buFontTx/>
-                        <a:buNone/>
-                        <a:tabLst/>
-                        <a:defRPr/>
-                      </a:pPr>
-                      <a:r>
-                        <a:rPr lang="en-US" sz="2000" dirty="0" smtClean="0">
-                          <a:effectLst/>
-                        </a:rPr>
-                        <a:t>✓</a:t>
-                      </a:r>
-                      <a:endParaRPr lang="en-US" sz="2000" dirty="0" smtClean="0">
-                        <a:effectLst/>
-                        <a:latin typeface="Times New Roman" panose="02020603050405020304" pitchFamily="18" charset="0"/>
-                        <a:ea typeface="Times New Roman" panose="02020603050405020304" pitchFamily="18" charset="0"/>
-                      </a:endParaRPr>
-                    </a:p>
-                  </a:txBody>
-                  <a:tcPr marL="68580" marR="68580" marT="0" marB="0" anchor="ctr"/>
-                </a:tc>
-              </a:tr>
-              <a:tr h="473522">
-                <a:tc>
-                  <a:txBody>
-                    <a:bodyPr/>
-                    <a:lstStyle/>
-                    <a:p>
-                      <a:pPr marL="0" marR="0" algn="ctr">
-                        <a:spcBef>
-                          <a:spcPts val="0"/>
-                        </a:spcBef>
-                        <a:spcAft>
-                          <a:spcPts val="0"/>
-                        </a:spcAft>
-                      </a:pPr>
-                      <a:r>
-                        <a:rPr lang="en-US" sz="2000">
-                          <a:effectLst/>
-                        </a:rPr>
-                        <a:t>Slicing Software</a:t>
-                      </a:r>
-                      <a:endParaRPr lang="en-US" sz="2000">
-                        <a:effectLst/>
-                        <a:latin typeface="Times New Roman" panose="02020603050405020304" pitchFamily="18" charset="0"/>
-                        <a:ea typeface="Times New Roman" panose="02020603050405020304" pitchFamily="18" charset="0"/>
-                      </a:endParaRPr>
-                    </a:p>
-                  </a:txBody>
-                  <a:tcPr marL="68580" marR="68580" marT="0" marB="0" anchor="ctr"/>
-                </a:tc>
-                <a:tc>
-                  <a:txBody>
-                    <a:bodyPr/>
-                    <a:lstStyle/>
-                    <a:p>
-                      <a:pPr marL="0" marR="0" algn="ctr">
-                        <a:spcBef>
-                          <a:spcPts val="0"/>
-                        </a:spcBef>
-                        <a:spcAft>
-                          <a:spcPts val="0"/>
-                        </a:spcAft>
-                      </a:pPr>
-                      <a:r>
-                        <a:rPr lang="en-US" sz="2000" dirty="0" smtClean="0">
-                          <a:effectLst/>
-                        </a:rPr>
-                        <a:t>Custom</a:t>
-                      </a:r>
-                      <a:endParaRPr lang="en-US" sz="2000" dirty="0">
-                        <a:effectLst/>
-                        <a:latin typeface="Times New Roman" panose="02020603050405020304" pitchFamily="18" charset="0"/>
-                        <a:ea typeface="Times New Roman" panose="02020603050405020304" pitchFamily="18" charset="0"/>
-                      </a:endParaRPr>
-                    </a:p>
-                  </a:txBody>
-                  <a:tcPr marL="68580" marR="68580" marT="0" marB="0" anchor="ctr"/>
-                </a:tc>
-                <a:tc>
-                  <a:txBody>
-                    <a:bodyPr/>
-                    <a:lstStyle/>
-                    <a:p>
-                      <a:pPr marL="0" marR="0" algn="ctr">
-                        <a:spcBef>
-                          <a:spcPts val="0"/>
-                        </a:spcBef>
-                        <a:spcAft>
-                          <a:spcPts val="0"/>
-                        </a:spcAft>
-                      </a:pPr>
-                      <a:r>
-                        <a:rPr lang="en-US" sz="2000" dirty="0" err="1" smtClean="0">
-                          <a:effectLst/>
-                        </a:rPr>
-                        <a:t>Skeinforge</a:t>
-                      </a:r>
-                      <a:endParaRPr lang="en-US" sz="2000" dirty="0">
-                        <a:effectLst/>
-                        <a:latin typeface="Times New Roman" panose="02020603050405020304" pitchFamily="18" charset="0"/>
-                        <a:ea typeface="Times New Roman" panose="02020603050405020304" pitchFamily="18" charset="0"/>
-                      </a:endParaRPr>
-                    </a:p>
-                  </a:txBody>
-                  <a:tcPr marL="68580" marR="68580" marT="0" marB="0" anchor="ctr"/>
-                </a:tc>
-                <a:tc>
-                  <a:txBody>
-                    <a:bodyPr/>
-                    <a:lstStyle/>
-                    <a:p>
-                      <a:pPr marL="0" marR="0" algn="ctr">
-                        <a:spcBef>
-                          <a:spcPts val="0"/>
-                        </a:spcBef>
-                        <a:spcAft>
-                          <a:spcPts val="0"/>
-                        </a:spcAft>
-                      </a:pPr>
-                      <a:r>
-                        <a:rPr lang="en-US" sz="2000" dirty="0" smtClean="0">
-                          <a:effectLst/>
-                        </a:rPr>
-                        <a:t>Slic3r</a:t>
-                      </a:r>
-                      <a:endParaRPr lang="en-US" sz="2000" dirty="0">
-                        <a:effectLst/>
-                        <a:latin typeface="Times New Roman" panose="02020603050405020304" pitchFamily="18" charset="0"/>
-                        <a:ea typeface="Times New Roman" panose="02020603050405020304" pitchFamily="18" charset="0"/>
-                      </a:endParaRPr>
-                    </a:p>
-                  </a:txBody>
-                  <a:tcPr marL="68580" marR="68580" marT="0" marB="0" anchor="ctr"/>
-                </a:tc>
-                <a:tc>
-                  <a:txBody>
-                    <a:bodyPr/>
-                    <a:lstStyle/>
-                    <a:p>
-                      <a:pPr marL="0" marR="0" indent="0" algn="ctr" defTabSz="457200" rtl="0" eaLnBrk="1" fontAlgn="auto" latinLnBrk="0" hangingPunct="1">
-                        <a:lnSpc>
-                          <a:spcPct val="100000"/>
-                        </a:lnSpc>
-                        <a:spcBef>
-                          <a:spcPts val="0"/>
-                        </a:spcBef>
-                        <a:spcAft>
-                          <a:spcPts val="0"/>
-                        </a:spcAft>
-                        <a:buClrTx/>
-                        <a:buSzTx/>
-                        <a:buFontTx/>
-                        <a:buNone/>
-                        <a:tabLst/>
-                        <a:defRPr/>
-                      </a:pPr>
-                      <a:r>
-                        <a:rPr lang="en-US" sz="2000" dirty="0" smtClean="0">
-                          <a:effectLst/>
-                        </a:rPr>
-                        <a:t>Slic3r</a:t>
-                      </a:r>
-                      <a:endParaRPr lang="en-US" sz="2000" dirty="0" smtClean="0">
-                        <a:effectLst/>
-                        <a:latin typeface="Times New Roman" panose="02020603050405020304" pitchFamily="18" charset="0"/>
-                        <a:ea typeface="Times New Roman" panose="02020603050405020304" pitchFamily="18" charset="0"/>
-                      </a:endParaRPr>
-                    </a:p>
-                  </a:txBody>
-                  <a:tcPr marL="68580" marR="68580" marT="0" marB="0" anchor="ctr"/>
-                </a:tc>
-              </a:tr>
-              <a:tr h="473522">
-                <a:tc>
-                  <a:txBody>
-                    <a:bodyPr/>
-                    <a:lstStyle/>
-                    <a:p>
-                      <a:pPr marL="0" marR="0" algn="ctr">
-                        <a:spcBef>
-                          <a:spcPts val="0"/>
-                        </a:spcBef>
-                        <a:spcAft>
-                          <a:spcPts val="0"/>
-                        </a:spcAft>
-                      </a:pPr>
-                      <a:r>
-                        <a:rPr lang="en-US" sz="2000" dirty="0">
-                          <a:effectLst/>
-                        </a:rPr>
-                        <a:t>G-Code Support</a:t>
-                      </a:r>
-                      <a:endParaRPr lang="en-US" sz="2000" dirty="0">
-                        <a:effectLst/>
-                        <a:latin typeface="Times New Roman" panose="02020603050405020304" pitchFamily="18" charset="0"/>
-                        <a:ea typeface="Times New Roman" panose="02020603050405020304" pitchFamily="18" charset="0"/>
-                      </a:endParaRPr>
-                    </a:p>
-                  </a:txBody>
-                  <a:tcPr marL="68580" marR="68580" marT="0" marB="0" anchor="ctr"/>
-                </a:tc>
-                <a:tc>
-                  <a:txBody>
-                    <a:bodyPr/>
-                    <a:lstStyle/>
-                    <a:p>
-                      <a:pPr marL="0" marR="0" algn="ctr">
-                        <a:spcBef>
-                          <a:spcPts val="0"/>
-                        </a:spcBef>
-                        <a:spcAft>
-                          <a:spcPts val="0"/>
-                        </a:spcAft>
-                      </a:pPr>
-                      <a:r>
-                        <a:rPr lang="en-US" sz="2000" dirty="0" smtClean="0">
-                          <a:effectLst/>
-                        </a:rPr>
-                        <a:t>✗</a:t>
-                      </a:r>
-                      <a:endParaRPr lang="en-US" sz="2000" dirty="0">
-                        <a:effectLst/>
-                        <a:latin typeface="Times New Roman" panose="02020603050405020304" pitchFamily="18" charset="0"/>
-                        <a:ea typeface="Times New Roman" panose="02020603050405020304" pitchFamily="18" charset="0"/>
-                      </a:endParaRPr>
-                    </a:p>
-                  </a:txBody>
-                  <a:tcPr marL="68580" marR="68580" marT="0" marB="0" anchor="ctr"/>
-                </a:tc>
-                <a:tc>
-                  <a:txBody>
-                    <a:bodyPr/>
-                    <a:lstStyle/>
-                    <a:p>
-                      <a:pPr marL="0" marR="0" algn="ctr">
-                        <a:spcBef>
-                          <a:spcPts val="0"/>
-                        </a:spcBef>
-                        <a:spcAft>
-                          <a:spcPts val="0"/>
-                        </a:spcAft>
-                      </a:pPr>
-                      <a:r>
-                        <a:rPr lang="en-US" sz="2000" dirty="0" smtClean="0">
-                          <a:effectLst/>
-                        </a:rPr>
-                        <a:t>✓</a:t>
-                      </a:r>
-                      <a:endParaRPr lang="en-US" sz="2000" dirty="0">
-                        <a:effectLst/>
-                        <a:latin typeface="Times New Roman" panose="02020603050405020304" pitchFamily="18" charset="0"/>
-                        <a:ea typeface="Times New Roman" panose="02020603050405020304" pitchFamily="18" charset="0"/>
-                      </a:endParaRPr>
-                    </a:p>
-                  </a:txBody>
-                  <a:tcPr marL="68580" marR="68580" marT="0" marB="0" anchor="ctr"/>
-                </a:tc>
-                <a:tc>
-                  <a:txBody>
-                    <a:bodyPr/>
-                    <a:lstStyle/>
-                    <a:p>
-                      <a:pPr marL="0" marR="0" algn="ctr">
-                        <a:spcBef>
-                          <a:spcPts val="0"/>
-                        </a:spcBef>
-                        <a:spcAft>
-                          <a:spcPts val="0"/>
-                        </a:spcAft>
-                      </a:pPr>
-                      <a:r>
-                        <a:rPr lang="en-US" sz="2000" dirty="0" smtClean="0">
-                          <a:effectLst/>
-                        </a:rPr>
-                        <a:t>✓</a:t>
-                      </a:r>
-                      <a:endParaRPr lang="en-US" sz="2000" dirty="0">
-                        <a:effectLst/>
-                        <a:latin typeface="Times New Roman" panose="02020603050405020304" pitchFamily="18" charset="0"/>
-                        <a:ea typeface="Times New Roman" panose="02020603050405020304" pitchFamily="18" charset="0"/>
-                      </a:endParaRPr>
-                    </a:p>
-                  </a:txBody>
-                  <a:tcPr marL="68580" marR="68580" marT="0" marB="0" anchor="ctr"/>
-                </a:tc>
-                <a:tc>
-                  <a:txBody>
-                    <a:bodyPr/>
-                    <a:lstStyle/>
-                    <a:p>
-                      <a:pPr marL="0" marR="0" indent="0" algn="ctr" defTabSz="457200" rtl="0" eaLnBrk="1" fontAlgn="auto" latinLnBrk="0" hangingPunct="1">
-                        <a:lnSpc>
-                          <a:spcPct val="100000"/>
-                        </a:lnSpc>
-                        <a:spcBef>
-                          <a:spcPts val="0"/>
-                        </a:spcBef>
-                        <a:spcAft>
-                          <a:spcPts val="0"/>
-                        </a:spcAft>
-                        <a:buClrTx/>
-                        <a:buSzTx/>
-                        <a:buFontTx/>
-                        <a:buNone/>
-                        <a:tabLst/>
-                        <a:defRPr/>
-                      </a:pPr>
-                      <a:r>
-                        <a:rPr lang="en-US" sz="2000" dirty="0" smtClean="0">
-                          <a:effectLst/>
-                        </a:rPr>
-                        <a:t>✓</a:t>
-                      </a:r>
-                      <a:endParaRPr lang="en-US" sz="2000" dirty="0" smtClean="0">
-                        <a:effectLst/>
-                        <a:latin typeface="Times New Roman" panose="02020603050405020304" pitchFamily="18" charset="0"/>
-                        <a:ea typeface="Times New Roman" panose="02020603050405020304" pitchFamily="18" charset="0"/>
-                      </a:endParaRPr>
-                    </a:p>
-                  </a:txBody>
-                  <a:tcPr marL="68580" marR="68580" marT="0" marB="0" anchor="ctr"/>
-                </a:tc>
-              </a:tr>
-              <a:tr h="273755">
-                <a:tc>
-                  <a:txBody>
-                    <a:bodyPr/>
-                    <a:lstStyle/>
-                    <a:p>
-                      <a:pPr marL="0" marR="0" algn="ctr">
-                        <a:spcBef>
-                          <a:spcPts val="0"/>
-                        </a:spcBef>
-                        <a:spcAft>
-                          <a:spcPts val="0"/>
-                        </a:spcAft>
-                      </a:pPr>
-                      <a:r>
-                        <a:rPr lang="en-US" sz="2000">
-                          <a:effectLst/>
-                        </a:rPr>
-                        <a:t>CAD File Input</a:t>
-                      </a:r>
-                      <a:endParaRPr lang="en-US" sz="2000">
-                        <a:effectLst/>
-                        <a:latin typeface="Times New Roman" panose="02020603050405020304" pitchFamily="18" charset="0"/>
-                        <a:ea typeface="Times New Roman" panose="02020603050405020304" pitchFamily="18" charset="0"/>
-                      </a:endParaRPr>
-                    </a:p>
-                  </a:txBody>
-                  <a:tcPr marL="68580" marR="68580" marT="0" marB="0" anchor="ctr"/>
-                </a:tc>
-                <a:tc>
-                  <a:txBody>
-                    <a:bodyPr/>
-                    <a:lstStyle/>
-                    <a:p>
-                      <a:pPr marL="0" marR="0" algn="ctr">
-                        <a:spcBef>
-                          <a:spcPts val="0"/>
-                        </a:spcBef>
-                        <a:spcAft>
-                          <a:spcPts val="0"/>
-                        </a:spcAft>
-                      </a:pPr>
-                      <a:r>
-                        <a:rPr lang="en-US" sz="2000" dirty="0" smtClean="0">
-                          <a:effectLst/>
-                        </a:rPr>
-                        <a:t>STL</a:t>
-                      </a:r>
-                      <a:endParaRPr lang="en-US" sz="2000" dirty="0">
-                        <a:effectLst/>
-                        <a:latin typeface="Times New Roman" panose="02020603050405020304" pitchFamily="18" charset="0"/>
-                        <a:ea typeface="Times New Roman" panose="02020603050405020304" pitchFamily="18" charset="0"/>
-                      </a:endParaRPr>
-                    </a:p>
-                  </a:txBody>
-                  <a:tcPr marL="68580" marR="68580" marT="0" marB="0" anchor="ctr"/>
-                </a:tc>
-                <a:tc>
-                  <a:txBody>
-                    <a:bodyPr/>
-                    <a:lstStyle/>
-                    <a:p>
-                      <a:pPr marL="0" marR="0" algn="ctr">
-                        <a:spcBef>
-                          <a:spcPts val="0"/>
-                        </a:spcBef>
-                        <a:spcAft>
-                          <a:spcPts val="0"/>
-                        </a:spcAft>
-                      </a:pPr>
-                      <a:r>
-                        <a:rPr lang="en-US" sz="2000" dirty="0" smtClean="0">
-                          <a:effectLst/>
-                        </a:rPr>
-                        <a:t>STL</a:t>
-                      </a:r>
-                      <a:endParaRPr lang="en-US" sz="2000" dirty="0">
-                        <a:effectLst/>
-                        <a:latin typeface="Times New Roman" panose="02020603050405020304" pitchFamily="18" charset="0"/>
-                        <a:ea typeface="Times New Roman" panose="02020603050405020304" pitchFamily="18" charset="0"/>
-                      </a:endParaRPr>
-                    </a:p>
-                  </a:txBody>
-                  <a:tcPr marL="68580" marR="68580" marT="0" marB="0" anchor="ctr"/>
-                </a:tc>
-                <a:tc>
-                  <a:txBody>
-                    <a:bodyPr/>
-                    <a:lstStyle/>
-                    <a:p>
-                      <a:pPr marL="0" marR="0" algn="ctr">
-                        <a:spcBef>
-                          <a:spcPts val="0"/>
-                        </a:spcBef>
-                        <a:spcAft>
-                          <a:spcPts val="0"/>
-                        </a:spcAft>
-                      </a:pPr>
-                      <a:r>
-                        <a:rPr lang="en-US" sz="2000" dirty="0">
-                          <a:effectLst/>
-                        </a:rPr>
-                        <a:t>STL, OBJ, </a:t>
-                      </a:r>
-                      <a:r>
-                        <a:rPr lang="en-US" sz="2000" dirty="0" smtClean="0">
-                          <a:effectLst/>
-                        </a:rPr>
-                        <a:t>3DS</a:t>
-                      </a:r>
-                      <a:endParaRPr lang="en-US" sz="2000" dirty="0">
-                        <a:effectLst/>
-                        <a:latin typeface="Times New Roman" panose="02020603050405020304" pitchFamily="18" charset="0"/>
-                        <a:ea typeface="Times New Roman" panose="02020603050405020304" pitchFamily="18" charset="0"/>
-                      </a:endParaRPr>
-                    </a:p>
-                  </a:txBody>
-                  <a:tcPr marL="68580" marR="68580" marT="0" marB="0" anchor="ctr"/>
-                </a:tc>
-                <a:tc>
-                  <a:txBody>
-                    <a:bodyPr/>
-                    <a:lstStyle/>
-                    <a:p>
-                      <a:pPr marL="0" marR="0" indent="0" algn="ctr" defTabSz="457200" rtl="0" eaLnBrk="1" fontAlgn="auto" latinLnBrk="0" hangingPunct="1">
-                        <a:lnSpc>
-                          <a:spcPct val="100000"/>
-                        </a:lnSpc>
-                        <a:spcBef>
-                          <a:spcPts val="0"/>
-                        </a:spcBef>
-                        <a:spcAft>
-                          <a:spcPts val="0"/>
-                        </a:spcAft>
-                        <a:buClrTx/>
-                        <a:buSzTx/>
-                        <a:buFontTx/>
-                        <a:buNone/>
-                        <a:tabLst/>
-                        <a:defRPr/>
-                      </a:pPr>
-                      <a:r>
-                        <a:rPr lang="en-US" sz="2000" dirty="0" smtClean="0">
-                          <a:effectLst/>
-                        </a:rPr>
-                        <a:t>STL, OBJ, 3DS, STEP, AMF</a:t>
-                      </a:r>
-                      <a:endParaRPr lang="en-US" sz="2000" dirty="0" smtClean="0">
-                        <a:effectLst/>
-                        <a:latin typeface="Times New Roman" panose="02020603050405020304" pitchFamily="18" charset="0"/>
-                        <a:ea typeface="Times New Roman" panose="02020603050405020304" pitchFamily="18" charset="0"/>
-                      </a:endParaRPr>
-                    </a:p>
-                  </a:txBody>
-                  <a:tcPr marL="68580" marR="68580" marT="0" marB="0" anchor="ctr"/>
-                </a:tc>
-              </a:tr>
-              <a:tr h="473522">
-                <a:tc>
-                  <a:txBody>
-                    <a:bodyPr/>
-                    <a:lstStyle/>
-                    <a:p>
-                      <a:pPr marL="0" marR="0" algn="ctr">
-                        <a:spcBef>
-                          <a:spcPts val="0"/>
-                        </a:spcBef>
-                        <a:spcAft>
-                          <a:spcPts val="0"/>
-                        </a:spcAft>
-                      </a:pPr>
-                      <a:r>
-                        <a:rPr lang="en-US" sz="2000" dirty="0">
-                          <a:effectLst/>
-                        </a:rPr>
-                        <a:t>Able to Add Supports</a:t>
-                      </a:r>
-                      <a:endParaRPr lang="en-US" sz="2000" dirty="0">
-                        <a:effectLst/>
-                        <a:latin typeface="Times New Roman" panose="02020603050405020304" pitchFamily="18" charset="0"/>
-                        <a:ea typeface="Times New Roman" panose="02020603050405020304" pitchFamily="18" charset="0"/>
-                      </a:endParaRPr>
-                    </a:p>
-                  </a:txBody>
-                  <a:tcPr marL="68580" marR="68580" marT="0" marB="0" anchor="ctr"/>
-                </a:tc>
-                <a:tc>
-                  <a:txBody>
-                    <a:bodyPr/>
-                    <a:lstStyle/>
-                    <a:p>
-                      <a:pPr marL="0" marR="0" algn="ctr">
-                        <a:spcBef>
-                          <a:spcPts val="0"/>
-                        </a:spcBef>
-                        <a:spcAft>
-                          <a:spcPts val="0"/>
-                        </a:spcAft>
-                      </a:pPr>
-                      <a:r>
-                        <a:rPr lang="en-US" sz="2000" dirty="0" smtClean="0">
-                          <a:effectLst/>
-                        </a:rPr>
-                        <a:t>✓</a:t>
-                      </a:r>
-                      <a:endParaRPr lang="en-US" sz="2000" dirty="0">
-                        <a:effectLst/>
-                        <a:latin typeface="Times New Roman" panose="02020603050405020304" pitchFamily="18" charset="0"/>
-                        <a:ea typeface="Times New Roman" panose="02020603050405020304" pitchFamily="18" charset="0"/>
-                      </a:endParaRPr>
-                    </a:p>
-                  </a:txBody>
-                  <a:tcPr marL="68580" marR="68580" marT="0" marB="0" anchor="ctr"/>
-                </a:tc>
-                <a:tc>
-                  <a:txBody>
-                    <a:bodyPr/>
-                    <a:lstStyle/>
-                    <a:p>
-                      <a:pPr marL="0" marR="0" algn="ctr">
-                        <a:spcBef>
-                          <a:spcPts val="0"/>
-                        </a:spcBef>
-                        <a:spcAft>
-                          <a:spcPts val="0"/>
-                        </a:spcAft>
-                      </a:pPr>
-                      <a:r>
-                        <a:rPr lang="en-US" sz="2000" dirty="0" smtClean="0">
-                          <a:effectLst/>
-                        </a:rPr>
-                        <a:t>✗</a:t>
-                      </a:r>
-                      <a:endParaRPr lang="en-US" sz="2000" dirty="0">
-                        <a:effectLst/>
-                        <a:latin typeface="Times New Roman" panose="02020603050405020304" pitchFamily="18" charset="0"/>
-                        <a:ea typeface="Times New Roman" panose="02020603050405020304" pitchFamily="18" charset="0"/>
-                      </a:endParaRPr>
-                    </a:p>
-                  </a:txBody>
-                  <a:tcPr marL="68580" marR="68580" marT="0" marB="0" anchor="ctr"/>
-                </a:tc>
-                <a:tc>
-                  <a:txBody>
-                    <a:bodyPr/>
-                    <a:lstStyle/>
-                    <a:p>
-                      <a:pPr marL="0" marR="0" algn="ctr">
-                        <a:spcBef>
-                          <a:spcPts val="0"/>
-                        </a:spcBef>
-                        <a:spcAft>
-                          <a:spcPts val="0"/>
-                        </a:spcAft>
-                      </a:pPr>
-                      <a:r>
-                        <a:rPr lang="en-US" sz="2000" dirty="0" smtClean="0">
-                          <a:effectLst/>
-                        </a:rPr>
-                        <a:t>✓</a:t>
-                      </a:r>
-                      <a:endParaRPr lang="en-US" sz="2000" dirty="0">
-                        <a:effectLst/>
-                        <a:latin typeface="Times New Roman" panose="02020603050405020304" pitchFamily="18" charset="0"/>
-                        <a:ea typeface="Times New Roman" panose="02020603050405020304" pitchFamily="18" charset="0"/>
-                      </a:endParaRPr>
-                    </a:p>
-                  </a:txBody>
-                  <a:tcPr marL="68580" marR="68580" marT="0" marB="0" anchor="ctr"/>
-                </a:tc>
-                <a:tc>
-                  <a:txBody>
-                    <a:bodyPr/>
-                    <a:lstStyle/>
-                    <a:p>
-                      <a:pPr marL="0" marR="0" indent="0" algn="ctr" defTabSz="457200" rtl="0" eaLnBrk="1" fontAlgn="auto" latinLnBrk="0" hangingPunct="1">
-                        <a:lnSpc>
-                          <a:spcPct val="100000"/>
-                        </a:lnSpc>
-                        <a:spcBef>
-                          <a:spcPts val="0"/>
-                        </a:spcBef>
-                        <a:spcAft>
-                          <a:spcPts val="0"/>
-                        </a:spcAft>
-                        <a:buClrTx/>
-                        <a:buSzTx/>
-                        <a:buFontTx/>
-                        <a:buNone/>
-                        <a:tabLst/>
-                        <a:defRPr/>
-                      </a:pPr>
-                      <a:r>
-                        <a:rPr lang="en-US" sz="2000" dirty="0" smtClean="0">
-                          <a:effectLst/>
-                        </a:rPr>
-                        <a:t>✓</a:t>
-                      </a:r>
-                      <a:endParaRPr lang="en-US" sz="2000" dirty="0" smtClean="0">
-                        <a:effectLst/>
-                        <a:latin typeface="Times New Roman" panose="02020603050405020304" pitchFamily="18" charset="0"/>
-                        <a:ea typeface="Times New Roman" panose="02020603050405020304" pitchFamily="18" charset="0"/>
-                      </a:endParaRPr>
-                    </a:p>
-                  </a:txBody>
-                  <a:tcPr marL="68580" marR="68580" marT="0" marB="0" anchor="ctr"/>
-                </a:tc>
-              </a:tr>
-              <a:tr h="273755">
-                <a:tc>
-                  <a:txBody>
-                    <a:bodyPr/>
-                    <a:lstStyle/>
-                    <a:p>
-                      <a:pPr marL="0" marR="0" algn="ctr">
-                        <a:spcBef>
-                          <a:spcPts val="0"/>
-                        </a:spcBef>
-                        <a:spcAft>
-                          <a:spcPts val="0"/>
-                        </a:spcAft>
-                      </a:pPr>
-                      <a:r>
-                        <a:rPr lang="en-US" sz="2000">
-                          <a:effectLst/>
-                        </a:rPr>
-                        <a:t>Image Output</a:t>
-                      </a:r>
-                      <a:endParaRPr lang="en-US" sz="2000">
-                        <a:effectLst/>
-                        <a:latin typeface="Times New Roman" panose="02020603050405020304" pitchFamily="18" charset="0"/>
-                        <a:ea typeface="Times New Roman" panose="02020603050405020304" pitchFamily="18" charset="0"/>
-                      </a:endParaRPr>
-                    </a:p>
-                  </a:txBody>
-                  <a:tcPr marL="68580" marR="68580" marT="0" marB="0" anchor="ctr"/>
-                </a:tc>
-                <a:tc>
-                  <a:txBody>
-                    <a:bodyPr/>
-                    <a:lstStyle/>
-                    <a:p>
-                      <a:pPr marL="0" marR="0" algn="ctr">
-                        <a:spcBef>
-                          <a:spcPts val="0"/>
-                        </a:spcBef>
-                        <a:spcAft>
-                          <a:spcPts val="0"/>
-                        </a:spcAft>
-                      </a:pPr>
-                      <a:r>
-                        <a:rPr lang="en-US" sz="2000" dirty="0" smtClean="0">
-                          <a:effectLst/>
-                        </a:rPr>
-                        <a:t>SLC</a:t>
-                      </a:r>
-                      <a:endParaRPr lang="en-US" sz="2000" dirty="0">
-                        <a:effectLst/>
-                        <a:latin typeface="Times New Roman" panose="02020603050405020304" pitchFamily="18" charset="0"/>
-                        <a:ea typeface="Times New Roman" panose="02020603050405020304" pitchFamily="18" charset="0"/>
-                      </a:endParaRPr>
-                    </a:p>
-                  </a:txBody>
-                  <a:tcPr marL="68580" marR="68580" marT="0" marB="0" anchor="ctr"/>
-                </a:tc>
-                <a:tc>
-                  <a:txBody>
-                    <a:bodyPr/>
-                    <a:lstStyle/>
-                    <a:p>
-                      <a:pPr marL="0" marR="0" algn="ctr">
-                        <a:spcBef>
-                          <a:spcPts val="0"/>
-                        </a:spcBef>
-                        <a:spcAft>
-                          <a:spcPts val="0"/>
-                        </a:spcAft>
-                      </a:pPr>
-                      <a:r>
-                        <a:rPr lang="en-US" sz="2000" dirty="0" smtClean="0">
-                          <a:effectLst/>
-                        </a:rPr>
-                        <a:t>SVG</a:t>
-                      </a:r>
-                      <a:endParaRPr lang="en-US" sz="2000" dirty="0">
-                        <a:effectLst/>
-                        <a:latin typeface="Times New Roman" panose="02020603050405020304" pitchFamily="18" charset="0"/>
-                        <a:ea typeface="Times New Roman" panose="02020603050405020304" pitchFamily="18" charset="0"/>
-                      </a:endParaRPr>
-                    </a:p>
-                  </a:txBody>
-                  <a:tcPr marL="68580" marR="68580" marT="0" marB="0" anchor="ctr"/>
-                </a:tc>
-                <a:tc>
-                  <a:txBody>
-                    <a:bodyPr/>
-                    <a:lstStyle/>
-                    <a:p>
-                      <a:pPr marL="0" marR="0" algn="ctr">
-                        <a:spcBef>
-                          <a:spcPts val="0"/>
-                        </a:spcBef>
-                        <a:spcAft>
-                          <a:spcPts val="0"/>
-                        </a:spcAft>
-                      </a:pPr>
-                      <a:r>
-                        <a:rPr lang="en-US" sz="2000" dirty="0" smtClean="0">
-                          <a:effectLst/>
-                        </a:rPr>
-                        <a:t>SVG</a:t>
-                      </a:r>
-                      <a:endParaRPr lang="en-US" sz="2000" dirty="0">
-                        <a:effectLst/>
-                        <a:latin typeface="Times New Roman" panose="02020603050405020304" pitchFamily="18" charset="0"/>
-                        <a:ea typeface="Times New Roman" panose="02020603050405020304" pitchFamily="18" charset="0"/>
-                      </a:endParaRPr>
-                    </a:p>
-                  </a:txBody>
-                  <a:tcPr marL="68580" marR="68580" marT="0" marB="0" anchor="ctr"/>
-                </a:tc>
-                <a:tc>
-                  <a:txBody>
-                    <a:bodyPr/>
-                    <a:lstStyle/>
-                    <a:p>
-                      <a:pPr marL="0" marR="0" indent="0" algn="ctr" defTabSz="457200" rtl="0" eaLnBrk="1" fontAlgn="auto" latinLnBrk="0" hangingPunct="1">
-                        <a:lnSpc>
-                          <a:spcPct val="100000"/>
-                        </a:lnSpc>
-                        <a:spcBef>
-                          <a:spcPts val="0"/>
-                        </a:spcBef>
-                        <a:spcAft>
-                          <a:spcPts val="0"/>
-                        </a:spcAft>
-                        <a:buClrTx/>
-                        <a:buSzTx/>
-                        <a:buFontTx/>
-                        <a:buNone/>
-                        <a:tabLst/>
-                        <a:defRPr/>
-                      </a:pPr>
-                      <a:r>
-                        <a:rPr lang="en-US" sz="2000" dirty="0" smtClean="0">
-                          <a:effectLst/>
-                        </a:rPr>
-                        <a:t>SVG</a:t>
-                      </a:r>
-                      <a:endParaRPr lang="en-US" sz="2000" dirty="0" smtClean="0">
-                        <a:effectLst/>
-                        <a:latin typeface="Times New Roman" panose="02020603050405020304" pitchFamily="18" charset="0"/>
-                        <a:ea typeface="Times New Roman" panose="02020603050405020304" pitchFamily="18" charset="0"/>
-                      </a:endParaRPr>
-                    </a:p>
-                  </a:txBody>
-                  <a:tcPr marL="68580" marR="68580" marT="0" marB="0" anchor="ctr"/>
-                </a:tc>
-              </a:tr>
-            </a:tbl>
-          </a:graphicData>
-        </a:graphic>
-      </p:graphicFrame>
-      <p:sp>
-        <p:nvSpPr>
-          <p:cNvPr id="2" name="TextBox 1"/>
-          <p:cNvSpPr txBox="1"/>
-          <p:nvPr/>
-        </p:nvSpPr>
-        <p:spPr>
-          <a:xfrm>
-            <a:off x="3467424" y="1306802"/>
-            <a:ext cx="5475345" cy="646331"/>
-          </a:xfrm>
-          <a:prstGeom prst="rect">
-            <a:avLst/>
-          </a:prstGeom>
-          <a:noFill/>
-        </p:spPr>
-        <p:txBody>
-          <a:bodyPr wrap="none" rtlCol="0">
-            <a:spAutoFit/>
-          </a:bodyPr>
-          <a:lstStyle/>
-          <a:p>
-            <a:r>
-              <a:rPr lang="en-US" dirty="0" smtClean="0"/>
-              <a:t>Table 2. </a:t>
-            </a:r>
-            <a:r>
-              <a:rPr lang="en-US" dirty="0"/>
-              <a:t>Comparison chart of three open-source </a:t>
-            </a:r>
-            <a:r>
-              <a:rPr lang="en-US" dirty="0" smtClean="0"/>
-              <a:t>printer </a:t>
-            </a:r>
-          </a:p>
-          <a:p>
-            <a:r>
-              <a:rPr lang="en-US" dirty="0" smtClean="0"/>
-              <a:t>control </a:t>
-            </a:r>
-            <a:r>
-              <a:rPr lang="en-US" dirty="0"/>
-              <a:t>software for DLP </a:t>
-            </a:r>
-            <a:r>
-              <a:rPr lang="en-US" dirty="0" smtClean="0"/>
-              <a:t>printer</a:t>
-            </a:r>
-            <a:r>
-              <a:rPr lang="en-US" dirty="0"/>
-              <a:t> </a:t>
-            </a:r>
-            <a:r>
-              <a:rPr lang="en-US" dirty="0" smtClean="0"/>
-              <a:t>[11][12][13][14][15][16] </a:t>
-            </a:r>
-            <a:endParaRPr lang="en-US" dirty="0"/>
-          </a:p>
-        </p:txBody>
-      </p:sp>
     </p:spTree>
     <p:extLst>
       <p:ext uri="{BB962C8B-B14F-4D97-AF65-F5344CB8AC3E}">
-        <p14:creationId xmlns:p14="http://schemas.microsoft.com/office/powerpoint/2010/main" val="3822243086"/>
+        <p14:creationId xmlns:p14="http://schemas.microsoft.com/office/powerpoint/2010/main" val="4240055343"/>
       </p:ext>
     </p:extLst>
   </p:cSld>
   <p:clrMapOvr>
     <a:masterClrMapping/>
   </p:clrMapOvr>
-  <p:timing>
-    <p:tnLst>
-      <p:par>
-        <p:cTn id="1" dur="indefinite" restart="never" nodeType="tmRoot"/>
-      </p:par>
-    </p:tnLst>
-  </p:timing>
 </p:sld>
 </file>
 
@@ -8780,6 +7319,485 @@
         </p:nvSpPr>
         <p:spPr/>
         <p:txBody>
+          <a:bodyPr/>
+          <a:lstStyle/>
+          <a:p>
+            <a:r>
+              <a:rPr lang="en-US" dirty="0" smtClean="0"/>
+              <a:t>Hardware Software Interface</a:t>
+            </a:r>
+            <a:endParaRPr lang="en-US" dirty="0"/>
+          </a:p>
+        </p:txBody>
+      </p:sp>
+      <p:sp>
+        <p:nvSpPr>
+          <p:cNvPr id="3" name="Content Placeholder 2"/>
+          <p:cNvSpPr>
+            <a:spLocks noGrp="1"/>
+          </p:cNvSpPr>
+          <p:nvPr>
+            <p:ph idx="1"/>
+          </p:nvPr>
+        </p:nvSpPr>
+        <p:spPr/>
+        <p:txBody>
+          <a:bodyPr/>
+          <a:lstStyle/>
+          <a:p>
+            <a:endParaRPr lang="en-US"/>
+          </a:p>
+        </p:txBody>
+      </p:sp>
+      <p:sp>
+        <p:nvSpPr>
+          <p:cNvPr id="4" name="Slide Number Placeholder 3"/>
+          <p:cNvSpPr>
+            <a:spLocks noGrp="1"/>
+          </p:cNvSpPr>
+          <p:nvPr>
+            <p:ph type="sldNum" sz="quarter" idx="12"/>
+          </p:nvPr>
+        </p:nvSpPr>
+        <p:spPr/>
+        <p:txBody>
+          <a:bodyPr/>
+          <a:lstStyle/>
+          <a:p>
+            <a:fld id="{5C6BB475-B640-4DD3-A1AA-1CF10A44AA06}" type="slidenum">
+              <a:rPr lang="en-US" smtClean="0"/>
+              <a:t>14</a:t>
+            </a:fld>
+            <a:endParaRPr lang="en-US"/>
+          </a:p>
+        </p:txBody>
+      </p:sp>
+    </p:spTree>
+    <p:extLst>
+      <p:ext uri="{BB962C8B-B14F-4D97-AF65-F5344CB8AC3E}">
+        <p14:creationId xmlns:p14="http://schemas.microsoft.com/office/powerpoint/2010/main" val="3374279974"/>
+      </p:ext>
+    </p:extLst>
+  </p:cSld>
+  <p:clrMapOvr>
+    <a:masterClrMapping/>
+  </p:clrMapOvr>
+</p:sld>
+</file>
+
+<file path=ppt/slides/slide15.xml><?xml version="1.0" encoding="utf-8"?>
+<p:sld xmlns:a="http://schemas.openxmlformats.org/drawingml/2006/main" xmlns:r="http://schemas.openxmlformats.org/officeDocument/2006/relationships" xmlns:p="http://schemas.openxmlformats.org/presentationml/2006/main">
+  <p:cSld>
+    <p:spTree>
+      <p:nvGrpSpPr>
+        <p:cNvPr id="1" name=""/>
+        <p:cNvGrpSpPr/>
+        <p:nvPr/>
+      </p:nvGrpSpPr>
+      <p:grpSpPr>
+        <a:xfrm>
+          <a:off x="0" y="0"/>
+          <a:ext cx="0" cy="0"/>
+          <a:chOff x="0" y="0"/>
+          <a:chExt cx="0" cy="0"/>
+        </a:xfrm>
+      </p:grpSpPr>
+      <p:sp>
+        <p:nvSpPr>
+          <p:cNvPr id="2" name="Title 1"/>
+          <p:cNvSpPr>
+            <a:spLocks noGrp="1"/>
+          </p:cNvSpPr>
+          <p:nvPr>
+            <p:ph type="title"/>
+          </p:nvPr>
+        </p:nvSpPr>
+        <p:spPr/>
+        <p:txBody>
+          <a:bodyPr/>
+          <a:lstStyle/>
+          <a:p>
+            <a:r>
+              <a:rPr lang="en-US" dirty="0"/>
+              <a:t>Hardware Software </a:t>
+            </a:r>
+            <a:r>
+              <a:rPr lang="en-US" dirty="0" smtClean="0"/>
+              <a:t>Interface contd.</a:t>
+            </a:r>
+            <a:endParaRPr lang="en-US" dirty="0"/>
+          </a:p>
+        </p:txBody>
+      </p:sp>
+      <p:sp>
+        <p:nvSpPr>
+          <p:cNvPr id="3" name="Content Placeholder 2"/>
+          <p:cNvSpPr>
+            <a:spLocks noGrp="1"/>
+          </p:cNvSpPr>
+          <p:nvPr>
+            <p:ph idx="1"/>
+          </p:nvPr>
+        </p:nvSpPr>
+        <p:spPr/>
+        <p:txBody>
+          <a:bodyPr/>
+          <a:lstStyle/>
+          <a:p>
+            <a:endParaRPr lang="en-US"/>
+          </a:p>
+        </p:txBody>
+      </p:sp>
+      <p:sp>
+        <p:nvSpPr>
+          <p:cNvPr id="4" name="Slide Number Placeholder 3"/>
+          <p:cNvSpPr>
+            <a:spLocks noGrp="1"/>
+          </p:cNvSpPr>
+          <p:nvPr>
+            <p:ph type="sldNum" sz="quarter" idx="12"/>
+          </p:nvPr>
+        </p:nvSpPr>
+        <p:spPr/>
+        <p:txBody>
+          <a:bodyPr/>
+          <a:lstStyle/>
+          <a:p>
+            <a:fld id="{5C6BB475-B640-4DD3-A1AA-1CF10A44AA06}" type="slidenum">
+              <a:rPr lang="en-US" smtClean="0"/>
+              <a:t>15</a:t>
+            </a:fld>
+            <a:endParaRPr lang="en-US"/>
+          </a:p>
+        </p:txBody>
+      </p:sp>
+    </p:spTree>
+    <p:extLst>
+      <p:ext uri="{BB962C8B-B14F-4D97-AF65-F5344CB8AC3E}">
+        <p14:creationId xmlns:p14="http://schemas.microsoft.com/office/powerpoint/2010/main" val="1320030583"/>
+      </p:ext>
+    </p:extLst>
+  </p:cSld>
+  <p:clrMapOvr>
+    <a:masterClrMapping/>
+  </p:clrMapOvr>
+</p:sld>
+</file>
+
+<file path=ppt/slides/slide16.xml><?xml version="1.0" encoding="utf-8"?>
+<p:sld xmlns:a="http://schemas.openxmlformats.org/drawingml/2006/main" xmlns:r="http://schemas.openxmlformats.org/officeDocument/2006/relationships" xmlns:p="http://schemas.openxmlformats.org/presentationml/2006/main">
+  <p:cSld>
+    <p:spTree>
+      <p:nvGrpSpPr>
+        <p:cNvPr id="1" name=""/>
+        <p:cNvGrpSpPr/>
+        <p:nvPr/>
+      </p:nvGrpSpPr>
+      <p:grpSpPr>
+        <a:xfrm>
+          <a:off x="0" y="0"/>
+          <a:ext cx="0" cy="0"/>
+          <a:chOff x="0" y="0"/>
+          <a:chExt cx="0" cy="0"/>
+        </a:xfrm>
+      </p:grpSpPr>
+      <p:sp>
+        <p:nvSpPr>
+          <p:cNvPr id="2" name="Title 1"/>
+          <p:cNvSpPr>
+            <a:spLocks noGrp="1"/>
+          </p:cNvSpPr>
+          <p:nvPr>
+            <p:ph type="title"/>
+          </p:nvPr>
+        </p:nvSpPr>
+        <p:spPr/>
+        <p:txBody>
+          <a:bodyPr/>
+          <a:lstStyle/>
+          <a:p>
+            <a:r>
+              <a:rPr lang="en-US" dirty="0" smtClean="0"/>
+              <a:t>Resin/Optics</a:t>
+            </a:r>
+            <a:endParaRPr lang="en-US" dirty="0"/>
+          </a:p>
+        </p:txBody>
+      </p:sp>
+      <p:sp>
+        <p:nvSpPr>
+          <p:cNvPr id="3" name="Content Placeholder 2"/>
+          <p:cNvSpPr>
+            <a:spLocks noGrp="1"/>
+          </p:cNvSpPr>
+          <p:nvPr>
+            <p:ph idx="1"/>
+          </p:nvPr>
+        </p:nvSpPr>
+        <p:spPr/>
+        <p:txBody>
+          <a:bodyPr/>
+          <a:lstStyle/>
+          <a:p>
+            <a:endParaRPr lang="en-US"/>
+          </a:p>
+        </p:txBody>
+      </p:sp>
+      <p:sp>
+        <p:nvSpPr>
+          <p:cNvPr id="4" name="Slide Number Placeholder 3"/>
+          <p:cNvSpPr>
+            <a:spLocks noGrp="1"/>
+          </p:cNvSpPr>
+          <p:nvPr>
+            <p:ph type="sldNum" sz="quarter" idx="12"/>
+          </p:nvPr>
+        </p:nvSpPr>
+        <p:spPr/>
+        <p:txBody>
+          <a:bodyPr/>
+          <a:lstStyle/>
+          <a:p>
+            <a:fld id="{5C6BB475-B640-4DD3-A1AA-1CF10A44AA06}" type="slidenum">
+              <a:rPr lang="en-US" smtClean="0"/>
+              <a:t>16</a:t>
+            </a:fld>
+            <a:endParaRPr lang="en-US"/>
+          </a:p>
+        </p:txBody>
+      </p:sp>
+    </p:spTree>
+    <p:extLst>
+      <p:ext uri="{BB962C8B-B14F-4D97-AF65-F5344CB8AC3E}">
+        <p14:creationId xmlns:p14="http://schemas.microsoft.com/office/powerpoint/2010/main" val="3284958645"/>
+      </p:ext>
+    </p:extLst>
+  </p:cSld>
+  <p:clrMapOvr>
+    <a:masterClrMapping/>
+  </p:clrMapOvr>
+</p:sld>
+</file>
+
+<file path=ppt/slides/slide17.xml><?xml version="1.0" encoding="utf-8"?>
+<p:sld xmlns:a="http://schemas.openxmlformats.org/drawingml/2006/main" xmlns:r="http://schemas.openxmlformats.org/officeDocument/2006/relationships" xmlns:p="http://schemas.openxmlformats.org/presentationml/2006/main">
+  <p:cSld>
+    <p:spTree>
+      <p:nvGrpSpPr>
+        <p:cNvPr id="1" name=""/>
+        <p:cNvGrpSpPr/>
+        <p:nvPr/>
+      </p:nvGrpSpPr>
+      <p:grpSpPr>
+        <a:xfrm>
+          <a:off x="0" y="0"/>
+          <a:ext cx="0" cy="0"/>
+          <a:chOff x="0" y="0"/>
+          <a:chExt cx="0" cy="0"/>
+        </a:xfrm>
+      </p:grpSpPr>
+      <p:sp>
+        <p:nvSpPr>
+          <p:cNvPr id="2" name="Title 1"/>
+          <p:cNvSpPr>
+            <a:spLocks noGrp="1"/>
+          </p:cNvSpPr>
+          <p:nvPr>
+            <p:ph type="title"/>
+          </p:nvPr>
+        </p:nvSpPr>
+        <p:spPr/>
+        <p:txBody>
+          <a:bodyPr/>
+          <a:lstStyle/>
+          <a:p>
+            <a:r>
+              <a:rPr lang="en-US" dirty="0" smtClean="0"/>
+              <a:t>Software Problems</a:t>
+            </a:r>
+            <a:endParaRPr lang="en-US" dirty="0"/>
+          </a:p>
+        </p:txBody>
+      </p:sp>
+      <p:sp>
+        <p:nvSpPr>
+          <p:cNvPr id="3" name="Content Placeholder 2"/>
+          <p:cNvSpPr>
+            <a:spLocks noGrp="1"/>
+          </p:cNvSpPr>
+          <p:nvPr>
+            <p:ph idx="1"/>
+          </p:nvPr>
+        </p:nvSpPr>
+        <p:spPr/>
+        <p:txBody>
+          <a:bodyPr/>
+          <a:lstStyle/>
+          <a:p>
+            <a:endParaRPr lang="en-US"/>
+          </a:p>
+        </p:txBody>
+      </p:sp>
+      <p:sp>
+        <p:nvSpPr>
+          <p:cNvPr id="4" name="Slide Number Placeholder 3"/>
+          <p:cNvSpPr>
+            <a:spLocks noGrp="1"/>
+          </p:cNvSpPr>
+          <p:nvPr>
+            <p:ph type="sldNum" sz="quarter" idx="12"/>
+          </p:nvPr>
+        </p:nvSpPr>
+        <p:spPr/>
+        <p:txBody>
+          <a:bodyPr/>
+          <a:lstStyle/>
+          <a:p>
+            <a:fld id="{5C6BB475-B640-4DD3-A1AA-1CF10A44AA06}" type="slidenum">
+              <a:rPr lang="en-US" smtClean="0"/>
+              <a:t>17</a:t>
+            </a:fld>
+            <a:endParaRPr lang="en-US"/>
+          </a:p>
+        </p:txBody>
+      </p:sp>
+    </p:spTree>
+    <p:extLst>
+      <p:ext uri="{BB962C8B-B14F-4D97-AF65-F5344CB8AC3E}">
+        <p14:creationId xmlns:p14="http://schemas.microsoft.com/office/powerpoint/2010/main" val="4088312060"/>
+      </p:ext>
+    </p:extLst>
+  </p:cSld>
+  <p:clrMapOvr>
+    <a:masterClrMapping/>
+  </p:clrMapOvr>
+</p:sld>
+</file>
+
+<file path=ppt/slides/slide18.xml><?xml version="1.0" encoding="utf-8"?>
+<p:sld xmlns:a="http://schemas.openxmlformats.org/drawingml/2006/main" xmlns:r="http://schemas.openxmlformats.org/officeDocument/2006/relationships" xmlns:p="http://schemas.openxmlformats.org/presentationml/2006/main">
+  <p:cSld>
+    <p:spTree>
+      <p:nvGrpSpPr>
+        <p:cNvPr id="1" name=""/>
+        <p:cNvGrpSpPr/>
+        <p:nvPr/>
+      </p:nvGrpSpPr>
+      <p:grpSpPr>
+        <a:xfrm>
+          <a:off x="0" y="0"/>
+          <a:ext cx="0" cy="0"/>
+          <a:chOff x="0" y="0"/>
+          <a:chExt cx="0" cy="0"/>
+        </a:xfrm>
+      </p:grpSpPr>
+      <p:sp>
+        <p:nvSpPr>
+          <p:cNvPr id="2" name="Title 1"/>
+          <p:cNvSpPr>
+            <a:spLocks noGrp="1"/>
+          </p:cNvSpPr>
+          <p:nvPr>
+            <p:ph type="title"/>
+          </p:nvPr>
+        </p:nvSpPr>
+        <p:spPr/>
+        <p:txBody>
+          <a:bodyPr/>
+          <a:lstStyle/>
+          <a:p>
+            <a:r>
+              <a:rPr lang="en-US" dirty="0" smtClean="0"/>
+              <a:t>New Design</a:t>
+            </a:r>
+            <a:endParaRPr lang="en-US" dirty="0"/>
+          </a:p>
+        </p:txBody>
+      </p:sp>
+      <p:sp>
+        <p:nvSpPr>
+          <p:cNvPr id="3" name="Content Placeholder 2"/>
+          <p:cNvSpPr>
+            <a:spLocks noGrp="1"/>
+          </p:cNvSpPr>
+          <p:nvPr>
+            <p:ph idx="1"/>
+          </p:nvPr>
+        </p:nvSpPr>
+        <p:spPr/>
+        <p:txBody>
+          <a:bodyPr/>
+          <a:lstStyle/>
+          <a:p>
+            <a:endParaRPr lang="en-US"/>
+          </a:p>
+        </p:txBody>
+      </p:sp>
+      <p:sp>
+        <p:nvSpPr>
+          <p:cNvPr id="4" name="Slide Number Placeholder 3"/>
+          <p:cNvSpPr>
+            <a:spLocks noGrp="1"/>
+          </p:cNvSpPr>
+          <p:nvPr>
+            <p:ph type="sldNum" sz="quarter" idx="12"/>
+          </p:nvPr>
+        </p:nvSpPr>
+        <p:spPr/>
+        <p:txBody>
+          <a:bodyPr/>
+          <a:lstStyle/>
+          <a:p>
+            <a:fld id="{5C6BB475-B640-4DD3-A1AA-1CF10A44AA06}" type="slidenum">
+              <a:rPr lang="en-US" smtClean="0"/>
+              <a:t>18</a:t>
+            </a:fld>
+            <a:endParaRPr lang="en-US"/>
+          </a:p>
+        </p:txBody>
+      </p:sp>
+    </p:spTree>
+    <p:extLst>
+      <p:ext uri="{BB962C8B-B14F-4D97-AF65-F5344CB8AC3E}">
+        <p14:creationId xmlns:p14="http://schemas.microsoft.com/office/powerpoint/2010/main" val="4014598853"/>
+      </p:ext>
+    </p:extLst>
+  </p:cSld>
+  <p:clrMapOvr>
+    <a:masterClrMapping/>
+  </p:clrMapOvr>
+</p:sld>
+</file>
+
+<file path=ppt/slides/slide19.xml><?xml version="1.0" encoding="utf-8"?>
+<p:sld xmlns:a="http://schemas.openxmlformats.org/drawingml/2006/main" xmlns:r="http://schemas.openxmlformats.org/officeDocument/2006/relationships" xmlns:p="http://schemas.openxmlformats.org/presentationml/2006/main">
+  <p:cSld>
+    <p:spTree>
+      <p:nvGrpSpPr>
+        <p:cNvPr id="1" name=""/>
+        <p:cNvGrpSpPr/>
+        <p:nvPr/>
+      </p:nvGrpSpPr>
+      <p:grpSpPr>
+        <a:xfrm>
+          <a:off x="0" y="0"/>
+          <a:ext cx="0" cy="0"/>
+          <a:chOff x="0" y="0"/>
+          <a:chExt cx="0" cy="0"/>
+        </a:xfrm>
+      </p:grpSpPr>
+      <p:sp>
+        <p:nvSpPr>
+          <p:cNvPr id="2" name="Title 1"/>
+          <p:cNvSpPr>
+            <a:spLocks noGrp="1"/>
+          </p:cNvSpPr>
+          <p:nvPr>
+            <p:ph type="title"/>
+          </p:nvPr>
+        </p:nvSpPr>
+        <p:spPr/>
+        <p:txBody>
           <a:bodyPr>
             <a:normAutofit/>
           </a:bodyPr>
@@ -8810,7 +7828,235 @@
           <a:p>
             <a:fld id="{5C6BB475-B640-4DD3-A1AA-1CF10A44AA06}" type="slidenum">
               <a:rPr lang="en-US" smtClean="0"/>
-              <a:t>14</a:t>
+              <a:t>19</a:t>
+            </a:fld>
+            <a:endParaRPr lang="en-US"/>
+          </a:p>
+        </p:txBody>
+      </p:sp>
+    </p:spTree>
+    <p:extLst>
+      <p:ext uri="{BB962C8B-B14F-4D97-AF65-F5344CB8AC3E}">
+        <p14:creationId xmlns:p14="http://schemas.microsoft.com/office/powerpoint/2010/main" val="278994164"/>
+      </p:ext>
+    </p:extLst>
+  </p:cSld>
+  <p:clrMapOvr>
+    <a:masterClrMapping/>
+  </p:clrMapOvr>
+  <p:timing>
+    <p:tnLst>
+      <p:par>
+        <p:cTn id="1" dur="indefinite" restart="never" nodeType="tmRoot"/>
+      </p:par>
+    </p:tnLst>
+  </p:timing>
+</p:sld>
+</file>
+
+<file path=ppt/slides/slide2.xml><?xml version="1.0" encoding="utf-8"?>
+<p:sld xmlns:a="http://schemas.openxmlformats.org/drawingml/2006/main" xmlns:r="http://schemas.openxmlformats.org/officeDocument/2006/relationships" xmlns:p="http://schemas.openxmlformats.org/presentationml/2006/main">
+  <p:cSld>
+    <p:spTree>
+      <p:nvGrpSpPr>
+        <p:cNvPr id="1" name=""/>
+        <p:cNvGrpSpPr/>
+        <p:nvPr/>
+      </p:nvGrpSpPr>
+      <p:grpSpPr>
+        <a:xfrm>
+          <a:off x="0" y="0"/>
+          <a:ext cx="0" cy="0"/>
+          <a:chOff x="0" y="0"/>
+          <a:chExt cx="0" cy="0"/>
+        </a:xfrm>
+      </p:grpSpPr>
+      <p:sp>
+        <p:nvSpPr>
+          <p:cNvPr id="2" name="Title 1"/>
+          <p:cNvSpPr>
+            <a:spLocks noGrp="1"/>
+          </p:cNvSpPr>
+          <p:nvPr>
+            <p:ph type="title"/>
+          </p:nvPr>
+        </p:nvSpPr>
+        <p:spPr/>
+        <p:txBody>
+          <a:bodyPr>
+            <a:normAutofit/>
+          </a:bodyPr>
+          <a:lstStyle/>
+          <a:p>
+            <a:r>
+              <a:rPr lang="en-US" dirty="0" smtClean="0"/>
+              <a:t>Team 75 </a:t>
+            </a:r>
+            <a:r>
+              <a:rPr lang="en-US" dirty="0" smtClean="0"/>
+              <a:t>Organization</a:t>
+            </a:r>
+            <a:endParaRPr lang="en-US" dirty="0"/>
+          </a:p>
+        </p:txBody>
+      </p:sp>
+      <p:pic>
+        <p:nvPicPr>
+          <p:cNvPr id="6" name="Content Placeholder 5"/>
+          <p:cNvPicPr>
+            <a:picLocks noGrp="1" noChangeAspect="1"/>
+          </p:cNvPicPr>
+          <p:nvPr>
+            <p:ph idx="1"/>
+          </p:nvPr>
+        </p:nvPicPr>
+        <p:blipFill>
+          <a:blip r:embed="rId2"/>
+          <a:stretch>
+            <a:fillRect/>
+          </a:stretch>
+        </p:blipFill>
+        <p:spPr>
+          <a:xfrm>
+            <a:off x="2588467" y="1630363"/>
+            <a:ext cx="7924704" cy="4102100"/>
+          </a:xfrm>
+          <a:prstGeom prst="rect">
+            <a:avLst/>
+          </a:prstGeom>
+        </p:spPr>
+      </p:pic>
+      <p:sp>
+        <p:nvSpPr>
+          <p:cNvPr id="4" name="Slide Number Placeholder 3"/>
+          <p:cNvSpPr>
+            <a:spLocks noGrp="1"/>
+          </p:cNvSpPr>
+          <p:nvPr>
+            <p:ph type="sldNum" sz="quarter" idx="12"/>
+          </p:nvPr>
+        </p:nvSpPr>
+        <p:spPr/>
+        <p:txBody>
+          <a:bodyPr/>
+          <a:lstStyle/>
+          <a:p>
+            <a:fld id="{5C6BB475-B640-4DD3-A1AA-1CF10A44AA06}" type="slidenum">
+              <a:rPr lang="en-US" smtClean="0"/>
+              <a:t>2</a:t>
+            </a:fld>
+            <a:endParaRPr lang="en-US"/>
+          </a:p>
+        </p:txBody>
+      </p:sp>
+      <p:sp>
+        <p:nvSpPr>
+          <p:cNvPr id="7" name="TextBox 6"/>
+          <p:cNvSpPr txBox="1"/>
+          <p:nvPr/>
+        </p:nvSpPr>
+        <p:spPr>
+          <a:xfrm>
+            <a:off x="5046208" y="5884727"/>
+            <a:ext cx="3009222" cy="369332"/>
+          </a:xfrm>
+          <a:prstGeom prst="rect">
+            <a:avLst/>
+          </a:prstGeom>
+          <a:noFill/>
+        </p:spPr>
+        <p:txBody>
+          <a:bodyPr wrap="none" rtlCol="0">
+            <a:spAutoFit/>
+          </a:bodyPr>
+          <a:lstStyle/>
+          <a:p>
+            <a:r>
+              <a:rPr lang="en-US" dirty="0" smtClean="0"/>
+              <a:t>Figure 1. Project Organization</a:t>
+            </a:r>
+            <a:endParaRPr lang="en-US" dirty="0"/>
+          </a:p>
+        </p:txBody>
+      </p:sp>
+    </p:spTree>
+    <p:extLst>
+      <p:ext uri="{BB962C8B-B14F-4D97-AF65-F5344CB8AC3E}">
+        <p14:creationId xmlns:p14="http://schemas.microsoft.com/office/powerpoint/2010/main" val="1628288518"/>
+      </p:ext>
+    </p:extLst>
+  </p:cSld>
+  <p:clrMapOvr>
+    <a:masterClrMapping/>
+  </p:clrMapOvr>
+  <p:timing>
+    <p:tnLst>
+      <p:par>
+        <p:cTn id="1" dur="indefinite" restart="never" nodeType="tmRoot"/>
+      </p:par>
+    </p:tnLst>
+  </p:timing>
+</p:sld>
+</file>
+
+<file path=ppt/slides/slide20.xml><?xml version="1.0" encoding="utf-8"?>
+<p:sld xmlns:a="http://schemas.openxmlformats.org/drawingml/2006/main" xmlns:r="http://schemas.openxmlformats.org/officeDocument/2006/relationships" xmlns:p="http://schemas.openxmlformats.org/presentationml/2006/main">
+  <p:cSld>
+    <p:spTree>
+      <p:nvGrpSpPr>
+        <p:cNvPr id="1" name=""/>
+        <p:cNvGrpSpPr/>
+        <p:nvPr/>
+      </p:nvGrpSpPr>
+      <p:grpSpPr>
+        <a:xfrm>
+          <a:off x="0" y="0"/>
+          <a:ext cx="0" cy="0"/>
+          <a:chOff x="0" y="0"/>
+          <a:chExt cx="0" cy="0"/>
+        </a:xfrm>
+      </p:grpSpPr>
+      <p:sp>
+        <p:nvSpPr>
+          <p:cNvPr id="2" name="Title 1"/>
+          <p:cNvSpPr>
+            <a:spLocks noGrp="1"/>
+          </p:cNvSpPr>
+          <p:nvPr>
+            <p:ph type="title"/>
+          </p:nvPr>
+        </p:nvSpPr>
+        <p:spPr/>
+        <p:txBody>
+          <a:bodyPr/>
+          <a:lstStyle/>
+          <a:p>
+            <a:r>
+              <a:rPr lang="en-US" dirty="0" smtClean="0"/>
+              <a:t>Timeline &amp; Budget</a:t>
+            </a:r>
+            <a:endParaRPr lang="en-US" dirty="0"/>
+          </a:p>
+        </p:txBody>
+      </p:sp>
+      <p:sp>
+        <p:nvSpPr>
+          <p:cNvPr id="4" name="Slide Number Placeholder 3"/>
+          <p:cNvSpPr>
+            <a:spLocks noGrp="1"/>
+          </p:cNvSpPr>
+          <p:nvPr>
+            <p:ph type="sldNum" sz="quarter" idx="12"/>
+          </p:nvPr>
+        </p:nvSpPr>
+        <p:spPr/>
+        <p:txBody>
+          <a:bodyPr/>
+          <a:lstStyle/>
+          <a:p>
+            <a:fld id="{5C6BB475-B640-4DD3-A1AA-1CF10A44AA06}" type="slidenum">
+              <a:rPr lang="en-US" smtClean="0"/>
+              <a:t>20</a:t>
             </a:fld>
             <a:endParaRPr lang="en-US"/>
           </a:p>
@@ -8825,14 +8071,14 @@
           <p:nvPr>
             <p:extLst>
               <p:ext uri="{D42A27DB-BD31-4B8C-83A1-F6EECF244321}">
-                <p14:modId xmlns:p14="http://schemas.microsoft.com/office/powerpoint/2010/main" val="1999604545"/>
+                <p14:modId xmlns:p14="http://schemas.microsoft.com/office/powerpoint/2010/main" val="2983756022"/>
               </p:ext>
             </p:extLst>
           </p:nvPr>
         </p:nvGraphicFramePr>
         <p:xfrm>
-          <a:off x="2781836" y="2468115"/>
-          <a:ext cx="7353837" cy="3581578"/>
+          <a:off x="1541989" y="2408738"/>
+          <a:ext cx="5599094" cy="1701427"/>
         </p:xfrm>
         <a:graphic>
           <a:graphicData uri="http://schemas.openxmlformats.org/drawingml/2006/table">
@@ -8841,11 +8087,11 @@
                 <a:tableStyleId>{5C22544A-7EE6-4342-B048-85BDC9FD1C3A}</a:tableStyleId>
               </a:tblPr>
               <a:tblGrid>
-                <a:gridCol w="4289308"/>
-                <a:gridCol w="1522542"/>
-                <a:gridCol w="1541987"/>
+                <a:gridCol w="2847068"/>
+                <a:gridCol w="1367282"/>
+                <a:gridCol w="1384744"/>
               </a:tblGrid>
-              <a:tr h="701294">
+              <a:tr h="476966">
                 <a:tc>
                   <a:txBody>
                     <a:bodyPr/>
@@ -8937,7 +8183,7 @@
                   <a:tcPr marL="68580" marR="68580" marT="0" marB="0" anchor="ctr"/>
                 </a:tc>
               </a:tr>
-              <a:tr h="701294">
+              <a:tr h="310061">
                 <a:tc>
                   <a:txBody>
                     <a:bodyPr/>
@@ -9027,7 +8273,7 @@
                   <a:tcPr marL="68580" marR="68580" marT="0" marB="0" anchor="ctr"/>
                 </a:tc>
               </a:tr>
-              <a:tr h="1089495">
+              <a:tr h="296883">
                 <a:tc>
                   <a:txBody>
                     <a:bodyPr/>
@@ -9118,7 +8364,7 @@
                   <a:tcPr marL="68580" marR="68580" marT="0" marB="0" anchor="ctr"/>
                 </a:tc>
               </a:tr>
-              <a:tr h="1089495">
+              <a:tr h="383969">
                 <a:tc>
                   <a:txBody>
                     <a:bodyPr/>
@@ -9221,7 +8467,7 @@
         </p:nvSpPr>
         <p:spPr>
           <a:xfrm>
-            <a:off x="5179463" y="2025217"/>
+            <a:off x="2305634" y="1835212"/>
             <a:ext cx="2743764" cy="369332"/>
           </a:xfrm>
           <a:prstGeom prst="rect">
@@ -9246,24 +8492,17 @@
     </p:spTree>
     <p:extLst>
       <p:ext uri="{BB962C8B-B14F-4D97-AF65-F5344CB8AC3E}">
-        <p14:creationId xmlns:p14="http://schemas.microsoft.com/office/powerpoint/2010/main" val="278994164"/>
+        <p14:creationId xmlns:p14="http://schemas.microsoft.com/office/powerpoint/2010/main" val="730559000"/>
       </p:ext>
     </p:extLst>
   </p:cSld>
   <p:clrMapOvr>
     <a:masterClrMapping/>
   </p:clrMapOvr>
-  <p:timing>
-    <p:tnLst>
-      <p:par>
-        <p:cTn id="1" dur="indefinite" restart="never" nodeType="tmRoot"/>
-      </p:par>
-    </p:tnLst>
-  </p:timing>
 </p:sld>
 </file>
 
-<file path=ppt/slides/slide15.xml><?xml version="1.0" encoding="utf-8"?>
+<file path=ppt/slides/slide21.xml><?xml version="1.0" encoding="utf-8"?>
 <p:sld xmlns:a="http://schemas.openxmlformats.org/drawingml/2006/main" xmlns:r="http://schemas.openxmlformats.org/officeDocument/2006/relationships" xmlns:p="http://schemas.openxmlformats.org/presentationml/2006/main">
   <p:cSld>
     <p:spTree>
@@ -9292,1130 +8531,12 @@
         </p:nvSpPr>
         <p:spPr/>
         <p:txBody>
-          <a:bodyPr>
-            <a:normAutofit/>
-          </a:bodyPr>
+          <a:bodyPr/>
           <a:lstStyle/>
           <a:p>
             <a:r>
               <a:rPr lang="en-US" dirty="0" smtClean="0"/>
-              <a:t>Resources</a:t>
-            </a:r>
-            <a:endParaRPr lang="en-US" dirty="0"/>
-          </a:p>
-        </p:txBody>
-      </p:sp>
-      <p:sp>
-        <p:nvSpPr>
-          <p:cNvPr id="4" name="Slide Number Placeholder 3"/>
-          <p:cNvSpPr>
-            <a:spLocks noGrp="1"/>
-          </p:cNvSpPr>
-          <p:nvPr>
-            <p:ph type="sldNum" sz="quarter" idx="12"/>
-          </p:nvPr>
-        </p:nvSpPr>
-        <p:spPr/>
-        <p:txBody>
-          <a:bodyPr/>
-          <a:lstStyle/>
-          <a:p>
-            <a:fld id="{5C6BB475-B640-4DD3-A1AA-1CF10A44AA06}" type="slidenum">
-              <a:rPr lang="en-US" smtClean="0"/>
-              <a:t>15</a:t>
-            </a:fld>
-            <a:endParaRPr lang="en-US"/>
-          </a:p>
-        </p:txBody>
-      </p:sp>
-      <p:graphicFrame>
-        <p:nvGraphicFramePr>
-          <p:cNvPr id="5" name="Content Placeholder 1"/>
-          <p:cNvGraphicFramePr>
-            <a:graphicFrameLocks/>
-          </p:cNvGraphicFramePr>
-          <p:nvPr>
-            <p:extLst>
-              <p:ext uri="{D42A27DB-BD31-4B8C-83A1-F6EECF244321}">
-                <p14:modId xmlns:p14="http://schemas.microsoft.com/office/powerpoint/2010/main" val="4070667143"/>
-              </p:ext>
-            </p:extLst>
-          </p:nvPr>
-        </p:nvGraphicFramePr>
-        <p:xfrm>
-          <a:off x="1780625" y="1999115"/>
-          <a:ext cx="9615488" cy="3962400"/>
-        </p:xfrm>
-        <a:graphic>
-          <a:graphicData uri="http://schemas.openxmlformats.org/drawingml/2006/table">
-            <a:tbl>
-              <a:tblPr firstRow="1" firstCol="1" bandRow="1">
-                <a:tableStyleId>{5C22544A-7EE6-4342-B048-85BDC9FD1C3A}</a:tableStyleId>
-              </a:tblPr>
-              <a:tblGrid>
-                <a:gridCol w="5070936"/>
-                <a:gridCol w="2266681"/>
-                <a:gridCol w="2277871"/>
-              </a:tblGrid>
-              <a:tr h="604826">
-                <a:tc>
-                  <a:txBody>
-                    <a:bodyPr/>
-                    <a:lstStyle/>
-                    <a:p>
-                      <a:pPr marL="0" marR="0" algn="ctr">
-                        <a:spcBef>
-                          <a:spcPts val="0"/>
-                        </a:spcBef>
-                        <a:spcAft>
-                          <a:spcPts val="0"/>
-                        </a:spcAft>
-                      </a:pPr>
-                      <a:r>
-                        <a:rPr lang="en-US" sz="2000" dirty="0" smtClean="0">
-                          <a:effectLst/>
-                          <a:latin typeface="+mn-lt"/>
-                        </a:rPr>
-                        <a:t>Item</a:t>
-                      </a:r>
-                      <a:r>
-                        <a:rPr lang="en-US" sz="2000" dirty="0">
-                          <a:effectLst/>
-                          <a:latin typeface="+mn-lt"/>
-                        </a:rPr>
-                        <a:t> </a:t>
-                      </a:r>
-                      <a:endParaRPr lang="en-US" sz="2000" dirty="0">
-                        <a:effectLst/>
-                        <a:latin typeface="+mn-lt"/>
-                        <a:ea typeface="Times New Roman" panose="02020603050405020304" pitchFamily="18" charset="0"/>
-                      </a:endParaRPr>
-                    </a:p>
-                  </a:txBody>
-                  <a:tcPr marL="68580" marR="68580" marT="0" marB="0" anchor="ctr"/>
-                </a:tc>
-                <a:tc>
-                  <a:txBody>
-                    <a:bodyPr/>
-                    <a:lstStyle/>
-                    <a:p>
-                      <a:pPr marL="0" marR="0" algn="ctr">
-                        <a:spcBef>
-                          <a:spcPts val="0"/>
-                        </a:spcBef>
-                        <a:spcAft>
-                          <a:spcPts val="0"/>
-                        </a:spcAft>
-                      </a:pPr>
-                      <a:r>
-                        <a:rPr lang="en-US" sz="2000" dirty="0" smtClean="0">
-                          <a:effectLst/>
-                          <a:latin typeface="+mn-lt"/>
-                          <a:ea typeface="+mn-ea"/>
-                        </a:rPr>
-                        <a:t>Total</a:t>
-                      </a:r>
-                      <a:r>
-                        <a:rPr lang="en-US" sz="2000" baseline="0" dirty="0" smtClean="0">
-                          <a:effectLst/>
-                          <a:latin typeface="+mn-lt"/>
-                          <a:ea typeface="+mn-ea"/>
-                        </a:rPr>
-                        <a:t> Price</a:t>
-                      </a:r>
-                      <a:endParaRPr lang="en-US" sz="2000" dirty="0">
-                        <a:effectLst/>
-                        <a:latin typeface="+mn-lt"/>
-                        <a:ea typeface="Times New Roman" panose="02020603050405020304" pitchFamily="18" charset="0"/>
-                      </a:endParaRPr>
-                    </a:p>
-                  </a:txBody>
-                  <a:tcPr marL="68580" marR="68580" marT="0" marB="0" anchor="ctr"/>
-                </a:tc>
-                <a:tc>
-                  <a:txBody>
-                    <a:bodyPr/>
-                    <a:lstStyle/>
-                    <a:p>
-                      <a:pPr marL="0" marR="0" algn="ctr">
-                        <a:spcBef>
-                          <a:spcPts val="0"/>
-                        </a:spcBef>
-                        <a:spcAft>
-                          <a:spcPts val="0"/>
-                        </a:spcAft>
-                      </a:pPr>
-                      <a:r>
-                        <a:rPr lang="en-US" sz="2000" dirty="0" smtClean="0">
-                          <a:effectLst/>
-                          <a:latin typeface="+mn-lt"/>
-                        </a:rPr>
-                        <a:t>Department Acquisition (Y/N)</a:t>
-                      </a:r>
-                      <a:endParaRPr lang="en-US" sz="2000" dirty="0">
-                        <a:effectLst/>
-                        <a:latin typeface="+mn-lt"/>
-                        <a:ea typeface="Times New Roman" panose="02020603050405020304" pitchFamily="18" charset="0"/>
-                      </a:endParaRPr>
-                    </a:p>
-                  </a:txBody>
-                  <a:tcPr marL="68580" marR="68580" marT="0" marB="0" anchor="ctr"/>
-                </a:tc>
-              </a:tr>
-              <a:tr h="302413">
-                <a:tc>
-                  <a:txBody>
-                    <a:bodyPr/>
-                    <a:lstStyle/>
-                    <a:p>
-                      <a:pPr marL="0" marR="0" algn="l">
-                        <a:spcBef>
-                          <a:spcPts val="0"/>
-                        </a:spcBef>
-                        <a:spcAft>
-                          <a:spcPts val="0"/>
-                        </a:spcAft>
-                      </a:pPr>
-                      <a:r>
-                        <a:rPr lang="en-US" sz="2000" dirty="0" smtClean="0">
-                          <a:effectLst/>
-                          <a:latin typeface="+mn-lt"/>
-                        </a:rPr>
-                        <a:t>Arduino Uno</a:t>
-                      </a:r>
-                      <a:endParaRPr lang="en-US" sz="2000" dirty="0">
-                        <a:effectLst/>
-                        <a:latin typeface="+mn-lt"/>
-                        <a:ea typeface="Times New Roman" panose="02020603050405020304" pitchFamily="18" charset="0"/>
-                      </a:endParaRPr>
-                    </a:p>
-                  </a:txBody>
-                  <a:tcPr marL="68580" marR="68580" marT="0" marB="0" anchor="ctr"/>
-                </a:tc>
-                <a:tc>
-                  <a:txBody>
-                    <a:bodyPr/>
-                    <a:lstStyle/>
-                    <a:p>
-                      <a:pPr algn="r" rtl="0" fontAlgn="b"/>
-                      <a:r>
-                        <a:rPr lang="en-US" dirty="0">
-                          <a:solidFill>
-                            <a:srgbClr val="000000"/>
-                          </a:solidFill>
-                          <a:effectLst/>
-                          <a:latin typeface="+mn-lt"/>
-                        </a:rPr>
-                        <a:t>$38.00</a:t>
-                      </a:r>
-                    </a:p>
-                  </a:txBody>
-                  <a:tcPr marL="28575" marR="28575" marT="0" marB="0" anchor="b"/>
-                </a:tc>
-                <a:tc>
-                  <a:txBody>
-                    <a:bodyPr/>
-                    <a:lstStyle/>
-                    <a:p>
-                      <a:pPr algn="l" rtl="0" fontAlgn="b"/>
-                      <a:r>
-                        <a:rPr lang="en-US" dirty="0">
-                          <a:solidFill>
-                            <a:srgbClr val="000000"/>
-                          </a:solidFill>
-                          <a:effectLst/>
-                        </a:rPr>
-                        <a:t>Y</a:t>
-                      </a:r>
-                    </a:p>
-                  </a:txBody>
-                  <a:tcPr marL="28575" marR="28575" marT="0" marB="0" anchor="b"/>
-                </a:tc>
-              </a:tr>
-              <a:tr h="302413">
-                <a:tc>
-                  <a:txBody>
-                    <a:bodyPr/>
-                    <a:lstStyle/>
-                    <a:p>
-                      <a:pPr marL="0" marR="0" algn="l">
-                        <a:spcBef>
-                          <a:spcPts val="0"/>
-                        </a:spcBef>
-                        <a:spcAft>
-                          <a:spcPts val="0"/>
-                        </a:spcAft>
-                      </a:pPr>
-                      <a:r>
-                        <a:rPr lang="en-US" sz="2000" dirty="0" smtClean="0">
-                          <a:effectLst/>
-                          <a:latin typeface="+mn-lt"/>
-                          <a:ea typeface="Times New Roman" panose="02020603050405020304" pitchFamily="18" charset="0"/>
-                        </a:rPr>
-                        <a:t>Enclosure</a:t>
-                      </a:r>
-                      <a:endParaRPr lang="en-US" sz="2000" dirty="0">
-                        <a:effectLst/>
-                        <a:latin typeface="+mn-lt"/>
-                        <a:ea typeface="Times New Roman" panose="02020603050405020304" pitchFamily="18" charset="0"/>
-                      </a:endParaRPr>
-                    </a:p>
-                  </a:txBody>
-                  <a:tcPr marL="68580" marR="68580" marT="0" marB="0" anchor="ctr"/>
-                </a:tc>
-                <a:tc>
-                  <a:txBody>
-                    <a:bodyPr/>
-                    <a:lstStyle/>
-                    <a:p>
-                      <a:pPr algn="r" rtl="0" fontAlgn="b"/>
-                      <a:r>
-                        <a:rPr lang="en-US" dirty="0">
-                          <a:solidFill>
-                            <a:srgbClr val="000000"/>
-                          </a:solidFill>
-                          <a:effectLst/>
-                          <a:latin typeface="+mn-lt"/>
-                        </a:rPr>
-                        <a:t>$86.24</a:t>
-                      </a:r>
-                    </a:p>
-                  </a:txBody>
-                  <a:tcPr marL="28575" marR="28575" marT="0" marB="0" anchor="b"/>
-                </a:tc>
-                <a:tc>
-                  <a:txBody>
-                    <a:bodyPr/>
-                    <a:lstStyle/>
-                    <a:p>
-                      <a:pPr algn="l" rtl="0" fontAlgn="b"/>
-                      <a:r>
-                        <a:rPr lang="en-US" dirty="0">
-                          <a:solidFill>
-                            <a:srgbClr val="000000"/>
-                          </a:solidFill>
-                          <a:effectLst/>
-                        </a:rPr>
-                        <a:t>N</a:t>
-                      </a:r>
-                    </a:p>
-                  </a:txBody>
-                  <a:tcPr marL="28575" marR="28575" marT="0" marB="0" anchor="b"/>
-                </a:tc>
-              </a:tr>
-              <a:tr h="302413">
-                <a:tc>
-                  <a:txBody>
-                    <a:bodyPr/>
-                    <a:lstStyle/>
-                    <a:p>
-                      <a:pPr marL="0" marR="0" algn="l">
-                        <a:spcBef>
-                          <a:spcPts val="0"/>
-                        </a:spcBef>
-                        <a:spcAft>
-                          <a:spcPts val="0"/>
-                        </a:spcAft>
-                      </a:pPr>
-                      <a:r>
-                        <a:rPr lang="en-US" sz="2000" dirty="0" smtClean="0">
-                          <a:effectLst/>
-                          <a:latin typeface="+mn-lt"/>
-                          <a:ea typeface="Times New Roman" panose="02020603050405020304" pitchFamily="18" charset="0"/>
-                        </a:rPr>
-                        <a:t>Aluminum plate for chassis and build table</a:t>
-                      </a:r>
-                      <a:endParaRPr lang="en-US" sz="2000" dirty="0">
-                        <a:effectLst/>
-                        <a:latin typeface="+mn-lt"/>
-                        <a:ea typeface="Times New Roman" panose="02020603050405020304" pitchFamily="18" charset="0"/>
-                      </a:endParaRPr>
-                    </a:p>
-                  </a:txBody>
-                  <a:tcPr marL="68580" marR="68580" marT="0" marB="0" anchor="ctr"/>
-                </a:tc>
-                <a:tc>
-                  <a:txBody>
-                    <a:bodyPr/>
-                    <a:lstStyle/>
-                    <a:p>
-                      <a:pPr algn="r" rtl="0" fontAlgn="b"/>
-                      <a:r>
-                        <a:rPr lang="en-US" dirty="0">
-                          <a:solidFill>
-                            <a:srgbClr val="000000"/>
-                          </a:solidFill>
-                          <a:effectLst/>
-                          <a:latin typeface="+mn-lt"/>
-                        </a:rPr>
-                        <a:t>$148.00</a:t>
-                      </a:r>
-                    </a:p>
-                  </a:txBody>
-                  <a:tcPr marL="28575" marR="28575" marT="0" marB="0" anchor="b"/>
-                </a:tc>
-                <a:tc>
-                  <a:txBody>
-                    <a:bodyPr/>
-                    <a:lstStyle/>
-                    <a:p>
-                      <a:pPr algn="l" rtl="0" fontAlgn="b"/>
-                      <a:r>
-                        <a:rPr lang="en-US" dirty="0">
-                          <a:solidFill>
-                            <a:srgbClr val="000000"/>
-                          </a:solidFill>
-                          <a:effectLst/>
-                        </a:rPr>
-                        <a:t>N</a:t>
-                      </a:r>
-                    </a:p>
-                  </a:txBody>
-                  <a:tcPr marL="28575" marR="28575" marT="0" marB="0" anchor="b"/>
-                </a:tc>
-              </a:tr>
-              <a:tr h="302413">
-                <a:tc>
-                  <a:txBody>
-                    <a:bodyPr/>
-                    <a:lstStyle/>
-                    <a:p>
-                      <a:pPr marL="0" marR="0" algn="l">
-                        <a:spcBef>
-                          <a:spcPts val="0"/>
-                        </a:spcBef>
-                        <a:spcAft>
-                          <a:spcPts val="0"/>
-                        </a:spcAft>
-                      </a:pPr>
-                      <a:r>
-                        <a:rPr lang="en-US" sz="2000" b="1" kern="1200" dirty="0" smtClean="0">
-                          <a:solidFill>
-                            <a:schemeClr val="lt1"/>
-                          </a:solidFill>
-                          <a:effectLst/>
-                          <a:latin typeface="+mn-lt"/>
-                          <a:ea typeface="+mn-ea"/>
-                          <a:cs typeface="+mn-cs"/>
-                        </a:rPr>
-                        <a:t>12mm ground linear bearing rod 1500mm</a:t>
-                      </a:r>
-                      <a:endParaRPr lang="en-US" sz="2000" dirty="0">
-                        <a:effectLst/>
-                        <a:latin typeface="+mn-lt"/>
-                        <a:ea typeface="Times New Roman" panose="02020603050405020304" pitchFamily="18" charset="0"/>
-                      </a:endParaRPr>
-                    </a:p>
-                  </a:txBody>
-                  <a:tcPr marL="68580" marR="68580" marT="0" marB="0" anchor="ctr"/>
-                </a:tc>
-                <a:tc>
-                  <a:txBody>
-                    <a:bodyPr/>
-                    <a:lstStyle/>
-                    <a:p>
-                      <a:pPr algn="r" rtl="0" fontAlgn="b"/>
-                      <a:r>
-                        <a:rPr lang="en-US" dirty="0">
-                          <a:solidFill>
-                            <a:srgbClr val="000000"/>
-                          </a:solidFill>
-                          <a:effectLst/>
-                          <a:latin typeface="+mn-lt"/>
-                        </a:rPr>
-                        <a:t>$93.70</a:t>
-                      </a:r>
-                    </a:p>
-                  </a:txBody>
-                  <a:tcPr marL="28575" marR="28575" marT="0" marB="0" anchor="b"/>
-                </a:tc>
-                <a:tc>
-                  <a:txBody>
-                    <a:bodyPr/>
-                    <a:lstStyle/>
-                    <a:p>
-                      <a:pPr algn="l" rtl="0" fontAlgn="b"/>
-                      <a:r>
-                        <a:rPr lang="en-US" dirty="0">
-                          <a:solidFill>
-                            <a:srgbClr val="000000"/>
-                          </a:solidFill>
-                          <a:effectLst/>
-                        </a:rPr>
-                        <a:t>Y</a:t>
-                      </a:r>
-                    </a:p>
-                  </a:txBody>
-                  <a:tcPr marL="28575" marR="28575" marT="0" marB="0" anchor="b"/>
-                </a:tc>
-              </a:tr>
-              <a:tr h="302413">
-                <a:tc>
-                  <a:txBody>
-                    <a:bodyPr/>
-                    <a:lstStyle/>
-                    <a:p>
-                      <a:pPr marL="0" marR="0" algn="l">
-                        <a:spcBef>
-                          <a:spcPts val="0"/>
-                        </a:spcBef>
-                        <a:spcAft>
-                          <a:spcPts val="0"/>
-                        </a:spcAft>
-                      </a:pPr>
-                      <a:r>
-                        <a:rPr lang="en-US" sz="2000" b="1" kern="1200" dirty="0" smtClean="0">
-                          <a:solidFill>
-                            <a:schemeClr val="lt1"/>
-                          </a:solidFill>
-                          <a:effectLst/>
-                          <a:latin typeface="+mn-lt"/>
-                          <a:ea typeface="+mn-ea"/>
-                          <a:cs typeface="+mn-cs"/>
-                        </a:rPr>
-                        <a:t>Chassis hardware</a:t>
-                      </a:r>
-                      <a:endParaRPr lang="en-US" sz="2000" dirty="0">
-                        <a:effectLst/>
-                        <a:latin typeface="+mn-lt"/>
-                        <a:ea typeface="Times New Roman" panose="02020603050405020304" pitchFamily="18" charset="0"/>
-                      </a:endParaRPr>
-                    </a:p>
-                  </a:txBody>
-                  <a:tcPr marL="68580" marR="68580" marT="0" marB="0" anchor="ctr"/>
-                </a:tc>
-                <a:tc>
-                  <a:txBody>
-                    <a:bodyPr/>
-                    <a:lstStyle/>
-                    <a:p>
-                      <a:pPr algn="r" rtl="0" fontAlgn="b"/>
-                      <a:r>
-                        <a:rPr lang="en-US" dirty="0">
-                          <a:solidFill>
-                            <a:srgbClr val="000000"/>
-                          </a:solidFill>
-                          <a:effectLst/>
-                        </a:rPr>
-                        <a:t>$37.00</a:t>
-                      </a:r>
-                    </a:p>
-                  </a:txBody>
-                  <a:tcPr marL="28575" marR="28575" marT="0" marB="0" anchor="b"/>
-                </a:tc>
-                <a:tc>
-                  <a:txBody>
-                    <a:bodyPr/>
-                    <a:lstStyle/>
-                    <a:p>
-                      <a:pPr algn="l" rtl="0" fontAlgn="b"/>
-                      <a:r>
-                        <a:rPr lang="en-US" dirty="0">
-                          <a:solidFill>
-                            <a:srgbClr val="000000"/>
-                          </a:solidFill>
-                          <a:effectLst/>
-                        </a:rPr>
-                        <a:t>Y</a:t>
-                      </a:r>
-                    </a:p>
-                  </a:txBody>
-                  <a:tcPr marL="28575" marR="28575" marT="0" marB="0" anchor="b"/>
-                </a:tc>
-              </a:tr>
-              <a:tr h="302413">
-                <a:tc>
-                  <a:txBody>
-                    <a:bodyPr/>
-                    <a:lstStyle/>
-                    <a:p>
-                      <a:pPr marL="0" marR="0" algn="l">
-                        <a:spcBef>
-                          <a:spcPts val="0"/>
-                        </a:spcBef>
-                        <a:spcAft>
-                          <a:spcPts val="0"/>
-                        </a:spcAft>
-                      </a:pPr>
-                      <a:r>
-                        <a:rPr lang="en-US" sz="2000" b="1" kern="1200" dirty="0" err="1" smtClean="0">
-                          <a:solidFill>
-                            <a:schemeClr val="lt1"/>
-                          </a:solidFill>
-                          <a:effectLst/>
-                          <a:latin typeface="+mn-lt"/>
-                          <a:ea typeface="+mn-ea"/>
-                          <a:cs typeface="+mn-cs"/>
-                        </a:rPr>
-                        <a:t>Photoresin</a:t>
-                      </a:r>
-                      <a:r>
-                        <a:rPr lang="en-US" sz="2000" b="1" kern="1200" dirty="0" smtClean="0">
-                          <a:solidFill>
-                            <a:schemeClr val="lt1"/>
-                          </a:solidFill>
-                          <a:effectLst/>
-                          <a:latin typeface="+mn-lt"/>
-                          <a:ea typeface="+mn-ea"/>
-                          <a:cs typeface="+mn-cs"/>
-                        </a:rPr>
-                        <a:t> vat</a:t>
-                      </a:r>
-                      <a:endParaRPr lang="en-US" sz="2000" dirty="0">
-                        <a:effectLst/>
-                        <a:latin typeface="+mn-lt"/>
-                        <a:ea typeface="Times New Roman" panose="02020603050405020304" pitchFamily="18" charset="0"/>
-                      </a:endParaRPr>
-                    </a:p>
-                  </a:txBody>
-                  <a:tcPr marL="68580" marR="68580" marT="0" marB="0" anchor="ctr"/>
-                </a:tc>
-                <a:tc>
-                  <a:txBody>
-                    <a:bodyPr/>
-                    <a:lstStyle/>
-                    <a:p>
-                      <a:pPr algn="r" rtl="0" fontAlgn="b"/>
-                      <a:r>
-                        <a:rPr lang="en-US">
-                          <a:solidFill>
-                            <a:srgbClr val="000000"/>
-                          </a:solidFill>
-                          <a:effectLst/>
-                        </a:rPr>
-                        <a:t>$47.00</a:t>
-                      </a:r>
-                    </a:p>
-                  </a:txBody>
-                  <a:tcPr marL="28575" marR="28575" marT="0" marB="0" anchor="b"/>
-                </a:tc>
-                <a:tc>
-                  <a:txBody>
-                    <a:bodyPr/>
-                    <a:lstStyle/>
-                    <a:p>
-                      <a:pPr algn="l" rtl="0" fontAlgn="b"/>
-                      <a:r>
-                        <a:rPr lang="en-US" dirty="0">
-                          <a:solidFill>
-                            <a:srgbClr val="000000"/>
-                          </a:solidFill>
-                          <a:effectLst/>
-                        </a:rPr>
-                        <a:t>N</a:t>
-                      </a:r>
-                    </a:p>
-                  </a:txBody>
-                  <a:tcPr marL="28575" marR="28575" marT="0" marB="0" anchor="b"/>
-                </a:tc>
-              </a:tr>
-              <a:tr h="302413">
-                <a:tc>
-                  <a:txBody>
-                    <a:bodyPr/>
-                    <a:lstStyle/>
-                    <a:p>
-                      <a:pPr marL="0" marR="0" algn="l">
-                        <a:spcBef>
-                          <a:spcPts val="0"/>
-                        </a:spcBef>
-                        <a:spcAft>
-                          <a:spcPts val="0"/>
-                        </a:spcAft>
-                      </a:pPr>
-                      <a:r>
-                        <a:rPr lang="en-US" sz="2000" b="1" kern="1200" dirty="0" err="1" smtClean="0">
-                          <a:solidFill>
-                            <a:schemeClr val="lt1"/>
-                          </a:solidFill>
-                          <a:effectLst/>
-                          <a:latin typeface="+mn-lt"/>
-                          <a:ea typeface="+mn-ea"/>
-                          <a:cs typeface="+mn-cs"/>
-                        </a:rPr>
-                        <a:t>Makerjuice</a:t>
-                      </a:r>
-                      <a:r>
-                        <a:rPr lang="en-US" sz="2000" b="1" kern="1200" dirty="0" smtClean="0">
-                          <a:solidFill>
-                            <a:schemeClr val="lt1"/>
-                          </a:solidFill>
-                          <a:effectLst/>
-                          <a:latin typeface="+mn-lt"/>
-                          <a:ea typeface="+mn-ea"/>
-                          <a:cs typeface="+mn-cs"/>
-                        </a:rPr>
-                        <a:t> resins</a:t>
-                      </a:r>
-                      <a:endParaRPr lang="en-US" sz="2000" dirty="0">
-                        <a:effectLst/>
-                        <a:latin typeface="+mn-lt"/>
-                        <a:ea typeface="Times New Roman" panose="02020603050405020304" pitchFamily="18" charset="0"/>
-                      </a:endParaRPr>
-                    </a:p>
-                  </a:txBody>
-                  <a:tcPr marL="68580" marR="68580" marT="0" marB="0" anchor="ctr"/>
-                </a:tc>
-                <a:tc>
-                  <a:txBody>
-                    <a:bodyPr/>
-                    <a:lstStyle/>
-                    <a:p>
-                      <a:pPr algn="r" rtl="0" fontAlgn="b"/>
-                      <a:r>
-                        <a:rPr lang="en-US">
-                          <a:solidFill>
-                            <a:srgbClr val="000000"/>
-                          </a:solidFill>
-                          <a:effectLst/>
-                        </a:rPr>
-                        <a:t>$47.00</a:t>
-                      </a:r>
-                    </a:p>
-                  </a:txBody>
-                  <a:tcPr marL="28575" marR="28575" marT="0" marB="0" anchor="b"/>
-                </a:tc>
-                <a:tc>
-                  <a:txBody>
-                    <a:bodyPr/>
-                    <a:lstStyle/>
-                    <a:p>
-                      <a:pPr algn="l" rtl="0" fontAlgn="b"/>
-                      <a:r>
-                        <a:rPr lang="en-US" dirty="0">
-                          <a:solidFill>
-                            <a:srgbClr val="000000"/>
-                          </a:solidFill>
-                          <a:effectLst/>
-                        </a:rPr>
-                        <a:t>N</a:t>
-                      </a:r>
-                    </a:p>
-                  </a:txBody>
-                  <a:tcPr marL="28575" marR="28575" marT="0" marB="0" anchor="b"/>
-                </a:tc>
-              </a:tr>
-              <a:tr h="302413">
-                <a:tc>
-                  <a:txBody>
-                    <a:bodyPr/>
-                    <a:lstStyle/>
-                    <a:p>
-                      <a:pPr marL="0" marR="0" algn="l">
-                        <a:spcBef>
-                          <a:spcPts val="0"/>
-                        </a:spcBef>
-                        <a:spcAft>
-                          <a:spcPts val="0"/>
-                        </a:spcAft>
-                      </a:pPr>
-                      <a:r>
-                        <a:rPr lang="en-US" sz="2000" b="1" kern="1200" dirty="0" smtClean="0">
-                          <a:solidFill>
-                            <a:schemeClr val="lt1"/>
-                          </a:solidFill>
-                          <a:effectLst/>
-                          <a:latin typeface="+mn-lt"/>
-                          <a:ea typeface="+mn-ea"/>
-                          <a:cs typeface="+mn-cs"/>
-                        </a:rPr>
-                        <a:t>Motion control system </a:t>
-                      </a:r>
-                      <a:endParaRPr lang="en-US" sz="2000" dirty="0">
-                        <a:effectLst/>
-                        <a:latin typeface="+mn-lt"/>
-                        <a:ea typeface="Times New Roman" panose="02020603050405020304" pitchFamily="18" charset="0"/>
-                      </a:endParaRPr>
-                    </a:p>
-                  </a:txBody>
-                  <a:tcPr marL="68580" marR="68580" marT="0" marB="0" anchor="ctr"/>
-                </a:tc>
-                <a:tc>
-                  <a:txBody>
-                    <a:bodyPr/>
-                    <a:lstStyle/>
-                    <a:p>
-                      <a:pPr algn="r" rtl="0" fontAlgn="b"/>
-                      <a:r>
-                        <a:rPr lang="en-US">
-                          <a:solidFill>
-                            <a:srgbClr val="000000"/>
-                          </a:solidFill>
-                          <a:effectLst/>
-                        </a:rPr>
-                        <a:t>$112.00</a:t>
-                      </a:r>
-                    </a:p>
-                  </a:txBody>
-                  <a:tcPr marL="28575" marR="28575" marT="0" marB="0" anchor="b"/>
-                </a:tc>
-                <a:tc>
-                  <a:txBody>
-                    <a:bodyPr/>
-                    <a:lstStyle/>
-                    <a:p>
-                      <a:pPr algn="l" rtl="0" fontAlgn="b"/>
-                      <a:r>
-                        <a:rPr lang="en-US">
-                          <a:solidFill>
-                            <a:srgbClr val="000000"/>
-                          </a:solidFill>
-                          <a:effectLst/>
-                        </a:rPr>
-                        <a:t>Y</a:t>
-                      </a:r>
-                    </a:p>
-                  </a:txBody>
-                  <a:tcPr marL="28575" marR="28575" marT="0" marB="0" anchor="b"/>
-                </a:tc>
-              </a:tr>
-              <a:tr h="302413">
-                <a:tc>
-                  <a:txBody>
-                    <a:bodyPr/>
-                    <a:lstStyle/>
-                    <a:p>
-                      <a:pPr marL="0" marR="0" algn="l">
-                        <a:spcBef>
-                          <a:spcPts val="0"/>
-                        </a:spcBef>
-                        <a:spcAft>
-                          <a:spcPts val="0"/>
-                        </a:spcAft>
-                      </a:pPr>
-                      <a:r>
-                        <a:rPr lang="en-US" sz="2000" b="1" kern="1200" dirty="0" smtClean="0">
-                          <a:solidFill>
-                            <a:schemeClr val="lt1"/>
-                          </a:solidFill>
-                          <a:effectLst/>
-                          <a:latin typeface="+mn-lt"/>
-                          <a:ea typeface="+mn-ea"/>
-                          <a:cs typeface="+mn-cs"/>
-                        </a:rPr>
-                        <a:t>DLP projector</a:t>
-                      </a:r>
-                      <a:endParaRPr lang="en-US" sz="2000" dirty="0">
-                        <a:effectLst/>
-                        <a:latin typeface="+mn-lt"/>
-                        <a:ea typeface="Times New Roman" panose="02020603050405020304" pitchFamily="18" charset="0"/>
-                      </a:endParaRPr>
-                    </a:p>
-                  </a:txBody>
-                  <a:tcPr marL="68580" marR="68580" marT="0" marB="0" anchor="ctr"/>
-                </a:tc>
-                <a:tc>
-                  <a:txBody>
-                    <a:bodyPr/>
-                    <a:lstStyle/>
-                    <a:p>
-                      <a:pPr algn="r" rtl="0" fontAlgn="b"/>
-                      <a:r>
-                        <a:rPr lang="en-US" dirty="0">
-                          <a:solidFill>
-                            <a:srgbClr val="000000"/>
-                          </a:solidFill>
-                          <a:effectLst/>
-                        </a:rPr>
-                        <a:t>$344.00</a:t>
-                      </a:r>
-                    </a:p>
-                  </a:txBody>
-                  <a:tcPr marL="28575" marR="28575" marT="0" marB="0" anchor="b"/>
-                </a:tc>
-                <a:tc>
-                  <a:txBody>
-                    <a:bodyPr/>
-                    <a:lstStyle/>
-                    <a:p>
-                      <a:pPr algn="l" rtl="0" fontAlgn="b"/>
-                      <a:r>
-                        <a:rPr lang="en-US" dirty="0">
-                          <a:solidFill>
-                            <a:srgbClr val="000000"/>
-                          </a:solidFill>
-                          <a:effectLst/>
-                        </a:rPr>
-                        <a:t>N</a:t>
-                      </a:r>
-                    </a:p>
-                  </a:txBody>
-                  <a:tcPr marL="28575" marR="28575" marT="0" marB="0" anchor="b"/>
-                </a:tc>
-              </a:tr>
-              <a:tr h="302413">
-                <a:tc>
-                  <a:txBody>
-                    <a:bodyPr/>
-                    <a:lstStyle/>
-                    <a:p>
-                      <a:pPr marL="0" marR="0" algn="l">
-                        <a:spcBef>
-                          <a:spcPts val="0"/>
-                        </a:spcBef>
-                        <a:spcAft>
-                          <a:spcPts val="0"/>
-                        </a:spcAft>
-                      </a:pPr>
-                      <a:r>
-                        <a:rPr lang="en-US" sz="2000" dirty="0" smtClean="0">
-                          <a:effectLst/>
-                          <a:latin typeface="+mn-lt"/>
-                          <a:ea typeface="Times New Roman" panose="02020603050405020304" pitchFamily="18" charset="0"/>
-                        </a:rPr>
-                        <a:t>Computer</a:t>
-                      </a:r>
-                      <a:endParaRPr lang="en-US" sz="2000" dirty="0">
-                        <a:effectLst/>
-                        <a:latin typeface="+mn-lt"/>
-                        <a:ea typeface="Times New Roman" panose="02020603050405020304" pitchFamily="18" charset="0"/>
-                      </a:endParaRPr>
-                    </a:p>
-                  </a:txBody>
-                  <a:tcPr marL="68580" marR="68580" marT="0" marB="0" anchor="ctr"/>
-                </a:tc>
-                <a:tc>
-                  <a:txBody>
-                    <a:bodyPr/>
-                    <a:lstStyle/>
-                    <a:p>
-                      <a:pPr marL="0" marR="0" algn="r">
-                        <a:spcBef>
-                          <a:spcPts val="0"/>
-                        </a:spcBef>
-                        <a:spcAft>
-                          <a:spcPts val="0"/>
-                        </a:spcAft>
-                      </a:pPr>
-                      <a:r>
-                        <a:rPr lang="en-US" sz="1800" dirty="0" smtClean="0">
-                          <a:effectLst/>
-                          <a:latin typeface="+mn-lt"/>
-                          <a:ea typeface="Times New Roman" panose="02020603050405020304" pitchFamily="18" charset="0"/>
-                        </a:rPr>
-                        <a:t>$0.00</a:t>
-                      </a:r>
-                      <a:endParaRPr lang="en-US" sz="1800" dirty="0">
-                        <a:effectLst/>
-                        <a:latin typeface="+mn-lt"/>
-                        <a:ea typeface="Times New Roman" panose="02020603050405020304" pitchFamily="18" charset="0"/>
-                      </a:endParaRPr>
-                    </a:p>
-                  </a:txBody>
-                  <a:tcPr marL="68580" marR="68580" marT="0" marB="0" anchor="ctr"/>
-                </a:tc>
-                <a:tc>
-                  <a:txBody>
-                    <a:bodyPr/>
-                    <a:lstStyle/>
-                    <a:p>
-                      <a:pPr marL="0" marR="0" algn="l">
-                        <a:spcBef>
-                          <a:spcPts val="0"/>
-                        </a:spcBef>
-                        <a:spcAft>
-                          <a:spcPts val="0"/>
-                        </a:spcAft>
-                      </a:pPr>
-                      <a:r>
-                        <a:rPr lang="en-US" sz="1800" dirty="0" smtClean="0">
-                          <a:effectLst/>
-                          <a:latin typeface="+mn-lt"/>
-                          <a:ea typeface="Times New Roman" panose="02020603050405020304" pitchFamily="18" charset="0"/>
-                        </a:rPr>
-                        <a:t>Y</a:t>
-                      </a:r>
-                      <a:endParaRPr lang="en-US" sz="1800" dirty="0">
-                        <a:effectLst/>
-                        <a:latin typeface="+mn-lt"/>
-                        <a:ea typeface="Times New Roman" panose="02020603050405020304" pitchFamily="18" charset="0"/>
-                      </a:endParaRPr>
-                    </a:p>
-                  </a:txBody>
-                  <a:tcPr marL="68580" marR="68580" marT="0" marB="0" anchor="ctr"/>
-                </a:tc>
-              </a:tr>
-              <a:tr h="302413">
-                <a:tc>
-                  <a:txBody>
-                    <a:bodyPr/>
-                    <a:lstStyle/>
-                    <a:p>
-                      <a:pPr marL="0" marR="0" algn="r">
-                        <a:spcBef>
-                          <a:spcPts val="0"/>
-                        </a:spcBef>
-                        <a:spcAft>
-                          <a:spcPts val="0"/>
-                        </a:spcAft>
-                      </a:pPr>
-                      <a:r>
-                        <a:rPr lang="en-US" sz="2000" dirty="0" smtClean="0">
-                          <a:effectLst/>
-                          <a:latin typeface="+mn-lt"/>
-                          <a:ea typeface="Times New Roman" panose="02020603050405020304" pitchFamily="18" charset="0"/>
-                        </a:rPr>
-                        <a:t>TOTAL</a:t>
-                      </a:r>
-                      <a:endParaRPr lang="en-US" sz="2000" dirty="0">
-                        <a:effectLst/>
-                        <a:latin typeface="+mn-lt"/>
-                        <a:ea typeface="Times New Roman" panose="02020603050405020304" pitchFamily="18" charset="0"/>
-                      </a:endParaRPr>
-                    </a:p>
-                  </a:txBody>
-                  <a:tcPr marL="68580" marR="68580" marT="0" marB="0" anchor="ctr"/>
-                </a:tc>
-                <a:tc>
-                  <a:txBody>
-                    <a:bodyPr/>
-                    <a:lstStyle/>
-                    <a:p>
-                      <a:pPr marL="0" marR="0" algn="r">
-                        <a:spcBef>
-                          <a:spcPts val="0"/>
-                        </a:spcBef>
-                        <a:spcAft>
-                          <a:spcPts val="0"/>
-                        </a:spcAft>
-                      </a:pPr>
-                      <a:r>
-                        <a:rPr lang="en-US" sz="1800" dirty="0" smtClean="0">
-                          <a:effectLst/>
-                          <a:latin typeface="+mn-lt"/>
-                          <a:ea typeface="Times New Roman" panose="02020603050405020304" pitchFamily="18" charset="0"/>
-                        </a:rPr>
-                        <a:t>$952.94</a:t>
-                      </a:r>
-                      <a:endParaRPr lang="en-US" sz="1800" dirty="0">
-                        <a:effectLst/>
-                        <a:latin typeface="+mn-lt"/>
-                        <a:ea typeface="Times New Roman" panose="02020603050405020304" pitchFamily="18" charset="0"/>
-                      </a:endParaRPr>
-                    </a:p>
-                  </a:txBody>
-                  <a:tcPr marL="68580" marR="68580" marT="0" marB="0" anchor="ctr"/>
-                </a:tc>
-                <a:tc>
-                  <a:txBody>
-                    <a:bodyPr/>
-                    <a:lstStyle/>
-                    <a:p>
-                      <a:pPr marL="0" marR="0" algn="l">
-                        <a:spcBef>
-                          <a:spcPts val="0"/>
-                        </a:spcBef>
-                        <a:spcAft>
-                          <a:spcPts val="0"/>
-                        </a:spcAft>
-                      </a:pPr>
-                      <a:endParaRPr lang="en-US" sz="1800" dirty="0">
-                        <a:effectLst/>
-                        <a:latin typeface="+mn-lt"/>
-                        <a:ea typeface="Times New Roman" panose="02020603050405020304" pitchFamily="18" charset="0"/>
-                      </a:endParaRPr>
-                    </a:p>
-                  </a:txBody>
-                  <a:tcPr marL="68580" marR="68580" marT="0" marB="0" anchor="ctr"/>
-                </a:tc>
-              </a:tr>
-            </a:tbl>
-          </a:graphicData>
-        </a:graphic>
-      </p:graphicFrame>
-      <p:sp>
-        <p:nvSpPr>
-          <p:cNvPr id="6" name="TextBox 5"/>
-          <p:cNvSpPr txBox="1"/>
-          <p:nvPr/>
-        </p:nvSpPr>
-        <p:spPr>
-          <a:xfrm>
-            <a:off x="5179302" y="1613864"/>
-            <a:ext cx="2729658" cy="369332"/>
-          </a:xfrm>
-          <a:prstGeom prst="rect">
-            <a:avLst/>
-          </a:prstGeom>
-          <a:noFill/>
-        </p:spPr>
-        <p:txBody>
-          <a:bodyPr wrap="none" rtlCol="0">
-            <a:spAutoFit/>
-          </a:bodyPr>
-          <a:lstStyle/>
-          <a:p>
-            <a:r>
-              <a:rPr lang="en-US" dirty="0" smtClean="0"/>
-              <a:t>Table </a:t>
-            </a:r>
-            <a:r>
-              <a:rPr lang="en-US" dirty="0"/>
-              <a:t>4</a:t>
-            </a:r>
-            <a:r>
-              <a:rPr lang="en-US" dirty="0" smtClean="0"/>
-              <a:t>. Resources Needed</a:t>
-            </a:r>
-            <a:endParaRPr lang="en-US" dirty="0"/>
-          </a:p>
-        </p:txBody>
-      </p:sp>
-    </p:spTree>
-    <p:extLst>
-      <p:ext uri="{BB962C8B-B14F-4D97-AF65-F5344CB8AC3E}">
-        <p14:creationId xmlns:p14="http://schemas.microsoft.com/office/powerpoint/2010/main" val="1880963123"/>
-      </p:ext>
-    </p:extLst>
-  </p:cSld>
-  <p:clrMapOvr>
-    <a:masterClrMapping/>
-  </p:clrMapOvr>
-  <p:timing>
-    <p:tnLst>
-      <p:par>
-        <p:cTn id="1" dur="indefinite" restart="never" nodeType="tmRoot"/>
-      </p:par>
-    </p:tnLst>
-  </p:timing>
-</p:sld>
-</file>
-
-<file path=ppt/slides/slide16.xml><?xml version="1.0" encoding="utf-8"?>
-<p:sld xmlns:a="http://schemas.openxmlformats.org/drawingml/2006/main" xmlns:r="http://schemas.openxmlformats.org/officeDocument/2006/relationships" xmlns:p="http://schemas.openxmlformats.org/presentationml/2006/main">
-  <p:cSld>
-    <p:spTree>
-      <p:nvGrpSpPr>
-        <p:cNvPr id="1" name=""/>
-        <p:cNvGrpSpPr/>
-        <p:nvPr/>
-      </p:nvGrpSpPr>
-      <p:grpSpPr>
-        <a:xfrm>
-          <a:off x="0" y="0"/>
-          <a:ext cx="0" cy="0"/>
-          <a:chOff x="0" y="0"/>
-          <a:chExt cx="0" cy="0"/>
-        </a:xfrm>
-      </p:grpSpPr>
-      <p:sp>
-        <p:nvSpPr>
-          <p:cNvPr id="2" name="Title 1"/>
-          <p:cNvSpPr>
-            <a:spLocks noGrp="1"/>
-          </p:cNvSpPr>
-          <p:nvPr>
-            <p:ph type="title"/>
-          </p:nvPr>
-        </p:nvSpPr>
-        <p:spPr/>
-        <p:txBody>
-          <a:bodyPr/>
-          <a:lstStyle/>
-          <a:p>
-            <a:r>
-              <a:rPr lang="en-US" dirty="0" smtClean="0"/>
-              <a:t>Conclusion</a:t>
+              <a:t>Summary</a:t>
             </a:r>
             <a:endParaRPr lang="en-US" dirty="0"/>
           </a:p>
@@ -10521,7 +8642,7 @@
           <a:p>
             <a:fld id="{5C6BB475-B640-4DD3-A1AA-1CF10A44AA06}" type="slidenum">
               <a:rPr lang="en-US" smtClean="0"/>
-              <a:t>16</a:t>
+              <a:t>21</a:t>
             </a:fld>
             <a:endParaRPr lang="en-US"/>
           </a:p>
@@ -10547,7 +8668,7 @@
 </p:sld>
 </file>
 
-<file path=ppt/slides/slide17.xml><?xml version="1.0" encoding="utf-8"?>
+<file path=ppt/slides/slide22.xml><?xml version="1.0" encoding="utf-8"?>
 <p:sld xmlns:a="http://schemas.openxmlformats.org/drawingml/2006/main" xmlns:r="http://schemas.openxmlformats.org/officeDocument/2006/relationships" xmlns:p="http://schemas.openxmlformats.org/presentationml/2006/main">
   <p:cSld>
     <p:spTree>
@@ -10576,14 +8697,12 @@
         </p:nvSpPr>
         <p:spPr/>
         <p:txBody>
-          <a:bodyPr>
-            <a:normAutofit/>
-          </a:bodyPr>
+          <a:bodyPr/>
           <a:lstStyle/>
           <a:p>
             <a:r>
               <a:rPr lang="en-US" dirty="0" smtClean="0"/>
-              <a:t>References</a:t>
+              <a:t>Acknowledgments</a:t>
             </a:r>
             <a:endParaRPr lang="en-US" dirty="0"/>
           </a:p>
@@ -10601,245 +8720,11 @@
         </p:nvSpPr>
         <p:spPr/>
         <p:txBody>
-          <a:bodyPr>
-            <a:normAutofit fontScale="25000" lnSpcReduction="20000"/>
-          </a:bodyPr>
-          <a:lstStyle/>
-          <a:p>
-            <a:pPr marL="514350" indent="-514350">
-              <a:buFont typeface="Arial"/>
-              <a:buAutoNum type="arabicPeriod"/>
-            </a:pPr>
-            <a:r>
-              <a:rPr lang="en-US" i="1" dirty="0"/>
-              <a:t>Make: Ultimate Guide to 3D Printing</a:t>
-            </a:r>
-            <a:endParaRPr lang="en-US" dirty="0" smtClean="0"/>
-          </a:p>
-          <a:p>
-            <a:pPr marL="514350" indent="-514350">
-              <a:buFont typeface="Arial"/>
-              <a:buAutoNum type="arabicPeriod"/>
-            </a:pPr>
-            <a:r>
-              <a:rPr lang="en-US" dirty="0" smtClean="0"/>
-              <a:t>ISO </a:t>
-            </a:r>
-            <a:r>
-              <a:rPr lang="en-US" dirty="0"/>
-              <a:t>262:1998, ISO general purpose metric screw threads -- Selected sizes for screws, bolts and nuts</a:t>
-            </a:r>
-            <a:r>
-              <a:rPr lang="en-US" dirty="0" smtClean="0"/>
-              <a:t>.</a:t>
-            </a:r>
+          <a:bodyPr/>
+          <a:lstStyle/>
+          <a:p>
             <a:endParaRPr lang="en-US" dirty="0"/>
           </a:p>
-          <a:p>
-            <a:pPr marL="514350" indent="-514350">
-              <a:buAutoNum type="arabicPeriod"/>
-            </a:pPr>
-            <a:r>
-              <a:rPr lang="en-US" dirty="0" smtClean="0"/>
-              <a:t>DIN </a:t>
-            </a:r>
-            <a:r>
-              <a:rPr lang="en-US" dirty="0"/>
-              <a:t>103, ISO Metric Trapezoidal Screw </a:t>
-            </a:r>
-            <a:r>
-              <a:rPr lang="en-US" dirty="0" smtClean="0"/>
-              <a:t>Thread.</a:t>
-            </a:r>
-          </a:p>
-          <a:p>
-            <a:pPr marL="514350" indent="-514350">
-              <a:buAutoNum type="arabicPeriod"/>
-            </a:pPr>
-            <a:r>
-              <a:rPr lang="en-US" dirty="0" smtClean="0"/>
-              <a:t>ANSI/NEMA </a:t>
-            </a:r>
-            <a:r>
-              <a:rPr lang="en-US" dirty="0"/>
-              <a:t>MG 1-2011, Motors and </a:t>
-            </a:r>
-            <a:r>
-              <a:rPr lang="en-US" dirty="0" smtClean="0"/>
-              <a:t>Generators.</a:t>
-            </a:r>
-          </a:p>
-          <a:p>
-            <a:pPr marL="514350" indent="-514350">
-              <a:buFont typeface="Arial"/>
-              <a:buAutoNum type="arabicPeriod"/>
-            </a:pPr>
-            <a:r>
-              <a:rPr lang="en-US" dirty="0"/>
-              <a:t>ISO 6983-1:2009, Automation systems and integration -- Numerical control of machines -- Program format and definitions of address words -- Part 1: Data format for positioning, line motion and contouring control </a:t>
-            </a:r>
-            <a:r>
-              <a:rPr lang="en-US" dirty="0" smtClean="0"/>
-              <a:t>systems.</a:t>
-            </a:r>
-          </a:p>
-          <a:p>
-            <a:pPr marL="514350" indent="-514350">
-              <a:buFont typeface="Arial"/>
-              <a:buAutoNum type="arabicPeriod"/>
-            </a:pPr>
-            <a:r>
-              <a:rPr lang="en-US" dirty="0"/>
-              <a:t>ISO 10303-21:2002, Industrial automation systems and integration -- Product data representation and exchange -- Part 21: Implementation methods: Clear text encoding of the exchange structure.</a:t>
-            </a:r>
-            <a:endParaRPr lang="en-US" dirty="0" smtClean="0"/>
-          </a:p>
-          <a:p>
-            <a:pPr marL="514350" indent="-514350">
-              <a:buFont typeface="Arial"/>
-              <a:buAutoNum type="arabicPeriod"/>
-            </a:pPr>
-            <a:r>
-              <a:rPr lang="en-US" dirty="0" smtClean="0"/>
-              <a:t>ISO/ASTM </a:t>
-            </a:r>
-            <a:r>
-              <a:rPr lang="en-US" dirty="0"/>
-              <a:t>52915:2013, Standard specification for additive manufacturing file format (AMF) Version 1.1</a:t>
-            </a:r>
-            <a:r>
-              <a:rPr lang="en-US" dirty="0" smtClean="0"/>
-              <a:t>.</a:t>
-            </a:r>
-          </a:p>
-          <a:p>
-            <a:pPr marL="514350" indent="-514350">
-              <a:buAutoNum type="arabicPeriod"/>
-            </a:pPr>
-            <a:r>
-              <a:rPr lang="en-US" dirty="0"/>
-              <a:t>W3C, "XML 1.1 Extensible Markup Language (XML) 1.1 (Second Edition)," 16 August 2006. [Online]. Available: http://www.w3.org/TR/2006/REC-xml11-20060816/. [Accessed 16 April 2014</a:t>
-            </a:r>
-            <a:r>
-              <a:rPr lang="en-US" dirty="0" smtClean="0"/>
-              <a:t>].</a:t>
-            </a:r>
-          </a:p>
-          <a:p>
-            <a:pPr marL="514350" indent="-514350">
-              <a:buAutoNum type="arabicPeriod"/>
-            </a:pPr>
-            <a:r>
-              <a:rPr lang="en-US" dirty="0"/>
-              <a:t>W3C, "Scalable Vector Graphics (SVG) 1.1 (Second Edition)," 16 August 2011. [Online]. Available: http://www.w3.org/TR/SVG/. [Accessed 16 April 2014</a:t>
-            </a:r>
-            <a:r>
-              <a:rPr lang="en-US" dirty="0" smtClean="0"/>
-              <a:t>].</a:t>
-            </a:r>
-          </a:p>
-          <a:p>
-            <a:pPr marL="514350" indent="-514350">
-              <a:buFont typeface="Arial"/>
-              <a:buAutoNum type="arabicPeriod"/>
-            </a:pPr>
-            <a:r>
-              <a:rPr lang="en-US" dirty="0"/>
-              <a:t>ISO/IEC 14882:2011, Information technology -- Programming languages -- C++.</a:t>
-            </a:r>
-          </a:p>
-          <a:p>
-            <a:pPr marL="514350" indent="-514350">
-              <a:buFont typeface="Arial"/>
-              <a:buAutoNum type="arabicPeriod"/>
-            </a:pPr>
-            <a:r>
-              <a:rPr lang="en-US" dirty="0"/>
-              <a:t>E. Chu, "B9 Creator," </a:t>
-            </a:r>
-            <a:r>
-              <a:rPr lang="en-US" i="1" dirty="0"/>
-              <a:t>Make: Ultimate Guide to 3D Printing, </a:t>
-            </a:r>
-            <a:r>
-              <a:rPr lang="en-US" dirty="0"/>
-              <a:t>p. 93.</a:t>
-            </a:r>
-          </a:p>
-          <a:p>
-            <a:pPr marL="514350" indent="-514350">
-              <a:buFont typeface="Arial"/>
-              <a:buAutoNum type="arabicPeriod"/>
-            </a:pPr>
-            <a:r>
-              <a:rPr lang="en-US" dirty="0"/>
-              <a:t>B9 Creations LLC, "B9 Creator GitHub," GitHub Inc., 2014. [Online]. Available: https://github.com/B9Creations/B9Creator. [Accessed 27 February 2014].</a:t>
-            </a:r>
-          </a:p>
-          <a:p>
-            <a:pPr marL="514350" indent="-514350">
-              <a:buAutoNum type="arabicPeriod"/>
-            </a:pPr>
-            <a:r>
-              <a:rPr lang="en-US" dirty="0"/>
-              <a:t>Rays Optics Inc., "MiiCraft User Guide," </a:t>
-            </a:r>
-            <a:r>
-              <a:rPr lang="en-US" dirty="0" smtClean="0"/>
-              <a:t>2012</a:t>
-            </a:r>
-            <a:r>
-              <a:rPr lang="en-US" dirty="0"/>
-              <a:t>. [Online]. Available: http://www.miicraft.com/web/assets/2012/11/MiiCraft-3D-printer-User-Guide.pdf. [Accessed 27 February 2014</a:t>
-            </a:r>
-            <a:r>
-              <a:rPr lang="en-US" dirty="0" smtClean="0"/>
-              <a:t>].</a:t>
-            </a:r>
-          </a:p>
-          <a:p>
-            <a:pPr marL="514350" indent="-514350">
-              <a:buAutoNum type="arabicPeriod"/>
-            </a:pPr>
-            <a:r>
-              <a:rPr lang="en-US" dirty="0"/>
-              <a:t>S. Hernandez, "Creation Workshop GitHub," GitHub Inc., 2014. [Online]. Available: https://github.com/Pacmanfan/UVDLPSlicerController. [Accessed 27 February 2014</a:t>
-            </a:r>
-            <a:r>
-              <a:rPr lang="en-US" dirty="0" smtClean="0"/>
-              <a:t>].</a:t>
-            </a:r>
-          </a:p>
-          <a:p>
-            <a:pPr marL="514350" indent="-514350">
-              <a:buAutoNum type="arabicPeriod"/>
-            </a:pPr>
-            <a:r>
-              <a:rPr lang="en-US" dirty="0"/>
-              <a:t>S. Hernandez, "Creation Workshop - SLA / FDM Slicer and Controller," Makerbot Industries LLC, 8 January 2013. [Online]. Available: https://www.thingiverse.com/thing:40778. [Accessed 27 February 2014</a:t>
-            </a:r>
-            <a:r>
-              <a:rPr lang="en-US" dirty="0" smtClean="0"/>
-              <a:t>].</a:t>
-            </a:r>
-          </a:p>
-          <a:p>
-            <a:pPr marL="514350" indent="-514350">
-              <a:buAutoNum type="arabicPeriod"/>
-            </a:pPr>
-            <a:r>
-              <a:rPr lang="en-US" dirty="0"/>
-              <a:t>Fabmetheus, "Skeinforge Vectorwrite," Demozendium, 17 July 2012. [Online]. Available: http://fabmetheus.crsndoo.com/wiki/index.php/Skeinforge_Vectorwrite. [Accessed 27 </a:t>
-            </a:r>
-            <a:r>
-              <a:rPr lang="en-US" dirty="0" smtClean="0"/>
-              <a:t>February </a:t>
-            </a:r>
-            <a:r>
-              <a:rPr lang="en-US" dirty="0"/>
-              <a:t>2014].</a:t>
-            </a:r>
-          </a:p>
         </p:txBody>
       </p:sp>
       <p:sp>
@@ -10859,7 +8744,7 @@
           <a:p>
             <a:fld id="{5C6BB475-B640-4DD3-A1AA-1CF10A44AA06}" type="slidenum">
               <a:rPr lang="en-US" smtClean="0"/>
-              <a:t>17</a:t>
+              <a:t>22</a:t>
             </a:fld>
             <a:endParaRPr lang="en-US"/>
           </a:p>
@@ -10868,24 +8753,17 @@
     </p:spTree>
     <p:extLst>
       <p:ext uri="{BB962C8B-B14F-4D97-AF65-F5344CB8AC3E}">
-        <p14:creationId xmlns:p14="http://schemas.microsoft.com/office/powerpoint/2010/main" val="3335187621"/>
+        <p14:creationId xmlns:p14="http://schemas.microsoft.com/office/powerpoint/2010/main" val="4148977491"/>
       </p:ext>
     </p:extLst>
   </p:cSld>
   <p:clrMapOvr>
     <a:masterClrMapping/>
   </p:clrMapOvr>
-  <p:timing>
-    <p:tnLst>
-      <p:par>
-        <p:cTn id="1" dur="indefinite" restart="never" nodeType="tmRoot"/>
-      </p:par>
-    </p:tnLst>
-  </p:timing>
 </p:sld>
 </file>
 
-<file path=ppt/slides/slide2.xml><?xml version="1.0" encoding="utf-8"?>
+<file path=ppt/slides/slide23.xml><?xml version="1.0" encoding="utf-8"?>
 <p:sld xmlns:a="http://schemas.openxmlformats.org/drawingml/2006/main" xmlns:r="http://schemas.openxmlformats.org/officeDocument/2006/relationships" xmlns:p="http://schemas.openxmlformats.org/presentationml/2006/main">
   <p:cSld>
     <p:spTree>
@@ -10921,7 +8799,7 @@
           <a:p>
             <a:r>
               <a:rPr lang="en-US" dirty="0" smtClean="0"/>
-              <a:t>Outline</a:t>
+              <a:t>References</a:t>
             </a:r>
             <a:endParaRPr lang="en-US" dirty="0"/>
           </a:p>
@@ -10940,55 +8818,242 @@
         <p:spPr/>
         <p:txBody>
           <a:bodyPr>
-            <a:normAutofit fontScale="85000" lnSpcReduction="20000"/>
+            <a:normAutofit fontScale="25000" lnSpcReduction="20000"/>
           </a:bodyPr>
           <a:lstStyle/>
           <a:p>
+            <a:pPr marL="514350" indent="-514350">
+              <a:buFont typeface="Arial"/>
+              <a:buAutoNum type="arabicPeriod"/>
+            </a:pPr>
+            <a:r>
+              <a:rPr lang="en-US" i="1" dirty="0"/>
+              <a:t>Make: Ultimate Guide to 3D Printing</a:t>
+            </a:r>
+            <a:endParaRPr lang="en-US" dirty="0" smtClean="0"/>
+          </a:p>
+          <a:p>
+            <a:pPr marL="514350" indent="-514350">
+              <a:buFont typeface="Arial"/>
+              <a:buAutoNum type="arabicPeriod"/>
+            </a:pPr>
             <a:r>
               <a:rPr lang="en-US" dirty="0" smtClean="0"/>
-              <a:t>Project Organization- JPB</a:t>
-            </a:r>
-          </a:p>
-          <a:p>
+              <a:t>ISO </a:t>
+            </a:r>
+            <a:r>
+              <a:rPr lang="en-US" dirty="0"/>
+              <a:t>262:1998, ISO general purpose metric screw threads -- Selected sizes for screws, bolts and nuts</a:t>
+            </a:r>
             <a:r>
               <a:rPr lang="en-US" dirty="0" smtClean="0"/>
-              <a:t>Prerequisites and Definitions- NAL</a:t>
-            </a:r>
-          </a:p>
-          <a:p>
+              <a:t>.</a:t>
+            </a:r>
+            <a:endParaRPr lang="en-US" dirty="0"/>
+          </a:p>
+          <a:p>
+            <a:pPr marL="514350" indent="-514350">
+              <a:buAutoNum type="arabicPeriod"/>
+            </a:pPr>
             <a:r>
               <a:rPr lang="en-US" dirty="0" smtClean="0"/>
-              <a:t>Executive Summary- JPB</a:t>
-            </a:r>
-          </a:p>
-          <a:p>
+              <a:t>DIN </a:t>
+            </a:r>
+            <a:r>
+              <a:rPr lang="en-US" dirty="0"/>
+              <a:t>103, ISO Metric Trapezoidal Screw </a:t>
+            </a:r>
             <a:r>
               <a:rPr lang="en-US" dirty="0" smtClean="0"/>
-              <a:t>Market Gap, Criteria, and Specifications- CWB</a:t>
-            </a:r>
-          </a:p>
-          <a:p>
+              <a:t>Thread.</a:t>
+            </a:r>
+          </a:p>
+          <a:p>
+            <a:pPr marL="514350" indent="-514350">
+              <a:buAutoNum type="arabicPeriod"/>
+            </a:pPr>
             <a:r>
               <a:rPr lang="en-US" dirty="0" smtClean="0"/>
-              <a:t>Chassis Design and Standards- JPB</a:t>
-            </a:r>
-          </a:p>
-          <a:p>
+              <a:t>ANSI/NEMA </a:t>
+            </a:r>
+            <a:r>
+              <a:rPr lang="en-US" dirty="0"/>
+              <a:t>MG 1-2011, Motors and </a:t>
+            </a:r>
             <a:r>
               <a:rPr lang="en-US" dirty="0" smtClean="0"/>
-              <a:t>Functional Block Diagram- DMO, NAL</a:t>
-            </a:r>
-          </a:p>
-          <a:p>
+              <a:t>Generators.</a:t>
+            </a:r>
+          </a:p>
+          <a:p>
+            <a:pPr marL="514350" indent="-514350">
+              <a:buFont typeface="Arial"/>
+              <a:buAutoNum type="arabicPeriod"/>
+            </a:pPr>
+            <a:r>
+              <a:rPr lang="en-US" dirty="0"/>
+              <a:t>ISO 6983-1:2009, Automation systems and integration -- Numerical control of machines -- Program format and definitions of address words -- Part 1: Data format for positioning, line motion and contouring control </a:t>
+            </a:r>
             <a:r>
               <a:rPr lang="en-US" dirty="0" smtClean="0"/>
-              <a:t>Printer Control Software- DMO</a:t>
-            </a:r>
-          </a:p>
-          <a:p>
+              <a:t>systems.</a:t>
+            </a:r>
+          </a:p>
+          <a:p>
+            <a:pPr marL="514350" indent="-514350">
+              <a:buFont typeface="Arial"/>
+              <a:buAutoNum type="arabicPeriod"/>
+            </a:pPr>
+            <a:r>
+              <a:rPr lang="en-US" dirty="0"/>
+              <a:t>ISO 10303-21:2002, Industrial automation systems and integration -- Product data representation and exchange -- Part 21: Implementation methods: Clear text encoding of the exchange structure.</a:t>
+            </a:r>
+            <a:endParaRPr lang="en-US" dirty="0" smtClean="0"/>
+          </a:p>
+          <a:p>
+            <a:pPr marL="514350" indent="-514350">
+              <a:buFont typeface="Arial"/>
+              <a:buAutoNum type="arabicPeriod"/>
+            </a:pPr>
             <a:r>
               <a:rPr lang="en-US" dirty="0" smtClean="0"/>
-              <a:t>Timeline and Resources- CWS</a:t>
+              <a:t>ISO/ASTM </a:t>
+            </a:r>
+            <a:r>
+              <a:rPr lang="en-US" dirty="0"/>
+              <a:t>52915:2013, Standard specification for additive manufacturing file format (AMF) Version 1.1</a:t>
+            </a:r>
+            <a:r>
+              <a:rPr lang="en-US" dirty="0" smtClean="0"/>
+              <a:t>.</a:t>
+            </a:r>
+          </a:p>
+          <a:p>
+            <a:pPr marL="514350" indent="-514350">
+              <a:buAutoNum type="arabicPeriod"/>
+            </a:pPr>
+            <a:r>
+              <a:rPr lang="en-US" dirty="0"/>
+              <a:t>W3C, "XML 1.1 Extensible Markup Language (XML) 1.1 (Second Edition)," 16 August 2006. [Online]. Available: http://www.w3.org/TR/2006/REC-xml11-20060816/. [Accessed 16 April 2014</a:t>
+            </a:r>
+            <a:r>
+              <a:rPr lang="en-US" dirty="0" smtClean="0"/>
+              <a:t>].</a:t>
+            </a:r>
+          </a:p>
+          <a:p>
+            <a:pPr marL="514350" indent="-514350">
+              <a:buAutoNum type="arabicPeriod"/>
+            </a:pPr>
+            <a:r>
+              <a:rPr lang="en-US" dirty="0"/>
+              <a:t>W3C, "Scalable Vector Graphics (SVG) 1.1 (Second Edition)," 16 August 2011. [Online]. Available: http://www.w3.org/TR/SVG/. [Accessed 16 April 2014</a:t>
+            </a:r>
+            <a:r>
+              <a:rPr lang="en-US" dirty="0" smtClean="0"/>
+              <a:t>].</a:t>
+            </a:r>
+          </a:p>
+          <a:p>
+            <a:pPr marL="514350" indent="-514350">
+              <a:buFont typeface="Arial"/>
+              <a:buAutoNum type="arabicPeriod"/>
+            </a:pPr>
+            <a:r>
+              <a:rPr lang="en-US" dirty="0"/>
+              <a:t>ISO/IEC 14882:2011, Information technology -- Programming languages -- C++.</a:t>
+            </a:r>
+          </a:p>
+          <a:p>
+            <a:pPr marL="514350" indent="-514350">
+              <a:buFont typeface="Arial"/>
+              <a:buAutoNum type="arabicPeriod"/>
+            </a:pPr>
+            <a:r>
+              <a:rPr lang="en-US" dirty="0"/>
+              <a:t>E. Chu, "B9 Creator," </a:t>
+            </a:r>
+            <a:r>
+              <a:rPr lang="en-US" i="1" dirty="0"/>
+              <a:t>Make: Ultimate Guide to 3D Printing, </a:t>
+            </a:r>
+            <a:r>
+              <a:rPr lang="en-US" dirty="0"/>
+              <a:t>p. 93.</a:t>
+            </a:r>
+          </a:p>
+          <a:p>
+            <a:pPr marL="514350" indent="-514350">
+              <a:buFont typeface="Arial"/>
+              <a:buAutoNum type="arabicPeriod"/>
+            </a:pPr>
+            <a:r>
+              <a:rPr lang="en-US" dirty="0"/>
+              <a:t>B9 Creations LLC, "B9 Creator GitHub," GitHub Inc., 2014. [Online]. Available: https://github.com/B9Creations/B9Creator. [Accessed 27 February 2014].</a:t>
+            </a:r>
+          </a:p>
+          <a:p>
+            <a:pPr marL="514350" indent="-514350">
+              <a:buAutoNum type="arabicPeriod"/>
+            </a:pPr>
+            <a:r>
+              <a:rPr lang="en-US" dirty="0"/>
+              <a:t>Rays Optics Inc., "MiiCraft User Guide," </a:t>
+            </a:r>
+            <a:r>
+              <a:rPr lang="en-US" dirty="0" smtClean="0"/>
+              <a:t>2012</a:t>
+            </a:r>
+            <a:r>
+              <a:rPr lang="en-US" dirty="0"/>
+              <a:t>. [Online]. Available: http://www.miicraft.com/web/assets/2012/11/MiiCraft-3D-printer-User-Guide.pdf. [Accessed 27 February 2014</a:t>
+            </a:r>
+            <a:r>
+              <a:rPr lang="en-US" dirty="0" smtClean="0"/>
+              <a:t>].</a:t>
+            </a:r>
+          </a:p>
+          <a:p>
+            <a:pPr marL="514350" indent="-514350">
+              <a:buAutoNum type="arabicPeriod"/>
+            </a:pPr>
+            <a:r>
+              <a:rPr lang="en-US" dirty="0"/>
+              <a:t>S. Hernandez, "Creation Workshop GitHub," GitHub Inc., 2014. [Online]. Available: https://github.com/Pacmanfan/UVDLPSlicerController. [Accessed 27 February 2014</a:t>
+            </a:r>
+            <a:r>
+              <a:rPr lang="en-US" dirty="0" smtClean="0"/>
+              <a:t>].</a:t>
+            </a:r>
+          </a:p>
+          <a:p>
+            <a:pPr marL="514350" indent="-514350">
+              <a:buAutoNum type="arabicPeriod"/>
+            </a:pPr>
+            <a:r>
+              <a:rPr lang="en-US" dirty="0"/>
+              <a:t>S. Hernandez, "Creation Workshop - SLA / FDM Slicer and Controller," Makerbot Industries LLC, 8 January 2013. [Online]. Available: https://www.thingiverse.com/thing:40778. [Accessed 27 February 2014</a:t>
+            </a:r>
+            <a:r>
+              <a:rPr lang="en-US" dirty="0" smtClean="0"/>
+              <a:t>].</a:t>
+            </a:r>
+          </a:p>
+          <a:p>
+            <a:pPr marL="514350" indent="-514350">
+              <a:buAutoNum type="arabicPeriod"/>
+            </a:pPr>
+            <a:r>
+              <a:rPr lang="en-US" dirty="0"/>
+              <a:t>Fabmetheus, "Skeinforge Vectorwrite," Demozendium, 17 July 2012. [Online]. Available: http://fabmetheus.crsndoo.com/wiki/index.php/Skeinforge_Vectorwrite. [Accessed 27 </a:t>
+            </a:r>
+            <a:r>
+              <a:rPr lang="en-US" dirty="0" smtClean="0"/>
+              <a:t>February </a:t>
+            </a:r>
+            <a:r>
+              <a:rPr lang="en-US" dirty="0"/>
+              <a:t>2014].</a:t>
             </a:r>
           </a:p>
         </p:txBody>
@@ -11010,7 +9075,7 @@
           <a:p>
             <a:fld id="{5C6BB475-B640-4DD3-A1AA-1CF10A44AA06}" type="slidenum">
               <a:rPr lang="en-US" smtClean="0"/>
-              <a:t>2</a:t>
+              <a:t>23</a:t>
             </a:fld>
             <a:endParaRPr lang="en-US"/>
           </a:p>
@@ -11019,7 +9084,7 @@
     </p:spTree>
     <p:extLst>
       <p:ext uri="{BB962C8B-B14F-4D97-AF65-F5344CB8AC3E}">
-        <p14:creationId xmlns:p14="http://schemas.microsoft.com/office/powerpoint/2010/main" val="3332796590"/>
+        <p14:creationId xmlns:p14="http://schemas.microsoft.com/office/powerpoint/2010/main" val="3335187621"/>
       </p:ext>
     </p:extLst>
   </p:cSld>
@@ -11072,38 +9137,78 @@
           <a:p>
             <a:r>
               <a:rPr lang="en-US" dirty="0" smtClean="0"/>
-              <a:t>Project Organization</a:t>
+              <a:t>Outline</a:t>
             </a:r>
             <a:endParaRPr lang="en-US" dirty="0"/>
           </a:p>
         </p:txBody>
       </p:sp>
-      <p:pic>
-        <p:nvPicPr>
-          <p:cNvPr id="6" name="Content Placeholder 5"/>
-          <p:cNvPicPr>
-            <a:picLocks noGrp="1" noChangeAspect="1"/>
-          </p:cNvPicPr>
+      <p:sp>
+        <p:nvSpPr>
+          <p:cNvPr id="3" name="Content Placeholder 2"/>
+          <p:cNvSpPr>
+            <a:spLocks noGrp="1"/>
+          </p:cNvSpPr>
           <p:nvPr>
             <p:ph idx="1"/>
           </p:nvPr>
-        </p:nvPicPr>
-        <p:blipFill>
-          <a:blip r:embed="rId2"/>
-          <a:stretch>
-            <a:fillRect/>
-          </a:stretch>
-        </p:blipFill>
-        <p:spPr>
-          <a:xfrm>
-            <a:off x="2588467" y="1630363"/>
-            <a:ext cx="7924704" cy="4102100"/>
-          </a:xfrm>
-          <a:prstGeom prst="rect">
-            <a:avLst/>
-          </a:prstGeom>
-        </p:spPr>
-      </p:pic>
+        </p:nvSpPr>
+        <p:spPr/>
+        <p:txBody>
+          <a:bodyPr>
+            <a:normAutofit fontScale="85000" lnSpcReduction="20000"/>
+          </a:bodyPr>
+          <a:lstStyle/>
+          <a:p>
+            <a:r>
+              <a:rPr lang="en-US" dirty="0" smtClean="0"/>
+              <a:t>Project Organization- JPB</a:t>
+            </a:r>
+          </a:p>
+          <a:p>
+            <a:r>
+              <a:rPr lang="en-US" dirty="0" smtClean="0"/>
+              <a:t>Prerequisites and Definitions- NAL</a:t>
+            </a:r>
+          </a:p>
+          <a:p>
+            <a:r>
+              <a:rPr lang="en-US" dirty="0" smtClean="0"/>
+              <a:t>Executive Summary- JPB</a:t>
+            </a:r>
+          </a:p>
+          <a:p>
+            <a:r>
+              <a:rPr lang="en-US" dirty="0" smtClean="0"/>
+              <a:t>Market Gap, Criteria, and Specifications- CWB</a:t>
+            </a:r>
+          </a:p>
+          <a:p>
+            <a:r>
+              <a:rPr lang="en-US" dirty="0" smtClean="0"/>
+              <a:t>Chassis Design and Standards- JPB</a:t>
+            </a:r>
+          </a:p>
+          <a:p>
+            <a:r>
+              <a:rPr lang="en-US" dirty="0" smtClean="0"/>
+              <a:t>Functional Block Diagram- DMO, NAL</a:t>
+            </a:r>
+          </a:p>
+          <a:p>
+            <a:r>
+              <a:rPr lang="en-US" dirty="0" smtClean="0"/>
+              <a:t>Printer Control Software- DMO</a:t>
+            </a:r>
+          </a:p>
+          <a:p>
+            <a:r>
+              <a:rPr lang="en-US" dirty="0" smtClean="0"/>
+              <a:t>Timeline and Resources- CWS</a:t>
+            </a:r>
+          </a:p>
+        </p:txBody>
+      </p:sp>
       <p:sp>
         <p:nvSpPr>
           <p:cNvPr id="4" name="Slide Number Placeholder 3"/>
@@ -11127,40 +9232,10 @@
           </a:p>
         </p:txBody>
       </p:sp>
-      <p:sp>
-        <p:nvSpPr>
-          <p:cNvPr id="7" name="TextBox 6"/>
-          <p:cNvSpPr txBox="1"/>
-          <p:nvPr/>
-        </p:nvSpPr>
-        <p:spPr>
-          <a:xfrm>
-            <a:off x="5046208" y="5884727"/>
-            <a:ext cx="3009222" cy="369332"/>
-          </a:xfrm>
-          <a:prstGeom prst="rect">
-            <a:avLst/>
-          </a:prstGeom>
-          <a:noFill/>
-        </p:spPr>
-        <p:txBody>
-          <a:bodyPr wrap="none" rtlCol="0">
-            <a:spAutoFit/>
-          </a:bodyPr>
-          <a:lstStyle/>
-          <a:p>
-            <a:r>
-              <a:rPr lang="en-US" dirty="0" smtClean="0"/>
-              <a:t>Figure 1. Project Organization</a:t>
-            </a:r>
-            <a:endParaRPr lang="en-US" dirty="0"/>
-          </a:p>
-        </p:txBody>
-      </p:sp>
     </p:spTree>
     <p:extLst>
       <p:ext uri="{BB962C8B-B14F-4D97-AF65-F5344CB8AC3E}">
-        <p14:creationId xmlns:p14="http://schemas.microsoft.com/office/powerpoint/2010/main" val="1628288518"/>
+        <p14:creationId xmlns:p14="http://schemas.microsoft.com/office/powerpoint/2010/main" val="3332796590"/>
       </p:ext>
     </p:extLst>
   </p:cSld>
@@ -11206,96 +9281,129 @@
         </p:nvSpPr>
         <p:spPr/>
         <p:txBody>
+          <a:bodyPr/>
+          <a:lstStyle/>
+          <a:p>
+            <a:r>
+              <a:rPr lang="en-US" dirty="0" smtClean="0"/>
+              <a:t>Executive Summary</a:t>
+            </a:r>
+            <a:endParaRPr lang="en-US" dirty="0"/>
+          </a:p>
+        </p:txBody>
+      </p:sp>
+      <p:sp>
+        <p:nvSpPr>
+          <p:cNvPr id="3" name="Content Placeholder 2"/>
+          <p:cNvSpPr>
+            <a:spLocks noGrp="1"/>
+          </p:cNvSpPr>
+          <p:nvPr>
+            <p:ph idx="1"/>
+          </p:nvPr>
+        </p:nvSpPr>
+        <p:spPr/>
+        <p:txBody>
           <a:bodyPr>
-            <a:normAutofit/>
+            <a:normAutofit fontScale="92500" lnSpcReduction="20000"/>
           </a:bodyPr>
           <a:lstStyle/>
           <a:p>
+            <a:pPr marL="0" indent="0" fontAlgn="base">
+              <a:buNone/>
+            </a:pPr>
             <a:r>
               <a:rPr lang="en-US" dirty="0" smtClean="0"/>
-              <a:t>Definitions and Prerequisites</a:t>
+              <a:t>Problem Statement</a:t>
+            </a:r>
+          </a:p>
+          <a:p>
+            <a:pPr lvl="1" fontAlgn="base"/>
+            <a:r>
+              <a:rPr lang="en-US" dirty="0" smtClean="0"/>
+              <a:t>Current </a:t>
+            </a:r>
+            <a:r>
+              <a:rPr lang="en-US" dirty="0"/>
+              <a:t>hobbyist 3D printers are imprecise and fault-prone</a:t>
+            </a:r>
+          </a:p>
+          <a:p>
+            <a:pPr lvl="1" fontAlgn="base"/>
+            <a:r>
+              <a:rPr lang="en-US" dirty="0"/>
+              <a:t>High resolution additive manufacturing is currently not accessible for hobbyists (under $1,000</a:t>
+            </a:r>
+            <a:r>
+              <a:rPr lang="en-US" dirty="0" smtClean="0"/>
+              <a:t>)</a:t>
+            </a:r>
+          </a:p>
+          <a:p>
+            <a:pPr lvl="1" fontAlgn="base"/>
+            <a:r>
+              <a:rPr lang="en-US" dirty="0"/>
+              <a:t>Available PAM systems use proprietary hardware and </a:t>
+            </a:r>
+            <a:r>
+              <a:rPr lang="en-US" dirty="0" smtClean="0"/>
+              <a:t>software</a:t>
+            </a:r>
+          </a:p>
+          <a:p>
+            <a:pPr marL="0" indent="0" fontAlgn="base">
+              <a:buNone/>
+            </a:pPr>
+            <a:r>
+              <a:rPr lang="en-US" dirty="0" smtClean="0"/>
+              <a:t>Our Solution</a:t>
+            </a:r>
+          </a:p>
+          <a:p>
+            <a:pPr lvl="1"/>
+            <a:r>
+              <a:rPr lang="en-US" dirty="0" smtClean="0"/>
+              <a:t>A </a:t>
+            </a:r>
+            <a:r>
+              <a:rPr lang="en-US" dirty="0"/>
+              <a:t>DLP PAM system can produce high quality and fast </a:t>
+            </a:r>
+            <a:r>
+              <a:rPr lang="en-US" dirty="0" smtClean="0"/>
+              <a:t>prints</a:t>
+            </a:r>
+          </a:p>
+          <a:p>
+            <a:pPr lvl="1"/>
+            <a:r>
+              <a:rPr lang="en-US" dirty="0" smtClean="0"/>
+              <a:t>Use </a:t>
+            </a:r>
+            <a:r>
+              <a:rPr lang="en-US" dirty="0"/>
+              <a:t>off-the-shelf open-source </a:t>
+            </a:r>
+            <a:r>
+              <a:rPr lang="en-US" dirty="0" smtClean="0"/>
+              <a:t>hardware</a:t>
+            </a:r>
+          </a:p>
+          <a:p>
+            <a:pPr lvl="1"/>
+            <a:r>
+              <a:rPr lang="en-US" dirty="0" smtClean="0"/>
+              <a:t>Create </a:t>
+            </a:r>
+            <a:r>
+              <a:rPr lang="en-US" dirty="0"/>
+              <a:t>a thoroughly documented reference </a:t>
+            </a:r>
+            <a:r>
+              <a:rPr lang="en-US" dirty="0" smtClean="0"/>
+              <a:t>design</a:t>
             </a:r>
             <a:endParaRPr lang="en-US" dirty="0"/>
-          </a:p>
-        </p:txBody>
-      </p:sp>
-      <p:sp>
-        <p:nvSpPr>
-          <p:cNvPr id="3" name="Content Placeholder 2"/>
-          <p:cNvSpPr>
-            <a:spLocks noGrp="1"/>
-          </p:cNvSpPr>
-          <p:nvPr>
-            <p:ph idx="1"/>
-          </p:nvPr>
-        </p:nvSpPr>
-        <p:spPr/>
-        <p:txBody>
-          <a:bodyPr>
-            <a:normAutofit/>
-          </a:bodyPr>
-          <a:lstStyle/>
-          <a:p>
-            <a:pPr marL="0" indent="0">
-              <a:buNone/>
-            </a:pPr>
-            <a:r>
-              <a:rPr lang="en-US" dirty="0" smtClean="0"/>
-              <a:t>Definitions</a:t>
-            </a:r>
-          </a:p>
-          <a:p>
-            <a:pPr lvl="1"/>
-            <a:r>
-              <a:rPr lang="en-US" dirty="0" smtClean="0"/>
-              <a:t>DLP- </a:t>
-            </a:r>
-            <a:r>
-              <a:rPr lang="en-US" dirty="0"/>
-              <a:t>Digital Light Processing</a:t>
-            </a:r>
-          </a:p>
-          <a:p>
-            <a:pPr lvl="1"/>
-            <a:r>
-              <a:rPr lang="en-US" dirty="0"/>
-              <a:t>FDM- Fused Deposition Manufacturing</a:t>
-            </a:r>
-          </a:p>
-          <a:p>
-            <a:pPr lvl="1"/>
-            <a:r>
-              <a:rPr lang="en-US" dirty="0"/>
-              <a:t>PAM- Photoresin Additive </a:t>
-            </a:r>
-            <a:r>
-              <a:rPr lang="en-US" dirty="0" smtClean="0"/>
-              <a:t>Manufacturing</a:t>
-            </a:r>
-          </a:p>
-          <a:p>
-            <a:pPr marL="0" indent="0">
-              <a:buNone/>
-            </a:pPr>
-            <a:r>
-              <a:rPr lang="en-US" dirty="0"/>
-              <a:t>Prerequisites</a:t>
-            </a:r>
-            <a:endParaRPr lang="en-US" dirty="0" smtClean="0"/>
-          </a:p>
-          <a:p>
-            <a:pPr lvl="1"/>
-            <a:r>
-              <a:rPr lang="en-US" dirty="0" smtClean="0"/>
-              <a:t>Understanding of FDM process</a:t>
-            </a:r>
-          </a:p>
-          <a:p>
-            <a:pPr lvl="1"/>
-            <a:r>
-              <a:rPr lang="en-US" dirty="0" smtClean="0"/>
-              <a:t>Understanding of photoresins and curing process</a:t>
-            </a:r>
           </a:p>
         </p:txBody>
       </p:sp>
@@ -11325,7 +9433,7 @@
     </p:spTree>
     <p:extLst>
       <p:ext uri="{BB962C8B-B14F-4D97-AF65-F5344CB8AC3E}">
-        <p14:creationId xmlns:p14="http://schemas.microsoft.com/office/powerpoint/2010/main" val="3855465127"/>
+        <p14:creationId xmlns:p14="http://schemas.microsoft.com/office/powerpoint/2010/main" val="4029967778"/>
       </p:ext>
     </p:extLst>
   </p:cSld>
@@ -11361,204 +9469,6 @@
       </p:grpSpPr>
       <p:sp>
         <p:nvSpPr>
-          <p:cNvPr id="2" name="Title 1"/>
-          <p:cNvSpPr>
-            <a:spLocks noGrp="1"/>
-          </p:cNvSpPr>
-          <p:nvPr>
-            <p:ph type="title"/>
-          </p:nvPr>
-        </p:nvSpPr>
-        <p:spPr/>
-        <p:txBody>
-          <a:bodyPr/>
-          <a:lstStyle/>
-          <a:p>
-            <a:r>
-              <a:rPr lang="en-US" dirty="0" smtClean="0"/>
-              <a:t>Executive Summary</a:t>
-            </a:r>
-            <a:endParaRPr lang="en-US" dirty="0"/>
-          </a:p>
-        </p:txBody>
-      </p:sp>
-      <p:sp>
-        <p:nvSpPr>
-          <p:cNvPr id="3" name="Content Placeholder 2"/>
-          <p:cNvSpPr>
-            <a:spLocks noGrp="1"/>
-          </p:cNvSpPr>
-          <p:nvPr>
-            <p:ph idx="1"/>
-          </p:nvPr>
-        </p:nvSpPr>
-        <p:spPr/>
-        <p:txBody>
-          <a:bodyPr>
-            <a:normAutofit fontScale="92500" lnSpcReduction="20000"/>
-          </a:bodyPr>
-          <a:lstStyle/>
-          <a:p>
-            <a:pPr marL="0" indent="0" fontAlgn="base">
-              <a:buNone/>
-            </a:pPr>
-            <a:r>
-              <a:rPr lang="en-US" dirty="0" smtClean="0"/>
-              <a:t>Problem Statement</a:t>
-            </a:r>
-          </a:p>
-          <a:p>
-            <a:pPr lvl="1" fontAlgn="base"/>
-            <a:r>
-              <a:rPr lang="en-US" dirty="0" smtClean="0"/>
-              <a:t>Current </a:t>
-            </a:r>
-            <a:r>
-              <a:rPr lang="en-US" dirty="0"/>
-              <a:t>hobbyist 3D printers are imprecise and fault-prone</a:t>
-            </a:r>
-          </a:p>
-          <a:p>
-            <a:pPr lvl="1" fontAlgn="base"/>
-            <a:r>
-              <a:rPr lang="en-US" dirty="0"/>
-              <a:t>High resolution additive manufacturing is currently not accessible for hobbyists (under $1,000</a:t>
-            </a:r>
-            <a:r>
-              <a:rPr lang="en-US" dirty="0" smtClean="0"/>
-              <a:t>)</a:t>
-            </a:r>
-          </a:p>
-          <a:p>
-            <a:pPr lvl="1" fontAlgn="base"/>
-            <a:r>
-              <a:rPr lang="en-US" dirty="0"/>
-              <a:t>Available PAM systems use proprietary hardware and </a:t>
-            </a:r>
-            <a:r>
-              <a:rPr lang="en-US" dirty="0" smtClean="0"/>
-              <a:t>software</a:t>
-            </a:r>
-          </a:p>
-          <a:p>
-            <a:pPr marL="0" indent="0" fontAlgn="base">
-              <a:buNone/>
-            </a:pPr>
-            <a:r>
-              <a:rPr lang="en-US" dirty="0" smtClean="0"/>
-              <a:t>Our Solution</a:t>
-            </a:r>
-          </a:p>
-          <a:p>
-            <a:pPr lvl="1"/>
-            <a:r>
-              <a:rPr lang="en-US" dirty="0" smtClean="0"/>
-              <a:t>A </a:t>
-            </a:r>
-            <a:r>
-              <a:rPr lang="en-US" dirty="0"/>
-              <a:t>DLP PAM system can produce high quality and fast </a:t>
-            </a:r>
-            <a:r>
-              <a:rPr lang="en-US" dirty="0" smtClean="0"/>
-              <a:t>prints</a:t>
-            </a:r>
-          </a:p>
-          <a:p>
-            <a:pPr lvl="1"/>
-            <a:r>
-              <a:rPr lang="en-US" dirty="0" smtClean="0"/>
-              <a:t>Use </a:t>
-            </a:r>
-            <a:r>
-              <a:rPr lang="en-US" dirty="0"/>
-              <a:t>off-the-shelf open-source </a:t>
-            </a:r>
-            <a:r>
-              <a:rPr lang="en-US" dirty="0" smtClean="0"/>
-              <a:t>hardware</a:t>
-            </a:r>
-          </a:p>
-          <a:p>
-            <a:pPr lvl="1"/>
-            <a:r>
-              <a:rPr lang="en-US" dirty="0" smtClean="0"/>
-              <a:t>Create </a:t>
-            </a:r>
-            <a:r>
-              <a:rPr lang="en-US" dirty="0"/>
-              <a:t>a thoroughly documented reference </a:t>
-            </a:r>
-            <a:r>
-              <a:rPr lang="en-US" dirty="0" smtClean="0"/>
-              <a:t>design</a:t>
-            </a:r>
-            <a:endParaRPr lang="en-US" dirty="0"/>
-          </a:p>
-        </p:txBody>
-      </p:sp>
-      <p:sp>
-        <p:nvSpPr>
-          <p:cNvPr id="4" name="Slide Number Placeholder 3"/>
-          <p:cNvSpPr>
-            <a:spLocks noGrp="1"/>
-          </p:cNvSpPr>
-          <p:nvPr>
-            <p:ph type="sldNum" sz="quarter" idx="12"/>
-          </p:nvPr>
-        </p:nvSpPr>
-        <p:spPr/>
-        <p:txBody>
-          <a:bodyPr/>
-          <a:lstStyle/>
-          <a:p>
-            <a:fld id="{5C6BB475-B640-4DD3-A1AA-1CF10A44AA06}" type="slidenum">
-              <a:rPr lang="en-US" smtClean="0"/>
-              <a:t>5</a:t>
-            </a:fld>
-            <a:endParaRPr lang="en-US"/>
-          </a:p>
-        </p:txBody>
-      </p:sp>
-    </p:spTree>
-    <p:extLst>
-      <p:ext uri="{BB962C8B-B14F-4D97-AF65-F5344CB8AC3E}">
-        <p14:creationId xmlns:p14="http://schemas.microsoft.com/office/powerpoint/2010/main" val="4029967778"/>
-      </p:ext>
-    </p:extLst>
-  </p:cSld>
-  <p:clrMapOvr>
-    <a:masterClrMapping/>
-  </p:clrMapOvr>
-  <p:timing>
-    <p:tnLst>
-      <p:par>
-        <p:cTn id="1" dur="indefinite" restart="never" nodeType="tmRoot"/>
-      </p:par>
-    </p:tnLst>
-  </p:timing>
-</p:sld>
-</file>
-
-<file path=ppt/slides/slide6.xml><?xml version="1.0" encoding="utf-8"?>
-<p:sld xmlns:a="http://schemas.openxmlformats.org/drawingml/2006/main" xmlns:r="http://schemas.openxmlformats.org/officeDocument/2006/relationships" xmlns:p="http://schemas.openxmlformats.org/presentationml/2006/main">
-  <p:cSld>
-    <p:spTree>
-      <p:nvGrpSpPr>
-        <p:cNvPr id="1" name=""/>
-        <p:cNvGrpSpPr/>
-        <p:nvPr/>
-      </p:nvGrpSpPr>
-      <p:grpSpPr>
-        <a:xfrm>
-          <a:off x="0" y="0"/>
-          <a:ext cx="0" cy="0"/>
-          <a:chOff x="0" y="0"/>
-          <a:chExt cx="0" cy="0"/>
-        </a:xfrm>
-      </p:grpSpPr>
-      <p:sp>
-        <p:nvSpPr>
           <p:cNvPr id="6" name="Title 5"/>
           <p:cNvSpPr>
             <a:spLocks noGrp="1"/>
@@ -11597,7 +9507,7 @@
           <a:p>
             <a:fld id="{5C6BB475-B640-4DD3-A1AA-1CF10A44AA06}" type="slidenum">
               <a:rPr lang="en-US" smtClean="0"/>
-              <a:t>6</a:t>
+              <a:t>5</a:t>
             </a:fld>
             <a:endParaRPr lang="en-US"/>
           </a:p>
@@ -11677,7 +9587,7 @@
 </p:sld>
 </file>
 
-<file path=ppt/slides/slide7.xml><?xml version="1.0" encoding="utf-8"?>
+<file path=ppt/slides/slide6.xml><?xml version="1.0" encoding="utf-8"?>
 <p:sld xmlns:a="http://schemas.openxmlformats.org/drawingml/2006/main" xmlns:r="http://schemas.openxmlformats.org/officeDocument/2006/relationships" xmlns:p="http://schemas.openxmlformats.org/presentationml/2006/main">
   <p:cSld>
     <p:spTree>
@@ -11791,7 +9701,7 @@
           <a:p>
             <a:fld id="{5C6BB475-B640-4DD3-A1AA-1CF10A44AA06}" type="slidenum">
               <a:rPr lang="en-US" smtClean="0"/>
-              <a:t>7</a:t>
+              <a:t>6</a:t>
             </a:fld>
             <a:endParaRPr lang="en-US"/>
           </a:p>
@@ -11817,6 +9727,101 @@
 </p:sld>
 </file>
 
+<file path=ppt/slides/slide7.xml><?xml version="1.0" encoding="utf-8"?>
+<p:sld xmlns:a="http://schemas.openxmlformats.org/drawingml/2006/main" xmlns:r="http://schemas.openxmlformats.org/officeDocument/2006/relationships" xmlns:p="http://schemas.openxmlformats.org/presentationml/2006/main">
+  <p:cSld>
+    <p:spTree>
+      <p:nvGrpSpPr>
+        <p:cNvPr id="1" name=""/>
+        <p:cNvGrpSpPr/>
+        <p:nvPr/>
+      </p:nvGrpSpPr>
+      <p:grpSpPr>
+        <a:xfrm>
+          <a:off x="0" y="0"/>
+          <a:ext cx="0" cy="0"/>
+          <a:chOff x="0" y="0"/>
+          <a:chExt cx="0" cy="0"/>
+        </a:xfrm>
+      </p:grpSpPr>
+      <p:sp>
+        <p:nvSpPr>
+          <p:cNvPr id="2" name="Title 1"/>
+          <p:cNvSpPr>
+            <a:spLocks noGrp="1"/>
+          </p:cNvSpPr>
+          <p:nvPr>
+            <p:ph type="title"/>
+          </p:nvPr>
+        </p:nvSpPr>
+        <p:spPr/>
+        <p:txBody>
+          <a:bodyPr/>
+          <a:lstStyle/>
+          <a:p>
+            <a:r>
+              <a:rPr lang="en-US" dirty="0" smtClean="0"/>
+              <a:t>Top Down vs. Bottom Up</a:t>
+            </a:r>
+            <a:endParaRPr lang="en-US" dirty="0"/>
+          </a:p>
+        </p:txBody>
+      </p:sp>
+      <p:sp>
+        <p:nvSpPr>
+          <p:cNvPr id="3" name="Content Placeholder 2"/>
+          <p:cNvSpPr>
+            <a:spLocks noGrp="1"/>
+          </p:cNvSpPr>
+          <p:nvPr>
+            <p:ph idx="1"/>
+          </p:nvPr>
+        </p:nvSpPr>
+        <p:spPr/>
+        <p:txBody>
+          <a:bodyPr/>
+          <a:lstStyle/>
+          <a:p>
+            <a:endParaRPr lang="en-US"/>
+          </a:p>
+        </p:txBody>
+      </p:sp>
+      <p:sp>
+        <p:nvSpPr>
+          <p:cNvPr id="4" name="Slide Number Placeholder 3"/>
+          <p:cNvSpPr>
+            <a:spLocks noGrp="1"/>
+          </p:cNvSpPr>
+          <p:nvPr>
+            <p:ph type="sldNum" sz="quarter" idx="12"/>
+          </p:nvPr>
+        </p:nvSpPr>
+        <p:spPr/>
+        <p:txBody>
+          <a:bodyPr/>
+          <a:lstStyle/>
+          <a:p>
+            <a:fld id="{5C6BB475-B640-4DD3-A1AA-1CF10A44AA06}" type="slidenum">
+              <a:rPr lang="en-US" smtClean="0"/>
+              <a:t>7</a:t>
+            </a:fld>
+            <a:endParaRPr lang="en-US"/>
+          </a:p>
+        </p:txBody>
+      </p:sp>
+    </p:spTree>
+    <p:extLst>
+      <p:ext uri="{BB962C8B-B14F-4D97-AF65-F5344CB8AC3E}">
+        <p14:creationId xmlns:p14="http://schemas.microsoft.com/office/powerpoint/2010/main" val="3047169888"/>
+      </p:ext>
+    </p:extLst>
+  </p:cSld>
+  <p:clrMapOvr>
+    <a:masterClrMapping/>
+  </p:clrMapOvr>
+</p:sld>
+</file>
+
 <file path=ppt/slides/slide8.xml><?xml version="1.0" encoding="utf-8"?>
 <p:sld xmlns:a="http://schemas.openxmlformats.org/drawingml/2006/main" xmlns:r="http://schemas.openxmlformats.org/officeDocument/2006/relationships" xmlns:p="http://schemas.openxmlformats.org/presentationml/2006/main">
   <p:cSld>
@@ -11851,6 +9856,146 @@
           <a:p>
             <a:r>
               <a:rPr lang="en-US" dirty="0" smtClean="0"/>
+              <a:t>System Block </a:t>
+            </a:r>
+            <a:r>
+              <a:rPr lang="en-US" dirty="0"/>
+              <a:t>Diagram</a:t>
+            </a:r>
+          </a:p>
+        </p:txBody>
+      </p:sp>
+      <p:sp>
+        <p:nvSpPr>
+          <p:cNvPr id="4" name="Slide Number Placeholder 3"/>
+          <p:cNvSpPr>
+            <a:spLocks noGrp="1"/>
+          </p:cNvSpPr>
+          <p:nvPr>
+            <p:ph type="sldNum" sz="quarter" idx="12"/>
+          </p:nvPr>
+        </p:nvSpPr>
+        <p:spPr/>
+        <p:txBody>
+          <a:bodyPr/>
+          <a:lstStyle/>
+          <a:p>
+            <a:fld id="{5C6BB475-B640-4DD3-A1AA-1CF10A44AA06}" type="slidenum">
+              <a:rPr lang="en-US" smtClean="0"/>
+              <a:t>8</a:t>
+            </a:fld>
+            <a:endParaRPr lang="en-US"/>
+          </a:p>
+        </p:txBody>
+      </p:sp>
+      <p:pic>
+        <p:nvPicPr>
+          <p:cNvPr id="6" name="Picture 5"/>
+          <p:cNvPicPr>
+            <a:picLocks noChangeAspect="1"/>
+          </p:cNvPicPr>
+          <p:nvPr/>
+        </p:nvPicPr>
+        <p:blipFill>
+          <a:blip r:embed="rId2"/>
+          <a:stretch>
+            <a:fillRect/>
+          </a:stretch>
+        </p:blipFill>
+        <p:spPr>
+          <a:xfrm>
+            <a:off x="1064412" y="1504440"/>
+            <a:ext cx="10973866" cy="4336349"/>
+          </a:xfrm>
+          <a:prstGeom prst="rect">
+            <a:avLst/>
+          </a:prstGeom>
+        </p:spPr>
+      </p:pic>
+      <p:sp>
+        <p:nvSpPr>
+          <p:cNvPr id="7" name="TextBox 6"/>
+          <p:cNvSpPr txBox="1"/>
+          <p:nvPr/>
+        </p:nvSpPr>
+        <p:spPr>
+          <a:xfrm>
+            <a:off x="4799904" y="5867130"/>
+            <a:ext cx="3502882" cy="369332"/>
+          </a:xfrm>
+          <a:prstGeom prst="rect">
+            <a:avLst/>
+          </a:prstGeom>
+          <a:noFill/>
+        </p:spPr>
+        <p:txBody>
+          <a:bodyPr wrap="none" rtlCol="0">
+            <a:spAutoFit/>
+          </a:bodyPr>
+          <a:lstStyle/>
+          <a:p>
+            <a:r>
+              <a:rPr lang="en-US" dirty="0" smtClean="0"/>
+              <a:t>Figure 6. Functional Block Diagram</a:t>
+            </a:r>
+            <a:endParaRPr lang="en-US" dirty="0"/>
+          </a:p>
+        </p:txBody>
+      </p:sp>
+    </p:spTree>
+    <p:extLst>
+      <p:ext uri="{BB962C8B-B14F-4D97-AF65-F5344CB8AC3E}">
+        <p14:creationId xmlns:p14="http://schemas.microsoft.com/office/powerpoint/2010/main" val="3997829335"/>
+      </p:ext>
+    </p:extLst>
+  </p:cSld>
+  <p:clrMapOvr>
+    <a:masterClrMapping/>
+  </p:clrMapOvr>
+  <p:timing>
+    <p:tnLst>
+      <p:par>
+        <p:cTn id="1" dur="indefinite" restart="never" nodeType="tmRoot"/>
+      </p:par>
+    </p:tnLst>
+  </p:timing>
+</p:sld>
+</file>
+
+<file path=ppt/slides/slide9.xml><?xml version="1.0" encoding="utf-8"?>
+<p:sld xmlns:a="http://schemas.openxmlformats.org/drawingml/2006/main" xmlns:r="http://schemas.openxmlformats.org/officeDocument/2006/relationships" xmlns:p="http://schemas.openxmlformats.org/presentationml/2006/main">
+  <p:cSld>
+    <p:spTree>
+      <p:nvGrpSpPr>
+        <p:cNvPr id="1" name=""/>
+        <p:cNvGrpSpPr/>
+        <p:nvPr/>
+      </p:nvGrpSpPr>
+      <p:grpSpPr>
+        <a:xfrm>
+          <a:off x="0" y="0"/>
+          <a:ext cx="0" cy="0"/>
+          <a:chOff x="0" y="0"/>
+          <a:chExt cx="0" cy="0"/>
+        </a:xfrm>
+      </p:grpSpPr>
+      <p:sp>
+        <p:nvSpPr>
+          <p:cNvPr id="2" name="Title 1"/>
+          <p:cNvSpPr>
+            <a:spLocks noGrp="1"/>
+          </p:cNvSpPr>
+          <p:nvPr>
+            <p:ph type="title"/>
+          </p:nvPr>
+        </p:nvSpPr>
+        <p:spPr/>
+        <p:txBody>
+          <a:bodyPr/>
+          <a:lstStyle/>
+          <a:p>
+            <a:r>
+              <a:rPr lang="en-US" dirty="0" smtClean="0"/>
               <a:t>Specifications</a:t>
             </a:r>
             <a:endParaRPr lang="en-US" dirty="0"/>
@@ -11874,7 +10019,7 @@
           <a:p>
             <a:fld id="{5C6BB475-B640-4DD3-A1AA-1CF10A44AA06}" type="slidenum">
               <a:rPr lang="en-US" smtClean="0"/>
-              <a:t>8</a:t>
+              <a:t>9</a:t>
             </a:fld>
             <a:endParaRPr lang="en-US"/>
           </a:p>
@@ -12148,145 +10293,6 @@
     <p:extLst>
       <p:ext uri="{BB962C8B-B14F-4D97-AF65-F5344CB8AC3E}">
         <p14:creationId xmlns:p14="http://schemas.microsoft.com/office/powerpoint/2010/main" val="245815682"/>
-      </p:ext>
-    </p:extLst>
-  </p:cSld>
-  <p:clrMapOvr>
-    <a:masterClrMapping/>
-  </p:clrMapOvr>
-  <p:timing>
-    <p:tnLst>
-      <p:par>
-        <p:cTn id="1" dur="indefinite" restart="never" nodeType="tmRoot"/>
-      </p:par>
-    </p:tnLst>
-  </p:timing>
-</p:sld>
-</file>
-
-<file path=ppt/slides/slide9.xml><?xml version="1.0" encoding="utf-8"?>
-<p:sld xmlns:a="http://schemas.openxmlformats.org/drawingml/2006/main" xmlns:r="http://schemas.openxmlformats.org/officeDocument/2006/relationships" xmlns:p="http://schemas.openxmlformats.org/presentationml/2006/main">
-  <p:cSld>
-    <p:spTree>
-      <p:nvGrpSpPr>
-        <p:cNvPr id="1" name=""/>
-        <p:cNvGrpSpPr/>
-        <p:nvPr/>
-      </p:nvGrpSpPr>
-      <p:grpSpPr>
-        <a:xfrm>
-          <a:off x="0" y="0"/>
-          <a:ext cx="0" cy="0"/>
-          <a:chOff x="0" y="0"/>
-          <a:chExt cx="0" cy="0"/>
-        </a:xfrm>
-      </p:grpSpPr>
-      <p:sp>
-        <p:nvSpPr>
-          <p:cNvPr id="2" name="Title 1"/>
-          <p:cNvSpPr>
-            <a:spLocks noGrp="1"/>
-          </p:cNvSpPr>
-          <p:nvPr>
-            <p:ph type="title"/>
-          </p:nvPr>
-        </p:nvSpPr>
-        <p:spPr/>
-        <p:txBody>
-          <a:bodyPr/>
-          <a:lstStyle/>
-          <a:p>
-            <a:r>
-              <a:rPr lang="en-US" dirty="0" smtClean="0"/>
-              <a:t>House of Quality</a:t>
-            </a:r>
-            <a:endParaRPr lang="en-US" dirty="0"/>
-          </a:p>
-        </p:txBody>
-      </p:sp>
-      <p:sp>
-        <p:nvSpPr>
-          <p:cNvPr id="4" name="Slide Number Placeholder 3"/>
-          <p:cNvSpPr>
-            <a:spLocks noGrp="1"/>
-          </p:cNvSpPr>
-          <p:nvPr>
-            <p:ph type="sldNum" sz="quarter" idx="12"/>
-          </p:nvPr>
-        </p:nvSpPr>
-        <p:spPr/>
-        <p:txBody>
-          <a:bodyPr/>
-          <a:lstStyle/>
-          <a:p>
-            <a:fld id="{5C6BB475-B640-4DD3-A1AA-1CF10A44AA06}" type="slidenum">
-              <a:rPr lang="en-US" smtClean="0"/>
-              <a:t>9</a:t>
-            </a:fld>
-            <a:endParaRPr lang="en-US"/>
-          </a:p>
-        </p:txBody>
-      </p:sp>
-      <p:pic>
-        <p:nvPicPr>
-          <p:cNvPr id="7" name="Content Placeholder 6"/>
-          <p:cNvPicPr>
-            <a:picLocks noGrp="1" noChangeAspect="1"/>
-          </p:cNvPicPr>
-          <p:nvPr>
-            <p:ph idx="1"/>
-          </p:nvPr>
-        </p:nvPicPr>
-        <p:blipFill>
-          <a:blip r:embed="rId2"/>
-          <a:stretch>
-            <a:fillRect/>
-          </a:stretch>
-        </p:blipFill>
-        <p:spPr>
-          <a:xfrm>
-            <a:off x="3107399" y="1235823"/>
-            <a:ext cx="6887892" cy="5150954"/>
-          </a:xfrm>
-          <a:prstGeom prst="rect">
-            <a:avLst/>
-          </a:prstGeom>
-        </p:spPr>
-      </p:pic>
-      <p:sp>
-        <p:nvSpPr>
-          <p:cNvPr id="5" name="TextBox 4"/>
-          <p:cNvSpPr txBox="1"/>
-          <p:nvPr/>
-        </p:nvSpPr>
-        <p:spPr>
-          <a:xfrm>
-            <a:off x="5234029" y="6388385"/>
-            <a:ext cx="2634632" cy="369332"/>
-          </a:xfrm>
-          <a:prstGeom prst="rect">
-            <a:avLst/>
-          </a:prstGeom>
-          <a:noFill/>
-        </p:spPr>
-        <p:txBody>
-          <a:bodyPr wrap="none" rtlCol="0">
-            <a:spAutoFit/>
-          </a:bodyPr>
-          <a:lstStyle/>
-          <a:p>
-            <a:r>
-              <a:rPr lang="en-US" dirty="0" smtClean="0"/>
-              <a:t>Figure 3. House of Quality</a:t>
-            </a:r>
-            <a:endParaRPr lang="en-US" dirty="0"/>
-          </a:p>
-        </p:txBody>
-      </p:sp>
-    </p:spTree>
-    <p:extLst>
-      <p:ext uri="{BB962C8B-B14F-4D97-AF65-F5344CB8AC3E}">
-        <p14:creationId xmlns:p14="http://schemas.microsoft.com/office/powerpoint/2010/main" val="2114256358"/>
       </p:ext>
     </p:extLst>
   </p:cSld>
@@ -12821,6 +10827,12 @@
 </file>
 
 <file path=customXml/item1.xml><?xml version="1.0" encoding="utf-8"?>
+<p:properties xmlns:p="http://schemas.microsoft.com/office/2006/metadata/properties" xmlns:xsi="http://www.w3.org/2001/XMLSchema-instance" xmlns:pc="http://schemas.microsoft.com/office/infopath/2007/PartnerControls">
+  <documentManagement/>
+</p:properties>
+</file>
+
+<file path=customXml/item2.xml><?xml version="1.0" encoding="utf-8"?>
 <ct:contentTypeSchema xmlns:ct="http://schemas.microsoft.com/office/2006/metadata/contentType" xmlns:ma="http://schemas.microsoft.com/office/2006/metadata/properties/metaAttributes" ct:_="" ma:_="" ma:contentTypeName="Document" ma:contentTypeID="0x01010037F85F4321109849828001F89B63E148" ma:contentTypeVersion="1" ma:contentTypeDescription="Create a new document." ma:contentTypeScope="" ma:versionID="095e360c2d3b38e9f1c3d2409eae6492">
   <xsd:schema xmlns:xsd="http://www.w3.org/2001/XMLSchema" xmlns:xs="http://www.w3.org/2001/XMLSchema" xmlns:p="http://schemas.microsoft.com/office/2006/metadata/properties" xmlns:ns3="4c2e6f55-8abc-4b5b-a4f7-930d3885115f" targetNamespace="http://schemas.microsoft.com/office/2006/metadata/properties" ma:root="true" ma:fieldsID="ce6d8a4f71ede4388f67b476f14a0021" ns3:_="">
     <xsd:import namespace="4c2e6f55-8abc-4b5b-a4f7-930d3885115f"/>
@@ -12960,12 +10972,6 @@
 </ct:contentTypeSchema>
 </file>
 
-<file path=customXml/item2.xml><?xml version="1.0" encoding="utf-8"?>
-<p:properties xmlns:p="http://schemas.microsoft.com/office/2006/metadata/properties" xmlns:xsi="http://www.w3.org/2001/XMLSchema-instance" xmlns:pc="http://schemas.microsoft.com/office/infopath/2007/PartnerControls">
-  <documentManagement/>
-</p:properties>
-</file>
-
 <file path=customXml/item3.xml><?xml version="1.0" encoding="utf-8"?>
 <?mso-contentType ?>
 <FormTemplates xmlns="http://schemas.microsoft.com/sharepoint/v3/contenttype/forms">
@@ -12976,6 +10982,15 @@
 </file>
 
 <file path=customXml/itemProps1.xml><?xml version="1.0" encoding="utf-8"?>
+<ds:datastoreItem xmlns:ds="http://schemas.openxmlformats.org/officeDocument/2006/customXml" ds:itemID="{7D5E529B-E2B8-4FF4-96DC-717B6A9731D6}">
+  <ds:schemaRefs>
+    <ds:schemaRef ds:uri="http://schemas.microsoft.com/office/2006/metadata/properties"/>
+    <ds:schemaRef ds:uri="http://schemas.microsoft.com/office/infopath/2007/PartnerControls"/>
+  </ds:schemaRefs>
+</ds:datastoreItem>
+</file>
+
+<file path=customXml/itemProps2.xml><?xml version="1.0" encoding="utf-8"?>
 <ds:datastoreItem xmlns:ds="http://schemas.openxmlformats.org/officeDocument/2006/customXml" ds:itemID="{41A76F2A-8591-44A6-B165-1D0702FBBD53}">
   <ds:schemaRefs>
     <ds:schemaRef ds:uri="http://schemas.microsoft.com/office/2006/metadata/contentType"/>
@@ -12993,15 +11008,6 @@
 </ds:datastoreItem>
 </file>
 
-<file path=customXml/itemProps2.xml><?xml version="1.0" encoding="utf-8"?>
-<ds:datastoreItem xmlns:ds="http://schemas.openxmlformats.org/officeDocument/2006/customXml" ds:itemID="{7D5E529B-E2B8-4FF4-96DC-717B6A9731D6}">
-  <ds:schemaRefs>
-    <ds:schemaRef ds:uri="http://schemas.microsoft.com/office/2006/metadata/properties"/>
-    <ds:schemaRef ds:uri="http://schemas.microsoft.com/office/infopath/2007/PartnerControls"/>
-  </ds:schemaRefs>
-</ds:datastoreItem>
-</file>
-
 <file path=customXml/itemProps3.xml><?xml version="1.0" encoding="utf-8"?>
 <ds:datastoreItem xmlns:ds="http://schemas.openxmlformats.org/officeDocument/2006/customXml" ds:itemID="{A1EF12E8-B070-4F5F-9BD0-CEE0E7C075D0}">
   <ds:schemaRefs>

--- a/Presentations/DesignPres/DesignPres-75.pptx
+++ b/Presentations/DesignPres/DesignPres-75.pptx
@@ -16,7 +16,7 @@
     <p:sldId id="260" r:id="rId10"/>
     <p:sldId id="279" r:id="rId11"/>
     <p:sldId id="265" r:id="rId12"/>
-    <p:sldId id="274" r:id="rId13"/>
+    <p:sldId id="292" r:id="rId13"/>
     <p:sldId id="263" r:id="rId14"/>
     <p:sldId id="281" r:id="rId15"/>
     <p:sldId id="282" r:id="rId16"/>
@@ -6739,7 +6739,7 @@
             </a:r>
             <a:r>
               <a:rPr lang="en-US" dirty="0" smtClean="0"/>
-              <a:t>PM </a:t>
+              <a:t>PM, Nathaniel Tyler (ME) </a:t>
             </a:r>
             <a:endParaRPr lang="en-US" dirty="0"/>
           </a:p>
@@ -7890,11 +7890,7 @@
           <a:p>
             <a:r>
               <a:rPr lang="en-US" dirty="0" smtClean="0"/>
-              <a:t>Team 75 </a:t>
-            </a:r>
-            <a:r>
-              <a:rPr lang="en-US" dirty="0" smtClean="0"/>
-              <a:t>Organization</a:t>
+              <a:t>Team 75 Organization</a:t>
             </a:r>
             <a:endParaRPr lang="en-US" dirty="0"/>
           </a:p>
@@ -10062,16 +10058,12 @@
             <a:graphicFrameLocks/>
           </p:cNvGraphicFramePr>
           <p:nvPr>
-            <p:extLst>
-              <p:ext uri="{D42A27DB-BD31-4B8C-83A1-F6EECF244321}">
-                <p14:modId xmlns:p14="http://schemas.microsoft.com/office/powerpoint/2010/main" val="2704818691"/>
-              </p:ext>
-            </p:extLst>
+            <p:extLst/>
           </p:nvPr>
         </p:nvGraphicFramePr>
         <p:xfrm>
           <a:off x="1970468" y="2288539"/>
-          <a:ext cx="8991746" cy="3200400"/>
+          <a:ext cx="8991746" cy="3840480"/>
         </p:xfrm>
         <a:graphic>
           <a:graphicData uri="http://schemas.openxmlformats.org/drawingml/2006/table">
@@ -10123,6 +10115,41 @@
                     <a:p>
                       <a:r>
                         <a:rPr lang="en-US" dirty="0" smtClean="0"/>
+                        <a:t>Build Volume Size</a:t>
+                      </a:r>
+                      <a:endParaRPr lang="en-US" dirty="0"/>
+                    </a:p>
+                  </a:txBody>
+                  <a:tcPr anchor="ctr"/>
+                </a:tc>
+                <a:tc>
+                  <a:txBody>
+                    <a:bodyPr/>
+                    <a:lstStyle/>
+                    <a:p>
+                      <a:pPr algn="r"/>
+                      <a:r>
+                        <a:rPr lang="en-US" dirty="0" smtClean="0"/>
+                        <a:t>192</a:t>
+                      </a:r>
+                      <a:r>
+                        <a:rPr lang="en-US" baseline="0" dirty="0" smtClean="0"/>
+                        <a:t> mm x 216 mm x 216 mm</a:t>
+                      </a:r>
+                      <a:endParaRPr lang="en-US" dirty="0"/>
+                    </a:p>
+                  </a:txBody>
+                  <a:tcPr anchor="ctr"/>
+                </a:tc>
+              </a:tr>
+              <a:tr h="640080">
+                <a:tc>
+                  <a:txBody>
+                    <a:bodyPr/>
+                    <a:lstStyle/>
+                    <a:p>
+                      <a:r>
+                        <a:rPr lang="en-US" dirty="0" smtClean="0"/>
                         <a:t>X</a:t>
                       </a:r>
                       <a:r>
@@ -10158,7 +10185,11 @@
                     <a:p>
                       <a:r>
                         <a:rPr lang="en-US" dirty="0" smtClean="0"/>
-                        <a:t>Z Axis Resolution</a:t>
+                        <a:t>Minimum</a:t>
+                      </a:r>
+                      <a:r>
+                        <a:rPr lang="en-US" baseline="0" dirty="0" smtClean="0"/>
+                        <a:t> Layer Height</a:t>
                       </a:r>
                       <a:endParaRPr lang="en-US" dirty="0"/>
                     </a:p>
@@ -10188,8 +10219,12 @@
                         <a:defRPr/>
                       </a:pPr>
                       <a:r>
+                        <a:rPr lang="en-US" smtClean="0"/>
+                        <a:t>0.015 ± 0.002 </a:t>
+                      </a:r>
+                      <a:r>
                         <a:rPr lang="en-US" dirty="0" smtClean="0"/>
-                        <a:t>0.100 ± 0.005 mm</a:t>
+                        <a:t>mm</a:t>
                       </a:r>
                     </a:p>
                   </a:txBody>
@@ -10269,12 +10304,8 @@
                         <a:defRPr/>
                       </a:pPr>
                       <a:r>
-                        <a:rPr lang="en-US" smtClean="0"/>
-                        <a:t>± 0.050 </a:t>
-                      </a:r>
-                      <a:r>
                         <a:rPr lang="en-US" dirty="0" smtClean="0"/>
-                        <a:t>mm</a:t>
+                        <a:t>± 0.050 mm</a:t>
                       </a:r>
                     </a:p>
                     <a:p>
@@ -10292,7 +10323,7 @@
     </p:spTree>
     <p:extLst>
       <p:ext uri="{BB962C8B-B14F-4D97-AF65-F5344CB8AC3E}">
-        <p14:creationId xmlns:p14="http://schemas.microsoft.com/office/powerpoint/2010/main" val="245815682"/>
+        <p14:creationId xmlns:p14="http://schemas.microsoft.com/office/powerpoint/2010/main" val="2245365680"/>
       </p:ext>
     </p:extLst>
   </p:cSld>
@@ -10984,8 +11015,15 @@
 <file path=customXml/itemProps1.xml><?xml version="1.0" encoding="utf-8"?>
 <ds:datastoreItem xmlns:ds="http://schemas.openxmlformats.org/officeDocument/2006/customXml" ds:itemID="{7D5E529B-E2B8-4FF4-96DC-717B6A9731D6}">
   <ds:schemaRefs>
+    <ds:schemaRef ds:uri="http://schemas.openxmlformats.org/package/2006/metadata/core-properties"/>
+    <ds:schemaRef ds:uri="http://purl.org/dc/terms/"/>
+    <ds:schemaRef ds:uri="http://purl.org/dc/elements/1.1/"/>
     <ds:schemaRef ds:uri="http://schemas.microsoft.com/office/2006/metadata/properties"/>
+    <ds:schemaRef ds:uri="4c2e6f55-8abc-4b5b-a4f7-930d3885115f"/>
+    <ds:schemaRef ds:uri="http://purl.org/dc/dcmitype/"/>
+    <ds:schemaRef ds:uri="http://schemas.microsoft.com/office/2006/documentManagement/types"/>
     <ds:schemaRef ds:uri="http://schemas.microsoft.com/office/infopath/2007/PartnerControls"/>
+    <ds:schemaRef ds:uri="http://www.w3.org/XML/1998/namespace"/>
   </ds:schemaRefs>
 </ds:datastoreItem>
 </file>

--- a/Presentations/DesignPres/DesignPres-75.pptx
+++ b/Presentations/DesignPres/DesignPres-75.pptx
@@ -23,7 +23,7 @@
     <p:sldId id="283" r:id="rId17"/>
     <p:sldId id="284" r:id="rId18"/>
     <p:sldId id="285" r:id="rId19"/>
-    <p:sldId id="286" r:id="rId20"/>
+    <p:sldId id="293" r:id="rId20"/>
     <p:sldId id="287" r:id="rId21"/>
     <p:sldId id="288" r:id="rId22"/>
     <p:sldId id="276" r:id="rId23"/>
@@ -7518,7 +7518,7 @@
           <a:p>
             <a:r>
               <a:rPr lang="en-US" dirty="0" smtClean="0"/>
-              <a:t>Resin/Optics</a:t>
+              <a:t>Projector and Resin</a:t>
             </a:r>
             <a:endParaRPr lang="en-US" dirty="0"/>
           </a:p>
@@ -7526,12 +7526,12 @@
       </p:sp>
       <p:sp>
         <p:nvSpPr>
-          <p:cNvPr id="3" name="Content Placeholder 2"/>
-          <p:cNvSpPr>
-            <a:spLocks noGrp="1"/>
-          </p:cNvSpPr>
-          <p:nvPr>
-            <p:ph idx="1"/>
+          <p:cNvPr id="4" name="Slide Number Placeholder 3"/>
+          <p:cNvSpPr>
+            <a:spLocks noGrp="1"/>
+          </p:cNvSpPr>
+          <p:nvPr>
+            <p:ph type="sldNum" sz="quarter" idx="12"/>
           </p:nvPr>
         </p:nvSpPr>
         <p:spPr/>
@@ -7539,37 +7539,106 @@
           <a:bodyPr/>
           <a:lstStyle/>
           <a:p>
-            <a:endParaRPr lang="en-US"/>
-          </a:p>
-        </p:txBody>
-      </p:sp>
-      <p:sp>
-        <p:nvSpPr>
-          <p:cNvPr id="4" name="Slide Number Placeholder 3"/>
-          <p:cNvSpPr>
-            <a:spLocks noGrp="1"/>
-          </p:cNvSpPr>
-          <p:nvPr>
-            <p:ph type="sldNum" sz="quarter" idx="12"/>
-          </p:nvPr>
-        </p:nvSpPr>
-        <p:spPr/>
-        <p:txBody>
-          <a:bodyPr/>
-          <a:lstStyle/>
-          <a:p>
             <a:fld id="{5C6BB475-B640-4DD3-A1AA-1CF10A44AA06}" type="slidenum">
               <a:rPr lang="en-US" smtClean="0"/>
+              <a:pPr/>
               <a:t>16</a:t>
             </a:fld>
-            <a:endParaRPr lang="en-US"/>
+            <a:endParaRPr lang="en-US" dirty="0"/>
+          </a:p>
+        </p:txBody>
+      </p:sp>
+      <p:sp>
+        <p:nvSpPr>
+          <p:cNvPr id="6" name="Content Placeholder 5"/>
+          <p:cNvSpPr>
+            <a:spLocks noGrp="1"/>
+          </p:cNvSpPr>
+          <p:nvPr>
+            <p:ph idx="1"/>
+          </p:nvPr>
+        </p:nvSpPr>
+        <p:spPr>
+          <a:xfrm>
+            <a:off x="1541989" y="1538196"/>
+            <a:ext cx="10018713" cy="4180024"/>
+          </a:xfrm>
+        </p:spPr>
+        <p:txBody>
+          <a:bodyPr anchor="t">
+            <a:normAutofit/>
+          </a:bodyPr>
+          <a:lstStyle/>
+          <a:p>
+            <a:r>
+              <a:rPr lang="en-US" dirty="0" smtClean="0"/>
+              <a:t>Projector Qualities</a:t>
+            </a:r>
+          </a:p>
+          <a:p>
+            <a:pPr lvl="1"/>
+            <a:r>
+              <a:rPr lang="en-US" dirty="0" smtClean="0"/>
+              <a:t>High Resolution DLP</a:t>
+            </a:r>
+            <a:endParaRPr lang="en-US" dirty="0"/>
+          </a:p>
+          <a:p>
+            <a:pPr lvl="1"/>
+            <a:r>
+              <a:rPr lang="en-US" dirty="0"/>
+              <a:t>UV </a:t>
+            </a:r>
+            <a:r>
+              <a:rPr lang="en-US" dirty="0" smtClean="0"/>
+              <a:t>Filter Removal </a:t>
+            </a:r>
+            <a:endParaRPr lang="en-US" dirty="0"/>
+          </a:p>
+          <a:p>
+            <a:pPr lvl="1"/>
+            <a:r>
+              <a:rPr lang="en-US" dirty="0"/>
+              <a:t>Throw </a:t>
+            </a:r>
+            <a:r>
+              <a:rPr lang="en-US" dirty="0" smtClean="0"/>
+              <a:t>Distance</a:t>
+            </a:r>
+          </a:p>
+          <a:p>
+            <a:r>
+              <a:rPr lang="en-US" dirty="0" smtClean="0"/>
+              <a:t>Resin</a:t>
+            </a:r>
+            <a:endParaRPr lang="en-US" dirty="0"/>
+          </a:p>
+          <a:p>
+            <a:pPr lvl="1"/>
+            <a:r>
+              <a:rPr lang="en-US" dirty="0"/>
+              <a:t>Test for Layer Thickness</a:t>
+            </a:r>
+          </a:p>
+          <a:p>
+            <a:pPr lvl="1"/>
+            <a:r>
+              <a:rPr lang="en-US" dirty="0"/>
+              <a:t>Test for Exposure Time</a:t>
+            </a:r>
+          </a:p>
+          <a:p>
+            <a:pPr marL="0" indent="0">
+              <a:buNone/>
+            </a:pPr>
+            <a:endParaRPr lang="en-US" dirty="0" smtClean="0"/>
           </a:p>
         </p:txBody>
       </p:sp>
     </p:spTree>
     <p:extLst>
       <p:ext uri="{BB962C8B-B14F-4D97-AF65-F5344CB8AC3E}">
-        <p14:creationId xmlns:p14="http://schemas.microsoft.com/office/powerpoint/2010/main" val="3284958645"/>
+        <p14:creationId xmlns:p14="http://schemas.microsoft.com/office/powerpoint/2010/main" val="240009594"/>
       </p:ext>
     </p:extLst>
   </p:cSld>
@@ -10858,12 +10927,6 @@
 </file>
 
 <file path=customXml/item1.xml><?xml version="1.0" encoding="utf-8"?>
-<p:properties xmlns:p="http://schemas.microsoft.com/office/2006/metadata/properties" xmlns:xsi="http://www.w3.org/2001/XMLSchema-instance" xmlns:pc="http://schemas.microsoft.com/office/infopath/2007/PartnerControls">
-  <documentManagement/>
-</p:properties>
-</file>
-
-<file path=customXml/item2.xml><?xml version="1.0" encoding="utf-8"?>
 <ct:contentTypeSchema xmlns:ct="http://schemas.microsoft.com/office/2006/metadata/contentType" xmlns:ma="http://schemas.microsoft.com/office/2006/metadata/properties/metaAttributes" ct:_="" ma:_="" ma:contentTypeName="Document" ma:contentTypeID="0x01010037F85F4321109849828001F89B63E148" ma:contentTypeVersion="1" ma:contentTypeDescription="Create a new document." ma:contentTypeScope="" ma:versionID="095e360c2d3b38e9f1c3d2409eae6492">
   <xsd:schema xmlns:xsd="http://www.w3.org/2001/XMLSchema" xmlns:xs="http://www.w3.org/2001/XMLSchema" xmlns:p="http://schemas.microsoft.com/office/2006/metadata/properties" xmlns:ns3="4c2e6f55-8abc-4b5b-a4f7-930d3885115f" targetNamespace="http://schemas.microsoft.com/office/2006/metadata/properties" ma:root="true" ma:fieldsID="ce6d8a4f71ede4388f67b476f14a0021" ns3:_="">
     <xsd:import namespace="4c2e6f55-8abc-4b5b-a4f7-930d3885115f"/>
@@ -11003,6 +11066,12 @@
 </ct:contentTypeSchema>
 </file>
 
+<file path=customXml/item2.xml><?xml version="1.0" encoding="utf-8"?>
+<p:properties xmlns:p="http://schemas.microsoft.com/office/2006/metadata/properties" xmlns:xsi="http://www.w3.org/2001/XMLSchema-instance" xmlns:pc="http://schemas.microsoft.com/office/infopath/2007/PartnerControls">
+  <documentManagement/>
+</p:properties>
+</file>
+
 <file path=customXml/item3.xml><?xml version="1.0" encoding="utf-8"?>
 <?mso-contentType ?>
 <FormTemplates xmlns="http://schemas.microsoft.com/sharepoint/v3/contenttype/forms">
@@ -11013,22 +11082,6 @@
 </file>
 
 <file path=customXml/itemProps1.xml><?xml version="1.0" encoding="utf-8"?>
-<ds:datastoreItem xmlns:ds="http://schemas.openxmlformats.org/officeDocument/2006/customXml" ds:itemID="{7D5E529B-E2B8-4FF4-96DC-717B6A9731D6}">
-  <ds:schemaRefs>
-    <ds:schemaRef ds:uri="http://schemas.openxmlformats.org/package/2006/metadata/core-properties"/>
-    <ds:schemaRef ds:uri="http://purl.org/dc/terms/"/>
-    <ds:schemaRef ds:uri="http://purl.org/dc/elements/1.1/"/>
-    <ds:schemaRef ds:uri="http://schemas.microsoft.com/office/2006/metadata/properties"/>
-    <ds:schemaRef ds:uri="4c2e6f55-8abc-4b5b-a4f7-930d3885115f"/>
-    <ds:schemaRef ds:uri="http://purl.org/dc/dcmitype/"/>
-    <ds:schemaRef ds:uri="http://schemas.microsoft.com/office/2006/documentManagement/types"/>
-    <ds:schemaRef ds:uri="http://schemas.microsoft.com/office/infopath/2007/PartnerControls"/>
-    <ds:schemaRef ds:uri="http://www.w3.org/XML/1998/namespace"/>
-  </ds:schemaRefs>
-</ds:datastoreItem>
-</file>
-
-<file path=customXml/itemProps2.xml><?xml version="1.0" encoding="utf-8"?>
 <ds:datastoreItem xmlns:ds="http://schemas.openxmlformats.org/officeDocument/2006/customXml" ds:itemID="{41A76F2A-8591-44A6-B165-1D0702FBBD53}">
   <ds:schemaRefs>
     <ds:schemaRef ds:uri="http://schemas.microsoft.com/office/2006/metadata/contentType"/>
@@ -11046,6 +11099,22 @@
 </ds:datastoreItem>
 </file>
 
+<file path=customXml/itemProps2.xml><?xml version="1.0" encoding="utf-8"?>
+<ds:datastoreItem xmlns:ds="http://schemas.openxmlformats.org/officeDocument/2006/customXml" ds:itemID="{7D5E529B-E2B8-4FF4-96DC-717B6A9731D6}">
+  <ds:schemaRefs>
+    <ds:schemaRef ds:uri="http://schemas.openxmlformats.org/package/2006/metadata/core-properties"/>
+    <ds:schemaRef ds:uri="http://purl.org/dc/terms/"/>
+    <ds:schemaRef ds:uri="http://purl.org/dc/elements/1.1/"/>
+    <ds:schemaRef ds:uri="http://schemas.microsoft.com/office/2006/metadata/properties"/>
+    <ds:schemaRef ds:uri="4c2e6f55-8abc-4b5b-a4f7-930d3885115f"/>
+    <ds:schemaRef ds:uri="http://purl.org/dc/dcmitype/"/>
+    <ds:schemaRef ds:uri="http://schemas.microsoft.com/office/2006/documentManagement/types"/>
+    <ds:schemaRef ds:uri="http://schemas.microsoft.com/office/infopath/2007/PartnerControls"/>
+    <ds:schemaRef ds:uri="http://www.w3.org/XML/1998/namespace"/>
+  </ds:schemaRefs>
+</ds:datastoreItem>
+</file>
+
 <file path=customXml/itemProps3.xml><?xml version="1.0" encoding="utf-8"?>
 <ds:datastoreItem xmlns:ds="http://schemas.openxmlformats.org/officeDocument/2006/customXml" ds:itemID="{A1EF12E8-B070-4F5F-9BD0-CEE0E7C075D0}">
   <ds:schemaRefs>

--- a/Presentations/DesignPres/DesignPres-75.pptx
+++ b/Presentations/DesignPres/DesignPres-75.pptx
@@ -16,7 +16,7 @@
     <p:sldId id="260" r:id="rId10"/>
     <p:sldId id="279" r:id="rId11"/>
     <p:sldId id="265" r:id="rId12"/>
-    <p:sldId id="292" r:id="rId13"/>
+    <p:sldId id="274" r:id="rId13"/>
     <p:sldId id="263" r:id="rId14"/>
     <p:sldId id="281" r:id="rId15"/>
     <p:sldId id="282" r:id="rId16"/>
@@ -6739,7 +6739,7 @@
             </a:r>
             <a:r>
               <a:rPr lang="en-US" dirty="0" smtClean="0"/>
-              <a:t>PM, Nathaniel Tyler (ME) </a:t>
+              <a:t>PM </a:t>
             </a:r>
             <a:endParaRPr lang="en-US" dirty="0"/>
           </a:p>
@@ -7890,7 +7890,11 @@
           <a:p>
             <a:r>
               <a:rPr lang="en-US" dirty="0" smtClean="0"/>
-              <a:t>Team 75 Organization</a:t>
+              <a:t>Team 75 </a:t>
+            </a:r>
+            <a:r>
+              <a:rPr lang="en-US" dirty="0" smtClean="0"/>
+              <a:t>Organization</a:t>
             </a:r>
             <a:endParaRPr lang="en-US" dirty="0"/>
           </a:p>
@@ -10058,12 +10062,16 @@
             <a:graphicFrameLocks/>
           </p:cNvGraphicFramePr>
           <p:nvPr>
-            <p:extLst/>
+            <p:extLst>
+              <p:ext uri="{D42A27DB-BD31-4B8C-83A1-F6EECF244321}">
+                <p14:modId xmlns:p14="http://schemas.microsoft.com/office/powerpoint/2010/main" val="2704818691"/>
+              </p:ext>
+            </p:extLst>
           </p:nvPr>
         </p:nvGraphicFramePr>
         <p:xfrm>
           <a:off x="1970468" y="2288539"/>
-          <a:ext cx="8991746" cy="3840480"/>
+          <a:ext cx="8991746" cy="3200400"/>
         </p:xfrm>
         <a:graphic>
           <a:graphicData uri="http://schemas.openxmlformats.org/drawingml/2006/table">
@@ -10115,41 +10123,6 @@
                     <a:p>
                       <a:r>
                         <a:rPr lang="en-US" dirty="0" smtClean="0"/>
-                        <a:t>Build Volume Size</a:t>
-                      </a:r>
-                      <a:endParaRPr lang="en-US" dirty="0"/>
-                    </a:p>
-                  </a:txBody>
-                  <a:tcPr anchor="ctr"/>
-                </a:tc>
-                <a:tc>
-                  <a:txBody>
-                    <a:bodyPr/>
-                    <a:lstStyle/>
-                    <a:p>
-                      <a:pPr algn="r"/>
-                      <a:r>
-                        <a:rPr lang="en-US" dirty="0" smtClean="0"/>
-                        <a:t>192</a:t>
-                      </a:r>
-                      <a:r>
-                        <a:rPr lang="en-US" baseline="0" dirty="0" smtClean="0"/>
-                        <a:t> mm x 216 mm x 216 mm</a:t>
-                      </a:r>
-                      <a:endParaRPr lang="en-US" dirty="0"/>
-                    </a:p>
-                  </a:txBody>
-                  <a:tcPr anchor="ctr"/>
-                </a:tc>
-              </a:tr>
-              <a:tr h="640080">
-                <a:tc>
-                  <a:txBody>
-                    <a:bodyPr/>
-                    <a:lstStyle/>
-                    <a:p>
-                      <a:r>
-                        <a:rPr lang="en-US" dirty="0" smtClean="0"/>
                         <a:t>X</a:t>
                       </a:r>
                       <a:r>
@@ -10185,11 +10158,7 @@
                     <a:p>
                       <a:r>
                         <a:rPr lang="en-US" dirty="0" smtClean="0"/>
-                        <a:t>Minimum</a:t>
-                      </a:r>
-                      <a:r>
-                        <a:rPr lang="en-US" baseline="0" dirty="0" smtClean="0"/>
-                        <a:t> Layer Height</a:t>
+                        <a:t>Z Axis Resolution</a:t>
                       </a:r>
                       <a:endParaRPr lang="en-US" dirty="0"/>
                     </a:p>
@@ -10219,12 +10188,8 @@
                         <a:defRPr/>
                       </a:pPr>
                       <a:r>
-                        <a:rPr lang="en-US" smtClean="0"/>
-                        <a:t>0.015 ± 0.002 </a:t>
-                      </a:r>
-                      <a:r>
                         <a:rPr lang="en-US" dirty="0" smtClean="0"/>
-                        <a:t>mm</a:t>
+                        <a:t>0.100 ± 0.005 mm</a:t>
                       </a:r>
                     </a:p>
                   </a:txBody>
@@ -10304,8 +10269,12 @@
                         <a:defRPr/>
                       </a:pPr>
                       <a:r>
+                        <a:rPr lang="en-US" smtClean="0"/>
+                        <a:t>± 0.050 </a:t>
+                      </a:r>
+                      <a:r>
                         <a:rPr lang="en-US" dirty="0" smtClean="0"/>
-                        <a:t>± 0.050 mm</a:t>
+                        <a:t>mm</a:t>
                       </a:r>
                     </a:p>
                     <a:p>
@@ -10323,7 +10292,7 @@
     </p:spTree>
     <p:extLst>
       <p:ext uri="{BB962C8B-B14F-4D97-AF65-F5344CB8AC3E}">
-        <p14:creationId xmlns:p14="http://schemas.microsoft.com/office/powerpoint/2010/main" val="2245365680"/>
+        <p14:creationId xmlns:p14="http://schemas.microsoft.com/office/powerpoint/2010/main" val="245815682"/>
       </p:ext>
     </p:extLst>
   </p:cSld>
@@ -11015,15 +10984,8 @@
 <file path=customXml/itemProps1.xml><?xml version="1.0" encoding="utf-8"?>
 <ds:datastoreItem xmlns:ds="http://schemas.openxmlformats.org/officeDocument/2006/customXml" ds:itemID="{7D5E529B-E2B8-4FF4-96DC-717B6A9731D6}">
   <ds:schemaRefs>
-    <ds:schemaRef ds:uri="http://schemas.openxmlformats.org/package/2006/metadata/core-properties"/>
-    <ds:schemaRef ds:uri="http://purl.org/dc/terms/"/>
-    <ds:schemaRef ds:uri="http://purl.org/dc/elements/1.1/"/>
     <ds:schemaRef ds:uri="http://schemas.microsoft.com/office/2006/metadata/properties"/>
-    <ds:schemaRef ds:uri="4c2e6f55-8abc-4b5b-a4f7-930d3885115f"/>
-    <ds:schemaRef ds:uri="http://purl.org/dc/dcmitype/"/>
-    <ds:schemaRef ds:uri="http://schemas.microsoft.com/office/2006/documentManagement/types"/>
     <ds:schemaRef ds:uri="http://schemas.microsoft.com/office/infopath/2007/PartnerControls"/>
-    <ds:schemaRef ds:uri="http://www.w3.org/XML/1998/namespace"/>
   </ds:schemaRefs>
 </ds:datastoreItem>
 </file>

--- a/Presentations/DesignPres/DesignPres-75.pptx
+++ b/Presentations/DesignPres/DesignPres-75.pptx
@@ -5,32 +5,31 @@
     <p:sldMasterId id="2147483678" r:id="rId4"/>
   </p:sldMasterIdLst>
   <p:notesMasterIdLst>
-    <p:notesMasterId r:id="rId28"/>
+    <p:notesMasterId r:id="rId27"/>
   </p:notesMasterIdLst>
   <p:sldIdLst>
     <p:sldId id="256" r:id="rId5"/>
     <p:sldId id="261" r:id="rId6"/>
     <p:sldId id="272" r:id="rId7"/>
-    <p:sldId id="273" r:id="rId8"/>
-    <p:sldId id="269" r:id="rId9"/>
-    <p:sldId id="260" r:id="rId10"/>
-    <p:sldId id="279" r:id="rId11"/>
-    <p:sldId id="265" r:id="rId12"/>
-    <p:sldId id="274" r:id="rId13"/>
-    <p:sldId id="263" r:id="rId14"/>
-    <p:sldId id="281" r:id="rId15"/>
-    <p:sldId id="282" r:id="rId16"/>
-    <p:sldId id="283" r:id="rId17"/>
-    <p:sldId id="284" r:id="rId18"/>
-    <p:sldId id="285" r:id="rId19"/>
-    <p:sldId id="286" r:id="rId20"/>
-    <p:sldId id="287" r:id="rId21"/>
-    <p:sldId id="288" r:id="rId22"/>
-    <p:sldId id="276" r:id="rId23"/>
-    <p:sldId id="289" r:id="rId24"/>
-    <p:sldId id="278" r:id="rId25"/>
-    <p:sldId id="291" r:id="rId26"/>
-    <p:sldId id="270" r:id="rId27"/>
+    <p:sldId id="294" r:id="rId8"/>
+    <p:sldId id="292" r:id="rId9"/>
+    <p:sldId id="279" r:id="rId10"/>
+    <p:sldId id="265" r:id="rId11"/>
+    <p:sldId id="263" r:id="rId12"/>
+    <p:sldId id="293" r:id="rId13"/>
+    <p:sldId id="281" r:id="rId14"/>
+    <p:sldId id="282" r:id="rId15"/>
+    <p:sldId id="283" r:id="rId16"/>
+    <p:sldId id="284" r:id="rId17"/>
+    <p:sldId id="285" r:id="rId18"/>
+    <p:sldId id="296" r:id="rId19"/>
+    <p:sldId id="287" r:id="rId20"/>
+    <p:sldId id="288" r:id="rId21"/>
+    <p:sldId id="276" r:id="rId22"/>
+    <p:sldId id="289" r:id="rId23"/>
+    <p:sldId id="278" r:id="rId24"/>
+    <p:sldId id="295" r:id="rId25"/>
+    <p:sldId id="270" r:id="rId26"/>
   </p:sldIdLst>
   <p:sldSz cx="12192000" cy="6858000"/>
   <p:notesSz cx="6858000" cy="9144000"/>
@@ -135,6 +134,1406 @@
     </p:ext>
   </p:extLst>
 </p:presentation>
+</file>
+
+<file path=ppt/charts/chart1.xml><?xml version="1.0" encoding="utf-8"?>
+<c:chartSpace xmlns:c="http://schemas.openxmlformats.org/drawingml/2006/chart" xmlns:a="http://schemas.openxmlformats.org/drawingml/2006/main" xmlns:r="http://schemas.openxmlformats.org/officeDocument/2006/relationships">
+  <c:date1904 val="0"/>
+  <c:lang val="en-US"/>
+  <c:roundedCorners val="0"/>
+  <mc:AlternateContent xmlns:mc="http://schemas.openxmlformats.org/markup-compatibility/2006">
+    <mc:Choice xmlns:c14="http://schemas.microsoft.com/office/drawing/2007/8/2/chart" Requires="c14">
+      <c14:style val="102"/>
+    </mc:Choice>
+    <mc:Fallback>
+      <c:style val="2"/>
+    </mc:Fallback>
+  </mc:AlternateContent>
+  <c:chart>
+    <c:title>
+      <c:tx>
+        <c:rich>
+          <a:bodyPr rot="0" spcFirstLastPara="1" vertOverflow="ellipsis" vert="horz" wrap="square" anchor="ctr" anchorCtr="1"/>
+          <a:lstStyle/>
+          <a:p>
+            <a:pPr>
+              <a:defRPr sz="1600" b="0" i="0" u="none" strike="noStrike" kern="1200" spc="0" baseline="0">
+                <a:solidFill>
+                  <a:schemeClr val="tx1">
+                    <a:lumMod val="65000"/>
+                    <a:lumOff val="35000"/>
+                  </a:schemeClr>
+                </a:solidFill>
+                <a:latin typeface="+mn-lt"/>
+                <a:ea typeface="+mn-ea"/>
+                <a:cs typeface="+mn-cs"/>
+              </a:defRPr>
+            </a:pPr>
+            <a:r>
+              <a:rPr lang="en-US" sz="1600"/>
+              <a:t>System</a:t>
+            </a:r>
+            <a:r>
+              <a:rPr lang="en-US" sz="1600" baseline="0"/>
+              <a:t> Cost with Respect to Area and Volume</a:t>
+            </a:r>
+            <a:endParaRPr lang="en-US" sz="1600"/>
+          </a:p>
+        </c:rich>
+      </c:tx>
+      <c:layout/>
+      <c:overlay val="0"/>
+      <c:spPr>
+        <a:noFill/>
+        <a:ln>
+          <a:noFill/>
+        </a:ln>
+        <a:effectLst/>
+      </c:spPr>
+      <c:txPr>
+        <a:bodyPr rot="0" spcFirstLastPara="1" vertOverflow="ellipsis" vert="horz" wrap="square" anchor="ctr" anchorCtr="1"/>
+        <a:lstStyle/>
+        <a:p>
+          <a:pPr>
+            <a:defRPr sz="1600" b="0" i="0" u="none" strike="noStrike" kern="1200" spc="0" baseline="0">
+              <a:solidFill>
+                <a:schemeClr val="tx1">
+                  <a:lumMod val="65000"/>
+                  <a:lumOff val="35000"/>
+                </a:schemeClr>
+              </a:solidFill>
+              <a:latin typeface="+mn-lt"/>
+              <a:ea typeface="+mn-ea"/>
+              <a:cs typeface="+mn-cs"/>
+            </a:defRPr>
+          </a:pPr>
+          <a:endParaRPr lang="en-US"/>
+        </a:p>
+      </c:txPr>
+    </c:title>
+    <c:autoTitleDeleted val="0"/>
+    <c:plotArea>
+      <c:layout/>
+      <c:bubbleChart>
+        <c:varyColors val="0"/>
+        <c:ser>
+          <c:idx val="0"/>
+          <c:order val="0"/>
+          <c:tx>
+            <c:strRef>
+              <c:f>Sheet1!$B$2</c:f>
+              <c:strCache>
+                <c:ptCount val="1"/>
+                <c:pt idx="0">
+                  <c:v>FDM</c:v>
+                </c:pt>
+              </c:strCache>
+            </c:strRef>
+          </c:tx>
+          <c:spPr>
+            <a:noFill/>
+            <a:ln w="38100">
+              <a:solidFill>
+                <a:srgbClr val="00B0F0"/>
+              </a:solidFill>
+            </a:ln>
+            <a:effectLst/>
+          </c:spPr>
+          <c:invertIfNegative val="0"/>
+          <c:xVal>
+            <c:numRef>
+              <c:f>Sheet1!$G$2:$G$21</c:f>
+              <c:numCache>
+                <c:formatCode>#,##0</c:formatCode>
+                <c:ptCount val="20"/>
+                <c:pt idx="0">
+                  <c:v>10411.967999999997</c:v>
+                </c:pt>
+                <c:pt idx="1">
+                  <c:v>9812.8835999999974</c:v>
+                </c:pt>
+                <c:pt idx="2">
+                  <c:v>70553.949389535599</c:v>
+                </c:pt>
+                <c:pt idx="3">
+                  <c:v>19354.799999999996</c:v>
+                </c:pt>
+                <c:pt idx="4">
+                  <c:v>51103.123599999999</c:v>
+                </c:pt>
+                <c:pt idx="5">
+                  <c:v>19516.089999999997</c:v>
+                </c:pt>
+                <c:pt idx="6">
+                  <c:v>19516.089999999997</c:v>
+                </c:pt>
+                <c:pt idx="7">
+                  <c:v>14251.5844</c:v>
+                </c:pt>
+                <c:pt idx="8">
+                  <c:v>51612.799999999996</c:v>
+                </c:pt>
+                <c:pt idx="9">
+                  <c:v>38588.632499999992</c:v>
+                </c:pt>
+                <c:pt idx="10">
+                  <c:v>92903.039999999979</c:v>
+                </c:pt>
+                <c:pt idx="11">
+                  <c:v>81522.417599999986</c:v>
+                </c:pt>
+                <c:pt idx="12">
+                  <c:v>41290.239999999998</c:v>
+                </c:pt>
+                <c:pt idx="13">
+                  <c:v>41290.239999999998</c:v>
+                </c:pt>
+                <c:pt idx="14">
+                  <c:v>45774.101999999992</c:v>
+                </c:pt>
+                <c:pt idx="15">
+                  <c:v>41290.239999999998</c:v>
+                </c:pt>
+                <c:pt idx="16">
+                  <c:v>61249.877499999995</c:v>
+                </c:pt>
+                <c:pt idx="17">
+                  <c:v>61161.167999999991</c:v>
+                </c:pt>
+                <c:pt idx="18">
+                  <c:v>60967.619999999995</c:v>
+                </c:pt>
+                <c:pt idx="19">
+                  <c:v>59516.009999999987</c:v>
+                </c:pt>
+              </c:numCache>
+            </c:numRef>
+          </c:xVal>
+          <c:yVal>
+            <c:numRef>
+              <c:f>Sheet1!$C$2:$C$21</c:f>
+              <c:numCache>
+                <c:formatCode>_("$"* #,##0.00_);_("$"* \(#,##0.00\);_("$"* "-"??_);_(@_)</c:formatCode>
+                <c:ptCount val="20"/>
+                <c:pt idx="0">
+                  <c:v>2199</c:v>
+                </c:pt>
+                <c:pt idx="1">
+                  <c:v>399</c:v>
+                </c:pt>
+                <c:pt idx="2">
+                  <c:v>900</c:v>
+                </c:pt>
+                <c:pt idx="3">
+                  <c:v>799</c:v>
+                </c:pt>
+                <c:pt idx="4">
+                  <c:v>2565</c:v>
+                </c:pt>
+                <c:pt idx="5">
+                  <c:v>1649</c:v>
+                </c:pt>
+                <c:pt idx="6">
+                  <c:v>1299</c:v>
+                </c:pt>
+                <c:pt idx="7">
+                  <c:v>899</c:v>
+                </c:pt>
+                <c:pt idx="8">
+                  <c:v>1949</c:v>
+                </c:pt>
+                <c:pt idx="9">
+                  <c:v>1549</c:v>
+                </c:pt>
+                <c:pt idx="10">
+                  <c:v>2295</c:v>
+                </c:pt>
+                <c:pt idx="11">
+                  <c:v>2195</c:v>
+                </c:pt>
+                <c:pt idx="12">
+                  <c:v>1299</c:v>
+                </c:pt>
+                <c:pt idx="13">
+                  <c:v>999</c:v>
+                </c:pt>
+                <c:pt idx="14">
+                  <c:v>1688</c:v>
+                </c:pt>
+                <c:pt idx="15">
+                  <c:v>799</c:v>
+                </c:pt>
+                <c:pt idx="16">
+                  <c:v>2195</c:v>
+                </c:pt>
+                <c:pt idx="17">
+                  <c:v>2399</c:v>
+                </c:pt>
+                <c:pt idx="18">
+                  <c:v>2500</c:v>
+                </c:pt>
+                <c:pt idx="19">
+                  <c:v>1399</c:v>
+                </c:pt>
+              </c:numCache>
+            </c:numRef>
+          </c:yVal>
+          <c:bubbleSize>
+            <c:numRef>
+              <c:f>Sheet1!$H$2:$H$21</c:f>
+              <c:numCache>
+                <c:formatCode>#,##0</c:formatCode>
+                <c:ptCount val="20"/>
+                <c:pt idx="0">
+                  <c:v>1613230.3219199993</c:v>
+                </c:pt>
+                <c:pt idx="1">
+                  <c:v>972064.24941599963</c:v>
+                </c:pt>
+                <c:pt idx="2">
+                  <c:v>12544492.201459428</c:v>
+                </c:pt>
+                <c:pt idx="3">
+                  <c:v>2458059.5999999996</c:v>
+                </c:pt>
+                <c:pt idx="4">
+                  <c:v>10513956.649463998</c:v>
+                </c:pt>
+                <c:pt idx="5">
+                  <c:v>2602470.6014999994</c:v>
+                </c:pt>
+                <c:pt idx="6">
+                  <c:v>2726397.7729999991</c:v>
+                </c:pt>
+                <c:pt idx="7">
+                  <c:v>1701354.145672</c:v>
+                </c:pt>
+                <c:pt idx="8">
+                  <c:v>12126427.359999998</c:v>
+                </c:pt>
+                <c:pt idx="9">
+                  <c:v>8821361.3894999977</c:v>
+                </c:pt>
+                <c:pt idx="10">
+                  <c:v>28316846.591999989</c:v>
+                </c:pt>
+                <c:pt idx="11">
+                  <c:v>20292560.188991997</c:v>
+                </c:pt>
+                <c:pt idx="12">
+                  <c:v>8390176.7679999992</c:v>
+                </c:pt>
+                <c:pt idx="13">
+                  <c:v>8390176.7679999992</c:v>
+                </c:pt>
+                <c:pt idx="14">
+                  <c:v>8022369.1165199978</c:v>
+                </c:pt>
+                <c:pt idx="15">
+                  <c:v>8390176.7679999992</c:v>
+                </c:pt>
+                <c:pt idx="16">
+                  <c:v>13612785.274374999</c:v>
+                </c:pt>
+                <c:pt idx="17">
+                  <c:v>10874455.670399997</c:v>
+                </c:pt>
+                <c:pt idx="18">
+                  <c:v>12078904.874399997</c:v>
+                </c:pt>
+                <c:pt idx="19">
+                  <c:v>11715726.568499997</c:v>
+                </c:pt>
+              </c:numCache>
+            </c:numRef>
+          </c:bubbleSize>
+          <c:bubble3D val="0"/>
+        </c:ser>
+        <c:ser>
+          <c:idx val="1"/>
+          <c:order val="1"/>
+          <c:tx>
+            <c:strRef>
+              <c:f>Sheet1!$B$22</c:f>
+              <c:strCache>
+                <c:ptCount val="1"/>
+                <c:pt idx="0">
+                  <c:v>PAM</c:v>
+                </c:pt>
+              </c:strCache>
+            </c:strRef>
+          </c:tx>
+          <c:spPr>
+            <a:noFill/>
+            <a:ln w="38100">
+              <a:solidFill>
+                <a:srgbClr val="00B050"/>
+              </a:solidFill>
+            </a:ln>
+            <a:effectLst/>
+          </c:spPr>
+          <c:invertIfNegative val="0"/>
+          <c:xVal>
+            <c:numRef>
+              <c:f>(Sheet1!$G$22,Sheet1!$G$24,Sheet1!$G$25,Sheet1!$G$26,Sheet1!$G$27)</c:f>
+              <c:numCache>
+                <c:formatCode>#,##0</c:formatCode>
+                <c:ptCount val="5"/>
+                <c:pt idx="0">
+                  <c:v>7741.9199999999983</c:v>
+                </c:pt>
+                <c:pt idx="1">
+                  <c:v>15490.291600000002</c:v>
+                </c:pt>
+                <c:pt idx="2">
+                  <c:v>1161</c:v>
+                </c:pt>
+                <c:pt idx="3">
+                  <c:v>2880</c:v>
+                </c:pt>
+                <c:pt idx="4">
+                  <c:v>4554</c:v>
+                </c:pt>
+              </c:numCache>
+            </c:numRef>
+          </c:xVal>
+          <c:yVal>
+            <c:numRef>
+              <c:f>(Sheet1!$C$22,Sheet1!$C$24,Sheet1!$C$25,Sheet1!$C$26,Sheet1!$C$27)</c:f>
+              <c:numCache>
+                <c:formatCode>_("$"* #,##0.00_);_("$"* \(#,##0.00\);_("$"* "-"??_);_(@_)</c:formatCode>
+                <c:ptCount val="5"/>
+                <c:pt idx="0">
+                  <c:v>3375</c:v>
+                </c:pt>
+                <c:pt idx="1">
+                  <c:v>3299</c:v>
+                </c:pt>
+                <c:pt idx="2">
+                  <c:v>1999</c:v>
+                </c:pt>
+                <c:pt idx="3">
+                  <c:v>499</c:v>
+                </c:pt>
+                <c:pt idx="4">
+                  <c:v>399</c:v>
+                </c:pt>
+              </c:numCache>
+            </c:numRef>
+          </c:yVal>
+          <c:bubbleSize>
+            <c:numRef>
+              <c:f>(Sheet1!$H$22,Sheet1!$H$24,Sheet1!$H$25,Sheet1!$H$26,Sheet1!$H$27)</c:f>
+              <c:numCache>
+                <c:formatCode>#,##0</c:formatCode>
+                <c:ptCount val="5"/>
+                <c:pt idx="0">
+                  <c:v>1597738.7399999995</c:v>
+                </c:pt>
+                <c:pt idx="1">
+                  <c:v>2557447.1431600004</c:v>
+                </c:pt>
+                <c:pt idx="2">
+                  <c:v>208980</c:v>
+                </c:pt>
+                <c:pt idx="3">
+                  <c:v>288000</c:v>
+                </c:pt>
+                <c:pt idx="4">
+                  <c:v>694160</c:v>
+                </c:pt>
+              </c:numCache>
+            </c:numRef>
+          </c:bubbleSize>
+          <c:bubble3D val="0"/>
+        </c:ser>
+        <c:ser>
+          <c:idx val="2"/>
+          <c:order val="2"/>
+          <c:tx>
+            <c:strRef>
+              <c:f>Sheet1!$A$23</c:f>
+              <c:strCache>
+                <c:ptCount val="1"/>
+                <c:pt idx="0">
+                  <c:v>Project PAM</c:v>
+                </c:pt>
+              </c:strCache>
+            </c:strRef>
+          </c:tx>
+          <c:spPr>
+            <a:solidFill>
+              <a:schemeClr val="accent4"/>
+            </a:solidFill>
+            <a:ln w="25400">
+              <a:solidFill>
+                <a:schemeClr val="accent4"/>
+              </a:solidFill>
+            </a:ln>
+            <a:effectLst/>
+          </c:spPr>
+          <c:invertIfNegative val="0"/>
+          <c:xVal>
+            <c:numRef>
+              <c:f>Sheet1!$G$23</c:f>
+              <c:numCache>
+                <c:formatCode>#,##0</c:formatCode>
+                <c:ptCount val="1"/>
+                <c:pt idx="0">
+                  <c:v>41472</c:v>
+                </c:pt>
+              </c:numCache>
+            </c:numRef>
+          </c:xVal>
+          <c:yVal>
+            <c:numRef>
+              <c:f>Sheet1!$C$23</c:f>
+              <c:numCache>
+                <c:formatCode>_("$"* #,##0.00_);_("$"* \(#,##0.00\);_("$"* "-"??_);_(@_)</c:formatCode>
+                <c:ptCount val="1"/>
+                <c:pt idx="0">
+                  <c:v>1000</c:v>
+                </c:pt>
+              </c:numCache>
+            </c:numRef>
+          </c:yVal>
+          <c:bubbleSize>
+            <c:numRef>
+              <c:f>Sheet1!$H$23</c:f>
+              <c:numCache>
+                <c:formatCode>#,##0</c:formatCode>
+                <c:ptCount val="1"/>
+                <c:pt idx="0">
+                  <c:v>8957952</c:v>
+                </c:pt>
+              </c:numCache>
+            </c:numRef>
+          </c:bubbleSize>
+          <c:bubble3D val="0"/>
+        </c:ser>
+        <c:dLbls>
+          <c:showLegendKey val="0"/>
+          <c:showVal val="0"/>
+          <c:showCatName val="0"/>
+          <c:showSerName val="0"/>
+          <c:showPercent val="0"/>
+          <c:showBubbleSize val="0"/>
+        </c:dLbls>
+        <c:bubbleScale val="100"/>
+        <c:showNegBubbles val="0"/>
+        <c:axId val="296971152"/>
+        <c:axId val="296962992"/>
+      </c:bubbleChart>
+      <c:valAx>
+        <c:axId val="296971152"/>
+        <c:scaling>
+          <c:orientation val="minMax"/>
+          <c:min val="0"/>
+        </c:scaling>
+        <c:delete val="0"/>
+        <c:axPos val="b"/>
+        <c:majorGridlines>
+          <c:spPr>
+            <a:ln w="9525" cap="flat" cmpd="sng" algn="ctr">
+              <a:solidFill>
+                <a:schemeClr val="tx1">
+                  <a:lumMod val="15000"/>
+                  <a:lumOff val="85000"/>
+                </a:schemeClr>
+              </a:solidFill>
+              <a:round/>
+            </a:ln>
+            <a:effectLst/>
+          </c:spPr>
+        </c:majorGridlines>
+        <c:title>
+          <c:tx>
+            <c:rich>
+              <a:bodyPr rot="0" spcFirstLastPara="1" vertOverflow="ellipsis" vert="horz" wrap="square" anchor="ctr" anchorCtr="1"/>
+              <a:lstStyle/>
+              <a:p>
+                <a:pPr>
+                  <a:defRPr sz="1600" b="0" i="0" u="none" strike="noStrike" kern="1200" baseline="0">
+                    <a:solidFill>
+                      <a:schemeClr val="tx1">
+                        <a:lumMod val="65000"/>
+                        <a:lumOff val="35000"/>
+                      </a:schemeClr>
+                    </a:solidFill>
+                    <a:latin typeface="+mn-lt"/>
+                    <a:ea typeface="+mn-ea"/>
+                    <a:cs typeface="+mn-cs"/>
+                  </a:defRPr>
+                </a:pPr>
+                <a:r>
+                  <a:rPr lang="en-US" sz="1600"/>
+                  <a:t>Build Area (mm</a:t>
+                </a:r>
+                <a:r>
+                  <a:rPr lang="en-US" sz="1600" baseline="30000"/>
+                  <a:t>2</a:t>
+                </a:r>
+                <a:r>
+                  <a:rPr lang="en-US" sz="1600"/>
+                  <a:t>)</a:t>
+                </a:r>
+              </a:p>
+            </c:rich>
+          </c:tx>
+          <c:layout/>
+          <c:overlay val="0"/>
+          <c:spPr>
+            <a:noFill/>
+            <a:ln>
+              <a:noFill/>
+            </a:ln>
+            <a:effectLst/>
+          </c:spPr>
+          <c:txPr>
+            <a:bodyPr rot="0" spcFirstLastPara="1" vertOverflow="ellipsis" vert="horz" wrap="square" anchor="ctr" anchorCtr="1"/>
+            <a:lstStyle/>
+            <a:p>
+              <a:pPr>
+                <a:defRPr sz="1600" b="0" i="0" u="none" strike="noStrike" kern="1200" baseline="0">
+                  <a:solidFill>
+                    <a:schemeClr val="tx1">
+                      <a:lumMod val="65000"/>
+                      <a:lumOff val="35000"/>
+                    </a:schemeClr>
+                  </a:solidFill>
+                  <a:latin typeface="+mn-lt"/>
+                  <a:ea typeface="+mn-ea"/>
+                  <a:cs typeface="+mn-cs"/>
+                </a:defRPr>
+              </a:pPr>
+              <a:endParaRPr lang="en-US"/>
+            </a:p>
+          </c:txPr>
+        </c:title>
+        <c:numFmt formatCode="#,##0" sourceLinked="1"/>
+        <c:majorTickMark val="none"/>
+        <c:minorTickMark val="none"/>
+        <c:tickLblPos val="nextTo"/>
+        <c:spPr>
+          <a:noFill/>
+          <a:ln>
+            <a:solidFill>
+              <a:schemeClr val="bg1">
+                <a:lumMod val="65000"/>
+              </a:schemeClr>
+            </a:solidFill>
+          </a:ln>
+          <a:effectLst/>
+        </c:spPr>
+        <c:txPr>
+          <a:bodyPr rot="-60000000" spcFirstLastPara="1" vertOverflow="ellipsis" vert="horz" wrap="square" anchor="ctr" anchorCtr="1"/>
+          <a:lstStyle/>
+          <a:p>
+            <a:pPr>
+              <a:defRPr sz="1600" b="0" i="0" u="none" strike="noStrike" kern="1200" baseline="0">
+                <a:solidFill>
+                  <a:schemeClr val="tx1">
+                    <a:lumMod val="65000"/>
+                    <a:lumOff val="35000"/>
+                  </a:schemeClr>
+                </a:solidFill>
+                <a:latin typeface="+mn-lt"/>
+                <a:ea typeface="+mn-ea"/>
+                <a:cs typeface="+mn-cs"/>
+              </a:defRPr>
+            </a:pPr>
+            <a:endParaRPr lang="en-US"/>
+          </a:p>
+        </c:txPr>
+        <c:crossAx val="296962992"/>
+        <c:crosses val="autoZero"/>
+        <c:crossBetween val="midCat"/>
+      </c:valAx>
+      <c:valAx>
+        <c:axId val="296962992"/>
+        <c:scaling>
+          <c:orientation val="minMax"/>
+          <c:max val="3500"/>
+          <c:min val="0"/>
+        </c:scaling>
+        <c:delete val="0"/>
+        <c:axPos val="l"/>
+        <c:majorGridlines>
+          <c:spPr>
+            <a:ln w="9525" cap="flat" cmpd="sng" algn="ctr">
+              <a:solidFill>
+                <a:schemeClr val="tx1">
+                  <a:lumMod val="15000"/>
+                  <a:lumOff val="85000"/>
+                </a:schemeClr>
+              </a:solidFill>
+              <a:round/>
+            </a:ln>
+            <a:effectLst/>
+          </c:spPr>
+        </c:majorGridlines>
+        <c:title>
+          <c:tx>
+            <c:rich>
+              <a:bodyPr rot="-5400000" spcFirstLastPara="1" vertOverflow="ellipsis" vert="horz" wrap="square" anchor="ctr" anchorCtr="1"/>
+              <a:lstStyle/>
+              <a:p>
+                <a:pPr>
+                  <a:defRPr sz="1600" b="0" i="0" u="none" strike="noStrike" kern="1200" baseline="0">
+                    <a:solidFill>
+                      <a:schemeClr val="tx1">
+                        <a:lumMod val="65000"/>
+                        <a:lumOff val="35000"/>
+                      </a:schemeClr>
+                    </a:solidFill>
+                    <a:latin typeface="+mn-lt"/>
+                    <a:ea typeface="+mn-ea"/>
+                    <a:cs typeface="+mn-cs"/>
+                  </a:defRPr>
+                </a:pPr>
+                <a:r>
+                  <a:rPr lang="en-US" sz="1600"/>
+                  <a:t>Cost</a:t>
+                </a:r>
+                <a:r>
+                  <a:rPr lang="en-US" sz="1600" baseline="0"/>
+                  <a:t> ($)</a:t>
+                </a:r>
+                <a:endParaRPr lang="en-US" sz="1600"/>
+              </a:p>
+            </c:rich>
+          </c:tx>
+          <c:layout/>
+          <c:overlay val="0"/>
+          <c:spPr>
+            <a:noFill/>
+            <a:ln>
+              <a:noFill/>
+            </a:ln>
+            <a:effectLst/>
+          </c:spPr>
+          <c:txPr>
+            <a:bodyPr rot="-5400000" spcFirstLastPara="1" vertOverflow="ellipsis" vert="horz" wrap="square" anchor="ctr" anchorCtr="1"/>
+            <a:lstStyle/>
+            <a:p>
+              <a:pPr>
+                <a:defRPr sz="1600" b="0" i="0" u="none" strike="noStrike" kern="1200" baseline="0">
+                  <a:solidFill>
+                    <a:schemeClr val="tx1">
+                      <a:lumMod val="65000"/>
+                      <a:lumOff val="35000"/>
+                    </a:schemeClr>
+                  </a:solidFill>
+                  <a:latin typeface="+mn-lt"/>
+                  <a:ea typeface="+mn-ea"/>
+                  <a:cs typeface="+mn-cs"/>
+                </a:defRPr>
+              </a:pPr>
+              <a:endParaRPr lang="en-US"/>
+            </a:p>
+          </c:txPr>
+        </c:title>
+        <c:numFmt formatCode="_(&quot;$&quot;* #,##0_);_(&quot;$&quot;* \(#,##0\);_(&quot;$&quot;* &quot;-&quot;_);_(@_)" sourceLinked="0"/>
+        <c:majorTickMark val="none"/>
+        <c:minorTickMark val="none"/>
+        <c:tickLblPos val="nextTo"/>
+        <c:spPr>
+          <a:noFill/>
+          <a:ln>
+            <a:solidFill>
+              <a:schemeClr val="bg1">
+                <a:lumMod val="65000"/>
+              </a:schemeClr>
+            </a:solidFill>
+          </a:ln>
+          <a:effectLst/>
+        </c:spPr>
+        <c:txPr>
+          <a:bodyPr rot="-60000000" spcFirstLastPara="1" vertOverflow="ellipsis" vert="horz" wrap="square" anchor="ctr" anchorCtr="1"/>
+          <a:lstStyle/>
+          <a:p>
+            <a:pPr>
+              <a:defRPr sz="1600" b="0" i="0" u="none" strike="noStrike" kern="1200" baseline="0">
+                <a:solidFill>
+                  <a:schemeClr val="tx1">
+                    <a:lumMod val="65000"/>
+                    <a:lumOff val="35000"/>
+                  </a:schemeClr>
+                </a:solidFill>
+                <a:latin typeface="+mn-lt"/>
+                <a:ea typeface="+mn-ea"/>
+                <a:cs typeface="+mn-cs"/>
+              </a:defRPr>
+            </a:pPr>
+            <a:endParaRPr lang="en-US"/>
+          </a:p>
+        </c:txPr>
+        <c:crossAx val="296971152"/>
+        <c:crosses val="autoZero"/>
+        <c:crossBetween val="midCat"/>
+      </c:valAx>
+      <c:spPr>
+        <a:noFill/>
+        <a:ln>
+          <a:noFill/>
+        </a:ln>
+        <a:effectLst/>
+      </c:spPr>
+    </c:plotArea>
+    <c:legend>
+      <c:legendPos val="r"/>
+      <c:layout>
+        <c:manualLayout>
+          <c:xMode val="edge"/>
+          <c:yMode val="edge"/>
+          <c:x val="0.80156184031668198"/>
+          <c:y val="0.10487643491113739"/>
+          <c:w val="0.19843815968331802"/>
+          <c:h val="0.15200665107292949"/>
+        </c:manualLayout>
+      </c:layout>
+      <c:overlay val="1"/>
+      <c:spPr>
+        <a:noFill/>
+        <a:ln>
+          <a:noFill/>
+        </a:ln>
+        <a:effectLst/>
+      </c:spPr>
+      <c:txPr>
+        <a:bodyPr rot="0" spcFirstLastPara="1" vertOverflow="ellipsis" vert="horz" wrap="square" anchor="ctr" anchorCtr="1"/>
+        <a:lstStyle/>
+        <a:p>
+          <a:pPr>
+            <a:defRPr sz="1600" b="0" i="0" u="none" strike="noStrike" kern="1200" baseline="0">
+              <a:solidFill>
+                <a:schemeClr val="tx1">
+                  <a:lumMod val="65000"/>
+                  <a:lumOff val="35000"/>
+                </a:schemeClr>
+              </a:solidFill>
+              <a:latin typeface="+mn-lt"/>
+              <a:ea typeface="+mn-ea"/>
+              <a:cs typeface="+mn-cs"/>
+            </a:defRPr>
+          </a:pPr>
+          <a:endParaRPr lang="en-US"/>
+        </a:p>
+      </c:txPr>
+    </c:legend>
+    <c:plotVisOnly val="1"/>
+    <c:dispBlanksAs val="gap"/>
+    <c:showDLblsOverMax val="0"/>
+  </c:chart>
+  <c:spPr>
+    <a:noFill/>
+    <a:ln>
+      <a:noFill/>
+    </a:ln>
+    <a:effectLst/>
+  </c:spPr>
+  <c:txPr>
+    <a:bodyPr/>
+    <a:lstStyle/>
+    <a:p>
+      <a:pPr>
+        <a:defRPr/>
+      </a:pPr>
+      <a:endParaRPr lang="en-US"/>
+    </a:p>
+  </c:txPr>
+  <c:externalData r:id="rId3">
+    <c:autoUpdate val="0"/>
+  </c:externalData>
+  <c:userShapes r:id="rId4"/>
+</c:chartSpace>
+</file>
+
+<file path=ppt/charts/colors1.xml><?xml version="1.0" encoding="utf-8"?>
+<cs:colorStyle xmlns:cs="http://schemas.microsoft.com/office/drawing/2012/chartStyle" xmlns:a="http://schemas.openxmlformats.org/drawingml/2006/main" meth="cycle" id="10">
+  <a:schemeClr val="accent1"/>
+  <a:schemeClr val="accent2"/>
+  <a:schemeClr val="accent3"/>
+  <a:schemeClr val="accent4"/>
+  <a:schemeClr val="accent5"/>
+  <a:schemeClr val="accent6"/>
+  <cs:variation/>
+  <cs:variation>
+    <a:lumMod val="60000"/>
+  </cs:variation>
+  <cs:variation>
+    <a:lumMod val="80000"/>
+    <a:lumOff val="20000"/>
+  </cs:variation>
+  <cs:variation>
+    <a:lumMod val="80000"/>
+  </cs:variation>
+  <cs:variation>
+    <a:lumMod val="60000"/>
+    <a:lumOff val="40000"/>
+  </cs:variation>
+  <cs:variation>
+    <a:lumMod val="50000"/>
+  </cs:variation>
+  <cs:variation>
+    <a:lumMod val="70000"/>
+    <a:lumOff val="30000"/>
+  </cs:variation>
+  <cs:variation>
+    <a:lumMod val="70000"/>
+  </cs:variation>
+  <cs:variation>
+    <a:lumMod val="50000"/>
+    <a:lumOff val="50000"/>
+  </cs:variation>
+</cs:colorStyle>
+</file>
+
+<file path=ppt/charts/style1.xml><?xml version="1.0" encoding="utf-8"?>
+<cs:chartStyle xmlns:cs="http://schemas.microsoft.com/office/drawing/2012/chartStyle" xmlns:a="http://schemas.openxmlformats.org/drawingml/2006/main" id="201">
+  <cs:axisTitle>
+    <cs:lnRef idx="0"/>
+    <cs:fillRef idx="0"/>
+    <cs:effectRef idx="0"/>
+    <cs:fontRef idx="minor">
+      <a:schemeClr val="tx1">
+        <a:lumMod val="65000"/>
+        <a:lumOff val="35000"/>
+      </a:schemeClr>
+    </cs:fontRef>
+    <cs:defRPr sz="1000" kern="1200"/>
+  </cs:axisTitle>
+  <cs:categoryAxis>
+    <cs:lnRef idx="0"/>
+    <cs:fillRef idx="0"/>
+    <cs:effectRef idx="0"/>
+    <cs:fontRef idx="minor">
+      <a:schemeClr val="tx1">
+        <a:lumMod val="65000"/>
+        <a:lumOff val="35000"/>
+      </a:schemeClr>
+    </cs:fontRef>
+    <cs:spPr>
+      <a:ln w="9525" cap="flat" cmpd="sng" algn="ctr">
+        <a:solidFill>
+          <a:schemeClr val="tx1">
+            <a:lumMod val="15000"/>
+            <a:lumOff val="85000"/>
+          </a:schemeClr>
+        </a:solidFill>
+        <a:round/>
+      </a:ln>
+    </cs:spPr>
+    <cs:defRPr sz="900" kern="1200"/>
+  </cs:categoryAxis>
+  <cs:chartArea mods="allowNoFillOverride allowNoLineOverride">
+    <cs:lnRef idx="0"/>
+    <cs:fillRef idx="0"/>
+    <cs:effectRef idx="0"/>
+    <cs:fontRef idx="minor">
+      <a:schemeClr val="tx1"/>
+    </cs:fontRef>
+    <cs:spPr>
+      <a:solidFill>
+        <a:schemeClr val="bg1"/>
+      </a:solidFill>
+      <a:ln w="9525" cap="flat" cmpd="sng" algn="ctr">
+        <a:solidFill>
+          <a:schemeClr val="tx1">
+            <a:lumMod val="15000"/>
+            <a:lumOff val="85000"/>
+          </a:schemeClr>
+        </a:solidFill>
+        <a:round/>
+      </a:ln>
+    </cs:spPr>
+    <cs:defRPr sz="1000" kern="1200"/>
+  </cs:chartArea>
+  <cs:dataLabel>
+    <cs:lnRef idx="0"/>
+    <cs:fillRef idx="0"/>
+    <cs:effectRef idx="0"/>
+    <cs:fontRef idx="minor">
+      <a:schemeClr val="tx1">
+        <a:lumMod val="75000"/>
+        <a:lumOff val="25000"/>
+      </a:schemeClr>
+    </cs:fontRef>
+    <cs:defRPr sz="900" kern="1200"/>
+  </cs:dataLabel>
+  <cs:dataLabelCallout>
+    <cs:lnRef idx="0"/>
+    <cs:fillRef idx="0"/>
+    <cs:effectRef idx="0"/>
+    <cs:fontRef idx="minor">
+      <a:schemeClr val="dk1">
+        <a:lumMod val="65000"/>
+        <a:lumOff val="35000"/>
+      </a:schemeClr>
+    </cs:fontRef>
+    <cs:spPr>
+      <a:solidFill>
+        <a:schemeClr val="lt1"/>
+      </a:solidFill>
+      <a:ln>
+        <a:solidFill>
+          <a:schemeClr val="dk1">
+            <a:lumMod val="25000"/>
+            <a:lumOff val="75000"/>
+          </a:schemeClr>
+        </a:solidFill>
+      </a:ln>
+    </cs:spPr>
+    <cs:defRPr sz="900" kern="1200"/>
+    <cs:bodyPr rot="0" spcFirstLastPara="1" vertOverflow="clip" horzOverflow="clip" vert="horz" wrap="square" lIns="36576" tIns="18288" rIns="36576" bIns="18288" anchor="ctr" anchorCtr="1">
+      <a:spAutoFit/>
+    </cs:bodyPr>
+  </cs:dataLabelCallout>
+  <cs:dataPoint>
+    <cs:lnRef idx="0"/>
+    <cs:fillRef idx="1">
+      <cs:styleClr val="auto"/>
+    </cs:fillRef>
+    <cs:effectRef idx="0"/>
+    <cs:fontRef idx="minor">
+      <a:schemeClr val="tx1"/>
+    </cs:fontRef>
+  </cs:dataPoint>
+  <cs:dataPoint3D>
+    <cs:lnRef idx="0"/>
+    <cs:fillRef idx="1">
+      <cs:styleClr val="auto"/>
+    </cs:fillRef>
+    <cs:effectRef idx="0"/>
+    <cs:fontRef idx="minor">
+      <a:schemeClr val="tx1"/>
+    </cs:fontRef>
+  </cs:dataPoint3D>
+  <cs:dataPointLine>
+    <cs:lnRef idx="0">
+      <cs:styleClr val="auto"/>
+    </cs:lnRef>
+    <cs:fillRef idx="1"/>
+    <cs:effectRef idx="0"/>
+    <cs:fontRef idx="minor">
+      <a:schemeClr val="tx1"/>
+    </cs:fontRef>
+    <cs:spPr>
+      <a:ln w="28575" cap="rnd">
+        <a:solidFill>
+          <a:schemeClr val="phClr"/>
+        </a:solidFill>
+        <a:round/>
+      </a:ln>
+    </cs:spPr>
+  </cs:dataPointLine>
+  <cs:dataPointMarker>
+    <cs:lnRef idx="0">
+      <cs:styleClr val="auto"/>
+    </cs:lnRef>
+    <cs:fillRef idx="1">
+      <cs:styleClr val="auto"/>
+    </cs:fillRef>
+    <cs:effectRef idx="0"/>
+    <cs:fontRef idx="minor">
+      <a:schemeClr val="tx1"/>
+    </cs:fontRef>
+    <cs:spPr>
+      <a:ln w="9525">
+        <a:solidFill>
+          <a:schemeClr val="phClr"/>
+        </a:solidFill>
+      </a:ln>
+    </cs:spPr>
+  </cs:dataPointMarker>
+  <cs:dataPointMarkerLayout symbol="circle" size="5"/>
+  <cs:dataPointWireframe>
+    <cs:lnRef idx="0">
+      <cs:styleClr val="auto"/>
+    </cs:lnRef>
+    <cs:fillRef idx="1"/>
+    <cs:effectRef idx="0"/>
+    <cs:fontRef idx="minor">
+      <a:schemeClr val="tx1"/>
+    </cs:fontRef>
+    <cs:spPr>
+      <a:ln w="9525" cap="rnd">
+        <a:solidFill>
+          <a:schemeClr val="phClr"/>
+        </a:solidFill>
+        <a:round/>
+      </a:ln>
+    </cs:spPr>
+  </cs:dataPointWireframe>
+  <cs:dataTable>
+    <cs:lnRef idx="0"/>
+    <cs:fillRef idx="0"/>
+    <cs:effectRef idx="0"/>
+    <cs:fontRef idx="minor">
+      <a:schemeClr val="tx1">
+        <a:lumMod val="65000"/>
+        <a:lumOff val="35000"/>
+      </a:schemeClr>
+    </cs:fontRef>
+    <cs:spPr>
+      <a:noFill/>
+      <a:ln w="9525" cap="flat" cmpd="sng" algn="ctr">
+        <a:solidFill>
+          <a:schemeClr val="tx1">
+            <a:lumMod val="15000"/>
+            <a:lumOff val="85000"/>
+          </a:schemeClr>
+        </a:solidFill>
+        <a:round/>
+      </a:ln>
+    </cs:spPr>
+    <cs:defRPr sz="900" kern="1200"/>
+  </cs:dataTable>
+  <cs:downBar>
+    <cs:lnRef idx="0"/>
+    <cs:fillRef idx="0"/>
+    <cs:effectRef idx="0"/>
+    <cs:fontRef idx="minor">
+      <a:schemeClr val="dk1"/>
+    </cs:fontRef>
+    <cs:spPr>
+      <a:solidFill>
+        <a:schemeClr val="dk1">
+          <a:lumMod val="65000"/>
+          <a:lumOff val="35000"/>
+        </a:schemeClr>
+      </a:solidFill>
+      <a:ln w="9525">
+        <a:solidFill>
+          <a:schemeClr val="tx1">
+            <a:lumMod val="65000"/>
+            <a:lumOff val="35000"/>
+          </a:schemeClr>
+        </a:solidFill>
+      </a:ln>
+    </cs:spPr>
+  </cs:downBar>
+  <cs:dropLine>
+    <cs:lnRef idx="0"/>
+    <cs:fillRef idx="0"/>
+    <cs:effectRef idx="0"/>
+    <cs:fontRef idx="minor">
+      <a:schemeClr val="tx1"/>
+    </cs:fontRef>
+    <cs:spPr>
+      <a:ln w="9525" cap="flat" cmpd="sng" algn="ctr">
+        <a:solidFill>
+          <a:schemeClr val="tx1">
+            <a:lumMod val="35000"/>
+            <a:lumOff val="65000"/>
+          </a:schemeClr>
+        </a:solidFill>
+        <a:round/>
+      </a:ln>
+    </cs:spPr>
+  </cs:dropLine>
+  <cs:errorBar>
+    <cs:lnRef idx="0"/>
+    <cs:fillRef idx="0"/>
+    <cs:effectRef idx="0"/>
+    <cs:fontRef idx="minor">
+      <a:schemeClr val="tx1"/>
+    </cs:fontRef>
+    <cs:spPr>
+      <a:ln w="9525" cap="flat" cmpd="sng" algn="ctr">
+        <a:solidFill>
+          <a:schemeClr val="tx1">
+            <a:lumMod val="65000"/>
+            <a:lumOff val="35000"/>
+          </a:schemeClr>
+        </a:solidFill>
+        <a:round/>
+      </a:ln>
+    </cs:spPr>
+  </cs:errorBar>
+  <cs:floor>
+    <cs:lnRef idx="0"/>
+    <cs:fillRef idx="0"/>
+    <cs:effectRef idx="0"/>
+    <cs:fontRef idx="minor">
+      <a:schemeClr val="tx1"/>
+    </cs:fontRef>
+    <cs:spPr>
+      <a:noFill/>
+      <a:ln>
+        <a:noFill/>
+      </a:ln>
+    </cs:spPr>
+  </cs:floor>
+  <cs:gridlineMajor>
+    <cs:lnRef idx="0"/>
+    <cs:fillRef idx="0"/>
+    <cs:effectRef idx="0"/>
+    <cs:fontRef idx="minor">
+      <a:schemeClr val="tx1"/>
+    </cs:fontRef>
+    <cs:spPr>
+      <a:ln w="9525" cap="flat" cmpd="sng" algn="ctr">
+        <a:solidFill>
+          <a:schemeClr val="tx1">
+            <a:lumMod val="15000"/>
+            <a:lumOff val="85000"/>
+          </a:schemeClr>
+        </a:solidFill>
+        <a:round/>
+      </a:ln>
+    </cs:spPr>
+  </cs:gridlineMajor>
+  <cs:gridlineMinor>
+    <cs:lnRef idx="0"/>
+    <cs:fillRef idx="0"/>
+    <cs:effectRef idx="0"/>
+    <cs:fontRef idx="minor">
+      <a:schemeClr val="tx1"/>
+    </cs:fontRef>
+    <cs:spPr>
+      <a:ln w="9525" cap="flat" cmpd="sng" algn="ctr">
+        <a:solidFill>
+          <a:schemeClr val="tx1">
+            <a:lumMod val="5000"/>
+            <a:lumOff val="95000"/>
+          </a:schemeClr>
+        </a:solidFill>
+        <a:round/>
+      </a:ln>
+    </cs:spPr>
+  </cs:gridlineMinor>
+  <cs:hiLoLine>
+    <cs:lnRef idx="0"/>
+    <cs:fillRef idx="0"/>
+    <cs:effectRef idx="0"/>
+    <cs:fontRef idx="minor">
+      <a:schemeClr val="tx1"/>
+    </cs:fontRef>
+    <cs:spPr>
+      <a:ln w="9525" cap="flat" cmpd="sng" algn="ctr">
+        <a:solidFill>
+          <a:schemeClr val="tx1">
+            <a:lumMod val="75000"/>
+            <a:lumOff val="25000"/>
+          </a:schemeClr>
+        </a:solidFill>
+        <a:round/>
+      </a:ln>
+    </cs:spPr>
+  </cs:hiLoLine>
+  <cs:leaderLine>
+    <cs:lnRef idx="0"/>
+    <cs:fillRef idx="0"/>
+    <cs:effectRef idx="0"/>
+    <cs:fontRef idx="minor">
+      <a:schemeClr val="tx1"/>
+    </cs:fontRef>
+    <cs:spPr>
+      <a:ln w="9525" cap="flat" cmpd="sng" algn="ctr">
+        <a:solidFill>
+          <a:schemeClr val="tx1">
+            <a:lumMod val="35000"/>
+            <a:lumOff val="65000"/>
+          </a:schemeClr>
+        </a:solidFill>
+        <a:round/>
+      </a:ln>
+    </cs:spPr>
+  </cs:leaderLine>
+  <cs:legend>
+    <cs:lnRef idx="0"/>
+    <cs:fillRef idx="0"/>
+    <cs:effectRef idx="0"/>
+    <cs:fontRef idx="minor">
+      <a:schemeClr val="tx1">
+        <a:lumMod val="65000"/>
+        <a:lumOff val="35000"/>
+      </a:schemeClr>
+    </cs:fontRef>
+    <cs:defRPr sz="900" kern="1200"/>
+  </cs:legend>
+  <cs:plotArea mods="allowNoFillOverride allowNoLineOverride">
+    <cs:lnRef idx="0"/>
+    <cs:fillRef idx="0"/>
+    <cs:effectRef idx="0"/>
+    <cs:fontRef idx="minor">
+      <a:schemeClr val="tx1"/>
+    </cs:fontRef>
+  </cs:plotArea>
+  <cs:plotArea3D mods="allowNoFillOverride allowNoLineOverride">
+    <cs:lnRef idx="0"/>
+    <cs:fillRef idx="0"/>
+    <cs:effectRef idx="0"/>
+    <cs:fontRef idx="minor">
+      <a:schemeClr val="tx1"/>
+    </cs:fontRef>
+  </cs:plotArea3D>
+  <cs:seriesAxis>
+    <cs:lnRef idx="0"/>
+    <cs:fillRef idx="0"/>
+    <cs:effectRef idx="0"/>
+    <cs:fontRef idx="minor">
+      <a:schemeClr val="tx1">
+        <a:lumMod val="65000"/>
+        <a:lumOff val="35000"/>
+      </a:schemeClr>
+    </cs:fontRef>
+    <cs:defRPr sz="900" kern="1200"/>
+  </cs:seriesAxis>
+  <cs:seriesLine>
+    <cs:lnRef idx="0"/>
+    <cs:fillRef idx="0"/>
+    <cs:effectRef idx="0"/>
+    <cs:fontRef idx="minor">
+      <a:schemeClr val="tx1"/>
+    </cs:fontRef>
+    <cs:spPr>
+      <a:ln w="9525" cap="flat" cmpd="sng" algn="ctr">
+        <a:solidFill>
+          <a:schemeClr val="tx1">
+            <a:lumMod val="35000"/>
+            <a:lumOff val="65000"/>
+          </a:schemeClr>
+        </a:solidFill>
+        <a:round/>
+      </a:ln>
+    </cs:spPr>
+  </cs:seriesLine>
+  <cs:title>
+    <cs:lnRef idx="0"/>
+    <cs:fillRef idx="0"/>
+    <cs:effectRef idx="0"/>
+    <cs:fontRef idx="minor">
+      <a:schemeClr val="tx1">
+        <a:lumMod val="65000"/>
+        <a:lumOff val="35000"/>
+      </a:schemeClr>
+    </cs:fontRef>
+    <cs:defRPr sz="1400" b="0" kern="1200" spc="0" baseline="0"/>
+  </cs:title>
+  <cs:trendline>
+    <cs:lnRef idx="0">
+      <cs:styleClr val="auto"/>
+    </cs:lnRef>
+    <cs:fillRef idx="0"/>
+    <cs:effectRef idx="0"/>
+    <cs:fontRef idx="minor">
+      <a:schemeClr val="tx1"/>
+    </cs:fontRef>
+    <cs:spPr>
+      <a:ln w="19050" cap="rnd">
+        <a:solidFill>
+          <a:schemeClr val="phClr"/>
+        </a:solidFill>
+        <a:prstDash val="sysDot"/>
+      </a:ln>
+    </cs:spPr>
+  </cs:trendline>
+  <cs:trendlineLabel>
+    <cs:lnRef idx="0"/>
+    <cs:fillRef idx="0"/>
+    <cs:effectRef idx="0"/>
+    <cs:fontRef idx="minor">
+      <a:schemeClr val="tx1">
+        <a:lumMod val="65000"/>
+        <a:lumOff val="35000"/>
+      </a:schemeClr>
+    </cs:fontRef>
+    <cs:defRPr sz="900" kern="1200"/>
+  </cs:trendlineLabel>
+  <cs:upBar>
+    <cs:lnRef idx="0"/>
+    <cs:fillRef idx="0"/>
+    <cs:effectRef idx="0"/>
+    <cs:fontRef idx="minor">
+      <a:schemeClr val="dk1"/>
+    </cs:fontRef>
+    <cs:spPr>
+      <a:solidFill>
+        <a:schemeClr val="lt1"/>
+      </a:solidFill>
+      <a:ln w="9525">
+        <a:solidFill>
+          <a:schemeClr val="tx1">
+            <a:lumMod val="15000"/>
+            <a:lumOff val="85000"/>
+          </a:schemeClr>
+        </a:solidFill>
+      </a:ln>
+    </cs:spPr>
+  </cs:upBar>
+  <cs:valueAxis>
+    <cs:lnRef idx="0"/>
+    <cs:fillRef idx="0"/>
+    <cs:effectRef idx="0"/>
+    <cs:fontRef idx="minor">
+      <a:schemeClr val="tx1">
+        <a:lumMod val="65000"/>
+        <a:lumOff val="35000"/>
+      </a:schemeClr>
+    </cs:fontRef>
+    <cs:defRPr sz="900" kern="1200"/>
+  </cs:valueAxis>
+  <cs:wall>
+    <cs:lnRef idx="0"/>
+    <cs:fillRef idx="0"/>
+    <cs:effectRef idx="0"/>
+    <cs:fontRef idx="minor">
+      <a:schemeClr val="tx1"/>
+    </cs:fontRef>
+    <cs:spPr>
+      <a:noFill/>
+      <a:ln>
+        <a:noFill/>
+      </a:ln>
+    </cs:spPr>
+  </cs:wall>
+</cs:chartStyle>
+</file>
+
+<file path=ppt/drawings/drawing1.xml><?xml version="1.0" encoding="utf-8"?>
+<c:userShapes xmlns:c="http://schemas.openxmlformats.org/drawingml/2006/chart">
+  <cdr:relSizeAnchor xmlns:cdr="http://schemas.openxmlformats.org/drawingml/2006/chartDrawing">
+    <cdr:from>
+      <cdr:x>0.74789</cdr:x>
+      <cdr:y>0.62498</cdr:y>
+    </cdr:from>
+    <cdr:to>
+      <cdr:x>0.96318</cdr:x>
+      <cdr:y>0.83963</cdr:y>
+    </cdr:to>
+    <cdr:sp macro="" textlink="">
+      <cdr:nvSpPr>
+        <cdr:cNvPr id="2" name="TextBox 1"/>
+        <cdr:cNvSpPr txBox="1"/>
+      </cdr:nvSpPr>
+      <cdr:spPr>
+        <a:xfrm xmlns:a="http://schemas.openxmlformats.org/drawingml/2006/main">
+          <a:off x="5936060" y="3252002"/>
+          <a:ext cx="1708767" cy="1116904"/>
+        </a:xfrm>
+        <a:prstGeom xmlns:a="http://schemas.openxmlformats.org/drawingml/2006/main" prst="rect">
+          <a:avLst/>
+        </a:prstGeom>
+      </cdr:spPr>
+      <cdr:txBody>
+        <a:bodyPr xmlns:a="http://schemas.openxmlformats.org/drawingml/2006/main" vertOverflow="clip" wrap="square" rtlCol="0"/>
+        <a:lstStyle xmlns:a="http://schemas.openxmlformats.org/drawingml/2006/main"/>
+        <a:p xmlns:a="http://schemas.openxmlformats.org/drawingml/2006/main">
+          <a:r>
+            <a:rPr lang="en-US" sz="1600" dirty="0"/>
+            <a:t>Bubble size is build volume in mm</a:t>
+          </a:r>
+          <a:r>
+            <a:rPr lang="en-US" sz="1600" baseline="30000" dirty="0"/>
+            <a:t>3</a:t>
+          </a:r>
+        </a:p>
+      </cdr:txBody>
+    </cdr:sp>
+  </cdr:relSizeAnchor>
+</c:userShapes>
 </file>
 
 <file path=ppt/notesMasters/notesMaster1.xml><?xml version="1.0" encoding="utf-8"?>
@@ -6807,7 +8206,7 @@
       </p:grpSpPr>
       <p:sp>
         <p:nvSpPr>
-          <p:cNvPr id="5" name="Title 4"/>
+          <p:cNvPr id="2" name="Title 1"/>
           <p:cNvSpPr>
             <a:spLocks noGrp="1"/>
           </p:cNvSpPr>
@@ -6817,74 +8216,36 @@
         </p:nvSpPr>
         <p:spPr/>
         <p:txBody>
-          <a:bodyPr>
-            <a:normAutofit fontScale="90000"/>
-          </a:bodyPr>
+          <a:bodyPr/>
           <a:lstStyle/>
           <a:p>
             <a:r>
-              <a:rPr lang="en-US" dirty="0"/>
-              <a:t>Chassis Design</a:t>
-            </a:r>
-          </a:p>
-        </p:txBody>
-      </p:sp>
-      <p:pic>
-        <p:nvPicPr>
-          <p:cNvPr id="10" name="Content Placeholder 9"/>
-          <p:cNvPicPr>
-            <a:picLocks noGrp="1" noChangeAspect="1"/>
-          </p:cNvPicPr>
-          <p:nvPr>
-            <p:ph sz="half" idx="1"/>
-          </p:nvPr>
-        </p:nvPicPr>
-        <p:blipFill rotWithShape="1">
-          <a:blip r:embed="rId2" cstate="print">
-            <a:extLst>
-              <a:ext uri="{28A0092B-C50C-407E-A947-70E740481C1C}">
-                <a14:useLocalDpi xmlns:a14="http://schemas.microsoft.com/office/drawing/2010/main" val="0"/>
-              </a:ext>
-            </a:extLst>
-          </a:blip>
-          <a:srcRect t="19571"/>
-          <a:stretch/>
-        </p:blipFill>
-        <p:spPr>
-          <a:xfrm>
-            <a:off x="1484311" y="1910075"/>
-            <a:ext cx="6072843" cy="3460124"/>
-          </a:xfrm>
-        </p:spPr>
-      </p:pic>
-      <p:pic>
-        <p:nvPicPr>
-          <p:cNvPr id="9" name="Content Placeholder 8"/>
-          <p:cNvPicPr>
-            <a:picLocks noGrp="1" noChangeAspect="1"/>
-          </p:cNvPicPr>
-          <p:nvPr>
-            <p:ph sz="half" idx="2"/>
-          </p:nvPr>
-        </p:nvPicPr>
-        <p:blipFill rotWithShape="1">
-          <a:blip r:embed="rId3">
-            <a:extLst>
-              <a:ext uri="{28A0092B-C50C-407E-A947-70E740481C1C}">
-                <a14:useLocalDpi xmlns:a14="http://schemas.microsoft.com/office/drawing/2010/main" val="0"/>
-              </a:ext>
-            </a:extLst>
-          </a:blip>
-          <a:srcRect r="12302"/>
-          <a:stretch/>
-        </p:blipFill>
-        <p:spPr>
-          <a:xfrm>
-            <a:off x="8154545" y="1489074"/>
-            <a:ext cx="2843364" cy="4302125"/>
-          </a:xfrm>
-        </p:spPr>
-      </p:pic>
+              <a:rPr lang="en-US" dirty="0" smtClean="0"/>
+              <a:t>Technical Drawings</a:t>
+            </a:r>
+            <a:endParaRPr lang="en-US" dirty="0"/>
+          </a:p>
+        </p:txBody>
+      </p:sp>
+      <p:sp>
+        <p:nvSpPr>
+          <p:cNvPr id="3" name="Content Placeholder 2"/>
+          <p:cNvSpPr>
+            <a:spLocks noGrp="1"/>
+          </p:cNvSpPr>
+          <p:nvPr>
+            <p:ph idx="1"/>
+          </p:nvPr>
+        </p:nvSpPr>
+        <p:spPr/>
+        <p:txBody>
+          <a:bodyPr/>
+          <a:lstStyle/>
+          <a:p>
+            <a:endParaRPr lang="en-US"/>
+          </a:p>
+        </p:txBody>
+      </p:sp>
       <p:sp>
         <p:nvSpPr>
           <p:cNvPr id="4" name="Slide Number Placeholder 3"/>
@@ -6908,100 +8269,16 @@
           </a:p>
         </p:txBody>
       </p:sp>
-      <p:sp>
-        <p:nvSpPr>
-          <p:cNvPr id="6" name="TextBox 5"/>
-          <p:cNvSpPr txBox="1"/>
-          <p:nvPr/>
-        </p:nvSpPr>
-        <p:spPr>
-          <a:xfrm>
-            <a:off x="2823793" y="5513942"/>
-            <a:ext cx="3393878" cy="369332"/>
-          </a:xfrm>
-          <a:prstGeom prst="rect">
-            <a:avLst/>
-          </a:prstGeom>
-          <a:noFill/>
-        </p:spPr>
-        <p:txBody>
-          <a:bodyPr wrap="none" rtlCol="0">
-            <a:spAutoFit/>
-          </a:bodyPr>
-          <a:lstStyle/>
-          <a:p>
-            <a:r>
-              <a:rPr lang="en-US" dirty="0" smtClean="0"/>
-              <a:t>Figure 4. </a:t>
-            </a:r>
-            <a:r>
-              <a:rPr lang="en-US" dirty="0"/>
-              <a:t>Proposed chassis design </a:t>
-            </a:r>
-          </a:p>
-        </p:txBody>
-      </p:sp>
-      <p:sp>
-        <p:nvSpPr>
-          <p:cNvPr id="7" name="TextBox 6"/>
-          <p:cNvSpPr txBox="1"/>
-          <p:nvPr/>
-        </p:nvSpPr>
-        <p:spPr>
-          <a:xfrm>
-            <a:off x="8337747" y="5883273"/>
-            <a:ext cx="2476960" cy="646331"/>
-          </a:xfrm>
-          <a:prstGeom prst="rect">
-            <a:avLst/>
-          </a:prstGeom>
-          <a:noFill/>
-        </p:spPr>
-        <p:txBody>
-          <a:bodyPr wrap="none" rtlCol="0">
-            <a:spAutoFit/>
-          </a:bodyPr>
-          <a:lstStyle/>
-          <a:p>
-            <a:r>
-              <a:rPr lang="en-US" dirty="0" smtClean="0"/>
-              <a:t>Figure 5. </a:t>
-            </a:r>
-            <a:r>
-              <a:rPr lang="en-US" dirty="0"/>
-              <a:t>Isometric view </a:t>
-            </a:r>
-            <a:endParaRPr lang="en-US" dirty="0" smtClean="0"/>
-          </a:p>
-          <a:p>
-            <a:r>
-              <a:rPr lang="en-US" dirty="0" smtClean="0"/>
-              <a:t>of </a:t>
-            </a:r>
-            <a:r>
-              <a:rPr lang="en-US" dirty="0"/>
-              <a:t>proposed chassis </a:t>
-            </a:r>
-          </a:p>
-        </p:txBody>
-      </p:sp>
     </p:spTree>
     <p:extLst>
       <p:ext uri="{BB962C8B-B14F-4D97-AF65-F5344CB8AC3E}">
-        <p14:creationId xmlns:p14="http://schemas.microsoft.com/office/powerpoint/2010/main" val="341879816"/>
+        <p14:creationId xmlns:p14="http://schemas.microsoft.com/office/powerpoint/2010/main" val="2704906384"/>
       </p:ext>
     </p:extLst>
   </p:cSld>
   <p:clrMapOvr>
     <a:masterClrMapping/>
   </p:clrMapOvr>
-  <p:timing>
-    <p:tnLst>
-      <p:par>
-        <p:cTn id="1" dur="indefinite" restart="never" nodeType="tmRoot"/>
-      </p:par>
-    </p:tnLst>
-  </p:timing>
 </p:sld>
 </file>
 
@@ -7039,7 +8316,7 @@
           <a:p>
             <a:r>
               <a:rPr lang="en-US" dirty="0" smtClean="0"/>
-              <a:t>Technical Drawings</a:t>
+              <a:t>Vat Design</a:t>
             </a:r>
             <a:endParaRPr lang="en-US" dirty="0"/>
           </a:p>
@@ -7090,7 +8367,7 @@
     </p:spTree>
     <p:extLst>
       <p:ext uri="{BB962C8B-B14F-4D97-AF65-F5344CB8AC3E}">
-        <p14:creationId xmlns:p14="http://schemas.microsoft.com/office/powerpoint/2010/main" val="2704906384"/>
+        <p14:creationId xmlns:p14="http://schemas.microsoft.com/office/powerpoint/2010/main" val="795725223"/>
       </p:ext>
     </p:extLst>
   </p:cSld>
@@ -7134,7 +8411,7 @@
           <a:p>
             <a:r>
               <a:rPr lang="en-US" dirty="0" smtClean="0"/>
-              <a:t>Vat Design</a:t>
+              <a:t>Wire Diagram</a:t>
             </a:r>
             <a:endParaRPr lang="en-US" dirty="0"/>
           </a:p>
@@ -7185,7 +8462,7 @@
     </p:spTree>
     <p:extLst>
       <p:ext uri="{BB962C8B-B14F-4D97-AF65-F5344CB8AC3E}">
-        <p14:creationId xmlns:p14="http://schemas.microsoft.com/office/powerpoint/2010/main" val="795725223"/>
+        <p14:creationId xmlns:p14="http://schemas.microsoft.com/office/powerpoint/2010/main" val="4240055343"/>
       </p:ext>
     </p:extLst>
   </p:cSld>
@@ -7229,7 +8506,7 @@
           <a:p>
             <a:r>
               <a:rPr lang="en-US" dirty="0" smtClean="0"/>
-              <a:t>Wire Diagram</a:t>
+              <a:t>Hardware Software Interface</a:t>
             </a:r>
             <a:endParaRPr lang="en-US" dirty="0"/>
           </a:p>
@@ -7280,7 +8557,7 @@
     </p:spTree>
     <p:extLst>
       <p:ext uri="{BB962C8B-B14F-4D97-AF65-F5344CB8AC3E}">
-        <p14:creationId xmlns:p14="http://schemas.microsoft.com/office/powerpoint/2010/main" val="4240055343"/>
+        <p14:creationId xmlns:p14="http://schemas.microsoft.com/office/powerpoint/2010/main" val="3374279974"/>
       </p:ext>
     </p:extLst>
   </p:cSld>
@@ -7323,8 +8600,12 @@
           <a:lstStyle/>
           <a:p>
             <a:r>
+              <a:rPr lang="en-US" dirty="0"/>
+              <a:t>Hardware Software </a:t>
+            </a:r>
+            <a:r>
               <a:rPr lang="en-US" dirty="0" smtClean="0"/>
-              <a:t>Hardware Software Interface</a:t>
+              <a:t>Interface contd.</a:t>
             </a:r>
             <a:endParaRPr lang="en-US" dirty="0"/>
           </a:p>
@@ -7375,7 +8656,7 @@
     </p:spTree>
     <p:extLst>
       <p:ext uri="{BB962C8B-B14F-4D97-AF65-F5344CB8AC3E}">
-        <p14:creationId xmlns:p14="http://schemas.microsoft.com/office/powerpoint/2010/main" val="3374279974"/>
+        <p14:creationId xmlns:p14="http://schemas.microsoft.com/office/powerpoint/2010/main" val="1320030583"/>
       </p:ext>
     </p:extLst>
   </p:cSld>
@@ -7418,12 +8699,8 @@
           <a:lstStyle/>
           <a:p>
             <a:r>
-              <a:rPr lang="en-US" dirty="0"/>
-              <a:t>Hardware Software </a:t>
-            </a:r>
-            <a:r>
               <a:rPr lang="en-US" dirty="0" smtClean="0"/>
-              <a:t>Interface contd.</a:t>
+              <a:t>Projector and Resin</a:t>
             </a:r>
             <a:endParaRPr lang="en-US" dirty="0"/>
           </a:p>
@@ -7431,12 +8708,12 @@
       </p:sp>
       <p:sp>
         <p:nvSpPr>
-          <p:cNvPr id="3" name="Content Placeholder 2"/>
-          <p:cNvSpPr>
-            <a:spLocks noGrp="1"/>
-          </p:cNvSpPr>
-          <p:nvPr>
-            <p:ph idx="1"/>
+          <p:cNvPr id="4" name="Slide Number Placeholder 3"/>
+          <p:cNvSpPr>
+            <a:spLocks noGrp="1"/>
+          </p:cNvSpPr>
+          <p:nvPr>
+            <p:ph type="sldNum" sz="quarter" idx="12"/>
           </p:nvPr>
         </p:nvSpPr>
         <p:spPr/>
@@ -7444,37 +8721,106 @@
           <a:bodyPr/>
           <a:lstStyle/>
           <a:p>
-            <a:endParaRPr lang="en-US"/>
-          </a:p>
-        </p:txBody>
-      </p:sp>
-      <p:sp>
-        <p:nvSpPr>
-          <p:cNvPr id="4" name="Slide Number Placeholder 3"/>
-          <p:cNvSpPr>
-            <a:spLocks noGrp="1"/>
-          </p:cNvSpPr>
-          <p:nvPr>
-            <p:ph type="sldNum" sz="quarter" idx="12"/>
-          </p:nvPr>
-        </p:nvSpPr>
-        <p:spPr/>
-        <p:txBody>
-          <a:bodyPr/>
-          <a:lstStyle/>
-          <a:p>
             <a:fld id="{5C6BB475-B640-4DD3-A1AA-1CF10A44AA06}" type="slidenum">
               <a:rPr lang="en-US" smtClean="0"/>
+              <a:pPr/>
               <a:t>15</a:t>
             </a:fld>
-            <a:endParaRPr lang="en-US"/>
+            <a:endParaRPr lang="en-US" dirty="0"/>
+          </a:p>
+        </p:txBody>
+      </p:sp>
+      <p:sp>
+        <p:nvSpPr>
+          <p:cNvPr id="6" name="Content Placeholder 5"/>
+          <p:cNvSpPr>
+            <a:spLocks noGrp="1"/>
+          </p:cNvSpPr>
+          <p:nvPr>
+            <p:ph idx="1"/>
+          </p:nvPr>
+        </p:nvSpPr>
+        <p:spPr>
+          <a:xfrm>
+            <a:off x="1541989" y="1538196"/>
+            <a:ext cx="10018713" cy="4180024"/>
+          </a:xfrm>
+        </p:spPr>
+        <p:txBody>
+          <a:bodyPr anchor="t">
+            <a:normAutofit/>
+          </a:bodyPr>
+          <a:lstStyle/>
+          <a:p>
+            <a:r>
+              <a:rPr lang="en-US" dirty="0" smtClean="0"/>
+              <a:t>Projector Qualities</a:t>
+            </a:r>
+          </a:p>
+          <a:p>
+            <a:pPr lvl="1"/>
+            <a:r>
+              <a:rPr lang="en-US" dirty="0" smtClean="0"/>
+              <a:t>High Resolution DLP</a:t>
+            </a:r>
+            <a:endParaRPr lang="en-US" dirty="0"/>
+          </a:p>
+          <a:p>
+            <a:pPr lvl="1"/>
+            <a:r>
+              <a:rPr lang="en-US" dirty="0"/>
+              <a:t>UV </a:t>
+            </a:r>
+            <a:r>
+              <a:rPr lang="en-US" dirty="0" smtClean="0"/>
+              <a:t>Filter Removal </a:t>
+            </a:r>
+            <a:endParaRPr lang="en-US" dirty="0"/>
+          </a:p>
+          <a:p>
+            <a:pPr lvl="1"/>
+            <a:r>
+              <a:rPr lang="en-US" dirty="0"/>
+              <a:t>Throw </a:t>
+            </a:r>
+            <a:r>
+              <a:rPr lang="en-US" dirty="0" smtClean="0"/>
+              <a:t>Distance</a:t>
+            </a:r>
+          </a:p>
+          <a:p>
+            <a:r>
+              <a:rPr lang="en-US" dirty="0" smtClean="0"/>
+              <a:t>Resin</a:t>
+            </a:r>
+            <a:endParaRPr lang="en-US" dirty="0"/>
+          </a:p>
+          <a:p>
+            <a:pPr lvl="1"/>
+            <a:r>
+              <a:rPr lang="en-US" dirty="0"/>
+              <a:t>Test for Layer Thickness</a:t>
+            </a:r>
+          </a:p>
+          <a:p>
+            <a:pPr lvl="1"/>
+            <a:r>
+              <a:rPr lang="en-US" dirty="0"/>
+              <a:t>Test for Exposure Time</a:t>
+            </a:r>
+          </a:p>
+          <a:p>
+            <a:pPr marL="0" indent="0">
+              <a:buNone/>
+            </a:pPr>
+            <a:endParaRPr lang="en-US" dirty="0" smtClean="0"/>
           </a:p>
         </p:txBody>
       </p:sp>
     </p:spTree>
     <p:extLst>
       <p:ext uri="{BB962C8B-B14F-4D97-AF65-F5344CB8AC3E}">
-        <p14:creationId xmlns:p14="http://schemas.microsoft.com/office/powerpoint/2010/main" val="1320030583"/>
+        <p14:creationId xmlns:p14="http://schemas.microsoft.com/office/powerpoint/2010/main" val="1888003692"/>
       </p:ext>
     </p:extLst>
   </p:cSld>
@@ -7518,7 +8864,7 @@
           <a:p>
             <a:r>
               <a:rPr lang="en-US" dirty="0" smtClean="0"/>
-              <a:t>Resin/Optics</a:t>
+              <a:t>Software Problems</a:t>
             </a:r>
             <a:endParaRPr lang="en-US" dirty="0"/>
           </a:p>
@@ -7569,7 +8915,7 @@
     </p:spTree>
     <p:extLst>
       <p:ext uri="{BB962C8B-B14F-4D97-AF65-F5344CB8AC3E}">
-        <p14:creationId xmlns:p14="http://schemas.microsoft.com/office/powerpoint/2010/main" val="3284958645"/>
+        <p14:creationId xmlns:p14="http://schemas.microsoft.com/office/powerpoint/2010/main" val="4088312060"/>
       </p:ext>
     </p:extLst>
   </p:cSld>
@@ -7613,7 +8959,7 @@
           <a:p>
             <a:r>
               <a:rPr lang="en-US" dirty="0" smtClean="0"/>
-              <a:t>Software Problems</a:t>
+              <a:t>New Design</a:t>
             </a:r>
             <a:endParaRPr lang="en-US" dirty="0"/>
           </a:p>
@@ -7664,7 +9010,7 @@
     </p:spTree>
     <p:extLst>
       <p:ext uri="{BB962C8B-B14F-4D97-AF65-F5344CB8AC3E}">
-        <p14:creationId xmlns:p14="http://schemas.microsoft.com/office/powerpoint/2010/main" val="4088312060"/>
+        <p14:creationId xmlns:p14="http://schemas.microsoft.com/office/powerpoint/2010/main" val="4014598853"/>
       </p:ext>
     </p:extLst>
   </p:cSld>
@@ -7703,33 +9049,16 @@
         </p:nvSpPr>
         <p:spPr/>
         <p:txBody>
-          <a:bodyPr/>
+          <a:bodyPr>
+            <a:normAutofit/>
+          </a:bodyPr>
           <a:lstStyle/>
           <a:p>
             <a:r>
               <a:rPr lang="en-US" dirty="0" smtClean="0"/>
-              <a:t>New Design</a:t>
+              <a:t>Timeline</a:t>
             </a:r>
             <a:endParaRPr lang="en-US" dirty="0"/>
-          </a:p>
-        </p:txBody>
-      </p:sp>
-      <p:sp>
-        <p:nvSpPr>
-          <p:cNvPr id="3" name="Content Placeholder 2"/>
-          <p:cNvSpPr>
-            <a:spLocks noGrp="1"/>
-          </p:cNvSpPr>
-          <p:nvPr>
-            <p:ph idx="1"/>
-          </p:nvPr>
-        </p:nvSpPr>
-        <p:spPr/>
-        <p:txBody>
-          <a:bodyPr/>
-          <a:lstStyle/>
-          <a:p>
-            <a:endParaRPr lang="en-US"/>
           </a:p>
         </p:txBody>
       </p:sp>
@@ -7759,13 +9088,20 @@
     </p:spTree>
     <p:extLst>
       <p:ext uri="{BB962C8B-B14F-4D97-AF65-F5344CB8AC3E}">
-        <p14:creationId xmlns:p14="http://schemas.microsoft.com/office/powerpoint/2010/main" val="4014598853"/>
+        <p14:creationId xmlns:p14="http://schemas.microsoft.com/office/powerpoint/2010/main" val="278994164"/>
       </p:ext>
     </p:extLst>
   </p:cSld>
   <p:clrMapOvr>
     <a:masterClrMapping/>
   </p:clrMapOvr>
+  <p:timing>
+    <p:tnLst>
+      <p:par>
+        <p:cTn id="1" dur="indefinite" restart="never" nodeType="tmRoot"/>
+      </p:par>
+    </p:tnLst>
+  </p:timing>
 </p:sld>
 </file>
 
@@ -7798,14 +9134,12 @@
         </p:nvSpPr>
         <p:spPr/>
         <p:txBody>
-          <a:bodyPr>
-            <a:normAutofit/>
-          </a:bodyPr>
+          <a:bodyPr/>
           <a:lstStyle/>
           <a:p>
             <a:r>
               <a:rPr lang="en-US" dirty="0" smtClean="0"/>
-              <a:t>Timeline</a:t>
+              <a:t>Timeline &amp; Budget</a:t>
             </a:r>
             <a:endParaRPr lang="en-US" dirty="0"/>
           </a:p>
@@ -7829,234 +9163,6 @@
             <a:fld id="{5C6BB475-B640-4DD3-A1AA-1CF10A44AA06}" type="slidenum">
               <a:rPr lang="en-US" smtClean="0"/>
               <a:t>19</a:t>
-            </a:fld>
-            <a:endParaRPr lang="en-US"/>
-          </a:p>
-        </p:txBody>
-      </p:sp>
-    </p:spTree>
-    <p:extLst>
-      <p:ext uri="{BB962C8B-B14F-4D97-AF65-F5344CB8AC3E}">
-        <p14:creationId xmlns:p14="http://schemas.microsoft.com/office/powerpoint/2010/main" val="278994164"/>
-      </p:ext>
-    </p:extLst>
-  </p:cSld>
-  <p:clrMapOvr>
-    <a:masterClrMapping/>
-  </p:clrMapOvr>
-  <p:timing>
-    <p:tnLst>
-      <p:par>
-        <p:cTn id="1" dur="indefinite" restart="never" nodeType="tmRoot"/>
-      </p:par>
-    </p:tnLst>
-  </p:timing>
-</p:sld>
-</file>
-
-<file path=ppt/slides/slide2.xml><?xml version="1.0" encoding="utf-8"?>
-<p:sld xmlns:a="http://schemas.openxmlformats.org/drawingml/2006/main" xmlns:r="http://schemas.openxmlformats.org/officeDocument/2006/relationships" xmlns:p="http://schemas.openxmlformats.org/presentationml/2006/main">
-  <p:cSld>
-    <p:spTree>
-      <p:nvGrpSpPr>
-        <p:cNvPr id="1" name=""/>
-        <p:cNvGrpSpPr/>
-        <p:nvPr/>
-      </p:nvGrpSpPr>
-      <p:grpSpPr>
-        <a:xfrm>
-          <a:off x="0" y="0"/>
-          <a:ext cx="0" cy="0"/>
-          <a:chOff x="0" y="0"/>
-          <a:chExt cx="0" cy="0"/>
-        </a:xfrm>
-      </p:grpSpPr>
-      <p:sp>
-        <p:nvSpPr>
-          <p:cNvPr id="2" name="Title 1"/>
-          <p:cNvSpPr>
-            <a:spLocks noGrp="1"/>
-          </p:cNvSpPr>
-          <p:nvPr>
-            <p:ph type="title"/>
-          </p:nvPr>
-        </p:nvSpPr>
-        <p:spPr/>
-        <p:txBody>
-          <a:bodyPr>
-            <a:normAutofit/>
-          </a:bodyPr>
-          <a:lstStyle/>
-          <a:p>
-            <a:r>
-              <a:rPr lang="en-US" dirty="0" smtClean="0"/>
-              <a:t>Team 75 </a:t>
-            </a:r>
-            <a:r>
-              <a:rPr lang="en-US" dirty="0" smtClean="0"/>
-              <a:t>Organization</a:t>
-            </a:r>
-            <a:endParaRPr lang="en-US" dirty="0"/>
-          </a:p>
-        </p:txBody>
-      </p:sp>
-      <p:pic>
-        <p:nvPicPr>
-          <p:cNvPr id="6" name="Content Placeholder 5"/>
-          <p:cNvPicPr>
-            <a:picLocks noGrp="1" noChangeAspect="1"/>
-          </p:cNvPicPr>
-          <p:nvPr>
-            <p:ph idx="1"/>
-          </p:nvPr>
-        </p:nvPicPr>
-        <p:blipFill>
-          <a:blip r:embed="rId2"/>
-          <a:stretch>
-            <a:fillRect/>
-          </a:stretch>
-        </p:blipFill>
-        <p:spPr>
-          <a:xfrm>
-            <a:off x="2588467" y="1630363"/>
-            <a:ext cx="7924704" cy="4102100"/>
-          </a:xfrm>
-          <a:prstGeom prst="rect">
-            <a:avLst/>
-          </a:prstGeom>
-        </p:spPr>
-      </p:pic>
-      <p:sp>
-        <p:nvSpPr>
-          <p:cNvPr id="4" name="Slide Number Placeholder 3"/>
-          <p:cNvSpPr>
-            <a:spLocks noGrp="1"/>
-          </p:cNvSpPr>
-          <p:nvPr>
-            <p:ph type="sldNum" sz="quarter" idx="12"/>
-          </p:nvPr>
-        </p:nvSpPr>
-        <p:spPr/>
-        <p:txBody>
-          <a:bodyPr/>
-          <a:lstStyle/>
-          <a:p>
-            <a:fld id="{5C6BB475-B640-4DD3-A1AA-1CF10A44AA06}" type="slidenum">
-              <a:rPr lang="en-US" smtClean="0"/>
-              <a:t>2</a:t>
-            </a:fld>
-            <a:endParaRPr lang="en-US"/>
-          </a:p>
-        </p:txBody>
-      </p:sp>
-      <p:sp>
-        <p:nvSpPr>
-          <p:cNvPr id="7" name="TextBox 6"/>
-          <p:cNvSpPr txBox="1"/>
-          <p:nvPr/>
-        </p:nvSpPr>
-        <p:spPr>
-          <a:xfrm>
-            <a:off x="5046208" y="5884727"/>
-            <a:ext cx="3009222" cy="369332"/>
-          </a:xfrm>
-          <a:prstGeom prst="rect">
-            <a:avLst/>
-          </a:prstGeom>
-          <a:noFill/>
-        </p:spPr>
-        <p:txBody>
-          <a:bodyPr wrap="none" rtlCol="0">
-            <a:spAutoFit/>
-          </a:bodyPr>
-          <a:lstStyle/>
-          <a:p>
-            <a:r>
-              <a:rPr lang="en-US" dirty="0" smtClean="0"/>
-              <a:t>Figure 1. Project Organization</a:t>
-            </a:r>
-            <a:endParaRPr lang="en-US" dirty="0"/>
-          </a:p>
-        </p:txBody>
-      </p:sp>
-    </p:spTree>
-    <p:extLst>
-      <p:ext uri="{BB962C8B-B14F-4D97-AF65-F5344CB8AC3E}">
-        <p14:creationId xmlns:p14="http://schemas.microsoft.com/office/powerpoint/2010/main" val="1628288518"/>
-      </p:ext>
-    </p:extLst>
-  </p:cSld>
-  <p:clrMapOvr>
-    <a:masterClrMapping/>
-  </p:clrMapOvr>
-  <p:timing>
-    <p:tnLst>
-      <p:par>
-        <p:cTn id="1" dur="indefinite" restart="never" nodeType="tmRoot"/>
-      </p:par>
-    </p:tnLst>
-  </p:timing>
-</p:sld>
-</file>
-
-<file path=ppt/slides/slide20.xml><?xml version="1.0" encoding="utf-8"?>
-<p:sld xmlns:a="http://schemas.openxmlformats.org/drawingml/2006/main" xmlns:r="http://schemas.openxmlformats.org/officeDocument/2006/relationships" xmlns:p="http://schemas.openxmlformats.org/presentationml/2006/main">
-  <p:cSld>
-    <p:spTree>
-      <p:nvGrpSpPr>
-        <p:cNvPr id="1" name=""/>
-        <p:cNvGrpSpPr/>
-        <p:nvPr/>
-      </p:nvGrpSpPr>
-      <p:grpSpPr>
-        <a:xfrm>
-          <a:off x="0" y="0"/>
-          <a:ext cx="0" cy="0"/>
-          <a:chOff x="0" y="0"/>
-          <a:chExt cx="0" cy="0"/>
-        </a:xfrm>
-      </p:grpSpPr>
-      <p:sp>
-        <p:nvSpPr>
-          <p:cNvPr id="2" name="Title 1"/>
-          <p:cNvSpPr>
-            <a:spLocks noGrp="1"/>
-          </p:cNvSpPr>
-          <p:nvPr>
-            <p:ph type="title"/>
-          </p:nvPr>
-        </p:nvSpPr>
-        <p:spPr/>
-        <p:txBody>
-          <a:bodyPr/>
-          <a:lstStyle/>
-          <a:p>
-            <a:r>
-              <a:rPr lang="en-US" dirty="0" smtClean="0"/>
-              <a:t>Timeline &amp; Budget</a:t>
-            </a:r>
-            <a:endParaRPr lang="en-US" dirty="0"/>
-          </a:p>
-        </p:txBody>
-      </p:sp>
-      <p:sp>
-        <p:nvSpPr>
-          <p:cNvPr id="4" name="Slide Number Placeholder 3"/>
-          <p:cNvSpPr>
-            <a:spLocks noGrp="1"/>
-          </p:cNvSpPr>
-          <p:nvPr>
-            <p:ph type="sldNum" sz="quarter" idx="12"/>
-          </p:nvPr>
-        </p:nvSpPr>
-        <p:spPr/>
-        <p:txBody>
-          <a:bodyPr/>
-          <a:lstStyle/>
-          <a:p>
-            <a:fld id="{5C6BB475-B640-4DD3-A1AA-1CF10A44AA06}" type="slidenum">
-              <a:rPr lang="en-US" smtClean="0"/>
-              <a:t>20</a:t>
             </a:fld>
             <a:endParaRPr lang="en-US"/>
           </a:p>
@@ -8502,6 +9608,313 @@
 </p:sld>
 </file>
 
+<file path=ppt/slides/slide2.xml><?xml version="1.0" encoding="utf-8"?>
+<p:sld xmlns:a="http://schemas.openxmlformats.org/drawingml/2006/main" xmlns:r="http://schemas.openxmlformats.org/officeDocument/2006/relationships" xmlns:p="http://schemas.openxmlformats.org/presentationml/2006/main">
+  <p:cSld>
+    <p:spTree>
+      <p:nvGrpSpPr>
+        <p:cNvPr id="1" name=""/>
+        <p:cNvGrpSpPr/>
+        <p:nvPr/>
+      </p:nvGrpSpPr>
+      <p:grpSpPr>
+        <a:xfrm>
+          <a:off x="0" y="0"/>
+          <a:ext cx="0" cy="0"/>
+          <a:chOff x="0" y="0"/>
+          <a:chExt cx="0" cy="0"/>
+        </a:xfrm>
+      </p:grpSpPr>
+      <p:sp>
+        <p:nvSpPr>
+          <p:cNvPr id="2" name="Title 1"/>
+          <p:cNvSpPr>
+            <a:spLocks noGrp="1"/>
+          </p:cNvSpPr>
+          <p:nvPr>
+            <p:ph type="title"/>
+          </p:nvPr>
+        </p:nvSpPr>
+        <p:spPr/>
+        <p:txBody>
+          <a:bodyPr>
+            <a:normAutofit/>
+          </a:bodyPr>
+          <a:lstStyle/>
+          <a:p>
+            <a:r>
+              <a:rPr lang="en-US" dirty="0" smtClean="0"/>
+              <a:t>Team 75 Organization</a:t>
+            </a:r>
+            <a:endParaRPr lang="en-US" dirty="0"/>
+          </a:p>
+        </p:txBody>
+      </p:sp>
+      <p:pic>
+        <p:nvPicPr>
+          <p:cNvPr id="6" name="Content Placeholder 5"/>
+          <p:cNvPicPr>
+            <a:picLocks noGrp="1" noChangeAspect="1"/>
+          </p:cNvPicPr>
+          <p:nvPr>
+            <p:ph idx="1"/>
+          </p:nvPr>
+        </p:nvPicPr>
+        <p:blipFill>
+          <a:blip r:embed="rId2"/>
+          <a:stretch>
+            <a:fillRect/>
+          </a:stretch>
+        </p:blipFill>
+        <p:spPr>
+          <a:xfrm>
+            <a:off x="2588467" y="1630363"/>
+            <a:ext cx="7924704" cy="4102100"/>
+          </a:xfrm>
+          <a:prstGeom prst="rect">
+            <a:avLst/>
+          </a:prstGeom>
+        </p:spPr>
+      </p:pic>
+      <p:sp>
+        <p:nvSpPr>
+          <p:cNvPr id="4" name="Slide Number Placeholder 3"/>
+          <p:cNvSpPr>
+            <a:spLocks noGrp="1"/>
+          </p:cNvSpPr>
+          <p:nvPr>
+            <p:ph type="sldNum" sz="quarter" idx="12"/>
+          </p:nvPr>
+        </p:nvSpPr>
+        <p:spPr/>
+        <p:txBody>
+          <a:bodyPr/>
+          <a:lstStyle/>
+          <a:p>
+            <a:fld id="{5C6BB475-B640-4DD3-A1AA-1CF10A44AA06}" type="slidenum">
+              <a:rPr lang="en-US" smtClean="0"/>
+              <a:t>2</a:t>
+            </a:fld>
+            <a:endParaRPr lang="en-US"/>
+          </a:p>
+        </p:txBody>
+      </p:sp>
+      <p:sp>
+        <p:nvSpPr>
+          <p:cNvPr id="7" name="TextBox 6"/>
+          <p:cNvSpPr txBox="1"/>
+          <p:nvPr/>
+        </p:nvSpPr>
+        <p:spPr>
+          <a:xfrm>
+            <a:off x="5046208" y="5884727"/>
+            <a:ext cx="3009222" cy="369332"/>
+          </a:xfrm>
+          <a:prstGeom prst="rect">
+            <a:avLst/>
+          </a:prstGeom>
+          <a:noFill/>
+        </p:spPr>
+        <p:txBody>
+          <a:bodyPr wrap="none" rtlCol="0">
+            <a:spAutoFit/>
+          </a:bodyPr>
+          <a:lstStyle/>
+          <a:p>
+            <a:r>
+              <a:rPr lang="en-US" dirty="0" smtClean="0"/>
+              <a:t>Figure 1. Project Organization</a:t>
+            </a:r>
+            <a:endParaRPr lang="en-US" dirty="0"/>
+          </a:p>
+        </p:txBody>
+      </p:sp>
+    </p:spTree>
+    <p:extLst>
+      <p:ext uri="{BB962C8B-B14F-4D97-AF65-F5344CB8AC3E}">
+        <p14:creationId xmlns:p14="http://schemas.microsoft.com/office/powerpoint/2010/main" val="1628288518"/>
+      </p:ext>
+    </p:extLst>
+  </p:cSld>
+  <p:clrMapOvr>
+    <a:masterClrMapping/>
+  </p:clrMapOvr>
+  <p:timing>
+    <p:tnLst>
+      <p:par>
+        <p:cTn id="1" dur="indefinite" restart="never" nodeType="tmRoot"/>
+      </p:par>
+    </p:tnLst>
+  </p:timing>
+</p:sld>
+</file>
+
+<file path=ppt/slides/slide20.xml><?xml version="1.0" encoding="utf-8"?>
+<p:sld xmlns:a="http://schemas.openxmlformats.org/drawingml/2006/main" xmlns:r="http://schemas.openxmlformats.org/officeDocument/2006/relationships" xmlns:p="http://schemas.openxmlformats.org/presentationml/2006/main">
+  <p:cSld>
+    <p:spTree>
+      <p:nvGrpSpPr>
+        <p:cNvPr id="1" name=""/>
+        <p:cNvGrpSpPr/>
+        <p:nvPr/>
+      </p:nvGrpSpPr>
+      <p:grpSpPr>
+        <a:xfrm>
+          <a:off x="0" y="0"/>
+          <a:ext cx="0" cy="0"/>
+          <a:chOff x="0" y="0"/>
+          <a:chExt cx="0" cy="0"/>
+        </a:xfrm>
+      </p:grpSpPr>
+      <p:sp>
+        <p:nvSpPr>
+          <p:cNvPr id="2" name="Title 1"/>
+          <p:cNvSpPr>
+            <a:spLocks noGrp="1"/>
+          </p:cNvSpPr>
+          <p:nvPr>
+            <p:ph type="title"/>
+          </p:nvPr>
+        </p:nvSpPr>
+        <p:spPr/>
+        <p:txBody>
+          <a:bodyPr/>
+          <a:lstStyle/>
+          <a:p>
+            <a:r>
+              <a:rPr lang="en-US" dirty="0" smtClean="0"/>
+              <a:t>Summary</a:t>
+            </a:r>
+            <a:endParaRPr lang="en-US" dirty="0"/>
+          </a:p>
+        </p:txBody>
+      </p:sp>
+      <p:sp>
+        <p:nvSpPr>
+          <p:cNvPr id="3" name="Content Placeholder 2"/>
+          <p:cNvSpPr>
+            <a:spLocks noGrp="1"/>
+          </p:cNvSpPr>
+          <p:nvPr>
+            <p:ph idx="1"/>
+          </p:nvPr>
+        </p:nvSpPr>
+        <p:spPr/>
+        <p:txBody>
+          <a:bodyPr>
+            <a:normAutofit fontScale="92500" lnSpcReduction="20000"/>
+          </a:bodyPr>
+          <a:lstStyle/>
+          <a:p>
+            <a:pPr marL="0" indent="0" fontAlgn="base">
+              <a:buNone/>
+            </a:pPr>
+            <a:r>
+              <a:rPr lang="en-US" dirty="0"/>
+              <a:t>Problem Statement</a:t>
+            </a:r>
+          </a:p>
+          <a:p>
+            <a:pPr lvl="1" fontAlgn="base"/>
+            <a:r>
+              <a:rPr lang="en-US" dirty="0"/>
+              <a:t>Current hobbyist 3D printers are imprecise and fault-prone</a:t>
+            </a:r>
+          </a:p>
+          <a:p>
+            <a:pPr lvl="1" fontAlgn="base"/>
+            <a:r>
+              <a:rPr lang="en-US" dirty="0"/>
+              <a:t>High resolution additive manufacturing is currently not accessible for hobbyists (under $1,000)</a:t>
+            </a:r>
+          </a:p>
+          <a:p>
+            <a:pPr lvl="1" fontAlgn="base"/>
+            <a:r>
+              <a:rPr lang="en-US" dirty="0"/>
+              <a:t>Available PAM systems use proprietary hardware and software</a:t>
+            </a:r>
+          </a:p>
+          <a:p>
+            <a:pPr marL="0" indent="0" fontAlgn="base">
+              <a:buNone/>
+            </a:pPr>
+            <a:r>
+              <a:rPr lang="en-US" dirty="0"/>
+              <a:t>Our Solution</a:t>
+            </a:r>
+          </a:p>
+          <a:p>
+            <a:pPr lvl="1"/>
+            <a:r>
+              <a:rPr lang="en-US" dirty="0"/>
+              <a:t>A DLP PAM system can produce high quality and fast prints</a:t>
+            </a:r>
+          </a:p>
+          <a:p>
+            <a:pPr lvl="1"/>
+            <a:r>
+              <a:rPr lang="en-US" dirty="0"/>
+              <a:t>Use off-the-shelf open-source hardware</a:t>
+            </a:r>
+          </a:p>
+          <a:p>
+            <a:pPr lvl="1"/>
+            <a:r>
+              <a:rPr lang="en-US" dirty="0"/>
+              <a:t>Create a thoroughly documented reference </a:t>
+            </a:r>
+            <a:r>
+              <a:rPr lang="en-US" dirty="0" smtClean="0"/>
+              <a:t>design</a:t>
+            </a:r>
+            <a:endParaRPr lang="en-US" dirty="0"/>
+          </a:p>
+        </p:txBody>
+      </p:sp>
+      <p:sp>
+        <p:nvSpPr>
+          <p:cNvPr id="4" name="Slide Number Placeholder 3"/>
+          <p:cNvSpPr>
+            <a:spLocks noGrp="1"/>
+          </p:cNvSpPr>
+          <p:nvPr>
+            <p:ph type="sldNum" sz="quarter" idx="12"/>
+          </p:nvPr>
+        </p:nvSpPr>
+        <p:spPr/>
+        <p:txBody>
+          <a:bodyPr/>
+          <a:lstStyle/>
+          <a:p>
+            <a:fld id="{5C6BB475-B640-4DD3-A1AA-1CF10A44AA06}" type="slidenum">
+              <a:rPr lang="en-US" smtClean="0"/>
+              <a:t>20</a:t>
+            </a:fld>
+            <a:endParaRPr lang="en-US"/>
+          </a:p>
+        </p:txBody>
+      </p:sp>
+    </p:spTree>
+    <p:extLst>
+      <p:ext uri="{BB962C8B-B14F-4D97-AF65-F5344CB8AC3E}">
+        <p14:creationId xmlns:p14="http://schemas.microsoft.com/office/powerpoint/2010/main" val="2150469081"/>
+      </p:ext>
+    </p:extLst>
+  </p:cSld>
+  <p:clrMapOvr>
+    <a:masterClrMapping/>
+  </p:clrMapOvr>
+  <p:timing>
+    <p:tnLst>
+      <p:par>
+        <p:cTn id="1" dur="indefinite" restart="never" nodeType="tmRoot"/>
+      </p:par>
+    </p:tnLst>
+  </p:timing>
+</p:sld>
+</file>
+
 <file path=ppt/slides/slide21.xml><?xml version="1.0" encoding="utf-8"?>
 <p:sld xmlns:a="http://schemas.openxmlformats.org/drawingml/2006/main" xmlns:r="http://schemas.openxmlformats.org/officeDocument/2006/relationships" xmlns:p="http://schemas.openxmlformats.org/presentationml/2006/main">
   <p:cSld>
@@ -8536,95 +9949,1117 @@
           <a:p>
             <a:r>
               <a:rPr lang="en-US" dirty="0" smtClean="0"/>
-              <a:t>Summary</a:t>
+              <a:t>Acknowledgements	</a:t>
             </a:r>
             <a:endParaRPr lang="en-US" dirty="0"/>
           </a:p>
         </p:txBody>
       </p:sp>
-      <p:sp>
-        <p:nvSpPr>
-          <p:cNvPr id="3" name="Content Placeholder 2"/>
-          <p:cNvSpPr>
-            <a:spLocks noGrp="1"/>
-          </p:cNvSpPr>
+      <p:graphicFrame>
+        <p:nvGraphicFramePr>
+          <p:cNvPr id="5" name="Content Placeholder 4"/>
+          <p:cNvGraphicFramePr>
+            <a:graphicFrameLocks noGrp="1"/>
+          </p:cNvGraphicFramePr>
           <p:nvPr>
             <p:ph idx="1"/>
-          </p:nvPr>
-        </p:nvSpPr>
-        <p:spPr/>
-        <p:txBody>
-          <a:bodyPr>
-            <a:normAutofit fontScale="92500" lnSpcReduction="20000"/>
-          </a:bodyPr>
-          <a:lstStyle/>
-          <a:p>
-            <a:pPr marL="0" indent="0" fontAlgn="base">
-              <a:buNone/>
-            </a:pPr>
-            <a:r>
-              <a:rPr lang="en-US" dirty="0"/>
-              <a:t>Problem Statement</a:t>
-            </a:r>
-          </a:p>
-          <a:p>
-            <a:pPr lvl="1" fontAlgn="base"/>
-            <a:r>
-              <a:rPr lang="en-US" dirty="0"/>
-              <a:t>Current hobbyist 3D printers are imprecise and fault-prone</a:t>
-            </a:r>
-          </a:p>
-          <a:p>
-            <a:pPr lvl="1" fontAlgn="base"/>
-            <a:r>
-              <a:rPr lang="en-US" dirty="0"/>
-              <a:t>High resolution additive manufacturing is currently not accessible for hobbyists (under $1,000)</a:t>
-            </a:r>
-          </a:p>
-          <a:p>
-            <a:pPr lvl="1" fontAlgn="base"/>
-            <a:r>
-              <a:rPr lang="en-US" dirty="0"/>
-              <a:t>Available PAM systems use proprietary hardware and software</a:t>
-            </a:r>
-          </a:p>
-          <a:p>
-            <a:pPr marL="0" indent="0" fontAlgn="base">
-              <a:buNone/>
-            </a:pPr>
-            <a:r>
-              <a:rPr lang="en-US" dirty="0"/>
-              <a:t>Our Solution</a:t>
-            </a:r>
-          </a:p>
-          <a:p>
-            <a:pPr lvl="1"/>
-            <a:r>
-              <a:rPr lang="en-US" dirty="0"/>
-              <a:t>A DLP PAM system can produce high quality and fast prints</a:t>
-            </a:r>
-          </a:p>
-          <a:p>
-            <a:pPr lvl="1"/>
-            <a:r>
-              <a:rPr lang="en-US" dirty="0"/>
-              <a:t>Use off-the-shelf open-source hardware</a:t>
-            </a:r>
-          </a:p>
-          <a:p>
-            <a:pPr lvl="1"/>
-            <a:r>
-              <a:rPr lang="en-US" dirty="0"/>
-              <a:t>Create a thoroughly documented reference </a:t>
-            </a:r>
-            <a:r>
-              <a:rPr lang="en-US" dirty="0" smtClean="0"/>
-              <a:t>design</a:t>
-            </a:r>
-            <a:endParaRPr lang="en-US" dirty="0"/>
-          </a:p>
-        </p:txBody>
-      </p:sp>
+            <p:extLst/>
+          </p:nvPr>
+        </p:nvGraphicFramePr>
+        <p:xfrm>
+          <a:off x="2808407" y="2366742"/>
+          <a:ext cx="7513068" cy="2359804"/>
+        </p:xfrm>
+        <a:graphic>
+          <a:graphicData uri="http://schemas.openxmlformats.org/drawingml/2006/table">
+            <a:tbl>
+              <a:tblPr>
+                <a:effectLst/>
+                <a:tableStyleId>{5C22544A-7EE6-4342-B048-85BDC9FD1C3A}</a:tableStyleId>
+              </a:tblPr>
+              <a:tblGrid>
+                <a:gridCol w="2240111"/>
+                <a:gridCol w="2640169"/>
+                <a:gridCol w="2632788"/>
+              </a:tblGrid>
+              <a:tr h="300860">
+                <a:tc>
+                  <a:txBody>
+                    <a:bodyPr/>
+                    <a:lstStyle/>
+                    <a:p>
+                      <a:r>
+                        <a:rPr lang="en-US" sz="1800" b="0" kern="1200" dirty="0" smtClean="0">
+                          <a:solidFill>
+                            <a:schemeClr val="tx1"/>
+                          </a:solidFill>
+                          <a:effectLst/>
+                          <a:latin typeface="+mn-lt"/>
+                          <a:ea typeface="+mn-ea"/>
+                          <a:cs typeface="+mn-cs"/>
+                        </a:rPr>
+                        <a:t>Dr. Spyros </a:t>
+                      </a:r>
+                      <a:r>
+                        <a:rPr lang="en-US" sz="1800" b="0" kern="1200" dirty="0" err="1" smtClean="0">
+                          <a:solidFill>
+                            <a:schemeClr val="tx1"/>
+                          </a:solidFill>
+                          <a:effectLst/>
+                          <a:latin typeface="+mn-lt"/>
+                          <a:ea typeface="+mn-ea"/>
+                          <a:cs typeface="+mn-cs"/>
+                        </a:rPr>
+                        <a:t>Tragoudas</a:t>
+                      </a:r>
+                      <a:r>
+                        <a:rPr lang="en-US" sz="1800" b="0" kern="1200" dirty="0" smtClean="0">
+                          <a:solidFill>
+                            <a:schemeClr val="tx1"/>
+                          </a:solidFill>
+                          <a:effectLst/>
+                          <a:latin typeface="+mn-lt"/>
+                          <a:ea typeface="+mn-ea"/>
+                          <a:cs typeface="+mn-cs"/>
+                        </a:rPr>
+                        <a:t> </a:t>
+                      </a:r>
+                      <a:endParaRPr lang="en-US" b="0" dirty="0">
+                        <a:solidFill>
+                          <a:schemeClr val="tx1"/>
+                        </a:solidFill>
+                      </a:endParaRPr>
+                    </a:p>
+                  </a:txBody>
+                  <a:tcPr>
+                    <a:lnL w="12700" cmpd="sng">
+                      <a:noFill/>
+                    </a:lnL>
+                    <a:lnR w="12700" cmpd="sng">
+                      <a:noFill/>
+                    </a:lnR>
+                    <a:lnT w="12700" cmpd="sng">
+                      <a:noFill/>
+                    </a:lnT>
+                    <a:lnB w="12700" cmpd="sng">
+                      <a:noFill/>
+                    </a:lnB>
+                    <a:lnTlToBr w="12700" cmpd="sng">
+                      <a:noFill/>
+                      <a:prstDash val="solid"/>
+                    </a:lnTlToBr>
+                    <a:lnBlToTr w="12700" cmpd="sng">
+                      <a:noFill/>
+                      <a:prstDash val="solid"/>
+                    </a:lnBlToTr>
+                    <a:noFill/>
+                  </a:tcPr>
+                </a:tc>
+                <a:tc>
+                  <a:txBody>
+                    <a:bodyPr/>
+                    <a:lstStyle/>
+                    <a:p>
+                      <a:r>
+                        <a:rPr lang="en-US" sz="1800" b="0" kern="1200" dirty="0" smtClean="0">
+                          <a:solidFill>
+                            <a:schemeClr val="tx1"/>
+                          </a:solidFill>
+                          <a:effectLst/>
+                          <a:latin typeface="+mn-lt"/>
+                          <a:ea typeface="+mn-ea"/>
+                          <a:cs typeface="+mn-cs"/>
+                        </a:rPr>
+                        <a:t>Dr. </a:t>
+                      </a:r>
+                      <a:r>
+                        <a:rPr lang="en-US" sz="1800" b="0" kern="1200" dirty="0" err="1" smtClean="0">
+                          <a:solidFill>
+                            <a:schemeClr val="tx1"/>
+                          </a:solidFill>
+                          <a:effectLst/>
+                          <a:latin typeface="+mn-lt"/>
+                          <a:ea typeface="+mn-ea"/>
+                          <a:cs typeface="+mn-cs"/>
+                        </a:rPr>
+                        <a:t>Tod</a:t>
+                      </a:r>
+                      <a:r>
+                        <a:rPr lang="en-US" sz="1800" b="0" kern="1200" dirty="0" smtClean="0">
+                          <a:solidFill>
+                            <a:schemeClr val="tx1"/>
+                          </a:solidFill>
+                          <a:effectLst/>
+                          <a:latin typeface="+mn-lt"/>
+                          <a:ea typeface="+mn-ea"/>
+                          <a:cs typeface="+mn-cs"/>
+                        </a:rPr>
+                        <a:t> </a:t>
+                      </a:r>
+                      <a:r>
+                        <a:rPr lang="en-US" sz="1800" b="0" kern="1200" dirty="0" err="1" smtClean="0">
+                          <a:solidFill>
+                            <a:schemeClr val="tx1"/>
+                          </a:solidFill>
+                          <a:effectLst/>
+                          <a:latin typeface="+mn-lt"/>
+                          <a:ea typeface="+mn-ea"/>
+                          <a:cs typeface="+mn-cs"/>
+                        </a:rPr>
+                        <a:t>Policandriotes</a:t>
+                      </a:r>
+                      <a:endParaRPr lang="en-US" b="0" dirty="0">
+                        <a:solidFill>
+                          <a:schemeClr val="tx1"/>
+                        </a:solidFill>
+                      </a:endParaRPr>
+                    </a:p>
+                  </a:txBody>
+                  <a:tcPr>
+                    <a:lnL w="12700" cmpd="sng">
+                      <a:noFill/>
+                    </a:lnL>
+                    <a:lnR w="12700" cmpd="sng">
+                      <a:noFill/>
+                    </a:lnR>
+                    <a:lnT w="12700" cmpd="sng">
+                      <a:noFill/>
+                    </a:lnT>
+                    <a:lnB w="12700" cmpd="sng">
+                      <a:noFill/>
+                    </a:lnB>
+                    <a:lnTlToBr w="12700" cmpd="sng">
+                      <a:noFill/>
+                      <a:prstDash val="solid"/>
+                    </a:lnTlToBr>
+                    <a:lnBlToTr w="12700" cmpd="sng">
+                      <a:noFill/>
+                      <a:prstDash val="solid"/>
+                    </a:lnBlToTr>
+                    <a:noFill/>
+                  </a:tcPr>
+                </a:tc>
+                <a:tc>
+                  <a:txBody>
+                    <a:bodyPr/>
+                    <a:lstStyle/>
+                    <a:p>
+                      <a:r>
+                        <a:rPr lang="en-US" sz="1800" b="0" kern="1200" dirty="0" err="1" smtClean="0">
+                          <a:solidFill>
+                            <a:schemeClr val="tx1"/>
+                          </a:solidFill>
+                          <a:effectLst/>
+                          <a:latin typeface="+mn-lt"/>
+                          <a:ea typeface="+mn-ea"/>
+                          <a:cs typeface="+mn-cs"/>
+                        </a:rPr>
+                        <a:t>Lakendria</a:t>
+                      </a:r>
+                      <a:r>
+                        <a:rPr lang="en-US" sz="1800" b="0" kern="1200" dirty="0" smtClean="0">
+                          <a:solidFill>
+                            <a:schemeClr val="tx1"/>
+                          </a:solidFill>
+                          <a:effectLst/>
+                          <a:latin typeface="+mn-lt"/>
+                          <a:ea typeface="+mn-ea"/>
+                          <a:cs typeface="+mn-cs"/>
+                        </a:rPr>
+                        <a:t> Kenner </a:t>
+                      </a:r>
+                      <a:endParaRPr lang="en-US" b="0" dirty="0">
+                        <a:solidFill>
+                          <a:schemeClr val="tx1"/>
+                        </a:solidFill>
+                      </a:endParaRPr>
+                    </a:p>
+                  </a:txBody>
+                  <a:tcPr>
+                    <a:lnL w="12700" cmpd="sng">
+                      <a:noFill/>
+                    </a:lnL>
+                    <a:lnR w="12700" cmpd="sng">
+                      <a:noFill/>
+                    </a:lnR>
+                    <a:lnT w="12700" cmpd="sng">
+                      <a:noFill/>
+                    </a:lnT>
+                    <a:lnB w="12700" cmpd="sng">
+                      <a:noFill/>
+                    </a:lnB>
+                    <a:lnTlToBr w="12700" cmpd="sng">
+                      <a:noFill/>
+                      <a:prstDash val="solid"/>
+                    </a:lnTlToBr>
+                    <a:lnBlToTr w="12700" cmpd="sng">
+                      <a:noFill/>
+                      <a:prstDash val="solid"/>
+                    </a:lnBlToTr>
+                    <a:noFill/>
+                  </a:tcPr>
+                </a:tc>
+              </a:tr>
+              <a:tr h="448580">
+                <a:tc>
+                  <a:txBody>
+                    <a:bodyPr/>
+                    <a:lstStyle/>
+                    <a:p>
+                      <a:r>
+                        <a:rPr lang="en-US" b="0" dirty="0" smtClean="0">
+                          <a:solidFill>
+                            <a:schemeClr val="tx1"/>
+                          </a:solidFill>
+                        </a:rPr>
+                        <a:t>Dr. </a:t>
+                      </a:r>
+                      <a:r>
+                        <a:rPr lang="en-US" b="0" dirty="0" err="1" smtClean="0">
+                          <a:solidFill>
+                            <a:schemeClr val="tx1"/>
+                          </a:solidFill>
+                        </a:rPr>
+                        <a:t>Rasit</a:t>
+                      </a:r>
+                      <a:r>
+                        <a:rPr lang="en-US" b="0" dirty="0" smtClean="0">
+                          <a:solidFill>
+                            <a:schemeClr val="tx1"/>
+                          </a:solidFill>
+                        </a:rPr>
+                        <a:t> </a:t>
+                      </a:r>
+                      <a:r>
+                        <a:rPr lang="en-US" b="0" dirty="0" err="1" smtClean="0">
+                          <a:solidFill>
+                            <a:schemeClr val="tx1"/>
+                          </a:solidFill>
+                        </a:rPr>
+                        <a:t>Koc</a:t>
+                      </a:r>
+                      <a:r>
+                        <a:rPr lang="en-US" b="0" dirty="0" smtClean="0">
+                          <a:solidFill>
+                            <a:schemeClr val="tx1"/>
+                          </a:solidFill>
+                        </a:rPr>
+                        <a:t> </a:t>
+                      </a:r>
+                      <a:endParaRPr lang="en-US" b="0" dirty="0">
+                        <a:solidFill>
+                          <a:schemeClr val="tx1"/>
+                        </a:solidFill>
+                      </a:endParaRPr>
+                    </a:p>
+                  </a:txBody>
+                  <a:tcPr>
+                    <a:lnL w="12700" cmpd="sng">
+                      <a:noFill/>
+                    </a:lnL>
+                    <a:lnR w="12700" cmpd="sng">
+                      <a:noFill/>
+                    </a:lnR>
+                    <a:lnT w="12700" cmpd="sng">
+                      <a:noFill/>
+                    </a:lnT>
+                    <a:lnB w="12700" cmpd="sng">
+                      <a:noFill/>
+                    </a:lnB>
+                    <a:lnTlToBr w="12700" cmpd="sng">
+                      <a:noFill/>
+                      <a:prstDash val="solid"/>
+                    </a:lnTlToBr>
+                    <a:lnBlToTr w="12700" cmpd="sng">
+                      <a:noFill/>
+                      <a:prstDash val="solid"/>
+                    </a:lnBlToTr>
+                    <a:noFill/>
+                  </a:tcPr>
+                </a:tc>
+                <a:tc>
+                  <a:txBody>
+                    <a:bodyPr/>
+                    <a:lstStyle/>
+                    <a:p>
+                      <a:r>
+                        <a:rPr lang="en-US" sz="1800" b="0" kern="1200" dirty="0" smtClean="0">
+                          <a:solidFill>
+                            <a:schemeClr val="tx1"/>
+                          </a:solidFill>
+                          <a:effectLst/>
+                          <a:latin typeface="+mn-lt"/>
+                          <a:ea typeface="+mn-ea"/>
+                          <a:cs typeface="+mn-cs"/>
+                        </a:rPr>
+                        <a:t>Dr. </a:t>
+                      </a:r>
+                      <a:r>
+                        <a:rPr lang="en-US" sz="1800" b="0" kern="1200" dirty="0" err="1" smtClean="0">
+                          <a:solidFill>
+                            <a:schemeClr val="tx1"/>
+                          </a:solidFill>
+                          <a:effectLst/>
+                          <a:latin typeface="+mn-lt"/>
+                          <a:ea typeface="+mn-ea"/>
+                          <a:cs typeface="+mn-cs"/>
+                        </a:rPr>
+                        <a:t>Vidya</a:t>
+                      </a:r>
+                      <a:r>
+                        <a:rPr lang="en-US" sz="1800" b="0" kern="1200" dirty="0" smtClean="0">
+                          <a:solidFill>
+                            <a:schemeClr val="tx1"/>
+                          </a:solidFill>
+                          <a:effectLst/>
+                          <a:latin typeface="+mn-lt"/>
+                          <a:ea typeface="+mn-ea"/>
+                          <a:cs typeface="+mn-cs"/>
+                        </a:rPr>
+                        <a:t> Singh-Gupta</a:t>
+                      </a:r>
+                      <a:endParaRPr lang="en-US" b="0" dirty="0">
+                        <a:solidFill>
+                          <a:schemeClr val="tx1"/>
+                        </a:solidFill>
+                      </a:endParaRPr>
+                    </a:p>
+                  </a:txBody>
+                  <a:tcPr>
+                    <a:lnL w="12700" cmpd="sng">
+                      <a:noFill/>
+                    </a:lnL>
+                    <a:lnR w="12700" cmpd="sng">
+                      <a:noFill/>
+                    </a:lnR>
+                    <a:lnT w="12700" cmpd="sng">
+                      <a:noFill/>
+                    </a:lnT>
+                    <a:lnB w="12700" cmpd="sng">
+                      <a:noFill/>
+                    </a:lnB>
+                    <a:lnTlToBr w="12700" cmpd="sng">
+                      <a:noFill/>
+                      <a:prstDash val="solid"/>
+                    </a:lnTlToBr>
+                    <a:lnBlToTr w="12700" cmpd="sng">
+                      <a:noFill/>
+                      <a:prstDash val="solid"/>
+                    </a:lnBlToTr>
+                    <a:noFill/>
+                  </a:tcPr>
+                </a:tc>
+                <a:tc>
+                  <a:txBody>
+                    <a:bodyPr/>
+                    <a:lstStyle/>
+                    <a:p>
+                      <a:r>
+                        <a:rPr lang="en-US" sz="1800" b="0" kern="1200" dirty="0" smtClean="0">
+                          <a:solidFill>
+                            <a:schemeClr val="tx1"/>
+                          </a:solidFill>
+                          <a:effectLst/>
+                          <a:latin typeface="+mn-lt"/>
+                          <a:ea typeface="+mn-ea"/>
+                          <a:cs typeface="+mn-cs"/>
+                        </a:rPr>
+                        <a:t>Scott J. Grunewald </a:t>
+                      </a:r>
+                      <a:endParaRPr lang="en-US" b="0" dirty="0">
+                        <a:solidFill>
+                          <a:schemeClr val="tx1"/>
+                        </a:solidFill>
+                      </a:endParaRPr>
+                    </a:p>
+                  </a:txBody>
+                  <a:tcPr>
+                    <a:lnL w="12700" cmpd="sng">
+                      <a:noFill/>
+                    </a:lnL>
+                    <a:lnR w="12700" cmpd="sng">
+                      <a:noFill/>
+                    </a:lnR>
+                    <a:lnT w="12700" cmpd="sng">
+                      <a:noFill/>
+                    </a:lnT>
+                    <a:lnB w="12700" cmpd="sng">
+                      <a:noFill/>
+                    </a:lnB>
+                    <a:lnTlToBr w="12700" cmpd="sng">
+                      <a:noFill/>
+                      <a:prstDash val="solid"/>
+                    </a:lnTlToBr>
+                    <a:lnBlToTr w="12700" cmpd="sng">
+                      <a:noFill/>
+                      <a:prstDash val="solid"/>
+                    </a:lnBlToTr>
+                    <a:noFill/>
+                  </a:tcPr>
+                </a:tc>
+              </a:tr>
+              <a:tr h="386366">
+                <a:tc>
+                  <a:txBody>
+                    <a:bodyPr/>
+                    <a:lstStyle/>
+                    <a:p>
+                      <a:r>
+                        <a:rPr lang="en-US" b="0" dirty="0" smtClean="0">
+                          <a:solidFill>
+                            <a:schemeClr val="tx1"/>
+                          </a:solidFill>
+                        </a:rPr>
+                        <a:t>Dr. Lizette Chevalier </a:t>
+                      </a:r>
+                      <a:endParaRPr lang="en-US" b="0" dirty="0">
+                        <a:solidFill>
+                          <a:schemeClr val="tx1"/>
+                        </a:solidFill>
+                      </a:endParaRPr>
+                    </a:p>
+                  </a:txBody>
+                  <a:tcPr>
+                    <a:lnL w="12700" cmpd="sng">
+                      <a:noFill/>
+                    </a:lnL>
+                    <a:lnR w="12700" cmpd="sng">
+                      <a:noFill/>
+                    </a:lnR>
+                    <a:lnT w="12700" cmpd="sng">
+                      <a:noFill/>
+                    </a:lnT>
+                    <a:lnB w="12700" cmpd="sng">
+                      <a:noFill/>
+                    </a:lnB>
+                    <a:lnTlToBr w="12700" cmpd="sng">
+                      <a:noFill/>
+                      <a:prstDash val="solid"/>
+                    </a:lnTlToBr>
+                    <a:lnBlToTr w="12700" cmpd="sng">
+                      <a:noFill/>
+                      <a:prstDash val="solid"/>
+                    </a:lnBlToTr>
+                    <a:noFill/>
+                  </a:tcPr>
+                </a:tc>
+                <a:tc>
+                  <a:txBody>
+                    <a:bodyPr/>
+                    <a:lstStyle/>
+                    <a:p>
+                      <a:r>
+                        <a:rPr lang="en-US" sz="1800" b="0" kern="1200" dirty="0" smtClean="0">
+                          <a:solidFill>
+                            <a:schemeClr val="tx1"/>
+                          </a:solidFill>
+                          <a:effectLst/>
+                          <a:latin typeface="+mn-lt"/>
+                          <a:ea typeface="+mn-ea"/>
+                          <a:cs typeface="+mn-cs"/>
+                        </a:rPr>
+                        <a:t>Dr. Frances </a:t>
+                      </a:r>
+                      <a:r>
+                        <a:rPr lang="en-US" sz="1800" b="0" kern="1200" dirty="0" err="1" smtClean="0">
+                          <a:solidFill>
+                            <a:schemeClr val="tx1"/>
+                          </a:solidFill>
+                          <a:effectLst/>
+                          <a:latin typeface="+mn-lt"/>
+                          <a:ea typeface="+mn-ea"/>
+                          <a:cs typeface="+mn-cs"/>
+                        </a:rPr>
+                        <a:t>Harackiewicz</a:t>
+                      </a:r>
+                      <a:endParaRPr lang="en-US" b="0" dirty="0">
+                        <a:solidFill>
+                          <a:schemeClr val="tx1"/>
+                        </a:solidFill>
+                      </a:endParaRPr>
+                    </a:p>
+                  </a:txBody>
+                  <a:tcPr>
+                    <a:lnL w="12700" cmpd="sng">
+                      <a:noFill/>
+                    </a:lnL>
+                    <a:lnR w="12700" cmpd="sng">
+                      <a:noFill/>
+                    </a:lnR>
+                    <a:lnT w="12700" cmpd="sng">
+                      <a:noFill/>
+                    </a:lnT>
+                    <a:lnB w="12700" cmpd="sng">
+                      <a:noFill/>
+                    </a:lnB>
+                    <a:lnTlToBr w="12700" cmpd="sng">
+                      <a:noFill/>
+                      <a:prstDash val="solid"/>
+                    </a:lnTlToBr>
+                    <a:lnBlToTr w="12700" cmpd="sng">
+                      <a:noFill/>
+                      <a:prstDash val="solid"/>
+                    </a:lnBlToTr>
+                    <a:noFill/>
+                  </a:tcPr>
+                </a:tc>
+                <a:tc>
+                  <a:txBody>
+                    <a:bodyPr/>
+                    <a:lstStyle/>
+                    <a:p>
+                      <a:r>
+                        <a:rPr lang="en-US" sz="1800" b="0" kern="1200" dirty="0" smtClean="0">
+                          <a:solidFill>
+                            <a:schemeClr val="tx1"/>
+                          </a:solidFill>
+                          <a:effectLst/>
+                          <a:latin typeface="+mn-lt"/>
+                          <a:ea typeface="+mn-ea"/>
+                          <a:cs typeface="+mn-cs"/>
+                        </a:rPr>
+                        <a:t>Eddie </a:t>
+                      </a:r>
+                      <a:r>
+                        <a:rPr lang="en-US" sz="1800" b="0" kern="1200" dirty="0" err="1" smtClean="0">
+                          <a:solidFill>
+                            <a:schemeClr val="tx1"/>
+                          </a:solidFill>
+                          <a:effectLst/>
+                          <a:latin typeface="+mn-lt"/>
+                          <a:ea typeface="+mn-ea"/>
+                          <a:cs typeface="+mn-cs"/>
+                        </a:rPr>
+                        <a:t>Krassenstein</a:t>
+                      </a:r>
+                      <a:r>
+                        <a:rPr lang="en-US" sz="1800" b="0" kern="1200" dirty="0" smtClean="0">
+                          <a:solidFill>
+                            <a:schemeClr val="tx1"/>
+                          </a:solidFill>
+                          <a:effectLst/>
+                          <a:latin typeface="+mn-lt"/>
+                          <a:ea typeface="+mn-ea"/>
+                          <a:cs typeface="+mn-cs"/>
+                        </a:rPr>
+                        <a:t> </a:t>
+                      </a:r>
+                      <a:endParaRPr lang="en-US" b="0" dirty="0">
+                        <a:solidFill>
+                          <a:schemeClr val="tx1"/>
+                        </a:solidFill>
+                      </a:endParaRPr>
+                    </a:p>
+                  </a:txBody>
+                  <a:tcPr>
+                    <a:lnL w="12700" cmpd="sng">
+                      <a:noFill/>
+                    </a:lnL>
+                    <a:lnR w="12700" cmpd="sng">
+                      <a:noFill/>
+                    </a:lnR>
+                    <a:lnT w="12700" cmpd="sng">
+                      <a:noFill/>
+                    </a:lnT>
+                    <a:lnB w="12700" cmpd="sng">
+                      <a:noFill/>
+                    </a:lnB>
+                    <a:lnTlToBr w="12700" cmpd="sng">
+                      <a:noFill/>
+                      <a:prstDash val="solid"/>
+                    </a:lnTlToBr>
+                    <a:lnBlToTr w="12700" cmpd="sng">
+                      <a:noFill/>
+                      <a:prstDash val="solid"/>
+                    </a:lnBlToTr>
+                    <a:noFill/>
+                  </a:tcPr>
+                </a:tc>
+              </a:tr>
+              <a:tr h="399245">
+                <a:tc>
+                  <a:txBody>
+                    <a:bodyPr/>
+                    <a:lstStyle/>
+                    <a:p>
+                      <a:r>
+                        <a:rPr lang="en-US" sz="1800" b="0" kern="1200" dirty="0" smtClean="0">
+                          <a:solidFill>
+                            <a:schemeClr val="tx1"/>
+                          </a:solidFill>
+                          <a:effectLst/>
+                          <a:latin typeface="+mn-lt"/>
+                          <a:ea typeface="+mn-ea"/>
+                          <a:cs typeface="+mn-cs"/>
+                        </a:rPr>
+                        <a:t>Dr. James Mathias </a:t>
+                      </a:r>
+                      <a:endParaRPr lang="en-US" b="0" dirty="0">
+                        <a:solidFill>
+                          <a:schemeClr val="tx1"/>
+                        </a:solidFill>
+                      </a:endParaRPr>
+                    </a:p>
+                  </a:txBody>
+                  <a:tcPr>
+                    <a:lnL w="12700" cmpd="sng">
+                      <a:noFill/>
+                    </a:lnL>
+                    <a:lnR w="12700" cmpd="sng">
+                      <a:noFill/>
+                    </a:lnR>
+                    <a:lnT w="12700" cmpd="sng">
+                      <a:noFill/>
+                    </a:lnT>
+                    <a:lnB w="12700" cmpd="sng">
+                      <a:noFill/>
+                    </a:lnB>
+                    <a:lnTlToBr w="12700" cmpd="sng">
+                      <a:noFill/>
+                      <a:prstDash val="solid"/>
+                    </a:lnTlToBr>
+                    <a:lnBlToTr w="12700" cmpd="sng">
+                      <a:noFill/>
+                      <a:prstDash val="solid"/>
+                    </a:lnBlToTr>
+                    <a:noFill/>
+                  </a:tcPr>
+                </a:tc>
+                <a:tc>
+                  <a:txBody>
+                    <a:bodyPr/>
+                    <a:lstStyle/>
+                    <a:p>
+                      <a:r>
+                        <a:rPr lang="en-US" sz="1800" b="0" kern="1200" dirty="0" smtClean="0">
+                          <a:solidFill>
+                            <a:schemeClr val="tx1"/>
+                          </a:solidFill>
+                          <a:effectLst/>
+                          <a:latin typeface="+mn-lt"/>
+                          <a:ea typeface="+mn-ea"/>
+                          <a:cs typeface="+mn-cs"/>
+                        </a:rPr>
+                        <a:t>Dr. Alan J. Weston </a:t>
+                      </a:r>
+                      <a:endParaRPr lang="en-US" b="0" dirty="0">
+                        <a:solidFill>
+                          <a:schemeClr val="tx1"/>
+                        </a:solidFill>
+                      </a:endParaRPr>
+                    </a:p>
+                  </a:txBody>
+                  <a:tcPr>
+                    <a:lnL w="12700" cmpd="sng">
+                      <a:noFill/>
+                    </a:lnL>
+                    <a:lnR w="12700" cmpd="sng">
+                      <a:noFill/>
+                    </a:lnR>
+                    <a:lnT w="12700" cmpd="sng">
+                      <a:noFill/>
+                    </a:lnT>
+                    <a:lnB w="12700" cmpd="sng">
+                      <a:noFill/>
+                    </a:lnB>
+                    <a:lnTlToBr w="12700" cmpd="sng">
+                      <a:noFill/>
+                      <a:prstDash val="solid"/>
+                    </a:lnTlToBr>
+                    <a:lnBlToTr w="12700" cmpd="sng">
+                      <a:noFill/>
+                      <a:prstDash val="solid"/>
+                    </a:lnBlToTr>
+                    <a:noFill/>
+                  </a:tcPr>
+                </a:tc>
+                <a:tc>
+                  <a:txBody>
+                    <a:bodyPr/>
+                    <a:lstStyle/>
+                    <a:p>
+                      <a:r>
+                        <a:rPr lang="en-US" sz="1800" b="0" kern="1200" dirty="0" smtClean="0">
+                          <a:solidFill>
+                            <a:schemeClr val="tx1"/>
+                          </a:solidFill>
+                          <a:effectLst/>
+                          <a:latin typeface="+mn-lt"/>
+                          <a:ea typeface="+mn-ea"/>
+                          <a:cs typeface="+mn-cs"/>
+                        </a:rPr>
+                        <a:t>Austin Miller </a:t>
+                      </a:r>
+                      <a:endParaRPr lang="en-US" b="0" dirty="0">
+                        <a:solidFill>
+                          <a:schemeClr val="tx1"/>
+                        </a:solidFill>
+                      </a:endParaRPr>
+                    </a:p>
+                  </a:txBody>
+                  <a:tcPr>
+                    <a:lnL w="12700" cmpd="sng">
+                      <a:noFill/>
+                    </a:lnL>
+                    <a:lnR w="12700" cmpd="sng">
+                      <a:noFill/>
+                    </a:lnR>
+                    <a:lnT w="12700" cmpd="sng">
+                      <a:noFill/>
+                    </a:lnT>
+                    <a:lnB w="12700" cmpd="sng">
+                      <a:noFill/>
+                    </a:lnB>
+                    <a:lnTlToBr w="12700" cmpd="sng">
+                      <a:noFill/>
+                      <a:prstDash val="solid"/>
+                    </a:lnTlToBr>
+                    <a:lnBlToTr w="12700" cmpd="sng">
+                      <a:noFill/>
+                      <a:prstDash val="solid"/>
+                    </a:lnBlToTr>
+                    <a:noFill/>
+                  </a:tcPr>
+                </a:tc>
+              </a:tr>
+              <a:tr h="347729">
+                <a:tc>
+                  <a:txBody>
+                    <a:bodyPr/>
+                    <a:lstStyle/>
+                    <a:p>
+                      <a:r>
+                        <a:rPr lang="en-US" sz="1800" b="0" kern="1200" dirty="0" smtClean="0">
+                          <a:solidFill>
+                            <a:schemeClr val="tx1"/>
+                          </a:solidFill>
+                          <a:effectLst/>
+                          <a:latin typeface="+mn-lt"/>
+                          <a:ea typeface="+mn-ea"/>
+                          <a:cs typeface="+mn-cs"/>
+                        </a:rPr>
+                        <a:t>Dr. James Mabry </a:t>
+                      </a:r>
+                      <a:endParaRPr lang="en-US" b="0" dirty="0">
+                        <a:solidFill>
+                          <a:schemeClr val="tx1"/>
+                        </a:solidFill>
+                      </a:endParaRPr>
+                    </a:p>
+                  </a:txBody>
+                  <a:tcPr>
+                    <a:lnL w="12700" cmpd="sng">
+                      <a:noFill/>
+                    </a:lnL>
+                    <a:lnR w="12700" cmpd="sng">
+                      <a:noFill/>
+                    </a:lnR>
+                    <a:lnT w="12700" cmpd="sng">
+                      <a:noFill/>
+                    </a:lnT>
+                    <a:lnB w="12700" cmpd="sng">
+                      <a:noFill/>
+                    </a:lnB>
+                    <a:lnTlToBr w="12700" cmpd="sng">
+                      <a:noFill/>
+                      <a:prstDash val="solid"/>
+                    </a:lnTlToBr>
+                    <a:lnBlToTr w="12700" cmpd="sng">
+                      <a:noFill/>
+                      <a:prstDash val="solid"/>
+                    </a:lnBlToTr>
+                    <a:noFill/>
+                  </a:tcPr>
+                </a:tc>
+                <a:tc>
+                  <a:txBody>
+                    <a:bodyPr/>
+                    <a:lstStyle/>
+                    <a:p>
+                      <a:r>
+                        <a:rPr lang="en-US" sz="1800" b="0" i="0" kern="1200" dirty="0" smtClean="0">
+                          <a:solidFill>
+                            <a:schemeClr val="dk1"/>
+                          </a:solidFill>
+                          <a:effectLst/>
+                          <a:latin typeface="+mn-lt"/>
+                          <a:ea typeface="+mn-ea"/>
+                          <a:cs typeface="+mn-cs"/>
+                        </a:rPr>
+                        <a:t>Kay Purcell</a:t>
+                      </a:r>
+                      <a:endParaRPr lang="en-US" dirty="0"/>
+                    </a:p>
+                  </a:txBody>
+                  <a:tcPr>
+                    <a:lnL w="12700" cmpd="sng">
+                      <a:noFill/>
+                    </a:lnL>
+                    <a:lnR w="12700" cmpd="sng">
+                      <a:noFill/>
+                    </a:lnR>
+                    <a:lnT w="12700" cmpd="sng">
+                      <a:noFill/>
+                    </a:lnT>
+                    <a:lnB w="12700" cmpd="sng">
+                      <a:noFill/>
+                    </a:lnB>
+                    <a:lnTlToBr w="12700" cmpd="sng">
+                      <a:noFill/>
+                      <a:prstDash val="solid"/>
+                    </a:lnTlToBr>
+                    <a:lnBlToTr w="12700" cmpd="sng">
+                      <a:noFill/>
+                      <a:prstDash val="solid"/>
+                    </a:lnBlToTr>
+                    <a:noFill/>
+                  </a:tcPr>
+                </a:tc>
+                <a:tc>
+                  <a:txBody>
+                    <a:bodyPr/>
+                    <a:lstStyle/>
+                    <a:p>
+                      <a:r>
+                        <a:rPr lang="en-US" b="0" dirty="0" err="1" smtClean="0">
+                          <a:solidFill>
+                            <a:schemeClr val="tx1"/>
+                          </a:solidFill>
+                        </a:rPr>
+                        <a:t>Indiegogo</a:t>
+                      </a:r>
+                      <a:r>
+                        <a:rPr lang="en-US" b="0" dirty="0" smtClean="0">
+                          <a:solidFill>
+                            <a:schemeClr val="tx1"/>
+                          </a:solidFill>
+                        </a:rPr>
+                        <a:t> Funders</a:t>
+                      </a:r>
+                      <a:endParaRPr lang="en-US" b="0" dirty="0">
+                        <a:solidFill>
+                          <a:schemeClr val="tx1"/>
+                        </a:solidFill>
+                      </a:endParaRPr>
+                    </a:p>
+                  </a:txBody>
+                  <a:tcPr>
+                    <a:lnL w="12700" cmpd="sng">
+                      <a:noFill/>
+                    </a:lnL>
+                    <a:lnR w="12700" cmpd="sng">
+                      <a:noFill/>
+                    </a:lnR>
+                    <a:lnT w="12700" cmpd="sng">
+                      <a:noFill/>
+                    </a:lnT>
+                    <a:lnB w="12700" cmpd="sng">
+                      <a:noFill/>
+                    </a:lnB>
+                    <a:lnTlToBr w="12700" cmpd="sng">
+                      <a:noFill/>
+                      <a:prstDash val="solid"/>
+                    </a:lnTlToBr>
+                    <a:lnBlToTr w="12700" cmpd="sng">
+                      <a:noFill/>
+                      <a:prstDash val="solid"/>
+                    </a:lnBlToTr>
+                    <a:noFill/>
+                  </a:tcPr>
+                </a:tc>
+              </a:tr>
+              <a:tr h="394093">
+                <a:tc>
+                  <a:txBody>
+                    <a:bodyPr/>
+                    <a:lstStyle/>
+                    <a:p>
+                      <a:pPr marL="0" marR="0" indent="0" algn="l" defTabSz="457200" rtl="0" eaLnBrk="1" fontAlgn="auto" latinLnBrk="0" hangingPunct="1">
+                        <a:lnSpc>
+                          <a:spcPct val="100000"/>
+                        </a:lnSpc>
+                        <a:spcBef>
+                          <a:spcPts val="0"/>
+                        </a:spcBef>
+                        <a:spcAft>
+                          <a:spcPts val="0"/>
+                        </a:spcAft>
+                        <a:buClrTx/>
+                        <a:buSzTx/>
+                        <a:buFontTx/>
+                        <a:buNone/>
+                        <a:tabLst/>
+                        <a:defRPr/>
+                      </a:pPr>
+                      <a:r>
+                        <a:rPr lang="en-US" sz="1800" b="0" kern="1200" dirty="0" smtClean="0">
+                          <a:solidFill>
+                            <a:schemeClr val="tx1"/>
+                          </a:solidFill>
+                          <a:effectLst/>
+                          <a:latin typeface="+mn-lt"/>
+                          <a:ea typeface="+mn-ea"/>
+                          <a:cs typeface="+mn-cs"/>
+                        </a:rPr>
+                        <a:t>Tim </a:t>
+                      </a:r>
+                      <a:r>
+                        <a:rPr lang="en-US" sz="1800" b="0" kern="1200" dirty="0" err="1" smtClean="0">
+                          <a:solidFill>
+                            <a:schemeClr val="tx1"/>
+                          </a:solidFill>
+                          <a:effectLst/>
+                          <a:latin typeface="+mn-lt"/>
+                          <a:ea typeface="+mn-ea"/>
+                          <a:cs typeface="+mn-cs"/>
+                        </a:rPr>
+                        <a:t>Attig</a:t>
+                      </a:r>
+                      <a:r>
+                        <a:rPr lang="en-US" sz="1800" b="0" kern="1200" dirty="0" smtClean="0">
+                          <a:solidFill>
+                            <a:schemeClr val="tx1"/>
+                          </a:solidFill>
+                          <a:effectLst/>
+                          <a:latin typeface="+mn-lt"/>
+                          <a:ea typeface="+mn-ea"/>
+                          <a:cs typeface="+mn-cs"/>
+                        </a:rPr>
+                        <a:t> </a:t>
+                      </a:r>
+                      <a:endParaRPr lang="en-US" b="0" dirty="0" smtClean="0">
+                        <a:solidFill>
+                          <a:schemeClr val="tx1"/>
+                        </a:solidFill>
+                      </a:endParaRPr>
+                    </a:p>
+                  </a:txBody>
+                  <a:tcPr>
+                    <a:lnL w="12700" cmpd="sng">
+                      <a:noFill/>
+                    </a:lnL>
+                    <a:lnR w="12700" cmpd="sng">
+                      <a:noFill/>
+                    </a:lnR>
+                    <a:lnT w="12700" cmpd="sng">
+                      <a:noFill/>
+                    </a:lnT>
+                    <a:lnB w="12700" cmpd="sng">
+                      <a:noFill/>
+                    </a:lnB>
+                    <a:lnTlToBr w="12700" cmpd="sng">
+                      <a:noFill/>
+                      <a:prstDash val="solid"/>
+                    </a:lnTlToBr>
+                    <a:lnBlToTr w="12700" cmpd="sng">
+                      <a:noFill/>
+                      <a:prstDash val="solid"/>
+                    </a:lnBlToTr>
+                    <a:noFill/>
+                  </a:tcPr>
+                </a:tc>
+                <a:tc>
+                  <a:txBody>
+                    <a:bodyPr/>
+                    <a:lstStyle/>
+                    <a:p>
+                      <a:pPr marL="0" marR="0" indent="0" algn="l" defTabSz="457200" rtl="0" eaLnBrk="1" fontAlgn="auto" latinLnBrk="0" hangingPunct="1">
+                        <a:lnSpc>
+                          <a:spcPct val="100000"/>
+                        </a:lnSpc>
+                        <a:spcBef>
+                          <a:spcPts val="0"/>
+                        </a:spcBef>
+                        <a:spcAft>
+                          <a:spcPts val="0"/>
+                        </a:spcAft>
+                        <a:buClrTx/>
+                        <a:buSzTx/>
+                        <a:buFontTx/>
+                        <a:buNone/>
+                        <a:tabLst/>
+                        <a:defRPr/>
+                      </a:pPr>
+                      <a:r>
+                        <a:rPr lang="en-US" sz="1800" b="0" kern="1200" dirty="0" smtClean="0">
+                          <a:solidFill>
+                            <a:schemeClr val="tx1"/>
+                          </a:solidFill>
+                          <a:effectLst/>
+                          <a:latin typeface="+mn-lt"/>
+                          <a:ea typeface="+mn-ea"/>
+                          <a:cs typeface="+mn-cs"/>
+                        </a:rPr>
+                        <a:t>Joe Lennox</a:t>
+                      </a:r>
+                      <a:endParaRPr lang="en-US" b="0" dirty="0" smtClean="0">
+                        <a:solidFill>
+                          <a:schemeClr val="tx1"/>
+                        </a:solidFill>
+                      </a:endParaRPr>
+                    </a:p>
+                  </a:txBody>
+                  <a:tcPr>
+                    <a:lnL w="12700" cmpd="sng">
+                      <a:noFill/>
+                    </a:lnL>
+                    <a:lnR w="12700" cmpd="sng">
+                      <a:noFill/>
+                    </a:lnR>
+                    <a:lnT w="12700" cmpd="sng">
+                      <a:noFill/>
+                    </a:lnT>
+                    <a:lnB w="12700" cmpd="sng">
+                      <a:noFill/>
+                    </a:lnB>
+                    <a:lnTlToBr w="12700" cmpd="sng">
+                      <a:noFill/>
+                      <a:prstDash val="solid"/>
+                    </a:lnTlToBr>
+                    <a:lnBlToTr w="12700" cmpd="sng">
+                      <a:noFill/>
+                      <a:prstDash val="solid"/>
+                    </a:lnBlToTr>
+                    <a:noFill/>
+                  </a:tcPr>
+                </a:tc>
+                <a:tc>
+                  <a:txBody>
+                    <a:bodyPr/>
+                    <a:lstStyle/>
+                    <a:p>
+                      <a:endParaRPr lang="en-US" dirty="0"/>
+                    </a:p>
+                  </a:txBody>
+                  <a:tcPr>
+                    <a:lnL w="12700" cmpd="sng">
+                      <a:noFill/>
+                    </a:lnL>
+                    <a:lnR w="12700" cmpd="sng">
+                      <a:noFill/>
+                    </a:lnR>
+                    <a:lnT w="12700" cmpd="sng">
+                      <a:noFill/>
+                    </a:lnT>
+                    <a:lnB w="12700" cmpd="sng">
+                      <a:noFill/>
+                    </a:lnB>
+                    <a:lnTlToBr w="12700" cmpd="sng">
+                      <a:noFill/>
+                      <a:prstDash val="solid"/>
+                    </a:lnTlToBr>
+                    <a:lnBlToTr w="12700" cmpd="sng">
+                      <a:noFill/>
+                      <a:prstDash val="solid"/>
+                    </a:lnBlToTr>
+                    <a:noFill/>
+                  </a:tcPr>
+                </a:tc>
+              </a:tr>
+            </a:tbl>
+          </a:graphicData>
+        </a:graphic>
+      </p:graphicFrame>
       <p:sp>
         <p:nvSpPr>
           <p:cNvPr id="4" name="Slide Number Placeholder 3"/>
@@ -8642,16 +11077,17 @@
           <a:p>
             <a:fld id="{5C6BB475-B640-4DD3-A1AA-1CF10A44AA06}" type="slidenum">
               <a:rPr lang="en-US" smtClean="0"/>
+              <a:pPr/>
               <a:t>21</a:t>
             </a:fld>
-            <a:endParaRPr lang="en-US"/>
+            <a:endParaRPr lang="en-US" dirty="0"/>
           </a:p>
         </p:txBody>
       </p:sp>
     </p:spTree>
     <p:extLst>
       <p:ext uri="{BB962C8B-B14F-4D97-AF65-F5344CB8AC3E}">
-        <p14:creationId xmlns:p14="http://schemas.microsoft.com/office/powerpoint/2010/main" val="2150469081"/>
+        <p14:creationId xmlns:p14="http://schemas.microsoft.com/office/powerpoint/2010/main" val="767577116"/>
       </p:ext>
     </p:extLst>
   </p:cSld>
@@ -8697,101 +11133,6 @@
         </p:nvSpPr>
         <p:spPr/>
         <p:txBody>
-          <a:bodyPr/>
-          <a:lstStyle/>
-          <a:p>
-            <a:r>
-              <a:rPr lang="en-US" dirty="0" smtClean="0"/>
-              <a:t>Acknowledgments</a:t>
-            </a:r>
-            <a:endParaRPr lang="en-US" dirty="0"/>
-          </a:p>
-        </p:txBody>
-      </p:sp>
-      <p:sp>
-        <p:nvSpPr>
-          <p:cNvPr id="3" name="Content Placeholder 2"/>
-          <p:cNvSpPr>
-            <a:spLocks noGrp="1"/>
-          </p:cNvSpPr>
-          <p:nvPr>
-            <p:ph idx="1"/>
-          </p:nvPr>
-        </p:nvSpPr>
-        <p:spPr/>
-        <p:txBody>
-          <a:bodyPr/>
-          <a:lstStyle/>
-          <a:p>
-            <a:endParaRPr lang="en-US" dirty="0"/>
-          </a:p>
-        </p:txBody>
-      </p:sp>
-      <p:sp>
-        <p:nvSpPr>
-          <p:cNvPr id="4" name="Slide Number Placeholder 3"/>
-          <p:cNvSpPr>
-            <a:spLocks noGrp="1"/>
-          </p:cNvSpPr>
-          <p:nvPr>
-            <p:ph type="sldNum" sz="quarter" idx="12"/>
-          </p:nvPr>
-        </p:nvSpPr>
-        <p:spPr/>
-        <p:txBody>
-          <a:bodyPr/>
-          <a:lstStyle/>
-          <a:p>
-            <a:fld id="{5C6BB475-B640-4DD3-A1AA-1CF10A44AA06}" type="slidenum">
-              <a:rPr lang="en-US" smtClean="0"/>
-              <a:t>22</a:t>
-            </a:fld>
-            <a:endParaRPr lang="en-US"/>
-          </a:p>
-        </p:txBody>
-      </p:sp>
-    </p:spTree>
-    <p:extLst>
-      <p:ext uri="{BB962C8B-B14F-4D97-AF65-F5344CB8AC3E}">
-        <p14:creationId xmlns:p14="http://schemas.microsoft.com/office/powerpoint/2010/main" val="4148977491"/>
-      </p:ext>
-    </p:extLst>
-  </p:cSld>
-  <p:clrMapOvr>
-    <a:masterClrMapping/>
-  </p:clrMapOvr>
-</p:sld>
-</file>
-
-<file path=ppt/slides/slide23.xml><?xml version="1.0" encoding="utf-8"?>
-<p:sld xmlns:a="http://schemas.openxmlformats.org/drawingml/2006/main" xmlns:r="http://schemas.openxmlformats.org/officeDocument/2006/relationships" xmlns:p="http://schemas.openxmlformats.org/presentationml/2006/main">
-  <p:cSld>
-    <p:spTree>
-      <p:nvGrpSpPr>
-        <p:cNvPr id="1" name=""/>
-        <p:cNvGrpSpPr/>
-        <p:nvPr/>
-      </p:nvGrpSpPr>
-      <p:grpSpPr>
-        <a:xfrm>
-          <a:off x="0" y="0"/>
-          <a:ext cx="0" cy="0"/>
-          <a:chOff x="0" y="0"/>
-          <a:chExt cx="0" cy="0"/>
-        </a:xfrm>
-      </p:grpSpPr>
-      <p:sp>
-        <p:nvSpPr>
-          <p:cNvPr id="2" name="Title 1"/>
-          <p:cNvSpPr>
-            <a:spLocks noGrp="1"/>
-          </p:cNvSpPr>
-          <p:nvPr>
-            <p:ph type="title"/>
-          </p:nvPr>
-        </p:nvSpPr>
-        <p:spPr/>
-        <p:txBody>
           <a:bodyPr>
             <a:normAutofit/>
           </a:bodyPr>
@@ -9075,7 +11416,7 @@
           <a:p>
             <a:fld id="{5C6BB475-B640-4DD3-A1AA-1CF10A44AA06}" type="slidenum">
               <a:rPr lang="en-US" smtClean="0"/>
-              <a:t>23</a:t>
+              <a:t>22</a:t>
             </a:fld>
             <a:endParaRPr lang="en-US"/>
           </a:p>
@@ -9305,7 +11646,7 @@
         <p:spPr/>
         <p:txBody>
           <a:bodyPr>
-            <a:normAutofit fontScale="92500" lnSpcReduction="20000"/>
+            <a:normAutofit fontScale="70000" lnSpcReduction="20000"/>
           </a:bodyPr>
           <a:lstStyle/>
           <a:p>
@@ -9314,7 +11655,26 @@
             </a:pPr>
             <a:r>
               <a:rPr lang="en-US" dirty="0" smtClean="0"/>
-              <a:t>Problem Statement</a:t>
+              <a:t>Problem</a:t>
+            </a:r>
+          </a:p>
+          <a:p>
+            <a:pPr lvl="1" fontAlgn="base"/>
+            <a:r>
+              <a:rPr lang="en-US" dirty="0"/>
+              <a:t>High resolution additive manufacturing </a:t>
+            </a:r>
+            <a:r>
+              <a:rPr lang="en-US" dirty="0" smtClean="0"/>
+              <a:t>is </a:t>
+            </a:r>
+            <a:r>
+              <a:rPr lang="en-US" dirty="0"/>
+              <a:t>not accessible for hobbyists (under $1,000</a:t>
+            </a:r>
+            <a:r>
+              <a:rPr lang="en-US" dirty="0" smtClean="0"/>
+              <a:t>)</a:t>
             </a:r>
           </a:p>
           <a:p>
@@ -9325,25 +11685,31 @@
             </a:r>
             <a:r>
               <a:rPr lang="en-US" dirty="0"/>
-              <a:t>hobbyist 3D printers are imprecise and fault-prone</a:t>
-            </a:r>
+              <a:t>hobbyist 3D printers are </a:t>
+            </a:r>
+            <a:r>
+              <a:rPr lang="en-US" dirty="0" smtClean="0"/>
+              <a:t>imprecise, fault-prone, and poorly documented</a:t>
+            </a:r>
+            <a:endParaRPr lang="en-US" dirty="0"/>
           </a:p>
           <a:p>
             <a:pPr lvl="1" fontAlgn="base"/>
             <a:r>
+              <a:rPr lang="en-US" dirty="0" smtClean="0"/>
+              <a:t>Available </a:t>
+            </a:r>
+            <a:r>
               <a:rPr lang="en-US" dirty="0"/>
-              <a:t>High resolution additive manufacturing is currently not accessible for hobbyists (under $1,000</a:t>
+              <a:t>PAM </a:t>
             </a:r>
             <a:r>
               <a:rPr lang="en-US" dirty="0" smtClean="0"/>
-              <a:t>)</a:t>
-            </a:r>
-          </a:p>
-          <a:p>
-            <a:pPr lvl="1" fontAlgn="base"/>
+              <a:t>systems are inflexible, </a:t>
+            </a:r>
             <a:r>
               <a:rPr lang="en-US" dirty="0"/>
-              <a:t>Available PAM systems use proprietary hardware and </a:t>
+              <a:t>use proprietary hardware and </a:t>
             </a:r>
             <a:r>
               <a:rPr lang="en-US" dirty="0" smtClean="0"/>
@@ -9356,7 +11722,67 @@
             </a:pPr>
             <a:r>
               <a:rPr lang="en-US" dirty="0" smtClean="0"/>
-              <a:t>Our Solution</a:t>
+              <a:t>Solution</a:t>
+            </a:r>
+          </a:p>
+          <a:p>
+            <a:pPr lvl="1"/>
+            <a:r>
+              <a:rPr lang="en-US" dirty="0" err="1" smtClean="0"/>
+              <a:t>Libre</a:t>
+            </a:r>
+            <a:endParaRPr lang="en-US" dirty="0" smtClean="0"/>
+          </a:p>
+          <a:p>
+            <a:pPr lvl="1"/>
+            <a:r>
+              <a:rPr lang="en-US" dirty="0" smtClean="0"/>
+              <a:t>Accessible </a:t>
+            </a:r>
+            <a:r>
+              <a:rPr lang="en-US" dirty="0"/>
+              <a:t>to the hobbyist</a:t>
+            </a:r>
+          </a:p>
+          <a:p>
+            <a:pPr lvl="1"/>
+            <a:r>
+              <a:rPr lang="en-US" dirty="0" smtClean="0"/>
+              <a:t>Precise </a:t>
+            </a:r>
+            <a:r>
+              <a:rPr lang="en-US" dirty="0"/>
+              <a:t>and repeatable</a:t>
+            </a:r>
+          </a:p>
+          <a:p>
+            <a:pPr lvl="1"/>
+            <a:r>
+              <a:rPr lang="en-US" dirty="0"/>
+              <a:t>Flexible for the end </a:t>
+            </a:r>
+            <a:r>
+              <a:rPr lang="en-US" dirty="0" smtClean="0"/>
+              <a:t>user</a:t>
+            </a:r>
+          </a:p>
+          <a:p>
+            <a:pPr lvl="1"/>
+            <a:r>
+              <a:rPr lang="en-US" dirty="0"/>
+              <a:t>O</a:t>
+            </a:r>
+            <a:r>
+              <a:rPr lang="en-US" dirty="0" smtClean="0"/>
+              <a:t>ff-the-shelf </a:t>
+            </a:r>
+            <a:r>
+              <a:rPr lang="en-US" dirty="0"/>
+              <a:t>open-source </a:t>
+            </a:r>
+            <a:r>
+              <a:rPr lang="en-US" dirty="0" smtClean="0"/>
+              <a:t>hardware</a:t>
             </a:r>
           </a:p>
           <a:p>
@@ -9367,37 +11793,7 @@
             </a:r>
             <a:r>
               <a:rPr lang="en-US" dirty="0"/>
-              <a:t>DLP PAM system can produce high quality and fast </a:t>
-            </a:r>
-            <a:r>
-              <a:rPr lang="en-US" dirty="0" smtClean="0"/>
-              <a:t>prints</a:t>
-            </a:r>
-          </a:p>
-          <a:p>
-            <a:pPr lvl="1"/>
-            <a:r>
-              <a:rPr lang="en-US" dirty="0" smtClean="0"/>
-              <a:t>Use </a:t>
-            </a:r>
-            <a:r>
-              <a:rPr lang="en-US" dirty="0"/>
-              <a:t>off-the-shelf open-source </a:t>
-            </a:r>
-            <a:r>
-              <a:rPr lang="en-US" dirty="0" smtClean="0"/>
-              <a:t>hardware</a:t>
-            </a:r>
-          </a:p>
-          <a:p>
-            <a:pPr lvl="1"/>
-            <a:r>
-              <a:rPr lang="en-US" dirty="0" smtClean="0"/>
-              <a:t>Create </a:t>
-            </a:r>
-            <a:r>
-              <a:rPr lang="en-US" dirty="0"/>
-              <a:t>a thoroughly documented reference </a:t>
+              <a:t>thoroughly documented reference </a:t>
             </a:r>
             <a:r>
               <a:rPr lang="en-US" dirty="0" smtClean="0"/>
@@ -9433,7 +11829,7 @@
     </p:spTree>
     <p:extLst>
       <p:ext uri="{BB962C8B-B14F-4D97-AF65-F5344CB8AC3E}">
-        <p14:creationId xmlns:p14="http://schemas.microsoft.com/office/powerpoint/2010/main" val="4029967778"/>
+        <p14:creationId xmlns:p14="http://schemas.microsoft.com/office/powerpoint/2010/main" val="4273748684"/>
       </p:ext>
     </p:extLst>
   </p:cSld>
@@ -9477,7 +11873,12 @@
             <p:ph type="title"/>
           </p:nvPr>
         </p:nvSpPr>
-        <p:spPr/>
+        <p:spPr>
+          <a:xfrm>
+            <a:off x="1541985" y="372698"/>
+            <a:ext cx="10018713" cy="1057275"/>
+          </a:xfrm>
+        </p:spPr>
         <p:txBody>
           <a:bodyPr/>
           <a:lstStyle/>
@@ -9543,34 +11944,30 @@
           </a:p>
         </p:txBody>
       </p:sp>
-      <p:pic>
-        <p:nvPicPr>
-          <p:cNvPr id="2" name="Picture 1"/>
-          <p:cNvPicPr>
-            <a:picLocks noChangeAspect="1"/>
-          </p:cNvPicPr>
-          <p:nvPr/>
-        </p:nvPicPr>
-        <p:blipFill>
-          <a:blip r:embed="rId2"/>
-          <a:stretch>
-            <a:fillRect/>
-          </a:stretch>
-        </p:blipFill>
-        <p:spPr>
-          <a:xfrm>
-            <a:off x="3189963" y="1478099"/>
-            <a:ext cx="6722761" cy="4887131"/>
-          </a:xfrm>
-          <a:prstGeom prst="rect">
-            <a:avLst/>
-          </a:prstGeom>
-        </p:spPr>
-      </p:pic>
+      <p:graphicFrame>
+        <p:nvGraphicFramePr>
+          <p:cNvPr id="9" name="Chart 8"/>
+          <p:cNvGraphicFramePr>
+            <a:graphicFrameLocks noGrp="1"/>
+          </p:cNvGraphicFramePr>
+          <p:nvPr>
+            <p:extLst/>
+          </p:nvPr>
+        </p:nvGraphicFramePr>
+        <p:xfrm>
+          <a:off x="2711903" y="1295400"/>
+          <a:ext cx="7937047" cy="5203371"/>
+        </p:xfrm>
+        <a:graphic>
+          <a:graphicData uri="http://schemas.openxmlformats.org/drawingml/2006/chart">
+            <c:chart xmlns:c="http://schemas.openxmlformats.org/drawingml/2006/chart" xmlns:r="http://schemas.openxmlformats.org/officeDocument/2006/relationships" r:id="rId2"/>
+          </a:graphicData>
+        </a:graphic>
+      </p:graphicFrame>
     </p:spTree>
     <p:extLst>
       <p:ext uri="{BB962C8B-B14F-4D97-AF65-F5344CB8AC3E}">
-        <p14:creationId xmlns:p14="http://schemas.microsoft.com/office/powerpoint/2010/main" val="147561124"/>
+        <p14:creationId xmlns:p14="http://schemas.microsoft.com/office/powerpoint/2010/main" val="3408471816"/>
       </p:ext>
     </p:extLst>
   </p:cSld>
@@ -9620,9 +12017,10 @@
           <a:lstStyle/>
           <a:p>
             <a:r>
-              <a:rPr lang="en-US" dirty="0"/>
-              <a:t>Criteria</a:t>
-            </a:r>
+              <a:rPr lang="en-US" dirty="0" smtClean="0"/>
+              <a:t>Top Down vs. Bottom Up</a:t>
+            </a:r>
+            <a:endParaRPr lang="en-US" dirty="0"/>
           </a:p>
         </p:txBody>
       </p:sp>
@@ -9641,46 +12039,7 @@
           <a:bodyPr/>
           <a:lstStyle/>
           <a:p>
-            <a:r>
-              <a:rPr lang="en-US" dirty="0"/>
-              <a:t>Accessible to the hobbyist</a:t>
-            </a:r>
-          </a:p>
-          <a:p>
-            <a:r>
-              <a:rPr lang="en-US" dirty="0"/>
-              <a:t>Open Source and Free </a:t>
-            </a:r>
-            <a:r>
-              <a:rPr lang="en-US" dirty="0" smtClean="0"/>
-              <a:t>(as </a:t>
-            </a:r>
-            <a:r>
-              <a:rPr lang="en-US" dirty="0"/>
-              <a:t>in </a:t>
-            </a:r>
-            <a:r>
-              <a:rPr lang="en-US" dirty="0" smtClean="0"/>
-              <a:t>speech)</a:t>
-            </a:r>
-            <a:endParaRPr lang="en-US" dirty="0"/>
-          </a:p>
-          <a:p>
-            <a:r>
-              <a:rPr lang="en-US" dirty="0"/>
-              <a:t>Precise and </a:t>
-            </a:r>
-            <a:r>
-              <a:rPr lang="en-US" dirty="0" smtClean="0"/>
-              <a:t>repeatable</a:t>
-            </a:r>
-          </a:p>
-          <a:p>
-            <a:r>
-              <a:rPr lang="en-US" dirty="0" smtClean="0"/>
-              <a:t>Flexible for the end user</a:t>
-            </a:r>
-            <a:endParaRPr lang="en-US" dirty="0"/>
+            <a:endParaRPr lang="en-US"/>
           </a:p>
         </p:txBody>
       </p:sp>
@@ -9710,20 +12069,13 @@
     </p:spTree>
     <p:extLst>
       <p:ext uri="{BB962C8B-B14F-4D97-AF65-F5344CB8AC3E}">
-        <p14:creationId xmlns:p14="http://schemas.microsoft.com/office/powerpoint/2010/main" val="539541693"/>
+        <p14:creationId xmlns:p14="http://schemas.microsoft.com/office/powerpoint/2010/main" val="3047169888"/>
       </p:ext>
     </p:extLst>
   </p:cSld>
   <p:clrMapOvr>
     <a:masterClrMapping/>
   </p:clrMapOvr>
-  <p:timing>
-    <p:tnLst>
-      <p:par>
-        <p:cTn id="1" dur="indefinite" restart="never" nodeType="tmRoot"/>
-      </p:par>
-    </p:tnLst>
-  </p:timing>
 </p:sld>
 </file>
 
@@ -9761,28 +12113,12 @@
           <a:p>
             <a:r>
               <a:rPr lang="en-US" dirty="0" smtClean="0"/>
-              <a:t>Top Down vs. Bottom Up</a:t>
-            </a:r>
-            <a:endParaRPr lang="en-US" dirty="0"/>
-          </a:p>
-        </p:txBody>
-      </p:sp>
-      <p:sp>
-        <p:nvSpPr>
-          <p:cNvPr id="3" name="Content Placeholder 2"/>
-          <p:cNvSpPr>
-            <a:spLocks noGrp="1"/>
-          </p:cNvSpPr>
-          <p:nvPr>
-            <p:ph idx="1"/>
-          </p:nvPr>
-        </p:nvSpPr>
-        <p:spPr/>
-        <p:txBody>
-          <a:bodyPr/>
-          <a:lstStyle/>
-          <a:p>
-            <a:endParaRPr lang="en-US"/>
+              <a:t>System Block </a:t>
+            </a:r>
+            <a:r>
+              <a:rPr lang="en-US" dirty="0"/>
+              <a:t>Diagram</a:t>
+            </a:r>
           </a:p>
         </p:txBody>
       </p:sp>
@@ -9804,85 +12140,6 @@
             <a:fld id="{5C6BB475-B640-4DD3-A1AA-1CF10A44AA06}" type="slidenum">
               <a:rPr lang="en-US" smtClean="0"/>
               <a:t>7</a:t>
-            </a:fld>
-            <a:endParaRPr lang="en-US"/>
-          </a:p>
-        </p:txBody>
-      </p:sp>
-    </p:spTree>
-    <p:extLst>
-      <p:ext uri="{BB962C8B-B14F-4D97-AF65-F5344CB8AC3E}">
-        <p14:creationId xmlns:p14="http://schemas.microsoft.com/office/powerpoint/2010/main" val="3047169888"/>
-      </p:ext>
-    </p:extLst>
-  </p:cSld>
-  <p:clrMapOvr>
-    <a:masterClrMapping/>
-  </p:clrMapOvr>
-</p:sld>
-</file>
-
-<file path=ppt/slides/slide8.xml><?xml version="1.0" encoding="utf-8"?>
-<p:sld xmlns:a="http://schemas.openxmlformats.org/drawingml/2006/main" xmlns:r="http://schemas.openxmlformats.org/officeDocument/2006/relationships" xmlns:p="http://schemas.openxmlformats.org/presentationml/2006/main">
-  <p:cSld>
-    <p:spTree>
-      <p:nvGrpSpPr>
-        <p:cNvPr id="1" name=""/>
-        <p:cNvGrpSpPr/>
-        <p:nvPr/>
-      </p:nvGrpSpPr>
-      <p:grpSpPr>
-        <a:xfrm>
-          <a:off x="0" y="0"/>
-          <a:ext cx="0" cy="0"/>
-          <a:chOff x="0" y="0"/>
-          <a:chExt cx="0" cy="0"/>
-        </a:xfrm>
-      </p:grpSpPr>
-      <p:sp>
-        <p:nvSpPr>
-          <p:cNvPr id="2" name="Title 1"/>
-          <p:cNvSpPr>
-            <a:spLocks noGrp="1"/>
-          </p:cNvSpPr>
-          <p:nvPr>
-            <p:ph type="title"/>
-          </p:nvPr>
-        </p:nvSpPr>
-        <p:spPr/>
-        <p:txBody>
-          <a:bodyPr/>
-          <a:lstStyle/>
-          <a:p>
-            <a:r>
-              <a:rPr lang="en-US" dirty="0" smtClean="0"/>
-              <a:t>System Block </a:t>
-            </a:r>
-            <a:r>
-              <a:rPr lang="en-US" dirty="0"/>
-              <a:t>Diagram</a:t>
-            </a:r>
-          </a:p>
-        </p:txBody>
-      </p:sp>
-      <p:sp>
-        <p:nvSpPr>
-          <p:cNvPr id="4" name="Slide Number Placeholder 3"/>
-          <p:cNvSpPr>
-            <a:spLocks noGrp="1"/>
-          </p:cNvSpPr>
-          <p:nvPr>
-            <p:ph type="sldNum" sz="quarter" idx="12"/>
-          </p:nvPr>
-        </p:nvSpPr>
-        <p:spPr/>
-        <p:txBody>
-          <a:bodyPr/>
-          <a:lstStyle/>
-          <a:p>
-            <a:fld id="{5C6BB475-B640-4DD3-A1AA-1CF10A44AA06}" type="slidenum">
-              <a:rPr lang="en-US" smtClean="0"/>
-              <a:t>8</a:t>
             </a:fld>
             <a:endParaRPr lang="en-US"/>
           </a:p>
@@ -9946,6 +12203,223 @@
     <p:extLst>
       <p:ext uri="{BB962C8B-B14F-4D97-AF65-F5344CB8AC3E}">
         <p14:creationId xmlns:p14="http://schemas.microsoft.com/office/powerpoint/2010/main" val="3997829335"/>
+      </p:ext>
+    </p:extLst>
+  </p:cSld>
+  <p:clrMapOvr>
+    <a:masterClrMapping/>
+  </p:clrMapOvr>
+  <p:timing>
+    <p:tnLst>
+      <p:par>
+        <p:cTn id="1" dur="indefinite" restart="never" nodeType="tmRoot"/>
+      </p:par>
+    </p:tnLst>
+  </p:timing>
+</p:sld>
+</file>
+
+<file path=ppt/slides/slide8.xml><?xml version="1.0" encoding="utf-8"?>
+<p:sld xmlns:a="http://schemas.openxmlformats.org/drawingml/2006/main" xmlns:r="http://schemas.openxmlformats.org/officeDocument/2006/relationships" xmlns:p="http://schemas.openxmlformats.org/presentationml/2006/main">
+  <p:cSld>
+    <p:spTree>
+      <p:nvGrpSpPr>
+        <p:cNvPr id="1" name=""/>
+        <p:cNvGrpSpPr/>
+        <p:nvPr/>
+      </p:nvGrpSpPr>
+      <p:grpSpPr>
+        <a:xfrm>
+          <a:off x="0" y="0"/>
+          <a:ext cx="0" cy="0"/>
+          <a:chOff x="0" y="0"/>
+          <a:chExt cx="0" cy="0"/>
+        </a:xfrm>
+      </p:grpSpPr>
+      <p:sp>
+        <p:nvSpPr>
+          <p:cNvPr id="5" name="Title 4"/>
+          <p:cNvSpPr>
+            <a:spLocks noGrp="1"/>
+          </p:cNvSpPr>
+          <p:nvPr>
+            <p:ph type="title"/>
+          </p:nvPr>
+        </p:nvSpPr>
+        <p:spPr/>
+        <p:txBody>
+          <a:bodyPr>
+            <a:normAutofit fontScale="90000"/>
+          </a:bodyPr>
+          <a:lstStyle/>
+          <a:p>
+            <a:r>
+              <a:rPr lang="en-US" dirty="0"/>
+              <a:t>Chassis Design</a:t>
+            </a:r>
+          </a:p>
+        </p:txBody>
+      </p:sp>
+      <p:pic>
+        <p:nvPicPr>
+          <p:cNvPr id="10" name="Content Placeholder 9"/>
+          <p:cNvPicPr>
+            <a:picLocks noGrp="1" noChangeAspect="1"/>
+          </p:cNvPicPr>
+          <p:nvPr>
+            <p:ph sz="half" idx="1"/>
+          </p:nvPr>
+        </p:nvPicPr>
+        <p:blipFill rotWithShape="1">
+          <a:blip r:embed="rId2" cstate="print">
+            <a:extLst>
+              <a:ext uri="{28A0092B-C50C-407E-A947-70E740481C1C}">
+                <a14:useLocalDpi xmlns:a14="http://schemas.microsoft.com/office/drawing/2010/main" val="0"/>
+              </a:ext>
+            </a:extLst>
+          </a:blip>
+          <a:srcRect t="19571"/>
+          <a:stretch/>
+        </p:blipFill>
+        <p:spPr>
+          <a:xfrm>
+            <a:off x="1484311" y="1910075"/>
+            <a:ext cx="6072843" cy="3460124"/>
+          </a:xfrm>
+        </p:spPr>
+      </p:pic>
+      <p:pic>
+        <p:nvPicPr>
+          <p:cNvPr id="9" name="Content Placeholder 8"/>
+          <p:cNvPicPr>
+            <a:picLocks noGrp="1" noChangeAspect="1"/>
+          </p:cNvPicPr>
+          <p:nvPr>
+            <p:ph sz="half" idx="2"/>
+          </p:nvPr>
+        </p:nvPicPr>
+        <p:blipFill rotWithShape="1">
+          <a:blip r:embed="rId3">
+            <a:extLst>
+              <a:ext uri="{28A0092B-C50C-407E-A947-70E740481C1C}">
+                <a14:useLocalDpi xmlns:a14="http://schemas.microsoft.com/office/drawing/2010/main" val="0"/>
+              </a:ext>
+            </a:extLst>
+          </a:blip>
+          <a:srcRect r="12302"/>
+          <a:stretch/>
+        </p:blipFill>
+        <p:spPr>
+          <a:xfrm>
+            <a:off x="8154545" y="1489074"/>
+            <a:ext cx="2843364" cy="4302125"/>
+          </a:xfrm>
+        </p:spPr>
+      </p:pic>
+      <p:sp>
+        <p:nvSpPr>
+          <p:cNvPr id="4" name="Slide Number Placeholder 3"/>
+          <p:cNvSpPr>
+            <a:spLocks noGrp="1"/>
+          </p:cNvSpPr>
+          <p:nvPr>
+            <p:ph type="sldNum" sz="quarter" idx="12"/>
+          </p:nvPr>
+        </p:nvSpPr>
+        <p:spPr/>
+        <p:txBody>
+          <a:bodyPr/>
+          <a:lstStyle/>
+          <a:p>
+            <a:fld id="{5C6BB475-B640-4DD3-A1AA-1CF10A44AA06}" type="slidenum">
+              <a:rPr lang="en-US" smtClean="0"/>
+              <a:t>8</a:t>
+            </a:fld>
+            <a:endParaRPr lang="en-US"/>
+          </a:p>
+        </p:txBody>
+      </p:sp>
+      <p:sp>
+        <p:nvSpPr>
+          <p:cNvPr id="6" name="TextBox 5"/>
+          <p:cNvSpPr txBox="1"/>
+          <p:nvPr/>
+        </p:nvSpPr>
+        <p:spPr>
+          <a:xfrm>
+            <a:off x="2823793" y="5513942"/>
+            <a:ext cx="3393878" cy="369332"/>
+          </a:xfrm>
+          <a:prstGeom prst="rect">
+            <a:avLst/>
+          </a:prstGeom>
+          <a:noFill/>
+        </p:spPr>
+        <p:txBody>
+          <a:bodyPr wrap="none" rtlCol="0">
+            <a:spAutoFit/>
+          </a:bodyPr>
+          <a:lstStyle/>
+          <a:p>
+            <a:r>
+              <a:rPr lang="en-US" dirty="0" smtClean="0"/>
+              <a:t>Figure 4. </a:t>
+            </a:r>
+            <a:r>
+              <a:rPr lang="en-US" dirty="0"/>
+              <a:t>Proposed chassis design </a:t>
+            </a:r>
+          </a:p>
+        </p:txBody>
+      </p:sp>
+      <p:sp>
+        <p:nvSpPr>
+          <p:cNvPr id="7" name="TextBox 6"/>
+          <p:cNvSpPr txBox="1"/>
+          <p:nvPr/>
+        </p:nvSpPr>
+        <p:spPr>
+          <a:xfrm>
+            <a:off x="8337747" y="5883273"/>
+            <a:ext cx="2476960" cy="646331"/>
+          </a:xfrm>
+          <a:prstGeom prst="rect">
+            <a:avLst/>
+          </a:prstGeom>
+          <a:noFill/>
+        </p:spPr>
+        <p:txBody>
+          <a:bodyPr wrap="none" rtlCol="0">
+            <a:spAutoFit/>
+          </a:bodyPr>
+          <a:lstStyle/>
+          <a:p>
+            <a:r>
+              <a:rPr lang="en-US" dirty="0" smtClean="0"/>
+              <a:t>Figure 5. </a:t>
+            </a:r>
+            <a:r>
+              <a:rPr lang="en-US" dirty="0"/>
+              <a:t>Isometric view </a:t>
+            </a:r>
+            <a:endParaRPr lang="en-US" dirty="0" smtClean="0"/>
+          </a:p>
+          <a:p>
+            <a:r>
+              <a:rPr lang="en-US" dirty="0" smtClean="0"/>
+              <a:t>of </a:t>
+            </a:r>
+            <a:r>
+              <a:rPr lang="en-US" dirty="0"/>
+              <a:t>proposed chassis </a:t>
+            </a:r>
+          </a:p>
+        </p:txBody>
+      </p:sp>
+    </p:spTree>
+    <p:extLst>
+      <p:ext uri="{BB962C8B-B14F-4D97-AF65-F5344CB8AC3E}">
+        <p14:creationId xmlns:p14="http://schemas.microsoft.com/office/powerpoint/2010/main" val="341879816"/>
       </p:ext>
     </p:extLst>
   </p:cSld>
@@ -10062,16 +12536,12 @@
             <a:graphicFrameLocks/>
           </p:cNvGraphicFramePr>
           <p:nvPr>
-            <p:extLst>
-              <p:ext uri="{D42A27DB-BD31-4B8C-83A1-F6EECF244321}">
-                <p14:modId xmlns:p14="http://schemas.microsoft.com/office/powerpoint/2010/main" val="2704818691"/>
-              </p:ext>
-            </p:extLst>
+            <p:extLst/>
           </p:nvPr>
         </p:nvGraphicFramePr>
         <p:xfrm>
           <a:off x="1970468" y="2288539"/>
-          <a:ext cx="8991746" cy="3200400"/>
+          <a:ext cx="8991746" cy="3840480"/>
         </p:xfrm>
         <a:graphic>
           <a:graphicData uri="http://schemas.openxmlformats.org/drawingml/2006/table">
@@ -10123,6 +12593,41 @@
                     <a:p>
                       <a:r>
                         <a:rPr lang="en-US" dirty="0" smtClean="0"/>
+                        <a:t>Build Volume Size</a:t>
+                      </a:r>
+                      <a:endParaRPr lang="en-US" dirty="0"/>
+                    </a:p>
+                  </a:txBody>
+                  <a:tcPr anchor="ctr"/>
+                </a:tc>
+                <a:tc>
+                  <a:txBody>
+                    <a:bodyPr/>
+                    <a:lstStyle/>
+                    <a:p>
+                      <a:pPr algn="r"/>
+                      <a:r>
+                        <a:rPr lang="en-US" dirty="0" smtClean="0"/>
+                        <a:t>192</a:t>
+                      </a:r>
+                      <a:r>
+                        <a:rPr lang="en-US" baseline="0" dirty="0" smtClean="0"/>
+                        <a:t> mm x 216 mm x 216 mm</a:t>
+                      </a:r>
+                      <a:endParaRPr lang="en-US" dirty="0"/>
+                    </a:p>
+                  </a:txBody>
+                  <a:tcPr anchor="ctr"/>
+                </a:tc>
+              </a:tr>
+              <a:tr h="640080">
+                <a:tc>
+                  <a:txBody>
+                    <a:bodyPr/>
+                    <a:lstStyle/>
+                    <a:p>
+                      <a:r>
+                        <a:rPr lang="en-US" dirty="0" smtClean="0"/>
                         <a:t>X</a:t>
                       </a:r>
                       <a:r>
@@ -10158,7 +12663,11 @@
                     <a:p>
                       <a:r>
                         <a:rPr lang="en-US" dirty="0" smtClean="0"/>
-                        <a:t>Z Axis Resolution</a:t>
+                        <a:t>Minimum</a:t>
+                      </a:r>
+                      <a:r>
+                        <a:rPr lang="en-US" baseline="0" dirty="0" smtClean="0"/>
+                        <a:t> Layer Height</a:t>
                       </a:r>
                       <a:endParaRPr lang="en-US" dirty="0"/>
                     </a:p>
@@ -10188,8 +12697,12 @@
                         <a:defRPr/>
                       </a:pPr>
                       <a:r>
+                        <a:rPr lang="en-US" smtClean="0"/>
+                        <a:t>0.015 ± 0.002 </a:t>
+                      </a:r>
+                      <a:r>
                         <a:rPr lang="en-US" dirty="0" smtClean="0"/>
-                        <a:t>0.100 ± 0.005 mm</a:t>
+                        <a:t>mm</a:t>
                       </a:r>
                     </a:p>
                   </a:txBody>
@@ -10292,7 +12805,7 @@
     </p:spTree>
     <p:extLst>
       <p:ext uri="{BB962C8B-B14F-4D97-AF65-F5344CB8AC3E}">
-        <p14:creationId xmlns:p14="http://schemas.microsoft.com/office/powerpoint/2010/main" val="245815682"/>
+        <p14:creationId xmlns:p14="http://schemas.microsoft.com/office/powerpoint/2010/main" val="2866729988"/>
       </p:ext>
     </p:extLst>
   </p:cSld>
@@ -10827,12 +13340,6 @@
 </file>
 
 <file path=customXml/item1.xml><?xml version="1.0" encoding="utf-8"?>
-<p:properties xmlns:p="http://schemas.microsoft.com/office/2006/metadata/properties" xmlns:xsi="http://www.w3.org/2001/XMLSchema-instance" xmlns:pc="http://schemas.microsoft.com/office/infopath/2007/PartnerControls">
-  <documentManagement/>
-</p:properties>
-</file>
-
-<file path=customXml/item2.xml><?xml version="1.0" encoding="utf-8"?>
 <ct:contentTypeSchema xmlns:ct="http://schemas.microsoft.com/office/2006/metadata/contentType" xmlns:ma="http://schemas.microsoft.com/office/2006/metadata/properties/metaAttributes" ct:_="" ma:_="" ma:contentTypeName="Document" ma:contentTypeID="0x01010037F85F4321109849828001F89B63E148" ma:contentTypeVersion="1" ma:contentTypeDescription="Create a new document." ma:contentTypeScope="" ma:versionID="095e360c2d3b38e9f1c3d2409eae6492">
   <xsd:schema xmlns:xsd="http://www.w3.org/2001/XMLSchema" xmlns:xs="http://www.w3.org/2001/XMLSchema" xmlns:p="http://schemas.microsoft.com/office/2006/metadata/properties" xmlns:ns3="4c2e6f55-8abc-4b5b-a4f7-930d3885115f" targetNamespace="http://schemas.microsoft.com/office/2006/metadata/properties" ma:root="true" ma:fieldsID="ce6d8a4f71ede4388f67b476f14a0021" ns3:_="">
     <xsd:import namespace="4c2e6f55-8abc-4b5b-a4f7-930d3885115f"/>
@@ -10972,6 +13479,12 @@
 </ct:contentTypeSchema>
 </file>
 
+<file path=customXml/item2.xml><?xml version="1.0" encoding="utf-8"?>
+<p:properties xmlns:p="http://schemas.microsoft.com/office/2006/metadata/properties" xmlns:xsi="http://www.w3.org/2001/XMLSchema-instance" xmlns:pc="http://schemas.microsoft.com/office/infopath/2007/PartnerControls">
+  <documentManagement/>
+</p:properties>
+</file>
+
 <file path=customXml/item3.xml><?xml version="1.0" encoding="utf-8"?>
 <?mso-contentType ?>
 <FormTemplates xmlns="http://schemas.microsoft.com/sharepoint/v3/contenttype/forms">
@@ -10982,15 +13495,6 @@
 </file>
 
 <file path=customXml/itemProps1.xml><?xml version="1.0" encoding="utf-8"?>
-<ds:datastoreItem xmlns:ds="http://schemas.openxmlformats.org/officeDocument/2006/customXml" ds:itemID="{7D5E529B-E2B8-4FF4-96DC-717B6A9731D6}">
-  <ds:schemaRefs>
-    <ds:schemaRef ds:uri="http://schemas.microsoft.com/office/2006/metadata/properties"/>
-    <ds:schemaRef ds:uri="http://schemas.microsoft.com/office/infopath/2007/PartnerControls"/>
-  </ds:schemaRefs>
-</ds:datastoreItem>
-</file>
-
-<file path=customXml/itemProps2.xml><?xml version="1.0" encoding="utf-8"?>
 <ds:datastoreItem xmlns:ds="http://schemas.openxmlformats.org/officeDocument/2006/customXml" ds:itemID="{41A76F2A-8591-44A6-B165-1D0702FBBD53}">
   <ds:schemaRefs>
     <ds:schemaRef ds:uri="http://schemas.microsoft.com/office/2006/metadata/contentType"/>
@@ -11008,6 +13512,15 @@
 </ds:datastoreItem>
 </file>
 
+<file path=customXml/itemProps2.xml><?xml version="1.0" encoding="utf-8"?>
+<ds:datastoreItem xmlns:ds="http://schemas.openxmlformats.org/officeDocument/2006/customXml" ds:itemID="{7D5E529B-E2B8-4FF4-96DC-717B6A9731D6}">
+  <ds:schemaRefs>
+    <ds:schemaRef ds:uri="http://schemas.microsoft.com/office/2006/metadata/properties"/>
+    <ds:schemaRef ds:uri="http://schemas.microsoft.com/office/infopath/2007/PartnerControls"/>
+  </ds:schemaRefs>
+</ds:datastoreItem>
+</file>
+
 <file path=customXml/itemProps3.xml><?xml version="1.0" encoding="utf-8"?>
 <ds:datastoreItem xmlns:ds="http://schemas.openxmlformats.org/officeDocument/2006/customXml" ds:itemID="{A1EF12E8-B070-4F5F-9BD0-CEE0E7C075D0}">
   <ds:schemaRefs>

--- a/Presentations/DesignPres/DesignPres-75.pptx
+++ b/Presentations/DesignPres/DesignPres-75.pptx
@@ -181,7 +181,6 @@
           </a:p>
         </c:rich>
       </c:tx>
-      <c:layout/>
       <c:overlay val="0"/>
       <c:spPr>
         <a:noFill/>
@@ -621,11 +620,11 @@
         </c:dLbls>
         <c:bubbleScale val="100"/>
         <c:showNegBubbles val="0"/>
-        <c:axId val="296971152"/>
-        <c:axId val="296962992"/>
+        <c:axId val="-233978224"/>
+        <c:axId val="-234118352"/>
       </c:bubbleChart>
       <c:valAx>
-        <c:axId val="296971152"/>
+        <c:axId val="-233978224"/>
         <c:scaling>
           <c:orientation val="minMax"/>
           <c:min val="0"/>
@@ -680,7 +679,6 @@
               </a:p>
             </c:rich>
           </c:tx>
-          <c:layout/>
           <c:overlay val="0"/>
           <c:spPr>
             <a:noFill/>
@@ -745,12 +743,12 @@
             <a:endParaRPr lang="en-US"/>
           </a:p>
         </c:txPr>
-        <c:crossAx val="296962992"/>
+        <c:crossAx val="-234118352"/>
         <c:crosses val="autoZero"/>
         <c:crossBetween val="midCat"/>
       </c:valAx>
       <c:valAx>
-        <c:axId val="296962992"/>
+        <c:axId val="-234118352"/>
         <c:scaling>
           <c:orientation val="minMax"/>
           <c:max val="3500"/>
@@ -803,7 +801,6 @@
               </a:p>
             </c:rich>
           </c:tx>
-          <c:layout/>
           <c:overlay val="0"/>
           <c:spPr>
             <a:noFill/>
@@ -868,7 +865,7 @@
             <a:endParaRPr lang="en-US"/>
           </a:p>
         </c:txPr>
-        <c:crossAx val="296971152"/>
+        <c:crossAx val="-233978224"/>
         <c:crosses val="autoZero"/>
         <c:crossBetween val="midCat"/>
       </c:valAx>
@@ -9650,32 +9647,6 @@
           </a:p>
         </p:txBody>
       </p:sp>
-      <p:pic>
-        <p:nvPicPr>
-          <p:cNvPr id="6" name="Content Placeholder 5"/>
-          <p:cNvPicPr>
-            <a:picLocks noGrp="1" noChangeAspect="1"/>
-          </p:cNvPicPr>
-          <p:nvPr>
-            <p:ph idx="1"/>
-          </p:nvPr>
-        </p:nvPicPr>
-        <p:blipFill>
-          <a:blip r:embed="rId2"/>
-          <a:stretch>
-            <a:fillRect/>
-          </a:stretch>
-        </p:blipFill>
-        <p:spPr>
-          <a:xfrm>
-            <a:off x="2588467" y="1630363"/>
-            <a:ext cx="7924704" cy="4102100"/>
-          </a:xfrm>
-          <a:prstGeom prst="rect">
-            <a:avLst/>
-          </a:prstGeom>
-        </p:spPr>
-      </p:pic>
       <p:sp>
         <p:nvSpPr>
           <p:cNvPr id="4" name="Slide Number Placeholder 3"/>
@@ -9729,6 +9700,30 @@
           </a:p>
         </p:txBody>
       </p:sp>
+      <p:pic>
+        <p:nvPicPr>
+          <p:cNvPr id="8" name="Picture 7"/>
+          <p:cNvPicPr>
+            <a:picLocks noChangeAspect="1"/>
+          </p:cNvPicPr>
+          <p:nvPr/>
+        </p:nvPicPr>
+        <p:blipFill>
+          <a:blip r:embed="rId2"/>
+          <a:stretch>
+            <a:fillRect/>
+          </a:stretch>
+        </p:blipFill>
+        <p:spPr>
+          <a:xfrm>
+            <a:off x="1681325" y="1663240"/>
+            <a:ext cx="9738987" cy="4001154"/>
+          </a:xfrm>
+          <a:prstGeom prst="rect">
+            <a:avLst/>
+          </a:prstGeom>
+        </p:spPr>
+      </p:pic>
     </p:spTree>
     <p:extLst>
       <p:ext uri="{BB962C8B-B14F-4D97-AF65-F5344CB8AC3E}">
@@ -13340,6 +13335,12 @@
 </file>
 
 <file path=customXml/item1.xml><?xml version="1.0" encoding="utf-8"?>
+<p:properties xmlns:p="http://schemas.microsoft.com/office/2006/metadata/properties" xmlns:xsi="http://www.w3.org/2001/XMLSchema-instance" xmlns:pc="http://schemas.microsoft.com/office/infopath/2007/PartnerControls">
+  <documentManagement/>
+</p:properties>
+</file>
+
+<file path=customXml/item2.xml><?xml version="1.0" encoding="utf-8"?>
 <ct:contentTypeSchema xmlns:ct="http://schemas.microsoft.com/office/2006/metadata/contentType" xmlns:ma="http://schemas.microsoft.com/office/2006/metadata/properties/metaAttributes" ct:_="" ma:_="" ma:contentTypeName="Document" ma:contentTypeID="0x01010037F85F4321109849828001F89B63E148" ma:contentTypeVersion="1" ma:contentTypeDescription="Create a new document." ma:contentTypeScope="" ma:versionID="095e360c2d3b38e9f1c3d2409eae6492">
   <xsd:schema xmlns:xsd="http://www.w3.org/2001/XMLSchema" xmlns:xs="http://www.w3.org/2001/XMLSchema" xmlns:p="http://schemas.microsoft.com/office/2006/metadata/properties" xmlns:ns3="4c2e6f55-8abc-4b5b-a4f7-930d3885115f" targetNamespace="http://schemas.microsoft.com/office/2006/metadata/properties" ma:root="true" ma:fieldsID="ce6d8a4f71ede4388f67b476f14a0021" ns3:_="">
     <xsd:import namespace="4c2e6f55-8abc-4b5b-a4f7-930d3885115f"/>
@@ -13479,12 +13480,6 @@
 </ct:contentTypeSchema>
 </file>
 
-<file path=customXml/item2.xml><?xml version="1.0" encoding="utf-8"?>
-<p:properties xmlns:p="http://schemas.microsoft.com/office/2006/metadata/properties" xmlns:xsi="http://www.w3.org/2001/XMLSchema-instance" xmlns:pc="http://schemas.microsoft.com/office/infopath/2007/PartnerControls">
-  <documentManagement/>
-</p:properties>
-</file>
-
 <file path=customXml/item3.xml><?xml version="1.0" encoding="utf-8"?>
 <?mso-contentType ?>
 <FormTemplates xmlns="http://schemas.microsoft.com/sharepoint/v3/contenttype/forms">
@@ -13495,6 +13490,15 @@
 </file>
 
 <file path=customXml/itemProps1.xml><?xml version="1.0" encoding="utf-8"?>
+<ds:datastoreItem xmlns:ds="http://schemas.openxmlformats.org/officeDocument/2006/customXml" ds:itemID="{7D5E529B-E2B8-4FF4-96DC-717B6A9731D6}">
+  <ds:schemaRefs>
+    <ds:schemaRef ds:uri="http://schemas.microsoft.com/office/2006/metadata/properties"/>
+    <ds:schemaRef ds:uri="http://schemas.microsoft.com/office/infopath/2007/PartnerControls"/>
+  </ds:schemaRefs>
+</ds:datastoreItem>
+</file>
+
+<file path=customXml/itemProps2.xml><?xml version="1.0" encoding="utf-8"?>
 <ds:datastoreItem xmlns:ds="http://schemas.openxmlformats.org/officeDocument/2006/customXml" ds:itemID="{41A76F2A-8591-44A6-B165-1D0702FBBD53}">
   <ds:schemaRefs>
     <ds:schemaRef ds:uri="http://schemas.microsoft.com/office/2006/metadata/contentType"/>
@@ -13512,15 +13516,6 @@
 </ds:datastoreItem>
 </file>
 
-<file path=customXml/itemProps2.xml><?xml version="1.0" encoding="utf-8"?>
-<ds:datastoreItem xmlns:ds="http://schemas.openxmlformats.org/officeDocument/2006/customXml" ds:itemID="{7D5E529B-E2B8-4FF4-96DC-717B6A9731D6}">
-  <ds:schemaRefs>
-    <ds:schemaRef ds:uri="http://schemas.microsoft.com/office/2006/metadata/properties"/>
-    <ds:schemaRef ds:uri="http://schemas.microsoft.com/office/infopath/2007/PartnerControls"/>
-  </ds:schemaRefs>
-</ds:datastoreItem>
-</file>
-
 <file path=customXml/itemProps3.xml><?xml version="1.0" encoding="utf-8"?>
 <ds:datastoreItem xmlns:ds="http://schemas.openxmlformats.org/officeDocument/2006/customXml" ds:itemID="{A1EF12E8-B070-4F5F-9BD0-CEE0E7C075D0}">
   <ds:schemaRefs>

--- a/Presentations/DesignPres/DesignPres-75.pptx
+++ b/Presentations/DesignPres/DesignPres-75.pptx
@@ -5,31 +5,32 @@
     <p:sldMasterId id="2147483678" r:id="rId4"/>
   </p:sldMasterIdLst>
   <p:notesMasterIdLst>
-    <p:notesMasterId r:id="rId27"/>
+    <p:notesMasterId r:id="rId28"/>
   </p:notesMasterIdLst>
   <p:sldIdLst>
     <p:sldId id="256" r:id="rId5"/>
     <p:sldId id="261" r:id="rId6"/>
     <p:sldId id="272" r:id="rId7"/>
-    <p:sldId id="294" r:id="rId8"/>
-    <p:sldId id="292" r:id="rId9"/>
-    <p:sldId id="279" r:id="rId10"/>
-    <p:sldId id="265" r:id="rId11"/>
-    <p:sldId id="263" r:id="rId12"/>
-    <p:sldId id="293" r:id="rId13"/>
-    <p:sldId id="281" r:id="rId14"/>
-    <p:sldId id="282" r:id="rId15"/>
-    <p:sldId id="283" r:id="rId16"/>
-    <p:sldId id="284" r:id="rId17"/>
-    <p:sldId id="285" r:id="rId18"/>
-    <p:sldId id="296" r:id="rId19"/>
-    <p:sldId id="287" r:id="rId20"/>
-    <p:sldId id="288" r:id="rId21"/>
-    <p:sldId id="276" r:id="rId22"/>
-    <p:sldId id="289" r:id="rId23"/>
-    <p:sldId id="278" r:id="rId24"/>
-    <p:sldId id="295" r:id="rId25"/>
-    <p:sldId id="270" r:id="rId26"/>
+    <p:sldId id="273" r:id="rId8"/>
+    <p:sldId id="269" r:id="rId9"/>
+    <p:sldId id="260" r:id="rId10"/>
+    <p:sldId id="279" r:id="rId11"/>
+    <p:sldId id="265" r:id="rId12"/>
+    <p:sldId id="274" r:id="rId13"/>
+    <p:sldId id="263" r:id="rId14"/>
+    <p:sldId id="281" r:id="rId15"/>
+    <p:sldId id="282" r:id="rId16"/>
+    <p:sldId id="283" r:id="rId17"/>
+    <p:sldId id="284" r:id="rId18"/>
+    <p:sldId id="285" r:id="rId19"/>
+    <p:sldId id="286" r:id="rId20"/>
+    <p:sldId id="287" r:id="rId21"/>
+    <p:sldId id="288" r:id="rId22"/>
+    <p:sldId id="276" r:id="rId23"/>
+    <p:sldId id="289" r:id="rId24"/>
+    <p:sldId id="278" r:id="rId25"/>
+    <p:sldId id="291" r:id="rId26"/>
+    <p:sldId id="270" r:id="rId27"/>
   </p:sldIdLst>
   <p:sldSz cx="12192000" cy="6858000"/>
   <p:notesSz cx="6858000" cy="9144000"/>
@@ -134,1403 +135,6 @@
     </p:ext>
   </p:extLst>
 </p:presentation>
-</file>
-
-<file path=ppt/charts/chart1.xml><?xml version="1.0" encoding="utf-8"?>
-<c:chartSpace xmlns:c="http://schemas.openxmlformats.org/drawingml/2006/chart" xmlns:a="http://schemas.openxmlformats.org/drawingml/2006/main" xmlns:r="http://schemas.openxmlformats.org/officeDocument/2006/relationships">
-  <c:date1904 val="0"/>
-  <c:lang val="en-US"/>
-  <c:roundedCorners val="0"/>
-  <mc:AlternateContent xmlns:mc="http://schemas.openxmlformats.org/markup-compatibility/2006">
-    <mc:Choice xmlns:c14="http://schemas.microsoft.com/office/drawing/2007/8/2/chart" Requires="c14">
-      <c14:style val="102"/>
-    </mc:Choice>
-    <mc:Fallback>
-      <c:style val="2"/>
-    </mc:Fallback>
-  </mc:AlternateContent>
-  <c:chart>
-    <c:title>
-      <c:tx>
-        <c:rich>
-          <a:bodyPr rot="0" spcFirstLastPara="1" vertOverflow="ellipsis" vert="horz" wrap="square" anchor="ctr" anchorCtr="1"/>
-          <a:lstStyle/>
-          <a:p>
-            <a:pPr>
-              <a:defRPr sz="1600" b="0" i="0" u="none" strike="noStrike" kern="1200" spc="0" baseline="0">
-                <a:solidFill>
-                  <a:schemeClr val="tx1">
-                    <a:lumMod val="65000"/>
-                    <a:lumOff val="35000"/>
-                  </a:schemeClr>
-                </a:solidFill>
-                <a:latin typeface="+mn-lt"/>
-                <a:ea typeface="+mn-ea"/>
-                <a:cs typeface="+mn-cs"/>
-              </a:defRPr>
-            </a:pPr>
-            <a:r>
-              <a:rPr lang="en-US" sz="1600"/>
-              <a:t>System</a:t>
-            </a:r>
-            <a:r>
-              <a:rPr lang="en-US" sz="1600" baseline="0"/>
-              <a:t> Cost with Respect to Area and Volume</a:t>
-            </a:r>
-            <a:endParaRPr lang="en-US" sz="1600"/>
-          </a:p>
-        </c:rich>
-      </c:tx>
-      <c:overlay val="0"/>
-      <c:spPr>
-        <a:noFill/>
-        <a:ln>
-          <a:noFill/>
-        </a:ln>
-        <a:effectLst/>
-      </c:spPr>
-      <c:txPr>
-        <a:bodyPr rot="0" spcFirstLastPara="1" vertOverflow="ellipsis" vert="horz" wrap="square" anchor="ctr" anchorCtr="1"/>
-        <a:lstStyle/>
-        <a:p>
-          <a:pPr>
-            <a:defRPr sz="1600" b="0" i="0" u="none" strike="noStrike" kern="1200" spc="0" baseline="0">
-              <a:solidFill>
-                <a:schemeClr val="tx1">
-                  <a:lumMod val="65000"/>
-                  <a:lumOff val="35000"/>
-                </a:schemeClr>
-              </a:solidFill>
-              <a:latin typeface="+mn-lt"/>
-              <a:ea typeface="+mn-ea"/>
-              <a:cs typeface="+mn-cs"/>
-            </a:defRPr>
-          </a:pPr>
-          <a:endParaRPr lang="en-US"/>
-        </a:p>
-      </c:txPr>
-    </c:title>
-    <c:autoTitleDeleted val="0"/>
-    <c:plotArea>
-      <c:layout/>
-      <c:bubbleChart>
-        <c:varyColors val="0"/>
-        <c:ser>
-          <c:idx val="0"/>
-          <c:order val="0"/>
-          <c:tx>
-            <c:strRef>
-              <c:f>Sheet1!$B$2</c:f>
-              <c:strCache>
-                <c:ptCount val="1"/>
-                <c:pt idx="0">
-                  <c:v>FDM</c:v>
-                </c:pt>
-              </c:strCache>
-            </c:strRef>
-          </c:tx>
-          <c:spPr>
-            <a:noFill/>
-            <a:ln w="38100">
-              <a:solidFill>
-                <a:srgbClr val="00B0F0"/>
-              </a:solidFill>
-            </a:ln>
-            <a:effectLst/>
-          </c:spPr>
-          <c:invertIfNegative val="0"/>
-          <c:xVal>
-            <c:numRef>
-              <c:f>Sheet1!$G$2:$G$21</c:f>
-              <c:numCache>
-                <c:formatCode>#,##0</c:formatCode>
-                <c:ptCount val="20"/>
-                <c:pt idx="0">
-                  <c:v>10411.967999999997</c:v>
-                </c:pt>
-                <c:pt idx="1">
-                  <c:v>9812.8835999999974</c:v>
-                </c:pt>
-                <c:pt idx="2">
-                  <c:v>70553.949389535599</c:v>
-                </c:pt>
-                <c:pt idx="3">
-                  <c:v>19354.799999999996</c:v>
-                </c:pt>
-                <c:pt idx="4">
-                  <c:v>51103.123599999999</c:v>
-                </c:pt>
-                <c:pt idx="5">
-                  <c:v>19516.089999999997</c:v>
-                </c:pt>
-                <c:pt idx="6">
-                  <c:v>19516.089999999997</c:v>
-                </c:pt>
-                <c:pt idx="7">
-                  <c:v>14251.5844</c:v>
-                </c:pt>
-                <c:pt idx="8">
-                  <c:v>51612.799999999996</c:v>
-                </c:pt>
-                <c:pt idx="9">
-                  <c:v>38588.632499999992</c:v>
-                </c:pt>
-                <c:pt idx="10">
-                  <c:v>92903.039999999979</c:v>
-                </c:pt>
-                <c:pt idx="11">
-                  <c:v>81522.417599999986</c:v>
-                </c:pt>
-                <c:pt idx="12">
-                  <c:v>41290.239999999998</c:v>
-                </c:pt>
-                <c:pt idx="13">
-                  <c:v>41290.239999999998</c:v>
-                </c:pt>
-                <c:pt idx="14">
-                  <c:v>45774.101999999992</c:v>
-                </c:pt>
-                <c:pt idx="15">
-                  <c:v>41290.239999999998</c:v>
-                </c:pt>
-                <c:pt idx="16">
-                  <c:v>61249.877499999995</c:v>
-                </c:pt>
-                <c:pt idx="17">
-                  <c:v>61161.167999999991</c:v>
-                </c:pt>
-                <c:pt idx="18">
-                  <c:v>60967.619999999995</c:v>
-                </c:pt>
-                <c:pt idx="19">
-                  <c:v>59516.009999999987</c:v>
-                </c:pt>
-              </c:numCache>
-            </c:numRef>
-          </c:xVal>
-          <c:yVal>
-            <c:numRef>
-              <c:f>Sheet1!$C$2:$C$21</c:f>
-              <c:numCache>
-                <c:formatCode>_("$"* #,##0.00_);_("$"* \(#,##0.00\);_("$"* "-"??_);_(@_)</c:formatCode>
-                <c:ptCount val="20"/>
-                <c:pt idx="0">
-                  <c:v>2199</c:v>
-                </c:pt>
-                <c:pt idx="1">
-                  <c:v>399</c:v>
-                </c:pt>
-                <c:pt idx="2">
-                  <c:v>900</c:v>
-                </c:pt>
-                <c:pt idx="3">
-                  <c:v>799</c:v>
-                </c:pt>
-                <c:pt idx="4">
-                  <c:v>2565</c:v>
-                </c:pt>
-                <c:pt idx="5">
-                  <c:v>1649</c:v>
-                </c:pt>
-                <c:pt idx="6">
-                  <c:v>1299</c:v>
-                </c:pt>
-                <c:pt idx="7">
-                  <c:v>899</c:v>
-                </c:pt>
-                <c:pt idx="8">
-                  <c:v>1949</c:v>
-                </c:pt>
-                <c:pt idx="9">
-                  <c:v>1549</c:v>
-                </c:pt>
-                <c:pt idx="10">
-                  <c:v>2295</c:v>
-                </c:pt>
-                <c:pt idx="11">
-                  <c:v>2195</c:v>
-                </c:pt>
-                <c:pt idx="12">
-                  <c:v>1299</c:v>
-                </c:pt>
-                <c:pt idx="13">
-                  <c:v>999</c:v>
-                </c:pt>
-                <c:pt idx="14">
-                  <c:v>1688</c:v>
-                </c:pt>
-                <c:pt idx="15">
-                  <c:v>799</c:v>
-                </c:pt>
-                <c:pt idx="16">
-                  <c:v>2195</c:v>
-                </c:pt>
-                <c:pt idx="17">
-                  <c:v>2399</c:v>
-                </c:pt>
-                <c:pt idx="18">
-                  <c:v>2500</c:v>
-                </c:pt>
-                <c:pt idx="19">
-                  <c:v>1399</c:v>
-                </c:pt>
-              </c:numCache>
-            </c:numRef>
-          </c:yVal>
-          <c:bubbleSize>
-            <c:numRef>
-              <c:f>Sheet1!$H$2:$H$21</c:f>
-              <c:numCache>
-                <c:formatCode>#,##0</c:formatCode>
-                <c:ptCount val="20"/>
-                <c:pt idx="0">
-                  <c:v>1613230.3219199993</c:v>
-                </c:pt>
-                <c:pt idx="1">
-                  <c:v>972064.24941599963</c:v>
-                </c:pt>
-                <c:pt idx="2">
-                  <c:v>12544492.201459428</c:v>
-                </c:pt>
-                <c:pt idx="3">
-                  <c:v>2458059.5999999996</c:v>
-                </c:pt>
-                <c:pt idx="4">
-                  <c:v>10513956.649463998</c:v>
-                </c:pt>
-                <c:pt idx="5">
-                  <c:v>2602470.6014999994</c:v>
-                </c:pt>
-                <c:pt idx="6">
-                  <c:v>2726397.7729999991</c:v>
-                </c:pt>
-                <c:pt idx="7">
-                  <c:v>1701354.145672</c:v>
-                </c:pt>
-                <c:pt idx="8">
-                  <c:v>12126427.359999998</c:v>
-                </c:pt>
-                <c:pt idx="9">
-                  <c:v>8821361.3894999977</c:v>
-                </c:pt>
-                <c:pt idx="10">
-                  <c:v>28316846.591999989</c:v>
-                </c:pt>
-                <c:pt idx="11">
-                  <c:v>20292560.188991997</c:v>
-                </c:pt>
-                <c:pt idx="12">
-                  <c:v>8390176.7679999992</c:v>
-                </c:pt>
-                <c:pt idx="13">
-                  <c:v>8390176.7679999992</c:v>
-                </c:pt>
-                <c:pt idx="14">
-                  <c:v>8022369.1165199978</c:v>
-                </c:pt>
-                <c:pt idx="15">
-                  <c:v>8390176.7679999992</c:v>
-                </c:pt>
-                <c:pt idx="16">
-                  <c:v>13612785.274374999</c:v>
-                </c:pt>
-                <c:pt idx="17">
-                  <c:v>10874455.670399997</c:v>
-                </c:pt>
-                <c:pt idx="18">
-                  <c:v>12078904.874399997</c:v>
-                </c:pt>
-                <c:pt idx="19">
-                  <c:v>11715726.568499997</c:v>
-                </c:pt>
-              </c:numCache>
-            </c:numRef>
-          </c:bubbleSize>
-          <c:bubble3D val="0"/>
-        </c:ser>
-        <c:ser>
-          <c:idx val="1"/>
-          <c:order val="1"/>
-          <c:tx>
-            <c:strRef>
-              <c:f>Sheet1!$B$22</c:f>
-              <c:strCache>
-                <c:ptCount val="1"/>
-                <c:pt idx="0">
-                  <c:v>PAM</c:v>
-                </c:pt>
-              </c:strCache>
-            </c:strRef>
-          </c:tx>
-          <c:spPr>
-            <a:noFill/>
-            <a:ln w="38100">
-              <a:solidFill>
-                <a:srgbClr val="00B050"/>
-              </a:solidFill>
-            </a:ln>
-            <a:effectLst/>
-          </c:spPr>
-          <c:invertIfNegative val="0"/>
-          <c:xVal>
-            <c:numRef>
-              <c:f>(Sheet1!$G$22,Sheet1!$G$24,Sheet1!$G$25,Sheet1!$G$26,Sheet1!$G$27)</c:f>
-              <c:numCache>
-                <c:formatCode>#,##0</c:formatCode>
-                <c:ptCount val="5"/>
-                <c:pt idx="0">
-                  <c:v>7741.9199999999983</c:v>
-                </c:pt>
-                <c:pt idx="1">
-                  <c:v>15490.291600000002</c:v>
-                </c:pt>
-                <c:pt idx="2">
-                  <c:v>1161</c:v>
-                </c:pt>
-                <c:pt idx="3">
-                  <c:v>2880</c:v>
-                </c:pt>
-                <c:pt idx="4">
-                  <c:v>4554</c:v>
-                </c:pt>
-              </c:numCache>
-            </c:numRef>
-          </c:xVal>
-          <c:yVal>
-            <c:numRef>
-              <c:f>(Sheet1!$C$22,Sheet1!$C$24,Sheet1!$C$25,Sheet1!$C$26,Sheet1!$C$27)</c:f>
-              <c:numCache>
-                <c:formatCode>_("$"* #,##0.00_);_("$"* \(#,##0.00\);_("$"* "-"??_);_(@_)</c:formatCode>
-                <c:ptCount val="5"/>
-                <c:pt idx="0">
-                  <c:v>3375</c:v>
-                </c:pt>
-                <c:pt idx="1">
-                  <c:v>3299</c:v>
-                </c:pt>
-                <c:pt idx="2">
-                  <c:v>1999</c:v>
-                </c:pt>
-                <c:pt idx="3">
-                  <c:v>499</c:v>
-                </c:pt>
-                <c:pt idx="4">
-                  <c:v>399</c:v>
-                </c:pt>
-              </c:numCache>
-            </c:numRef>
-          </c:yVal>
-          <c:bubbleSize>
-            <c:numRef>
-              <c:f>(Sheet1!$H$22,Sheet1!$H$24,Sheet1!$H$25,Sheet1!$H$26,Sheet1!$H$27)</c:f>
-              <c:numCache>
-                <c:formatCode>#,##0</c:formatCode>
-                <c:ptCount val="5"/>
-                <c:pt idx="0">
-                  <c:v>1597738.7399999995</c:v>
-                </c:pt>
-                <c:pt idx="1">
-                  <c:v>2557447.1431600004</c:v>
-                </c:pt>
-                <c:pt idx="2">
-                  <c:v>208980</c:v>
-                </c:pt>
-                <c:pt idx="3">
-                  <c:v>288000</c:v>
-                </c:pt>
-                <c:pt idx="4">
-                  <c:v>694160</c:v>
-                </c:pt>
-              </c:numCache>
-            </c:numRef>
-          </c:bubbleSize>
-          <c:bubble3D val="0"/>
-        </c:ser>
-        <c:ser>
-          <c:idx val="2"/>
-          <c:order val="2"/>
-          <c:tx>
-            <c:strRef>
-              <c:f>Sheet1!$A$23</c:f>
-              <c:strCache>
-                <c:ptCount val="1"/>
-                <c:pt idx="0">
-                  <c:v>Project PAM</c:v>
-                </c:pt>
-              </c:strCache>
-            </c:strRef>
-          </c:tx>
-          <c:spPr>
-            <a:solidFill>
-              <a:schemeClr val="accent4"/>
-            </a:solidFill>
-            <a:ln w="25400">
-              <a:solidFill>
-                <a:schemeClr val="accent4"/>
-              </a:solidFill>
-            </a:ln>
-            <a:effectLst/>
-          </c:spPr>
-          <c:invertIfNegative val="0"/>
-          <c:xVal>
-            <c:numRef>
-              <c:f>Sheet1!$G$23</c:f>
-              <c:numCache>
-                <c:formatCode>#,##0</c:formatCode>
-                <c:ptCount val="1"/>
-                <c:pt idx="0">
-                  <c:v>41472</c:v>
-                </c:pt>
-              </c:numCache>
-            </c:numRef>
-          </c:xVal>
-          <c:yVal>
-            <c:numRef>
-              <c:f>Sheet1!$C$23</c:f>
-              <c:numCache>
-                <c:formatCode>_("$"* #,##0.00_);_("$"* \(#,##0.00\);_("$"* "-"??_);_(@_)</c:formatCode>
-                <c:ptCount val="1"/>
-                <c:pt idx="0">
-                  <c:v>1000</c:v>
-                </c:pt>
-              </c:numCache>
-            </c:numRef>
-          </c:yVal>
-          <c:bubbleSize>
-            <c:numRef>
-              <c:f>Sheet1!$H$23</c:f>
-              <c:numCache>
-                <c:formatCode>#,##0</c:formatCode>
-                <c:ptCount val="1"/>
-                <c:pt idx="0">
-                  <c:v>8957952</c:v>
-                </c:pt>
-              </c:numCache>
-            </c:numRef>
-          </c:bubbleSize>
-          <c:bubble3D val="0"/>
-        </c:ser>
-        <c:dLbls>
-          <c:showLegendKey val="0"/>
-          <c:showVal val="0"/>
-          <c:showCatName val="0"/>
-          <c:showSerName val="0"/>
-          <c:showPercent val="0"/>
-          <c:showBubbleSize val="0"/>
-        </c:dLbls>
-        <c:bubbleScale val="100"/>
-        <c:showNegBubbles val="0"/>
-        <c:axId val="-233978224"/>
-        <c:axId val="-234118352"/>
-      </c:bubbleChart>
-      <c:valAx>
-        <c:axId val="-233978224"/>
-        <c:scaling>
-          <c:orientation val="minMax"/>
-          <c:min val="0"/>
-        </c:scaling>
-        <c:delete val="0"/>
-        <c:axPos val="b"/>
-        <c:majorGridlines>
-          <c:spPr>
-            <a:ln w="9525" cap="flat" cmpd="sng" algn="ctr">
-              <a:solidFill>
-                <a:schemeClr val="tx1">
-                  <a:lumMod val="15000"/>
-                  <a:lumOff val="85000"/>
-                </a:schemeClr>
-              </a:solidFill>
-              <a:round/>
-            </a:ln>
-            <a:effectLst/>
-          </c:spPr>
-        </c:majorGridlines>
-        <c:title>
-          <c:tx>
-            <c:rich>
-              <a:bodyPr rot="0" spcFirstLastPara="1" vertOverflow="ellipsis" vert="horz" wrap="square" anchor="ctr" anchorCtr="1"/>
-              <a:lstStyle/>
-              <a:p>
-                <a:pPr>
-                  <a:defRPr sz="1600" b="0" i="0" u="none" strike="noStrike" kern="1200" baseline="0">
-                    <a:solidFill>
-                      <a:schemeClr val="tx1">
-                        <a:lumMod val="65000"/>
-                        <a:lumOff val="35000"/>
-                      </a:schemeClr>
-                    </a:solidFill>
-                    <a:latin typeface="+mn-lt"/>
-                    <a:ea typeface="+mn-ea"/>
-                    <a:cs typeface="+mn-cs"/>
-                  </a:defRPr>
-                </a:pPr>
-                <a:r>
-                  <a:rPr lang="en-US" sz="1600"/>
-                  <a:t>Build Area (mm</a:t>
-                </a:r>
-                <a:r>
-                  <a:rPr lang="en-US" sz="1600" baseline="30000"/>
-                  <a:t>2</a:t>
-                </a:r>
-                <a:r>
-                  <a:rPr lang="en-US" sz="1600"/>
-                  <a:t>)</a:t>
-                </a:r>
-              </a:p>
-            </c:rich>
-          </c:tx>
-          <c:overlay val="0"/>
-          <c:spPr>
-            <a:noFill/>
-            <a:ln>
-              <a:noFill/>
-            </a:ln>
-            <a:effectLst/>
-          </c:spPr>
-          <c:txPr>
-            <a:bodyPr rot="0" spcFirstLastPara="1" vertOverflow="ellipsis" vert="horz" wrap="square" anchor="ctr" anchorCtr="1"/>
-            <a:lstStyle/>
-            <a:p>
-              <a:pPr>
-                <a:defRPr sz="1600" b="0" i="0" u="none" strike="noStrike" kern="1200" baseline="0">
-                  <a:solidFill>
-                    <a:schemeClr val="tx1">
-                      <a:lumMod val="65000"/>
-                      <a:lumOff val="35000"/>
-                    </a:schemeClr>
-                  </a:solidFill>
-                  <a:latin typeface="+mn-lt"/>
-                  <a:ea typeface="+mn-ea"/>
-                  <a:cs typeface="+mn-cs"/>
-                </a:defRPr>
-              </a:pPr>
-              <a:endParaRPr lang="en-US"/>
-            </a:p>
-          </c:txPr>
-        </c:title>
-        <c:numFmt formatCode="#,##0" sourceLinked="1"/>
-        <c:majorTickMark val="none"/>
-        <c:minorTickMark val="none"/>
-        <c:tickLblPos val="nextTo"/>
-        <c:spPr>
-          <a:noFill/>
-          <a:ln>
-            <a:solidFill>
-              <a:schemeClr val="bg1">
-                <a:lumMod val="65000"/>
-              </a:schemeClr>
-            </a:solidFill>
-          </a:ln>
-          <a:effectLst/>
-        </c:spPr>
-        <c:txPr>
-          <a:bodyPr rot="-60000000" spcFirstLastPara="1" vertOverflow="ellipsis" vert="horz" wrap="square" anchor="ctr" anchorCtr="1"/>
-          <a:lstStyle/>
-          <a:p>
-            <a:pPr>
-              <a:defRPr sz="1600" b="0" i="0" u="none" strike="noStrike" kern="1200" baseline="0">
-                <a:solidFill>
-                  <a:schemeClr val="tx1">
-                    <a:lumMod val="65000"/>
-                    <a:lumOff val="35000"/>
-                  </a:schemeClr>
-                </a:solidFill>
-                <a:latin typeface="+mn-lt"/>
-                <a:ea typeface="+mn-ea"/>
-                <a:cs typeface="+mn-cs"/>
-              </a:defRPr>
-            </a:pPr>
-            <a:endParaRPr lang="en-US"/>
-          </a:p>
-        </c:txPr>
-        <c:crossAx val="-234118352"/>
-        <c:crosses val="autoZero"/>
-        <c:crossBetween val="midCat"/>
-      </c:valAx>
-      <c:valAx>
-        <c:axId val="-234118352"/>
-        <c:scaling>
-          <c:orientation val="minMax"/>
-          <c:max val="3500"/>
-          <c:min val="0"/>
-        </c:scaling>
-        <c:delete val="0"/>
-        <c:axPos val="l"/>
-        <c:majorGridlines>
-          <c:spPr>
-            <a:ln w="9525" cap="flat" cmpd="sng" algn="ctr">
-              <a:solidFill>
-                <a:schemeClr val="tx1">
-                  <a:lumMod val="15000"/>
-                  <a:lumOff val="85000"/>
-                </a:schemeClr>
-              </a:solidFill>
-              <a:round/>
-            </a:ln>
-            <a:effectLst/>
-          </c:spPr>
-        </c:majorGridlines>
-        <c:title>
-          <c:tx>
-            <c:rich>
-              <a:bodyPr rot="-5400000" spcFirstLastPara="1" vertOverflow="ellipsis" vert="horz" wrap="square" anchor="ctr" anchorCtr="1"/>
-              <a:lstStyle/>
-              <a:p>
-                <a:pPr>
-                  <a:defRPr sz="1600" b="0" i="0" u="none" strike="noStrike" kern="1200" baseline="0">
-                    <a:solidFill>
-                      <a:schemeClr val="tx1">
-                        <a:lumMod val="65000"/>
-                        <a:lumOff val="35000"/>
-                      </a:schemeClr>
-                    </a:solidFill>
-                    <a:latin typeface="+mn-lt"/>
-                    <a:ea typeface="+mn-ea"/>
-                    <a:cs typeface="+mn-cs"/>
-                  </a:defRPr>
-                </a:pPr>
-                <a:r>
-                  <a:rPr lang="en-US" sz="1600"/>
-                  <a:t>Cost</a:t>
-                </a:r>
-                <a:r>
-                  <a:rPr lang="en-US" sz="1600" baseline="0"/>
-                  <a:t> ($)</a:t>
-                </a:r>
-                <a:endParaRPr lang="en-US" sz="1600"/>
-              </a:p>
-            </c:rich>
-          </c:tx>
-          <c:overlay val="0"/>
-          <c:spPr>
-            <a:noFill/>
-            <a:ln>
-              <a:noFill/>
-            </a:ln>
-            <a:effectLst/>
-          </c:spPr>
-          <c:txPr>
-            <a:bodyPr rot="-5400000" spcFirstLastPara="1" vertOverflow="ellipsis" vert="horz" wrap="square" anchor="ctr" anchorCtr="1"/>
-            <a:lstStyle/>
-            <a:p>
-              <a:pPr>
-                <a:defRPr sz="1600" b="0" i="0" u="none" strike="noStrike" kern="1200" baseline="0">
-                  <a:solidFill>
-                    <a:schemeClr val="tx1">
-                      <a:lumMod val="65000"/>
-                      <a:lumOff val="35000"/>
-                    </a:schemeClr>
-                  </a:solidFill>
-                  <a:latin typeface="+mn-lt"/>
-                  <a:ea typeface="+mn-ea"/>
-                  <a:cs typeface="+mn-cs"/>
-                </a:defRPr>
-              </a:pPr>
-              <a:endParaRPr lang="en-US"/>
-            </a:p>
-          </c:txPr>
-        </c:title>
-        <c:numFmt formatCode="_(&quot;$&quot;* #,##0_);_(&quot;$&quot;* \(#,##0\);_(&quot;$&quot;* &quot;-&quot;_);_(@_)" sourceLinked="0"/>
-        <c:majorTickMark val="none"/>
-        <c:minorTickMark val="none"/>
-        <c:tickLblPos val="nextTo"/>
-        <c:spPr>
-          <a:noFill/>
-          <a:ln>
-            <a:solidFill>
-              <a:schemeClr val="bg1">
-                <a:lumMod val="65000"/>
-              </a:schemeClr>
-            </a:solidFill>
-          </a:ln>
-          <a:effectLst/>
-        </c:spPr>
-        <c:txPr>
-          <a:bodyPr rot="-60000000" spcFirstLastPara="1" vertOverflow="ellipsis" vert="horz" wrap="square" anchor="ctr" anchorCtr="1"/>
-          <a:lstStyle/>
-          <a:p>
-            <a:pPr>
-              <a:defRPr sz="1600" b="0" i="0" u="none" strike="noStrike" kern="1200" baseline="0">
-                <a:solidFill>
-                  <a:schemeClr val="tx1">
-                    <a:lumMod val="65000"/>
-                    <a:lumOff val="35000"/>
-                  </a:schemeClr>
-                </a:solidFill>
-                <a:latin typeface="+mn-lt"/>
-                <a:ea typeface="+mn-ea"/>
-                <a:cs typeface="+mn-cs"/>
-              </a:defRPr>
-            </a:pPr>
-            <a:endParaRPr lang="en-US"/>
-          </a:p>
-        </c:txPr>
-        <c:crossAx val="-233978224"/>
-        <c:crosses val="autoZero"/>
-        <c:crossBetween val="midCat"/>
-      </c:valAx>
-      <c:spPr>
-        <a:noFill/>
-        <a:ln>
-          <a:noFill/>
-        </a:ln>
-        <a:effectLst/>
-      </c:spPr>
-    </c:plotArea>
-    <c:legend>
-      <c:legendPos val="r"/>
-      <c:layout>
-        <c:manualLayout>
-          <c:xMode val="edge"/>
-          <c:yMode val="edge"/>
-          <c:x val="0.80156184031668198"/>
-          <c:y val="0.10487643491113739"/>
-          <c:w val="0.19843815968331802"/>
-          <c:h val="0.15200665107292949"/>
-        </c:manualLayout>
-      </c:layout>
-      <c:overlay val="1"/>
-      <c:spPr>
-        <a:noFill/>
-        <a:ln>
-          <a:noFill/>
-        </a:ln>
-        <a:effectLst/>
-      </c:spPr>
-      <c:txPr>
-        <a:bodyPr rot="0" spcFirstLastPara="1" vertOverflow="ellipsis" vert="horz" wrap="square" anchor="ctr" anchorCtr="1"/>
-        <a:lstStyle/>
-        <a:p>
-          <a:pPr>
-            <a:defRPr sz="1600" b="0" i="0" u="none" strike="noStrike" kern="1200" baseline="0">
-              <a:solidFill>
-                <a:schemeClr val="tx1">
-                  <a:lumMod val="65000"/>
-                  <a:lumOff val="35000"/>
-                </a:schemeClr>
-              </a:solidFill>
-              <a:latin typeface="+mn-lt"/>
-              <a:ea typeface="+mn-ea"/>
-              <a:cs typeface="+mn-cs"/>
-            </a:defRPr>
-          </a:pPr>
-          <a:endParaRPr lang="en-US"/>
-        </a:p>
-      </c:txPr>
-    </c:legend>
-    <c:plotVisOnly val="1"/>
-    <c:dispBlanksAs val="gap"/>
-    <c:showDLblsOverMax val="0"/>
-  </c:chart>
-  <c:spPr>
-    <a:noFill/>
-    <a:ln>
-      <a:noFill/>
-    </a:ln>
-    <a:effectLst/>
-  </c:spPr>
-  <c:txPr>
-    <a:bodyPr/>
-    <a:lstStyle/>
-    <a:p>
-      <a:pPr>
-        <a:defRPr/>
-      </a:pPr>
-      <a:endParaRPr lang="en-US"/>
-    </a:p>
-  </c:txPr>
-  <c:externalData r:id="rId3">
-    <c:autoUpdate val="0"/>
-  </c:externalData>
-  <c:userShapes r:id="rId4"/>
-</c:chartSpace>
-</file>
-
-<file path=ppt/charts/colors1.xml><?xml version="1.0" encoding="utf-8"?>
-<cs:colorStyle xmlns:cs="http://schemas.microsoft.com/office/drawing/2012/chartStyle" xmlns:a="http://schemas.openxmlformats.org/drawingml/2006/main" meth="cycle" id="10">
-  <a:schemeClr val="accent1"/>
-  <a:schemeClr val="accent2"/>
-  <a:schemeClr val="accent3"/>
-  <a:schemeClr val="accent4"/>
-  <a:schemeClr val="accent5"/>
-  <a:schemeClr val="accent6"/>
-  <cs:variation/>
-  <cs:variation>
-    <a:lumMod val="60000"/>
-  </cs:variation>
-  <cs:variation>
-    <a:lumMod val="80000"/>
-    <a:lumOff val="20000"/>
-  </cs:variation>
-  <cs:variation>
-    <a:lumMod val="80000"/>
-  </cs:variation>
-  <cs:variation>
-    <a:lumMod val="60000"/>
-    <a:lumOff val="40000"/>
-  </cs:variation>
-  <cs:variation>
-    <a:lumMod val="50000"/>
-  </cs:variation>
-  <cs:variation>
-    <a:lumMod val="70000"/>
-    <a:lumOff val="30000"/>
-  </cs:variation>
-  <cs:variation>
-    <a:lumMod val="70000"/>
-  </cs:variation>
-  <cs:variation>
-    <a:lumMod val="50000"/>
-    <a:lumOff val="50000"/>
-  </cs:variation>
-</cs:colorStyle>
-</file>
-
-<file path=ppt/charts/style1.xml><?xml version="1.0" encoding="utf-8"?>
-<cs:chartStyle xmlns:cs="http://schemas.microsoft.com/office/drawing/2012/chartStyle" xmlns:a="http://schemas.openxmlformats.org/drawingml/2006/main" id="201">
-  <cs:axisTitle>
-    <cs:lnRef idx="0"/>
-    <cs:fillRef idx="0"/>
-    <cs:effectRef idx="0"/>
-    <cs:fontRef idx="minor">
-      <a:schemeClr val="tx1">
-        <a:lumMod val="65000"/>
-        <a:lumOff val="35000"/>
-      </a:schemeClr>
-    </cs:fontRef>
-    <cs:defRPr sz="1000" kern="1200"/>
-  </cs:axisTitle>
-  <cs:categoryAxis>
-    <cs:lnRef idx="0"/>
-    <cs:fillRef idx="0"/>
-    <cs:effectRef idx="0"/>
-    <cs:fontRef idx="minor">
-      <a:schemeClr val="tx1">
-        <a:lumMod val="65000"/>
-        <a:lumOff val="35000"/>
-      </a:schemeClr>
-    </cs:fontRef>
-    <cs:spPr>
-      <a:ln w="9525" cap="flat" cmpd="sng" algn="ctr">
-        <a:solidFill>
-          <a:schemeClr val="tx1">
-            <a:lumMod val="15000"/>
-            <a:lumOff val="85000"/>
-          </a:schemeClr>
-        </a:solidFill>
-        <a:round/>
-      </a:ln>
-    </cs:spPr>
-    <cs:defRPr sz="900" kern="1200"/>
-  </cs:categoryAxis>
-  <cs:chartArea mods="allowNoFillOverride allowNoLineOverride">
-    <cs:lnRef idx="0"/>
-    <cs:fillRef idx="0"/>
-    <cs:effectRef idx="0"/>
-    <cs:fontRef idx="minor">
-      <a:schemeClr val="tx1"/>
-    </cs:fontRef>
-    <cs:spPr>
-      <a:solidFill>
-        <a:schemeClr val="bg1"/>
-      </a:solidFill>
-      <a:ln w="9525" cap="flat" cmpd="sng" algn="ctr">
-        <a:solidFill>
-          <a:schemeClr val="tx1">
-            <a:lumMod val="15000"/>
-            <a:lumOff val="85000"/>
-          </a:schemeClr>
-        </a:solidFill>
-        <a:round/>
-      </a:ln>
-    </cs:spPr>
-    <cs:defRPr sz="1000" kern="1200"/>
-  </cs:chartArea>
-  <cs:dataLabel>
-    <cs:lnRef idx="0"/>
-    <cs:fillRef idx="0"/>
-    <cs:effectRef idx="0"/>
-    <cs:fontRef idx="minor">
-      <a:schemeClr val="tx1">
-        <a:lumMod val="75000"/>
-        <a:lumOff val="25000"/>
-      </a:schemeClr>
-    </cs:fontRef>
-    <cs:defRPr sz="900" kern="1200"/>
-  </cs:dataLabel>
-  <cs:dataLabelCallout>
-    <cs:lnRef idx="0"/>
-    <cs:fillRef idx="0"/>
-    <cs:effectRef idx="0"/>
-    <cs:fontRef idx="minor">
-      <a:schemeClr val="dk1">
-        <a:lumMod val="65000"/>
-        <a:lumOff val="35000"/>
-      </a:schemeClr>
-    </cs:fontRef>
-    <cs:spPr>
-      <a:solidFill>
-        <a:schemeClr val="lt1"/>
-      </a:solidFill>
-      <a:ln>
-        <a:solidFill>
-          <a:schemeClr val="dk1">
-            <a:lumMod val="25000"/>
-            <a:lumOff val="75000"/>
-          </a:schemeClr>
-        </a:solidFill>
-      </a:ln>
-    </cs:spPr>
-    <cs:defRPr sz="900" kern="1200"/>
-    <cs:bodyPr rot="0" spcFirstLastPara="1" vertOverflow="clip" horzOverflow="clip" vert="horz" wrap="square" lIns="36576" tIns="18288" rIns="36576" bIns="18288" anchor="ctr" anchorCtr="1">
-      <a:spAutoFit/>
-    </cs:bodyPr>
-  </cs:dataLabelCallout>
-  <cs:dataPoint>
-    <cs:lnRef idx="0"/>
-    <cs:fillRef idx="1">
-      <cs:styleClr val="auto"/>
-    </cs:fillRef>
-    <cs:effectRef idx="0"/>
-    <cs:fontRef idx="minor">
-      <a:schemeClr val="tx1"/>
-    </cs:fontRef>
-  </cs:dataPoint>
-  <cs:dataPoint3D>
-    <cs:lnRef idx="0"/>
-    <cs:fillRef idx="1">
-      <cs:styleClr val="auto"/>
-    </cs:fillRef>
-    <cs:effectRef idx="0"/>
-    <cs:fontRef idx="minor">
-      <a:schemeClr val="tx1"/>
-    </cs:fontRef>
-  </cs:dataPoint3D>
-  <cs:dataPointLine>
-    <cs:lnRef idx="0">
-      <cs:styleClr val="auto"/>
-    </cs:lnRef>
-    <cs:fillRef idx="1"/>
-    <cs:effectRef idx="0"/>
-    <cs:fontRef idx="minor">
-      <a:schemeClr val="tx1"/>
-    </cs:fontRef>
-    <cs:spPr>
-      <a:ln w="28575" cap="rnd">
-        <a:solidFill>
-          <a:schemeClr val="phClr"/>
-        </a:solidFill>
-        <a:round/>
-      </a:ln>
-    </cs:spPr>
-  </cs:dataPointLine>
-  <cs:dataPointMarker>
-    <cs:lnRef idx="0">
-      <cs:styleClr val="auto"/>
-    </cs:lnRef>
-    <cs:fillRef idx="1">
-      <cs:styleClr val="auto"/>
-    </cs:fillRef>
-    <cs:effectRef idx="0"/>
-    <cs:fontRef idx="minor">
-      <a:schemeClr val="tx1"/>
-    </cs:fontRef>
-    <cs:spPr>
-      <a:ln w="9525">
-        <a:solidFill>
-          <a:schemeClr val="phClr"/>
-        </a:solidFill>
-      </a:ln>
-    </cs:spPr>
-  </cs:dataPointMarker>
-  <cs:dataPointMarkerLayout symbol="circle" size="5"/>
-  <cs:dataPointWireframe>
-    <cs:lnRef idx="0">
-      <cs:styleClr val="auto"/>
-    </cs:lnRef>
-    <cs:fillRef idx="1"/>
-    <cs:effectRef idx="0"/>
-    <cs:fontRef idx="minor">
-      <a:schemeClr val="tx1"/>
-    </cs:fontRef>
-    <cs:spPr>
-      <a:ln w="9525" cap="rnd">
-        <a:solidFill>
-          <a:schemeClr val="phClr"/>
-        </a:solidFill>
-        <a:round/>
-      </a:ln>
-    </cs:spPr>
-  </cs:dataPointWireframe>
-  <cs:dataTable>
-    <cs:lnRef idx="0"/>
-    <cs:fillRef idx="0"/>
-    <cs:effectRef idx="0"/>
-    <cs:fontRef idx="minor">
-      <a:schemeClr val="tx1">
-        <a:lumMod val="65000"/>
-        <a:lumOff val="35000"/>
-      </a:schemeClr>
-    </cs:fontRef>
-    <cs:spPr>
-      <a:noFill/>
-      <a:ln w="9525" cap="flat" cmpd="sng" algn="ctr">
-        <a:solidFill>
-          <a:schemeClr val="tx1">
-            <a:lumMod val="15000"/>
-            <a:lumOff val="85000"/>
-          </a:schemeClr>
-        </a:solidFill>
-        <a:round/>
-      </a:ln>
-    </cs:spPr>
-    <cs:defRPr sz="900" kern="1200"/>
-  </cs:dataTable>
-  <cs:downBar>
-    <cs:lnRef idx="0"/>
-    <cs:fillRef idx="0"/>
-    <cs:effectRef idx="0"/>
-    <cs:fontRef idx="minor">
-      <a:schemeClr val="dk1"/>
-    </cs:fontRef>
-    <cs:spPr>
-      <a:solidFill>
-        <a:schemeClr val="dk1">
-          <a:lumMod val="65000"/>
-          <a:lumOff val="35000"/>
-        </a:schemeClr>
-      </a:solidFill>
-      <a:ln w="9525">
-        <a:solidFill>
-          <a:schemeClr val="tx1">
-            <a:lumMod val="65000"/>
-            <a:lumOff val="35000"/>
-          </a:schemeClr>
-        </a:solidFill>
-      </a:ln>
-    </cs:spPr>
-  </cs:downBar>
-  <cs:dropLine>
-    <cs:lnRef idx="0"/>
-    <cs:fillRef idx="0"/>
-    <cs:effectRef idx="0"/>
-    <cs:fontRef idx="minor">
-      <a:schemeClr val="tx1"/>
-    </cs:fontRef>
-    <cs:spPr>
-      <a:ln w="9525" cap="flat" cmpd="sng" algn="ctr">
-        <a:solidFill>
-          <a:schemeClr val="tx1">
-            <a:lumMod val="35000"/>
-            <a:lumOff val="65000"/>
-          </a:schemeClr>
-        </a:solidFill>
-        <a:round/>
-      </a:ln>
-    </cs:spPr>
-  </cs:dropLine>
-  <cs:errorBar>
-    <cs:lnRef idx="0"/>
-    <cs:fillRef idx="0"/>
-    <cs:effectRef idx="0"/>
-    <cs:fontRef idx="minor">
-      <a:schemeClr val="tx1"/>
-    </cs:fontRef>
-    <cs:spPr>
-      <a:ln w="9525" cap="flat" cmpd="sng" algn="ctr">
-        <a:solidFill>
-          <a:schemeClr val="tx1">
-            <a:lumMod val="65000"/>
-            <a:lumOff val="35000"/>
-          </a:schemeClr>
-        </a:solidFill>
-        <a:round/>
-      </a:ln>
-    </cs:spPr>
-  </cs:errorBar>
-  <cs:floor>
-    <cs:lnRef idx="0"/>
-    <cs:fillRef idx="0"/>
-    <cs:effectRef idx="0"/>
-    <cs:fontRef idx="minor">
-      <a:schemeClr val="tx1"/>
-    </cs:fontRef>
-    <cs:spPr>
-      <a:noFill/>
-      <a:ln>
-        <a:noFill/>
-      </a:ln>
-    </cs:spPr>
-  </cs:floor>
-  <cs:gridlineMajor>
-    <cs:lnRef idx="0"/>
-    <cs:fillRef idx="0"/>
-    <cs:effectRef idx="0"/>
-    <cs:fontRef idx="minor">
-      <a:schemeClr val="tx1"/>
-    </cs:fontRef>
-    <cs:spPr>
-      <a:ln w="9525" cap="flat" cmpd="sng" algn="ctr">
-        <a:solidFill>
-          <a:schemeClr val="tx1">
-            <a:lumMod val="15000"/>
-            <a:lumOff val="85000"/>
-          </a:schemeClr>
-        </a:solidFill>
-        <a:round/>
-      </a:ln>
-    </cs:spPr>
-  </cs:gridlineMajor>
-  <cs:gridlineMinor>
-    <cs:lnRef idx="0"/>
-    <cs:fillRef idx="0"/>
-    <cs:effectRef idx="0"/>
-    <cs:fontRef idx="minor">
-      <a:schemeClr val="tx1"/>
-    </cs:fontRef>
-    <cs:spPr>
-      <a:ln w="9525" cap="flat" cmpd="sng" algn="ctr">
-        <a:solidFill>
-          <a:schemeClr val="tx1">
-            <a:lumMod val="5000"/>
-            <a:lumOff val="95000"/>
-          </a:schemeClr>
-        </a:solidFill>
-        <a:round/>
-      </a:ln>
-    </cs:spPr>
-  </cs:gridlineMinor>
-  <cs:hiLoLine>
-    <cs:lnRef idx="0"/>
-    <cs:fillRef idx="0"/>
-    <cs:effectRef idx="0"/>
-    <cs:fontRef idx="minor">
-      <a:schemeClr val="tx1"/>
-    </cs:fontRef>
-    <cs:spPr>
-      <a:ln w="9525" cap="flat" cmpd="sng" algn="ctr">
-        <a:solidFill>
-          <a:schemeClr val="tx1">
-            <a:lumMod val="75000"/>
-            <a:lumOff val="25000"/>
-          </a:schemeClr>
-        </a:solidFill>
-        <a:round/>
-      </a:ln>
-    </cs:spPr>
-  </cs:hiLoLine>
-  <cs:leaderLine>
-    <cs:lnRef idx="0"/>
-    <cs:fillRef idx="0"/>
-    <cs:effectRef idx="0"/>
-    <cs:fontRef idx="minor">
-      <a:schemeClr val="tx1"/>
-    </cs:fontRef>
-    <cs:spPr>
-      <a:ln w="9525" cap="flat" cmpd="sng" algn="ctr">
-        <a:solidFill>
-          <a:schemeClr val="tx1">
-            <a:lumMod val="35000"/>
-            <a:lumOff val="65000"/>
-          </a:schemeClr>
-        </a:solidFill>
-        <a:round/>
-      </a:ln>
-    </cs:spPr>
-  </cs:leaderLine>
-  <cs:legend>
-    <cs:lnRef idx="0"/>
-    <cs:fillRef idx="0"/>
-    <cs:effectRef idx="0"/>
-    <cs:fontRef idx="minor">
-      <a:schemeClr val="tx1">
-        <a:lumMod val="65000"/>
-        <a:lumOff val="35000"/>
-      </a:schemeClr>
-    </cs:fontRef>
-    <cs:defRPr sz="900" kern="1200"/>
-  </cs:legend>
-  <cs:plotArea mods="allowNoFillOverride allowNoLineOverride">
-    <cs:lnRef idx="0"/>
-    <cs:fillRef idx="0"/>
-    <cs:effectRef idx="0"/>
-    <cs:fontRef idx="minor">
-      <a:schemeClr val="tx1"/>
-    </cs:fontRef>
-  </cs:plotArea>
-  <cs:plotArea3D mods="allowNoFillOverride allowNoLineOverride">
-    <cs:lnRef idx="0"/>
-    <cs:fillRef idx="0"/>
-    <cs:effectRef idx="0"/>
-    <cs:fontRef idx="minor">
-      <a:schemeClr val="tx1"/>
-    </cs:fontRef>
-  </cs:plotArea3D>
-  <cs:seriesAxis>
-    <cs:lnRef idx="0"/>
-    <cs:fillRef idx="0"/>
-    <cs:effectRef idx="0"/>
-    <cs:fontRef idx="minor">
-      <a:schemeClr val="tx1">
-        <a:lumMod val="65000"/>
-        <a:lumOff val="35000"/>
-      </a:schemeClr>
-    </cs:fontRef>
-    <cs:defRPr sz="900" kern="1200"/>
-  </cs:seriesAxis>
-  <cs:seriesLine>
-    <cs:lnRef idx="0"/>
-    <cs:fillRef idx="0"/>
-    <cs:effectRef idx="0"/>
-    <cs:fontRef idx="minor">
-      <a:schemeClr val="tx1"/>
-    </cs:fontRef>
-    <cs:spPr>
-      <a:ln w="9525" cap="flat" cmpd="sng" algn="ctr">
-        <a:solidFill>
-          <a:schemeClr val="tx1">
-            <a:lumMod val="35000"/>
-            <a:lumOff val="65000"/>
-          </a:schemeClr>
-        </a:solidFill>
-        <a:round/>
-      </a:ln>
-    </cs:spPr>
-  </cs:seriesLine>
-  <cs:title>
-    <cs:lnRef idx="0"/>
-    <cs:fillRef idx="0"/>
-    <cs:effectRef idx="0"/>
-    <cs:fontRef idx="minor">
-      <a:schemeClr val="tx1">
-        <a:lumMod val="65000"/>
-        <a:lumOff val="35000"/>
-      </a:schemeClr>
-    </cs:fontRef>
-    <cs:defRPr sz="1400" b="0" kern="1200" spc="0" baseline="0"/>
-  </cs:title>
-  <cs:trendline>
-    <cs:lnRef idx="0">
-      <cs:styleClr val="auto"/>
-    </cs:lnRef>
-    <cs:fillRef idx="0"/>
-    <cs:effectRef idx="0"/>
-    <cs:fontRef idx="minor">
-      <a:schemeClr val="tx1"/>
-    </cs:fontRef>
-    <cs:spPr>
-      <a:ln w="19050" cap="rnd">
-        <a:solidFill>
-          <a:schemeClr val="phClr"/>
-        </a:solidFill>
-        <a:prstDash val="sysDot"/>
-      </a:ln>
-    </cs:spPr>
-  </cs:trendline>
-  <cs:trendlineLabel>
-    <cs:lnRef idx="0"/>
-    <cs:fillRef idx="0"/>
-    <cs:effectRef idx="0"/>
-    <cs:fontRef idx="minor">
-      <a:schemeClr val="tx1">
-        <a:lumMod val="65000"/>
-        <a:lumOff val="35000"/>
-      </a:schemeClr>
-    </cs:fontRef>
-    <cs:defRPr sz="900" kern="1200"/>
-  </cs:trendlineLabel>
-  <cs:upBar>
-    <cs:lnRef idx="0"/>
-    <cs:fillRef idx="0"/>
-    <cs:effectRef idx="0"/>
-    <cs:fontRef idx="minor">
-      <a:schemeClr val="dk1"/>
-    </cs:fontRef>
-    <cs:spPr>
-      <a:solidFill>
-        <a:schemeClr val="lt1"/>
-      </a:solidFill>
-      <a:ln w="9525">
-        <a:solidFill>
-          <a:schemeClr val="tx1">
-            <a:lumMod val="15000"/>
-            <a:lumOff val="85000"/>
-          </a:schemeClr>
-        </a:solidFill>
-      </a:ln>
-    </cs:spPr>
-  </cs:upBar>
-  <cs:valueAxis>
-    <cs:lnRef idx="0"/>
-    <cs:fillRef idx="0"/>
-    <cs:effectRef idx="0"/>
-    <cs:fontRef idx="minor">
-      <a:schemeClr val="tx1">
-        <a:lumMod val="65000"/>
-        <a:lumOff val="35000"/>
-      </a:schemeClr>
-    </cs:fontRef>
-    <cs:defRPr sz="900" kern="1200"/>
-  </cs:valueAxis>
-  <cs:wall>
-    <cs:lnRef idx="0"/>
-    <cs:fillRef idx="0"/>
-    <cs:effectRef idx="0"/>
-    <cs:fontRef idx="minor">
-      <a:schemeClr val="tx1"/>
-    </cs:fontRef>
-    <cs:spPr>
-      <a:noFill/>
-      <a:ln>
-        <a:noFill/>
-      </a:ln>
-    </cs:spPr>
-  </cs:wall>
-</cs:chartStyle>
-</file>
-
-<file path=ppt/drawings/drawing1.xml><?xml version="1.0" encoding="utf-8"?>
-<c:userShapes xmlns:c="http://schemas.openxmlformats.org/drawingml/2006/chart">
-  <cdr:relSizeAnchor xmlns:cdr="http://schemas.openxmlformats.org/drawingml/2006/chartDrawing">
-    <cdr:from>
-      <cdr:x>0.74789</cdr:x>
-      <cdr:y>0.62498</cdr:y>
-    </cdr:from>
-    <cdr:to>
-      <cdr:x>0.96318</cdr:x>
-      <cdr:y>0.83963</cdr:y>
-    </cdr:to>
-    <cdr:sp macro="" textlink="">
-      <cdr:nvSpPr>
-        <cdr:cNvPr id="2" name="TextBox 1"/>
-        <cdr:cNvSpPr txBox="1"/>
-      </cdr:nvSpPr>
-      <cdr:spPr>
-        <a:xfrm xmlns:a="http://schemas.openxmlformats.org/drawingml/2006/main">
-          <a:off x="5936060" y="3252002"/>
-          <a:ext cx="1708767" cy="1116904"/>
-        </a:xfrm>
-        <a:prstGeom xmlns:a="http://schemas.openxmlformats.org/drawingml/2006/main" prst="rect">
-          <a:avLst/>
-        </a:prstGeom>
-      </cdr:spPr>
-      <cdr:txBody>
-        <a:bodyPr xmlns:a="http://schemas.openxmlformats.org/drawingml/2006/main" vertOverflow="clip" wrap="square" rtlCol="0"/>
-        <a:lstStyle xmlns:a="http://schemas.openxmlformats.org/drawingml/2006/main"/>
-        <a:p xmlns:a="http://schemas.openxmlformats.org/drawingml/2006/main">
-          <a:r>
-            <a:rPr lang="en-US" sz="1600" dirty="0"/>
-            <a:t>Bubble size is build volume in mm</a:t>
-          </a:r>
-          <a:r>
-            <a:rPr lang="en-US" sz="1600" baseline="30000" dirty="0"/>
-            <a:t>3</a:t>
-          </a:r>
-        </a:p>
-      </cdr:txBody>
-    </cdr:sp>
-  </cdr:relSizeAnchor>
-</c:userShapes>
 </file>
 
 <file path=ppt/notesMasters/notesMaster1.xml><?xml version="1.0" encoding="utf-8"?>
@@ -8203,7 +6807,7 @@
       </p:grpSpPr>
       <p:sp>
         <p:nvSpPr>
-          <p:cNvPr id="2" name="Title 1"/>
+          <p:cNvPr id="5" name="Title 4"/>
           <p:cNvSpPr>
             <a:spLocks noGrp="1"/>
           </p:cNvSpPr>
@@ -8213,36 +6817,74 @@
         </p:nvSpPr>
         <p:spPr/>
         <p:txBody>
-          <a:bodyPr/>
-          <a:lstStyle/>
-          <a:p>
-            <a:r>
-              <a:rPr lang="en-US" dirty="0" smtClean="0"/>
-              <a:t>Technical Drawings</a:t>
-            </a:r>
-            <a:endParaRPr lang="en-US" dirty="0"/>
-          </a:p>
-        </p:txBody>
-      </p:sp>
-      <p:sp>
-        <p:nvSpPr>
-          <p:cNvPr id="3" name="Content Placeholder 2"/>
-          <p:cNvSpPr>
-            <a:spLocks noGrp="1"/>
-          </p:cNvSpPr>
-          <p:nvPr>
-            <p:ph idx="1"/>
-          </p:nvPr>
-        </p:nvSpPr>
-        <p:spPr/>
-        <p:txBody>
-          <a:bodyPr/>
-          <a:lstStyle/>
-          <a:p>
-            <a:endParaRPr lang="en-US"/>
-          </a:p>
-        </p:txBody>
-      </p:sp>
+          <a:bodyPr>
+            <a:normAutofit fontScale="90000"/>
+          </a:bodyPr>
+          <a:lstStyle/>
+          <a:p>
+            <a:r>
+              <a:rPr lang="en-US" dirty="0"/>
+              <a:t>Chassis Design</a:t>
+            </a:r>
+          </a:p>
+        </p:txBody>
+      </p:sp>
+      <p:pic>
+        <p:nvPicPr>
+          <p:cNvPr id="10" name="Content Placeholder 9"/>
+          <p:cNvPicPr>
+            <a:picLocks noGrp="1" noChangeAspect="1"/>
+          </p:cNvPicPr>
+          <p:nvPr>
+            <p:ph sz="half" idx="1"/>
+          </p:nvPr>
+        </p:nvPicPr>
+        <p:blipFill rotWithShape="1">
+          <a:blip r:embed="rId2" cstate="print">
+            <a:extLst>
+              <a:ext uri="{28A0092B-C50C-407E-A947-70E740481C1C}">
+                <a14:useLocalDpi xmlns:a14="http://schemas.microsoft.com/office/drawing/2010/main" val="0"/>
+              </a:ext>
+            </a:extLst>
+          </a:blip>
+          <a:srcRect t="19571"/>
+          <a:stretch/>
+        </p:blipFill>
+        <p:spPr>
+          <a:xfrm>
+            <a:off x="1484311" y="1910075"/>
+            <a:ext cx="6072843" cy="3460124"/>
+          </a:xfrm>
+        </p:spPr>
+      </p:pic>
+      <p:pic>
+        <p:nvPicPr>
+          <p:cNvPr id="9" name="Content Placeholder 8"/>
+          <p:cNvPicPr>
+            <a:picLocks noGrp="1" noChangeAspect="1"/>
+          </p:cNvPicPr>
+          <p:nvPr>
+            <p:ph sz="half" idx="2"/>
+          </p:nvPr>
+        </p:nvPicPr>
+        <p:blipFill rotWithShape="1">
+          <a:blip r:embed="rId3">
+            <a:extLst>
+              <a:ext uri="{28A0092B-C50C-407E-A947-70E740481C1C}">
+                <a14:useLocalDpi xmlns:a14="http://schemas.microsoft.com/office/drawing/2010/main" val="0"/>
+              </a:ext>
+            </a:extLst>
+          </a:blip>
+          <a:srcRect r="12302"/>
+          <a:stretch/>
+        </p:blipFill>
+        <p:spPr>
+          <a:xfrm>
+            <a:off x="8154545" y="1489074"/>
+            <a:ext cx="2843364" cy="4302125"/>
+          </a:xfrm>
+        </p:spPr>
+      </p:pic>
       <p:sp>
         <p:nvSpPr>
           <p:cNvPr id="4" name="Slide Number Placeholder 3"/>
@@ -8266,16 +6908,100 @@
           </a:p>
         </p:txBody>
       </p:sp>
+      <p:sp>
+        <p:nvSpPr>
+          <p:cNvPr id="6" name="TextBox 5"/>
+          <p:cNvSpPr txBox="1"/>
+          <p:nvPr/>
+        </p:nvSpPr>
+        <p:spPr>
+          <a:xfrm>
+            <a:off x="2823793" y="5513942"/>
+            <a:ext cx="3393878" cy="369332"/>
+          </a:xfrm>
+          <a:prstGeom prst="rect">
+            <a:avLst/>
+          </a:prstGeom>
+          <a:noFill/>
+        </p:spPr>
+        <p:txBody>
+          <a:bodyPr wrap="none" rtlCol="0">
+            <a:spAutoFit/>
+          </a:bodyPr>
+          <a:lstStyle/>
+          <a:p>
+            <a:r>
+              <a:rPr lang="en-US" dirty="0" smtClean="0"/>
+              <a:t>Figure 4. </a:t>
+            </a:r>
+            <a:r>
+              <a:rPr lang="en-US" dirty="0"/>
+              <a:t>Proposed chassis design </a:t>
+            </a:r>
+          </a:p>
+        </p:txBody>
+      </p:sp>
+      <p:sp>
+        <p:nvSpPr>
+          <p:cNvPr id="7" name="TextBox 6"/>
+          <p:cNvSpPr txBox="1"/>
+          <p:nvPr/>
+        </p:nvSpPr>
+        <p:spPr>
+          <a:xfrm>
+            <a:off x="8337747" y="5883273"/>
+            <a:ext cx="2476960" cy="646331"/>
+          </a:xfrm>
+          <a:prstGeom prst="rect">
+            <a:avLst/>
+          </a:prstGeom>
+          <a:noFill/>
+        </p:spPr>
+        <p:txBody>
+          <a:bodyPr wrap="none" rtlCol="0">
+            <a:spAutoFit/>
+          </a:bodyPr>
+          <a:lstStyle/>
+          <a:p>
+            <a:r>
+              <a:rPr lang="en-US" dirty="0" smtClean="0"/>
+              <a:t>Figure 5. </a:t>
+            </a:r>
+            <a:r>
+              <a:rPr lang="en-US" dirty="0"/>
+              <a:t>Isometric view </a:t>
+            </a:r>
+            <a:endParaRPr lang="en-US" dirty="0" smtClean="0"/>
+          </a:p>
+          <a:p>
+            <a:r>
+              <a:rPr lang="en-US" dirty="0" smtClean="0"/>
+              <a:t>of </a:t>
+            </a:r>
+            <a:r>
+              <a:rPr lang="en-US" dirty="0"/>
+              <a:t>proposed chassis </a:t>
+            </a:r>
+          </a:p>
+        </p:txBody>
+      </p:sp>
     </p:spTree>
     <p:extLst>
       <p:ext uri="{BB962C8B-B14F-4D97-AF65-F5344CB8AC3E}">
-        <p14:creationId xmlns:p14="http://schemas.microsoft.com/office/powerpoint/2010/main" val="2704906384"/>
+        <p14:creationId xmlns:p14="http://schemas.microsoft.com/office/powerpoint/2010/main" val="341879816"/>
       </p:ext>
     </p:extLst>
   </p:cSld>
   <p:clrMapOvr>
     <a:masterClrMapping/>
   </p:clrMapOvr>
+  <p:timing>
+    <p:tnLst>
+      <p:par>
+        <p:cTn id="1" dur="indefinite" restart="never" nodeType="tmRoot"/>
+      </p:par>
+    </p:tnLst>
+  </p:timing>
 </p:sld>
 </file>
 
@@ -8313,7 +7039,7 @@
           <a:p>
             <a:r>
               <a:rPr lang="en-US" dirty="0" smtClean="0"/>
-              <a:t>Vat Design</a:t>
+              <a:t>Technical Drawings</a:t>
             </a:r>
             <a:endParaRPr lang="en-US" dirty="0"/>
           </a:p>
@@ -8364,7 +7090,7 @@
     </p:spTree>
     <p:extLst>
       <p:ext uri="{BB962C8B-B14F-4D97-AF65-F5344CB8AC3E}">
-        <p14:creationId xmlns:p14="http://schemas.microsoft.com/office/powerpoint/2010/main" val="795725223"/>
+        <p14:creationId xmlns:p14="http://schemas.microsoft.com/office/powerpoint/2010/main" val="2704906384"/>
       </p:ext>
     </p:extLst>
   </p:cSld>
@@ -8408,7 +7134,7 @@
           <a:p>
             <a:r>
               <a:rPr lang="en-US" dirty="0" smtClean="0"/>
-              <a:t>Wire Diagram</a:t>
+              <a:t>Vat Design</a:t>
             </a:r>
             <a:endParaRPr lang="en-US" dirty="0"/>
           </a:p>
@@ -8459,7 +7185,7 @@
     </p:spTree>
     <p:extLst>
       <p:ext uri="{BB962C8B-B14F-4D97-AF65-F5344CB8AC3E}">
-        <p14:creationId xmlns:p14="http://schemas.microsoft.com/office/powerpoint/2010/main" val="4240055343"/>
+        <p14:creationId xmlns:p14="http://schemas.microsoft.com/office/powerpoint/2010/main" val="795725223"/>
       </p:ext>
     </p:extLst>
   </p:cSld>
@@ -8503,7 +7229,7 @@
           <a:p>
             <a:r>
               <a:rPr lang="en-US" dirty="0" smtClean="0"/>
-              <a:t>Hardware Software Interface</a:t>
+              <a:t>Wire Diagram</a:t>
             </a:r>
             <a:endParaRPr lang="en-US" dirty="0"/>
           </a:p>
@@ -8554,7 +7280,7 @@
     </p:spTree>
     <p:extLst>
       <p:ext uri="{BB962C8B-B14F-4D97-AF65-F5344CB8AC3E}">
-        <p14:creationId xmlns:p14="http://schemas.microsoft.com/office/powerpoint/2010/main" val="3374279974"/>
+        <p14:creationId xmlns:p14="http://schemas.microsoft.com/office/powerpoint/2010/main" val="4240055343"/>
       </p:ext>
     </p:extLst>
   </p:cSld>
@@ -8597,12 +7323,8 @@
           <a:lstStyle/>
           <a:p>
             <a:r>
-              <a:rPr lang="en-US" dirty="0"/>
-              <a:t>Hardware Software </a:t>
-            </a:r>
-            <a:r>
               <a:rPr lang="en-US" dirty="0" smtClean="0"/>
-              <a:t>Interface contd.</a:t>
+              <a:t>Hardware Software Interface</a:t>
             </a:r>
             <a:endParaRPr lang="en-US" dirty="0"/>
           </a:p>
@@ -8653,7 +7375,7 @@
     </p:spTree>
     <p:extLst>
       <p:ext uri="{BB962C8B-B14F-4D97-AF65-F5344CB8AC3E}">
-        <p14:creationId xmlns:p14="http://schemas.microsoft.com/office/powerpoint/2010/main" val="1320030583"/>
+        <p14:creationId xmlns:p14="http://schemas.microsoft.com/office/powerpoint/2010/main" val="3374279974"/>
       </p:ext>
     </p:extLst>
   </p:cSld>
@@ -8696,8 +7418,12 @@
           <a:lstStyle/>
           <a:p>
             <a:r>
+              <a:rPr lang="en-US" dirty="0"/>
+              <a:t>Hardware Software </a:t>
+            </a:r>
+            <a:r>
               <a:rPr lang="en-US" dirty="0" smtClean="0"/>
-              <a:t>Projector and Resin</a:t>
+              <a:t>Interface contd.</a:t>
             </a:r>
             <a:endParaRPr lang="en-US" dirty="0"/>
           </a:p>
@@ -8705,6 +7431,25 @@
       </p:sp>
       <p:sp>
         <p:nvSpPr>
+          <p:cNvPr id="3" name="Content Placeholder 2"/>
+          <p:cNvSpPr>
+            <a:spLocks noGrp="1"/>
+          </p:cNvSpPr>
+          <p:nvPr>
+            <p:ph idx="1"/>
+          </p:nvPr>
+        </p:nvSpPr>
+        <p:spPr/>
+        <p:txBody>
+          <a:bodyPr/>
+          <a:lstStyle/>
+          <a:p>
+            <a:endParaRPr lang="en-US"/>
+          </a:p>
+        </p:txBody>
+      </p:sp>
+      <p:sp>
+        <p:nvSpPr>
           <p:cNvPr id="4" name="Slide Number Placeholder 3"/>
           <p:cNvSpPr>
             <a:spLocks noGrp="1"/>
@@ -8720,104 +7465,16 @@
           <a:p>
             <a:fld id="{5C6BB475-B640-4DD3-A1AA-1CF10A44AA06}" type="slidenum">
               <a:rPr lang="en-US" smtClean="0"/>
-              <a:pPr/>
               <a:t>15</a:t>
             </a:fld>
-            <a:endParaRPr lang="en-US" dirty="0"/>
-          </a:p>
-        </p:txBody>
-      </p:sp>
-      <p:sp>
-        <p:nvSpPr>
-          <p:cNvPr id="6" name="Content Placeholder 5"/>
-          <p:cNvSpPr>
-            <a:spLocks noGrp="1"/>
-          </p:cNvSpPr>
-          <p:nvPr>
-            <p:ph idx="1"/>
-          </p:nvPr>
-        </p:nvSpPr>
-        <p:spPr>
-          <a:xfrm>
-            <a:off x="1541989" y="1538196"/>
-            <a:ext cx="10018713" cy="4180024"/>
-          </a:xfrm>
-        </p:spPr>
-        <p:txBody>
-          <a:bodyPr anchor="t">
-            <a:normAutofit/>
-          </a:bodyPr>
-          <a:lstStyle/>
-          <a:p>
-            <a:r>
-              <a:rPr lang="en-US" dirty="0" smtClean="0"/>
-              <a:t>Projector Qualities</a:t>
-            </a:r>
-          </a:p>
-          <a:p>
-            <a:pPr lvl="1"/>
-            <a:r>
-              <a:rPr lang="en-US" dirty="0" smtClean="0"/>
-              <a:t>High Resolution DLP</a:t>
-            </a:r>
-            <a:endParaRPr lang="en-US" dirty="0"/>
-          </a:p>
-          <a:p>
-            <a:pPr lvl="1"/>
-            <a:r>
-              <a:rPr lang="en-US" dirty="0"/>
-              <a:t>UV </a:t>
-            </a:r>
-            <a:r>
-              <a:rPr lang="en-US" dirty="0" smtClean="0"/>
-              <a:t>Filter Removal </a:t>
-            </a:r>
-            <a:endParaRPr lang="en-US" dirty="0"/>
-          </a:p>
-          <a:p>
-            <a:pPr lvl="1"/>
-            <a:r>
-              <a:rPr lang="en-US" dirty="0"/>
-              <a:t>Throw </a:t>
-            </a:r>
-            <a:r>
-              <a:rPr lang="en-US" dirty="0" smtClean="0"/>
-              <a:t>Distance</a:t>
-            </a:r>
-          </a:p>
-          <a:p>
-            <a:r>
-              <a:rPr lang="en-US" dirty="0" smtClean="0"/>
-              <a:t>Resin</a:t>
-            </a:r>
-            <a:endParaRPr lang="en-US" dirty="0"/>
-          </a:p>
-          <a:p>
-            <a:pPr lvl="1"/>
-            <a:r>
-              <a:rPr lang="en-US" dirty="0"/>
-              <a:t>Test for Layer Thickness</a:t>
-            </a:r>
-          </a:p>
-          <a:p>
-            <a:pPr lvl="1"/>
-            <a:r>
-              <a:rPr lang="en-US" dirty="0"/>
-              <a:t>Test for Exposure Time</a:t>
-            </a:r>
-          </a:p>
-          <a:p>
-            <a:pPr marL="0" indent="0">
-              <a:buNone/>
-            </a:pPr>
-            <a:endParaRPr lang="en-US" dirty="0" smtClean="0"/>
+            <a:endParaRPr lang="en-US"/>
           </a:p>
         </p:txBody>
       </p:sp>
     </p:spTree>
     <p:extLst>
       <p:ext uri="{BB962C8B-B14F-4D97-AF65-F5344CB8AC3E}">
-        <p14:creationId xmlns:p14="http://schemas.microsoft.com/office/powerpoint/2010/main" val="1888003692"/>
+        <p14:creationId xmlns:p14="http://schemas.microsoft.com/office/powerpoint/2010/main" val="1320030583"/>
       </p:ext>
     </p:extLst>
   </p:cSld>
@@ -8861,7 +7518,7 @@
           <a:p>
             <a:r>
               <a:rPr lang="en-US" dirty="0" smtClean="0"/>
-              <a:t>Software Problems</a:t>
+              <a:t>Resin/Optics</a:t>
             </a:r>
             <a:endParaRPr lang="en-US" dirty="0"/>
           </a:p>
@@ -8912,7 +7569,7 @@
     </p:spTree>
     <p:extLst>
       <p:ext uri="{BB962C8B-B14F-4D97-AF65-F5344CB8AC3E}">
-        <p14:creationId xmlns:p14="http://schemas.microsoft.com/office/powerpoint/2010/main" val="4088312060"/>
+        <p14:creationId xmlns:p14="http://schemas.microsoft.com/office/powerpoint/2010/main" val="3284958645"/>
       </p:ext>
     </p:extLst>
   </p:cSld>
@@ -8956,7 +7613,7 @@
           <a:p>
             <a:r>
               <a:rPr lang="en-US" dirty="0" smtClean="0"/>
-              <a:t>New Design</a:t>
+              <a:t>Software Problems</a:t>
             </a:r>
             <a:endParaRPr lang="en-US" dirty="0"/>
           </a:p>
@@ -9007,7 +7664,7 @@
     </p:spTree>
     <p:extLst>
       <p:ext uri="{BB962C8B-B14F-4D97-AF65-F5344CB8AC3E}">
-        <p14:creationId xmlns:p14="http://schemas.microsoft.com/office/powerpoint/2010/main" val="4014598853"/>
+        <p14:creationId xmlns:p14="http://schemas.microsoft.com/office/powerpoint/2010/main" val="4088312060"/>
       </p:ext>
     </p:extLst>
   </p:cSld>
@@ -9046,6 +7703,101 @@
         </p:nvSpPr>
         <p:spPr/>
         <p:txBody>
+          <a:bodyPr/>
+          <a:lstStyle/>
+          <a:p>
+            <a:r>
+              <a:rPr lang="en-US" dirty="0" smtClean="0"/>
+              <a:t>New Design</a:t>
+            </a:r>
+            <a:endParaRPr lang="en-US" dirty="0"/>
+          </a:p>
+        </p:txBody>
+      </p:sp>
+      <p:sp>
+        <p:nvSpPr>
+          <p:cNvPr id="3" name="Content Placeholder 2"/>
+          <p:cNvSpPr>
+            <a:spLocks noGrp="1"/>
+          </p:cNvSpPr>
+          <p:nvPr>
+            <p:ph idx="1"/>
+          </p:nvPr>
+        </p:nvSpPr>
+        <p:spPr/>
+        <p:txBody>
+          <a:bodyPr/>
+          <a:lstStyle/>
+          <a:p>
+            <a:endParaRPr lang="en-US"/>
+          </a:p>
+        </p:txBody>
+      </p:sp>
+      <p:sp>
+        <p:nvSpPr>
+          <p:cNvPr id="4" name="Slide Number Placeholder 3"/>
+          <p:cNvSpPr>
+            <a:spLocks noGrp="1"/>
+          </p:cNvSpPr>
+          <p:nvPr>
+            <p:ph type="sldNum" sz="quarter" idx="12"/>
+          </p:nvPr>
+        </p:nvSpPr>
+        <p:spPr/>
+        <p:txBody>
+          <a:bodyPr/>
+          <a:lstStyle/>
+          <a:p>
+            <a:fld id="{5C6BB475-B640-4DD3-A1AA-1CF10A44AA06}" type="slidenum">
+              <a:rPr lang="en-US" smtClean="0"/>
+              <a:t>18</a:t>
+            </a:fld>
+            <a:endParaRPr lang="en-US"/>
+          </a:p>
+        </p:txBody>
+      </p:sp>
+    </p:spTree>
+    <p:extLst>
+      <p:ext uri="{BB962C8B-B14F-4D97-AF65-F5344CB8AC3E}">
+        <p14:creationId xmlns:p14="http://schemas.microsoft.com/office/powerpoint/2010/main" val="4014598853"/>
+      </p:ext>
+    </p:extLst>
+  </p:cSld>
+  <p:clrMapOvr>
+    <a:masterClrMapping/>
+  </p:clrMapOvr>
+</p:sld>
+</file>
+
+<file path=ppt/slides/slide19.xml><?xml version="1.0" encoding="utf-8"?>
+<p:sld xmlns:a="http://schemas.openxmlformats.org/drawingml/2006/main" xmlns:r="http://schemas.openxmlformats.org/officeDocument/2006/relationships" xmlns:p="http://schemas.openxmlformats.org/presentationml/2006/main">
+  <p:cSld>
+    <p:spTree>
+      <p:nvGrpSpPr>
+        <p:cNvPr id="1" name=""/>
+        <p:cNvGrpSpPr/>
+        <p:nvPr/>
+      </p:nvGrpSpPr>
+      <p:grpSpPr>
+        <a:xfrm>
+          <a:off x="0" y="0"/>
+          <a:ext cx="0" cy="0"/>
+          <a:chOff x="0" y="0"/>
+          <a:chExt cx="0" cy="0"/>
+        </a:xfrm>
+      </p:grpSpPr>
+      <p:sp>
+        <p:nvSpPr>
+          <p:cNvPr id="2" name="Title 1"/>
+          <p:cNvSpPr>
+            <a:spLocks noGrp="1"/>
+          </p:cNvSpPr>
+          <p:nvPr>
+            <p:ph type="title"/>
+          </p:nvPr>
+        </p:nvSpPr>
+        <p:spPr/>
+        <p:txBody>
           <a:bodyPr>
             <a:normAutofit/>
           </a:bodyPr>
@@ -9076,7 +7828,7 @@
           <a:p>
             <a:fld id="{5C6BB475-B640-4DD3-A1AA-1CF10A44AA06}" type="slidenum">
               <a:rPr lang="en-US" smtClean="0"/>
-              <a:t>18</a:t>
+              <a:t>19</a:t>
             </a:fld>
             <a:endParaRPr lang="en-US"/>
           </a:p>
@@ -9102,7 +7854,7 @@
 </p:sld>
 </file>
 
-<file path=ppt/slides/slide19.xml><?xml version="1.0" encoding="utf-8"?>
+<file path=ppt/slides/slide2.xml><?xml version="1.0" encoding="utf-8"?>
 <p:sld xmlns:a="http://schemas.openxmlformats.org/drawingml/2006/main" xmlns:r="http://schemas.openxmlformats.org/officeDocument/2006/relationships" xmlns:p="http://schemas.openxmlformats.org/presentationml/2006/main">
   <p:cSld>
     <p:spTree>
@@ -9131,6 +7883,151 @@
         </p:nvSpPr>
         <p:spPr/>
         <p:txBody>
+          <a:bodyPr>
+            <a:normAutofit/>
+          </a:bodyPr>
+          <a:lstStyle/>
+          <a:p>
+            <a:r>
+              <a:rPr lang="en-US" dirty="0" smtClean="0"/>
+              <a:t>Team 75 </a:t>
+            </a:r>
+            <a:r>
+              <a:rPr lang="en-US" dirty="0" smtClean="0"/>
+              <a:t>Organization</a:t>
+            </a:r>
+            <a:endParaRPr lang="en-US" dirty="0"/>
+          </a:p>
+        </p:txBody>
+      </p:sp>
+      <p:pic>
+        <p:nvPicPr>
+          <p:cNvPr id="6" name="Content Placeholder 5"/>
+          <p:cNvPicPr>
+            <a:picLocks noGrp="1" noChangeAspect="1"/>
+          </p:cNvPicPr>
+          <p:nvPr>
+            <p:ph idx="1"/>
+          </p:nvPr>
+        </p:nvPicPr>
+        <p:blipFill>
+          <a:blip r:embed="rId2"/>
+          <a:stretch>
+            <a:fillRect/>
+          </a:stretch>
+        </p:blipFill>
+        <p:spPr>
+          <a:xfrm>
+            <a:off x="2588467" y="1630363"/>
+            <a:ext cx="7924704" cy="4102100"/>
+          </a:xfrm>
+          <a:prstGeom prst="rect">
+            <a:avLst/>
+          </a:prstGeom>
+        </p:spPr>
+      </p:pic>
+      <p:sp>
+        <p:nvSpPr>
+          <p:cNvPr id="4" name="Slide Number Placeholder 3"/>
+          <p:cNvSpPr>
+            <a:spLocks noGrp="1"/>
+          </p:cNvSpPr>
+          <p:nvPr>
+            <p:ph type="sldNum" sz="quarter" idx="12"/>
+          </p:nvPr>
+        </p:nvSpPr>
+        <p:spPr/>
+        <p:txBody>
+          <a:bodyPr/>
+          <a:lstStyle/>
+          <a:p>
+            <a:fld id="{5C6BB475-B640-4DD3-A1AA-1CF10A44AA06}" type="slidenum">
+              <a:rPr lang="en-US" smtClean="0"/>
+              <a:t>2</a:t>
+            </a:fld>
+            <a:endParaRPr lang="en-US"/>
+          </a:p>
+        </p:txBody>
+      </p:sp>
+      <p:sp>
+        <p:nvSpPr>
+          <p:cNvPr id="7" name="TextBox 6"/>
+          <p:cNvSpPr txBox="1"/>
+          <p:nvPr/>
+        </p:nvSpPr>
+        <p:spPr>
+          <a:xfrm>
+            <a:off x="5046208" y="5884727"/>
+            <a:ext cx="3009222" cy="369332"/>
+          </a:xfrm>
+          <a:prstGeom prst="rect">
+            <a:avLst/>
+          </a:prstGeom>
+          <a:noFill/>
+        </p:spPr>
+        <p:txBody>
+          <a:bodyPr wrap="none" rtlCol="0">
+            <a:spAutoFit/>
+          </a:bodyPr>
+          <a:lstStyle/>
+          <a:p>
+            <a:r>
+              <a:rPr lang="en-US" dirty="0" smtClean="0"/>
+              <a:t>Figure 1. Project Organization</a:t>
+            </a:r>
+            <a:endParaRPr lang="en-US" dirty="0"/>
+          </a:p>
+        </p:txBody>
+      </p:sp>
+    </p:spTree>
+    <p:extLst>
+      <p:ext uri="{BB962C8B-B14F-4D97-AF65-F5344CB8AC3E}">
+        <p14:creationId xmlns:p14="http://schemas.microsoft.com/office/powerpoint/2010/main" val="1628288518"/>
+      </p:ext>
+    </p:extLst>
+  </p:cSld>
+  <p:clrMapOvr>
+    <a:masterClrMapping/>
+  </p:clrMapOvr>
+  <p:timing>
+    <p:tnLst>
+      <p:par>
+        <p:cTn id="1" dur="indefinite" restart="never" nodeType="tmRoot"/>
+      </p:par>
+    </p:tnLst>
+  </p:timing>
+</p:sld>
+</file>
+
+<file path=ppt/slides/slide20.xml><?xml version="1.0" encoding="utf-8"?>
+<p:sld xmlns:a="http://schemas.openxmlformats.org/drawingml/2006/main" xmlns:r="http://schemas.openxmlformats.org/officeDocument/2006/relationships" xmlns:p="http://schemas.openxmlformats.org/presentationml/2006/main">
+  <p:cSld>
+    <p:spTree>
+      <p:nvGrpSpPr>
+        <p:cNvPr id="1" name=""/>
+        <p:cNvGrpSpPr/>
+        <p:nvPr/>
+      </p:nvGrpSpPr>
+      <p:grpSpPr>
+        <a:xfrm>
+          <a:off x="0" y="0"/>
+          <a:ext cx="0" cy="0"/>
+          <a:chOff x="0" y="0"/>
+          <a:chExt cx="0" cy="0"/>
+        </a:xfrm>
+      </p:grpSpPr>
+      <p:sp>
+        <p:nvSpPr>
+          <p:cNvPr id="2" name="Title 1"/>
+          <p:cNvSpPr>
+            <a:spLocks noGrp="1"/>
+          </p:cNvSpPr>
+          <p:nvPr>
+            <p:ph type="title"/>
+          </p:nvPr>
+        </p:nvSpPr>
+        <p:spPr/>
+        <p:txBody>
           <a:bodyPr/>
           <a:lstStyle/>
           <a:p>
@@ -9159,7 +8056,7 @@
           <a:p>
             <a:fld id="{5C6BB475-B640-4DD3-A1AA-1CF10A44AA06}" type="slidenum">
               <a:rPr lang="en-US" smtClean="0"/>
-              <a:t>19</a:t>
+              <a:t>20</a:t>
             </a:fld>
             <a:endParaRPr lang="en-US"/>
           </a:p>
@@ -9605,311 +8502,6 @@
 </p:sld>
 </file>
 
-<file path=ppt/slides/slide2.xml><?xml version="1.0" encoding="utf-8"?>
-<p:sld xmlns:a="http://schemas.openxmlformats.org/drawingml/2006/main" xmlns:r="http://schemas.openxmlformats.org/officeDocument/2006/relationships" xmlns:p="http://schemas.openxmlformats.org/presentationml/2006/main">
-  <p:cSld>
-    <p:spTree>
-      <p:nvGrpSpPr>
-        <p:cNvPr id="1" name=""/>
-        <p:cNvGrpSpPr/>
-        <p:nvPr/>
-      </p:nvGrpSpPr>
-      <p:grpSpPr>
-        <a:xfrm>
-          <a:off x="0" y="0"/>
-          <a:ext cx="0" cy="0"/>
-          <a:chOff x="0" y="0"/>
-          <a:chExt cx="0" cy="0"/>
-        </a:xfrm>
-      </p:grpSpPr>
-      <p:sp>
-        <p:nvSpPr>
-          <p:cNvPr id="2" name="Title 1"/>
-          <p:cNvSpPr>
-            <a:spLocks noGrp="1"/>
-          </p:cNvSpPr>
-          <p:nvPr>
-            <p:ph type="title"/>
-          </p:nvPr>
-        </p:nvSpPr>
-        <p:spPr/>
-        <p:txBody>
-          <a:bodyPr>
-            <a:normAutofit/>
-          </a:bodyPr>
-          <a:lstStyle/>
-          <a:p>
-            <a:r>
-              <a:rPr lang="en-US" dirty="0" smtClean="0"/>
-              <a:t>Team 75 Organization</a:t>
-            </a:r>
-            <a:endParaRPr lang="en-US" dirty="0"/>
-          </a:p>
-        </p:txBody>
-      </p:sp>
-      <p:sp>
-        <p:nvSpPr>
-          <p:cNvPr id="4" name="Slide Number Placeholder 3"/>
-          <p:cNvSpPr>
-            <a:spLocks noGrp="1"/>
-          </p:cNvSpPr>
-          <p:nvPr>
-            <p:ph type="sldNum" sz="quarter" idx="12"/>
-          </p:nvPr>
-        </p:nvSpPr>
-        <p:spPr/>
-        <p:txBody>
-          <a:bodyPr/>
-          <a:lstStyle/>
-          <a:p>
-            <a:fld id="{5C6BB475-B640-4DD3-A1AA-1CF10A44AA06}" type="slidenum">
-              <a:rPr lang="en-US" smtClean="0"/>
-              <a:t>2</a:t>
-            </a:fld>
-            <a:endParaRPr lang="en-US"/>
-          </a:p>
-        </p:txBody>
-      </p:sp>
-      <p:sp>
-        <p:nvSpPr>
-          <p:cNvPr id="7" name="TextBox 6"/>
-          <p:cNvSpPr txBox="1"/>
-          <p:nvPr/>
-        </p:nvSpPr>
-        <p:spPr>
-          <a:xfrm>
-            <a:off x="5046208" y="5884727"/>
-            <a:ext cx="3009222" cy="369332"/>
-          </a:xfrm>
-          <a:prstGeom prst="rect">
-            <a:avLst/>
-          </a:prstGeom>
-          <a:noFill/>
-        </p:spPr>
-        <p:txBody>
-          <a:bodyPr wrap="none" rtlCol="0">
-            <a:spAutoFit/>
-          </a:bodyPr>
-          <a:lstStyle/>
-          <a:p>
-            <a:r>
-              <a:rPr lang="en-US" dirty="0" smtClean="0"/>
-              <a:t>Figure 1. Project Organization</a:t>
-            </a:r>
-            <a:endParaRPr lang="en-US" dirty="0"/>
-          </a:p>
-        </p:txBody>
-      </p:sp>
-      <p:pic>
-        <p:nvPicPr>
-          <p:cNvPr id="8" name="Picture 7"/>
-          <p:cNvPicPr>
-            <a:picLocks noChangeAspect="1"/>
-          </p:cNvPicPr>
-          <p:nvPr/>
-        </p:nvPicPr>
-        <p:blipFill>
-          <a:blip r:embed="rId2"/>
-          <a:stretch>
-            <a:fillRect/>
-          </a:stretch>
-        </p:blipFill>
-        <p:spPr>
-          <a:xfrm>
-            <a:off x="1681325" y="1663240"/>
-            <a:ext cx="9738987" cy="4001154"/>
-          </a:xfrm>
-          <a:prstGeom prst="rect">
-            <a:avLst/>
-          </a:prstGeom>
-        </p:spPr>
-      </p:pic>
-    </p:spTree>
-    <p:extLst>
-      <p:ext uri="{BB962C8B-B14F-4D97-AF65-F5344CB8AC3E}">
-        <p14:creationId xmlns:p14="http://schemas.microsoft.com/office/powerpoint/2010/main" val="1628288518"/>
-      </p:ext>
-    </p:extLst>
-  </p:cSld>
-  <p:clrMapOvr>
-    <a:masterClrMapping/>
-  </p:clrMapOvr>
-  <p:timing>
-    <p:tnLst>
-      <p:par>
-        <p:cTn id="1" dur="indefinite" restart="never" nodeType="tmRoot"/>
-      </p:par>
-    </p:tnLst>
-  </p:timing>
-</p:sld>
-</file>
-
-<file path=ppt/slides/slide20.xml><?xml version="1.0" encoding="utf-8"?>
-<p:sld xmlns:a="http://schemas.openxmlformats.org/drawingml/2006/main" xmlns:r="http://schemas.openxmlformats.org/officeDocument/2006/relationships" xmlns:p="http://schemas.openxmlformats.org/presentationml/2006/main">
-  <p:cSld>
-    <p:spTree>
-      <p:nvGrpSpPr>
-        <p:cNvPr id="1" name=""/>
-        <p:cNvGrpSpPr/>
-        <p:nvPr/>
-      </p:nvGrpSpPr>
-      <p:grpSpPr>
-        <a:xfrm>
-          <a:off x="0" y="0"/>
-          <a:ext cx="0" cy="0"/>
-          <a:chOff x="0" y="0"/>
-          <a:chExt cx="0" cy="0"/>
-        </a:xfrm>
-      </p:grpSpPr>
-      <p:sp>
-        <p:nvSpPr>
-          <p:cNvPr id="2" name="Title 1"/>
-          <p:cNvSpPr>
-            <a:spLocks noGrp="1"/>
-          </p:cNvSpPr>
-          <p:nvPr>
-            <p:ph type="title"/>
-          </p:nvPr>
-        </p:nvSpPr>
-        <p:spPr/>
-        <p:txBody>
-          <a:bodyPr/>
-          <a:lstStyle/>
-          <a:p>
-            <a:r>
-              <a:rPr lang="en-US" dirty="0" smtClean="0"/>
-              <a:t>Summary</a:t>
-            </a:r>
-            <a:endParaRPr lang="en-US" dirty="0"/>
-          </a:p>
-        </p:txBody>
-      </p:sp>
-      <p:sp>
-        <p:nvSpPr>
-          <p:cNvPr id="3" name="Content Placeholder 2"/>
-          <p:cNvSpPr>
-            <a:spLocks noGrp="1"/>
-          </p:cNvSpPr>
-          <p:nvPr>
-            <p:ph idx="1"/>
-          </p:nvPr>
-        </p:nvSpPr>
-        <p:spPr/>
-        <p:txBody>
-          <a:bodyPr>
-            <a:normAutofit fontScale="92500" lnSpcReduction="20000"/>
-          </a:bodyPr>
-          <a:lstStyle/>
-          <a:p>
-            <a:pPr marL="0" indent="0" fontAlgn="base">
-              <a:buNone/>
-            </a:pPr>
-            <a:r>
-              <a:rPr lang="en-US" dirty="0"/>
-              <a:t>Problem Statement</a:t>
-            </a:r>
-          </a:p>
-          <a:p>
-            <a:pPr lvl="1" fontAlgn="base"/>
-            <a:r>
-              <a:rPr lang="en-US" dirty="0"/>
-              <a:t>Current hobbyist 3D printers are imprecise and fault-prone</a:t>
-            </a:r>
-          </a:p>
-          <a:p>
-            <a:pPr lvl="1" fontAlgn="base"/>
-            <a:r>
-              <a:rPr lang="en-US" dirty="0"/>
-              <a:t>High resolution additive manufacturing is currently not accessible for hobbyists (under $1,000)</a:t>
-            </a:r>
-          </a:p>
-          <a:p>
-            <a:pPr lvl="1" fontAlgn="base"/>
-            <a:r>
-              <a:rPr lang="en-US" dirty="0"/>
-              <a:t>Available PAM systems use proprietary hardware and software</a:t>
-            </a:r>
-          </a:p>
-          <a:p>
-            <a:pPr marL="0" indent="0" fontAlgn="base">
-              <a:buNone/>
-            </a:pPr>
-            <a:r>
-              <a:rPr lang="en-US" dirty="0"/>
-              <a:t>Our Solution</a:t>
-            </a:r>
-          </a:p>
-          <a:p>
-            <a:pPr lvl="1"/>
-            <a:r>
-              <a:rPr lang="en-US" dirty="0"/>
-              <a:t>A DLP PAM system can produce high quality and fast prints</a:t>
-            </a:r>
-          </a:p>
-          <a:p>
-            <a:pPr lvl="1"/>
-            <a:r>
-              <a:rPr lang="en-US" dirty="0"/>
-              <a:t>Use off-the-shelf open-source hardware</a:t>
-            </a:r>
-          </a:p>
-          <a:p>
-            <a:pPr lvl="1"/>
-            <a:r>
-              <a:rPr lang="en-US" dirty="0"/>
-              <a:t>Create a thoroughly documented reference </a:t>
-            </a:r>
-            <a:r>
-              <a:rPr lang="en-US" dirty="0" smtClean="0"/>
-              <a:t>design</a:t>
-            </a:r>
-            <a:endParaRPr lang="en-US" dirty="0"/>
-          </a:p>
-        </p:txBody>
-      </p:sp>
-      <p:sp>
-        <p:nvSpPr>
-          <p:cNvPr id="4" name="Slide Number Placeholder 3"/>
-          <p:cNvSpPr>
-            <a:spLocks noGrp="1"/>
-          </p:cNvSpPr>
-          <p:nvPr>
-            <p:ph type="sldNum" sz="quarter" idx="12"/>
-          </p:nvPr>
-        </p:nvSpPr>
-        <p:spPr/>
-        <p:txBody>
-          <a:bodyPr/>
-          <a:lstStyle/>
-          <a:p>
-            <a:fld id="{5C6BB475-B640-4DD3-A1AA-1CF10A44AA06}" type="slidenum">
-              <a:rPr lang="en-US" smtClean="0"/>
-              <a:t>20</a:t>
-            </a:fld>
-            <a:endParaRPr lang="en-US"/>
-          </a:p>
-        </p:txBody>
-      </p:sp>
-    </p:spTree>
-    <p:extLst>
-      <p:ext uri="{BB962C8B-B14F-4D97-AF65-F5344CB8AC3E}">
-        <p14:creationId xmlns:p14="http://schemas.microsoft.com/office/powerpoint/2010/main" val="2150469081"/>
-      </p:ext>
-    </p:extLst>
-  </p:cSld>
-  <p:clrMapOvr>
-    <a:masterClrMapping/>
-  </p:clrMapOvr>
-  <p:timing>
-    <p:tnLst>
-      <p:par>
-        <p:cTn id="1" dur="indefinite" restart="never" nodeType="tmRoot"/>
-      </p:par>
-    </p:tnLst>
-  </p:timing>
-</p:sld>
-</file>
-
 <file path=ppt/slides/slide21.xml><?xml version="1.0" encoding="utf-8"?>
 <p:sld xmlns:a="http://schemas.openxmlformats.org/drawingml/2006/main" xmlns:r="http://schemas.openxmlformats.org/officeDocument/2006/relationships" xmlns:p="http://schemas.openxmlformats.org/presentationml/2006/main">
   <p:cSld>
@@ -9944,1117 +8536,95 @@
           <a:p>
             <a:r>
               <a:rPr lang="en-US" dirty="0" smtClean="0"/>
-              <a:t>Acknowledgements	</a:t>
+              <a:t>Summary</a:t>
             </a:r>
             <a:endParaRPr lang="en-US" dirty="0"/>
           </a:p>
         </p:txBody>
       </p:sp>
-      <p:graphicFrame>
-        <p:nvGraphicFramePr>
-          <p:cNvPr id="5" name="Content Placeholder 4"/>
-          <p:cNvGraphicFramePr>
-            <a:graphicFrameLocks noGrp="1"/>
-          </p:cNvGraphicFramePr>
+      <p:sp>
+        <p:nvSpPr>
+          <p:cNvPr id="3" name="Content Placeholder 2"/>
+          <p:cNvSpPr>
+            <a:spLocks noGrp="1"/>
+          </p:cNvSpPr>
           <p:nvPr>
             <p:ph idx="1"/>
-            <p:extLst/>
-          </p:nvPr>
-        </p:nvGraphicFramePr>
-        <p:xfrm>
-          <a:off x="2808407" y="2366742"/>
-          <a:ext cx="7513068" cy="2359804"/>
-        </p:xfrm>
-        <a:graphic>
-          <a:graphicData uri="http://schemas.openxmlformats.org/drawingml/2006/table">
-            <a:tbl>
-              <a:tblPr>
-                <a:effectLst/>
-                <a:tableStyleId>{5C22544A-7EE6-4342-B048-85BDC9FD1C3A}</a:tableStyleId>
-              </a:tblPr>
-              <a:tblGrid>
-                <a:gridCol w="2240111"/>
-                <a:gridCol w="2640169"/>
-                <a:gridCol w="2632788"/>
-              </a:tblGrid>
-              <a:tr h="300860">
-                <a:tc>
-                  <a:txBody>
-                    <a:bodyPr/>
-                    <a:lstStyle/>
-                    <a:p>
-                      <a:r>
-                        <a:rPr lang="en-US" sz="1800" b="0" kern="1200" dirty="0" smtClean="0">
-                          <a:solidFill>
-                            <a:schemeClr val="tx1"/>
-                          </a:solidFill>
-                          <a:effectLst/>
-                          <a:latin typeface="+mn-lt"/>
-                          <a:ea typeface="+mn-ea"/>
-                          <a:cs typeface="+mn-cs"/>
-                        </a:rPr>
-                        <a:t>Dr. Spyros </a:t>
-                      </a:r>
-                      <a:r>
-                        <a:rPr lang="en-US" sz="1800" b="0" kern="1200" dirty="0" err="1" smtClean="0">
-                          <a:solidFill>
-                            <a:schemeClr val="tx1"/>
-                          </a:solidFill>
-                          <a:effectLst/>
-                          <a:latin typeface="+mn-lt"/>
-                          <a:ea typeface="+mn-ea"/>
-                          <a:cs typeface="+mn-cs"/>
-                        </a:rPr>
-                        <a:t>Tragoudas</a:t>
-                      </a:r>
-                      <a:r>
-                        <a:rPr lang="en-US" sz="1800" b="0" kern="1200" dirty="0" smtClean="0">
-                          <a:solidFill>
-                            <a:schemeClr val="tx1"/>
-                          </a:solidFill>
-                          <a:effectLst/>
-                          <a:latin typeface="+mn-lt"/>
-                          <a:ea typeface="+mn-ea"/>
-                          <a:cs typeface="+mn-cs"/>
-                        </a:rPr>
-                        <a:t> </a:t>
-                      </a:r>
-                      <a:endParaRPr lang="en-US" b="0" dirty="0">
-                        <a:solidFill>
-                          <a:schemeClr val="tx1"/>
-                        </a:solidFill>
-                      </a:endParaRPr>
-                    </a:p>
-                  </a:txBody>
-                  <a:tcPr>
-                    <a:lnL w="12700" cmpd="sng">
-                      <a:noFill/>
-                    </a:lnL>
-                    <a:lnR w="12700" cmpd="sng">
-                      <a:noFill/>
-                    </a:lnR>
-                    <a:lnT w="12700" cmpd="sng">
-                      <a:noFill/>
-                    </a:lnT>
-                    <a:lnB w="12700" cmpd="sng">
-                      <a:noFill/>
-                    </a:lnB>
-                    <a:lnTlToBr w="12700" cmpd="sng">
-                      <a:noFill/>
-                      <a:prstDash val="solid"/>
-                    </a:lnTlToBr>
-                    <a:lnBlToTr w="12700" cmpd="sng">
-                      <a:noFill/>
-                      <a:prstDash val="solid"/>
-                    </a:lnBlToTr>
-                    <a:noFill/>
-                  </a:tcPr>
-                </a:tc>
-                <a:tc>
-                  <a:txBody>
-                    <a:bodyPr/>
-                    <a:lstStyle/>
-                    <a:p>
-                      <a:r>
-                        <a:rPr lang="en-US" sz="1800" b="0" kern="1200" dirty="0" smtClean="0">
-                          <a:solidFill>
-                            <a:schemeClr val="tx1"/>
-                          </a:solidFill>
-                          <a:effectLst/>
-                          <a:latin typeface="+mn-lt"/>
-                          <a:ea typeface="+mn-ea"/>
-                          <a:cs typeface="+mn-cs"/>
-                        </a:rPr>
-                        <a:t>Dr. </a:t>
-                      </a:r>
-                      <a:r>
-                        <a:rPr lang="en-US" sz="1800" b="0" kern="1200" dirty="0" err="1" smtClean="0">
-                          <a:solidFill>
-                            <a:schemeClr val="tx1"/>
-                          </a:solidFill>
-                          <a:effectLst/>
-                          <a:latin typeface="+mn-lt"/>
-                          <a:ea typeface="+mn-ea"/>
-                          <a:cs typeface="+mn-cs"/>
-                        </a:rPr>
-                        <a:t>Tod</a:t>
-                      </a:r>
-                      <a:r>
-                        <a:rPr lang="en-US" sz="1800" b="0" kern="1200" dirty="0" smtClean="0">
-                          <a:solidFill>
-                            <a:schemeClr val="tx1"/>
-                          </a:solidFill>
-                          <a:effectLst/>
-                          <a:latin typeface="+mn-lt"/>
-                          <a:ea typeface="+mn-ea"/>
-                          <a:cs typeface="+mn-cs"/>
-                        </a:rPr>
-                        <a:t> </a:t>
-                      </a:r>
-                      <a:r>
-                        <a:rPr lang="en-US" sz="1800" b="0" kern="1200" dirty="0" err="1" smtClean="0">
-                          <a:solidFill>
-                            <a:schemeClr val="tx1"/>
-                          </a:solidFill>
-                          <a:effectLst/>
-                          <a:latin typeface="+mn-lt"/>
-                          <a:ea typeface="+mn-ea"/>
-                          <a:cs typeface="+mn-cs"/>
-                        </a:rPr>
-                        <a:t>Policandriotes</a:t>
-                      </a:r>
-                      <a:endParaRPr lang="en-US" b="0" dirty="0">
-                        <a:solidFill>
-                          <a:schemeClr val="tx1"/>
-                        </a:solidFill>
-                      </a:endParaRPr>
-                    </a:p>
-                  </a:txBody>
-                  <a:tcPr>
-                    <a:lnL w="12700" cmpd="sng">
-                      <a:noFill/>
-                    </a:lnL>
-                    <a:lnR w="12700" cmpd="sng">
-                      <a:noFill/>
-                    </a:lnR>
-                    <a:lnT w="12700" cmpd="sng">
-                      <a:noFill/>
-                    </a:lnT>
-                    <a:lnB w="12700" cmpd="sng">
-                      <a:noFill/>
-                    </a:lnB>
-                    <a:lnTlToBr w="12700" cmpd="sng">
-                      <a:noFill/>
-                      <a:prstDash val="solid"/>
-                    </a:lnTlToBr>
-                    <a:lnBlToTr w="12700" cmpd="sng">
-                      <a:noFill/>
-                      <a:prstDash val="solid"/>
-                    </a:lnBlToTr>
-                    <a:noFill/>
-                  </a:tcPr>
-                </a:tc>
-                <a:tc>
-                  <a:txBody>
-                    <a:bodyPr/>
-                    <a:lstStyle/>
-                    <a:p>
-                      <a:r>
-                        <a:rPr lang="en-US" sz="1800" b="0" kern="1200" dirty="0" err="1" smtClean="0">
-                          <a:solidFill>
-                            <a:schemeClr val="tx1"/>
-                          </a:solidFill>
-                          <a:effectLst/>
-                          <a:latin typeface="+mn-lt"/>
-                          <a:ea typeface="+mn-ea"/>
-                          <a:cs typeface="+mn-cs"/>
-                        </a:rPr>
-                        <a:t>Lakendria</a:t>
-                      </a:r>
-                      <a:r>
-                        <a:rPr lang="en-US" sz="1800" b="0" kern="1200" dirty="0" smtClean="0">
-                          <a:solidFill>
-                            <a:schemeClr val="tx1"/>
-                          </a:solidFill>
-                          <a:effectLst/>
-                          <a:latin typeface="+mn-lt"/>
-                          <a:ea typeface="+mn-ea"/>
-                          <a:cs typeface="+mn-cs"/>
-                        </a:rPr>
-                        <a:t> Kenner </a:t>
-                      </a:r>
-                      <a:endParaRPr lang="en-US" b="0" dirty="0">
-                        <a:solidFill>
-                          <a:schemeClr val="tx1"/>
-                        </a:solidFill>
-                      </a:endParaRPr>
-                    </a:p>
-                  </a:txBody>
-                  <a:tcPr>
-                    <a:lnL w="12700" cmpd="sng">
-                      <a:noFill/>
-                    </a:lnL>
-                    <a:lnR w="12700" cmpd="sng">
-                      <a:noFill/>
-                    </a:lnR>
-                    <a:lnT w="12700" cmpd="sng">
-                      <a:noFill/>
-                    </a:lnT>
-                    <a:lnB w="12700" cmpd="sng">
-                      <a:noFill/>
-                    </a:lnB>
-                    <a:lnTlToBr w="12700" cmpd="sng">
-                      <a:noFill/>
-                      <a:prstDash val="solid"/>
-                    </a:lnTlToBr>
-                    <a:lnBlToTr w="12700" cmpd="sng">
-                      <a:noFill/>
-                      <a:prstDash val="solid"/>
-                    </a:lnBlToTr>
-                    <a:noFill/>
-                  </a:tcPr>
-                </a:tc>
-              </a:tr>
-              <a:tr h="448580">
-                <a:tc>
-                  <a:txBody>
-                    <a:bodyPr/>
-                    <a:lstStyle/>
-                    <a:p>
-                      <a:r>
-                        <a:rPr lang="en-US" b="0" dirty="0" smtClean="0">
-                          <a:solidFill>
-                            <a:schemeClr val="tx1"/>
-                          </a:solidFill>
-                        </a:rPr>
-                        <a:t>Dr. </a:t>
-                      </a:r>
-                      <a:r>
-                        <a:rPr lang="en-US" b="0" dirty="0" err="1" smtClean="0">
-                          <a:solidFill>
-                            <a:schemeClr val="tx1"/>
-                          </a:solidFill>
-                        </a:rPr>
-                        <a:t>Rasit</a:t>
-                      </a:r>
-                      <a:r>
-                        <a:rPr lang="en-US" b="0" dirty="0" smtClean="0">
-                          <a:solidFill>
-                            <a:schemeClr val="tx1"/>
-                          </a:solidFill>
-                        </a:rPr>
-                        <a:t> </a:t>
-                      </a:r>
-                      <a:r>
-                        <a:rPr lang="en-US" b="0" dirty="0" err="1" smtClean="0">
-                          <a:solidFill>
-                            <a:schemeClr val="tx1"/>
-                          </a:solidFill>
-                        </a:rPr>
-                        <a:t>Koc</a:t>
-                      </a:r>
-                      <a:r>
-                        <a:rPr lang="en-US" b="0" dirty="0" smtClean="0">
-                          <a:solidFill>
-                            <a:schemeClr val="tx1"/>
-                          </a:solidFill>
-                        </a:rPr>
-                        <a:t> </a:t>
-                      </a:r>
-                      <a:endParaRPr lang="en-US" b="0" dirty="0">
-                        <a:solidFill>
-                          <a:schemeClr val="tx1"/>
-                        </a:solidFill>
-                      </a:endParaRPr>
-                    </a:p>
-                  </a:txBody>
-                  <a:tcPr>
-                    <a:lnL w="12700" cmpd="sng">
-                      <a:noFill/>
-                    </a:lnL>
-                    <a:lnR w="12700" cmpd="sng">
-                      <a:noFill/>
-                    </a:lnR>
-                    <a:lnT w="12700" cmpd="sng">
-                      <a:noFill/>
-                    </a:lnT>
-                    <a:lnB w="12700" cmpd="sng">
-                      <a:noFill/>
-                    </a:lnB>
-                    <a:lnTlToBr w="12700" cmpd="sng">
-                      <a:noFill/>
-                      <a:prstDash val="solid"/>
-                    </a:lnTlToBr>
-                    <a:lnBlToTr w="12700" cmpd="sng">
-                      <a:noFill/>
-                      <a:prstDash val="solid"/>
-                    </a:lnBlToTr>
-                    <a:noFill/>
-                  </a:tcPr>
-                </a:tc>
-                <a:tc>
-                  <a:txBody>
-                    <a:bodyPr/>
-                    <a:lstStyle/>
-                    <a:p>
-                      <a:r>
-                        <a:rPr lang="en-US" sz="1800" b="0" kern="1200" dirty="0" smtClean="0">
-                          <a:solidFill>
-                            <a:schemeClr val="tx1"/>
-                          </a:solidFill>
-                          <a:effectLst/>
-                          <a:latin typeface="+mn-lt"/>
-                          <a:ea typeface="+mn-ea"/>
-                          <a:cs typeface="+mn-cs"/>
-                        </a:rPr>
-                        <a:t>Dr. </a:t>
-                      </a:r>
-                      <a:r>
-                        <a:rPr lang="en-US" sz="1800" b="0" kern="1200" dirty="0" err="1" smtClean="0">
-                          <a:solidFill>
-                            <a:schemeClr val="tx1"/>
-                          </a:solidFill>
-                          <a:effectLst/>
-                          <a:latin typeface="+mn-lt"/>
-                          <a:ea typeface="+mn-ea"/>
-                          <a:cs typeface="+mn-cs"/>
-                        </a:rPr>
-                        <a:t>Vidya</a:t>
-                      </a:r>
-                      <a:r>
-                        <a:rPr lang="en-US" sz="1800" b="0" kern="1200" dirty="0" smtClean="0">
-                          <a:solidFill>
-                            <a:schemeClr val="tx1"/>
-                          </a:solidFill>
-                          <a:effectLst/>
-                          <a:latin typeface="+mn-lt"/>
-                          <a:ea typeface="+mn-ea"/>
-                          <a:cs typeface="+mn-cs"/>
-                        </a:rPr>
-                        <a:t> Singh-Gupta</a:t>
-                      </a:r>
-                      <a:endParaRPr lang="en-US" b="0" dirty="0">
-                        <a:solidFill>
-                          <a:schemeClr val="tx1"/>
-                        </a:solidFill>
-                      </a:endParaRPr>
-                    </a:p>
-                  </a:txBody>
-                  <a:tcPr>
-                    <a:lnL w="12700" cmpd="sng">
-                      <a:noFill/>
-                    </a:lnL>
-                    <a:lnR w="12700" cmpd="sng">
-                      <a:noFill/>
-                    </a:lnR>
-                    <a:lnT w="12700" cmpd="sng">
-                      <a:noFill/>
-                    </a:lnT>
-                    <a:lnB w="12700" cmpd="sng">
-                      <a:noFill/>
-                    </a:lnB>
-                    <a:lnTlToBr w="12700" cmpd="sng">
-                      <a:noFill/>
-                      <a:prstDash val="solid"/>
-                    </a:lnTlToBr>
-                    <a:lnBlToTr w="12700" cmpd="sng">
-                      <a:noFill/>
-                      <a:prstDash val="solid"/>
-                    </a:lnBlToTr>
-                    <a:noFill/>
-                  </a:tcPr>
-                </a:tc>
-                <a:tc>
-                  <a:txBody>
-                    <a:bodyPr/>
-                    <a:lstStyle/>
-                    <a:p>
-                      <a:r>
-                        <a:rPr lang="en-US" sz="1800" b="0" kern="1200" dirty="0" smtClean="0">
-                          <a:solidFill>
-                            <a:schemeClr val="tx1"/>
-                          </a:solidFill>
-                          <a:effectLst/>
-                          <a:latin typeface="+mn-lt"/>
-                          <a:ea typeface="+mn-ea"/>
-                          <a:cs typeface="+mn-cs"/>
-                        </a:rPr>
-                        <a:t>Scott J. Grunewald </a:t>
-                      </a:r>
-                      <a:endParaRPr lang="en-US" b="0" dirty="0">
-                        <a:solidFill>
-                          <a:schemeClr val="tx1"/>
-                        </a:solidFill>
-                      </a:endParaRPr>
-                    </a:p>
-                  </a:txBody>
-                  <a:tcPr>
-                    <a:lnL w="12700" cmpd="sng">
-                      <a:noFill/>
-                    </a:lnL>
-                    <a:lnR w="12700" cmpd="sng">
-                      <a:noFill/>
-                    </a:lnR>
-                    <a:lnT w="12700" cmpd="sng">
-                      <a:noFill/>
-                    </a:lnT>
-                    <a:lnB w="12700" cmpd="sng">
-                      <a:noFill/>
-                    </a:lnB>
-                    <a:lnTlToBr w="12700" cmpd="sng">
-                      <a:noFill/>
-                      <a:prstDash val="solid"/>
-                    </a:lnTlToBr>
-                    <a:lnBlToTr w="12700" cmpd="sng">
-                      <a:noFill/>
-                      <a:prstDash val="solid"/>
-                    </a:lnBlToTr>
-                    <a:noFill/>
-                  </a:tcPr>
-                </a:tc>
-              </a:tr>
-              <a:tr h="386366">
-                <a:tc>
-                  <a:txBody>
-                    <a:bodyPr/>
-                    <a:lstStyle/>
-                    <a:p>
-                      <a:r>
-                        <a:rPr lang="en-US" b="0" dirty="0" smtClean="0">
-                          <a:solidFill>
-                            <a:schemeClr val="tx1"/>
-                          </a:solidFill>
-                        </a:rPr>
-                        <a:t>Dr. Lizette Chevalier </a:t>
-                      </a:r>
-                      <a:endParaRPr lang="en-US" b="0" dirty="0">
-                        <a:solidFill>
-                          <a:schemeClr val="tx1"/>
-                        </a:solidFill>
-                      </a:endParaRPr>
-                    </a:p>
-                  </a:txBody>
-                  <a:tcPr>
-                    <a:lnL w="12700" cmpd="sng">
-                      <a:noFill/>
-                    </a:lnL>
-                    <a:lnR w="12700" cmpd="sng">
-                      <a:noFill/>
-                    </a:lnR>
-                    <a:lnT w="12700" cmpd="sng">
-                      <a:noFill/>
-                    </a:lnT>
-                    <a:lnB w="12700" cmpd="sng">
-                      <a:noFill/>
-                    </a:lnB>
-                    <a:lnTlToBr w="12700" cmpd="sng">
-                      <a:noFill/>
-                      <a:prstDash val="solid"/>
-                    </a:lnTlToBr>
-                    <a:lnBlToTr w="12700" cmpd="sng">
-                      <a:noFill/>
-                      <a:prstDash val="solid"/>
-                    </a:lnBlToTr>
-                    <a:noFill/>
-                  </a:tcPr>
-                </a:tc>
-                <a:tc>
-                  <a:txBody>
-                    <a:bodyPr/>
-                    <a:lstStyle/>
-                    <a:p>
-                      <a:r>
-                        <a:rPr lang="en-US" sz="1800" b="0" kern="1200" dirty="0" smtClean="0">
-                          <a:solidFill>
-                            <a:schemeClr val="tx1"/>
-                          </a:solidFill>
-                          <a:effectLst/>
-                          <a:latin typeface="+mn-lt"/>
-                          <a:ea typeface="+mn-ea"/>
-                          <a:cs typeface="+mn-cs"/>
-                        </a:rPr>
-                        <a:t>Dr. Frances </a:t>
-                      </a:r>
-                      <a:r>
-                        <a:rPr lang="en-US" sz="1800" b="0" kern="1200" dirty="0" err="1" smtClean="0">
-                          <a:solidFill>
-                            <a:schemeClr val="tx1"/>
-                          </a:solidFill>
-                          <a:effectLst/>
-                          <a:latin typeface="+mn-lt"/>
-                          <a:ea typeface="+mn-ea"/>
-                          <a:cs typeface="+mn-cs"/>
-                        </a:rPr>
-                        <a:t>Harackiewicz</a:t>
-                      </a:r>
-                      <a:endParaRPr lang="en-US" b="0" dirty="0">
-                        <a:solidFill>
-                          <a:schemeClr val="tx1"/>
-                        </a:solidFill>
-                      </a:endParaRPr>
-                    </a:p>
-                  </a:txBody>
-                  <a:tcPr>
-                    <a:lnL w="12700" cmpd="sng">
-                      <a:noFill/>
-                    </a:lnL>
-                    <a:lnR w="12700" cmpd="sng">
-                      <a:noFill/>
-                    </a:lnR>
-                    <a:lnT w="12700" cmpd="sng">
-                      <a:noFill/>
-                    </a:lnT>
-                    <a:lnB w="12700" cmpd="sng">
-                      <a:noFill/>
-                    </a:lnB>
-                    <a:lnTlToBr w="12700" cmpd="sng">
-                      <a:noFill/>
-                      <a:prstDash val="solid"/>
-                    </a:lnTlToBr>
-                    <a:lnBlToTr w="12700" cmpd="sng">
-                      <a:noFill/>
-                      <a:prstDash val="solid"/>
-                    </a:lnBlToTr>
-                    <a:noFill/>
-                  </a:tcPr>
-                </a:tc>
-                <a:tc>
-                  <a:txBody>
-                    <a:bodyPr/>
-                    <a:lstStyle/>
-                    <a:p>
-                      <a:r>
-                        <a:rPr lang="en-US" sz="1800" b="0" kern="1200" dirty="0" smtClean="0">
-                          <a:solidFill>
-                            <a:schemeClr val="tx1"/>
-                          </a:solidFill>
-                          <a:effectLst/>
-                          <a:latin typeface="+mn-lt"/>
-                          <a:ea typeface="+mn-ea"/>
-                          <a:cs typeface="+mn-cs"/>
-                        </a:rPr>
-                        <a:t>Eddie </a:t>
-                      </a:r>
-                      <a:r>
-                        <a:rPr lang="en-US" sz="1800" b="0" kern="1200" dirty="0" err="1" smtClean="0">
-                          <a:solidFill>
-                            <a:schemeClr val="tx1"/>
-                          </a:solidFill>
-                          <a:effectLst/>
-                          <a:latin typeface="+mn-lt"/>
-                          <a:ea typeface="+mn-ea"/>
-                          <a:cs typeface="+mn-cs"/>
-                        </a:rPr>
-                        <a:t>Krassenstein</a:t>
-                      </a:r>
-                      <a:r>
-                        <a:rPr lang="en-US" sz="1800" b="0" kern="1200" dirty="0" smtClean="0">
-                          <a:solidFill>
-                            <a:schemeClr val="tx1"/>
-                          </a:solidFill>
-                          <a:effectLst/>
-                          <a:latin typeface="+mn-lt"/>
-                          <a:ea typeface="+mn-ea"/>
-                          <a:cs typeface="+mn-cs"/>
-                        </a:rPr>
-                        <a:t> </a:t>
-                      </a:r>
-                      <a:endParaRPr lang="en-US" b="0" dirty="0">
-                        <a:solidFill>
-                          <a:schemeClr val="tx1"/>
-                        </a:solidFill>
-                      </a:endParaRPr>
-                    </a:p>
-                  </a:txBody>
-                  <a:tcPr>
-                    <a:lnL w="12700" cmpd="sng">
-                      <a:noFill/>
-                    </a:lnL>
-                    <a:lnR w="12700" cmpd="sng">
-                      <a:noFill/>
-                    </a:lnR>
-                    <a:lnT w="12700" cmpd="sng">
-                      <a:noFill/>
-                    </a:lnT>
-                    <a:lnB w="12700" cmpd="sng">
-                      <a:noFill/>
-                    </a:lnB>
-                    <a:lnTlToBr w="12700" cmpd="sng">
-                      <a:noFill/>
-                      <a:prstDash val="solid"/>
-                    </a:lnTlToBr>
-                    <a:lnBlToTr w="12700" cmpd="sng">
-                      <a:noFill/>
-                      <a:prstDash val="solid"/>
-                    </a:lnBlToTr>
-                    <a:noFill/>
-                  </a:tcPr>
-                </a:tc>
-              </a:tr>
-              <a:tr h="399245">
-                <a:tc>
-                  <a:txBody>
-                    <a:bodyPr/>
-                    <a:lstStyle/>
-                    <a:p>
-                      <a:r>
-                        <a:rPr lang="en-US" sz="1800" b="0" kern="1200" dirty="0" smtClean="0">
-                          <a:solidFill>
-                            <a:schemeClr val="tx1"/>
-                          </a:solidFill>
-                          <a:effectLst/>
-                          <a:latin typeface="+mn-lt"/>
-                          <a:ea typeface="+mn-ea"/>
-                          <a:cs typeface="+mn-cs"/>
-                        </a:rPr>
-                        <a:t>Dr. James Mathias </a:t>
-                      </a:r>
-                      <a:endParaRPr lang="en-US" b="0" dirty="0">
-                        <a:solidFill>
-                          <a:schemeClr val="tx1"/>
-                        </a:solidFill>
-                      </a:endParaRPr>
-                    </a:p>
-                  </a:txBody>
-                  <a:tcPr>
-                    <a:lnL w="12700" cmpd="sng">
-                      <a:noFill/>
-                    </a:lnL>
-                    <a:lnR w="12700" cmpd="sng">
-                      <a:noFill/>
-                    </a:lnR>
-                    <a:lnT w="12700" cmpd="sng">
-                      <a:noFill/>
-                    </a:lnT>
-                    <a:lnB w="12700" cmpd="sng">
-                      <a:noFill/>
-                    </a:lnB>
-                    <a:lnTlToBr w="12700" cmpd="sng">
-                      <a:noFill/>
-                      <a:prstDash val="solid"/>
-                    </a:lnTlToBr>
-                    <a:lnBlToTr w="12700" cmpd="sng">
-                      <a:noFill/>
-                      <a:prstDash val="solid"/>
-                    </a:lnBlToTr>
-                    <a:noFill/>
-                  </a:tcPr>
-                </a:tc>
-                <a:tc>
-                  <a:txBody>
-                    <a:bodyPr/>
-                    <a:lstStyle/>
-                    <a:p>
-                      <a:r>
-                        <a:rPr lang="en-US" sz="1800" b="0" kern="1200" dirty="0" smtClean="0">
-                          <a:solidFill>
-                            <a:schemeClr val="tx1"/>
-                          </a:solidFill>
-                          <a:effectLst/>
-                          <a:latin typeface="+mn-lt"/>
-                          <a:ea typeface="+mn-ea"/>
-                          <a:cs typeface="+mn-cs"/>
-                        </a:rPr>
-                        <a:t>Dr. Alan J. Weston </a:t>
-                      </a:r>
-                      <a:endParaRPr lang="en-US" b="0" dirty="0">
-                        <a:solidFill>
-                          <a:schemeClr val="tx1"/>
-                        </a:solidFill>
-                      </a:endParaRPr>
-                    </a:p>
-                  </a:txBody>
-                  <a:tcPr>
-                    <a:lnL w="12700" cmpd="sng">
-                      <a:noFill/>
-                    </a:lnL>
-                    <a:lnR w="12700" cmpd="sng">
-                      <a:noFill/>
-                    </a:lnR>
-                    <a:lnT w="12700" cmpd="sng">
-                      <a:noFill/>
-                    </a:lnT>
-                    <a:lnB w="12700" cmpd="sng">
-                      <a:noFill/>
-                    </a:lnB>
-                    <a:lnTlToBr w="12700" cmpd="sng">
-                      <a:noFill/>
-                      <a:prstDash val="solid"/>
-                    </a:lnTlToBr>
-                    <a:lnBlToTr w="12700" cmpd="sng">
-                      <a:noFill/>
-                      <a:prstDash val="solid"/>
-                    </a:lnBlToTr>
-                    <a:noFill/>
-                  </a:tcPr>
-                </a:tc>
-                <a:tc>
-                  <a:txBody>
-                    <a:bodyPr/>
-                    <a:lstStyle/>
-                    <a:p>
-                      <a:r>
-                        <a:rPr lang="en-US" sz="1800" b="0" kern="1200" dirty="0" smtClean="0">
-                          <a:solidFill>
-                            <a:schemeClr val="tx1"/>
-                          </a:solidFill>
-                          <a:effectLst/>
-                          <a:latin typeface="+mn-lt"/>
-                          <a:ea typeface="+mn-ea"/>
-                          <a:cs typeface="+mn-cs"/>
-                        </a:rPr>
-                        <a:t>Austin Miller </a:t>
-                      </a:r>
-                      <a:endParaRPr lang="en-US" b="0" dirty="0">
-                        <a:solidFill>
-                          <a:schemeClr val="tx1"/>
-                        </a:solidFill>
-                      </a:endParaRPr>
-                    </a:p>
-                  </a:txBody>
-                  <a:tcPr>
-                    <a:lnL w="12700" cmpd="sng">
-                      <a:noFill/>
-                    </a:lnL>
-                    <a:lnR w="12700" cmpd="sng">
-                      <a:noFill/>
-                    </a:lnR>
-                    <a:lnT w="12700" cmpd="sng">
-                      <a:noFill/>
-                    </a:lnT>
-                    <a:lnB w="12700" cmpd="sng">
-                      <a:noFill/>
-                    </a:lnB>
-                    <a:lnTlToBr w="12700" cmpd="sng">
-                      <a:noFill/>
-                      <a:prstDash val="solid"/>
-                    </a:lnTlToBr>
-                    <a:lnBlToTr w="12700" cmpd="sng">
-                      <a:noFill/>
-                      <a:prstDash val="solid"/>
-                    </a:lnBlToTr>
-                    <a:noFill/>
-                  </a:tcPr>
-                </a:tc>
-              </a:tr>
-              <a:tr h="347729">
-                <a:tc>
-                  <a:txBody>
-                    <a:bodyPr/>
-                    <a:lstStyle/>
-                    <a:p>
-                      <a:r>
-                        <a:rPr lang="en-US" sz="1800" b="0" kern="1200" dirty="0" smtClean="0">
-                          <a:solidFill>
-                            <a:schemeClr val="tx1"/>
-                          </a:solidFill>
-                          <a:effectLst/>
-                          <a:latin typeface="+mn-lt"/>
-                          <a:ea typeface="+mn-ea"/>
-                          <a:cs typeface="+mn-cs"/>
-                        </a:rPr>
-                        <a:t>Dr. James Mabry </a:t>
-                      </a:r>
-                      <a:endParaRPr lang="en-US" b="0" dirty="0">
-                        <a:solidFill>
-                          <a:schemeClr val="tx1"/>
-                        </a:solidFill>
-                      </a:endParaRPr>
-                    </a:p>
-                  </a:txBody>
-                  <a:tcPr>
-                    <a:lnL w="12700" cmpd="sng">
-                      <a:noFill/>
-                    </a:lnL>
-                    <a:lnR w="12700" cmpd="sng">
-                      <a:noFill/>
-                    </a:lnR>
-                    <a:lnT w="12700" cmpd="sng">
-                      <a:noFill/>
-                    </a:lnT>
-                    <a:lnB w="12700" cmpd="sng">
-                      <a:noFill/>
-                    </a:lnB>
-                    <a:lnTlToBr w="12700" cmpd="sng">
-                      <a:noFill/>
-                      <a:prstDash val="solid"/>
-                    </a:lnTlToBr>
-                    <a:lnBlToTr w="12700" cmpd="sng">
-                      <a:noFill/>
-                      <a:prstDash val="solid"/>
-                    </a:lnBlToTr>
-                    <a:noFill/>
-                  </a:tcPr>
-                </a:tc>
-                <a:tc>
-                  <a:txBody>
-                    <a:bodyPr/>
-                    <a:lstStyle/>
-                    <a:p>
-                      <a:r>
-                        <a:rPr lang="en-US" sz="1800" b="0" i="0" kern="1200" dirty="0" smtClean="0">
-                          <a:solidFill>
-                            <a:schemeClr val="dk1"/>
-                          </a:solidFill>
-                          <a:effectLst/>
-                          <a:latin typeface="+mn-lt"/>
-                          <a:ea typeface="+mn-ea"/>
-                          <a:cs typeface="+mn-cs"/>
-                        </a:rPr>
-                        <a:t>Kay Purcell</a:t>
-                      </a:r>
-                      <a:endParaRPr lang="en-US" dirty="0"/>
-                    </a:p>
-                  </a:txBody>
-                  <a:tcPr>
-                    <a:lnL w="12700" cmpd="sng">
-                      <a:noFill/>
-                    </a:lnL>
-                    <a:lnR w="12700" cmpd="sng">
-                      <a:noFill/>
-                    </a:lnR>
-                    <a:lnT w="12700" cmpd="sng">
-                      <a:noFill/>
-                    </a:lnT>
-                    <a:lnB w="12700" cmpd="sng">
-                      <a:noFill/>
-                    </a:lnB>
-                    <a:lnTlToBr w="12700" cmpd="sng">
-                      <a:noFill/>
-                      <a:prstDash val="solid"/>
-                    </a:lnTlToBr>
-                    <a:lnBlToTr w="12700" cmpd="sng">
-                      <a:noFill/>
-                      <a:prstDash val="solid"/>
-                    </a:lnBlToTr>
-                    <a:noFill/>
-                  </a:tcPr>
-                </a:tc>
-                <a:tc>
-                  <a:txBody>
-                    <a:bodyPr/>
-                    <a:lstStyle/>
-                    <a:p>
-                      <a:r>
-                        <a:rPr lang="en-US" b="0" dirty="0" err="1" smtClean="0">
-                          <a:solidFill>
-                            <a:schemeClr val="tx1"/>
-                          </a:solidFill>
-                        </a:rPr>
-                        <a:t>Indiegogo</a:t>
-                      </a:r>
-                      <a:r>
-                        <a:rPr lang="en-US" b="0" dirty="0" smtClean="0">
-                          <a:solidFill>
-                            <a:schemeClr val="tx1"/>
-                          </a:solidFill>
-                        </a:rPr>
-                        <a:t> Funders</a:t>
-                      </a:r>
-                      <a:endParaRPr lang="en-US" b="0" dirty="0">
-                        <a:solidFill>
-                          <a:schemeClr val="tx1"/>
-                        </a:solidFill>
-                      </a:endParaRPr>
-                    </a:p>
-                  </a:txBody>
-                  <a:tcPr>
-                    <a:lnL w="12700" cmpd="sng">
-                      <a:noFill/>
-                    </a:lnL>
-                    <a:lnR w="12700" cmpd="sng">
-                      <a:noFill/>
-                    </a:lnR>
-                    <a:lnT w="12700" cmpd="sng">
-                      <a:noFill/>
-                    </a:lnT>
-                    <a:lnB w="12700" cmpd="sng">
-                      <a:noFill/>
-                    </a:lnB>
-                    <a:lnTlToBr w="12700" cmpd="sng">
-                      <a:noFill/>
-                      <a:prstDash val="solid"/>
-                    </a:lnTlToBr>
-                    <a:lnBlToTr w="12700" cmpd="sng">
-                      <a:noFill/>
-                      <a:prstDash val="solid"/>
-                    </a:lnBlToTr>
-                    <a:noFill/>
-                  </a:tcPr>
-                </a:tc>
-              </a:tr>
-              <a:tr h="394093">
-                <a:tc>
-                  <a:txBody>
-                    <a:bodyPr/>
-                    <a:lstStyle/>
-                    <a:p>
-                      <a:pPr marL="0" marR="0" indent="0" algn="l" defTabSz="457200" rtl="0" eaLnBrk="1" fontAlgn="auto" latinLnBrk="0" hangingPunct="1">
-                        <a:lnSpc>
-                          <a:spcPct val="100000"/>
-                        </a:lnSpc>
-                        <a:spcBef>
-                          <a:spcPts val="0"/>
-                        </a:spcBef>
-                        <a:spcAft>
-                          <a:spcPts val="0"/>
-                        </a:spcAft>
-                        <a:buClrTx/>
-                        <a:buSzTx/>
-                        <a:buFontTx/>
-                        <a:buNone/>
-                        <a:tabLst/>
-                        <a:defRPr/>
-                      </a:pPr>
-                      <a:r>
-                        <a:rPr lang="en-US" sz="1800" b="0" kern="1200" dirty="0" smtClean="0">
-                          <a:solidFill>
-                            <a:schemeClr val="tx1"/>
-                          </a:solidFill>
-                          <a:effectLst/>
-                          <a:latin typeface="+mn-lt"/>
-                          <a:ea typeface="+mn-ea"/>
-                          <a:cs typeface="+mn-cs"/>
-                        </a:rPr>
-                        <a:t>Tim </a:t>
-                      </a:r>
-                      <a:r>
-                        <a:rPr lang="en-US" sz="1800" b="0" kern="1200" dirty="0" err="1" smtClean="0">
-                          <a:solidFill>
-                            <a:schemeClr val="tx1"/>
-                          </a:solidFill>
-                          <a:effectLst/>
-                          <a:latin typeface="+mn-lt"/>
-                          <a:ea typeface="+mn-ea"/>
-                          <a:cs typeface="+mn-cs"/>
-                        </a:rPr>
-                        <a:t>Attig</a:t>
-                      </a:r>
-                      <a:r>
-                        <a:rPr lang="en-US" sz="1800" b="0" kern="1200" dirty="0" smtClean="0">
-                          <a:solidFill>
-                            <a:schemeClr val="tx1"/>
-                          </a:solidFill>
-                          <a:effectLst/>
-                          <a:latin typeface="+mn-lt"/>
-                          <a:ea typeface="+mn-ea"/>
-                          <a:cs typeface="+mn-cs"/>
-                        </a:rPr>
-                        <a:t> </a:t>
-                      </a:r>
-                      <a:endParaRPr lang="en-US" b="0" dirty="0" smtClean="0">
-                        <a:solidFill>
-                          <a:schemeClr val="tx1"/>
-                        </a:solidFill>
-                      </a:endParaRPr>
-                    </a:p>
-                  </a:txBody>
-                  <a:tcPr>
-                    <a:lnL w="12700" cmpd="sng">
-                      <a:noFill/>
-                    </a:lnL>
-                    <a:lnR w="12700" cmpd="sng">
-                      <a:noFill/>
-                    </a:lnR>
-                    <a:lnT w="12700" cmpd="sng">
-                      <a:noFill/>
-                    </a:lnT>
-                    <a:lnB w="12700" cmpd="sng">
-                      <a:noFill/>
-                    </a:lnB>
-                    <a:lnTlToBr w="12700" cmpd="sng">
-                      <a:noFill/>
-                      <a:prstDash val="solid"/>
-                    </a:lnTlToBr>
-                    <a:lnBlToTr w="12700" cmpd="sng">
-                      <a:noFill/>
-                      <a:prstDash val="solid"/>
-                    </a:lnBlToTr>
-                    <a:noFill/>
-                  </a:tcPr>
-                </a:tc>
-                <a:tc>
-                  <a:txBody>
-                    <a:bodyPr/>
-                    <a:lstStyle/>
-                    <a:p>
-                      <a:pPr marL="0" marR="0" indent="0" algn="l" defTabSz="457200" rtl="0" eaLnBrk="1" fontAlgn="auto" latinLnBrk="0" hangingPunct="1">
-                        <a:lnSpc>
-                          <a:spcPct val="100000"/>
-                        </a:lnSpc>
-                        <a:spcBef>
-                          <a:spcPts val="0"/>
-                        </a:spcBef>
-                        <a:spcAft>
-                          <a:spcPts val="0"/>
-                        </a:spcAft>
-                        <a:buClrTx/>
-                        <a:buSzTx/>
-                        <a:buFontTx/>
-                        <a:buNone/>
-                        <a:tabLst/>
-                        <a:defRPr/>
-                      </a:pPr>
-                      <a:r>
-                        <a:rPr lang="en-US" sz="1800" b="0" kern="1200" dirty="0" smtClean="0">
-                          <a:solidFill>
-                            <a:schemeClr val="tx1"/>
-                          </a:solidFill>
-                          <a:effectLst/>
-                          <a:latin typeface="+mn-lt"/>
-                          <a:ea typeface="+mn-ea"/>
-                          <a:cs typeface="+mn-cs"/>
-                        </a:rPr>
-                        <a:t>Joe Lennox</a:t>
-                      </a:r>
-                      <a:endParaRPr lang="en-US" b="0" dirty="0" smtClean="0">
-                        <a:solidFill>
-                          <a:schemeClr val="tx1"/>
-                        </a:solidFill>
-                      </a:endParaRPr>
-                    </a:p>
-                  </a:txBody>
-                  <a:tcPr>
-                    <a:lnL w="12700" cmpd="sng">
-                      <a:noFill/>
-                    </a:lnL>
-                    <a:lnR w="12700" cmpd="sng">
-                      <a:noFill/>
-                    </a:lnR>
-                    <a:lnT w="12700" cmpd="sng">
-                      <a:noFill/>
-                    </a:lnT>
-                    <a:lnB w="12700" cmpd="sng">
-                      <a:noFill/>
-                    </a:lnB>
-                    <a:lnTlToBr w="12700" cmpd="sng">
-                      <a:noFill/>
-                      <a:prstDash val="solid"/>
-                    </a:lnTlToBr>
-                    <a:lnBlToTr w="12700" cmpd="sng">
-                      <a:noFill/>
-                      <a:prstDash val="solid"/>
-                    </a:lnBlToTr>
-                    <a:noFill/>
-                  </a:tcPr>
-                </a:tc>
-                <a:tc>
-                  <a:txBody>
-                    <a:bodyPr/>
-                    <a:lstStyle/>
-                    <a:p>
-                      <a:endParaRPr lang="en-US" dirty="0"/>
-                    </a:p>
-                  </a:txBody>
-                  <a:tcPr>
-                    <a:lnL w="12700" cmpd="sng">
-                      <a:noFill/>
-                    </a:lnL>
-                    <a:lnR w="12700" cmpd="sng">
-                      <a:noFill/>
-                    </a:lnR>
-                    <a:lnT w="12700" cmpd="sng">
-                      <a:noFill/>
-                    </a:lnT>
-                    <a:lnB w="12700" cmpd="sng">
-                      <a:noFill/>
-                    </a:lnB>
-                    <a:lnTlToBr w="12700" cmpd="sng">
-                      <a:noFill/>
-                      <a:prstDash val="solid"/>
-                    </a:lnTlToBr>
-                    <a:lnBlToTr w="12700" cmpd="sng">
-                      <a:noFill/>
-                      <a:prstDash val="solid"/>
-                    </a:lnBlToTr>
-                    <a:noFill/>
-                  </a:tcPr>
-                </a:tc>
-              </a:tr>
-            </a:tbl>
-          </a:graphicData>
-        </a:graphic>
-      </p:graphicFrame>
+          </p:nvPr>
+        </p:nvSpPr>
+        <p:spPr/>
+        <p:txBody>
+          <a:bodyPr>
+            <a:normAutofit fontScale="92500" lnSpcReduction="20000"/>
+          </a:bodyPr>
+          <a:lstStyle/>
+          <a:p>
+            <a:pPr marL="0" indent="0" fontAlgn="base">
+              <a:buNone/>
+            </a:pPr>
+            <a:r>
+              <a:rPr lang="en-US" dirty="0"/>
+              <a:t>Problem Statement</a:t>
+            </a:r>
+          </a:p>
+          <a:p>
+            <a:pPr lvl="1" fontAlgn="base"/>
+            <a:r>
+              <a:rPr lang="en-US" dirty="0"/>
+              <a:t>Current hobbyist 3D printers are imprecise and fault-prone</a:t>
+            </a:r>
+          </a:p>
+          <a:p>
+            <a:pPr lvl="1" fontAlgn="base"/>
+            <a:r>
+              <a:rPr lang="en-US" dirty="0"/>
+              <a:t>High resolution additive manufacturing is currently not accessible for hobbyists (under $1,000)</a:t>
+            </a:r>
+          </a:p>
+          <a:p>
+            <a:pPr lvl="1" fontAlgn="base"/>
+            <a:r>
+              <a:rPr lang="en-US" dirty="0"/>
+              <a:t>Available PAM systems use proprietary hardware and software</a:t>
+            </a:r>
+          </a:p>
+          <a:p>
+            <a:pPr marL="0" indent="0" fontAlgn="base">
+              <a:buNone/>
+            </a:pPr>
+            <a:r>
+              <a:rPr lang="en-US" dirty="0"/>
+              <a:t>Our Solution</a:t>
+            </a:r>
+          </a:p>
+          <a:p>
+            <a:pPr lvl="1"/>
+            <a:r>
+              <a:rPr lang="en-US" dirty="0"/>
+              <a:t>A DLP PAM system can produce high quality and fast prints</a:t>
+            </a:r>
+          </a:p>
+          <a:p>
+            <a:pPr lvl="1"/>
+            <a:r>
+              <a:rPr lang="en-US" dirty="0"/>
+              <a:t>Use off-the-shelf open-source hardware</a:t>
+            </a:r>
+          </a:p>
+          <a:p>
+            <a:pPr lvl="1"/>
+            <a:r>
+              <a:rPr lang="en-US" dirty="0"/>
+              <a:t>Create a thoroughly documented reference </a:t>
+            </a:r>
+            <a:r>
+              <a:rPr lang="en-US" dirty="0" smtClean="0"/>
+              <a:t>design</a:t>
+            </a:r>
+            <a:endParaRPr lang="en-US" dirty="0"/>
+          </a:p>
+        </p:txBody>
+      </p:sp>
       <p:sp>
         <p:nvSpPr>
           <p:cNvPr id="4" name="Slide Number Placeholder 3"/>
@@ -11072,17 +8642,16 @@
           <a:p>
             <a:fld id="{5C6BB475-B640-4DD3-A1AA-1CF10A44AA06}" type="slidenum">
               <a:rPr lang="en-US" smtClean="0"/>
-              <a:pPr/>
               <a:t>21</a:t>
             </a:fld>
-            <a:endParaRPr lang="en-US" dirty="0"/>
+            <a:endParaRPr lang="en-US"/>
           </a:p>
         </p:txBody>
       </p:sp>
     </p:spTree>
     <p:extLst>
       <p:ext uri="{BB962C8B-B14F-4D97-AF65-F5344CB8AC3E}">
-        <p14:creationId xmlns:p14="http://schemas.microsoft.com/office/powerpoint/2010/main" val="767577116"/>
+        <p14:creationId xmlns:p14="http://schemas.microsoft.com/office/powerpoint/2010/main" val="2150469081"/>
       </p:ext>
     </p:extLst>
   </p:cSld>
@@ -11128,6 +8697,101 @@
         </p:nvSpPr>
         <p:spPr/>
         <p:txBody>
+          <a:bodyPr/>
+          <a:lstStyle/>
+          <a:p>
+            <a:r>
+              <a:rPr lang="en-US" dirty="0" smtClean="0"/>
+              <a:t>Acknowledgments</a:t>
+            </a:r>
+            <a:endParaRPr lang="en-US" dirty="0"/>
+          </a:p>
+        </p:txBody>
+      </p:sp>
+      <p:sp>
+        <p:nvSpPr>
+          <p:cNvPr id="3" name="Content Placeholder 2"/>
+          <p:cNvSpPr>
+            <a:spLocks noGrp="1"/>
+          </p:cNvSpPr>
+          <p:nvPr>
+            <p:ph idx="1"/>
+          </p:nvPr>
+        </p:nvSpPr>
+        <p:spPr/>
+        <p:txBody>
+          <a:bodyPr/>
+          <a:lstStyle/>
+          <a:p>
+            <a:endParaRPr lang="en-US" dirty="0"/>
+          </a:p>
+        </p:txBody>
+      </p:sp>
+      <p:sp>
+        <p:nvSpPr>
+          <p:cNvPr id="4" name="Slide Number Placeholder 3"/>
+          <p:cNvSpPr>
+            <a:spLocks noGrp="1"/>
+          </p:cNvSpPr>
+          <p:nvPr>
+            <p:ph type="sldNum" sz="quarter" idx="12"/>
+          </p:nvPr>
+        </p:nvSpPr>
+        <p:spPr/>
+        <p:txBody>
+          <a:bodyPr/>
+          <a:lstStyle/>
+          <a:p>
+            <a:fld id="{5C6BB475-B640-4DD3-A1AA-1CF10A44AA06}" type="slidenum">
+              <a:rPr lang="en-US" smtClean="0"/>
+              <a:t>22</a:t>
+            </a:fld>
+            <a:endParaRPr lang="en-US"/>
+          </a:p>
+        </p:txBody>
+      </p:sp>
+    </p:spTree>
+    <p:extLst>
+      <p:ext uri="{BB962C8B-B14F-4D97-AF65-F5344CB8AC3E}">
+        <p14:creationId xmlns:p14="http://schemas.microsoft.com/office/powerpoint/2010/main" val="4148977491"/>
+      </p:ext>
+    </p:extLst>
+  </p:cSld>
+  <p:clrMapOvr>
+    <a:masterClrMapping/>
+  </p:clrMapOvr>
+</p:sld>
+</file>
+
+<file path=ppt/slides/slide23.xml><?xml version="1.0" encoding="utf-8"?>
+<p:sld xmlns:a="http://schemas.openxmlformats.org/drawingml/2006/main" xmlns:r="http://schemas.openxmlformats.org/officeDocument/2006/relationships" xmlns:p="http://schemas.openxmlformats.org/presentationml/2006/main">
+  <p:cSld>
+    <p:spTree>
+      <p:nvGrpSpPr>
+        <p:cNvPr id="1" name=""/>
+        <p:cNvGrpSpPr/>
+        <p:nvPr/>
+      </p:nvGrpSpPr>
+      <p:grpSpPr>
+        <a:xfrm>
+          <a:off x="0" y="0"/>
+          <a:ext cx="0" cy="0"/>
+          <a:chOff x="0" y="0"/>
+          <a:chExt cx="0" cy="0"/>
+        </a:xfrm>
+      </p:grpSpPr>
+      <p:sp>
+        <p:nvSpPr>
+          <p:cNvPr id="2" name="Title 1"/>
+          <p:cNvSpPr>
+            <a:spLocks noGrp="1"/>
+          </p:cNvSpPr>
+          <p:nvPr>
+            <p:ph type="title"/>
+          </p:nvPr>
+        </p:nvSpPr>
+        <p:spPr/>
+        <p:txBody>
           <a:bodyPr>
             <a:normAutofit/>
           </a:bodyPr>
@@ -11411,7 +9075,7 @@
           <a:p>
             <a:fld id="{5C6BB475-B640-4DD3-A1AA-1CF10A44AA06}" type="slidenum">
               <a:rPr lang="en-US" smtClean="0"/>
-              <a:t>22</a:t>
+              <a:t>23</a:t>
             </a:fld>
             <a:endParaRPr lang="en-US"/>
           </a:p>
@@ -11641,7 +9305,7 @@
         <p:spPr/>
         <p:txBody>
           <a:bodyPr>
-            <a:normAutofit fontScale="70000" lnSpcReduction="20000"/>
+            <a:normAutofit fontScale="92500" lnSpcReduction="20000"/>
           </a:bodyPr>
           <a:lstStyle/>
           <a:p>
@@ -11650,22 +9314,25 @@
             </a:pPr>
             <a:r>
               <a:rPr lang="en-US" dirty="0" smtClean="0"/>
-              <a:t>Problem</a:t>
+              <a:t>Problem Statement</a:t>
             </a:r>
           </a:p>
           <a:p>
             <a:pPr lvl="1" fontAlgn="base"/>
             <a:r>
+              <a:rPr lang="en-US" dirty="0" smtClean="0"/>
+              <a:t>Current </a:t>
+            </a:r>
+            <a:r>
               <a:rPr lang="en-US" dirty="0"/>
-              <a:t>High resolution additive manufacturing </a:t>
-            </a:r>
-            <a:r>
-              <a:rPr lang="en-US" dirty="0" smtClean="0"/>
-              <a:t>is </a:t>
-            </a:r>
+              <a:t>hobbyist 3D printers are imprecise and fault-prone</a:t>
+            </a:r>
+          </a:p>
+          <a:p>
+            <a:pPr lvl="1" fontAlgn="base"/>
             <a:r>
               <a:rPr lang="en-US" dirty="0"/>
-              <a:t>not accessible for hobbyists (under $1,000</a:t>
+              <a:t>High resolution additive manufacturing is currently not accessible for hobbyists (under $1,000</a:t>
             </a:r>
             <a:r>
               <a:rPr lang="en-US" dirty="0" smtClean="0"/>
@@ -11675,36 +9342,8 @@
           <a:p>
             <a:pPr lvl="1" fontAlgn="base"/>
             <a:r>
-              <a:rPr lang="en-US" dirty="0" smtClean="0"/>
-              <a:t>Current </a:t>
-            </a:r>
-            <a:r>
               <a:rPr lang="en-US" dirty="0"/>
-              <a:t>hobbyist 3D printers are </a:t>
-            </a:r>
-            <a:r>
-              <a:rPr lang="en-US" dirty="0" smtClean="0"/>
-              <a:t>imprecise, fault-prone, and poorly documented</a:t>
-            </a:r>
-            <a:endParaRPr lang="en-US" dirty="0"/>
-          </a:p>
-          <a:p>
-            <a:pPr lvl="1" fontAlgn="base"/>
-            <a:r>
-              <a:rPr lang="en-US" dirty="0" smtClean="0"/>
-              <a:t>Available </a:t>
-            </a:r>
-            <a:r>
-              <a:rPr lang="en-US" dirty="0"/>
-              <a:t>PAM </a:t>
-            </a:r>
-            <a:r>
-              <a:rPr lang="en-US" dirty="0" smtClean="0"/>
-              <a:t>systems are inflexible, </a:t>
-            </a:r>
-            <a:r>
-              <a:rPr lang="en-US" dirty="0"/>
-              <a:t>use proprietary hardware and </a:t>
+              <a:t>Available PAM systems use proprietary hardware and </a:t>
             </a:r>
             <a:r>
               <a:rPr lang="en-US" dirty="0" smtClean="0"/>
@@ -11717,63 +9356,33 @@
             </a:pPr>
             <a:r>
               <a:rPr lang="en-US" dirty="0" smtClean="0"/>
-              <a:t>Solution</a:t>
+              <a:t>Our Solution</a:t>
             </a:r>
           </a:p>
           <a:p>
             <a:pPr lvl="1"/>
             <a:r>
-              <a:rPr lang="en-US" dirty="0" err="1" smtClean="0"/>
-              <a:t>Libre</a:t>
-            </a:r>
-            <a:endParaRPr lang="en-US" dirty="0" smtClean="0"/>
+              <a:rPr lang="en-US" dirty="0" smtClean="0"/>
+              <a:t>A </a:t>
+            </a:r>
+            <a:r>
+              <a:rPr lang="en-US" dirty="0"/>
+              <a:t>DLP PAM system can produce high quality and fast </a:t>
+            </a:r>
+            <a:r>
+              <a:rPr lang="en-US" dirty="0" smtClean="0"/>
+              <a:t>prints</a:t>
+            </a:r>
           </a:p>
           <a:p>
             <a:pPr lvl="1"/>
             <a:r>
               <a:rPr lang="en-US" dirty="0" smtClean="0"/>
-              <a:t>Accessible </a:t>
+              <a:t>Use </a:t>
             </a:r>
             <a:r>
               <a:rPr lang="en-US" dirty="0"/>
-              <a:t>to the hobbyist</a:t>
-            </a:r>
-          </a:p>
-          <a:p>
-            <a:pPr lvl="1"/>
-            <a:r>
-              <a:rPr lang="en-US" dirty="0" smtClean="0"/>
-              <a:t>Precise </a:t>
-            </a:r>
-            <a:r>
-              <a:rPr lang="en-US" dirty="0"/>
-              <a:t>and repeatable</a:t>
-            </a:r>
-          </a:p>
-          <a:p>
-            <a:pPr lvl="1"/>
-            <a:r>
-              <a:rPr lang="en-US" dirty="0"/>
-              <a:t>Flexible for the end </a:t>
-            </a:r>
-            <a:r>
-              <a:rPr lang="en-US" dirty="0" smtClean="0"/>
-              <a:t>user</a:t>
-            </a:r>
-          </a:p>
-          <a:p>
-            <a:pPr lvl="1"/>
-            <a:r>
-              <a:rPr lang="en-US" dirty="0"/>
-              <a:t>O</a:t>
-            </a:r>
-            <a:r>
-              <a:rPr lang="en-US" dirty="0" smtClean="0"/>
-              <a:t>ff-the-shelf </a:t>
-            </a:r>
-            <a:r>
-              <a:rPr lang="en-US" dirty="0"/>
-              <a:t>open-source </a:t>
+              <a:t>off-the-shelf open-source </a:t>
             </a:r>
             <a:r>
               <a:rPr lang="en-US" dirty="0" smtClean="0"/>
@@ -11784,11 +9393,11 @@
             <a:pPr lvl="1"/>
             <a:r>
               <a:rPr lang="en-US" dirty="0" smtClean="0"/>
-              <a:t>A </a:t>
+              <a:t>Create </a:t>
             </a:r>
             <a:r>
               <a:rPr lang="en-US" dirty="0"/>
-              <a:t>thoroughly documented reference </a:t>
+              <a:t>a thoroughly documented reference </a:t>
             </a:r>
             <a:r>
               <a:rPr lang="en-US" dirty="0" smtClean="0"/>
@@ -11824,7 +9433,7 @@
     </p:spTree>
     <p:extLst>
       <p:ext uri="{BB962C8B-B14F-4D97-AF65-F5344CB8AC3E}">
-        <p14:creationId xmlns:p14="http://schemas.microsoft.com/office/powerpoint/2010/main" val="4273748684"/>
+        <p14:creationId xmlns:p14="http://schemas.microsoft.com/office/powerpoint/2010/main" val="4029967778"/>
       </p:ext>
     </p:extLst>
   </p:cSld>
@@ -11868,12 +9477,7 @@
             <p:ph type="title"/>
           </p:nvPr>
         </p:nvSpPr>
-        <p:spPr>
-          <a:xfrm>
-            <a:off x="1541985" y="372698"/>
-            <a:ext cx="10018713" cy="1057275"/>
-          </a:xfrm>
-        </p:spPr>
+        <p:spPr/>
         <p:txBody>
           <a:bodyPr/>
           <a:lstStyle/>
@@ -11939,30 +9543,34 @@
           </a:p>
         </p:txBody>
       </p:sp>
-      <p:graphicFrame>
-        <p:nvGraphicFramePr>
-          <p:cNvPr id="9" name="Chart 8"/>
-          <p:cNvGraphicFramePr>
-            <a:graphicFrameLocks noGrp="1"/>
-          </p:cNvGraphicFramePr>
-          <p:nvPr>
-            <p:extLst/>
-          </p:nvPr>
-        </p:nvGraphicFramePr>
-        <p:xfrm>
-          <a:off x="2711903" y="1295400"/>
-          <a:ext cx="7937047" cy="5203371"/>
-        </p:xfrm>
-        <a:graphic>
-          <a:graphicData uri="http://schemas.openxmlformats.org/drawingml/2006/chart">
-            <c:chart xmlns:c="http://schemas.openxmlformats.org/drawingml/2006/chart" xmlns:r="http://schemas.openxmlformats.org/officeDocument/2006/relationships" r:id="rId2"/>
-          </a:graphicData>
-        </a:graphic>
-      </p:graphicFrame>
+      <p:pic>
+        <p:nvPicPr>
+          <p:cNvPr id="2" name="Picture 1"/>
+          <p:cNvPicPr>
+            <a:picLocks noChangeAspect="1"/>
+          </p:cNvPicPr>
+          <p:nvPr/>
+        </p:nvPicPr>
+        <p:blipFill>
+          <a:blip r:embed="rId2"/>
+          <a:stretch>
+            <a:fillRect/>
+          </a:stretch>
+        </p:blipFill>
+        <p:spPr>
+          <a:xfrm>
+            <a:off x="3189963" y="1478099"/>
+            <a:ext cx="6722761" cy="4887131"/>
+          </a:xfrm>
+          <a:prstGeom prst="rect">
+            <a:avLst/>
+          </a:prstGeom>
+        </p:spPr>
+      </p:pic>
     </p:spTree>
     <p:extLst>
       <p:ext uri="{BB962C8B-B14F-4D97-AF65-F5344CB8AC3E}">
-        <p14:creationId xmlns:p14="http://schemas.microsoft.com/office/powerpoint/2010/main" val="3408471816"/>
+        <p14:creationId xmlns:p14="http://schemas.microsoft.com/office/powerpoint/2010/main" val="147561124"/>
       </p:ext>
     </p:extLst>
   </p:cSld>
@@ -12012,29 +9620,67 @@
           <a:lstStyle/>
           <a:p>
             <a:r>
+              <a:rPr lang="en-US" dirty="0"/>
+              <a:t>Criteria</a:t>
+            </a:r>
+          </a:p>
+        </p:txBody>
+      </p:sp>
+      <p:sp>
+        <p:nvSpPr>
+          <p:cNvPr id="3" name="Content Placeholder 2"/>
+          <p:cNvSpPr>
+            <a:spLocks noGrp="1"/>
+          </p:cNvSpPr>
+          <p:nvPr>
+            <p:ph idx="1"/>
+          </p:nvPr>
+        </p:nvSpPr>
+        <p:spPr/>
+        <p:txBody>
+          <a:bodyPr/>
+          <a:lstStyle/>
+          <a:p>
+            <a:r>
+              <a:rPr lang="en-US" dirty="0"/>
+              <a:t>Accessible to the hobbyist</a:t>
+            </a:r>
+          </a:p>
+          <a:p>
+            <a:r>
+              <a:rPr lang="en-US" dirty="0"/>
+              <a:t>Open Source and Free </a:t>
+            </a:r>
+            <a:r>
               <a:rPr lang="en-US" dirty="0" smtClean="0"/>
-              <a:t>Top Down vs. Bottom Up</a:t>
+              <a:t>(as </a:t>
+            </a:r>
+            <a:r>
+              <a:rPr lang="en-US" dirty="0"/>
+              <a:t>in </a:t>
+            </a:r>
+            <a:r>
+              <a:rPr lang="en-US" dirty="0" smtClean="0"/>
+              <a:t>speech)</a:t>
             </a:r>
             <a:endParaRPr lang="en-US" dirty="0"/>
           </a:p>
-        </p:txBody>
-      </p:sp>
-      <p:sp>
-        <p:nvSpPr>
-          <p:cNvPr id="3" name="Content Placeholder 2"/>
-          <p:cNvSpPr>
-            <a:spLocks noGrp="1"/>
-          </p:cNvSpPr>
-          <p:nvPr>
-            <p:ph idx="1"/>
-          </p:nvPr>
-        </p:nvSpPr>
-        <p:spPr/>
-        <p:txBody>
-          <a:bodyPr/>
-          <a:lstStyle/>
-          <a:p>
-            <a:endParaRPr lang="en-US"/>
+          <a:p>
+            <a:r>
+              <a:rPr lang="en-US" dirty="0"/>
+              <a:t>Precise and </a:t>
+            </a:r>
+            <a:r>
+              <a:rPr lang="en-US" dirty="0" smtClean="0"/>
+              <a:t>repeatable</a:t>
+            </a:r>
+          </a:p>
+          <a:p>
+            <a:r>
+              <a:rPr lang="en-US" dirty="0" smtClean="0"/>
+              <a:t>Flexible for the end user</a:t>
+            </a:r>
+            <a:endParaRPr lang="en-US" dirty="0"/>
           </a:p>
         </p:txBody>
       </p:sp>
@@ -12064,13 +9710,20 @@
     </p:spTree>
     <p:extLst>
       <p:ext uri="{BB962C8B-B14F-4D97-AF65-F5344CB8AC3E}">
-        <p14:creationId xmlns:p14="http://schemas.microsoft.com/office/powerpoint/2010/main" val="3047169888"/>
+        <p14:creationId xmlns:p14="http://schemas.microsoft.com/office/powerpoint/2010/main" val="539541693"/>
       </p:ext>
     </p:extLst>
   </p:cSld>
   <p:clrMapOvr>
     <a:masterClrMapping/>
   </p:clrMapOvr>
+  <p:timing>
+    <p:tnLst>
+      <p:par>
+        <p:cTn id="1" dur="indefinite" restart="never" nodeType="tmRoot"/>
+      </p:par>
+    </p:tnLst>
+  </p:timing>
 </p:sld>
 </file>
 
@@ -12108,6 +9761,101 @@
           <a:p>
             <a:r>
               <a:rPr lang="en-US" dirty="0" smtClean="0"/>
+              <a:t>Top Down vs. Bottom Up</a:t>
+            </a:r>
+            <a:endParaRPr lang="en-US" dirty="0"/>
+          </a:p>
+        </p:txBody>
+      </p:sp>
+      <p:sp>
+        <p:nvSpPr>
+          <p:cNvPr id="3" name="Content Placeholder 2"/>
+          <p:cNvSpPr>
+            <a:spLocks noGrp="1"/>
+          </p:cNvSpPr>
+          <p:nvPr>
+            <p:ph idx="1"/>
+          </p:nvPr>
+        </p:nvSpPr>
+        <p:spPr/>
+        <p:txBody>
+          <a:bodyPr/>
+          <a:lstStyle/>
+          <a:p>
+            <a:endParaRPr lang="en-US"/>
+          </a:p>
+        </p:txBody>
+      </p:sp>
+      <p:sp>
+        <p:nvSpPr>
+          <p:cNvPr id="4" name="Slide Number Placeholder 3"/>
+          <p:cNvSpPr>
+            <a:spLocks noGrp="1"/>
+          </p:cNvSpPr>
+          <p:nvPr>
+            <p:ph type="sldNum" sz="quarter" idx="12"/>
+          </p:nvPr>
+        </p:nvSpPr>
+        <p:spPr/>
+        <p:txBody>
+          <a:bodyPr/>
+          <a:lstStyle/>
+          <a:p>
+            <a:fld id="{5C6BB475-B640-4DD3-A1AA-1CF10A44AA06}" type="slidenum">
+              <a:rPr lang="en-US" smtClean="0"/>
+              <a:t>7</a:t>
+            </a:fld>
+            <a:endParaRPr lang="en-US"/>
+          </a:p>
+        </p:txBody>
+      </p:sp>
+    </p:spTree>
+    <p:extLst>
+      <p:ext uri="{BB962C8B-B14F-4D97-AF65-F5344CB8AC3E}">
+        <p14:creationId xmlns:p14="http://schemas.microsoft.com/office/powerpoint/2010/main" val="3047169888"/>
+      </p:ext>
+    </p:extLst>
+  </p:cSld>
+  <p:clrMapOvr>
+    <a:masterClrMapping/>
+  </p:clrMapOvr>
+</p:sld>
+</file>
+
+<file path=ppt/slides/slide8.xml><?xml version="1.0" encoding="utf-8"?>
+<p:sld xmlns:a="http://schemas.openxmlformats.org/drawingml/2006/main" xmlns:r="http://schemas.openxmlformats.org/officeDocument/2006/relationships" xmlns:p="http://schemas.openxmlformats.org/presentationml/2006/main">
+  <p:cSld>
+    <p:spTree>
+      <p:nvGrpSpPr>
+        <p:cNvPr id="1" name=""/>
+        <p:cNvGrpSpPr/>
+        <p:nvPr/>
+      </p:nvGrpSpPr>
+      <p:grpSpPr>
+        <a:xfrm>
+          <a:off x="0" y="0"/>
+          <a:ext cx="0" cy="0"/>
+          <a:chOff x="0" y="0"/>
+          <a:chExt cx="0" cy="0"/>
+        </a:xfrm>
+      </p:grpSpPr>
+      <p:sp>
+        <p:nvSpPr>
+          <p:cNvPr id="2" name="Title 1"/>
+          <p:cNvSpPr>
+            <a:spLocks noGrp="1"/>
+          </p:cNvSpPr>
+          <p:nvPr>
+            <p:ph type="title"/>
+          </p:nvPr>
+        </p:nvSpPr>
+        <p:spPr/>
+        <p:txBody>
+          <a:bodyPr/>
+          <a:lstStyle/>
+          <a:p>
+            <a:r>
+              <a:rPr lang="en-US" dirty="0" smtClean="0"/>
               <a:t>System Block </a:t>
             </a:r>
             <a:r>
@@ -12134,7 +9882,7 @@
           <a:p>
             <a:fld id="{5C6BB475-B640-4DD3-A1AA-1CF10A44AA06}" type="slidenum">
               <a:rPr lang="en-US" smtClean="0"/>
-              <a:t>7</a:t>
+              <a:t>8</a:t>
             </a:fld>
             <a:endParaRPr lang="en-US"/>
           </a:p>
@@ -12198,223 +9946,6 @@
     <p:extLst>
       <p:ext uri="{BB962C8B-B14F-4D97-AF65-F5344CB8AC3E}">
         <p14:creationId xmlns:p14="http://schemas.microsoft.com/office/powerpoint/2010/main" val="3997829335"/>
-      </p:ext>
-    </p:extLst>
-  </p:cSld>
-  <p:clrMapOvr>
-    <a:masterClrMapping/>
-  </p:clrMapOvr>
-  <p:timing>
-    <p:tnLst>
-      <p:par>
-        <p:cTn id="1" dur="indefinite" restart="never" nodeType="tmRoot"/>
-      </p:par>
-    </p:tnLst>
-  </p:timing>
-</p:sld>
-</file>
-
-<file path=ppt/slides/slide8.xml><?xml version="1.0" encoding="utf-8"?>
-<p:sld xmlns:a="http://schemas.openxmlformats.org/drawingml/2006/main" xmlns:r="http://schemas.openxmlformats.org/officeDocument/2006/relationships" xmlns:p="http://schemas.openxmlformats.org/presentationml/2006/main">
-  <p:cSld>
-    <p:spTree>
-      <p:nvGrpSpPr>
-        <p:cNvPr id="1" name=""/>
-        <p:cNvGrpSpPr/>
-        <p:nvPr/>
-      </p:nvGrpSpPr>
-      <p:grpSpPr>
-        <a:xfrm>
-          <a:off x="0" y="0"/>
-          <a:ext cx="0" cy="0"/>
-          <a:chOff x="0" y="0"/>
-          <a:chExt cx="0" cy="0"/>
-        </a:xfrm>
-      </p:grpSpPr>
-      <p:sp>
-        <p:nvSpPr>
-          <p:cNvPr id="5" name="Title 4"/>
-          <p:cNvSpPr>
-            <a:spLocks noGrp="1"/>
-          </p:cNvSpPr>
-          <p:nvPr>
-            <p:ph type="title"/>
-          </p:nvPr>
-        </p:nvSpPr>
-        <p:spPr/>
-        <p:txBody>
-          <a:bodyPr>
-            <a:normAutofit fontScale="90000"/>
-          </a:bodyPr>
-          <a:lstStyle/>
-          <a:p>
-            <a:r>
-              <a:rPr lang="en-US" dirty="0"/>
-              <a:t>Chassis Design</a:t>
-            </a:r>
-          </a:p>
-        </p:txBody>
-      </p:sp>
-      <p:pic>
-        <p:nvPicPr>
-          <p:cNvPr id="10" name="Content Placeholder 9"/>
-          <p:cNvPicPr>
-            <a:picLocks noGrp="1" noChangeAspect="1"/>
-          </p:cNvPicPr>
-          <p:nvPr>
-            <p:ph sz="half" idx="1"/>
-          </p:nvPr>
-        </p:nvPicPr>
-        <p:blipFill rotWithShape="1">
-          <a:blip r:embed="rId2" cstate="print">
-            <a:extLst>
-              <a:ext uri="{28A0092B-C50C-407E-A947-70E740481C1C}">
-                <a14:useLocalDpi xmlns:a14="http://schemas.microsoft.com/office/drawing/2010/main" val="0"/>
-              </a:ext>
-            </a:extLst>
-          </a:blip>
-          <a:srcRect t="19571"/>
-          <a:stretch/>
-        </p:blipFill>
-        <p:spPr>
-          <a:xfrm>
-            <a:off x="1484311" y="1910075"/>
-            <a:ext cx="6072843" cy="3460124"/>
-          </a:xfrm>
-        </p:spPr>
-      </p:pic>
-      <p:pic>
-        <p:nvPicPr>
-          <p:cNvPr id="9" name="Content Placeholder 8"/>
-          <p:cNvPicPr>
-            <a:picLocks noGrp="1" noChangeAspect="1"/>
-          </p:cNvPicPr>
-          <p:nvPr>
-            <p:ph sz="half" idx="2"/>
-          </p:nvPr>
-        </p:nvPicPr>
-        <p:blipFill rotWithShape="1">
-          <a:blip r:embed="rId3">
-            <a:extLst>
-              <a:ext uri="{28A0092B-C50C-407E-A947-70E740481C1C}">
-                <a14:useLocalDpi xmlns:a14="http://schemas.microsoft.com/office/drawing/2010/main" val="0"/>
-              </a:ext>
-            </a:extLst>
-          </a:blip>
-          <a:srcRect r="12302"/>
-          <a:stretch/>
-        </p:blipFill>
-        <p:spPr>
-          <a:xfrm>
-            <a:off x="8154545" y="1489074"/>
-            <a:ext cx="2843364" cy="4302125"/>
-          </a:xfrm>
-        </p:spPr>
-      </p:pic>
-      <p:sp>
-        <p:nvSpPr>
-          <p:cNvPr id="4" name="Slide Number Placeholder 3"/>
-          <p:cNvSpPr>
-            <a:spLocks noGrp="1"/>
-          </p:cNvSpPr>
-          <p:nvPr>
-            <p:ph type="sldNum" sz="quarter" idx="12"/>
-          </p:nvPr>
-        </p:nvSpPr>
-        <p:spPr/>
-        <p:txBody>
-          <a:bodyPr/>
-          <a:lstStyle/>
-          <a:p>
-            <a:fld id="{5C6BB475-B640-4DD3-A1AA-1CF10A44AA06}" type="slidenum">
-              <a:rPr lang="en-US" smtClean="0"/>
-              <a:t>8</a:t>
-            </a:fld>
-            <a:endParaRPr lang="en-US"/>
-          </a:p>
-        </p:txBody>
-      </p:sp>
-      <p:sp>
-        <p:nvSpPr>
-          <p:cNvPr id="6" name="TextBox 5"/>
-          <p:cNvSpPr txBox="1"/>
-          <p:nvPr/>
-        </p:nvSpPr>
-        <p:spPr>
-          <a:xfrm>
-            <a:off x="2823793" y="5513942"/>
-            <a:ext cx="3393878" cy="369332"/>
-          </a:xfrm>
-          <a:prstGeom prst="rect">
-            <a:avLst/>
-          </a:prstGeom>
-          <a:noFill/>
-        </p:spPr>
-        <p:txBody>
-          <a:bodyPr wrap="none" rtlCol="0">
-            <a:spAutoFit/>
-          </a:bodyPr>
-          <a:lstStyle/>
-          <a:p>
-            <a:r>
-              <a:rPr lang="en-US" dirty="0" smtClean="0"/>
-              <a:t>Figure 4. </a:t>
-            </a:r>
-            <a:r>
-              <a:rPr lang="en-US" dirty="0"/>
-              <a:t>Proposed chassis design </a:t>
-            </a:r>
-          </a:p>
-        </p:txBody>
-      </p:sp>
-      <p:sp>
-        <p:nvSpPr>
-          <p:cNvPr id="7" name="TextBox 6"/>
-          <p:cNvSpPr txBox="1"/>
-          <p:nvPr/>
-        </p:nvSpPr>
-        <p:spPr>
-          <a:xfrm>
-            <a:off x="8337747" y="5883273"/>
-            <a:ext cx="2476960" cy="646331"/>
-          </a:xfrm>
-          <a:prstGeom prst="rect">
-            <a:avLst/>
-          </a:prstGeom>
-          <a:noFill/>
-        </p:spPr>
-        <p:txBody>
-          <a:bodyPr wrap="none" rtlCol="0">
-            <a:spAutoFit/>
-          </a:bodyPr>
-          <a:lstStyle/>
-          <a:p>
-            <a:r>
-              <a:rPr lang="en-US" dirty="0" smtClean="0"/>
-              <a:t>Figure 5. </a:t>
-            </a:r>
-            <a:r>
-              <a:rPr lang="en-US" dirty="0"/>
-              <a:t>Isometric view </a:t>
-            </a:r>
-            <a:endParaRPr lang="en-US" dirty="0" smtClean="0"/>
-          </a:p>
-          <a:p>
-            <a:r>
-              <a:rPr lang="en-US" dirty="0" smtClean="0"/>
-              <a:t>of </a:t>
-            </a:r>
-            <a:r>
-              <a:rPr lang="en-US" dirty="0"/>
-              <a:t>proposed chassis </a:t>
-            </a:r>
-          </a:p>
-        </p:txBody>
-      </p:sp>
-    </p:spTree>
-    <p:extLst>
-      <p:ext uri="{BB962C8B-B14F-4D97-AF65-F5344CB8AC3E}">
-        <p14:creationId xmlns:p14="http://schemas.microsoft.com/office/powerpoint/2010/main" val="341879816"/>
       </p:ext>
     </p:extLst>
   </p:cSld>
@@ -12531,12 +10062,16 @@
             <a:graphicFrameLocks/>
           </p:cNvGraphicFramePr>
           <p:nvPr>
-            <p:extLst/>
+            <p:extLst>
+              <p:ext uri="{D42A27DB-BD31-4B8C-83A1-F6EECF244321}">
+                <p14:modId xmlns:p14="http://schemas.microsoft.com/office/powerpoint/2010/main" val="2704818691"/>
+              </p:ext>
+            </p:extLst>
           </p:nvPr>
         </p:nvGraphicFramePr>
         <p:xfrm>
           <a:off x="1970468" y="2288539"/>
-          <a:ext cx="8991746" cy="3840480"/>
+          <a:ext cx="8991746" cy="3200400"/>
         </p:xfrm>
         <a:graphic>
           <a:graphicData uri="http://schemas.openxmlformats.org/drawingml/2006/table">
@@ -12588,41 +10123,6 @@
                     <a:p>
                       <a:r>
                         <a:rPr lang="en-US" dirty="0" smtClean="0"/>
-                        <a:t>Build Volume Size</a:t>
-                      </a:r>
-                      <a:endParaRPr lang="en-US" dirty="0"/>
-                    </a:p>
-                  </a:txBody>
-                  <a:tcPr anchor="ctr"/>
-                </a:tc>
-                <a:tc>
-                  <a:txBody>
-                    <a:bodyPr/>
-                    <a:lstStyle/>
-                    <a:p>
-                      <a:pPr algn="r"/>
-                      <a:r>
-                        <a:rPr lang="en-US" dirty="0" smtClean="0"/>
-                        <a:t>192</a:t>
-                      </a:r>
-                      <a:r>
-                        <a:rPr lang="en-US" baseline="0" dirty="0" smtClean="0"/>
-                        <a:t> mm x 216 mm x 216 mm</a:t>
-                      </a:r>
-                      <a:endParaRPr lang="en-US" dirty="0"/>
-                    </a:p>
-                  </a:txBody>
-                  <a:tcPr anchor="ctr"/>
-                </a:tc>
-              </a:tr>
-              <a:tr h="640080">
-                <a:tc>
-                  <a:txBody>
-                    <a:bodyPr/>
-                    <a:lstStyle/>
-                    <a:p>
-                      <a:r>
-                        <a:rPr lang="en-US" dirty="0" smtClean="0"/>
                         <a:t>X</a:t>
                       </a:r>
                       <a:r>
@@ -12658,11 +10158,7 @@
                     <a:p>
                       <a:r>
                         <a:rPr lang="en-US" dirty="0" smtClean="0"/>
-                        <a:t>Minimum</a:t>
-                      </a:r>
-                      <a:r>
-                        <a:rPr lang="en-US" baseline="0" dirty="0" smtClean="0"/>
-                        <a:t> Layer Height</a:t>
+                        <a:t>Z Axis Resolution</a:t>
                       </a:r>
                       <a:endParaRPr lang="en-US" dirty="0"/>
                     </a:p>
@@ -12692,12 +10188,8 @@
                         <a:defRPr/>
                       </a:pPr>
                       <a:r>
-                        <a:rPr lang="en-US" smtClean="0"/>
-                        <a:t>0.015 ± 0.002 </a:t>
-                      </a:r>
-                      <a:r>
                         <a:rPr lang="en-US" dirty="0" smtClean="0"/>
-                        <a:t>mm</a:t>
+                        <a:t>0.100 ± 0.005 mm</a:t>
                       </a:r>
                     </a:p>
                   </a:txBody>
@@ -12800,7 +10292,7 @@
     </p:spTree>
     <p:extLst>
       <p:ext uri="{BB962C8B-B14F-4D97-AF65-F5344CB8AC3E}">
-        <p14:creationId xmlns:p14="http://schemas.microsoft.com/office/powerpoint/2010/main" val="2866729988"/>
+        <p14:creationId xmlns:p14="http://schemas.microsoft.com/office/powerpoint/2010/main" val="245815682"/>
       </p:ext>
     </p:extLst>
   </p:cSld>

--- a/Presentations/DesignPres/DesignPres-75.pptx
+++ b/Presentations/DesignPres/DesignPres-75.pptx
@@ -5,32 +5,31 @@
     <p:sldMasterId id="2147483678" r:id="rId4"/>
   </p:sldMasterIdLst>
   <p:notesMasterIdLst>
-    <p:notesMasterId r:id="rId28"/>
+    <p:notesMasterId r:id="rId27"/>
   </p:notesMasterIdLst>
   <p:sldIdLst>
     <p:sldId id="256" r:id="rId5"/>
     <p:sldId id="261" r:id="rId6"/>
     <p:sldId id="272" r:id="rId7"/>
-    <p:sldId id="273" r:id="rId8"/>
-    <p:sldId id="269" r:id="rId9"/>
-    <p:sldId id="260" r:id="rId10"/>
-    <p:sldId id="279" r:id="rId11"/>
-    <p:sldId id="265" r:id="rId12"/>
-    <p:sldId id="274" r:id="rId13"/>
-    <p:sldId id="263" r:id="rId14"/>
-    <p:sldId id="281" r:id="rId15"/>
-    <p:sldId id="282" r:id="rId16"/>
-    <p:sldId id="283" r:id="rId17"/>
-    <p:sldId id="284" r:id="rId18"/>
-    <p:sldId id="285" r:id="rId19"/>
-    <p:sldId id="286" r:id="rId20"/>
-    <p:sldId id="287" r:id="rId21"/>
-    <p:sldId id="288" r:id="rId22"/>
-    <p:sldId id="276" r:id="rId23"/>
-    <p:sldId id="289" r:id="rId24"/>
-    <p:sldId id="278" r:id="rId25"/>
-    <p:sldId id="291" r:id="rId26"/>
-    <p:sldId id="270" r:id="rId27"/>
+    <p:sldId id="294" r:id="rId8"/>
+    <p:sldId id="292" r:id="rId9"/>
+    <p:sldId id="279" r:id="rId10"/>
+    <p:sldId id="265" r:id="rId11"/>
+    <p:sldId id="263" r:id="rId12"/>
+    <p:sldId id="293" r:id="rId13"/>
+    <p:sldId id="281" r:id="rId14"/>
+    <p:sldId id="282" r:id="rId15"/>
+    <p:sldId id="283" r:id="rId16"/>
+    <p:sldId id="284" r:id="rId17"/>
+    <p:sldId id="285" r:id="rId18"/>
+    <p:sldId id="296" r:id="rId19"/>
+    <p:sldId id="287" r:id="rId20"/>
+    <p:sldId id="288" r:id="rId21"/>
+    <p:sldId id="276" r:id="rId22"/>
+    <p:sldId id="289" r:id="rId23"/>
+    <p:sldId id="278" r:id="rId24"/>
+    <p:sldId id="295" r:id="rId25"/>
+    <p:sldId id="270" r:id="rId26"/>
   </p:sldIdLst>
   <p:sldSz cx="12192000" cy="6858000"/>
   <p:notesSz cx="6858000" cy="9144000"/>
@@ -135,6 +134,1403 @@
     </p:ext>
   </p:extLst>
 </p:presentation>
+</file>
+
+<file path=ppt/charts/chart1.xml><?xml version="1.0" encoding="utf-8"?>
+<c:chartSpace xmlns:c="http://schemas.openxmlformats.org/drawingml/2006/chart" xmlns:a="http://schemas.openxmlformats.org/drawingml/2006/main" xmlns:r="http://schemas.openxmlformats.org/officeDocument/2006/relationships">
+  <c:date1904 val="0"/>
+  <c:lang val="en-US"/>
+  <c:roundedCorners val="0"/>
+  <mc:AlternateContent xmlns:mc="http://schemas.openxmlformats.org/markup-compatibility/2006">
+    <mc:Choice xmlns:c14="http://schemas.microsoft.com/office/drawing/2007/8/2/chart" Requires="c14">
+      <c14:style val="102"/>
+    </mc:Choice>
+    <mc:Fallback>
+      <c:style val="2"/>
+    </mc:Fallback>
+  </mc:AlternateContent>
+  <c:chart>
+    <c:title>
+      <c:tx>
+        <c:rich>
+          <a:bodyPr rot="0" spcFirstLastPara="1" vertOverflow="ellipsis" vert="horz" wrap="square" anchor="ctr" anchorCtr="1"/>
+          <a:lstStyle/>
+          <a:p>
+            <a:pPr>
+              <a:defRPr sz="1600" b="0" i="0" u="none" strike="noStrike" kern="1200" spc="0" baseline="0">
+                <a:solidFill>
+                  <a:schemeClr val="tx1">
+                    <a:lumMod val="65000"/>
+                    <a:lumOff val="35000"/>
+                  </a:schemeClr>
+                </a:solidFill>
+                <a:latin typeface="+mn-lt"/>
+                <a:ea typeface="+mn-ea"/>
+                <a:cs typeface="+mn-cs"/>
+              </a:defRPr>
+            </a:pPr>
+            <a:r>
+              <a:rPr lang="en-US" sz="1600"/>
+              <a:t>System</a:t>
+            </a:r>
+            <a:r>
+              <a:rPr lang="en-US" sz="1600" baseline="0"/>
+              <a:t> Cost with Respect to Area and Volume</a:t>
+            </a:r>
+            <a:endParaRPr lang="en-US" sz="1600"/>
+          </a:p>
+        </c:rich>
+      </c:tx>
+      <c:overlay val="0"/>
+      <c:spPr>
+        <a:noFill/>
+        <a:ln>
+          <a:noFill/>
+        </a:ln>
+        <a:effectLst/>
+      </c:spPr>
+      <c:txPr>
+        <a:bodyPr rot="0" spcFirstLastPara="1" vertOverflow="ellipsis" vert="horz" wrap="square" anchor="ctr" anchorCtr="1"/>
+        <a:lstStyle/>
+        <a:p>
+          <a:pPr>
+            <a:defRPr sz="1600" b="0" i="0" u="none" strike="noStrike" kern="1200" spc="0" baseline="0">
+              <a:solidFill>
+                <a:schemeClr val="tx1">
+                  <a:lumMod val="65000"/>
+                  <a:lumOff val="35000"/>
+                </a:schemeClr>
+              </a:solidFill>
+              <a:latin typeface="+mn-lt"/>
+              <a:ea typeface="+mn-ea"/>
+              <a:cs typeface="+mn-cs"/>
+            </a:defRPr>
+          </a:pPr>
+          <a:endParaRPr lang="en-US"/>
+        </a:p>
+      </c:txPr>
+    </c:title>
+    <c:autoTitleDeleted val="0"/>
+    <c:plotArea>
+      <c:layout/>
+      <c:bubbleChart>
+        <c:varyColors val="0"/>
+        <c:ser>
+          <c:idx val="0"/>
+          <c:order val="0"/>
+          <c:tx>
+            <c:strRef>
+              <c:f>Sheet1!$B$2</c:f>
+              <c:strCache>
+                <c:ptCount val="1"/>
+                <c:pt idx="0">
+                  <c:v>FDM</c:v>
+                </c:pt>
+              </c:strCache>
+            </c:strRef>
+          </c:tx>
+          <c:spPr>
+            <a:noFill/>
+            <a:ln w="38100">
+              <a:solidFill>
+                <a:srgbClr val="00B0F0"/>
+              </a:solidFill>
+            </a:ln>
+            <a:effectLst/>
+          </c:spPr>
+          <c:invertIfNegative val="0"/>
+          <c:xVal>
+            <c:numRef>
+              <c:f>Sheet1!$G$2:$G$21</c:f>
+              <c:numCache>
+                <c:formatCode>#,##0</c:formatCode>
+                <c:ptCount val="20"/>
+                <c:pt idx="0">
+                  <c:v>10411.967999999997</c:v>
+                </c:pt>
+                <c:pt idx="1">
+                  <c:v>9812.8835999999974</c:v>
+                </c:pt>
+                <c:pt idx="2">
+                  <c:v>70553.949389535599</c:v>
+                </c:pt>
+                <c:pt idx="3">
+                  <c:v>19354.799999999996</c:v>
+                </c:pt>
+                <c:pt idx="4">
+                  <c:v>51103.123599999999</c:v>
+                </c:pt>
+                <c:pt idx="5">
+                  <c:v>19516.089999999997</c:v>
+                </c:pt>
+                <c:pt idx="6">
+                  <c:v>19516.089999999997</c:v>
+                </c:pt>
+                <c:pt idx="7">
+                  <c:v>14251.5844</c:v>
+                </c:pt>
+                <c:pt idx="8">
+                  <c:v>51612.799999999996</c:v>
+                </c:pt>
+                <c:pt idx="9">
+                  <c:v>38588.632499999992</c:v>
+                </c:pt>
+                <c:pt idx="10">
+                  <c:v>92903.039999999979</c:v>
+                </c:pt>
+                <c:pt idx="11">
+                  <c:v>81522.417599999986</c:v>
+                </c:pt>
+                <c:pt idx="12">
+                  <c:v>41290.239999999998</c:v>
+                </c:pt>
+                <c:pt idx="13">
+                  <c:v>41290.239999999998</c:v>
+                </c:pt>
+                <c:pt idx="14">
+                  <c:v>45774.101999999992</c:v>
+                </c:pt>
+                <c:pt idx="15">
+                  <c:v>41290.239999999998</c:v>
+                </c:pt>
+                <c:pt idx="16">
+                  <c:v>61249.877499999995</c:v>
+                </c:pt>
+                <c:pt idx="17">
+                  <c:v>61161.167999999991</c:v>
+                </c:pt>
+                <c:pt idx="18">
+                  <c:v>60967.619999999995</c:v>
+                </c:pt>
+                <c:pt idx="19">
+                  <c:v>59516.009999999987</c:v>
+                </c:pt>
+              </c:numCache>
+            </c:numRef>
+          </c:xVal>
+          <c:yVal>
+            <c:numRef>
+              <c:f>Sheet1!$C$2:$C$21</c:f>
+              <c:numCache>
+                <c:formatCode>_("$"* #,##0.00_);_("$"* \(#,##0.00\);_("$"* "-"??_);_(@_)</c:formatCode>
+                <c:ptCount val="20"/>
+                <c:pt idx="0">
+                  <c:v>2199</c:v>
+                </c:pt>
+                <c:pt idx="1">
+                  <c:v>399</c:v>
+                </c:pt>
+                <c:pt idx="2">
+                  <c:v>900</c:v>
+                </c:pt>
+                <c:pt idx="3">
+                  <c:v>799</c:v>
+                </c:pt>
+                <c:pt idx="4">
+                  <c:v>2565</c:v>
+                </c:pt>
+                <c:pt idx="5">
+                  <c:v>1649</c:v>
+                </c:pt>
+                <c:pt idx="6">
+                  <c:v>1299</c:v>
+                </c:pt>
+                <c:pt idx="7">
+                  <c:v>899</c:v>
+                </c:pt>
+                <c:pt idx="8">
+                  <c:v>1949</c:v>
+                </c:pt>
+                <c:pt idx="9">
+                  <c:v>1549</c:v>
+                </c:pt>
+                <c:pt idx="10">
+                  <c:v>2295</c:v>
+                </c:pt>
+                <c:pt idx="11">
+                  <c:v>2195</c:v>
+                </c:pt>
+                <c:pt idx="12">
+                  <c:v>1299</c:v>
+                </c:pt>
+                <c:pt idx="13">
+                  <c:v>999</c:v>
+                </c:pt>
+                <c:pt idx="14">
+                  <c:v>1688</c:v>
+                </c:pt>
+                <c:pt idx="15">
+                  <c:v>799</c:v>
+                </c:pt>
+                <c:pt idx="16">
+                  <c:v>2195</c:v>
+                </c:pt>
+                <c:pt idx="17">
+                  <c:v>2399</c:v>
+                </c:pt>
+                <c:pt idx="18">
+                  <c:v>2500</c:v>
+                </c:pt>
+                <c:pt idx="19">
+                  <c:v>1399</c:v>
+                </c:pt>
+              </c:numCache>
+            </c:numRef>
+          </c:yVal>
+          <c:bubbleSize>
+            <c:numRef>
+              <c:f>Sheet1!$H$2:$H$21</c:f>
+              <c:numCache>
+                <c:formatCode>#,##0</c:formatCode>
+                <c:ptCount val="20"/>
+                <c:pt idx="0">
+                  <c:v>1613230.3219199993</c:v>
+                </c:pt>
+                <c:pt idx="1">
+                  <c:v>972064.24941599963</c:v>
+                </c:pt>
+                <c:pt idx="2">
+                  <c:v>12544492.201459428</c:v>
+                </c:pt>
+                <c:pt idx="3">
+                  <c:v>2458059.5999999996</c:v>
+                </c:pt>
+                <c:pt idx="4">
+                  <c:v>10513956.649463998</c:v>
+                </c:pt>
+                <c:pt idx="5">
+                  <c:v>2602470.6014999994</c:v>
+                </c:pt>
+                <c:pt idx="6">
+                  <c:v>2726397.7729999991</c:v>
+                </c:pt>
+                <c:pt idx="7">
+                  <c:v>1701354.145672</c:v>
+                </c:pt>
+                <c:pt idx="8">
+                  <c:v>12126427.359999998</c:v>
+                </c:pt>
+                <c:pt idx="9">
+                  <c:v>8821361.3894999977</c:v>
+                </c:pt>
+                <c:pt idx="10">
+                  <c:v>28316846.591999989</c:v>
+                </c:pt>
+                <c:pt idx="11">
+                  <c:v>20292560.188991997</c:v>
+                </c:pt>
+                <c:pt idx="12">
+                  <c:v>8390176.7679999992</c:v>
+                </c:pt>
+                <c:pt idx="13">
+                  <c:v>8390176.7679999992</c:v>
+                </c:pt>
+                <c:pt idx="14">
+                  <c:v>8022369.1165199978</c:v>
+                </c:pt>
+                <c:pt idx="15">
+                  <c:v>8390176.7679999992</c:v>
+                </c:pt>
+                <c:pt idx="16">
+                  <c:v>13612785.274374999</c:v>
+                </c:pt>
+                <c:pt idx="17">
+                  <c:v>10874455.670399997</c:v>
+                </c:pt>
+                <c:pt idx="18">
+                  <c:v>12078904.874399997</c:v>
+                </c:pt>
+                <c:pt idx="19">
+                  <c:v>11715726.568499997</c:v>
+                </c:pt>
+              </c:numCache>
+            </c:numRef>
+          </c:bubbleSize>
+          <c:bubble3D val="0"/>
+        </c:ser>
+        <c:ser>
+          <c:idx val="1"/>
+          <c:order val="1"/>
+          <c:tx>
+            <c:strRef>
+              <c:f>Sheet1!$B$22</c:f>
+              <c:strCache>
+                <c:ptCount val="1"/>
+                <c:pt idx="0">
+                  <c:v>PAM</c:v>
+                </c:pt>
+              </c:strCache>
+            </c:strRef>
+          </c:tx>
+          <c:spPr>
+            <a:noFill/>
+            <a:ln w="38100">
+              <a:solidFill>
+                <a:srgbClr val="00B050"/>
+              </a:solidFill>
+            </a:ln>
+            <a:effectLst/>
+          </c:spPr>
+          <c:invertIfNegative val="0"/>
+          <c:xVal>
+            <c:numRef>
+              <c:f>(Sheet1!$G$22,Sheet1!$G$24,Sheet1!$G$25,Sheet1!$G$26,Sheet1!$G$27)</c:f>
+              <c:numCache>
+                <c:formatCode>#,##0</c:formatCode>
+                <c:ptCount val="5"/>
+                <c:pt idx="0">
+                  <c:v>7741.9199999999983</c:v>
+                </c:pt>
+                <c:pt idx="1">
+                  <c:v>15490.291600000002</c:v>
+                </c:pt>
+                <c:pt idx="2">
+                  <c:v>1161</c:v>
+                </c:pt>
+                <c:pt idx="3">
+                  <c:v>2880</c:v>
+                </c:pt>
+                <c:pt idx="4">
+                  <c:v>4554</c:v>
+                </c:pt>
+              </c:numCache>
+            </c:numRef>
+          </c:xVal>
+          <c:yVal>
+            <c:numRef>
+              <c:f>(Sheet1!$C$22,Sheet1!$C$24,Sheet1!$C$25,Sheet1!$C$26,Sheet1!$C$27)</c:f>
+              <c:numCache>
+                <c:formatCode>_("$"* #,##0.00_);_("$"* \(#,##0.00\);_("$"* "-"??_);_(@_)</c:formatCode>
+                <c:ptCount val="5"/>
+                <c:pt idx="0">
+                  <c:v>3375</c:v>
+                </c:pt>
+                <c:pt idx="1">
+                  <c:v>3299</c:v>
+                </c:pt>
+                <c:pt idx="2">
+                  <c:v>1999</c:v>
+                </c:pt>
+                <c:pt idx="3">
+                  <c:v>499</c:v>
+                </c:pt>
+                <c:pt idx="4">
+                  <c:v>399</c:v>
+                </c:pt>
+              </c:numCache>
+            </c:numRef>
+          </c:yVal>
+          <c:bubbleSize>
+            <c:numRef>
+              <c:f>(Sheet1!$H$22,Sheet1!$H$24,Sheet1!$H$25,Sheet1!$H$26,Sheet1!$H$27)</c:f>
+              <c:numCache>
+                <c:formatCode>#,##0</c:formatCode>
+                <c:ptCount val="5"/>
+                <c:pt idx="0">
+                  <c:v>1597738.7399999995</c:v>
+                </c:pt>
+                <c:pt idx="1">
+                  <c:v>2557447.1431600004</c:v>
+                </c:pt>
+                <c:pt idx="2">
+                  <c:v>208980</c:v>
+                </c:pt>
+                <c:pt idx="3">
+                  <c:v>288000</c:v>
+                </c:pt>
+                <c:pt idx="4">
+                  <c:v>694160</c:v>
+                </c:pt>
+              </c:numCache>
+            </c:numRef>
+          </c:bubbleSize>
+          <c:bubble3D val="0"/>
+        </c:ser>
+        <c:ser>
+          <c:idx val="2"/>
+          <c:order val="2"/>
+          <c:tx>
+            <c:strRef>
+              <c:f>Sheet1!$A$23</c:f>
+              <c:strCache>
+                <c:ptCount val="1"/>
+                <c:pt idx="0">
+                  <c:v>Project PAM</c:v>
+                </c:pt>
+              </c:strCache>
+            </c:strRef>
+          </c:tx>
+          <c:spPr>
+            <a:solidFill>
+              <a:schemeClr val="accent4"/>
+            </a:solidFill>
+            <a:ln w="25400">
+              <a:solidFill>
+                <a:schemeClr val="accent4"/>
+              </a:solidFill>
+            </a:ln>
+            <a:effectLst/>
+          </c:spPr>
+          <c:invertIfNegative val="0"/>
+          <c:xVal>
+            <c:numRef>
+              <c:f>Sheet1!$G$23</c:f>
+              <c:numCache>
+                <c:formatCode>#,##0</c:formatCode>
+                <c:ptCount val="1"/>
+                <c:pt idx="0">
+                  <c:v>41472</c:v>
+                </c:pt>
+              </c:numCache>
+            </c:numRef>
+          </c:xVal>
+          <c:yVal>
+            <c:numRef>
+              <c:f>Sheet1!$C$23</c:f>
+              <c:numCache>
+                <c:formatCode>_("$"* #,##0.00_);_("$"* \(#,##0.00\);_("$"* "-"??_);_(@_)</c:formatCode>
+                <c:ptCount val="1"/>
+                <c:pt idx="0">
+                  <c:v>1000</c:v>
+                </c:pt>
+              </c:numCache>
+            </c:numRef>
+          </c:yVal>
+          <c:bubbleSize>
+            <c:numRef>
+              <c:f>Sheet1!$H$23</c:f>
+              <c:numCache>
+                <c:formatCode>#,##0</c:formatCode>
+                <c:ptCount val="1"/>
+                <c:pt idx="0">
+                  <c:v>8957952</c:v>
+                </c:pt>
+              </c:numCache>
+            </c:numRef>
+          </c:bubbleSize>
+          <c:bubble3D val="0"/>
+        </c:ser>
+        <c:dLbls>
+          <c:showLegendKey val="0"/>
+          <c:showVal val="0"/>
+          <c:showCatName val="0"/>
+          <c:showSerName val="0"/>
+          <c:showPercent val="0"/>
+          <c:showBubbleSize val="0"/>
+        </c:dLbls>
+        <c:bubbleScale val="100"/>
+        <c:showNegBubbles val="0"/>
+        <c:axId val="-233978224"/>
+        <c:axId val="-234118352"/>
+      </c:bubbleChart>
+      <c:valAx>
+        <c:axId val="-233978224"/>
+        <c:scaling>
+          <c:orientation val="minMax"/>
+          <c:min val="0"/>
+        </c:scaling>
+        <c:delete val="0"/>
+        <c:axPos val="b"/>
+        <c:majorGridlines>
+          <c:spPr>
+            <a:ln w="9525" cap="flat" cmpd="sng" algn="ctr">
+              <a:solidFill>
+                <a:schemeClr val="tx1">
+                  <a:lumMod val="15000"/>
+                  <a:lumOff val="85000"/>
+                </a:schemeClr>
+              </a:solidFill>
+              <a:round/>
+            </a:ln>
+            <a:effectLst/>
+          </c:spPr>
+        </c:majorGridlines>
+        <c:title>
+          <c:tx>
+            <c:rich>
+              <a:bodyPr rot="0" spcFirstLastPara="1" vertOverflow="ellipsis" vert="horz" wrap="square" anchor="ctr" anchorCtr="1"/>
+              <a:lstStyle/>
+              <a:p>
+                <a:pPr>
+                  <a:defRPr sz="1600" b="0" i="0" u="none" strike="noStrike" kern="1200" baseline="0">
+                    <a:solidFill>
+                      <a:schemeClr val="tx1">
+                        <a:lumMod val="65000"/>
+                        <a:lumOff val="35000"/>
+                      </a:schemeClr>
+                    </a:solidFill>
+                    <a:latin typeface="+mn-lt"/>
+                    <a:ea typeface="+mn-ea"/>
+                    <a:cs typeface="+mn-cs"/>
+                  </a:defRPr>
+                </a:pPr>
+                <a:r>
+                  <a:rPr lang="en-US" sz="1600"/>
+                  <a:t>Build Area (mm</a:t>
+                </a:r>
+                <a:r>
+                  <a:rPr lang="en-US" sz="1600" baseline="30000"/>
+                  <a:t>2</a:t>
+                </a:r>
+                <a:r>
+                  <a:rPr lang="en-US" sz="1600"/>
+                  <a:t>)</a:t>
+                </a:r>
+              </a:p>
+            </c:rich>
+          </c:tx>
+          <c:overlay val="0"/>
+          <c:spPr>
+            <a:noFill/>
+            <a:ln>
+              <a:noFill/>
+            </a:ln>
+            <a:effectLst/>
+          </c:spPr>
+          <c:txPr>
+            <a:bodyPr rot="0" spcFirstLastPara="1" vertOverflow="ellipsis" vert="horz" wrap="square" anchor="ctr" anchorCtr="1"/>
+            <a:lstStyle/>
+            <a:p>
+              <a:pPr>
+                <a:defRPr sz="1600" b="0" i="0" u="none" strike="noStrike" kern="1200" baseline="0">
+                  <a:solidFill>
+                    <a:schemeClr val="tx1">
+                      <a:lumMod val="65000"/>
+                      <a:lumOff val="35000"/>
+                    </a:schemeClr>
+                  </a:solidFill>
+                  <a:latin typeface="+mn-lt"/>
+                  <a:ea typeface="+mn-ea"/>
+                  <a:cs typeface="+mn-cs"/>
+                </a:defRPr>
+              </a:pPr>
+              <a:endParaRPr lang="en-US"/>
+            </a:p>
+          </c:txPr>
+        </c:title>
+        <c:numFmt formatCode="#,##0" sourceLinked="1"/>
+        <c:majorTickMark val="none"/>
+        <c:minorTickMark val="none"/>
+        <c:tickLblPos val="nextTo"/>
+        <c:spPr>
+          <a:noFill/>
+          <a:ln>
+            <a:solidFill>
+              <a:schemeClr val="bg1">
+                <a:lumMod val="65000"/>
+              </a:schemeClr>
+            </a:solidFill>
+          </a:ln>
+          <a:effectLst/>
+        </c:spPr>
+        <c:txPr>
+          <a:bodyPr rot="-60000000" spcFirstLastPara="1" vertOverflow="ellipsis" vert="horz" wrap="square" anchor="ctr" anchorCtr="1"/>
+          <a:lstStyle/>
+          <a:p>
+            <a:pPr>
+              <a:defRPr sz="1600" b="0" i="0" u="none" strike="noStrike" kern="1200" baseline="0">
+                <a:solidFill>
+                  <a:schemeClr val="tx1">
+                    <a:lumMod val="65000"/>
+                    <a:lumOff val="35000"/>
+                  </a:schemeClr>
+                </a:solidFill>
+                <a:latin typeface="+mn-lt"/>
+                <a:ea typeface="+mn-ea"/>
+                <a:cs typeface="+mn-cs"/>
+              </a:defRPr>
+            </a:pPr>
+            <a:endParaRPr lang="en-US"/>
+          </a:p>
+        </c:txPr>
+        <c:crossAx val="-234118352"/>
+        <c:crosses val="autoZero"/>
+        <c:crossBetween val="midCat"/>
+      </c:valAx>
+      <c:valAx>
+        <c:axId val="-234118352"/>
+        <c:scaling>
+          <c:orientation val="minMax"/>
+          <c:max val="3500"/>
+          <c:min val="0"/>
+        </c:scaling>
+        <c:delete val="0"/>
+        <c:axPos val="l"/>
+        <c:majorGridlines>
+          <c:spPr>
+            <a:ln w="9525" cap="flat" cmpd="sng" algn="ctr">
+              <a:solidFill>
+                <a:schemeClr val="tx1">
+                  <a:lumMod val="15000"/>
+                  <a:lumOff val="85000"/>
+                </a:schemeClr>
+              </a:solidFill>
+              <a:round/>
+            </a:ln>
+            <a:effectLst/>
+          </c:spPr>
+        </c:majorGridlines>
+        <c:title>
+          <c:tx>
+            <c:rich>
+              <a:bodyPr rot="-5400000" spcFirstLastPara="1" vertOverflow="ellipsis" vert="horz" wrap="square" anchor="ctr" anchorCtr="1"/>
+              <a:lstStyle/>
+              <a:p>
+                <a:pPr>
+                  <a:defRPr sz="1600" b="0" i="0" u="none" strike="noStrike" kern="1200" baseline="0">
+                    <a:solidFill>
+                      <a:schemeClr val="tx1">
+                        <a:lumMod val="65000"/>
+                        <a:lumOff val="35000"/>
+                      </a:schemeClr>
+                    </a:solidFill>
+                    <a:latin typeface="+mn-lt"/>
+                    <a:ea typeface="+mn-ea"/>
+                    <a:cs typeface="+mn-cs"/>
+                  </a:defRPr>
+                </a:pPr>
+                <a:r>
+                  <a:rPr lang="en-US" sz="1600"/>
+                  <a:t>Cost</a:t>
+                </a:r>
+                <a:r>
+                  <a:rPr lang="en-US" sz="1600" baseline="0"/>
+                  <a:t> ($)</a:t>
+                </a:r>
+                <a:endParaRPr lang="en-US" sz="1600"/>
+              </a:p>
+            </c:rich>
+          </c:tx>
+          <c:overlay val="0"/>
+          <c:spPr>
+            <a:noFill/>
+            <a:ln>
+              <a:noFill/>
+            </a:ln>
+            <a:effectLst/>
+          </c:spPr>
+          <c:txPr>
+            <a:bodyPr rot="-5400000" spcFirstLastPara="1" vertOverflow="ellipsis" vert="horz" wrap="square" anchor="ctr" anchorCtr="1"/>
+            <a:lstStyle/>
+            <a:p>
+              <a:pPr>
+                <a:defRPr sz="1600" b="0" i="0" u="none" strike="noStrike" kern="1200" baseline="0">
+                  <a:solidFill>
+                    <a:schemeClr val="tx1">
+                      <a:lumMod val="65000"/>
+                      <a:lumOff val="35000"/>
+                    </a:schemeClr>
+                  </a:solidFill>
+                  <a:latin typeface="+mn-lt"/>
+                  <a:ea typeface="+mn-ea"/>
+                  <a:cs typeface="+mn-cs"/>
+                </a:defRPr>
+              </a:pPr>
+              <a:endParaRPr lang="en-US"/>
+            </a:p>
+          </c:txPr>
+        </c:title>
+        <c:numFmt formatCode="_(&quot;$&quot;* #,##0_);_(&quot;$&quot;* \(#,##0\);_(&quot;$&quot;* &quot;-&quot;_);_(@_)" sourceLinked="0"/>
+        <c:majorTickMark val="none"/>
+        <c:minorTickMark val="none"/>
+        <c:tickLblPos val="nextTo"/>
+        <c:spPr>
+          <a:noFill/>
+          <a:ln>
+            <a:solidFill>
+              <a:schemeClr val="bg1">
+                <a:lumMod val="65000"/>
+              </a:schemeClr>
+            </a:solidFill>
+          </a:ln>
+          <a:effectLst/>
+        </c:spPr>
+        <c:txPr>
+          <a:bodyPr rot="-60000000" spcFirstLastPara="1" vertOverflow="ellipsis" vert="horz" wrap="square" anchor="ctr" anchorCtr="1"/>
+          <a:lstStyle/>
+          <a:p>
+            <a:pPr>
+              <a:defRPr sz="1600" b="0" i="0" u="none" strike="noStrike" kern="1200" baseline="0">
+                <a:solidFill>
+                  <a:schemeClr val="tx1">
+                    <a:lumMod val="65000"/>
+                    <a:lumOff val="35000"/>
+                  </a:schemeClr>
+                </a:solidFill>
+                <a:latin typeface="+mn-lt"/>
+                <a:ea typeface="+mn-ea"/>
+                <a:cs typeface="+mn-cs"/>
+              </a:defRPr>
+            </a:pPr>
+            <a:endParaRPr lang="en-US"/>
+          </a:p>
+        </c:txPr>
+        <c:crossAx val="-233978224"/>
+        <c:crosses val="autoZero"/>
+        <c:crossBetween val="midCat"/>
+      </c:valAx>
+      <c:spPr>
+        <a:noFill/>
+        <a:ln>
+          <a:noFill/>
+        </a:ln>
+        <a:effectLst/>
+      </c:spPr>
+    </c:plotArea>
+    <c:legend>
+      <c:legendPos val="r"/>
+      <c:layout>
+        <c:manualLayout>
+          <c:xMode val="edge"/>
+          <c:yMode val="edge"/>
+          <c:x val="0.80156184031668198"/>
+          <c:y val="0.10487643491113739"/>
+          <c:w val="0.19843815968331802"/>
+          <c:h val="0.15200665107292949"/>
+        </c:manualLayout>
+      </c:layout>
+      <c:overlay val="1"/>
+      <c:spPr>
+        <a:noFill/>
+        <a:ln>
+          <a:noFill/>
+        </a:ln>
+        <a:effectLst/>
+      </c:spPr>
+      <c:txPr>
+        <a:bodyPr rot="0" spcFirstLastPara="1" vertOverflow="ellipsis" vert="horz" wrap="square" anchor="ctr" anchorCtr="1"/>
+        <a:lstStyle/>
+        <a:p>
+          <a:pPr>
+            <a:defRPr sz="1600" b="0" i="0" u="none" strike="noStrike" kern="1200" baseline="0">
+              <a:solidFill>
+                <a:schemeClr val="tx1">
+                  <a:lumMod val="65000"/>
+                  <a:lumOff val="35000"/>
+                </a:schemeClr>
+              </a:solidFill>
+              <a:latin typeface="+mn-lt"/>
+              <a:ea typeface="+mn-ea"/>
+              <a:cs typeface="+mn-cs"/>
+            </a:defRPr>
+          </a:pPr>
+          <a:endParaRPr lang="en-US"/>
+        </a:p>
+      </c:txPr>
+    </c:legend>
+    <c:plotVisOnly val="1"/>
+    <c:dispBlanksAs val="gap"/>
+    <c:showDLblsOverMax val="0"/>
+  </c:chart>
+  <c:spPr>
+    <a:noFill/>
+    <a:ln>
+      <a:noFill/>
+    </a:ln>
+    <a:effectLst/>
+  </c:spPr>
+  <c:txPr>
+    <a:bodyPr/>
+    <a:lstStyle/>
+    <a:p>
+      <a:pPr>
+        <a:defRPr/>
+      </a:pPr>
+      <a:endParaRPr lang="en-US"/>
+    </a:p>
+  </c:txPr>
+  <c:externalData r:id="rId3">
+    <c:autoUpdate val="0"/>
+  </c:externalData>
+  <c:userShapes r:id="rId4"/>
+</c:chartSpace>
+</file>
+
+<file path=ppt/charts/colors1.xml><?xml version="1.0" encoding="utf-8"?>
+<cs:colorStyle xmlns:cs="http://schemas.microsoft.com/office/drawing/2012/chartStyle" xmlns:a="http://schemas.openxmlformats.org/drawingml/2006/main" meth="cycle" id="10">
+  <a:schemeClr val="accent1"/>
+  <a:schemeClr val="accent2"/>
+  <a:schemeClr val="accent3"/>
+  <a:schemeClr val="accent4"/>
+  <a:schemeClr val="accent5"/>
+  <a:schemeClr val="accent6"/>
+  <cs:variation/>
+  <cs:variation>
+    <a:lumMod val="60000"/>
+  </cs:variation>
+  <cs:variation>
+    <a:lumMod val="80000"/>
+    <a:lumOff val="20000"/>
+  </cs:variation>
+  <cs:variation>
+    <a:lumMod val="80000"/>
+  </cs:variation>
+  <cs:variation>
+    <a:lumMod val="60000"/>
+    <a:lumOff val="40000"/>
+  </cs:variation>
+  <cs:variation>
+    <a:lumMod val="50000"/>
+  </cs:variation>
+  <cs:variation>
+    <a:lumMod val="70000"/>
+    <a:lumOff val="30000"/>
+  </cs:variation>
+  <cs:variation>
+    <a:lumMod val="70000"/>
+  </cs:variation>
+  <cs:variation>
+    <a:lumMod val="50000"/>
+    <a:lumOff val="50000"/>
+  </cs:variation>
+</cs:colorStyle>
+</file>
+
+<file path=ppt/charts/style1.xml><?xml version="1.0" encoding="utf-8"?>
+<cs:chartStyle xmlns:cs="http://schemas.microsoft.com/office/drawing/2012/chartStyle" xmlns:a="http://schemas.openxmlformats.org/drawingml/2006/main" id="201">
+  <cs:axisTitle>
+    <cs:lnRef idx="0"/>
+    <cs:fillRef idx="0"/>
+    <cs:effectRef idx="0"/>
+    <cs:fontRef idx="minor">
+      <a:schemeClr val="tx1">
+        <a:lumMod val="65000"/>
+        <a:lumOff val="35000"/>
+      </a:schemeClr>
+    </cs:fontRef>
+    <cs:defRPr sz="1000" kern="1200"/>
+  </cs:axisTitle>
+  <cs:categoryAxis>
+    <cs:lnRef idx="0"/>
+    <cs:fillRef idx="0"/>
+    <cs:effectRef idx="0"/>
+    <cs:fontRef idx="minor">
+      <a:schemeClr val="tx1">
+        <a:lumMod val="65000"/>
+        <a:lumOff val="35000"/>
+      </a:schemeClr>
+    </cs:fontRef>
+    <cs:spPr>
+      <a:ln w="9525" cap="flat" cmpd="sng" algn="ctr">
+        <a:solidFill>
+          <a:schemeClr val="tx1">
+            <a:lumMod val="15000"/>
+            <a:lumOff val="85000"/>
+          </a:schemeClr>
+        </a:solidFill>
+        <a:round/>
+      </a:ln>
+    </cs:spPr>
+    <cs:defRPr sz="900" kern="1200"/>
+  </cs:categoryAxis>
+  <cs:chartArea mods="allowNoFillOverride allowNoLineOverride">
+    <cs:lnRef idx="0"/>
+    <cs:fillRef idx="0"/>
+    <cs:effectRef idx="0"/>
+    <cs:fontRef idx="minor">
+      <a:schemeClr val="tx1"/>
+    </cs:fontRef>
+    <cs:spPr>
+      <a:solidFill>
+        <a:schemeClr val="bg1"/>
+      </a:solidFill>
+      <a:ln w="9525" cap="flat" cmpd="sng" algn="ctr">
+        <a:solidFill>
+          <a:schemeClr val="tx1">
+            <a:lumMod val="15000"/>
+            <a:lumOff val="85000"/>
+          </a:schemeClr>
+        </a:solidFill>
+        <a:round/>
+      </a:ln>
+    </cs:spPr>
+    <cs:defRPr sz="1000" kern="1200"/>
+  </cs:chartArea>
+  <cs:dataLabel>
+    <cs:lnRef idx="0"/>
+    <cs:fillRef idx="0"/>
+    <cs:effectRef idx="0"/>
+    <cs:fontRef idx="minor">
+      <a:schemeClr val="tx1">
+        <a:lumMod val="75000"/>
+        <a:lumOff val="25000"/>
+      </a:schemeClr>
+    </cs:fontRef>
+    <cs:defRPr sz="900" kern="1200"/>
+  </cs:dataLabel>
+  <cs:dataLabelCallout>
+    <cs:lnRef idx="0"/>
+    <cs:fillRef idx="0"/>
+    <cs:effectRef idx="0"/>
+    <cs:fontRef idx="minor">
+      <a:schemeClr val="dk1">
+        <a:lumMod val="65000"/>
+        <a:lumOff val="35000"/>
+      </a:schemeClr>
+    </cs:fontRef>
+    <cs:spPr>
+      <a:solidFill>
+        <a:schemeClr val="lt1"/>
+      </a:solidFill>
+      <a:ln>
+        <a:solidFill>
+          <a:schemeClr val="dk1">
+            <a:lumMod val="25000"/>
+            <a:lumOff val="75000"/>
+          </a:schemeClr>
+        </a:solidFill>
+      </a:ln>
+    </cs:spPr>
+    <cs:defRPr sz="900" kern="1200"/>
+    <cs:bodyPr rot="0" spcFirstLastPara="1" vertOverflow="clip" horzOverflow="clip" vert="horz" wrap="square" lIns="36576" tIns="18288" rIns="36576" bIns="18288" anchor="ctr" anchorCtr="1">
+      <a:spAutoFit/>
+    </cs:bodyPr>
+  </cs:dataLabelCallout>
+  <cs:dataPoint>
+    <cs:lnRef idx="0"/>
+    <cs:fillRef idx="1">
+      <cs:styleClr val="auto"/>
+    </cs:fillRef>
+    <cs:effectRef idx="0"/>
+    <cs:fontRef idx="minor">
+      <a:schemeClr val="tx1"/>
+    </cs:fontRef>
+  </cs:dataPoint>
+  <cs:dataPoint3D>
+    <cs:lnRef idx="0"/>
+    <cs:fillRef idx="1">
+      <cs:styleClr val="auto"/>
+    </cs:fillRef>
+    <cs:effectRef idx="0"/>
+    <cs:fontRef idx="minor">
+      <a:schemeClr val="tx1"/>
+    </cs:fontRef>
+  </cs:dataPoint3D>
+  <cs:dataPointLine>
+    <cs:lnRef idx="0">
+      <cs:styleClr val="auto"/>
+    </cs:lnRef>
+    <cs:fillRef idx="1"/>
+    <cs:effectRef idx="0"/>
+    <cs:fontRef idx="minor">
+      <a:schemeClr val="tx1"/>
+    </cs:fontRef>
+    <cs:spPr>
+      <a:ln w="28575" cap="rnd">
+        <a:solidFill>
+          <a:schemeClr val="phClr"/>
+        </a:solidFill>
+        <a:round/>
+      </a:ln>
+    </cs:spPr>
+  </cs:dataPointLine>
+  <cs:dataPointMarker>
+    <cs:lnRef idx="0">
+      <cs:styleClr val="auto"/>
+    </cs:lnRef>
+    <cs:fillRef idx="1">
+      <cs:styleClr val="auto"/>
+    </cs:fillRef>
+    <cs:effectRef idx="0"/>
+    <cs:fontRef idx="minor">
+      <a:schemeClr val="tx1"/>
+    </cs:fontRef>
+    <cs:spPr>
+      <a:ln w="9525">
+        <a:solidFill>
+          <a:schemeClr val="phClr"/>
+        </a:solidFill>
+      </a:ln>
+    </cs:spPr>
+  </cs:dataPointMarker>
+  <cs:dataPointMarkerLayout symbol="circle" size="5"/>
+  <cs:dataPointWireframe>
+    <cs:lnRef idx="0">
+      <cs:styleClr val="auto"/>
+    </cs:lnRef>
+    <cs:fillRef idx="1"/>
+    <cs:effectRef idx="0"/>
+    <cs:fontRef idx="minor">
+      <a:schemeClr val="tx1"/>
+    </cs:fontRef>
+    <cs:spPr>
+      <a:ln w="9525" cap="rnd">
+        <a:solidFill>
+          <a:schemeClr val="phClr"/>
+        </a:solidFill>
+        <a:round/>
+      </a:ln>
+    </cs:spPr>
+  </cs:dataPointWireframe>
+  <cs:dataTable>
+    <cs:lnRef idx="0"/>
+    <cs:fillRef idx="0"/>
+    <cs:effectRef idx="0"/>
+    <cs:fontRef idx="minor">
+      <a:schemeClr val="tx1">
+        <a:lumMod val="65000"/>
+        <a:lumOff val="35000"/>
+      </a:schemeClr>
+    </cs:fontRef>
+    <cs:spPr>
+      <a:noFill/>
+      <a:ln w="9525" cap="flat" cmpd="sng" algn="ctr">
+        <a:solidFill>
+          <a:schemeClr val="tx1">
+            <a:lumMod val="15000"/>
+            <a:lumOff val="85000"/>
+          </a:schemeClr>
+        </a:solidFill>
+        <a:round/>
+      </a:ln>
+    </cs:spPr>
+    <cs:defRPr sz="900" kern="1200"/>
+  </cs:dataTable>
+  <cs:downBar>
+    <cs:lnRef idx="0"/>
+    <cs:fillRef idx="0"/>
+    <cs:effectRef idx="0"/>
+    <cs:fontRef idx="minor">
+      <a:schemeClr val="dk1"/>
+    </cs:fontRef>
+    <cs:spPr>
+      <a:solidFill>
+        <a:schemeClr val="dk1">
+          <a:lumMod val="65000"/>
+          <a:lumOff val="35000"/>
+        </a:schemeClr>
+      </a:solidFill>
+      <a:ln w="9525">
+        <a:solidFill>
+          <a:schemeClr val="tx1">
+            <a:lumMod val="65000"/>
+            <a:lumOff val="35000"/>
+          </a:schemeClr>
+        </a:solidFill>
+      </a:ln>
+    </cs:spPr>
+  </cs:downBar>
+  <cs:dropLine>
+    <cs:lnRef idx="0"/>
+    <cs:fillRef idx="0"/>
+    <cs:effectRef idx="0"/>
+    <cs:fontRef idx="minor">
+      <a:schemeClr val="tx1"/>
+    </cs:fontRef>
+    <cs:spPr>
+      <a:ln w="9525" cap="flat" cmpd="sng" algn="ctr">
+        <a:solidFill>
+          <a:schemeClr val="tx1">
+            <a:lumMod val="35000"/>
+            <a:lumOff val="65000"/>
+          </a:schemeClr>
+        </a:solidFill>
+        <a:round/>
+      </a:ln>
+    </cs:spPr>
+  </cs:dropLine>
+  <cs:errorBar>
+    <cs:lnRef idx="0"/>
+    <cs:fillRef idx="0"/>
+    <cs:effectRef idx="0"/>
+    <cs:fontRef idx="minor">
+      <a:schemeClr val="tx1"/>
+    </cs:fontRef>
+    <cs:spPr>
+      <a:ln w="9525" cap="flat" cmpd="sng" algn="ctr">
+        <a:solidFill>
+          <a:schemeClr val="tx1">
+            <a:lumMod val="65000"/>
+            <a:lumOff val="35000"/>
+          </a:schemeClr>
+        </a:solidFill>
+        <a:round/>
+      </a:ln>
+    </cs:spPr>
+  </cs:errorBar>
+  <cs:floor>
+    <cs:lnRef idx="0"/>
+    <cs:fillRef idx="0"/>
+    <cs:effectRef idx="0"/>
+    <cs:fontRef idx="minor">
+      <a:schemeClr val="tx1"/>
+    </cs:fontRef>
+    <cs:spPr>
+      <a:noFill/>
+      <a:ln>
+        <a:noFill/>
+      </a:ln>
+    </cs:spPr>
+  </cs:floor>
+  <cs:gridlineMajor>
+    <cs:lnRef idx="0"/>
+    <cs:fillRef idx="0"/>
+    <cs:effectRef idx="0"/>
+    <cs:fontRef idx="minor">
+      <a:schemeClr val="tx1"/>
+    </cs:fontRef>
+    <cs:spPr>
+      <a:ln w="9525" cap="flat" cmpd="sng" algn="ctr">
+        <a:solidFill>
+          <a:schemeClr val="tx1">
+            <a:lumMod val="15000"/>
+            <a:lumOff val="85000"/>
+          </a:schemeClr>
+        </a:solidFill>
+        <a:round/>
+      </a:ln>
+    </cs:spPr>
+  </cs:gridlineMajor>
+  <cs:gridlineMinor>
+    <cs:lnRef idx="0"/>
+    <cs:fillRef idx="0"/>
+    <cs:effectRef idx="0"/>
+    <cs:fontRef idx="minor">
+      <a:schemeClr val="tx1"/>
+    </cs:fontRef>
+    <cs:spPr>
+      <a:ln w="9525" cap="flat" cmpd="sng" algn="ctr">
+        <a:solidFill>
+          <a:schemeClr val="tx1">
+            <a:lumMod val="5000"/>
+            <a:lumOff val="95000"/>
+          </a:schemeClr>
+        </a:solidFill>
+        <a:round/>
+      </a:ln>
+    </cs:spPr>
+  </cs:gridlineMinor>
+  <cs:hiLoLine>
+    <cs:lnRef idx="0"/>
+    <cs:fillRef idx="0"/>
+    <cs:effectRef idx="0"/>
+    <cs:fontRef idx="minor">
+      <a:schemeClr val="tx1"/>
+    </cs:fontRef>
+    <cs:spPr>
+      <a:ln w="9525" cap="flat" cmpd="sng" algn="ctr">
+        <a:solidFill>
+          <a:schemeClr val="tx1">
+            <a:lumMod val="75000"/>
+            <a:lumOff val="25000"/>
+          </a:schemeClr>
+        </a:solidFill>
+        <a:round/>
+      </a:ln>
+    </cs:spPr>
+  </cs:hiLoLine>
+  <cs:leaderLine>
+    <cs:lnRef idx="0"/>
+    <cs:fillRef idx="0"/>
+    <cs:effectRef idx="0"/>
+    <cs:fontRef idx="minor">
+      <a:schemeClr val="tx1"/>
+    </cs:fontRef>
+    <cs:spPr>
+      <a:ln w="9525" cap="flat" cmpd="sng" algn="ctr">
+        <a:solidFill>
+          <a:schemeClr val="tx1">
+            <a:lumMod val="35000"/>
+            <a:lumOff val="65000"/>
+          </a:schemeClr>
+        </a:solidFill>
+        <a:round/>
+      </a:ln>
+    </cs:spPr>
+  </cs:leaderLine>
+  <cs:legend>
+    <cs:lnRef idx="0"/>
+    <cs:fillRef idx="0"/>
+    <cs:effectRef idx="0"/>
+    <cs:fontRef idx="minor">
+      <a:schemeClr val="tx1">
+        <a:lumMod val="65000"/>
+        <a:lumOff val="35000"/>
+      </a:schemeClr>
+    </cs:fontRef>
+    <cs:defRPr sz="900" kern="1200"/>
+  </cs:legend>
+  <cs:plotArea mods="allowNoFillOverride allowNoLineOverride">
+    <cs:lnRef idx="0"/>
+    <cs:fillRef idx="0"/>
+    <cs:effectRef idx="0"/>
+    <cs:fontRef idx="minor">
+      <a:schemeClr val="tx1"/>
+    </cs:fontRef>
+  </cs:plotArea>
+  <cs:plotArea3D mods="allowNoFillOverride allowNoLineOverride">
+    <cs:lnRef idx="0"/>
+    <cs:fillRef idx="0"/>
+    <cs:effectRef idx="0"/>
+    <cs:fontRef idx="minor">
+      <a:schemeClr val="tx1"/>
+    </cs:fontRef>
+  </cs:plotArea3D>
+  <cs:seriesAxis>
+    <cs:lnRef idx="0"/>
+    <cs:fillRef idx="0"/>
+    <cs:effectRef idx="0"/>
+    <cs:fontRef idx="minor">
+      <a:schemeClr val="tx1">
+        <a:lumMod val="65000"/>
+        <a:lumOff val="35000"/>
+      </a:schemeClr>
+    </cs:fontRef>
+    <cs:defRPr sz="900" kern="1200"/>
+  </cs:seriesAxis>
+  <cs:seriesLine>
+    <cs:lnRef idx="0"/>
+    <cs:fillRef idx="0"/>
+    <cs:effectRef idx="0"/>
+    <cs:fontRef idx="minor">
+      <a:schemeClr val="tx1"/>
+    </cs:fontRef>
+    <cs:spPr>
+      <a:ln w="9525" cap="flat" cmpd="sng" algn="ctr">
+        <a:solidFill>
+          <a:schemeClr val="tx1">
+            <a:lumMod val="35000"/>
+            <a:lumOff val="65000"/>
+          </a:schemeClr>
+        </a:solidFill>
+        <a:round/>
+      </a:ln>
+    </cs:spPr>
+  </cs:seriesLine>
+  <cs:title>
+    <cs:lnRef idx="0"/>
+    <cs:fillRef idx="0"/>
+    <cs:effectRef idx="0"/>
+    <cs:fontRef idx="minor">
+      <a:schemeClr val="tx1">
+        <a:lumMod val="65000"/>
+        <a:lumOff val="35000"/>
+      </a:schemeClr>
+    </cs:fontRef>
+    <cs:defRPr sz="1400" b="0" kern="1200" spc="0" baseline="0"/>
+  </cs:title>
+  <cs:trendline>
+    <cs:lnRef idx="0">
+      <cs:styleClr val="auto"/>
+    </cs:lnRef>
+    <cs:fillRef idx="0"/>
+    <cs:effectRef idx="0"/>
+    <cs:fontRef idx="minor">
+      <a:schemeClr val="tx1"/>
+    </cs:fontRef>
+    <cs:spPr>
+      <a:ln w="19050" cap="rnd">
+        <a:solidFill>
+          <a:schemeClr val="phClr"/>
+        </a:solidFill>
+        <a:prstDash val="sysDot"/>
+      </a:ln>
+    </cs:spPr>
+  </cs:trendline>
+  <cs:trendlineLabel>
+    <cs:lnRef idx="0"/>
+    <cs:fillRef idx="0"/>
+    <cs:effectRef idx="0"/>
+    <cs:fontRef idx="minor">
+      <a:schemeClr val="tx1">
+        <a:lumMod val="65000"/>
+        <a:lumOff val="35000"/>
+      </a:schemeClr>
+    </cs:fontRef>
+    <cs:defRPr sz="900" kern="1200"/>
+  </cs:trendlineLabel>
+  <cs:upBar>
+    <cs:lnRef idx="0"/>
+    <cs:fillRef idx="0"/>
+    <cs:effectRef idx="0"/>
+    <cs:fontRef idx="minor">
+      <a:schemeClr val="dk1"/>
+    </cs:fontRef>
+    <cs:spPr>
+      <a:solidFill>
+        <a:schemeClr val="lt1"/>
+      </a:solidFill>
+      <a:ln w="9525">
+        <a:solidFill>
+          <a:schemeClr val="tx1">
+            <a:lumMod val="15000"/>
+            <a:lumOff val="85000"/>
+          </a:schemeClr>
+        </a:solidFill>
+      </a:ln>
+    </cs:spPr>
+  </cs:upBar>
+  <cs:valueAxis>
+    <cs:lnRef idx="0"/>
+    <cs:fillRef idx="0"/>
+    <cs:effectRef idx="0"/>
+    <cs:fontRef idx="minor">
+      <a:schemeClr val="tx1">
+        <a:lumMod val="65000"/>
+        <a:lumOff val="35000"/>
+      </a:schemeClr>
+    </cs:fontRef>
+    <cs:defRPr sz="900" kern="1200"/>
+  </cs:valueAxis>
+  <cs:wall>
+    <cs:lnRef idx="0"/>
+    <cs:fillRef idx="0"/>
+    <cs:effectRef idx="0"/>
+    <cs:fontRef idx="minor">
+      <a:schemeClr val="tx1"/>
+    </cs:fontRef>
+    <cs:spPr>
+      <a:noFill/>
+      <a:ln>
+        <a:noFill/>
+      </a:ln>
+    </cs:spPr>
+  </cs:wall>
+</cs:chartStyle>
+</file>
+
+<file path=ppt/drawings/drawing1.xml><?xml version="1.0" encoding="utf-8"?>
+<c:userShapes xmlns:c="http://schemas.openxmlformats.org/drawingml/2006/chart">
+  <cdr:relSizeAnchor xmlns:cdr="http://schemas.openxmlformats.org/drawingml/2006/chartDrawing">
+    <cdr:from>
+      <cdr:x>0.74789</cdr:x>
+      <cdr:y>0.62498</cdr:y>
+    </cdr:from>
+    <cdr:to>
+      <cdr:x>0.96318</cdr:x>
+      <cdr:y>0.83963</cdr:y>
+    </cdr:to>
+    <cdr:sp macro="" textlink="">
+      <cdr:nvSpPr>
+        <cdr:cNvPr id="2" name="TextBox 1"/>
+        <cdr:cNvSpPr txBox="1"/>
+      </cdr:nvSpPr>
+      <cdr:spPr>
+        <a:xfrm xmlns:a="http://schemas.openxmlformats.org/drawingml/2006/main">
+          <a:off x="5936060" y="3252002"/>
+          <a:ext cx="1708767" cy="1116904"/>
+        </a:xfrm>
+        <a:prstGeom xmlns:a="http://schemas.openxmlformats.org/drawingml/2006/main" prst="rect">
+          <a:avLst/>
+        </a:prstGeom>
+      </cdr:spPr>
+      <cdr:txBody>
+        <a:bodyPr xmlns:a="http://schemas.openxmlformats.org/drawingml/2006/main" vertOverflow="clip" wrap="square" rtlCol="0"/>
+        <a:lstStyle xmlns:a="http://schemas.openxmlformats.org/drawingml/2006/main"/>
+        <a:p xmlns:a="http://schemas.openxmlformats.org/drawingml/2006/main">
+          <a:r>
+            <a:rPr lang="en-US" sz="1600" dirty="0"/>
+            <a:t>Bubble size is build volume in mm</a:t>
+          </a:r>
+          <a:r>
+            <a:rPr lang="en-US" sz="1600" baseline="30000" dirty="0"/>
+            <a:t>3</a:t>
+          </a:r>
+        </a:p>
+      </cdr:txBody>
+    </cdr:sp>
+  </cdr:relSizeAnchor>
+</c:userShapes>
 </file>
 
 <file path=ppt/notesMasters/notesMaster1.xml><?xml version="1.0" encoding="utf-8"?>
@@ -6807,7 +8203,7 @@
       </p:grpSpPr>
       <p:sp>
         <p:nvSpPr>
-          <p:cNvPr id="5" name="Title 4"/>
+          <p:cNvPr id="2" name="Title 1"/>
           <p:cNvSpPr>
             <a:spLocks noGrp="1"/>
           </p:cNvSpPr>
@@ -6817,74 +8213,36 @@
         </p:nvSpPr>
         <p:spPr/>
         <p:txBody>
-          <a:bodyPr>
-            <a:normAutofit fontScale="90000"/>
-          </a:bodyPr>
+          <a:bodyPr/>
           <a:lstStyle/>
           <a:p>
             <a:r>
-              <a:rPr lang="en-US" dirty="0"/>
-              <a:t>Chassis Design</a:t>
-            </a:r>
-          </a:p>
-        </p:txBody>
-      </p:sp>
-      <p:pic>
-        <p:nvPicPr>
-          <p:cNvPr id="10" name="Content Placeholder 9"/>
-          <p:cNvPicPr>
-            <a:picLocks noGrp="1" noChangeAspect="1"/>
-          </p:cNvPicPr>
-          <p:nvPr>
-            <p:ph sz="half" idx="1"/>
-          </p:nvPr>
-        </p:nvPicPr>
-        <p:blipFill rotWithShape="1">
-          <a:blip r:embed="rId2" cstate="print">
-            <a:extLst>
-              <a:ext uri="{28A0092B-C50C-407E-A947-70E740481C1C}">
-                <a14:useLocalDpi xmlns:a14="http://schemas.microsoft.com/office/drawing/2010/main" val="0"/>
-              </a:ext>
-            </a:extLst>
-          </a:blip>
-          <a:srcRect t="19571"/>
-          <a:stretch/>
-        </p:blipFill>
-        <p:spPr>
-          <a:xfrm>
-            <a:off x="1484311" y="1910075"/>
-            <a:ext cx="6072843" cy="3460124"/>
-          </a:xfrm>
-        </p:spPr>
-      </p:pic>
-      <p:pic>
-        <p:nvPicPr>
-          <p:cNvPr id="9" name="Content Placeholder 8"/>
-          <p:cNvPicPr>
-            <a:picLocks noGrp="1" noChangeAspect="1"/>
-          </p:cNvPicPr>
-          <p:nvPr>
-            <p:ph sz="half" idx="2"/>
-          </p:nvPr>
-        </p:nvPicPr>
-        <p:blipFill rotWithShape="1">
-          <a:blip r:embed="rId3">
-            <a:extLst>
-              <a:ext uri="{28A0092B-C50C-407E-A947-70E740481C1C}">
-                <a14:useLocalDpi xmlns:a14="http://schemas.microsoft.com/office/drawing/2010/main" val="0"/>
-              </a:ext>
-            </a:extLst>
-          </a:blip>
-          <a:srcRect r="12302"/>
-          <a:stretch/>
-        </p:blipFill>
-        <p:spPr>
-          <a:xfrm>
-            <a:off x="8154545" y="1489074"/>
-            <a:ext cx="2843364" cy="4302125"/>
-          </a:xfrm>
-        </p:spPr>
-      </p:pic>
+              <a:rPr lang="en-US" dirty="0" smtClean="0"/>
+              <a:t>Technical Drawings</a:t>
+            </a:r>
+            <a:endParaRPr lang="en-US" dirty="0"/>
+          </a:p>
+        </p:txBody>
+      </p:sp>
+      <p:sp>
+        <p:nvSpPr>
+          <p:cNvPr id="3" name="Content Placeholder 2"/>
+          <p:cNvSpPr>
+            <a:spLocks noGrp="1"/>
+          </p:cNvSpPr>
+          <p:nvPr>
+            <p:ph idx="1"/>
+          </p:nvPr>
+        </p:nvSpPr>
+        <p:spPr/>
+        <p:txBody>
+          <a:bodyPr/>
+          <a:lstStyle/>
+          <a:p>
+            <a:endParaRPr lang="en-US"/>
+          </a:p>
+        </p:txBody>
+      </p:sp>
       <p:sp>
         <p:nvSpPr>
           <p:cNvPr id="4" name="Slide Number Placeholder 3"/>
@@ -6908,100 +8266,16 @@
           </a:p>
         </p:txBody>
       </p:sp>
-      <p:sp>
-        <p:nvSpPr>
-          <p:cNvPr id="6" name="TextBox 5"/>
-          <p:cNvSpPr txBox="1"/>
-          <p:nvPr/>
-        </p:nvSpPr>
-        <p:spPr>
-          <a:xfrm>
-            <a:off x="2823793" y="5513942"/>
-            <a:ext cx="3393878" cy="369332"/>
-          </a:xfrm>
-          <a:prstGeom prst="rect">
-            <a:avLst/>
-          </a:prstGeom>
-          <a:noFill/>
-        </p:spPr>
-        <p:txBody>
-          <a:bodyPr wrap="none" rtlCol="0">
-            <a:spAutoFit/>
-          </a:bodyPr>
-          <a:lstStyle/>
-          <a:p>
-            <a:r>
-              <a:rPr lang="en-US" dirty="0" smtClean="0"/>
-              <a:t>Figure 4. </a:t>
-            </a:r>
-            <a:r>
-              <a:rPr lang="en-US" dirty="0"/>
-              <a:t>Proposed chassis design </a:t>
-            </a:r>
-          </a:p>
-        </p:txBody>
-      </p:sp>
-      <p:sp>
-        <p:nvSpPr>
-          <p:cNvPr id="7" name="TextBox 6"/>
-          <p:cNvSpPr txBox="1"/>
-          <p:nvPr/>
-        </p:nvSpPr>
-        <p:spPr>
-          <a:xfrm>
-            <a:off x="8337747" y="5883273"/>
-            <a:ext cx="2476960" cy="646331"/>
-          </a:xfrm>
-          <a:prstGeom prst="rect">
-            <a:avLst/>
-          </a:prstGeom>
-          <a:noFill/>
-        </p:spPr>
-        <p:txBody>
-          <a:bodyPr wrap="none" rtlCol="0">
-            <a:spAutoFit/>
-          </a:bodyPr>
-          <a:lstStyle/>
-          <a:p>
-            <a:r>
-              <a:rPr lang="en-US" dirty="0" smtClean="0"/>
-              <a:t>Figure 5. </a:t>
-            </a:r>
-            <a:r>
-              <a:rPr lang="en-US" dirty="0"/>
-              <a:t>Isometric view </a:t>
-            </a:r>
-            <a:endParaRPr lang="en-US" dirty="0" smtClean="0"/>
-          </a:p>
-          <a:p>
-            <a:r>
-              <a:rPr lang="en-US" dirty="0" smtClean="0"/>
-              <a:t>of </a:t>
-            </a:r>
-            <a:r>
-              <a:rPr lang="en-US" dirty="0"/>
-              <a:t>proposed chassis </a:t>
-            </a:r>
-          </a:p>
-        </p:txBody>
-      </p:sp>
     </p:spTree>
     <p:extLst>
       <p:ext uri="{BB962C8B-B14F-4D97-AF65-F5344CB8AC3E}">
-        <p14:creationId xmlns:p14="http://schemas.microsoft.com/office/powerpoint/2010/main" val="341879816"/>
+        <p14:creationId xmlns:p14="http://schemas.microsoft.com/office/powerpoint/2010/main" val="2704906384"/>
       </p:ext>
     </p:extLst>
   </p:cSld>
   <p:clrMapOvr>
     <a:masterClrMapping/>
   </p:clrMapOvr>
-  <p:timing>
-    <p:tnLst>
-      <p:par>
-        <p:cTn id="1" dur="indefinite" restart="never" nodeType="tmRoot"/>
-      </p:par>
-    </p:tnLst>
-  </p:timing>
 </p:sld>
 </file>
 
@@ -7039,7 +8313,7 @@
           <a:p>
             <a:r>
               <a:rPr lang="en-US" dirty="0" smtClean="0"/>
-              <a:t>Technical Drawings</a:t>
+              <a:t>Vat Design</a:t>
             </a:r>
             <a:endParaRPr lang="en-US" dirty="0"/>
           </a:p>
@@ -7090,7 +8364,7 @@
     </p:spTree>
     <p:extLst>
       <p:ext uri="{BB962C8B-B14F-4D97-AF65-F5344CB8AC3E}">
-        <p14:creationId xmlns:p14="http://schemas.microsoft.com/office/powerpoint/2010/main" val="2704906384"/>
+        <p14:creationId xmlns:p14="http://schemas.microsoft.com/office/powerpoint/2010/main" val="795725223"/>
       </p:ext>
     </p:extLst>
   </p:cSld>
@@ -7134,7 +8408,7 @@
           <a:p>
             <a:r>
               <a:rPr lang="en-US" dirty="0" smtClean="0"/>
-              <a:t>Vat Design</a:t>
+              <a:t>Wire Diagram</a:t>
             </a:r>
             <a:endParaRPr lang="en-US" dirty="0"/>
           </a:p>
@@ -7185,7 +8459,7 @@
     </p:spTree>
     <p:extLst>
       <p:ext uri="{BB962C8B-B14F-4D97-AF65-F5344CB8AC3E}">
-        <p14:creationId xmlns:p14="http://schemas.microsoft.com/office/powerpoint/2010/main" val="795725223"/>
+        <p14:creationId xmlns:p14="http://schemas.microsoft.com/office/powerpoint/2010/main" val="4240055343"/>
       </p:ext>
     </p:extLst>
   </p:cSld>
@@ -7229,7 +8503,7 @@
           <a:p>
             <a:r>
               <a:rPr lang="en-US" dirty="0" smtClean="0"/>
-              <a:t>Wire Diagram</a:t>
+              <a:t>Hardware Software Interface</a:t>
             </a:r>
             <a:endParaRPr lang="en-US" dirty="0"/>
           </a:p>
@@ -7280,7 +8554,7 @@
     </p:spTree>
     <p:extLst>
       <p:ext uri="{BB962C8B-B14F-4D97-AF65-F5344CB8AC3E}">
-        <p14:creationId xmlns:p14="http://schemas.microsoft.com/office/powerpoint/2010/main" val="4240055343"/>
+        <p14:creationId xmlns:p14="http://schemas.microsoft.com/office/powerpoint/2010/main" val="3374279974"/>
       </p:ext>
     </p:extLst>
   </p:cSld>
@@ -7323,8 +8597,12 @@
           <a:lstStyle/>
           <a:p>
             <a:r>
+              <a:rPr lang="en-US" dirty="0"/>
+              <a:t>Hardware Software </a:t>
+            </a:r>
+            <a:r>
               <a:rPr lang="en-US" dirty="0" smtClean="0"/>
-              <a:t>Hardware Software Interface</a:t>
+              <a:t>Interface contd.</a:t>
             </a:r>
             <a:endParaRPr lang="en-US" dirty="0"/>
           </a:p>
@@ -7375,7 +8653,7 @@
     </p:spTree>
     <p:extLst>
       <p:ext uri="{BB962C8B-B14F-4D97-AF65-F5344CB8AC3E}">
-        <p14:creationId xmlns:p14="http://schemas.microsoft.com/office/powerpoint/2010/main" val="3374279974"/>
+        <p14:creationId xmlns:p14="http://schemas.microsoft.com/office/powerpoint/2010/main" val="1320030583"/>
       </p:ext>
     </p:extLst>
   </p:cSld>
@@ -7418,12 +8696,8 @@
           <a:lstStyle/>
           <a:p>
             <a:r>
-              <a:rPr lang="en-US" dirty="0"/>
-              <a:t>Hardware Software </a:t>
-            </a:r>
-            <a:r>
               <a:rPr lang="en-US" dirty="0" smtClean="0"/>
-              <a:t>Interface contd.</a:t>
+              <a:t>Projector and Resin</a:t>
             </a:r>
             <a:endParaRPr lang="en-US" dirty="0"/>
           </a:p>
@@ -7431,12 +8705,12 @@
       </p:sp>
       <p:sp>
         <p:nvSpPr>
-          <p:cNvPr id="3" name="Content Placeholder 2"/>
-          <p:cNvSpPr>
-            <a:spLocks noGrp="1"/>
-          </p:cNvSpPr>
-          <p:nvPr>
-            <p:ph idx="1"/>
+          <p:cNvPr id="4" name="Slide Number Placeholder 3"/>
+          <p:cNvSpPr>
+            <a:spLocks noGrp="1"/>
+          </p:cNvSpPr>
+          <p:nvPr>
+            <p:ph type="sldNum" sz="quarter" idx="12"/>
           </p:nvPr>
         </p:nvSpPr>
         <p:spPr/>
@@ -7444,37 +8718,106 @@
           <a:bodyPr/>
           <a:lstStyle/>
           <a:p>
-            <a:endParaRPr lang="en-US"/>
-          </a:p>
-        </p:txBody>
-      </p:sp>
-      <p:sp>
-        <p:nvSpPr>
-          <p:cNvPr id="4" name="Slide Number Placeholder 3"/>
-          <p:cNvSpPr>
-            <a:spLocks noGrp="1"/>
-          </p:cNvSpPr>
-          <p:nvPr>
-            <p:ph type="sldNum" sz="quarter" idx="12"/>
-          </p:nvPr>
-        </p:nvSpPr>
-        <p:spPr/>
-        <p:txBody>
-          <a:bodyPr/>
-          <a:lstStyle/>
-          <a:p>
             <a:fld id="{5C6BB475-B640-4DD3-A1AA-1CF10A44AA06}" type="slidenum">
               <a:rPr lang="en-US" smtClean="0"/>
+              <a:pPr/>
               <a:t>15</a:t>
             </a:fld>
-            <a:endParaRPr lang="en-US"/>
+            <a:endParaRPr lang="en-US" dirty="0"/>
+          </a:p>
+        </p:txBody>
+      </p:sp>
+      <p:sp>
+        <p:nvSpPr>
+          <p:cNvPr id="6" name="Content Placeholder 5"/>
+          <p:cNvSpPr>
+            <a:spLocks noGrp="1"/>
+          </p:cNvSpPr>
+          <p:nvPr>
+            <p:ph idx="1"/>
+          </p:nvPr>
+        </p:nvSpPr>
+        <p:spPr>
+          <a:xfrm>
+            <a:off x="1541989" y="1538196"/>
+            <a:ext cx="10018713" cy="4180024"/>
+          </a:xfrm>
+        </p:spPr>
+        <p:txBody>
+          <a:bodyPr anchor="t">
+            <a:normAutofit/>
+          </a:bodyPr>
+          <a:lstStyle/>
+          <a:p>
+            <a:r>
+              <a:rPr lang="en-US" dirty="0" smtClean="0"/>
+              <a:t>Projector Qualities</a:t>
+            </a:r>
+          </a:p>
+          <a:p>
+            <a:pPr lvl="1"/>
+            <a:r>
+              <a:rPr lang="en-US" dirty="0" smtClean="0"/>
+              <a:t>High Resolution DLP</a:t>
+            </a:r>
+            <a:endParaRPr lang="en-US" dirty="0"/>
+          </a:p>
+          <a:p>
+            <a:pPr lvl="1"/>
+            <a:r>
+              <a:rPr lang="en-US" dirty="0"/>
+              <a:t>UV </a:t>
+            </a:r>
+            <a:r>
+              <a:rPr lang="en-US" dirty="0" smtClean="0"/>
+              <a:t>Filter Removal </a:t>
+            </a:r>
+            <a:endParaRPr lang="en-US" dirty="0"/>
+          </a:p>
+          <a:p>
+            <a:pPr lvl="1"/>
+            <a:r>
+              <a:rPr lang="en-US" dirty="0"/>
+              <a:t>Throw </a:t>
+            </a:r>
+            <a:r>
+              <a:rPr lang="en-US" dirty="0" smtClean="0"/>
+              <a:t>Distance</a:t>
+            </a:r>
+          </a:p>
+          <a:p>
+            <a:r>
+              <a:rPr lang="en-US" dirty="0" smtClean="0"/>
+              <a:t>Resin</a:t>
+            </a:r>
+            <a:endParaRPr lang="en-US" dirty="0"/>
+          </a:p>
+          <a:p>
+            <a:pPr lvl="1"/>
+            <a:r>
+              <a:rPr lang="en-US" dirty="0"/>
+              <a:t>Test for Layer Thickness</a:t>
+            </a:r>
+          </a:p>
+          <a:p>
+            <a:pPr lvl="1"/>
+            <a:r>
+              <a:rPr lang="en-US" dirty="0"/>
+              <a:t>Test for Exposure Time</a:t>
+            </a:r>
+          </a:p>
+          <a:p>
+            <a:pPr marL="0" indent="0">
+              <a:buNone/>
+            </a:pPr>
+            <a:endParaRPr lang="en-US" dirty="0" smtClean="0"/>
           </a:p>
         </p:txBody>
       </p:sp>
     </p:spTree>
     <p:extLst>
       <p:ext uri="{BB962C8B-B14F-4D97-AF65-F5344CB8AC3E}">
-        <p14:creationId xmlns:p14="http://schemas.microsoft.com/office/powerpoint/2010/main" val="1320030583"/>
+        <p14:creationId xmlns:p14="http://schemas.microsoft.com/office/powerpoint/2010/main" val="1888003692"/>
       </p:ext>
     </p:extLst>
   </p:cSld>
@@ -7518,7 +8861,7 @@
           <a:p>
             <a:r>
               <a:rPr lang="en-US" dirty="0" smtClean="0"/>
-              <a:t>Resin/Optics</a:t>
+              <a:t>Software Problems</a:t>
             </a:r>
             <a:endParaRPr lang="en-US" dirty="0"/>
           </a:p>
@@ -7569,7 +8912,7 @@
     </p:spTree>
     <p:extLst>
       <p:ext uri="{BB962C8B-B14F-4D97-AF65-F5344CB8AC3E}">
-        <p14:creationId xmlns:p14="http://schemas.microsoft.com/office/powerpoint/2010/main" val="3284958645"/>
+        <p14:creationId xmlns:p14="http://schemas.microsoft.com/office/powerpoint/2010/main" val="4088312060"/>
       </p:ext>
     </p:extLst>
   </p:cSld>
@@ -7613,7 +8956,7 @@
           <a:p>
             <a:r>
               <a:rPr lang="en-US" dirty="0" smtClean="0"/>
-              <a:t>Software Problems</a:t>
+              <a:t>New Design</a:t>
             </a:r>
             <a:endParaRPr lang="en-US" dirty="0"/>
           </a:p>
@@ -7664,7 +9007,7 @@
     </p:spTree>
     <p:extLst>
       <p:ext uri="{BB962C8B-B14F-4D97-AF65-F5344CB8AC3E}">
-        <p14:creationId xmlns:p14="http://schemas.microsoft.com/office/powerpoint/2010/main" val="4088312060"/>
+        <p14:creationId xmlns:p14="http://schemas.microsoft.com/office/powerpoint/2010/main" val="4014598853"/>
       </p:ext>
     </p:extLst>
   </p:cSld>
@@ -7703,33 +9046,16 @@
         </p:nvSpPr>
         <p:spPr/>
         <p:txBody>
-          <a:bodyPr/>
+          <a:bodyPr>
+            <a:normAutofit/>
+          </a:bodyPr>
           <a:lstStyle/>
           <a:p>
             <a:r>
               <a:rPr lang="en-US" dirty="0" smtClean="0"/>
-              <a:t>New Design</a:t>
+              <a:t>Timeline</a:t>
             </a:r>
             <a:endParaRPr lang="en-US" dirty="0"/>
-          </a:p>
-        </p:txBody>
-      </p:sp>
-      <p:sp>
-        <p:nvSpPr>
-          <p:cNvPr id="3" name="Content Placeholder 2"/>
-          <p:cNvSpPr>
-            <a:spLocks noGrp="1"/>
-          </p:cNvSpPr>
-          <p:nvPr>
-            <p:ph idx="1"/>
-          </p:nvPr>
-        </p:nvSpPr>
-        <p:spPr/>
-        <p:txBody>
-          <a:bodyPr/>
-          <a:lstStyle/>
-          <a:p>
-            <a:endParaRPr lang="en-US"/>
           </a:p>
         </p:txBody>
       </p:sp>
@@ -7759,13 +9085,20 @@
     </p:spTree>
     <p:extLst>
       <p:ext uri="{BB962C8B-B14F-4D97-AF65-F5344CB8AC3E}">
-        <p14:creationId xmlns:p14="http://schemas.microsoft.com/office/powerpoint/2010/main" val="4014598853"/>
+        <p14:creationId xmlns:p14="http://schemas.microsoft.com/office/powerpoint/2010/main" val="278994164"/>
       </p:ext>
     </p:extLst>
   </p:cSld>
   <p:clrMapOvr>
     <a:masterClrMapping/>
   </p:clrMapOvr>
+  <p:timing>
+    <p:tnLst>
+      <p:par>
+        <p:cTn id="1" dur="indefinite" restart="never" nodeType="tmRoot"/>
+      </p:par>
+    </p:tnLst>
+  </p:timing>
 </p:sld>
 </file>
 
@@ -7798,14 +9131,12 @@
         </p:nvSpPr>
         <p:spPr/>
         <p:txBody>
-          <a:bodyPr>
-            <a:normAutofit/>
-          </a:bodyPr>
+          <a:bodyPr/>
           <a:lstStyle/>
           <a:p>
             <a:r>
               <a:rPr lang="en-US" dirty="0" smtClean="0"/>
-              <a:t>Timeline</a:t>
+              <a:t>Timeline &amp; Budget</a:t>
             </a:r>
             <a:endParaRPr lang="en-US" dirty="0"/>
           </a:p>
@@ -7829,234 +9160,6 @@
             <a:fld id="{5C6BB475-B640-4DD3-A1AA-1CF10A44AA06}" type="slidenum">
               <a:rPr lang="en-US" smtClean="0"/>
               <a:t>19</a:t>
-            </a:fld>
-            <a:endParaRPr lang="en-US"/>
-          </a:p>
-        </p:txBody>
-      </p:sp>
-    </p:spTree>
-    <p:extLst>
-      <p:ext uri="{BB962C8B-B14F-4D97-AF65-F5344CB8AC3E}">
-        <p14:creationId xmlns:p14="http://schemas.microsoft.com/office/powerpoint/2010/main" val="278994164"/>
-      </p:ext>
-    </p:extLst>
-  </p:cSld>
-  <p:clrMapOvr>
-    <a:masterClrMapping/>
-  </p:clrMapOvr>
-  <p:timing>
-    <p:tnLst>
-      <p:par>
-        <p:cTn id="1" dur="indefinite" restart="never" nodeType="tmRoot"/>
-      </p:par>
-    </p:tnLst>
-  </p:timing>
-</p:sld>
-</file>
-
-<file path=ppt/slides/slide2.xml><?xml version="1.0" encoding="utf-8"?>
-<p:sld xmlns:a="http://schemas.openxmlformats.org/drawingml/2006/main" xmlns:r="http://schemas.openxmlformats.org/officeDocument/2006/relationships" xmlns:p="http://schemas.openxmlformats.org/presentationml/2006/main">
-  <p:cSld>
-    <p:spTree>
-      <p:nvGrpSpPr>
-        <p:cNvPr id="1" name=""/>
-        <p:cNvGrpSpPr/>
-        <p:nvPr/>
-      </p:nvGrpSpPr>
-      <p:grpSpPr>
-        <a:xfrm>
-          <a:off x="0" y="0"/>
-          <a:ext cx="0" cy="0"/>
-          <a:chOff x="0" y="0"/>
-          <a:chExt cx="0" cy="0"/>
-        </a:xfrm>
-      </p:grpSpPr>
-      <p:sp>
-        <p:nvSpPr>
-          <p:cNvPr id="2" name="Title 1"/>
-          <p:cNvSpPr>
-            <a:spLocks noGrp="1"/>
-          </p:cNvSpPr>
-          <p:nvPr>
-            <p:ph type="title"/>
-          </p:nvPr>
-        </p:nvSpPr>
-        <p:spPr/>
-        <p:txBody>
-          <a:bodyPr>
-            <a:normAutofit/>
-          </a:bodyPr>
-          <a:lstStyle/>
-          <a:p>
-            <a:r>
-              <a:rPr lang="en-US" dirty="0" smtClean="0"/>
-              <a:t>Team 75 </a:t>
-            </a:r>
-            <a:r>
-              <a:rPr lang="en-US" dirty="0" smtClean="0"/>
-              <a:t>Organization</a:t>
-            </a:r>
-            <a:endParaRPr lang="en-US" dirty="0"/>
-          </a:p>
-        </p:txBody>
-      </p:sp>
-      <p:pic>
-        <p:nvPicPr>
-          <p:cNvPr id="6" name="Content Placeholder 5"/>
-          <p:cNvPicPr>
-            <a:picLocks noGrp="1" noChangeAspect="1"/>
-          </p:cNvPicPr>
-          <p:nvPr>
-            <p:ph idx="1"/>
-          </p:nvPr>
-        </p:nvPicPr>
-        <p:blipFill>
-          <a:blip r:embed="rId2"/>
-          <a:stretch>
-            <a:fillRect/>
-          </a:stretch>
-        </p:blipFill>
-        <p:spPr>
-          <a:xfrm>
-            <a:off x="2588467" y="1630363"/>
-            <a:ext cx="7924704" cy="4102100"/>
-          </a:xfrm>
-          <a:prstGeom prst="rect">
-            <a:avLst/>
-          </a:prstGeom>
-        </p:spPr>
-      </p:pic>
-      <p:sp>
-        <p:nvSpPr>
-          <p:cNvPr id="4" name="Slide Number Placeholder 3"/>
-          <p:cNvSpPr>
-            <a:spLocks noGrp="1"/>
-          </p:cNvSpPr>
-          <p:nvPr>
-            <p:ph type="sldNum" sz="quarter" idx="12"/>
-          </p:nvPr>
-        </p:nvSpPr>
-        <p:spPr/>
-        <p:txBody>
-          <a:bodyPr/>
-          <a:lstStyle/>
-          <a:p>
-            <a:fld id="{5C6BB475-B640-4DD3-A1AA-1CF10A44AA06}" type="slidenum">
-              <a:rPr lang="en-US" smtClean="0"/>
-              <a:t>2</a:t>
-            </a:fld>
-            <a:endParaRPr lang="en-US"/>
-          </a:p>
-        </p:txBody>
-      </p:sp>
-      <p:sp>
-        <p:nvSpPr>
-          <p:cNvPr id="7" name="TextBox 6"/>
-          <p:cNvSpPr txBox="1"/>
-          <p:nvPr/>
-        </p:nvSpPr>
-        <p:spPr>
-          <a:xfrm>
-            <a:off x="5046208" y="5884727"/>
-            <a:ext cx="3009222" cy="369332"/>
-          </a:xfrm>
-          <a:prstGeom prst="rect">
-            <a:avLst/>
-          </a:prstGeom>
-          <a:noFill/>
-        </p:spPr>
-        <p:txBody>
-          <a:bodyPr wrap="none" rtlCol="0">
-            <a:spAutoFit/>
-          </a:bodyPr>
-          <a:lstStyle/>
-          <a:p>
-            <a:r>
-              <a:rPr lang="en-US" dirty="0" smtClean="0"/>
-              <a:t>Figure 1. Project Organization</a:t>
-            </a:r>
-            <a:endParaRPr lang="en-US" dirty="0"/>
-          </a:p>
-        </p:txBody>
-      </p:sp>
-    </p:spTree>
-    <p:extLst>
-      <p:ext uri="{BB962C8B-B14F-4D97-AF65-F5344CB8AC3E}">
-        <p14:creationId xmlns:p14="http://schemas.microsoft.com/office/powerpoint/2010/main" val="1628288518"/>
-      </p:ext>
-    </p:extLst>
-  </p:cSld>
-  <p:clrMapOvr>
-    <a:masterClrMapping/>
-  </p:clrMapOvr>
-  <p:timing>
-    <p:tnLst>
-      <p:par>
-        <p:cTn id="1" dur="indefinite" restart="never" nodeType="tmRoot"/>
-      </p:par>
-    </p:tnLst>
-  </p:timing>
-</p:sld>
-</file>
-
-<file path=ppt/slides/slide20.xml><?xml version="1.0" encoding="utf-8"?>
-<p:sld xmlns:a="http://schemas.openxmlformats.org/drawingml/2006/main" xmlns:r="http://schemas.openxmlformats.org/officeDocument/2006/relationships" xmlns:p="http://schemas.openxmlformats.org/presentationml/2006/main">
-  <p:cSld>
-    <p:spTree>
-      <p:nvGrpSpPr>
-        <p:cNvPr id="1" name=""/>
-        <p:cNvGrpSpPr/>
-        <p:nvPr/>
-      </p:nvGrpSpPr>
-      <p:grpSpPr>
-        <a:xfrm>
-          <a:off x="0" y="0"/>
-          <a:ext cx="0" cy="0"/>
-          <a:chOff x="0" y="0"/>
-          <a:chExt cx="0" cy="0"/>
-        </a:xfrm>
-      </p:grpSpPr>
-      <p:sp>
-        <p:nvSpPr>
-          <p:cNvPr id="2" name="Title 1"/>
-          <p:cNvSpPr>
-            <a:spLocks noGrp="1"/>
-          </p:cNvSpPr>
-          <p:nvPr>
-            <p:ph type="title"/>
-          </p:nvPr>
-        </p:nvSpPr>
-        <p:spPr/>
-        <p:txBody>
-          <a:bodyPr/>
-          <a:lstStyle/>
-          <a:p>
-            <a:r>
-              <a:rPr lang="en-US" dirty="0" smtClean="0"/>
-              <a:t>Timeline &amp; Budget</a:t>
-            </a:r>
-            <a:endParaRPr lang="en-US" dirty="0"/>
-          </a:p>
-        </p:txBody>
-      </p:sp>
-      <p:sp>
-        <p:nvSpPr>
-          <p:cNvPr id="4" name="Slide Number Placeholder 3"/>
-          <p:cNvSpPr>
-            <a:spLocks noGrp="1"/>
-          </p:cNvSpPr>
-          <p:nvPr>
-            <p:ph type="sldNum" sz="quarter" idx="12"/>
-          </p:nvPr>
-        </p:nvSpPr>
-        <p:spPr/>
-        <p:txBody>
-          <a:bodyPr/>
-          <a:lstStyle/>
-          <a:p>
-            <a:fld id="{5C6BB475-B640-4DD3-A1AA-1CF10A44AA06}" type="slidenum">
-              <a:rPr lang="en-US" smtClean="0"/>
-              <a:t>20</a:t>
             </a:fld>
             <a:endParaRPr lang="en-US"/>
           </a:p>
@@ -8502,6 +9605,311 @@
 </p:sld>
 </file>
 
+<file path=ppt/slides/slide2.xml><?xml version="1.0" encoding="utf-8"?>
+<p:sld xmlns:a="http://schemas.openxmlformats.org/drawingml/2006/main" xmlns:r="http://schemas.openxmlformats.org/officeDocument/2006/relationships" xmlns:p="http://schemas.openxmlformats.org/presentationml/2006/main">
+  <p:cSld>
+    <p:spTree>
+      <p:nvGrpSpPr>
+        <p:cNvPr id="1" name=""/>
+        <p:cNvGrpSpPr/>
+        <p:nvPr/>
+      </p:nvGrpSpPr>
+      <p:grpSpPr>
+        <a:xfrm>
+          <a:off x="0" y="0"/>
+          <a:ext cx="0" cy="0"/>
+          <a:chOff x="0" y="0"/>
+          <a:chExt cx="0" cy="0"/>
+        </a:xfrm>
+      </p:grpSpPr>
+      <p:sp>
+        <p:nvSpPr>
+          <p:cNvPr id="2" name="Title 1"/>
+          <p:cNvSpPr>
+            <a:spLocks noGrp="1"/>
+          </p:cNvSpPr>
+          <p:nvPr>
+            <p:ph type="title"/>
+          </p:nvPr>
+        </p:nvSpPr>
+        <p:spPr/>
+        <p:txBody>
+          <a:bodyPr>
+            <a:normAutofit/>
+          </a:bodyPr>
+          <a:lstStyle/>
+          <a:p>
+            <a:r>
+              <a:rPr lang="en-US" dirty="0" smtClean="0"/>
+              <a:t>Team 75 Organization</a:t>
+            </a:r>
+            <a:endParaRPr lang="en-US" dirty="0"/>
+          </a:p>
+        </p:txBody>
+      </p:sp>
+      <p:sp>
+        <p:nvSpPr>
+          <p:cNvPr id="4" name="Slide Number Placeholder 3"/>
+          <p:cNvSpPr>
+            <a:spLocks noGrp="1"/>
+          </p:cNvSpPr>
+          <p:nvPr>
+            <p:ph type="sldNum" sz="quarter" idx="12"/>
+          </p:nvPr>
+        </p:nvSpPr>
+        <p:spPr/>
+        <p:txBody>
+          <a:bodyPr/>
+          <a:lstStyle/>
+          <a:p>
+            <a:fld id="{5C6BB475-B640-4DD3-A1AA-1CF10A44AA06}" type="slidenum">
+              <a:rPr lang="en-US" smtClean="0"/>
+              <a:t>2</a:t>
+            </a:fld>
+            <a:endParaRPr lang="en-US"/>
+          </a:p>
+        </p:txBody>
+      </p:sp>
+      <p:sp>
+        <p:nvSpPr>
+          <p:cNvPr id="7" name="TextBox 6"/>
+          <p:cNvSpPr txBox="1"/>
+          <p:nvPr/>
+        </p:nvSpPr>
+        <p:spPr>
+          <a:xfrm>
+            <a:off x="5046208" y="5884727"/>
+            <a:ext cx="3009222" cy="369332"/>
+          </a:xfrm>
+          <a:prstGeom prst="rect">
+            <a:avLst/>
+          </a:prstGeom>
+          <a:noFill/>
+        </p:spPr>
+        <p:txBody>
+          <a:bodyPr wrap="none" rtlCol="0">
+            <a:spAutoFit/>
+          </a:bodyPr>
+          <a:lstStyle/>
+          <a:p>
+            <a:r>
+              <a:rPr lang="en-US" dirty="0" smtClean="0"/>
+              <a:t>Figure 1. Project Organization</a:t>
+            </a:r>
+            <a:endParaRPr lang="en-US" dirty="0"/>
+          </a:p>
+        </p:txBody>
+      </p:sp>
+      <p:pic>
+        <p:nvPicPr>
+          <p:cNvPr id="8" name="Picture 7"/>
+          <p:cNvPicPr>
+            <a:picLocks noChangeAspect="1"/>
+          </p:cNvPicPr>
+          <p:nvPr/>
+        </p:nvPicPr>
+        <p:blipFill>
+          <a:blip r:embed="rId2"/>
+          <a:stretch>
+            <a:fillRect/>
+          </a:stretch>
+        </p:blipFill>
+        <p:spPr>
+          <a:xfrm>
+            <a:off x="1681325" y="1663240"/>
+            <a:ext cx="9738987" cy="4001154"/>
+          </a:xfrm>
+          <a:prstGeom prst="rect">
+            <a:avLst/>
+          </a:prstGeom>
+        </p:spPr>
+      </p:pic>
+    </p:spTree>
+    <p:extLst>
+      <p:ext uri="{BB962C8B-B14F-4D97-AF65-F5344CB8AC3E}">
+        <p14:creationId xmlns:p14="http://schemas.microsoft.com/office/powerpoint/2010/main" val="1628288518"/>
+      </p:ext>
+    </p:extLst>
+  </p:cSld>
+  <p:clrMapOvr>
+    <a:masterClrMapping/>
+  </p:clrMapOvr>
+  <p:timing>
+    <p:tnLst>
+      <p:par>
+        <p:cTn id="1" dur="indefinite" restart="never" nodeType="tmRoot"/>
+      </p:par>
+    </p:tnLst>
+  </p:timing>
+</p:sld>
+</file>
+
+<file path=ppt/slides/slide20.xml><?xml version="1.0" encoding="utf-8"?>
+<p:sld xmlns:a="http://schemas.openxmlformats.org/drawingml/2006/main" xmlns:r="http://schemas.openxmlformats.org/officeDocument/2006/relationships" xmlns:p="http://schemas.openxmlformats.org/presentationml/2006/main">
+  <p:cSld>
+    <p:spTree>
+      <p:nvGrpSpPr>
+        <p:cNvPr id="1" name=""/>
+        <p:cNvGrpSpPr/>
+        <p:nvPr/>
+      </p:nvGrpSpPr>
+      <p:grpSpPr>
+        <a:xfrm>
+          <a:off x="0" y="0"/>
+          <a:ext cx="0" cy="0"/>
+          <a:chOff x="0" y="0"/>
+          <a:chExt cx="0" cy="0"/>
+        </a:xfrm>
+      </p:grpSpPr>
+      <p:sp>
+        <p:nvSpPr>
+          <p:cNvPr id="2" name="Title 1"/>
+          <p:cNvSpPr>
+            <a:spLocks noGrp="1"/>
+          </p:cNvSpPr>
+          <p:nvPr>
+            <p:ph type="title"/>
+          </p:nvPr>
+        </p:nvSpPr>
+        <p:spPr/>
+        <p:txBody>
+          <a:bodyPr/>
+          <a:lstStyle/>
+          <a:p>
+            <a:r>
+              <a:rPr lang="en-US" dirty="0" smtClean="0"/>
+              <a:t>Summary</a:t>
+            </a:r>
+            <a:endParaRPr lang="en-US" dirty="0"/>
+          </a:p>
+        </p:txBody>
+      </p:sp>
+      <p:sp>
+        <p:nvSpPr>
+          <p:cNvPr id="3" name="Content Placeholder 2"/>
+          <p:cNvSpPr>
+            <a:spLocks noGrp="1"/>
+          </p:cNvSpPr>
+          <p:nvPr>
+            <p:ph idx="1"/>
+          </p:nvPr>
+        </p:nvSpPr>
+        <p:spPr/>
+        <p:txBody>
+          <a:bodyPr>
+            <a:normAutofit fontScale="92500" lnSpcReduction="20000"/>
+          </a:bodyPr>
+          <a:lstStyle/>
+          <a:p>
+            <a:pPr marL="0" indent="0" fontAlgn="base">
+              <a:buNone/>
+            </a:pPr>
+            <a:r>
+              <a:rPr lang="en-US" dirty="0"/>
+              <a:t>Problem Statement</a:t>
+            </a:r>
+          </a:p>
+          <a:p>
+            <a:pPr lvl="1" fontAlgn="base"/>
+            <a:r>
+              <a:rPr lang="en-US" dirty="0"/>
+              <a:t>Current hobbyist 3D printers are imprecise and fault-prone</a:t>
+            </a:r>
+          </a:p>
+          <a:p>
+            <a:pPr lvl="1" fontAlgn="base"/>
+            <a:r>
+              <a:rPr lang="en-US" dirty="0"/>
+              <a:t>High resolution additive manufacturing is currently not accessible for hobbyists (under $1,000)</a:t>
+            </a:r>
+          </a:p>
+          <a:p>
+            <a:pPr lvl="1" fontAlgn="base"/>
+            <a:r>
+              <a:rPr lang="en-US" dirty="0"/>
+              <a:t>Available PAM systems use proprietary hardware and software</a:t>
+            </a:r>
+          </a:p>
+          <a:p>
+            <a:pPr marL="0" indent="0" fontAlgn="base">
+              <a:buNone/>
+            </a:pPr>
+            <a:r>
+              <a:rPr lang="en-US" dirty="0"/>
+              <a:t>Our Solution</a:t>
+            </a:r>
+          </a:p>
+          <a:p>
+            <a:pPr lvl="1"/>
+            <a:r>
+              <a:rPr lang="en-US" dirty="0"/>
+              <a:t>A DLP PAM system can produce high quality and fast prints</a:t>
+            </a:r>
+          </a:p>
+          <a:p>
+            <a:pPr lvl="1"/>
+            <a:r>
+              <a:rPr lang="en-US" dirty="0"/>
+              <a:t>Use off-the-shelf open-source hardware</a:t>
+            </a:r>
+          </a:p>
+          <a:p>
+            <a:pPr lvl="1"/>
+            <a:r>
+              <a:rPr lang="en-US" dirty="0"/>
+              <a:t>Create a thoroughly documented reference </a:t>
+            </a:r>
+            <a:r>
+              <a:rPr lang="en-US" dirty="0" smtClean="0"/>
+              <a:t>design</a:t>
+            </a:r>
+            <a:endParaRPr lang="en-US" dirty="0"/>
+          </a:p>
+        </p:txBody>
+      </p:sp>
+      <p:sp>
+        <p:nvSpPr>
+          <p:cNvPr id="4" name="Slide Number Placeholder 3"/>
+          <p:cNvSpPr>
+            <a:spLocks noGrp="1"/>
+          </p:cNvSpPr>
+          <p:nvPr>
+            <p:ph type="sldNum" sz="quarter" idx="12"/>
+          </p:nvPr>
+        </p:nvSpPr>
+        <p:spPr/>
+        <p:txBody>
+          <a:bodyPr/>
+          <a:lstStyle/>
+          <a:p>
+            <a:fld id="{5C6BB475-B640-4DD3-A1AA-1CF10A44AA06}" type="slidenum">
+              <a:rPr lang="en-US" smtClean="0"/>
+              <a:t>20</a:t>
+            </a:fld>
+            <a:endParaRPr lang="en-US"/>
+          </a:p>
+        </p:txBody>
+      </p:sp>
+    </p:spTree>
+    <p:extLst>
+      <p:ext uri="{BB962C8B-B14F-4D97-AF65-F5344CB8AC3E}">
+        <p14:creationId xmlns:p14="http://schemas.microsoft.com/office/powerpoint/2010/main" val="2150469081"/>
+      </p:ext>
+    </p:extLst>
+  </p:cSld>
+  <p:clrMapOvr>
+    <a:masterClrMapping/>
+  </p:clrMapOvr>
+  <p:timing>
+    <p:tnLst>
+      <p:par>
+        <p:cTn id="1" dur="indefinite" restart="never" nodeType="tmRoot"/>
+      </p:par>
+    </p:tnLst>
+  </p:timing>
+</p:sld>
+</file>
+
 <file path=ppt/slides/slide21.xml><?xml version="1.0" encoding="utf-8"?>
 <p:sld xmlns:a="http://schemas.openxmlformats.org/drawingml/2006/main" xmlns:r="http://schemas.openxmlformats.org/officeDocument/2006/relationships" xmlns:p="http://schemas.openxmlformats.org/presentationml/2006/main">
   <p:cSld>
@@ -8536,95 +9944,1117 @@
           <a:p>
             <a:r>
               <a:rPr lang="en-US" dirty="0" smtClean="0"/>
-              <a:t>Summary</a:t>
+              <a:t>Acknowledgements	</a:t>
             </a:r>
             <a:endParaRPr lang="en-US" dirty="0"/>
           </a:p>
         </p:txBody>
       </p:sp>
-      <p:sp>
-        <p:nvSpPr>
-          <p:cNvPr id="3" name="Content Placeholder 2"/>
-          <p:cNvSpPr>
-            <a:spLocks noGrp="1"/>
-          </p:cNvSpPr>
+      <p:graphicFrame>
+        <p:nvGraphicFramePr>
+          <p:cNvPr id="5" name="Content Placeholder 4"/>
+          <p:cNvGraphicFramePr>
+            <a:graphicFrameLocks noGrp="1"/>
+          </p:cNvGraphicFramePr>
           <p:nvPr>
             <p:ph idx="1"/>
-          </p:nvPr>
-        </p:nvSpPr>
-        <p:spPr/>
-        <p:txBody>
-          <a:bodyPr>
-            <a:normAutofit fontScale="92500" lnSpcReduction="20000"/>
-          </a:bodyPr>
-          <a:lstStyle/>
-          <a:p>
-            <a:pPr marL="0" indent="0" fontAlgn="base">
-              <a:buNone/>
-            </a:pPr>
-            <a:r>
-              <a:rPr lang="en-US" dirty="0"/>
-              <a:t>Problem Statement</a:t>
-            </a:r>
-          </a:p>
-          <a:p>
-            <a:pPr lvl="1" fontAlgn="base"/>
-            <a:r>
-              <a:rPr lang="en-US" dirty="0"/>
-              <a:t>Current hobbyist 3D printers are imprecise and fault-prone</a:t>
-            </a:r>
-          </a:p>
-          <a:p>
-            <a:pPr lvl="1" fontAlgn="base"/>
-            <a:r>
-              <a:rPr lang="en-US" dirty="0"/>
-              <a:t>High resolution additive manufacturing is currently not accessible for hobbyists (under $1,000)</a:t>
-            </a:r>
-          </a:p>
-          <a:p>
-            <a:pPr lvl="1" fontAlgn="base"/>
-            <a:r>
-              <a:rPr lang="en-US" dirty="0"/>
-              <a:t>Available PAM systems use proprietary hardware and software</a:t>
-            </a:r>
-          </a:p>
-          <a:p>
-            <a:pPr marL="0" indent="0" fontAlgn="base">
-              <a:buNone/>
-            </a:pPr>
-            <a:r>
-              <a:rPr lang="en-US" dirty="0"/>
-              <a:t>Our Solution</a:t>
-            </a:r>
-          </a:p>
-          <a:p>
-            <a:pPr lvl="1"/>
-            <a:r>
-              <a:rPr lang="en-US" dirty="0"/>
-              <a:t>A DLP PAM system can produce high quality and fast prints</a:t>
-            </a:r>
-          </a:p>
-          <a:p>
-            <a:pPr lvl="1"/>
-            <a:r>
-              <a:rPr lang="en-US" dirty="0"/>
-              <a:t>Use off-the-shelf open-source hardware</a:t>
-            </a:r>
-          </a:p>
-          <a:p>
-            <a:pPr lvl="1"/>
-            <a:r>
-              <a:rPr lang="en-US" dirty="0"/>
-              <a:t>Create a thoroughly documented reference </a:t>
-            </a:r>
-            <a:r>
-              <a:rPr lang="en-US" dirty="0" smtClean="0"/>
-              <a:t>design</a:t>
-            </a:r>
-            <a:endParaRPr lang="en-US" dirty="0"/>
-          </a:p>
-        </p:txBody>
-      </p:sp>
+            <p:extLst/>
+          </p:nvPr>
+        </p:nvGraphicFramePr>
+        <p:xfrm>
+          <a:off x="2808407" y="2366742"/>
+          <a:ext cx="7513068" cy="2359804"/>
+        </p:xfrm>
+        <a:graphic>
+          <a:graphicData uri="http://schemas.openxmlformats.org/drawingml/2006/table">
+            <a:tbl>
+              <a:tblPr>
+                <a:effectLst/>
+                <a:tableStyleId>{5C22544A-7EE6-4342-B048-85BDC9FD1C3A}</a:tableStyleId>
+              </a:tblPr>
+              <a:tblGrid>
+                <a:gridCol w="2240111"/>
+                <a:gridCol w="2640169"/>
+                <a:gridCol w="2632788"/>
+              </a:tblGrid>
+              <a:tr h="300860">
+                <a:tc>
+                  <a:txBody>
+                    <a:bodyPr/>
+                    <a:lstStyle/>
+                    <a:p>
+                      <a:r>
+                        <a:rPr lang="en-US" sz="1800" b="0" kern="1200" dirty="0" smtClean="0">
+                          <a:solidFill>
+                            <a:schemeClr val="tx1"/>
+                          </a:solidFill>
+                          <a:effectLst/>
+                          <a:latin typeface="+mn-lt"/>
+                          <a:ea typeface="+mn-ea"/>
+                          <a:cs typeface="+mn-cs"/>
+                        </a:rPr>
+                        <a:t>Dr. Spyros </a:t>
+                      </a:r>
+                      <a:r>
+                        <a:rPr lang="en-US" sz="1800" b="0" kern="1200" dirty="0" err="1" smtClean="0">
+                          <a:solidFill>
+                            <a:schemeClr val="tx1"/>
+                          </a:solidFill>
+                          <a:effectLst/>
+                          <a:latin typeface="+mn-lt"/>
+                          <a:ea typeface="+mn-ea"/>
+                          <a:cs typeface="+mn-cs"/>
+                        </a:rPr>
+                        <a:t>Tragoudas</a:t>
+                      </a:r>
+                      <a:r>
+                        <a:rPr lang="en-US" sz="1800" b="0" kern="1200" dirty="0" smtClean="0">
+                          <a:solidFill>
+                            <a:schemeClr val="tx1"/>
+                          </a:solidFill>
+                          <a:effectLst/>
+                          <a:latin typeface="+mn-lt"/>
+                          <a:ea typeface="+mn-ea"/>
+                          <a:cs typeface="+mn-cs"/>
+                        </a:rPr>
+                        <a:t> </a:t>
+                      </a:r>
+                      <a:endParaRPr lang="en-US" b="0" dirty="0">
+                        <a:solidFill>
+                          <a:schemeClr val="tx1"/>
+                        </a:solidFill>
+                      </a:endParaRPr>
+                    </a:p>
+                  </a:txBody>
+                  <a:tcPr>
+                    <a:lnL w="12700" cmpd="sng">
+                      <a:noFill/>
+                    </a:lnL>
+                    <a:lnR w="12700" cmpd="sng">
+                      <a:noFill/>
+                    </a:lnR>
+                    <a:lnT w="12700" cmpd="sng">
+                      <a:noFill/>
+                    </a:lnT>
+                    <a:lnB w="12700" cmpd="sng">
+                      <a:noFill/>
+                    </a:lnB>
+                    <a:lnTlToBr w="12700" cmpd="sng">
+                      <a:noFill/>
+                      <a:prstDash val="solid"/>
+                    </a:lnTlToBr>
+                    <a:lnBlToTr w="12700" cmpd="sng">
+                      <a:noFill/>
+                      <a:prstDash val="solid"/>
+                    </a:lnBlToTr>
+                    <a:noFill/>
+                  </a:tcPr>
+                </a:tc>
+                <a:tc>
+                  <a:txBody>
+                    <a:bodyPr/>
+                    <a:lstStyle/>
+                    <a:p>
+                      <a:r>
+                        <a:rPr lang="en-US" sz="1800" b="0" kern="1200" dirty="0" smtClean="0">
+                          <a:solidFill>
+                            <a:schemeClr val="tx1"/>
+                          </a:solidFill>
+                          <a:effectLst/>
+                          <a:latin typeface="+mn-lt"/>
+                          <a:ea typeface="+mn-ea"/>
+                          <a:cs typeface="+mn-cs"/>
+                        </a:rPr>
+                        <a:t>Dr. </a:t>
+                      </a:r>
+                      <a:r>
+                        <a:rPr lang="en-US" sz="1800" b="0" kern="1200" dirty="0" err="1" smtClean="0">
+                          <a:solidFill>
+                            <a:schemeClr val="tx1"/>
+                          </a:solidFill>
+                          <a:effectLst/>
+                          <a:latin typeface="+mn-lt"/>
+                          <a:ea typeface="+mn-ea"/>
+                          <a:cs typeface="+mn-cs"/>
+                        </a:rPr>
+                        <a:t>Tod</a:t>
+                      </a:r>
+                      <a:r>
+                        <a:rPr lang="en-US" sz="1800" b="0" kern="1200" dirty="0" smtClean="0">
+                          <a:solidFill>
+                            <a:schemeClr val="tx1"/>
+                          </a:solidFill>
+                          <a:effectLst/>
+                          <a:latin typeface="+mn-lt"/>
+                          <a:ea typeface="+mn-ea"/>
+                          <a:cs typeface="+mn-cs"/>
+                        </a:rPr>
+                        <a:t> </a:t>
+                      </a:r>
+                      <a:r>
+                        <a:rPr lang="en-US" sz="1800" b="0" kern="1200" dirty="0" err="1" smtClean="0">
+                          <a:solidFill>
+                            <a:schemeClr val="tx1"/>
+                          </a:solidFill>
+                          <a:effectLst/>
+                          <a:latin typeface="+mn-lt"/>
+                          <a:ea typeface="+mn-ea"/>
+                          <a:cs typeface="+mn-cs"/>
+                        </a:rPr>
+                        <a:t>Policandriotes</a:t>
+                      </a:r>
+                      <a:endParaRPr lang="en-US" b="0" dirty="0">
+                        <a:solidFill>
+                          <a:schemeClr val="tx1"/>
+                        </a:solidFill>
+                      </a:endParaRPr>
+                    </a:p>
+                  </a:txBody>
+                  <a:tcPr>
+                    <a:lnL w="12700" cmpd="sng">
+                      <a:noFill/>
+                    </a:lnL>
+                    <a:lnR w="12700" cmpd="sng">
+                      <a:noFill/>
+                    </a:lnR>
+                    <a:lnT w="12700" cmpd="sng">
+                      <a:noFill/>
+                    </a:lnT>
+                    <a:lnB w="12700" cmpd="sng">
+                      <a:noFill/>
+                    </a:lnB>
+                    <a:lnTlToBr w="12700" cmpd="sng">
+                      <a:noFill/>
+                      <a:prstDash val="solid"/>
+                    </a:lnTlToBr>
+                    <a:lnBlToTr w="12700" cmpd="sng">
+                      <a:noFill/>
+                      <a:prstDash val="solid"/>
+                    </a:lnBlToTr>
+                    <a:noFill/>
+                  </a:tcPr>
+                </a:tc>
+                <a:tc>
+                  <a:txBody>
+                    <a:bodyPr/>
+                    <a:lstStyle/>
+                    <a:p>
+                      <a:r>
+                        <a:rPr lang="en-US" sz="1800" b="0" kern="1200" dirty="0" err="1" smtClean="0">
+                          <a:solidFill>
+                            <a:schemeClr val="tx1"/>
+                          </a:solidFill>
+                          <a:effectLst/>
+                          <a:latin typeface="+mn-lt"/>
+                          <a:ea typeface="+mn-ea"/>
+                          <a:cs typeface="+mn-cs"/>
+                        </a:rPr>
+                        <a:t>Lakendria</a:t>
+                      </a:r>
+                      <a:r>
+                        <a:rPr lang="en-US" sz="1800" b="0" kern="1200" dirty="0" smtClean="0">
+                          <a:solidFill>
+                            <a:schemeClr val="tx1"/>
+                          </a:solidFill>
+                          <a:effectLst/>
+                          <a:latin typeface="+mn-lt"/>
+                          <a:ea typeface="+mn-ea"/>
+                          <a:cs typeface="+mn-cs"/>
+                        </a:rPr>
+                        <a:t> Kenner </a:t>
+                      </a:r>
+                      <a:endParaRPr lang="en-US" b="0" dirty="0">
+                        <a:solidFill>
+                          <a:schemeClr val="tx1"/>
+                        </a:solidFill>
+                      </a:endParaRPr>
+                    </a:p>
+                  </a:txBody>
+                  <a:tcPr>
+                    <a:lnL w="12700" cmpd="sng">
+                      <a:noFill/>
+                    </a:lnL>
+                    <a:lnR w="12700" cmpd="sng">
+                      <a:noFill/>
+                    </a:lnR>
+                    <a:lnT w="12700" cmpd="sng">
+                      <a:noFill/>
+                    </a:lnT>
+                    <a:lnB w="12700" cmpd="sng">
+                      <a:noFill/>
+                    </a:lnB>
+                    <a:lnTlToBr w="12700" cmpd="sng">
+                      <a:noFill/>
+                      <a:prstDash val="solid"/>
+                    </a:lnTlToBr>
+                    <a:lnBlToTr w="12700" cmpd="sng">
+                      <a:noFill/>
+                      <a:prstDash val="solid"/>
+                    </a:lnBlToTr>
+                    <a:noFill/>
+                  </a:tcPr>
+                </a:tc>
+              </a:tr>
+              <a:tr h="448580">
+                <a:tc>
+                  <a:txBody>
+                    <a:bodyPr/>
+                    <a:lstStyle/>
+                    <a:p>
+                      <a:r>
+                        <a:rPr lang="en-US" b="0" dirty="0" smtClean="0">
+                          <a:solidFill>
+                            <a:schemeClr val="tx1"/>
+                          </a:solidFill>
+                        </a:rPr>
+                        <a:t>Dr. </a:t>
+                      </a:r>
+                      <a:r>
+                        <a:rPr lang="en-US" b="0" dirty="0" err="1" smtClean="0">
+                          <a:solidFill>
+                            <a:schemeClr val="tx1"/>
+                          </a:solidFill>
+                        </a:rPr>
+                        <a:t>Rasit</a:t>
+                      </a:r>
+                      <a:r>
+                        <a:rPr lang="en-US" b="0" dirty="0" smtClean="0">
+                          <a:solidFill>
+                            <a:schemeClr val="tx1"/>
+                          </a:solidFill>
+                        </a:rPr>
+                        <a:t> </a:t>
+                      </a:r>
+                      <a:r>
+                        <a:rPr lang="en-US" b="0" dirty="0" err="1" smtClean="0">
+                          <a:solidFill>
+                            <a:schemeClr val="tx1"/>
+                          </a:solidFill>
+                        </a:rPr>
+                        <a:t>Koc</a:t>
+                      </a:r>
+                      <a:r>
+                        <a:rPr lang="en-US" b="0" dirty="0" smtClean="0">
+                          <a:solidFill>
+                            <a:schemeClr val="tx1"/>
+                          </a:solidFill>
+                        </a:rPr>
+                        <a:t> </a:t>
+                      </a:r>
+                      <a:endParaRPr lang="en-US" b="0" dirty="0">
+                        <a:solidFill>
+                          <a:schemeClr val="tx1"/>
+                        </a:solidFill>
+                      </a:endParaRPr>
+                    </a:p>
+                  </a:txBody>
+                  <a:tcPr>
+                    <a:lnL w="12700" cmpd="sng">
+                      <a:noFill/>
+                    </a:lnL>
+                    <a:lnR w="12700" cmpd="sng">
+                      <a:noFill/>
+                    </a:lnR>
+                    <a:lnT w="12700" cmpd="sng">
+                      <a:noFill/>
+                    </a:lnT>
+                    <a:lnB w="12700" cmpd="sng">
+                      <a:noFill/>
+                    </a:lnB>
+                    <a:lnTlToBr w="12700" cmpd="sng">
+                      <a:noFill/>
+                      <a:prstDash val="solid"/>
+                    </a:lnTlToBr>
+                    <a:lnBlToTr w="12700" cmpd="sng">
+                      <a:noFill/>
+                      <a:prstDash val="solid"/>
+                    </a:lnBlToTr>
+                    <a:noFill/>
+                  </a:tcPr>
+                </a:tc>
+                <a:tc>
+                  <a:txBody>
+                    <a:bodyPr/>
+                    <a:lstStyle/>
+                    <a:p>
+                      <a:r>
+                        <a:rPr lang="en-US" sz="1800" b="0" kern="1200" dirty="0" smtClean="0">
+                          <a:solidFill>
+                            <a:schemeClr val="tx1"/>
+                          </a:solidFill>
+                          <a:effectLst/>
+                          <a:latin typeface="+mn-lt"/>
+                          <a:ea typeface="+mn-ea"/>
+                          <a:cs typeface="+mn-cs"/>
+                        </a:rPr>
+                        <a:t>Dr. </a:t>
+                      </a:r>
+                      <a:r>
+                        <a:rPr lang="en-US" sz="1800" b="0" kern="1200" dirty="0" err="1" smtClean="0">
+                          <a:solidFill>
+                            <a:schemeClr val="tx1"/>
+                          </a:solidFill>
+                          <a:effectLst/>
+                          <a:latin typeface="+mn-lt"/>
+                          <a:ea typeface="+mn-ea"/>
+                          <a:cs typeface="+mn-cs"/>
+                        </a:rPr>
+                        <a:t>Vidya</a:t>
+                      </a:r>
+                      <a:r>
+                        <a:rPr lang="en-US" sz="1800" b="0" kern="1200" dirty="0" smtClean="0">
+                          <a:solidFill>
+                            <a:schemeClr val="tx1"/>
+                          </a:solidFill>
+                          <a:effectLst/>
+                          <a:latin typeface="+mn-lt"/>
+                          <a:ea typeface="+mn-ea"/>
+                          <a:cs typeface="+mn-cs"/>
+                        </a:rPr>
+                        <a:t> Singh-Gupta</a:t>
+                      </a:r>
+                      <a:endParaRPr lang="en-US" b="0" dirty="0">
+                        <a:solidFill>
+                          <a:schemeClr val="tx1"/>
+                        </a:solidFill>
+                      </a:endParaRPr>
+                    </a:p>
+                  </a:txBody>
+                  <a:tcPr>
+                    <a:lnL w="12700" cmpd="sng">
+                      <a:noFill/>
+                    </a:lnL>
+                    <a:lnR w="12700" cmpd="sng">
+                      <a:noFill/>
+                    </a:lnR>
+                    <a:lnT w="12700" cmpd="sng">
+                      <a:noFill/>
+                    </a:lnT>
+                    <a:lnB w="12700" cmpd="sng">
+                      <a:noFill/>
+                    </a:lnB>
+                    <a:lnTlToBr w="12700" cmpd="sng">
+                      <a:noFill/>
+                      <a:prstDash val="solid"/>
+                    </a:lnTlToBr>
+                    <a:lnBlToTr w="12700" cmpd="sng">
+                      <a:noFill/>
+                      <a:prstDash val="solid"/>
+                    </a:lnBlToTr>
+                    <a:noFill/>
+                  </a:tcPr>
+                </a:tc>
+                <a:tc>
+                  <a:txBody>
+                    <a:bodyPr/>
+                    <a:lstStyle/>
+                    <a:p>
+                      <a:r>
+                        <a:rPr lang="en-US" sz="1800" b="0" kern="1200" dirty="0" smtClean="0">
+                          <a:solidFill>
+                            <a:schemeClr val="tx1"/>
+                          </a:solidFill>
+                          <a:effectLst/>
+                          <a:latin typeface="+mn-lt"/>
+                          <a:ea typeface="+mn-ea"/>
+                          <a:cs typeface="+mn-cs"/>
+                        </a:rPr>
+                        <a:t>Scott J. Grunewald </a:t>
+                      </a:r>
+                      <a:endParaRPr lang="en-US" b="0" dirty="0">
+                        <a:solidFill>
+                          <a:schemeClr val="tx1"/>
+                        </a:solidFill>
+                      </a:endParaRPr>
+                    </a:p>
+                  </a:txBody>
+                  <a:tcPr>
+                    <a:lnL w="12700" cmpd="sng">
+                      <a:noFill/>
+                    </a:lnL>
+                    <a:lnR w="12700" cmpd="sng">
+                      <a:noFill/>
+                    </a:lnR>
+                    <a:lnT w="12700" cmpd="sng">
+                      <a:noFill/>
+                    </a:lnT>
+                    <a:lnB w="12700" cmpd="sng">
+                      <a:noFill/>
+                    </a:lnB>
+                    <a:lnTlToBr w="12700" cmpd="sng">
+                      <a:noFill/>
+                      <a:prstDash val="solid"/>
+                    </a:lnTlToBr>
+                    <a:lnBlToTr w="12700" cmpd="sng">
+                      <a:noFill/>
+                      <a:prstDash val="solid"/>
+                    </a:lnBlToTr>
+                    <a:noFill/>
+                  </a:tcPr>
+                </a:tc>
+              </a:tr>
+              <a:tr h="386366">
+                <a:tc>
+                  <a:txBody>
+                    <a:bodyPr/>
+                    <a:lstStyle/>
+                    <a:p>
+                      <a:r>
+                        <a:rPr lang="en-US" b="0" dirty="0" smtClean="0">
+                          <a:solidFill>
+                            <a:schemeClr val="tx1"/>
+                          </a:solidFill>
+                        </a:rPr>
+                        <a:t>Dr. Lizette Chevalier </a:t>
+                      </a:r>
+                      <a:endParaRPr lang="en-US" b="0" dirty="0">
+                        <a:solidFill>
+                          <a:schemeClr val="tx1"/>
+                        </a:solidFill>
+                      </a:endParaRPr>
+                    </a:p>
+                  </a:txBody>
+                  <a:tcPr>
+                    <a:lnL w="12700" cmpd="sng">
+                      <a:noFill/>
+                    </a:lnL>
+                    <a:lnR w="12700" cmpd="sng">
+                      <a:noFill/>
+                    </a:lnR>
+                    <a:lnT w="12700" cmpd="sng">
+                      <a:noFill/>
+                    </a:lnT>
+                    <a:lnB w="12700" cmpd="sng">
+                      <a:noFill/>
+                    </a:lnB>
+                    <a:lnTlToBr w="12700" cmpd="sng">
+                      <a:noFill/>
+                      <a:prstDash val="solid"/>
+                    </a:lnTlToBr>
+                    <a:lnBlToTr w="12700" cmpd="sng">
+                      <a:noFill/>
+                      <a:prstDash val="solid"/>
+                    </a:lnBlToTr>
+                    <a:noFill/>
+                  </a:tcPr>
+                </a:tc>
+                <a:tc>
+                  <a:txBody>
+                    <a:bodyPr/>
+                    <a:lstStyle/>
+                    <a:p>
+                      <a:r>
+                        <a:rPr lang="en-US" sz="1800" b="0" kern="1200" dirty="0" smtClean="0">
+                          <a:solidFill>
+                            <a:schemeClr val="tx1"/>
+                          </a:solidFill>
+                          <a:effectLst/>
+                          <a:latin typeface="+mn-lt"/>
+                          <a:ea typeface="+mn-ea"/>
+                          <a:cs typeface="+mn-cs"/>
+                        </a:rPr>
+                        <a:t>Dr. Frances </a:t>
+                      </a:r>
+                      <a:r>
+                        <a:rPr lang="en-US" sz="1800" b="0" kern="1200" dirty="0" err="1" smtClean="0">
+                          <a:solidFill>
+                            <a:schemeClr val="tx1"/>
+                          </a:solidFill>
+                          <a:effectLst/>
+                          <a:latin typeface="+mn-lt"/>
+                          <a:ea typeface="+mn-ea"/>
+                          <a:cs typeface="+mn-cs"/>
+                        </a:rPr>
+                        <a:t>Harackiewicz</a:t>
+                      </a:r>
+                      <a:endParaRPr lang="en-US" b="0" dirty="0">
+                        <a:solidFill>
+                          <a:schemeClr val="tx1"/>
+                        </a:solidFill>
+                      </a:endParaRPr>
+                    </a:p>
+                  </a:txBody>
+                  <a:tcPr>
+                    <a:lnL w="12700" cmpd="sng">
+                      <a:noFill/>
+                    </a:lnL>
+                    <a:lnR w="12700" cmpd="sng">
+                      <a:noFill/>
+                    </a:lnR>
+                    <a:lnT w="12700" cmpd="sng">
+                      <a:noFill/>
+                    </a:lnT>
+                    <a:lnB w="12700" cmpd="sng">
+                      <a:noFill/>
+                    </a:lnB>
+                    <a:lnTlToBr w="12700" cmpd="sng">
+                      <a:noFill/>
+                      <a:prstDash val="solid"/>
+                    </a:lnTlToBr>
+                    <a:lnBlToTr w="12700" cmpd="sng">
+                      <a:noFill/>
+                      <a:prstDash val="solid"/>
+                    </a:lnBlToTr>
+                    <a:noFill/>
+                  </a:tcPr>
+                </a:tc>
+                <a:tc>
+                  <a:txBody>
+                    <a:bodyPr/>
+                    <a:lstStyle/>
+                    <a:p>
+                      <a:r>
+                        <a:rPr lang="en-US" sz="1800" b="0" kern="1200" dirty="0" smtClean="0">
+                          <a:solidFill>
+                            <a:schemeClr val="tx1"/>
+                          </a:solidFill>
+                          <a:effectLst/>
+                          <a:latin typeface="+mn-lt"/>
+                          <a:ea typeface="+mn-ea"/>
+                          <a:cs typeface="+mn-cs"/>
+                        </a:rPr>
+                        <a:t>Eddie </a:t>
+                      </a:r>
+                      <a:r>
+                        <a:rPr lang="en-US" sz="1800" b="0" kern="1200" dirty="0" err="1" smtClean="0">
+                          <a:solidFill>
+                            <a:schemeClr val="tx1"/>
+                          </a:solidFill>
+                          <a:effectLst/>
+                          <a:latin typeface="+mn-lt"/>
+                          <a:ea typeface="+mn-ea"/>
+                          <a:cs typeface="+mn-cs"/>
+                        </a:rPr>
+                        <a:t>Krassenstein</a:t>
+                      </a:r>
+                      <a:r>
+                        <a:rPr lang="en-US" sz="1800" b="0" kern="1200" dirty="0" smtClean="0">
+                          <a:solidFill>
+                            <a:schemeClr val="tx1"/>
+                          </a:solidFill>
+                          <a:effectLst/>
+                          <a:latin typeface="+mn-lt"/>
+                          <a:ea typeface="+mn-ea"/>
+                          <a:cs typeface="+mn-cs"/>
+                        </a:rPr>
+                        <a:t> </a:t>
+                      </a:r>
+                      <a:endParaRPr lang="en-US" b="0" dirty="0">
+                        <a:solidFill>
+                          <a:schemeClr val="tx1"/>
+                        </a:solidFill>
+                      </a:endParaRPr>
+                    </a:p>
+                  </a:txBody>
+                  <a:tcPr>
+                    <a:lnL w="12700" cmpd="sng">
+                      <a:noFill/>
+                    </a:lnL>
+                    <a:lnR w="12700" cmpd="sng">
+                      <a:noFill/>
+                    </a:lnR>
+                    <a:lnT w="12700" cmpd="sng">
+                      <a:noFill/>
+                    </a:lnT>
+                    <a:lnB w="12700" cmpd="sng">
+                      <a:noFill/>
+                    </a:lnB>
+                    <a:lnTlToBr w="12700" cmpd="sng">
+                      <a:noFill/>
+                      <a:prstDash val="solid"/>
+                    </a:lnTlToBr>
+                    <a:lnBlToTr w="12700" cmpd="sng">
+                      <a:noFill/>
+                      <a:prstDash val="solid"/>
+                    </a:lnBlToTr>
+                    <a:noFill/>
+                  </a:tcPr>
+                </a:tc>
+              </a:tr>
+              <a:tr h="399245">
+                <a:tc>
+                  <a:txBody>
+                    <a:bodyPr/>
+                    <a:lstStyle/>
+                    <a:p>
+                      <a:r>
+                        <a:rPr lang="en-US" sz="1800" b="0" kern="1200" dirty="0" smtClean="0">
+                          <a:solidFill>
+                            <a:schemeClr val="tx1"/>
+                          </a:solidFill>
+                          <a:effectLst/>
+                          <a:latin typeface="+mn-lt"/>
+                          <a:ea typeface="+mn-ea"/>
+                          <a:cs typeface="+mn-cs"/>
+                        </a:rPr>
+                        <a:t>Dr. James Mathias </a:t>
+                      </a:r>
+                      <a:endParaRPr lang="en-US" b="0" dirty="0">
+                        <a:solidFill>
+                          <a:schemeClr val="tx1"/>
+                        </a:solidFill>
+                      </a:endParaRPr>
+                    </a:p>
+                  </a:txBody>
+                  <a:tcPr>
+                    <a:lnL w="12700" cmpd="sng">
+                      <a:noFill/>
+                    </a:lnL>
+                    <a:lnR w="12700" cmpd="sng">
+                      <a:noFill/>
+                    </a:lnR>
+                    <a:lnT w="12700" cmpd="sng">
+                      <a:noFill/>
+                    </a:lnT>
+                    <a:lnB w="12700" cmpd="sng">
+                      <a:noFill/>
+                    </a:lnB>
+                    <a:lnTlToBr w="12700" cmpd="sng">
+                      <a:noFill/>
+                      <a:prstDash val="solid"/>
+                    </a:lnTlToBr>
+                    <a:lnBlToTr w="12700" cmpd="sng">
+                      <a:noFill/>
+                      <a:prstDash val="solid"/>
+                    </a:lnBlToTr>
+                    <a:noFill/>
+                  </a:tcPr>
+                </a:tc>
+                <a:tc>
+                  <a:txBody>
+                    <a:bodyPr/>
+                    <a:lstStyle/>
+                    <a:p>
+                      <a:r>
+                        <a:rPr lang="en-US" sz="1800" b="0" kern="1200" dirty="0" smtClean="0">
+                          <a:solidFill>
+                            <a:schemeClr val="tx1"/>
+                          </a:solidFill>
+                          <a:effectLst/>
+                          <a:latin typeface="+mn-lt"/>
+                          <a:ea typeface="+mn-ea"/>
+                          <a:cs typeface="+mn-cs"/>
+                        </a:rPr>
+                        <a:t>Dr. Alan J. Weston </a:t>
+                      </a:r>
+                      <a:endParaRPr lang="en-US" b="0" dirty="0">
+                        <a:solidFill>
+                          <a:schemeClr val="tx1"/>
+                        </a:solidFill>
+                      </a:endParaRPr>
+                    </a:p>
+                  </a:txBody>
+                  <a:tcPr>
+                    <a:lnL w="12700" cmpd="sng">
+                      <a:noFill/>
+                    </a:lnL>
+                    <a:lnR w="12700" cmpd="sng">
+                      <a:noFill/>
+                    </a:lnR>
+                    <a:lnT w="12700" cmpd="sng">
+                      <a:noFill/>
+                    </a:lnT>
+                    <a:lnB w="12700" cmpd="sng">
+                      <a:noFill/>
+                    </a:lnB>
+                    <a:lnTlToBr w="12700" cmpd="sng">
+                      <a:noFill/>
+                      <a:prstDash val="solid"/>
+                    </a:lnTlToBr>
+                    <a:lnBlToTr w="12700" cmpd="sng">
+                      <a:noFill/>
+                      <a:prstDash val="solid"/>
+                    </a:lnBlToTr>
+                    <a:noFill/>
+                  </a:tcPr>
+                </a:tc>
+                <a:tc>
+                  <a:txBody>
+                    <a:bodyPr/>
+                    <a:lstStyle/>
+                    <a:p>
+                      <a:r>
+                        <a:rPr lang="en-US" sz="1800" b="0" kern="1200" dirty="0" smtClean="0">
+                          <a:solidFill>
+                            <a:schemeClr val="tx1"/>
+                          </a:solidFill>
+                          <a:effectLst/>
+                          <a:latin typeface="+mn-lt"/>
+                          <a:ea typeface="+mn-ea"/>
+                          <a:cs typeface="+mn-cs"/>
+                        </a:rPr>
+                        <a:t>Austin Miller </a:t>
+                      </a:r>
+                      <a:endParaRPr lang="en-US" b="0" dirty="0">
+                        <a:solidFill>
+                          <a:schemeClr val="tx1"/>
+                        </a:solidFill>
+                      </a:endParaRPr>
+                    </a:p>
+                  </a:txBody>
+                  <a:tcPr>
+                    <a:lnL w="12700" cmpd="sng">
+                      <a:noFill/>
+                    </a:lnL>
+                    <a:lnR w="12700" cmpd="sng">
+                      <a:noFill/>
+                    </a:lnR>
+                    <a:lnT w="12700" cmpd="sng">
+                      <a:noFill/>
+                    </a:lnT>
+                    <a:lnB w="12700" cmpd="sng">
+                      <a:noFill/>
+                    </a:lnB>
+                    <a:lnTlToBr w="12700" cmpd="sng">
+                      <a:noFill/>
+                      <a:prstDash val="solid"/>
+                    </a:lnTlToBr>
+                    <a:lnBlToTr w="12700" cmpd="sng">
+                      <a:noFill/>
+                      <a:prstDash val="solid"/>
+                    </a:lnBlToTr>
+                    <a:noFill/>
+                  </a:tcPr>
+                </a:tc>
+              </a:tr>
+              <a:tr h="347729">
+                <a:tc>
+                  <a:txBody>
+                    <a:bodyPr/>
+                    <a:lstStyle/>
+                    <a:p>
+                      <a:r>
+                        <a:rPr lang="en-US" sz="1800" b="0" kern="1200" dirty="0" smtClean="0">
+                          <a:solidFill>
+                            <a:schemeClr val="tx1"/>
+                          </a:solidFill>
+                          <a:effectLst/>
+                          <a:latin typeface="+mn-lt"/>
+                          <a:ea typeface="+mn-ea"/>
+                          <a:cs typeface="+mn-cs"/>
+                        </a:rPr>
+                        <a:t>Dr. James Mabry </a:t>
+                      </a:r>
+                      <a:endParaRPr lang="en-US" b="0" dirty="0">
+                        <a:solidFill>
+                          <a:schemeClr val="tx1"/>
+                        </a:solidFill>
+                      </a:endParaRPr>
+                    </a:p>
+                  </a:txBody>
+                  <a:tcPr>
+                    <a:lnL w="12700" cmpd="sng">
+                      <a:noFill/>
+                    </a:lnL>
+                    <a:lnR w="12700" cmpd="sng">
+                      <a:noFill/>
+                    </a:lnR>
+                    <a:lnT w="12700" cmpd="sng">
+                      <a:noFill/>
+                    </a:lnT>
+                    <a:lnB w="12700" cmpd="sng">
+                      <a:noFill/>
+                    </a:lnB>
+                    <a:lnTlToBr w="12700" cmpd="sng">
+                      <a:noFill/>
+                      <a:prstDash val="solid"/>
+                    </a:lnTlToBr>
+                    <a:lnBlToTr w="12700" cmpd="sng">
+                      <a:noFill/>
+                      <a:prstDash val="solid"/>
+                    </a:lnBlToTr>
+                    <a:noFill/>
+                  </a:tcPr>
+                </a:tc>
+                <a:tc>
+                  <a:txBody>
+                    <a:bodyPr/>
+                    <a:lstStyle/>
+                    <a:p>
+                      <a:r>
+                        <a:rPr lang="en-US" sz="1800" b="0" i="0" kern="1200" dirty="0" smtClean="0">
+                          <a:solidFill>
+                            <a:schemeClr val="dk1"/>
+                          </a:solidFill>
+                          <a:effectLst/>
+                          <a:latin typeface="+mn-lt"/>
+                          <a:ea typeface="+mn-ea"/>
+                          <a:cs typeface="+mn-cs"/>
+                        </a:rPr>
+                        <a:t>Kay Purcell</a:t>
+                      </a:r>
+                      <a:endParaRPr lang="en-US" dirty="0"/>
+                    </a:p>
+                  </a:txBody>
+                  <a:tcPr>
+                    <a:lnL w="12700" cmpd="sng">
+                      <a:noFill/>
+                    </a:lnL>
+                    <a:lnR w="12700" cmpd="sng">
+                      <a:noFill/>
+                    </a:lnR>
+                    <a:lnT w="12700" cmpd="sng">
+                      <a:noFill/>
+                    </a:lnT>
+                    <a:lnB w="12700" cmpd="sng">
+                      <a:noFill/>
+                    </a:lnB>
+                    <a:lnTlToBr w="12700" cmpd="sng">
+                      <a:noFill/>
+                      <a:prstDash val="solid"/>
+                    </a:lnTlToBr>
+                    <a:lnBlToTr w="12700" cmpd="sng">
+                      <a:noFill/>
+                      <a:prstDash val="solid"/>
+                    </a:lnBlToTr>
+                    <a:noFill/>
+                  </a:tcPr>
+                </a:tc>
+                <a:tc>
+                  <a:txBody>
+                    <a:bodyPr/>
+                    <a:lstStyle/>
+                    <a:p>
+                      <a:r>
+                        <a:rPr lang="en-US" b="0" dirty="0" err="1" smtClean="0">
+                          <a:solidFill>
+                            <a:schemeClr val="tx1"/>
+                          </a:solidFill>
+                        </a:rPr>
+                        <a:t>Indiegogo</a:t>
+                      </a:r>
+                      <a:r>
+                        <a:rPr lang="en-US" b="0" dirty="0" smtClean="0">
+                          <a:solidFill>
+                            <a:schemeClr val="tx1"/>
+                          </a:solidFill>
+                        </a:rPr>
+                        <a:t> Funders</a:t>
+                      </a:r>
+                      <a:endParaRPr lang="en-US" b="0" dirty="0">
+                        <a:solidFill>
+                          <a:schemeClr val="tx1"/>
+                        </a:solidFill>
+                      </a:endParaRPr>
+                    </a:p>
+                  </a:txBody>
+                  <a:tcPr>
+                    <a:lnL w="12700" cmpd="sng">
+                      <a:noFill/>
+                    </a:lnL>
+                    <a:lnR w="12700" cmpd="sng">
+                      <a:noFill/>
+                    </a:lnR>
+                    <a:lnT w="12700" cmpd="sng">
+                      <a:noFill/>
+                    </a:lnT>
+                    <a:lnB w="12700" cmpd="sng">
+                      <a:noFill/>
+                    </a:lnB>
+                    <a:lnTlToBr w="12700" cmpd="sng">
+                      <a:noFill/>
+                      <a:prstDash val="solid"/>
+                    </a:lnTlToBr>
+                    <a:lnBlToTr w="12700" cmpd="sng">
+                      <a:noFill/>
+                      <a:prstDash val="solid"/>
+                    </a:lnBlToTr>
+                    <a:noFill/>
+                  </a:tcPr>
+                </a:tc>
+              </a:tr>
+              <a:tr h="394093">
+                <a:tc>
+                  <a:txBody>
+                    <a:bodyPr/>
+                    <a:lstStyle/>
+                    <a:p>
+                      <a:pPr marL="0" marR="0" indent="0" algn="l" defTabSz="457200" rtl="0" eaLnBrk="1" fontAlgn="auto" latinLnBrk="0" hangingPunct="1">
+                        <a:lnSpc>
+                          <a:spcPct val="100000"/>
+                        </a:lnSpc>
+                        <a:spcBef>
+                          <a:spcPts val="0"/>
+                        </a:spcBef>
+                        <a:spcAft>
+                          <a:spcPts val="0"/>
+                        </a:spcAft>
+                        <a:buClrTx/>
+                        <a:buSzTx/>
+                        <a:buFontTx/>
+                        <a:buNone/>
+                        <a:tabLst/>
+                        <a:defRPr/>
+                      </a:pPr>
+                      <a:r>
+                        <a:rPr lang="en-US" sz="1800" b="0" kern="1200" dirty="0" smtClean="0">
+                          <a:solidFill>
+                            <a:schemeClr val="tx1"/>
+                          </a:solidFill>
+                          <a:effectLst/>
+                          <a:latin typeface="+mn-lt"/>
+                          <a:ea typeface="+mn-ea"/>
+                          <a:cs typeface="+mn-cs"/>
+                        </a:rPr>
+                        <a:t>Tim </a:t>
+                      </a:r>
+                      <a:r>
+                        <a:rPr lang="en-US" sz="1800" b="0" kern="1200" dirty="0" err="1" smtClean="0">
+                          <a:solidFill>
+                            <a:schemeClr val="tx1"/>
+                          </a:solidFill>
+                          <a:effectLst/>
+                          <a:latin typeface="+mn-lt"/>
+                          <a:ea typeface="+mn-ea"/>
+                          <a:cs typeface="+mn-cs"/>
+                        </a:rPr>
+                        <a:t>Attig</a:t>
+                      </a:r>
+                      <a:r>
+                        <a:rPr lang="en-US" sz="1800" b="0" kern="1200" dirty="0" smtClean="0">
+                          <a:solidFill>
+                            <a:schemeClr val="tx1"/>
+                          </a:solidFill>
+                          <a:effectLst/>
+                          <a:latin typeface="+mn-lt"/>
+                          <a:ea typeface="+mn-ea"/>
+                          <a:cs typeface="+mn-cs"/>
+                        </a:rPr>
+                        <a:t> </a:t>
+                      </a:r>
+                      <a:endParaRPr lang="en-US" b="0" dirty="0" smtClean="0">
+                        <a:solidFill>
+                          <a:schemeClr val="tx1"/>
+                        </a:solidFill>
+                      </a:endParaRPr>
+                    </a:p>
+                  </a:txBody>
+                  <a:tcPr>
+                    <a:lnL w="12700" cmpd="sng">
+                      <a:noFill/>
+                    </a:lnL>
+                    <a:lnR w="12700" cmpd="sng">
+                      <a:noFill/>
+                    </a:lnR>
+                    <a:lnT w="12700" cmpd="sng">
+                      <a:noFill/>
+                    </a:lnT>
+                    <a:lnB w="12700" cmpd="sng">
+                      <a:noFill/>
+                    </a:lnB>
+                    <a:lnTlToBr w="12700" cmpd="sng">
+                      <a:noFill/>
+                      <a:prstDash val="solid"/>
+                    </a:lnTlToBr>
+                    <a:lnBlToTr w="12700" cmpd="sng">
+                      <a:noFill/>
+                      <a:prstDash val="solid"/>
+                    </a:lnBlToTr>
+                    <a:noFill/>
+                  </a:tcPr>
+                </a:tc>
+                <a:tc>
+                  <a:txBody>
+                    <a:bodyPr/>
+                    <a:lstStyle/>
+                    <a:p>
+                      <a:pPr marL="0" marR="0" indent="0" algn="l" defTabSz="457200" rtl="0" eaLnBrk="1" fontAlgn="auto" latinLnBrk="0" hangingPunct="1">
+                        <a:lnSpc>
+                          <a:spcPct val="100000"/>
+                        </a:lnSpc>
+                        <a:spcBef>
+                          <a:spcPts val="0"/>
+                        </a:spcBef>
+                        <a:spcAft>
+                          <a:spcPts val="0"/>
+                        </a:spcAft>
+                        <a:buClrTx/>
+                        <a:buSzTx/>
+                        <a:buFontTx/>
+                        <a:buNone/>
+                        <a:tabLst/>
+                        <a:defRPr/>
+                      </a:pPr>
+                      <a:r>
+                        <a:rPr lang="en-US" sz="1800" b="0" kern="1200" dirty="0" smtClean="0">
+                          <a:solidFill>
+                            <a:schemeClr val="tx1"/>
+                          </a:solidFill>
+                          <a:effectLst/>
+                          <a:latin typeface="+mn-lt"/>
+                          <a:ea typeface="+mn-ea"/>
+                          <a:cs typeface="+mn-cs"/>
+                        </a:rPr>
+                        <a:t>Joe Lennox</a:t>
+                      </a:r>
+                      <a:endParaRPr lang="en-US" b="0" dirty="0" smtClean="0">
+                        <a:solidFill>
+                          <a:schemeClr val="tx1"/>
+                        </a:solidFill>
+                      </a:endParaRPr>
+                    </a:p>
+                  </a:txBody>
+                  <a:tcPr>
+                    <a:lnL w="12700" cmpd="sng">
+                      <a:noFill/>
+                    </a:lnL>
+                    <a:lnR w="12700" cmpd="sng">
+                      <a:noFill/>
+                    </a:lnR>
+                    <a:lnT w="12700" cmpd="sng">
+                      <a:noFill/>
+                    </a:lnT>
+                    <a:lnB w="12700" cmpd="sng">
+                      <a:noFill/>
+                    </a:lnB>
+                    <a:lnTlToBr w="12700" cmpd="sng">
+                      <a:noFill/>
+                      <a:prstDash val="solid"/>
+                    </a:lnTlToBr>
+                    <a:lnBlToTr w="12700" cmpd="sng">
+                      <a:noFill/>
+                      <a:prstDash val="solid"/>
+                    </a:lnBlToTr>
+                    <a:noFill/>
+                  </a:tcPr>
+                </a:tc>
+                <a:tc>
+                  <a:txBody>
+                    <a:bodyPr/>
+                    <a:lstStyle/>
+                    <a:p>
+                      <a:endParaRPr lang="en-US" dirty="0"/>
+                    </a:p>
+                  </a:txBody>
+                  <a:tcPr>
+                    <a:lnL w="12700" cmpd="sng">
+                      <a:noFill/>
+                    </a:lnL>
+                    <a:lnR w="12700" cmpd="sng">
+                      <a:noFill/>
+                    </a:lnR>
+                    <a:lnT w="12700" cmpd="sng">
+                      <a:noFill/>
+                    </a:lnT>
+                    <a:lnB w="12700" cmpd="sng">
+                      <a:noFill/>
+                    </a:lnB>
+                    <a:lnTlToBr w="12700" cmpd="sng">
+                      <a:noFill/>
+                      <a:prstDash val="solid"/>
+                    </a:lnTlToBr>
+                    <a:lnBlToTr w="12700" cmpd="sng">
+                      <a:noFill/>
+                      <a:prstDash val="solid"/>
+                    </a:lnBlToTr>
+                    <a:noFill/>
+                  </a:tcPr>
+                </a:tc>
+              </a:tr>
+            </a:tbl>
+          </a:graphicData>
+        </a:graphic>
+      </p:graphicFrame>
       <p:sp>
         <p:nvSpPr>
           <p:cNvPr id="4" name="Slide Number Placeholder 3"/>
@@ -8642,16 +11072,17 @@
           <a:p>
             <a:fld id="{5C6BB475-B640-4DD3-A1AA-1CF10A44AA06}" type="slidenum">
               <a:rPr lang="en-US" smtClean="0"/>
+              <a:pPr/>
               <a:t>21</a:t>
             </a:fld>
-            <a:endParaRPr lang="en-US"/>
+            <a:endParaRPr lang="en-US" dirty="0"/>
           </a:p>
         </p:txBody>
       </p:sp>
     </p:spTree>
     <p:extLst>
       <p:ext uri="{BB962C8B-B14F-4D97-AF65-F5344CB8AC3E}">
-        <p14:creationId xmlns:p14="http://schemas.microsoft.com/office/powerpoint/2010/main" val="2150469081"/>
+        <p14:creationId xmlns:p14="http://schemas.microsoft.com/office/powerpoint/2010/main" val="767577116"/>
       </p:ext>
     </p:extLst>
   </p:cSld>
@@ -8697,101 +11128,6 @@
         </p:nvSpPr>
         <p:spPr/>
         <p:txBody>
-          <a:bodyPr/>
-          <a:lstStyle/>
-          <a:p>
-            <a:r>
-              <a:rPr lang="en-US" dirty="0" smtClean="0"/>
-              <a:t>Acknowledgments</a:t>
-            </a:r>
-            <a:endParaRPr lang="en-US" dirty="0"/>
-          </a:p>
-        </p:txBody>
-      </p:sp>
-      <p:sp>
-        <p:nvSpPr>
-          <p:cNvPr id="3" name="Content Placeholder 2"/>
-          <p:cNvSpPr>
-            <a:spLocks noGrp="1"/>
-          </p:cNvSpPr>
-          <p:nvPr>
-            <p:ph idx="1"/>
-          </p:nvPr>
-        </p:nvSpPr>
-        <p:spPr/>
-        <p:txBody>
-          <a:bodyPr/>
-          <a:lstStyle/>
-          <a:p>
-            <a:endParaRPr lang="en-US" dirty="0"/>
-          </a:p>
-        </p:txBody>
-      </p:sp>
-      <p:sp>
-        <p:nvSpPr>
-          <p:cNvPr id="4" name="Slide Number Placeholder 3"/>
-          <p:cNvSpPr>
-            <a:spLocks noGrp="1"/>
-          </p:cNvSpPr>
-          <p:nvPr>
-            <p:ph type="sldNum" sz="quarter" idx="12"/>
-          </p:nvPr>
-        </p:nvSpPr>
-        <p:spPr/>
-        <p:txBody>
-          <a:bodyPr/>
-          <a:lstStyle/>
-          <a:p>
-            <a:fld id="{5C6BB475-B640-4DD3-A1AA-1CF10A44AA06}" type="slidenum">
-              <a:rPr lang="en-US" smtClean="0"/>
-              <a:t>22</a:t>
-            </a:fld>
-            <a:endParaRPr lang="en-US"/>
-          </a:p>
-        </p:txBody>
-      </p:sp>
-    </p:spTree>
-    <p:extLst>
-      <p:ext uri="{BB962C8B-B14F-4D97-AF65-F5344CB8AC3E}">
-        <p14:creationId xmlns:p14="http://schemas.microsoft.com/office/powerpoint/2010/main" val="4148977491"/>
-      </p:ext>
-    </p:extLst>
-  </p:cSld>
-  <p:clrMapOvr>
-    <a:masterClrMapping/>
-  </p:clrMapOvr>
-</p:sld>
-</file>
-
-<file path=ppt/slides/slide23.xml><?xml version="1.0" encoding="utf-8"?>
-<p:sld xmlns:a="http://schemas.openxmlformats.org/drawingml/2006/main" xmlns:r="http://schemas.openxmlformats.org/officeDocument/2006/relationships" xmlns:p="http://schemas.openxmlformats.org/presentationml/2006/main">
-  <p:cSld>
-    <p:spTree>
-      <p:nvGrpSpPr>
-        <p:cNvPr id="1" name=""/>
-        <p:cNvGrpSpPr/>
-        <p:nvPr/>
-      </p:nvGrpSpPr>
-      <p:grpSpPr>
-        <a:xfrm>
-          <a:off x="0" y="0"/>
-          <a:ext cx="0" cy="0"/>
-          <a:chOff x="0" y="0"/>
-          <a:chExt cx="0" cy="0"/>
-        </a:xfrm>
-      </p:grpSpPr>
-      <p:sp>
-        <p:nvSpPr>
-          <p:cNvPr id="2" name="Title 1"/>
-          <p:cNvSpPr>
-            <a:spLocks noGrp="1"/>
-          </p:cNvSpPr>
-          <p:nvPr>
-            <p:ph type="title"/>
-          </p:nvPr>
-        </p:nvSpPr>
-        <p:spPr/>
-        <p:txBody>
           <a:bodyPr>
             <a:normAutofit/>
           </a:bodyPr>
@@ -9075,7 +11411,7 @@
           <a:p>
             <a:fld id="{5C6BB475-B640-4DD3-A1AA-1CF10A44AA06}" type="slidenum">
               <a:rPr lang="en-US" smtClean="0"/>
-              <a:t>23</a:t>
+              <a:t>22</a:t>
             </a:fld>
             <a:endParaRPr lang="en-US"/>
           </a:p>
@@ -9305,7 +11641,7 @@
         <p:spPr/>
         <p:txBody>
           <a:bodyPr>
-            <a:normAutofit fontScale="92500" lnSpcReduction="20000"/>
+            <a:normAutofit fontScale="70000" lnSpcReduction="20000"/>
           </a:bodyPr>
           <a:lstStyle/>
           <a:p>
@@ -9314,7 +11650,26 @@
             </a:pPr>
             <a:r>
               <a:rPr lang="en-US" dirty="0" smtClean="0"/>
-              <a:t>Problem Statement</a:t>
+              <a:t>Problem</a:t>
+            </a:r>
+          </a:p>
+          <a:p>
+            <a:pPr lvl="1" fontAlgn="base"/>
+            <a:r>
+              <a:rPr lang="en-US" dirty="0"/>
+              <a:t>High resolution additive manufacturing </a:t>
+            </a:r>
+            <a:r>
+              <a:rPr lang="en-US" dirty="0" smtClean="0"/>
+              <a:t>is </a:t>
+            </a:r>
+            <a:r>
+              <a:rPr lang="en-US" dirty="0"/>
+              <a:t>not accessible for hobbyists (under $1,000</a:t>
+            </a:r>
+            <a:r>
+              <a:rPr lang="en-US" dirty="0" smtClean="0"/>
+              <a:t>)</a:t>
             </a:r>
           </a:p>
           <a:p>
@@ -9325,25 +11680,31 @@
             </a:r>
             <a:r>
               <a:rPr lang="en-US" dirty="0"/>
-              <a:t>hobbyist 3D printers are imprecise and fault-prone</a:t>
-            </a:r>
+              <a:t>hobbyist 3D printers are </a:t>
+            </a:r>
+            <a:r>
+              <a:rPr lang="en-US" dirty="0" smtClean="0"/>
+              <a:t>imprecise, fault-prone, and poorly documented</a:t>
+            </a:r>
+            <a:endParaRPr lang="en-US" dirty="0"/>
           </a:p>
           <a:p>
             <a:pPr lvl="1" fontAlgn="base"/>
             <a:r>
+              <a:rPr lang="en-US" dirty="0" smtClean="0"/>
+              <a:t>Available </a:t>
+            </a:r>
+            <a:r>
               <a:rPr lang="en-US" dirty="0"/>
-              <a:t>High resolution additive manufacturing is currently not accessible for hobbyists (under $1,000</a:t>
+              <a:t>PAM </a:t>
             </a:r>
             <a:r>
               <a:rPr lang="en-US" dirty="0" smtClean="0"/>
-              <a:t>)</a:t>
-            </a:r>
-          </a:p>
-          <a:p>
-            <a:pPr lvl="1" fontAlgn="base"/>
+              <a:t>systems are inflexible, </a:t>
+            </a:r>
             <a:r>
               <a:rPr lang="en-US" dirty="0"/>
-              <a:t>Available PAM systems use proprietary hardware and </a:t>
+              <a:t>use proprietary hardware and </a:t>
             </a:r>
             <a:r>
               <a:rPr lang="en-US" dirty="0" smtClean="0"/>
@@ -9356,7 +11717,67 @@
             </a:pPr>
             <a:r>
               <a:rPr lang="en-US" dirty="0" smtClean="0"/>
-              <a:t>Our Solution</a:t>
+              <a:t>Solution</a:t>
+            </a:r>
+          </a:p>
+          <a:p>
+            <a:pPr lvl="1"/>
+            <a:r>
+              <a:rPr lang="en-US" dirty="0" err="1" smtClean="0"/>
+              <a:t>Libre</a:t>
+            </a:r>
+            <a:endParaRPr lang="en-US" dirty="0" smtClean="0"/>
+          </a:p>
+          <a:p>
+            <a:pPr lvl="1"/>
+            <a:r>
+              <a:rPr lang="en-US" dirty="0" smtClean="0"/>
+              <a:t>Accessible </a:t>
+            </a:r>
+            <a:r>
+              <a:rPr lang="en-US" dirty="0"/>
+              <a:t>to the hobbyist</a:t>
+            </a:r>
+          </a:p>
+          <a:p>
+            <a:pPr lvl="1"/>
+            <a:r>
+              <a:rPr lang="en-US" dirty="0" smtClean="0"/>
+              <a:t>Precise </a:t>
+            </a:r>
+            <a:r>
+              <a:rPr lang="en-US" dirty="0"/>
+              <a:t>and repeatable</a:t>
+            </a:r>
+          </a:p>
+          <a:p>
+            <a:pPr lvl="1"/>
+            <a:r>
+              <a:rPr lang="en-US" dirty="0"/>
+              <a:t>Flexible for the end </a:t>
+            </a:r>
+            <a:r>
+              <a:rPr lang="en-US" dirty="0" smtClean="0"/>
+              <a:t>user</a:t>
+            </a:r>
+          </a:p>
+          <a:p>
+            <a:pPr lvl="1"/>
+            <a:r>
+              <a:rPr lang="en-US" dirty="0"/>
+              <a:t>O</a:t>
+            </a:r>
+            <a:r>
+              <a:rPr lang="en-US" dirty="0" smtClean="0"/>
+              <a:t>ff-the-shelf </a:t>
+            </a:r>
+            <a:r>
+              <a:rPr lang="en-US" dirty="0"/>
+              <a:t>open-source </a:t>
+            </a:r>
+            <a:r>
+              <a:rPr lang="en-US" dirty="0" smtClean="0"/>
+              <a:t>hardware</a:t>
             </a:r>
           </a:p>
           <a:p>
@@ -9367,37 +11788,7 @@
             </a:r>
             <a:r>
               <a:rPr lang="en-US" dirty="0"/>
-              <a:t>DLP PAM system can produce high quality and fast </a:t>
-            </a:r>
-            <a:r>
-              <a:rPr lang="en-US" dirty="0" smtClean="0"/>
-              <a:t>prints</a:t>
-            </a:r>
-          </a:p>
-          <a:p>
-            <a:pPr lvl="1"/>
-            <a:r>
-              <a:rPr lang="en-US" dirty="0" smtClean="0"/>
-              <a:t>Use </a:t>
-            </a:r>
-            <a:r>
-              <a:rPr lang="en-US" dirty="0"/>
-              <a:t>off-the-shelf open-source </a:t>
-            </a:r>
-            <a:r>
-              <a:rPr lang="en-US" dirty="0" smtClean="0"/>
-              <a:t>hardware</a:t>
-            </a:r>
-          </a:p>
-          <a:p>
-            <a:pPr lvl="1"/>
-            <a:r>
-              <a:rPr lang="en-US" dirty="0" smtClean="0"/>
-              <a:t>Create </a:t>
-            </a:r>
-            <a:r>
-              <a:rPr lang="en-US" dirty="0"/>
-              <a:t>a thoroughly documented reference </a:t>
+              <a:t>thoroughly documented reference </a:t>
             </a:r>
             <a:r>
               <a:rPr lang="en-US" dirty="0" smtClean="0"/>
@@ -9433,7 +11824,7 @@
     </p:spTree>
     <p:extLst>
       <p:ext uri="{BB962C8B-B14F-4D97-AF65-F5344CB8AC3E}">
-        <p14:creationId xmlns:p14="http://schemas.microsoft.com/office/powerpoint/2010/main" val="4029967778"/>
+        <p14:creationId xmlns:p14="http://schemas.microsoft.com/office/powerpoint/2010/main" val="4273748684"/>
       </p:ext>
     </p:extLst>
   </p:cSld>
@@ -9477,7 +11868,12 @@
             <p:ph type="title"/>
           </p:nvPr>
         </p:nvSpPr>
-        <p:spPr/>
+        <p:spPr>
+          <a:xfrm>
+            <a:off x="1541985" y="372698"/>
+            <a:ext cx="10018713" cy="1057275"/>
+          </a:xfrm>
+        </p:spPr>
         <p:txBody>
           <a:bodyPr/>
           <a:lstStyle/>
@@ -9543,34 +11939,30 @@
           </a:p>
         </p:txBody>
       </p:sp>
-      <p:pic>
-        <p:nvPicPr>
-          <p:cNvPr id="2" name="Picture 1"/>
-          <p:cNvPicPr>
-            <a:picLocks noChangeAspect="1"/>
-          </p:cNvPicPr>
-          <p:nvPr/>
-        </p:nvPicPr>
-        <p:blipFill>
-          <a:blip r:embed="rId2"/>
-          <a:stretch>
-            <a:fillRect/>
-          </a:stretch>
-        </p:blipFill>
-        <p:spPr>
-          <a:xfrm>
-            <a:off x="3189963" y="1478099"/>
-            <a:ext cx="6722761" cy="4887131"/>
-          </a:xfrm>
-          <a:prstGeom prst="rect">
-            <a:avLst/>
-          </a:prstGeom>
-        </p:spPr>
-      </p:pic>
+      <p:graphicFrame>
+        <p:nvGraphicFramePr>
+          <p:cNvPr id="9" name="Chart 8"/>
+          <p:cNvGraphicFramePr>
+            <a:graphicFrameLocks noGrp="1"/>
+          </p:cNvGraphicFramePr>
+          <p:nvPr>
+            <p:extLst/>
+          </p:nvPr>
+        </p:nvGraphicFramePr>
+        <p:xfrm>
+          <a:off x="2711903" y="1295400"/>
+          <a:ext cx="7937047" cy="5203371"/>
+        </p:xfrm>
+        <a:graphic>
+          <a:graphicData uri="http://schemas.openxmlformats.org/drawingml/2006/chart">
+            <c:chart xmlns:c="http://schemas.openxmlformats.org/drawingml/2006/chart" xmlns:r="http://schemas.openxmlformats.org/officeDocument/2006/relationships" r:id="rId2"/>
+          </a:graphicData>
+        </a:graphic>
+      </p:graphicFrame>
     </p:spTree>
     <p:extLst>
       <p:ext uri="{BB962C8B-B14F-4D97-AF65-F5344CB8AC3E}">
-        <p14:creationId xmlns:p14="http://schemas.microsoft.com/office/powerpoint/2010/main" val="147561124"/>
+        <p14:creationId xmlns:p14="http://schemas.microsoft.com/office/powerpoint/2010/main" val="3408471816"/>
       </p:ext>
     </p:extLst>
   </p:cSld>
@@ -9620,9 +12012,10 @@
           <a:lstStyle/>
           <a:p>
             <a:r>
-              <a:rPr lang="en-US" dirty="0"/>
-              <a:t>Criteria</a:t>
-            </a:r>
+              <a:rPr lang="en-US" dirty="0" smtClean="0"/>
+              <a:t>Top Down vs. Bottom Up</a:t>
+            </a:r>
+            <a:endParaRPr lang="en-US" dirty="0"/>
           </a:p>
         </p:txBody>
       </p:sp>
@@ -9641,46 +12034,7 @@
           <a:bodyPr/>
           <a:lstStyle/>
           <a:p>
-            <a:r>
-              <a:rPr lang="en-US" dirty="0"/>
-              <a:t>Accessible to the hobbyist</a:t>
-            </a:r>
-          </a:p>
-          <a:p>
-            <a:r>
-              <a:rPr lang="en-US" dirty="0"/>
-              <a:t>Open Source and Free </a:t>
-            </a:r>
-            <a:r>
-              <a:rPr lang="en-US" dirty="0" smtClean="0"/>
-              <a:t>(as </a:t>
-            </a:r>
-            <a:r>
-              <a:rPr lang="en-US" dirty="0"/>
-              <a:t>in </a:t>
-            </a:r>
-            <a:r>
-              <a:rPr lang="en-US" dirty="0" smtClean="0"/>
-              <a:t>speech)</a:t>
-            </a:r>
-            <a:endParaRPr lang="en-US" dirty="0"/>
-          </a:p>
-          <a:p>
-            <a:r>
-              <a:rPr lang="en-US" dirty="0"/>
-              <a:t>Precise and </a:t>
-            </a:r>
-            <a:r>
-              <a:rPr lang="en-US" dirty="0" smtClean="0"/>
-              <a:t>repeatable</a:t>
-            </a:r>
-          </a:p>
-          <a:p>
-            <a:r>
-              <a:rPr lang="en-US" dirty="0" smtClean="0"/>
-              <a:t>Flexible for the end user</a:t>
-            </a:r>
-            <a:endParaRPr lang="en-US" dirty="0"/>
+            <a:endParaRPr lang="en-US"/>
           </a:p>
         </p:txBody>
       </p:sp>
@@ -9710,20 +12064,13 @@
     </p:spTree>
     <p:extLst>
       <p:ext uri="{BB962C8B-B14F-4D97-AF65-F5344CB8AC3E}">
-        <p14:creationId xmlns:p14="http://schemas.microsoft.com/office/powerpoint/2010/main" val="539541693"/>
+        <p14:creationId xmlns:p14="http://schemas.microsoft.com/office/powerpoint/2010/main" val="3047169888"/>
       </p:ext>
     </p:extLst>
   </p:cSld>
   <p:clrMapOvr>
     <a:masterClrMapping/>
   </p:clrMapOvr>
-  <p:timing>
-    <p:tnLst>
-      <p:par>
-        <p:cTn id="1" dur="indefinite" restart="never" nodeType="tmRoot"/>
-      </p:par>
-    </p:tnLst>
-  </p:timing>
 </p:sld>
 </file>
 
@@ -9761,28 +12108,12 @@
           <a:p>
             <a:r>
               <a:rPr lang="en-US" dirty="0" smtClean="0"/>
-              <a:t>Top Down vs. Bottom Up</a:t>
-            </a:r>
-            <a:endParaRPr lang="en-US" dirty="0"/>
-          </a:p>
-        </p:txBody>
-      </p:sp>
-      <p:sp>
-        <p:nvSpPr>
-          <p:cNvPr id="3" name="Content Placeholder 2"/>
-          <p:cNvSpPr>
-            <a:spLocks noGrp="1"/>
-          </p:cNvSpPr>
-          <p:nvPr>
-            <p:ph idx="1"/>
-          </p:nvPr>
-        </p:nvSpPr>
-        <p:spPr/>
-        <p:txBody>
-          <a:bodyPr/>
-          <a:lstStyle/>
-          <a:p>
-            <a:endParaRPr lang="en-US"/>
+              <a:t>System Block </a:t>
+            </a:r>
+            <a:r>
+              <a:rPr lang="en-US" dirty="0"/>
+              <a:t>Diagram</a:t>
+            </a:r>
           </a:p>
         </p:txBody>
       </p:sp>
@@ -9804,85 +12135,6 @@
             <a:fld id="{5C6BB475-B640-4DD3-A1AA-1CF10A44AA06}" type="slidenum">
               <a:rPr lang="en-US" smtClean="0"/>
               <a:t>7</a:t>
-            </a:fld>
-            <a:endParaRPr lang="en-US"/>
-          </a:p>
-        </p:txBody>
-      </p:sp>
-    </p:spTree>
-    <p:extLst>
-      <p:ext uri="{BB962C8B-B14F-4D97-AF65-F5344CB8AC3E}">
-        <p14:creationId xmlns:p14="http://schemas.microsoft.com/office/powerpoint/2010/main" val="3047169888"/>
-      </p:ext>
-    </p:extLst>
-  </p:cSld>
-  <p:clrMapOvr>
-    <a:masterClrMapping/>
-  </p:clrMapOvr>
-</p:sld>
-</file>
-
-<file path=ppt/slides/slide8.xml><?xml version="1.0" encoding="utf-8"?>
-<p:sld xmlns:a="http://schemas.openxmlformats.org/drawingml/2006/main" xmlns:r="http://schemas.openxmlformats.org/officeDocument/2006/relationships" xmlns:p="http://schemas.openxmlformats.org/presentationml/2006/main">
-  <p:cSld>
-    <p:spTree>
-      <p:nvGrpSpPr>
-        <p:cNvPr id="1" name=""/>
-        <p:cNvGrpSpPr/>
-        <p:nvPr/>
-      </p:nvGrpSpPr>
-      <p:grpSpPr>
-        <a:xfrm>
-          <a:off x="0" y="0"/>
-          <a:ext cx="0" cy="0"/>
-          <a:chOff x="0" y="0"/>
-          <a:chExt cx="0" cy="0"/>
-        </a:xfrm>
-      </p:grpSpPr>
-      <p:sp>
-        <p:nvSpPr>
-          <p:cNvPr id="2" name="Title 1"/>
-          <p:cNvSpPr>
-            <a:spLocks noGrp="1"/>
-          </p:cNvSpPr>
-          <p:nvPr>
-            <p:ph type="title"/>
-          </p:nvPr>
-        </p:nvSpPr>
-        <p:spPr/>
-        <p:txBody>
-          <a:bodyPr/>
-          <a:lstStyle/>
-          <a:p>
-            <a:r>
-              <a:rPr lang="en-US" dirty="0" smtClean="0"/>
-              <a:t>System Block </a:t>
-            </a:r>
-            <a:r>
-              <a:rPr lang="en-US" dirty="0"/>
-              <a:t>Diagram</a:t>
-            </a:r>
-          </a:p>
-        </p:txBody>
-      </p:sp>
-      <p:sp>
-        <p:nvSpPr>
-          <p:cNvPr id="4" name="Slide Number Placeholder 3"/>
-          <p:cNvSpPr>
-            <a:spLocks noGrp="1"/>
-          </p:cNvSpPr>
-          <p:nvPr>
-            <p:ph type="sldNum" sz="quarter" idx="12"/>
-          </p:nvPr>
-        </p:nvSpPr>
-        <p:spPr/>
-        <p:txBody>
-          <a:bodyPr/>
-          <a:lstStyle/>
-          <a:p>
-            <a:fld id="{5C6BB475-B640-4DD3-A1AA-1CF10A44AA06}" type="slidenum">
-              <a:rPr lang="en-US" smtClean="0"/>
-              <a:t>8</a:t>
             </a:fld>
             <a:endParaRPr lang="en-US"/>
           </a:p>
@@ -9946,6 +12198,223 @@
     <p:extLst>
       <p:ext uri="{BB962C8B-B14F-4D97-AF65-F5344CB8AC3E}">
         <p14:creationId xmlns:p14="http://schemas.microsoft.com/office/powerpoint/2010/main" val="3997829335"/>
+      </p:ext>
+    </p:extLst>
+  </p:cSld>
+  <p:clrMapOvr>
+    <a:masterClrMapping/>
+  </p:clrMapOvr>
+  <p:timing>
+    <p:tnLst>
+      <p:par>
+        <p:cTn id="1" dur="indefinite" restart="never" nodeType="tmRoot"/>
+      </p:par>
+    </p:tnLst>
+  </p:timing>
+</p:sld>
+</file>
+
+<file path=ppt/slides/slide8.xml><?xml version="1.0" encoding="utf-8"?>
+<p:sld xmlns:a="http://schemas.openxmlformats.org/drawingml/2006/main" xmlns:r="http://schemas.openxmlformats.org/officeDocument/2006/relationships" xmlns:p="http://schemas.openxmlformats.org/presentationml/2006/main">
+  <p:cSld>
+    <p:spTree>
+      <p:nvGrpSpPr>
+        <p:cNvPr id="1" name=""/>
+        <p:cNvGrpSpPr/>
+        <p:nvPr/>
+      </p:nvGrpSpPr>
+      <p:grpSpPr>
+        <a:xfrm>
+          <a:off x="0" y="0"/>
+          <a:ext cx="0" cy="0"/>
+          <a:chOff x="0" y="0"/>
+          <a:chExt cx="0" cy="0"/>
+        </a:xfrm>
+      </p:grpSpPr>
+      <p:sp>
+        <p:nvSpPr>
+          <p:cNvPr id="5" name="Title 4"/>
+          <p:cNvSpPr>
+            <a:spLocks noGrp="1"/>
+          </p:cNvSpPr>
+          <p:nvPr>
+            <p:ph type="title"/>
+          </p:nvPr>
+        </p:nvSpPr>
+        <p:spPr/>
+        <p:txBody>
+          <a:bodyPr>
+            <a:normAutofit fontScale="90000"/>
+          </a:bodyPr>
+          <a:lstStyle/>
+          <a:p>
+            <a:r>
+              <a:rPr lang="en-US" dirty="0"/>
+              <a:t>Chassis Design</a:t>
+            </a:r>
+          </a:p>
+        </p:txBody>
+      </p:sp>
+      <p:pic>
+        <p:nvPicPr>
+          <p:cNvPr id="10" name="Content Placeholder 9"/>
+          <p:cNvPicPr>
+            <a:picLocks noGrp="1" noChangeAspect="1"/>
+          </p:cNvPicPr>
+          <p:nvPr>
+            <p:ph sz="half" idx="1"/>
+          </p:nvPr>
+        </p:nvPicPr>
+        <p:blipFill rotWithShape="1">
+          <a:blip r:embed="rId2" cstate="print">
+            <a:extLst>
+              <a:ext uri="{28A0092B-C50C-407E-A947-70E740481C1C}">
+                <a14:useLocalDpi xmlns:a14="http://schemas.microsoft.com/office/drawing/2010/main" val="0"/>
+              </a:ext>
+            </a:extLst>
+          </a:blip>
+          <a:srcRect t="19571"/>
+          <a:stretch/>
+        </p:blipFill>
+        <p:spPr>
+          <a:xfrm>
+            <a:off x="1484311" y="1910075"/>
+            <a:ext cx="6072843" cy="3460124"/>
+          </a:xfrm>
+        </p:spPr>
+      </p:pic>
+      <p:pic>
+        <p:nvPicPr>
+          <p:cNvPr id="9" name="Content Placeholder 8"/>
+          <p:cNvPicPr>
+            <a:picLocks noGrp="1" noChangeAspect="1"/>
+          </p:cNvPicPr>
+          <p:nvPr>
+            <p:ph sz="half" idx="2"/>
+          </p:nvPr>
+        </p:nvPicPr>
+        <p:blipFill rotWithShape="1">
+          <a:blip r:embed="rId3">
+            <a:extLst>
+              <a:ext uri="{28A0092B-C50C-407E-A947-70E740481C1C}">
+                <a14:useLocalDpi xmlns:a14="http://schemas.microsoft.com/office/drawing/2010/main" val="0"/>
+              </a:ext>
+            </a:extLst>
+          </a:blip>
+          <a:srcRect r="12302"/>
+          <a:stretch/>
+        </p:blipFill>
+        <p:spPr>
+          <a:xfrm>
+            <a:off x="8154545" y="1489074"/>
+            <a:ext cx="2843364" cy="4302125"/>
+          </a:xfrm>
+        </p:spPr>
+      </p:pic>
+      <p:sp>
+        <p:nvSpPr>
+          <p:cNvPr id="4" name="Slide Number Placeholder 3"/>
+          <p:cNvSpPr>
+            <a:spLocks noGrp="1"/>
+          </p:cNvSpPr>
+          <p:nvPr>
+            <p:ph type="sldNum" sz="quarter" idx="12"/>
+          </p:nvPr>
+        </p:nvSpPr>
+        <p:spPr/>
+        <p:txBody>
+          <a:bodyPr/>
+          <a:lstStyle/>
+          <a:p>
+            <a:fld id="{5C6BB475-B640-4DD3-A1AA-1CF10A44AA06}" type="slidenum">
+              <a:rPr lang="en-US" smtClean="0"/>
+              <a:t>8</a:t>
+            </a:fld>
+            <a:endParaRPr lang="en-US"/>
+          </a:p>
+        </p:txBody>
+      </p:sp>
+      <p:sp>
+        <p:nvSpPr>
+          <p:cNvPr id="6" name="TextBox 5"/>
+          <p:cNvSpPr txBox="1"/>
+          <p:nvPr/>
+        </p:nvSpPr>
+        <p:spPr>
+          <a:xfrm>
+            <a:off x="2823793" y="5513942"/>
+            <a:ext cx="3393878" cy="369332"/>
+          </a:xfrm>
+          <a:prstGeom prst="rect">
+            <a:avLst/>
+          </a:prstGeom>
+          <a:noFill/>
+        </p:spPr>
+        <p:txBody>
+          <a:bodyPr wrap="none" rtlCol="0">
+            <a:spAutoFit/>
+          </a:bodyPr>
+          <a:lstStyle/>
+          <a:p>
+            <a:r>
+              <a:rPr lang="en-US" dirty="0" smtClean="0"/>
+              <a:t>Figure 4. </a:t>
+            </a:r>
+            <a:r>
+              <a:rPr lang="en-US" dirty="0"/>
+              <a:t>Proposed chassis design </a:t>
+            </a:r>
+          </a:p>
+        </p:txBody>
+      </p:sp>
+      <p:sp>
+        <p:nvSpPr>
+          <p:cNvPr id="7" name="TextBox 6"/>
+          <p:cNvSpPr txBox="1"/>
+          <p:nvPr/>
+        </p:nvSpPr>
+        <p:spPr>
+          <a:xfrm>
+            <a:off x="8337747" y="5883273"/>
+            <a:ext cx="2476960" cy="646331"/>
+          </a:xfrm>
+          <a:prstGeom prst="rect">
+            <a:avLst/>
+          </a:prstGeom>
+          <a:noFill/>
+        </p:spPr>
+        <p:txBody>
+          <a:bodyPr wrap="none" rtlCol="0">
+            <a:spAutoFit/>
+          </a:bodyPr>
+          <a:lstStyle/>
+          <a:p>
+            <a:r>
+              <a:rPr lang="en-US" dirty="0" smtClean="0"/>
+              <a:t>Figure 5. </a:t>
+            </a:r>
+            <a:r>
+              <a:rPr lang="en-US" dirty="0"/>
+              <a:t>Isometric view </a:t>
+            </a:r>
+            <a:endParaRPr lang="en-US" dirty="0" smtClean="0"/>
+          </a:p>
+          <a:p>
+            <a:r>
+              <a:rPr lang="en-US" dirty="0" smtClean="0"/>
+              <a:t>of </a:t>
+            </a:r>
+            <a:r>
+              <a:rPr lang="en-US" dirty="0"/>
+              <a:t>proposed chassis </a:t>
+            </a:r>
+          </a:p>
+        </p:txBody>
+      </p:sp>
+    </p:spTree>
+    <p:extLst>
+      <p:ext uri="{BB962C8B-B14F-4D97-AF65-F5344CB8AC3E}">
+        <p14:creationId xmlns:p14="http://schemas.microsoft.com/office/powerpoint/2010/main" val="341879816"/>
       </p:ext>
     </p:extLst>
   </p:cSld>
@@ -10062,16 +12531,12 @@
             <a:graphicFrameLocks/>
           </p:cNvGraphicFramePr>
           <p:nvPr>
-            <p:extLst>
-              <p:ext uri="{D42A27DB-BD31-4B8C-83A1-F6EECF244321}">
-                <p14:modId xmlns:p14="http://schemas.microsoft.com/office/powerpoint/2010/main" val="2704818691"/>
-              </p:ext>
-            </p:extLst>
+            <p:extLst/>
           </p:nvPr>
         </p:nvGraphicFramePr>
         <p:xfrm>
           <a:off x="1970468" y="2288539"/>
-          <a:ext cx="8991746" cy="3200400"/>
+          <a:ext cx="8991746" cy="3840480"/>
         </p:xfrm>
         <a:graphic>
           <a:graphicData uri="http://schemas.openxmlformats.org/drawingml/2006/table">
@@ -10123,6 +12588,41 @@
                     <a:p>
                       <a:r>
                         <a:rPr lang="en-US" dirty="0" smtClean="0"/>
+                        <a:t>Build Volume Size</a:t>
+                      </a:r>
+                      <a:endParaRPr lang="en-US" dirty="0"/>
+                    </a:p>
+                  </a:txBody>
+                  <a:tcPr anchor="ctr"/>
+                </a:tc>
+                <a:tc>
+                  <a:txBody>
+                    <a:bodyPr/>
+                    <a:lstStyle/>
+                    <a:p>
+                      <a:pPr algn="r"/>
+                      <a:r>
+                        <a:rPr lang="en-US" dirty="0" smtClean="0"/>
+                        <a:t>192</a:t>
+                      </a:r>
+                      <a:r>
+                        <a:rPr lang="en-US" baseline="0" dirty="0" smtClean="0"/>
+                        <a:t> mm x 216 mm x 216 mm</a:t>
+                      </a:r>
+                      <a:endParaRPr lang="en-US" dirty="0"/>
+                    </a:p>
+                  </a:txBody>
+                  <a:tcPr anchor="ctr"/>
+                </a:tc>
+              </a:tr>
+              <a:tr h="640080">
+                <a:tc>
+                  <a:txBody>
+                    <a:bodyPr/>
+                    <a:lstStyle/>
+                    <a:p>
+                      <a:r>
+                        <a:rPr lang="en-US" dirty="0" smtClean="0"/>
                         <a:t>X</a:t>
                       </a:r>
                       <a:r>
@@ -10158,7 +12658,11 @@
                     <a:p>
                       <a:r>
                         <a:rPr lang="en-US" dirty="0" smtClean="0"/>
-                        <a:t>Z Axis Resolution</a:t>
+                        <a:t>Minimum</a:t>
+                      </a:r>
+                      <a:r>
+                        <a:rPr lang="en-US" baseline="0" dirty="0" smtClean="0"/>
+                        <a:t> Layer Height</a:t>
                       </a:r>
                       <a:endParaRPr lang="en-US" dirty="0"/>
                     </a:p>
@@ -10188,8 +12692,12 @@
                         <a:defRPr/>
                       </a:pPr>
                       <a:r>
+                        <a:rPr lang="en-US" smtClean="0"/>
+                        <a:t>0.015 ± 0.002 </a:t>
+                      </a:r>
+                      <a:r>
                         <a:rPr lang="en-US" dirty="0" smtClean="0"/>
-                        <a:t>0.100 ± 0.005 mm</a:t>
+                        <a:t>mm</a:t>
                       </a:r>
                     </a:p>
                   </a:txBody>
@@ -10292,7 +12800,7 @@
     </p:spTree>
     <p:extLst>
       <p:ext uri="{BB962C8B-B14F-4D97-AF65-F5344CB8AC3E}">
-        <p14:creationId xmlns:p14="http://schemas.microsoft.com/office/powerpoint/2010/main" val="245815682"/>
+        <p14:creationId xmlns:p14="http://schemas.microsoft.com/office/powerpoint/2010/main" val="2866729988"/>
       </p:ext>
     </p:extLst>
   </p:cSld>

--- a/Presentations/DesignPres/DesignPres-75.pptx
+++ b/Presentations/DesignPres/DesignPres-75.pptx
@@ -17,8 +17,8 @@
     <p:sldId id="265" r:id="rId11"/>
     <p:sldId id="263" r:id="rId12"/>
     <p:sldId id="293" r:id="rId13"/>
-    <p:sldId id="281" r:id="rId14"/>
-    <p:sldId id="282" r:id="rId15"/>
+    <p:sldId id="297" r:id="rId14"/>
+    <p:sldId id="298" r:id="rId15"/>
     <p:sldId id="283" r:id="rId16"/>
     <p:sldId id="284" r:id="rId17"/>
     <p:sldId id="285" r:id="rId18"/>
@@ -620,11 +620,11 @@
         </c:dLbls>
         <c:bubbleScale val="100"/>
         <c:showNegBubbles val="0"/>
-        <c:axId val="-233978224"/>
-        <c:axId val="-234118352"/>
+        <c:axId val="-1407923328"/>
+        <c:axId val="-1407929312"/>
       </c:bubbleChart>
       <c:valAx>
-        <c:axId val="-233978224"/>
+        <c:axId val="-1407923328"/>
         <c:scaling>
           <c:orientation val="minMax"/>
           <c:min val="0"/>
@@ -743,12 +743,12 @@
             <a:endParaRPr lang="en-US"/>
           </a:p>
         </c:txPr>
-        <c:crossAx val="-234118352"/>
+        <c:crossAx val="-1407929312"/>
         <c:crosses val="autoZero"/>
         <c:crossBetween val="midCat"/>
       </c:valAx>
       <c:valAx>
-        <c:axId val="-234118352"/>
+        <c:axId val="-1407929312"/>
         <c:scaling>
           <c:orientation val="minMax"/>
           <c:max val="3500"/>
@@ -865,7 +865,7 @@
             <a:endParaRPr lang="en-US"/>
           </a:p>
         </c:txPr>
-        <c:crossAx val="-233978224"/>
+        <c:crossAx val="-1407923328"/>
         <c:crosses val="autoZero"/>
         <c:crossBetween val="midCat"/>
       </c:valAx>
@@ -1967,6 +1967,530 @@
 </p:notes>
 </file>
 
+<file path=ppt/notesSlides/notesSlide2.xml><?xml version="1.0" encoding="utf-8"?>
+<p:notes xmlns:a="http://schemas.openxmlformats.org/drawingml/2006/main" xmlns:r="http://schemas.openxmlformats.org/officeDocument/2006/relationships" xmlns:p="http://schemas.openxmlformats.org/presentationml/2006/main">
+  <p:cSld>
+    <p:spTree>
+      <p:nvGrpSpPr>
+        <p:cNvPr id="1" name=""/>
+        <p:cNvGrpSpPr/>
+        <p:nvPr/>
+      </p:nvGrpSpPr>
+      <p:grpSpPr>
+        <a:xfrm>
+          <a:off x="0" y="0"/>
+          <a:ext cx="0" cy="0"/>
+          <a:chOff x="0" y="0"/>
+          <a:chExt cx="0" cy="0"/>
+        </a:xfrm>
+      </p:grpSpPr>
+      <p:sp>
+        <p:nvSpPr>
+          <p:cNvPr id="2" name="Slide Image Placeholder 1"/>
+          <p:cNvSpPr>
+            <a:spLocks noGrp="1" noRot="1" noChangeAspect="1"/>
+          </p:cNvSpPr>
+          <p:nvPr>
+            <p:ph type="sldImg"/>
+          </p:nvPr>
+        </p:nvSpPr>
+        <p:spPr/>
+      </p:sp>
+      <p:sp>
+        <p:nvSpPr>
+          <p:cNvPr id="3" name="Notes Placeholder 2"/>
+          <p:cNvSpPr>
+            <a:spLocks noGrp="1"/>
+          </p:cNvSpPr>
+          <p:nvPr>
+            <p:ph type="body" idx="1"/>
+          </p:nvPr>
+        </p:nvSpPr>
+        <p:spPr/>
+        <p:txBody>
+          <a:bodyPr/>
+          <a:lstStyle/>
+          <a:p>
+            <a:r>
+              <a:rPr lang="en-US" dirty="0" smtClean="0"/>
+              <a:t>GD&amp;T (Geometric Dimensioning &amp;Tolerance) </a:t>
+            </a:r>
+          </a:p>
+          <a:p>
+            <a:pPr marL="457200" lvl="1" indent="0">
+              <a:buNone/>
+            </a:pPr>
+            <a:r>
+              <a:rPr lang="en-US" dirty="0" smtClean="0"/>
+              <a:t>Datum's are necessary when properly </a:t>
+            </a:r>
+            <a:r>
+              <a:rPr lang="en-US" dirty="0" err="1" smtClean="0"/>
+              <a:t>GD&amp;Ting</a:t>
+            </a:r>
+            <a:r>
+              <a:rPr lang="en-US" dirty="0" smtClean="0"/>
+              <a:t> high quality parts</a:t>
+            </a:r>
+          </a:p>
+          <a:p>
+            <a:pPr marL="457200" lvl="1" indent="0">
+              <a:buNone/>
+            </a:pPr>
+            <a:r>
+              <a:rPr lang="en-US" dirty="0" smtClean="0"/>
+              <a:t>The following are important details to </a:t>
+            </a:r>
+          </a:p>
+          <a:p>
+            <a:pPr marL="914400" lvl="1" indent="-457200">
+              <a:buFont typeface="+mj-lt"/>
+              <a:buAutoNum type="arabicPeriod"/>
+            </a:pPr>
+            <a:r>
+              <a:rPr lang="en-US" dirty="0" smtClean="0"/>
+              <a:t>Geometric Characteristic Symbols 	Tolerance, Characteristic, Symbol</a:t>
+            </a:r>
+          </a:p>
+          <a:p>
+            <a:pPr marL="914400" lvl="1" indent="-457200">
+              <a:buFont typeface="+mj-lt"/>
+              <a:buAutoNum type="arabicPeriod"/>
+            </a:pPr>
+            <a:r>
+              <a:rPr lang="en-US" dirty="0" smtClean="0"/>
+              <a:t>Material Conditions 		Terms &amp; Symbols: MMC</a:t>
+            </a:r>
+            <a:r>
+              <a:rPr lang="en-US" dirty="0" smtClean="0">
+                <a:sym typeface="Wingdings" panose="05000000000000000000" pitchFamily="2" charset="2"/>
+              </a:rPr>
+              <a:t>(M)</a:t>
+            </a:r>
+            <a:r>
+              <a:rPr lang="en-US" dirty="0" smtClean="0"/>
+              <a:t>, LMC</a:t>
+            </a:r>
+            <a:r>
+              <a:rPr lang="en-US" dirty="0" smtClean="0">
+                <a:sym typeface="Wingdings" panose="05000000000000000000" pitchFamily="2" charset="2"/>
+              </a:rPr>
+              <a:t>(L)</a:t>
+            </a:r>
+            <a:r>
+              <a:rPr lang="en-US" dirty="0" smtClean="0"/>
+              <a:t>, RFS</a:t>
+            </a:r>
+            <a:r>
+              <a:rPr lang="en-US" dirty="0" smtClean="0">
+                <a:sym typeface="Wingdings" panose="05000000000000000000" pitchFamily="2" charset="2"/>
+              </a:rPr>
+              <a:t>(none)</a:t>
+            </a:r>
+            <a:endParaRPr lang="en-US" dirty="0" smtClean="0"/>
+          </a:p>
+          <a:p>
+            <a:pPr marL="914400" lvl="1" indent="-457200">
+              <a:buFont typeface="+mj-lt"/>
+              <a:buAutoNum type="arabicPeriod"/>
+            </a:pPr>
+            <a:r>
+              <a:rPr lang="en-US" dirty="0" smtClean="0"/>
+              <a:t>Additional Symbols</a:t>
+            </a:r>
+          </a:p>
+          <a:p>
+            <a:pPr marL="914400" lvl="1" indent="-457200">
+              <a:buFont typeface="+mj-lt"/>
+              <a:buAutoNum type="arabicPeriod"/>
+            </a:pPr>
+            <a:endParaRPr lang="en-US" dirty="0" smtClean="0"/>
+          </a:p>
+          <a:p>
+            <a:pPr marL="0" marR="0" indent="0" algn="l" defTabSz="914400" rtl="0" eaLnBrk="1" fontAlgn="auto" latinLnBrk="0" hangingPunct="1">
+              <a:lnSpc>
+                <a:spcPct val="100000"/>
+              </a:lnSpc>
+              <a:spcBef>
+                <a:spcPts val="0"/>
+              </a:spcBef>
+              <a:spcAft>
+                <a:spcPts val="0"/>
+              </a:spcAft>
+              <a:buClrTx/>
+              <a:buSzTx/>
+              <a:buFontTx/>
+              <a:buNone/>
+              <a:tabLst/>
+              <a:defRPr/>
+            </a:pPr>
+            <a:r>
+              <a:rPr lang="en-US" dirty="0" smtClean="0"/>
+              <a:t>We</a:t>
+            </a:r>
+            <a:r>
+              <a:rPr lang="en-US" baseline="0" dirty="0" smtClean="0"/>
+              <a:t> noticed that ISO s </a:t>
+            </a:r>
+            <a:r>
+              <a:rPr lang="en-US" dirty="0" smtClean="0"/>
+              <a:t>to use and acknowledge revisions made to a specific part.  Community projects are</a:t>
+            </a:r>
+            <a:r>
+              <a:rPr lang="en-US" baseline="0" dirty="0" smtClean="0"/>
+              <a:t> so poorly documented that not even a basic title block exists within the Open Source Hardware Community.</a:t>
+            </a:r>
+            <a:endParaRPr lang="en-US" dirty="0" smtClean="0"/>
+          </a:p>
+          <a:p>
+            <a:pPr marL="914400" lvl="1" indent="-457200">
+              <a:buFont typeface="+mj-lt"/>
+              <a:buAutoNum type="arabicPeriod"/>
+            </a:pPr>
+            <a:endParaRPr lang="en-US" dirty="0" smtClean="0"/>
+          </a:p>
+          <a:p>
+            <a:endParaRPr lang="en-US" dirty="0"/>
+          </a:p>
+        </p:txBody>
+      </p:sp>
+      <p:sp>
+        <p:nvSpPr>
+          <p:cNvPr id="4" name="Slide Number Placeholder 3"/>
+          <p:cNvSpPr>
+            <a:spLocks noGrp="1"/>
+          </p:cNvSpPr>
+          <p:nvPr>
+            <p:ph type="sldNum" sz="quarter" idx="10"/>
+          </p:nvPr>
+        </p:nvSpPr>
+        <p:spPr/>
+        <p:txBody>
+          <a:bodyPr/>
+          <a:lstStyle/>
+          <a:p>
+            <a:fld id="{23782511-E6CA-4337-83DD-3F4EDFA36EC0}" type="slidenum">
+              <a:rPr lang="en-US" smtClean="0"/>
+              <a:pPr/>
+              <a:t>10</a:t>
+            </a:fld>
+            <a:endParaRPr lang="en-US" dirty="0"/>
+          </a:p>
+        </p:txBody>
+      </p:sp>
+    </p:spTree>
+    <p:extLst>
+      <p:ext uri="{BB962C8B-B14F-4D97-AF65-F5344CB8AC3E}">
+        <p14:creationId xmlns:p14="http://schemas.microsoft.com/office/powerpoint/2010/main" val="3563341888"/>
+      </p:ext>
+    </p:extLst>
+  </p:cSld>
+  <p:clrMapOvr>
+    <a:masterClrMapping/>
+  </p:clrMapOvr>
+</p:notes>
+</file>
+
+<file path=ppt/notesSlides/notesSlide3.xml><?xml version="1.0" encoding="utf-8"?>
+<p:notes xmlns:a="http://schemas.openxmlformats.org/drawingml/2006/main" xmlns:r="http://schemas.openxmlformats.org/officeDocument/2006/relationships" xmlns:p="http://schemas.openxmlformats.org/presentationml/2006/main">
+  <p:cSld>
+    <p:spTree>
+      <p:nvGrpSpPr>
+        <p:cNvPr id="1" name=""/>
+        <p:cNvGrpSpPr/>
+        <p:nvPr/>
+      </p:nvGrpSpPr>
+      <p:grpSpPr>
+        <a:xfrm>
+          <a:off x="0" y="0"/>
+          <a:ext cx="0" cy="0"/>
+          <a:chOff x="0" y="0"/>
+          <a:chExt cx="0" cy="0"/>
+        </a:xfrm>
+      </p:grpSpPr>
+      <p:sp>
+        <p:nvSpPr>
+          <p:cNvPr id="2" name="Slide Image Placeholder 1"/>
+          <p:cNvSpPr>
+            <a:spLocks noGrp="1" noRot="1" noChangeAspect="1"/>
+          </p:cNvSpPr>
+          <p:nvPr>
+            <p:ph type="sldImg"/>
+          </p:nvPr>
+        </p:nvSpPr>
+        <p:spPr/>
+      </p:sp>
+      <mc:AlternateContent xmlns:mc="http://schemas.openxmlformats.org/markup-compatibility/2006">
+        <mc:Choice xmlns:a14="http://schemas.microsoft.com/office/drawing/2010/main" Requires="a14">
+          <p:sp>
+            <p:nvSpPr>
+              <p:cNvPr id="3" name="Notes Placeholder 2"/>
+              <p:cNvSpPr>
+                <a:spLocks noGrp="1"/>
+              </p:cNvSpPr>
+              <p:nvPr>
+                <p:ph type="body" idx="1"/>
+              </p:nvPr>
+            </p:nvSpPr>
+            <p:spPr/>
+            <p:txBody>
+              <a:bodyPr/>
+              <a:lstStyle/>
+              <a:p>
+                <a14:m>
+                  <m:oMath xmlns:m="http://schemas.openxmlformats.org/officeDocument/2006/math">
+                    <m:d>
+                      <m:dPr>
+                        <m:ctrlPr>
+                          <a:rPr lang="en-US" b="0" i="1" smtClean="0">
+                            <a:latin typeface="Cambria Math" panose="02040503050406030204" pitchFamily="18" charset="0"/>
+                            <a:sym typeface="Wingdings" panose="05000000000000000000" pitchFamily="2" charset="2"/>
+                          </a:rPr>
+                        </m:ctrlPr>
+                      </m:dPr>
+                      <m:e>
+                        <m:sSub>
+                          <m:sSubPr>
+                            <m:ctrlPr>
+                              <a:rPr lang="en-US" b="0" i="1" smtClean="0">
+                                <a:latin typeface="Cambria Math" panose="02040503050406030204" pitchFamily="18" charset="0"/>
+                                <a:sym typeface="Wingdings" panose="05000000000000000000" pitchFamily="2" charset="2"/>
+                              </a:rPr>
+                            </m:ctrlPr>
+                          </m:sSubPr>
+                          <m:e>
+                            <m:r>
+                              <a:rPr lang="en-US" b="0" i="1" smtClean="0">
+                                <a:latin typeface="Cambria Math" panose="02040503050406030204" pitchFamily="18" charset="0"/>
+                                <a:sym typeface="Wingdings" panose="05000000000000000000" pitchFamily="2" charset="2"/>
+                              </a:rPr>
+                              <m:t>𝑑</m:t>
+                            </m:r>
+                          </m:e>
+                          <m:sub>
+                            <m:r>
+                              <a:rPr lang="en-US" b="0" i="1" smtClean="0">
+                                <a:latin typeface="Cambria Math" panose="02040503050406030204" pitchFamily="18" charset="0"/>
+                                <a:sym typeface="Wingdings" panose="05000000000000000000" pitchFamily="2" charset="2"/>
+                              </a:rPr>
+                              <m:t>𝑖𝑠𝑝𝑙𝑎𝑐𝑒𝑚𝑒𝑛𝑡</m:t>
+                            </m:r>
+                            <m:r>
+                              <a:rPr lang="en-US" b="0" i="1" smtClean="0">
+                                <a:latin typeface="Cambria Math" panose="02040503050406030204" pitchFamily="18" charset="0"/>
+                                <a:sym typeface="Wingdings" panose="05000000000000000000" pitchFamily="2" charset="2"/>
+                              </a:rPr>
+                              <m:t> </m:t>
+                            </m:r>
+                            <m:r>
+                              <a:rPr lang="en-US" b="0" i="1" smtClean="0">
+                                <a:latin typeface="Cambria Math" panose="02040503050406030204" pitchFamily="18" charset="0"/>
+                                <a:sym typeface="Wingdings" panose="05000000000000000000" pitchFamily="2" charset="2"/>
+                              </a:rPr>
+                              <m:t>𝑉𝑎𝑙𝑢𝑒𝑠</m:t>
+                            </m:r>
+                          </m:sub>
+                        </m:sSub>
+                        <m:r>
+                          <a:rPr lang="en-US" b="0" i="1" smtClean="0">
+                            <a:latin typeface="Cambria Math" panose="02040503050406030204" pitchFamily="18" charset="0"/>
+                            <a:sym typeface="Wingdings" panose="05000000000000000000" pitchFamily="2" charset="2"/>
+                          </a:rPr>
+                          <m:t>≤0</m:t>
+                        </m:r>
+                        <m:r>
+                          <a:rPr lang="en-US" b="0" i="1" smtClean="0">
+                            <a:latin typeface="Cambria Math" panose="02040503050406030204" pitchFamily="18" charset="0"/>
+                            <a:sym typeface="Wingdings" panose="05000000000000000000" pitchFamily="2" charset="2"/>
+                          </a:rPr>
+                          <m:t>𝑚𝑚</m:t>
+                        </m:r>
+                      </m:e>
+                    </m:d>
+                  </m:oMath>
+                </a14:m>
+                <a:r>
+                  <a:rPr lang="en-US" dirty="0" smtClean="0">
+                    <a:sym typeface="Wingdings" panose="05000000000000000000" pitchFamily="2" charset="2"/>
+                  </a:rPr>
+                  <a:t> indicates the ribbed vat will not sway.</a:t>
+                </a:r>
+              </a:p>
+              <a:p>
+                <a14:m>
+                  <m:oMath xmlns:m="http://schemas.openxmlformats.org/officeDocument/2006/math">
+                    <m:d>
+                      <m:dPr>
+                        <m:ctrlPr>
+                          <a:rPr lang="en-US" b="0" i="1" smtClean="0">
+                            <a:latin typeface="Cambria Math" panose="02040503050406030204" pitchFamily="18" charset="0"/>
+                            <a:sym typeface="Wingdings" panose="05000000000000000000" pitchFamily="2" charset="2"/>
+                          </a:rPr>
+                        </m:ctrlPr>
+                      </m:dPr>
+                      <m:e>
+                        <m:sSub>
+                          <m:sSubPr>
+                            <m:ctrlPr>
+                              <a:rPr lang="en-US" b="0" i="1" smtClean="0">
+                                <a:latin typeface="Cambria Math" panose="02040503050406030204" pitchFamily="18" charset="0"/>
+                                <a:sym typeface="Wingdings" panose="05000000000000000000" pitchFamily="2" charset="2"/>
+                              </a:rPr>
+                            </m:ctrlPr>
+                          </m:sSubPr>
+                          <m:e>
+                            <m:r>
+                              <a:rPr lang="en-US" b="0" i="1" smtClean="0">
+                                <a:latin typeface="Cambria Math" panose="02040503050406030204" pitchFamily="18" charset="0"/>
+                                <a:sym typeface="Wingdings" panose="05000000000000000000" pitchFamily="2" charset="2"/>
+                              </a:rPr>
+                              <m:t>𝑑</m:t>
+                            </m:r>
+                          </m:e>
+                          <m:sub>
+                            <m:r>
+                              <a:rPr lang="en-US" b="0" i="1" smtClean="0">
+                                <a:latin typeface="Cambria Math" panose="02040503050406030204" pitchFamily="18" charset="0"/>
+                                <a:sym typeface="Wingdings" panose="05000000000000000000" pitchFamily="2" charset="2"/>
+                              </a:rPr>
+                              <m:t>𝑖𝑠𝑝𝑙𝑎𝑐𝑒𝑚𝑒𝑛𝑡</m:t>
+                            </m:r>
+                            <m:r>
+                              <a:rPr lang="en-US" b="0" i="1" smtClean="0">
+                                <a:latin typeface="Cambria Math" panose="02040503050406030204" pitchFamily="18" charset="0"/>
+                                <a:sym typeface="Wingdings" panose="05000000000000000000" pitchFamily="2" charset="2"/>
+                              </a:rPr>
+                              <m:t> </m:t>
+                            </m:r>
+                            <m:r>
+                              <a:rPr lang="en-US" b="0" i="1" smtClean="0">
+                                <a:latin typeface="Cambria Math" panose="02040503050406030204" pitchFamily="18" charset="0"/>
+                                <a:sym typeface="Wingdings" panose="05000000000000000000" pitchFamily="2" charset="2"/>
+                              </a:rPr>
+                              <m:t>𝑉𝑎𝑙𝑢𝑒𝑠</m:t>
+                            </m:r>
+                          </m:sub>
+                        </m:sSub>
+                        <m:r>
+                          <a:rPr lang="en-US" b="0" i="1" smtClean="0">
+                            <a:latin typeface="Cambria Math" panose="02040503050406030204" pitchFamily="18" charset="0"/>
+                            <a:sym typeface="Wingdings" panose="05000000000000000000" pitchFamily="2" charset="2"/>
+                          </a:rPr>
+                          <m:t>≥0</m:t>
+                        </m:r>
+                        <m:r>
+                          <a:rPr lang="en-US" b="0" i="1" smtClean="0">
+                            <a:latin typeface="Cambria Math" panose="02040503050406030204" pitchFamily="18" charset="0"/>
+                            <a:sym typeface="Wingdings" panose="05000000000000000000" pitchFamily="2" charset="2"/>
+                          </a:rPr>
+                          <m:t>𝑚𝑚</m:t>
+                        </m:r>
+                      </m:e>
+                    </m:d>
+                  </m:oMath>
+                </a14:m>
+                <a:r>
+                  <a:rPr lang="en-US" dirty="0" smtClean="0">
+                    <a:sym typeface="Wingdings" panose="05000000000000000000" pitchFamily="2" charset="2"/>
+                  </a:rPr>
+                  <a:t> indicates the ribbed vat will sway.  (result of bonding issues)</a:t>
+                </a:r>
+              </a:p>
+              <a:p>
+                <a:endParaRPr lang="en-US" dirty="0"/>
+              </a:p>
+            </p:txBody>
+          </p:sp>
+        </mc:Choice>
+        <mc:Fallback>
+          <p:sp>
+            <p:nvSpPr>
+              <p:cNvPr id="3" name="Notes Placeholder 2"/>
+              <p:cNvSpPr>
+                <a:spLocks noGrp="1"/>
+              </p:cNvSpPr>
+              <p:nvPr>
+                <p:ph type="body" idx="1"/>
+              </p:nvPr>
+            </p:nvSpPr>
+            <p:spPr/>
+            <p:txBody>
+              <a:bodyPr/>
+              <a:lstStyle/>
+              <a:p>
+                <a:r>
+                  <a:rPr lang="en-US" b="0" i="0" smtClean="0">
+                    <a:latin typeface="Cambria Math" panose="02040503050406030204" pitchFamily="18" charset="0"/>
+                    <a:sym typeface="Wingdings" panose="05000000000000000000" pitchFamily="2" charset="2"/>
+                  </a:rPr>
+                  <a:t>(𝑑_(𝑖𝑠𝑝𝑙𝑎𝑐𝑒𝑚𝑒𝑛𝑡 𝑉𝑎𝑙𝑢𝑒𝑠)≤0𝑚𝑚)</a:t>
+                </a:r>
+                <a:r>
+                  <a:rPr lang="en-US" dirty="0" smtClean="0">
+                    <a:sym typeface="Wingdings" panose="05000000000000000000" pitchFamily="2" charset="2"/>
+                  </a:rPr>
+                  <a:t> indicates the ribbed vat will not sway.</a:t>
+                </a:r>
+              </a:p>
+              <a:p>
+                <a:r>
+                  <a:rPr lang="en-US" b="0" i="0" smtClean="0">
+                    <a:latin typeface="Cambria Math" panose="02040503050406030204" pitchFamily="18" charset="0"/>
+                    <a:sym typeface="Wingdings" panose="05000000000000000000" pitchFamily="2" charset="2"/>
+                  </a:rPr>
+                  <a:t>(𝑑_(𝑖𝑠𝑝𝑙𝑎𝑐𝑒𝑚𝑒𝑛𝑡 𝑉𝑎𝑙𝑢𝑒𝑠)≥0𝑚𝑚)</a:t>
+                </a:r>
+                <a:r>
+                  <a:rPr lang="en-US" dirty="0" smtClean="0">
+                    <a:sym typeface="Wingdings" panose="05000000000000000000" pitchFamily="2" charset="2"/>
+                  </a:rPr>
+                  <a:t> indicates the ribbed vat will sway.  (result of bonding issues)</a:t>
+                </a:r>
+              </a:p>
+              <a:p>
+                <a:endParaRPr lang="en-US" dirty="0"/>
+              </a:p>
+            </p:txBody>
+          </p:sp>
+        </mc:Fallback>
+      </mc:AlternateContent>
+      <p:sp>
+        <p:nvSpPr>
+          <p:cNvPr id="4" name="Slide Number Placeholder 3"/>
+          <p:cNvSpPr>
+            <a:spLocks noGrp="1"/>
+          </p:cNvSpPr>
+          <p:nvPr>
+            <p:ph type="sldNum" sz="quarter" idx="10"/>
+          </p:nvPr>
+        </p:nvSpPr>
+        <p:spPr/>
+        <p:txBody>
+          <a:bodyPr/>
+          <a:lstStyle/>
+          <a:p>
+            <a:fld id="{23782511-E6CA-4337-83DD-3F4EDFA36EC0}" type="slidenum">
+              <a:rPr lang="en-US" smtClean="0"/>
+              <a:pPr/>
+              <a:t>11</a:t>
+            </a:fld>
+            <a:endParaRPr lang="en-US" dirty="0"/>
+          </a:p>
+        </p:txBody>
+      </p:sp>
+    </p:spTree>
+    <p:extLst>
+      <p:ext uri="{BB962C8B-B14F-4D97-AF65-F5344CB8AC3E}">
+        <p14:creationId xmlns:p14="http://schemas.microsoft.com/office/powerpoint/2010/main" val="1305589058"/>
+      </p:ext>
+    </p:extLst>
+  </p:cSld>
+  <p:clrMapOvr>
+    <a:masterClrMapping/>
+  </p:clrMapOvr>
+</p:notes>
+</file>
+
 <file path=ppt/slideLayouts/slideLayout1.xml><?xml version="1.0" encoding="utf-8"?>
 <p:sldLayout xmlns:a="http://schemas.openxmlformats.org/drawingml/2006/main" xmlns:r="http://schemas.openxmlformats.org/officeDocument/2006/relationships" xmlns:p="http://schemas.openxmlformats.org/presentationml/2006/main" showMasterSp="0" type="title" preserve="1">
   <p:cSld name="Title Slide">
@@ -8218,7 +8742,19 @@
           <a:p>
             <a:r>
               <a:rPr lang="en-US" dirty="0" smtClean="0"/>
-              <a:t>Technical Drawings</a:t>
+              <a:t>Technical </a:t>
+            </a:r>
+            <a:r>
+              <a:rPr lang="en-US" dirty="0" smtClean="0"/>
+              <a:t>D</a:t>
+            </a:r>
+            <a:r>
+              <a:rPr lang="en-US" dirty="0" smtClean="0"/>
+              <a:t>rawings/Title </a:t>
+            </a:r>
+            <a:r>
+              <a:rPr lang="en-US" dirty="0" smtClean="0"/>
+              <a:t>Block</a:t>
             </a:r>
             <a:endParaRPr lang="en-US" dirty="0"/>
           </a:p>
@@ -8232,6 +8768,51 @@
           </p:cNvSpPr>
           <p:nvPr>
             <p:ph idx="1"/>
+          </p:nvPr>
+        </p:nvSpPr>
+        <p:spPr>
+          <a:xfrm>
+            <a:off x="1541989" y="1629637"/>
+            <a:ext cx="10018713" cy="1321382"/>
+          </a:xfrm>
+        </p:spPr>
+        <p:txBody>
+          <a:bodyPr>
+            <a:normAutofit fontScale="85000" lnSpcReduction="20000"/>
+          </a:bodyPr>
+          <a:lstStyle/>
+          <a:p>
+            <a:r>
+              <a:rPr lang="en-US" dirty="0" smtClean="0"/>
+              <a:t>The Coupler was GD&amp;T according to ISO standards. </a:t>
+            </a:r>
+          </a:p>
+          <a:p>
+            <a:r>
+              <a:rPr lang="en-US" dirty="0"/>
+              <a:t>A Title Block was created for the Open Source Hardware </a:t>
+            </a:r>
+            <a:r>
+              <a:rPr lang="en-US" dirty="0" smtClean="0"/>
+              <a:t>Community</a:t>
+            </a:r>
+          </a:p>
+          <a:p>
+            <a:pPr marL="0" indent="0">
+              <a:buNone/>
+            </a:pPr>
+            <a:endParaRPr lang="en-US" dirty="0"/>
+          </a:p>
+        </p:txBody>
+      </p:sp>
+      <p:sp>
+        <p:nvSpPr>
+          <p:cNvPr id="4" name="Slide Number Placeholder 3"/>
+          <p:cNvSpPr>
+            <a:spLocks noGrp="1"/>
+          </p:cNvSpPr>
+          <p:nvPr>
+            <p:ph type="sldNum" sz="quarter" idx="12"/>
           </p:nvPr>
         </p:nvSpPr>
         <p:spPr/>
@@ -8239,37 +8820,48 @@
           <a:bodyPr/>
           <a:lstStyle/>
           <a:p>
-            <a:endParaRPr lang="en-US"/>
-          </a:p>
-        </p:txBody>
-      </p:sp>
-      <p:sp>
-        <p:nvSpPr>
-          <p:cNvPr id="4" name="Slide Number Placeholder 3"/>
-          <p:cNvSpPr>
-            <a:spLocks noGrp="1"/>
-          </p:cNvSpPr>
-          <p:nvPr>
-            <p:ph type="sldNum" sz="quarter" idx="12"/>
-          </p:nvPr>
-        </p:nvSpPr>
-        <p:spPr/>
-        <p:txBody>
-          <a:bodyPr/>
-          <a:lstStyle/>
-          <a:p>
             <a:fld id="{5C6BB475-B640-4DD3-A1AA-1CF10A44AA06}" type="slidenum">
               <a:rPr lang="en-US" smtClean="0"/>
+              <a:pPr/>
               <a:t>10</a:t>
             </a:fld>
-            <a:endParaRPr lang="en-US"/>
-          </a:p>
-        </p:txBody>
-      </p:sp>
+            <a:endParaRPr lang="en-US" dirty="0"/>
+          </a:p>
+        </p:txBody>
+      </p:sp>
+      <p:pic>
+        <p:nvPicPr>
+          <p:cNvPr id="5" name="Picture 4"/>
+          <p:cNvPicPr>
+            <a:picLocks noChangeAspect="1"/>
+          </p:cNvPicPr>
+          <p:nvPr/>
+        </p:nvPicPr>
+        <p:blipFill rotWithShape="1">
+          <a:blip r:embed="rId3" cstate="print">
+            <a:extLst>
+              <a:ext uri="{28A0092B-C50C-407E-A947-70E740481C1C}">
+                <a14:useLocalDpi xmlns:a14="http://schemas.microsoft.com/office/drawing/2010/main" val="0"/>
+              </a:ext>
+            </a:extLst>
+          </a:blip>
+          <a:srcRect l="50250" t="77424" r="1936" b="3030"/>
+          <a:stretch/>
+        </p:blipFill>
+        <p:spPr>
+          <a:xfrm>
+            <a:off x="1690254" y="2770660"/>
+            <a:ext cx="10130285" cy="2923505"/>
+          </a:xfrm>
+          <a:prstGeom prst="rect">
+            <a:avLst/>
+          </a:prstGeom>
+        </p:spPr>
+      </p:pic>
     </p:spTree>
     <p:extLst>
       <p:ext uri="{BB962C8B-B14F-4D97-AF65-F5344CB8AC3E}">
-        <p14:creationId xmlns:p14="http://schemas.microsoft.com/office/powerpoint/2010/main" val="2704906384"/>
+        <p14:creationId xmlns:p14="http://schemas.microsoft.com/office/powerpoint/2010/main" val="4023824264"/>
       </p:ext>
     </p:extLst>
   </p:cSld>
@@ -8308,12 +8900,49 @@
         </p:nvSpPr>
         <p:spPr/>
         <p:txBody>
+          <a:bodyPr>
+            <a:normAutofit/>
+          </a:bodyPr>
+          <a:lstStyle/>
+          <a:p>
+            <a:r>
+              <a:rPr lang="en-US" dirty="0" smtClean="0"/>
+              <a:t>Vat </a:t>
+            </a:r>
+            <a:r>
+              <a:rPr lang="en-US" dirty="0"/>
+              <a:t>Simulation </a:t>
+            </a:r>
+          </a:p>
+        </p:txBody>
+      </p:sp>
+      <p:sp>
+        <p:nvSpPr>
+          <p:cNvPr id="3" name="Content Placeholder 2"/>
+          <p:cNvSpPr>
+            <a:spLocks noGrp="1"/>
+          </p:cNvSpPr>
+          <p:nvPr>
+            <p:ph idx="1"/>
+          </p:nvPr>
+        </p:nvSpPr>
+        <p:spPr>
+          <a:xfrm>
+            <a:off x="1541989" y="1629636"/>
+            <a:ext cx="10018713" cy="1085855"/>
+          </a:xfrm>
+        </p:spPr>
+        <p:txBody>
           <a:bodyPr/>
           <a:lstStyle/>
           <a:p>
             <a:r>
+              <a:rPr lang="en-US" dirty="0"/>
+              <a:t>FEA Simulation (fixtures, bonds, forces) – experienced bonding </a:t>
+            </a:r>
+            <a:r>
               <a:rPr lang="en-US" dirty="0" smtClean="0"/>
-              <a:t>Vat Design</a:t>
+              <a:t>issues</a:t>
             </a:r>
             <a:endParaRPr lang="en-US" dirty="0"/>
           </a:p>
@@ -8321,12 +8950,12 @@
       </p:sp>
       <p:sp>
         <p:nvSpPr>
-          <p:cNvPr id="3" name="Content Placeholder 2"/>
-          <p:cNvSpPr>
-            <a:spLocks noGrp="1"/>
-          </p:cNvSpPr>
-          <p:nvPr>
-            <p:ph idx="1"/>
+          <p:cNvPr id="4" name="Slide Number Placeholder 3"/>
+          <p:cNvSpPr>
+            <a:spLocks noGrp="1"/>
+          </p:cNvSpPr>
+          <p:nvPr>
+            <p:ph type="sldNum" sz="quarter" idx="12"/>
           </p:nvPr>
         </p:nvSpPr>
         <p:spPr/>
@@ -8334,37 +8963,91 @@
           <a:bodyPr/>
           <a:lstStyle/>
           <a:p>
-            <a:endParaRPr lang="en-US"/>
-          </a:p>
-        </p:txBody>
-      </p:sp>
-      <p:sp>
-        <p:nvSpPr>
-          <p:cNvPr id="4" name="Slide Number Placeholder 3"/>
-          <p:cNvSpPr>
-            <a:spLocks noGrp="1"/>
-          </p:cNvSpPr>
-          <p:nvPr>
-            <p:ph type="sldNum" sz="quarter" idx="12"/>
-          </p:nvPr>
-        </p:nvSpPr>
-        <p:spPr/>
-        <p:txBody>
-          <a:bodyPr/>
-          <a:lstStyle/>
-          <a:p>
             <a:fld id="{5C6BB475-B640-4DD3-A1AA-1CF10A44AA06}" type="slidenum">
               <a:rPr lang="en-US" smtClean="0"/>
+              <a:pPr/>
               <a:t>11</a:t>
             </a:fld>
-            <a:endParaRPr lang="en-US"/>
-          </a:p>
-        </p:txBody>
-      </p:sp>
+            <a:endParaRPr lang="en-US" dirty="0"/>
+          </a:p>
+        </p:txBody>
+      </p:sp>
+      <p:pic>
+        <p:nvPicPr>
+          <p:cNvPr id="18" name="Picture 17"/>
+          <p:cNvPicPr>
+            <a:picLocks noChangeAspect="1"/>
+          </p:cNvPicPr>
+          <p:nvPr/>
+        </p:nvPicPr>
+        <p:blipFill>
+          <a:blip r:embed="rId3"/>
+          <a:stretch>
+            <a:fillRect/>
+          </a:stretch>
+        </p:blipFill>
+        <p:spPr>
+          <a:xfrm>
+            <a:off x="1541989" y="2715491"/>
+            <a:ext cx="4299043" cy="3846121"/>
+          </a:xfrm>
+          <a:prstGeom prst="rect">
+            <a:avLst/>
+          </a:prstGeom>
+        </p:spPr>
+      </p:pic>
+      <p:pic>
+        <p:nvPicPr>
+          <p:cNvPr id="19" name="Picture 18"/>
+          <p:cNvPicPr>
+            <a:picLocks noChangeAspect="1"/>
+          </p:cNvPicPr>
+          <p:nvPr/>
+        </p:nvPicPr>
+        <p:blipFill>
+          <a:blip r:embed="rId4"/>
+          <a:stretch>
+            <a:fillRect/>
+          </a:stretch>
+        </p:blipFill>
+        <p:spPr>
+          <a:xfrm>
+            <a:off x="5841032" y="2715490"/>
+            <a:ext cx="826916" cy="3846121"/>
+          </a:xfrm>
+          <a:prstGeom prst="rect">
+            <a:avLst/>
+          </a:prstGeom>
+        </p:spPr>
+      </p:pic>
+      <p:pic>
+        <p:nvPicPr>
+          <p:cNvPr id="20" name="Picture 19"/>
+          <p:cNvPicPr>
+            <a:picLocks noChangeAspect="1"/>
+          </p:cNvPicPr>
+          <p:nvPr/>
+        </p:nvPicPr>
+        <p:blipFill>
+          <a:blip r:embed="rId5"/>
+          <a:stretch>
+            <a:fillRect/>
+          </a:stretch>
+        </p:blipFill>
+        <p:spPr>
+          <a:xfrm>
+            <a:off x="6660182" y="2715491"/>
+            <a:ext cx="3825294" cy="3846121"/>
+          </a:xfrm>
+          <a:prstGeom prst="rect">
+            <a:avLst/>
+          </a:prstGeom>
+        </p:spPr>
+      </p:pic>
     </p:spTree>
     <p:extLst>
       <p:ext uri="{BB962C8B-B14F-4D97-AF65-F5344CB8AC3E}">
-        <p14:creationId xmlns:p14="http://schemas.microsoft.com/office/powerpoint/2010/main" val="795725223"/>
+        <p14:creationId xmlns:p14="http://schemas.microsoft.com/office/powerpoint/2010/main" val="1293130739"/>
       </p:ext>
     </p:extLst>
   </p:cSld>
@@ -13335,12 +14018,6 @@
 </file>
 
 <file path=customXml/item1.xml><?xml version="1.0" encoding="utf-8"?>
-<p:properties xmlns:p="http://schemas.microsoft.com/office/2006/metadata/properties" xmlns:xsi="http://www.w3.org/2001/XMLSchema-instance" xmlns:pc="http://schemas.microsoft.com/office/infopath/2007/PartnerControls">
-  <documentManagement/>
-</p:properties>
-</file>
-
-<file path=customXml/item2.xml><?xml version="1.0" encoding="utf-8"?>
 <ct:contentTypeSchema xmlns:ct="http://schemas.microsoft.com/office/2006/metadata/contentType" xmlns:ma="http://schemas.microsoft.com/office/2006/metadata/properties/metaAttributes" ct:_="" ma:_="" ma:contentTypeName="Document" ma:contentTypeID="0x01010037F85F4321109849828001F89B63E148" ma:contentTypeVersion="1" ma:contentTypeDescription="Create a new document." ma:contentTypeScope="" ma:versionID="095e360c2d3b38e9f1c3d2409eae6492">
   <xsd:schema xmlns:xsd="http://www.w3.org/2001/XMLSchema" xmlns:xs="http://www.w3.org/2001/XMLSchema" xmlns:p="http://schemas.microsoft.com/office/2006/metadata/properties" xmlns:ns3="4c2e6f55-8abc-4b5b-a4f7-930d3885115f" targetNamespace="http://schemas.microsoft.com/office/2006/metadata/properties" ma:root="true" ma:fieldsID="ce6d8a4f71ede4388f67b476f14a0021" ns3:_="">
     <xsd:import namespace="4c2e6f55-8abc-4b5b-a4f7-930d3885115f"/>
@@ -13480,6 +14157,12 @@
 </ct:contentTypeSchema>
 </file>
 
+<file path=customXml/item2.xml><?xml version="1.0" encoding="utf-8"?>
+<p:properties xmlns:p="http://schemas.microsoft.com/office/2006/metadata/properties" xmlns:xsi="http://www.w3.org/2001/XMLSchema-instance" xmlns:pc="http://schemas.microsoft.com/office/infopath/2007/PartnerControls">
+  <documentManagement/>
+</p:properties>
+</file>
+
 <file path=customXml/item3.xml><?xml version="1.0" encoding="utf-8"?>
 <?mso-contentType ?>
 <FormTemplates xmlns="http://schemas.microsoft.com/sharepoint/v3/contenttype/forms">
@@ -13490,15 +14173,6 @@
 </file>
 
 <file path=customXml/itemProps1.xml><?xml version="1.0" encoding="utf-8"?>
-<ds:datastoreItem xmlns:ds="http://schemas.openxmlformats.org/officeDocument/2006/customXml" ds:itemID="{7D5E529B-E2B8-4FF4-96DC-717B6A9731D6}">
-  <ds:schemaRefs>
-    <ds:schemaRef ds:uri="http://schemas.microsoft.com/office/2006/metadata/properties"/>
-    <ds:schemaRef ds:uri="http://schemas.microsoft.com/office/infopath/2007/PartnerControls"/>
-  </ds:schemaRefs>
-</ds:datastoreItem>
-</file>
-
-<file path=customXml/itemProps2.xml><?xml version="1.0" encoding="utf-8"?>
 <ds:datastoreItem xmlns:ds="http://schemas.openxmlformats.org/officeDocument/2006/customXml" ds:itemID="{41A76F2A-8591-44A6-B165-1D0702FBBD53}">
   <ds:schemaRefs>
     <ds:schemaRef ds:uri="http://schemas.microsoft.com/office/2006/metadata/contentType"/>
@@ -13516,6 +14190,15 @@
 </ds:datastoreItem>
 </file>
 
+<file path=customXml/itemProps2.xml><?xml version="1.0" encoding="utf-8"?>
+<ds:datastoreItem xmlns:ds="http://schemas.openxmlformats.org/officeDocument/2006/customXml" ds:itemID="{7D5E529B-E2B8-4FF4-96DC-717B6A9731D6}">
+  <ds:schemaRefs>
+    <ds:schemaRef ds:uri="http://schemas.microsoft.com/office/2006/metadata/properties"/>
+    <ds:schemaRef ds:uri="http://schemas.microsoft.com/office/infopath/2007/PartnerControls"/>
+  </ds:schemaRefs>
+</ds:datastoreItem>
+</file>
+
 <file path=customXml/itemProps3.xml><?xml version="1.0" encoding="utf-8"?>
 <ds:datastoreItem xmlns:ds="http://schemas.openxmlformats.org/officeDocument/2006/customXml" ds:itemID="{A1EF12E8-B070-4F5F-9BD0-CEE0E7C075D0}">
   <ds:schemaRefs>

--- a/Presentations/DesignPres/DesignPres-75.pptx
+++ b/Presentations/DesignPres/DesignPres-75.pptx
@@ -5,7 +5,7 @@
     <p:sldMasterId id="2147483678" r:id="rId4"/>
   </p:sldMasterIdLst>
   <p:notesMasterIdLst>
-    <p:notesMasterId r:id="rId27"/>
+    <p:notesMasterId r:id="rId28"/>
   </p:notesMasterIdLst>
   <p:sldIdLst>
     <p:sldId id="256" r:id="rId5"/>
@@ -15,21 +15,22 @@
     <p:sldId id="292" r:id="rId9"/>
     <p:sldId id="279" r:id="rId10"/>
     <p:sldId id="265" r:id="rId11"/>
-    <p:sldId id="263" r:id="rId12"/>
-    <p:sldId id="293" r:id="rId13"/>
-    <p:sldId id="297" r:id="rId14"/>
-    <p:sldId id="298" r:id="rId15"/>
-    <p:sldId id="283" r:id="rId16"/>
-    <p:sldId id="284" r:id="rId17"/>
-    <p:sldId id="285" r:id="rId18"/>
-    <p:sldId id="296" r:id="rId19"/>
-    <p:sldId id="287" r:id="rId20"/>
-    <p:sldId id="288" r:id="rId21"/>
-    <p:sldId id="276" r:id="rId22"/>
-    <p:sldId id="289" r:id="rId23"/>
-    <p:sldId id="278" r:id="rId24"/>
-    <p:sldId id="295" r:id="rId25"/>
-    <p:sldId id="270" r:id="rId26"/>
+    <p:sldId id="293" r:id="rId12"/>
+    <p:sldId id="299" r:id="rId13"/>
+    <p:sldId id="300" r:id="rId14"/>
+    <p:sldId id="297" r:id="rId15"/>
+    <p:sldId id="298" r:id="rId16"/>
+    <p:sldId id="283" r:id="rId17"/>
+    <p:sldId id="284" r:id="rId18"/>
+    <p:sldId id="285" r:id="rId19"/>
+    <p:sldId id="296" r:id="rId20"/>
+    <p:sldId id="287" r:id="rId21"/>
+    <p:sldId id="288" r:id="rId22"/>
+    <p:sldId id="276" r:id="rId23"/>
+    <p:sldId id="289" r:id="rId24"/>
+    <p:sldId id="278" r:id="rId25"/>
+    <p:sldId id="295" r:id="rId26"/>
+    <p:sldId id="270" r:id="rId27"/>
   </p:sldIdLst>
   <p:sldSz cx="12192000" cy="6858000"/>
   <p:notesSz cx="6858000" cy="9144000"/>
@@ -181,6 +182,7 @@
           </a:p>
         </c:rich>
       </c:tx>
+      <c:layout/>
       <c:overlay val="0"/>
       <c:spPr>
         <a:noFill/>
@@ -620,11 +622,11 @@
         </c:dLbls>
         <c:bubbleScale val="100"/>
         <c:showNegBubbles val="0"/>
-        <c:axId val="-1407923328"/>
-        <c:axId val="-1407929312"/>
+        <c:axId val="2032151904"/>
+        <c:axId val="2032158432"/>
       </c:bubbleChart>
       <c:valAx>
-        <c:axId val="-1407923328"/>
+        <c:axId val="2032151904"/>
         <c:scaling>
           <c:orientation val="minMax"/>
           <c:min val="0"/>
@@ -679,6 +681,7 @@
               </a:p>
             </c:rich>
           </c:tx>
+          <c:layout/>
           <c:overlay val="0"/>
           <c:spPr>
             <a:noFill/>
@@ -743,12 +746,12 @@
             <a:endParaRPr lang="en-US"/>
           </a:p>
         </c:txPr>
-        <c:crossAx val="-1407929312"/>
+        <c:crossAx val="2032158432"/>
         <c:crosses val="autoZero"/>
         <c:crossBetween val="midCat"/>
       </c:valAx>
       <c:valAx>
-        <c:axId val="-1407929312"/>
+        <c:axId val="2032158432"/>
         <c:scaling>
           <c:orientation val="minMax"/>
           <c:max val="3500"/>
@@ -801,6 +804,7 @@
               </a:p>
             </c:rich>
           </c:tx>
+          <c:layout/>
           <c:overlay val="0"/>
           <c:spPr>
             <a:noFill/>
@@ -865,7 +869,7 @@
             <a:endParaRPr lang="en-US"/>
           </a:p>
         </c:txPr>
-        <c:crossAx val="-1407923328"/>
+        <c:crossAx val="2032151904"/>
         <c:crosses val="autoZero"/>
         <c:crossBetween val="midCat"/>
       </c:valAx>
@@ -2172,7 +2176,7 @@
             <a:fld id="{23782511-E6CA-4337-83DD-3F4EDFA36EC0}" type="slidenum">
               <a:rPr lang="en-US" smtClean="0"/>
               <a:pPr/>
-              <a:t>10</a:t>
+              <a:t>11</a:t>
             </a:fld>
             <a:endParaRPr lang="en-US" dirty="0"/>
           </a:p>
@@ -2220,8 +2224,8 @@
         </p:nvSpPr>
         <p:spPr/>
       </p:sp>
-      <mc:AlternateContent xmlns:mc="http://schemas.openxmlformats.org/markup-compatibility/2006">
-        <mc:Choice xmlns:a14="http://schemas.microsoft.com/office/drawing/2010/main" Requires="a14">
+      <mc:AlternateContent xmlns:mc="http://schemas.openxmlformats.org/markup-compatibility/2006" xmlns:a14="http://schemas.microsoft.com/office/drawing/2010/main">
+        <mc:Choice Requires="a14">
           <p:sp>
             <p:nvSpPr>
               <p:cNvPr id="3" name="Notes Placeholder 2"/>
@@ -2402,7 +2406,7 @@
             </p:txBody>
           </p:sp>
         </mc:Choice>
-        <mc:Fallback>
+        <mc:Fallback xmlns="">
           <p:sp>
             <p:nvSpPr>
               <p:cNvPr id="3" name="Notes Placeholder 2"/>
@@ -2472,7 +2476,7 @@
             <a:fld id="{23782511-E6CA-4337-83DD-3F4EDFA36EC0}" type="slidenum">
               <a:rPr lang="en-US" smtClean="0"/>
               <a:pPr/>
-              <a:t>11</a:t>
+              <a:t>12</a:t>
             </a:fld>
             <a:endParaRPr lang="en-US" dirty="0"/>
           </a:p>
@@ -8742,19 +8746,169 @@
           <a:p>
             <a:r>
               <a:rPr lang="en-US" dirty="0" smtClean="0"/>
-              <a:t>Technical </a:t>
-            </a:r>
+              <a:t>Current Prototype </a:t>
+            </a:r>
+            <a:endParaRPr lang="en-US" dirty="0"/>
+          </a:p>
+        </p:txBody>
+      </p:sp>
+      <p:pic>
+        <p:nvPicPr>
+          <p:cNvPr id="5" name="Content Placeholder 4"/>
+          <p:cNvPicPr>
+            <a:picLocks noGrp="1" noChangeAspect="1"/>
+          </p:cNvPicPr>
+          <p:nvPr>
+            <p:ph idx="1"/>
+          </p:nvPr>
+        </p:nvPicPr>
+        <p:blipFill rotWithShape="1">
+          <a:blip r:embed="rId2">
+            <a:extLst>
+              <a:ext uri="{28A0092B-C50C-407E-A947-70E740481C1C}">
+                <a14:useLocalDpi xmlns:a14="http://schemas.microsoft.com/office/drawing/2010/main" val="0"/>
+              </a:ext>
+            </a:extLst>
+          </a:blip>
+          <a:srcRect l="36248" r="38167"/>
+          <a:stretch/>
+        </p:blipFill>
+        <p:spPr>
+          <a:xfrm>
+            <a:off x="2215757" y="1477867"/>
+            <a:ext cx="1991154" cy="4389263"/>
+          </a:xfrm>
+        </p:spPr>
+      </p:pic>
+      <p:sp>
+        <p:nvSpPr>
+          <p:cNvPr id="4" name="Slide Number Placeholder 3"/>
+          <p:cNvSpPr>
+            <a:spLocks noGrp="1"/>
+          </p:cNvSpPr>
+          <p:nvPr>
+            <p:ph type="sldNum" sz="quarter" idx="12"/>
+          </p:nvPr>
+        </p:nvSpPr>
+        <p:spPr/>
+        <p:txBody>
+          <a:bodyPr/>
+          <a:lstStyle/>
+          <a:p>
+            <a:fld id="{5C6BB475-B640-4DD3-A1AA-1CF10A44AA06}" type="slidenum">
+              <a:rPr lang="en-US" smtClean="0"/>
+              <a:t>10</a:t>
+            </a:fld>
+            <a:endParaRPr lang="en-US"/>
+          </a:p>
+        </p:txBody>
+      </p:sp>
+      <p:pic>
+        <p:nvPicPr>
+          <p:cNvPr id="6" name="Picture 5"/>
+          <p:cNvPicPr>
+            <a:picLocks noChangeAspect="1"/>
+          </p:cNvPicPr>
+          <p:nvPr/>
+        </p:nvPicPr>
+        <p:blipFill rotWithShape="1">
+          <a:blip r:embed="rId3">
+            <a:extLst>
+              <a:ext uri="{28A0092B-C50C-407E-A947-70E740481C1C}">
+                <a14:useLocalDpi xmlns:a14="http://schemas.microsoft.com/office/drawing/2010/main" val="0"/>
+              </a:ext>
+            </a:extLst>
+          </a:blip>
+          <a:srcRect l="27989" r="43223"/>
+          <a:stretch/>
+        </p:blipFill>
+        <p:spPr>
+          <a:xfrm>
+            <a:off x="8457647" y="1477867"/>
+            <a:ext cx="2240402" cy="4389263"/>
+          </a:xfrm>
+          <a:prstGeom prst="rect">
+            <a:avLst/>
+          </a:prstGeom>
+        </p:spPr>
+      </p:pic>
+      <p:pic>
+        <p:nvPicPr>
+          <p:cNvPr id="7" name="Picture 6"/>
+          <p:cNvPicPr>
+            <a:picLocks noChangeAspect="1"/>
+          </p:cNvPicPr>
+          <p:nvPr/>
+        </p:nvPicPr>
+        <p:blipFill rotWithShape="1">
+          <a:blip r:embed="rId4" cstate="print">
+            <a:extLst>
+              <a:ext uri="{28A0092B-C50C-407E-A947-70E740481C1C}">
+                <a14:useLocalDpi xmlns:a14="http://schemas.microsoft.com/office/drawing/2010/main" val="0"/>
+              </a:ext>
+            </a:extLst>
+          </a:blip>
+          <a:srcRect l="35646" r="34051"/>
+          <a:stretch/>
+        </p:blipFill>
+        <p:spPr>
+          <a:xfrm>
+            <a:off x="5139175" y="1477868"/>
+            <a:ext cx="2364586" cy="4389262"/>
+          </a:xfrm>
+          <a:prstGeom prst="rect">
+            <a:avLst/>
+          </a:prstGeom>
+        </p:spPr>
+      </p:pic>
+    </p:spTree>
+    <p:extLst>
+      <p:ext uri="{BB962C8B-B14F-4D97-AF65-F5344CB8AC3E}">
+        <p14:creationId xmlns:p14="http://schemas.microsoft.com/office/powerpoint/2010/main" val="2538826317"/>
+      </p:ext>
+    </p:extLst>
+  </p:cSld>
+  <p:clrMapOvr>
+    <a:masterClrMapping/>
+  </p:clrMapOvr>
+</p:sld>
+</file>
+
+<file path=ppt/slides/slide11.xml><?xml version="1.0" encoding="utf-8"?>
+<p:sld xmlns:a="http://schemas.openxmlformats.org/drawingml/2006/main" xmlns:r="http://schemas.openxmlformats.org/officeDocument/2006/relationships" xmlns:p="http://schemas.openxmlformats.org/presentationml/2006/main">
+  <p:cSld>
+    <p:spTree>
+      <p:nvGrpSpPr>
+        <p:cNvPr id="1" name=""/>
+        <p:cNvGrpSpPr/>
+        <p:nvPr/>
+      </p:nvGrpSpPr>
+      <p:grpSpPr>
+        <a:xfrm>
+          <a:off x="0" y="0"/>
+          <a:ext cx="0" cy="0"/>
+          <a:chOff x="0" y="0"/>
+          <a:chExt cx="0" cy="0"/>
+        </a:xfrm>
+      </p:grpSpPr>
+      <p:sp>
+        <p:nvSpPr>
+          <p:cNvPr id="2" name="Title 1"/>
+          <p:cNvSpPr>
+            <a:spLocks noGrp="1"/>
+          </p:cNvSpPr>
+          <p:nvPr>
+            <p:ph type="title"/>
+          </p:nvPr>
+        </p:nvSpPr>
+        <p:spPr/>
+        <p:txBody>
+          <a:bodyPr/>
+          <a:lstStyle/>
+          <a:p>
             <a:r>
               <a:rPr lang="en-US" dirty="0" smtClean="0"/>
-              <a:t>D</a:t>
-            </a:r>
-            <a:r>
-              <a:rPr lang="en-US" dirty="0" smtClean="0"/>
-              <a:t>rawings/Title </a:t>
-            </a:r>
-            <a:r>
-              <a:rPr lang="en-US" dirty="0" smtClean="0"/>
-              <a:t>Block</a:t>
+              <a:t>Technical Drawings/Title Block</a:t>
             </a:r>
             <a:endParaRPr lang="en-US" dirty="0"/>
           </a:p>
@@ -8823,7 +8977,7 @@
             <a:fld id="{5C6BB475-B640-4DD3-A1AA-1CF10A44AA06}" type="slidenum">
               <a:rPr lang="en-US" smtClean="0"/>
               <a:pPr/>
-              <a:t>10</a:t>
+              <a:t>11</a:t>
             </a:fld>
             <a:endParaRPr lang="en-US" dirty="0"/>
           </a:p>
@@ -8871,7 +9025,7 @@
 </p:sld>
 </file>
 
-<file path=ppt/slides/slide11.xml><?xml version="1.0" encoding="utf-8"?>
+<file path=ppt/slides/slide12.xml><?xml version="1.0" encoding="utf-8"?>
 <p:sld xmlns:a="http://schemas.openxmlformats.org/drawingml/2006/main" xmlns:r="http://schemas.openxmlformats.org/officeDocument/2006/relationships" xmlns:p="http://schemas.openxmlformats.org/presentationml/2006/main">
   <p:cSld>
     <p:spTree>
@@ -8966,7 +9120,7 @@
             <a:fld id="{5C6BB475-B640-4DD3-A1AA-1CF10A44AA06}" type="slidenum">
               <a:rPr lang="en-US" smtClean="0"/>
               <a:pPr/>
-              <a:t>11</a:t>
+              <a:t>12</a:t>
             </a:fld>
             <a:endParaRPr lang="en-US" dirty="0"/>
           </a:p>
@@ -9057,101 +9211,6 @@
 </p:sld>
 </file>
 
-<file path=ppt/slides/slide12.xml><?xml version="1.0" encoding="utf-8"?>
-<p:sld xmlns:a="http://schemas.openxmlformats.org/drawingml/2006/main" xmlns:r="http://schemas.openxmlformats.org/officeDocument/2006/relationships" xmlns:p="http://schemas.openxmlformats.org/presentationml/2006/main">
-  <p:cSld>
-    <p:spTree>
-      <p:nvGrpSpPr>
-        <p:cNvPr id="1" name=""/>
-        <p:cNvGrpSpPr/>
-        <p:nvPr/>
-      </p:nvGrpSpPr>
-      <p:grpSpPr>
-        <a:xfrm>
-          <a:off x="0" y="0"/>
-          <a:ext cx="0" cy="0"/>
-          <a:chOff x="0" y="0"/>
-          <a:chExt cx="0" cy="0"/>
-        </a:xfrm>
-      </p:grpSpPr>
-      <p:sp>
-        <p:nvSpPr>
-          <p:cNvPr id="2" name="Title 1"/>
-          <p:cNvSpPr>
-            <a:spLocks noGrp="1"/>
-          </p:cNvSpPr>
-          <p:nvPr>
-            <p:ph type="title"/>
-          </p:nvPr>
-        </p:nvSpPr>
-        <p:spPr/>
-        <p:txBody>
-          <a:bodyPr/>
-          <a:lstStyle/>
-          <a:p>
-            <a:r>
-              <a:rPr lang="en-US" dirty="0" smtClean="0"/>
-              <a:t>Wire Diagram</a:t>
-            </a:r>
-            <a:endParaRPr lang="en-US" dirty="0"/>
-          </a:p>
-        </p:txBody>
-      </p:sp>
-      <p:sp>
-        <p:nvSpPr>
-          <p:cNvPr id="3" name="Content Placeholder 2"/>
-          <p:cNvSpPr>
-            <a:spLocks noGrp="1"/>
-          </p:cNvSpPr>
-          <p:nvPr>
-            <p:ph idx="1"/>
-          </p:nvPr>
-        </p:nvSpPr>
-        <p:spPr/>
-        <p:txBody>
-          <a:bodyPr/>
-          <a:lstStyle/>
-          <a:p>
-            <a:endParaRPr lang="en-US"/>
-          </a:p>
-        </p:txBody>
-      </p:sp>
-      <p:sp>
-        <p:nvSpPr>
-          <p:cNvPr id="4" name="Slide Number Placeholder 3"/>
-          <p:cNvSpPr>
-            <a:spLocks noGrp="1"/>
-          </p:cNvSpPr>
-          <p:nvPr>
-            <p:ph type="sldNum" sz="quarter" idx="12"/>
-          </p:nvPr>
-        </p:nvSpPr>
-        <p:spPr/>
-        <p:txBody>
-          <a:bodyPr/>
-          <a:lstStyle/>
-          <a:p>
-            <a:fld id="{5C6BB475-B640-4DD3-A1AA-1CF10A44AA06}" type="slidenum">
-              <a:rPr lang="en-US" smtClean="0"/>
-              <a:t>12</a:t>
-            </a:fld>
-            <a:endParaRPr lang="en-US"/>
-          </a:p>
-        </p:txBody>
-      </p:sp>
-    </p:spTree>
-    <p:extLst>
-      <p:ext uri="{BB962C8B-B14F-4D97-AF65-F5344CB8AC3E}">
-        <p14:creationId xmlns:p14="http://schemas.microsoft.com/office/powerpoint/2010/main" val="4240055343"/>
-      </p:ext>
-    </p:extLst>
-  </p:cSld>
-  <p:clrMapOvr>
-    <a:masterClrMapping/>
-  </p:clrMapOvr>
-</p:sld>
-</file>
-
 <file path=ppt/slides/slide13.xml><?xml version="1.0" encoding="utf-8"?>
 <p:sld xmlns:a="http://schemas.openxmlformats.org/drawingml/2006/main" xmlns:r="http://schemas.openxmlformats.org/officeDocument/2006/relationships" xmlns:p="http://schemas.openxmlformats.org/presentationml/2006/main">
   <p:cSld>
@@ -9186,7 +9245,7 @@
           <a:p>
             <a:r>
               <a:rPr lang="en-US" dirty="0" smtClean="0"/>
-              <a:t>Hardware Software Interface</a:t>
+              <a:t>Wire Diagram</a:t>
             </a:r>
             <a:endParaRPr lang="en-US" dirty="0"/>
           </a:p>
@@ -9237,7 +9296,7 @@
     </p:spTree>
     <p:extLst>
       <p:ext uri="{BB962C8B-B14F-4D97-AF65-F5344CB8AC3E}">
-        <p14:creationId xmlns:p14="http://schemas.microsoft.com/office/powerpoint/2010/main" val="3374279974"/>
+        <p14:creationId xmlns:p14="http://schemas.microsoft.com/office/powerpoint/2010/main" val="4240055343"/>
       </p:ext>
     </p:extLst>
   </p:cSld>
@@ -9280,12 +9339,8 @@
           <a:lstStyle/>
           <a:p>
             <a:r>
-              <a:rPr lang="en-US" dirty="0"/>
-              <a:t>Hardware Software </a:t>
-            </a:r>
-            <a:r>
               <a:rPr lang="en-US" dirty="0" smtClean="0"/>
-              <a:t>Interface contd.</a:t>
+              <a:t>Hardware Software Interface</a:t>
             </a:r>
             <a:endParaRPr lang="en-US" dirty="0"/>
           </a:p>
@@ -9336,7 +9391,7 @@
     </p:spTree>
     <p:extLst>
       <p:ext uri="{BB962C8B-B14F-4D97-AF65-F5344CB8AC3E}">
-        <p14:creationId xmlns:p14="http://schemas.microsoft.com/office/powerpoint/2010/main" val="1320030583"/>
+        <p14:creationId xmlns:p14="http://schemas.microsoft.com/office/powerpoint/2010/main" val="3374279974"/>
       </p:ext>
     </p:extLst>
   </p:cSld>
@@ -9379,8 +9434,12 @@
           <a:lstStyle/>
           <a:p>
             <a:r>
+              <a:rPr lang="en-US" dirty="0"/>
+              <a:t>Hardware Software </a:t>
+            </a:r>
+            <a:r>
               <a:rPr lang="en-US" dirty="0" smtClean="0"/>
-              <a:t>Projector and Resin</a:t>
+              <a:t>Interface contd.</a:t>
             </a:r>
             <a:endParaRPr lang="en-US" dirty="0"/>
           </a:p>
@@ -9388,12 +9447,12 @@
       </p:sp>
       <p:sp>
         <p:nvSpPr>
-          <p:cNvPr id="4" name="Slide Number Placeholder 3"/>
-          <p:cNvSpPr>
-            <a:spLocks noGrp="1"/>
-          </p:cNvSpPr>
-          <p:nvPr>
-            <p:ph type="sldNum" sz="quarter" idx="12"/>
+          <p:cNvPr id="3" name="Content Placeholder 2"/>
+          <p:cNvSpPr>
+            <a:spLocks noGrp="1"/>
+          </p:cNvSpPr>
+          <p:nvPr>
+            <p:ph idx="1"/>
           </p:nvPr>
         </p:nvSpPr>
         <p:spPr/>
@@ -9401,106 +9460,37 @@
           <a:bodyPr/>
           <a:lstStyle/>
           <a:p>
+            <a:endParaRPr lang="en-US"/>
+          </a:p>
+        </p:txBody>
+      </p:sp>
+      <p:sp>
+        <p:nvSpPr>
+          <p:cNvPr id="4" name="Slide Number Placeholder 3"/>
+          <p:cNvSpPr>
+            <a:spLocks noGrp="1"/>
+          </p:cNvSpPr>
+          <p:nvPr>
+            <p:ph type="sldNum" sz="quarter" idx="12"/>
+          </p:nvPr>
+        </p:nvSpPr>
+        <p:spPr/>
+        <p:txBody>
+          <a:bodyPr/>
+          <a:lstStyle/>
+          <a:p>
             <a:fld id="{5C6BB475-B640-4DD3-A1AA-1CF10A44AA06}" type="slidenum">
               <a:rPr lang="en-US" smtClean="0"/>
-              <a:pPr/>
               <a:t>15</a:t>
             </a:fld>
-            <a:endParaRPr lang="en-US" dirty="0"/>
-          </a:p>
-        </p:txBody>
-      </p:sp>
-      <p:sp>
-        <p:nvSpPr>
-          <p:cNvPr id="6" name="Content Placeholder 5"/>
-          <p:cNvSpPr>
-            <a:spLocks noGrp="1"/>
-          </p:cNvSpPr>
-          <p:nvPr>
-            <p:ph idx="1"/>
-          </p:nvPr>
-        </p:nvSpPr>
-        <p:spPr>
-          <a:xfrm>
-            <a:off x="1541989" y="1538196"/>
-            <a:ext cx="10018713" cy="4180024"/>
-          </a:xfrm>
-        </p:spPr>
-        <p:txBody>
-          <a:bodyPr anchor="t">
-            <a:normAutofit/>
-          </a:bodyPr>
-          <a:lstStyle/>
-          <a:p>
-            <a:r>
-              <a:rPr lang="en-US" dirty="0" smtClean="0"/>
-              <a:t>Projector Qualities</a:t>
-            </a:r>
-          </a:p>
-          <a:p>
-            <a:pPr lvl="1"/>
-            <a:r>
-              <a:rPr lang="en-US" dirty="0" smtClean="0"/>
-              <a:t>High Resolution DLP</a:t>
-            </a:r>
-            <a:endParaRPr lang="en-US" dirty="0"/>
-          </a:p>
-          <a:p>
-            <a:pPr lvl="1"/>
-            <a:r>
-              <a:rPr lang="en-US" dirty="0"/>
-              <a:t>UV </a:t>
-            </a:r>
-            <a:r>
-              <a:rPr lang="en-US" dirty="0" smtClean="0"/>
-              <a:t>Filter Removal </a:t>
-            </a:r>
-            <a:endParaRPr lang="en-US" dirty="0"/>
-          </a:p>
-          <a:p>
-            <a:pPr lvl="1"/>
-            <a:r>
-              <a:rPr lang="en-US" dirty="0"/>
-              <a:t>Throw </a:t>
-            </a:r>
-            <a:r>
-              <a:rPr lang="en-US" dirty="0" smtClean="0"/>
-              <a:t>Distance</a:t>
-            </a:r>
-          </a:p>
-          <a:p>
-            <a:r>
-              <a:rPr lang="en-US" dirty="0" smtClean="0"/>
-              <a:t>Resin</a:t>
-            </a:r>
-            <a:endParaRPr lang="en-US" dirty="0"/>
-          </a:p>
-          <a:p>
-            <a:pPr lvl="1"/>
-            <a:r>
-              <a:rPr lang="en-US" dirty="0"/>
-              <a:t>Test for Layer Thickness</a:t>
-            </a:r>
-          </a:p>
-          <a:p>
-            <a:pPr lvl="1"/>
-            <a:r>
-              <a:rPr lang="en-US" dirty="0"/>
-              <a:t>Test for Exposure Time</a:t>
-            </a:r>
-          </a:p>
-          <a:p>
-            <a:pPr marL="0" indent="0">
-              <a:buNone/>
-            </a:pPr>
-            <a:endParaRPr lang="en-US" dirty="0" smtClean="0"/>
+            <a:endParaRPr lang="en-US"/>
           </a:p>
         </p:txBody>
       </p:sp>
     </p:spTree>
     <p:extLst>
       <p:ext uri="{BB962C8B-B14F-4D97-AF65-F5344CB8AC3E}">
-        <p14:creationId xmlns:p14="http://schemas.microsoft.com/office/powerpoint/2010/main" val="1888003692"/>
+        <p14:creationId xmlns:p14="http://schemas.microsoft.com/office/powerpoint/2010/main" val="1320030583"/>
       </p:ext>
     </p:extLst>
   </p:cSld>
@@ -9544,7 +9534,7 @@
           <a:p>
             <a:r>
               <a:rPr lang="en-US" dirty="0" smtClean="0"/>
-              <a:t>Software Problems</a:t>
+              <a:t>Projector and Resin</a:t>
             </a:r>
             <a:endParaRPr lang="en-US" dirty="0"/>
           </a:p>
@@ -9552,12 +9542,12 @@
       </p:sp>
       <p:sp>
         <p:nvSpPr>
-          <p:cNvPr id="3" name="Content Placeholder 2"/>
-          <p:cNvSpPr>
-            <a:spLocks noGrp="1"/>
-          </p:cNvSpPr>
-          <p:nvPr>
-            <p:ph idx="1"/>
+          <p:cNvPr id="4" name="Slide Number Placeholder 3"/>
+          <p:cNvSpPr>
+            <a:spLocks noGrp="1"/>
+          </p:cNvSpPr>
+          <p:nvPr>
+            <p:ph type="sldNum" sz="quarter" idx="12"/>
           </p:nvPr>
         </p:nvSpPr>
         <p:spPr/>
@@ -9565,37 +9555,106 @@
           <a:bodyPr/>
           <a:lstStyle/>
           <a:p>
-            <a:endParaRPr lang="en-US"/>
-          </a:p>
-        </p:txBody>
-      </p:sp>
-      <p:sp>
-        <p:nvSpPr>
-          <p:cNvPr id="4" name="Slide Number Placeholder 3"/>
-          <p:cNvSpPr>
-            <a:spLocks noGrp="1"/>
-          </p:cNvSpPr>
-          <p:nvPr>
-            <p:ph type="sldNum" sz="quarter" idx="12"/>
-          </p:nvPr>
-        </p:nvSpPr>
-        <p:spPr/>
-        <p:txBody>
-          <a:bodyPr/>
-          <a:lstStyle/>
-          <a:p>
             <a:fld id="{5C6BB475-B640-4DD3-A1AA-1CF10A44AA06}" type="slidenum">
               <a:rPr lang="en-US" smtClean="0"/>
+              <a:pPr/>
               <a:t>16</a:t>
             </a:fld>
-            <a:endParaRPr lang="en-US"/>
+            <a:endParaRPr lang="en-US" dirty="0"/>
+          </a:p>
+        </p:txBody>
+      </p:sp>
+      <p:sp>
+        <p:nvSpPr>
+          <p:cNvPr id="6" name="Content Placeholder 5"/>
+          <p:cNvSpPr>
+            <a:spLocks noGrp="1"/>
+          </p:cNvSpPr>
+          <p:nvPr>
+            <p:ph idx="1"/>
+          </p:nvPr>
+        </p:nvSpPr>
+        <p:spPr>
+          <a:xfrm>
+            <a:off x="1541989" y="1538196"/>
+            <a:ext cx="10018713" cy="4180024"/>
+          </a:xfrm>
+        </p:spPr>
+        <p:txBody>
+          <a:bodyPr anchor="t">
+            <a:normAutofit/>
+          </a:bodyPr>
+          <a:lstStyle/>
+          <a:p>
+            <a:r>
+              <a:rPr lang="en-US" dirty="0" smtClean="0"/>
+              <a:t>Projector Qualities</a:t>
+            </a:r>
+          </a:p>
+          <a:p>
+            <a:pPr lvl="1"/>
+            <a:r>
+              <a:rPr lang="en-US" dirty="0" smtClean="0"/>
+              <a:t>High Resolution DLP</a:t>
+            </a:r>
+            <a:endParaRPr lang="en-US" dirty="0"/>
+          </a:p>
+          <a:p>
+            <a:pPr lvl="1"/>
+            <a:r>
+              <a:rPr lang="en-US" dirty="0"/>
+              <a:t>UV </a:t>
+            </a:r>
+            <a:r>
+              <a:rPr lang="en-US" dirty="0" smtClean="0"/>
+              <a:t>Filter Removal </a:t>
+            </a:r>
+            <a:endParaRPr lang="en-US" dirty="0"/>
+          </a:p>
+          <a:p>
+            <a:pPr lvl="1"/>
+            <a:r>
+              <a:rPr lang="en-US" dirty="0"/>
+              <a:t>Throw </a:t>
+            </a:r>
+            <a:r>
+              <a:rPr lang="en-US" dirty="0" smtClean="0"/>
+              <a:t>Distance</a:t>
+            </a:r>
+          </a:p>
+          <a:p>
+            <a:r>
+              <a:rPr lang="en-US" dirty="0" smtClean="0"/>
+              <a:t>Resin</a:t>
+            </a:r>
+            <a:endParaRPr lang="en-US" dirty="0"/>
+          </a:p>
+          <a:p>
+            <a:pPr lvl="1"/>
+            <a:r>
+              <a:rPr lang="en-US" dirty="0"/>
+              <a:t>Test for Layer Thickness</a:t>
+            </a:r>
+          </a:p>
+          <a:p>
+            <a:pPr lvl="1"/>
+            <a:r>
+              <a:rPr lang="en-US" dirty="0"/>
+              <a:t>Test for Exposure Time</a:t>
+            </a:r>
+          </a:p>
+          <a:p>
+            <a:pPr marL="0" indent="0">
+              <a:buNone/>
+            </a:pPr>
+            <a:endParaRPr lang="en-US" dirty="0" smtClean="0"/>
           </a:p>
         </p:txBody>
       </p:sp>
     </p:spTree>
     <p:extLst>
       <p:ext uri="{BB962C8B-B14F-4D97-AF65-F5344CB8AC3E}">
-        <p14:creationId xmlns:p14="http://schemas.microsoft.com/office/powerpoint/2010/main" val="4088312060"/>
+        <p14:creationId xmlns:p14="http://schemas.microsoft.com/office/powerpoint/2010/main" val="1888003692"/>
       </p:ext>
     </p:extLst>
   </p:cSld>
@@ -9639,7 +9698,7 @@
           <a:p>
             <a:r>
               <a:rPr lang="en-US" dirty="0" smtClean="0"/>
-              <a:t>New Design</a:t>
+              <a:t>Software Problems</a:t>
             </a:r>
             <a:endParaRPr lang="en-US" dirty="0"/>
           </a:p>
@@ -9690,7 +9749,7 @@
     </p:spTree>
     <p:extLst>
       <p:ext uri="{BB962C8B-B14F-4D97-AF65-F5344CB8AC3E}">
-        <p14:creationId xmlns:p14="http://schemas.microsoft.com/office/powerpoint/2010/main" val="4014598853"/>
+        <p14:creationId xmlns:p14="http://schemas.microsoft.com/office/powerpoint/2010/main" val="4088312060"/>
       </p:ext>
     </p:extLst>
   </p:cSld>
@@ -9729,6 +9788,101 @@
         </p:nvSpPr>
         <p:spPr/>
         <p:txBody>
+          <a:bodyPr/>
+          <a:lstStyle/>
+          <a:p>
+            <a:r>
+              <a:rPr lang="en-US" dirty="0" smtClean="0"/>
+              <a:t>New Design</a:t>
+            </a:r>
+            <a:endParaRPr lang="en-US" dirty="0"/>
+          </a:p>
+        </p:txBody>
+      </p:sp>
+      <p:sp>
+        <p:nvSpPr>
+          <p:cNvPr id="3" name="Content Placeholder 2"/>
+          <p:cNvSpPr>
+            <a:spLocks noGrp="1"/>
+          </p:cNvSpPr>
+          <p:nvPr>
+            <p:ph idx="1"/>
+          </p:nvPr>
+        </p:nvSpPr>
+        <p:spPr/>
+        <p:txBody>
+          <a:bodyPr/>
+          <a:lstStyle/>
+          <a:p>
+            <a:endParaRPr lang="en-US"/>
+          </a:p>
+        </p:txBody>
+      </p:sp>
+      <p:sp>
+        <p:nvSpPr>
+          <p:cNvPr id="4" name="Slide Number Placeholder 3"/>
+          <p:cNvSpPr>
+            <a:spLocks noGrp="1"/>
+          </p:cNvSpPr>
+          <p:nvPr>
+            <p:ph type="sldNum" sz="quarter" idx="12"/>
+          </p:nvPr>
+        </p:nvSpPr>
+        <p:spPr/>
+        <p:txBody>
+          <a:bodyPr/>
+          <a:lstStyle/>
+          <a:p>
+            <a:fld id="{5C6BB475-B640-4DD3-A1AA-1CF10A44AA06}" type="slidenum">
+              <a:rPr lang="en-US" smtClean="0"/>
+              <a:t>18</a:t>
+            </a:fld>
+            <a:endParaRPr lang="en-US"/>
+          </a:p>
+        </p:txBody>
+      </p:sp>
+    </p:spTree>
+    <p:extLst>
+      <p:ext uri="{BB962C8B-B14F-4D97-AF65-F5344CB8AC3E}">
+        <p14:creationId xmlns:p14="http://schemas.microsoft.com/office/powerpoint/2010/main" val="4014598853"/>
+      </p:ext>
+    </p:extLst>
+  </p:cSld>
+  <p:clrMapOvr>
+    <a:masterClrMapping/>
+  </p:clrMapOvr>
+</p:sld>
+</file>
+
+<file path=ppt/slides/slide19.xml><?xml version="1.0" encoding="utf-8"?>
+<p:sld xmlns:a="http://schemas.openxmlformats.org/drawingml/2006/main" xmlns:r="http://schemas.openxmlformats.org/officeDocument/2006/relationships" xmlns:p="http://schemas.openxmlformats.org/presentationml/2006/main">
+  <p:cSld>
+    <p:spTree>
+      <p:nvGrpSpPr>
+        <p:cNvPr id="1" name=""/>
+        <p:cNvGrpSpPr/>
+        <p:nvPr/>
+      </p:nvGrpSpPr>
+      <p:grpSpPr>
+        <a:xfrm>
+          <a:off x="0" y="0"/>
+          <a:ext cx="0" cy="0"/>
+          <a:chOff x="0" y="0"/>
+          <a:chExt cx="0" cy="0"/>
+        </a:xfrm>
+      </p:grpSpPr>
+      <p:sp>
+        <p:nvSpPr>
+          <p:cNvPr id="2" name="Title 1"/>
+          <p:cNvSpPr>
+            <a:spLocks noGrp="1"/>
+          </p:cNvSpPr>
+          <p:nvPr>
+            <p:ph type="title"/>
+          </p:nvPr>
+        </p:nvSpPr>
+        <p:spPr/>
+        <p:txBody>
           <a:bodyPr>
             <a:normAutofit/>
           </a:bodyPr>
@@ -9759,7 +9913,7 @@
           <a:p>
             <a:fld id="{5C6BB475-B640-4DD3-A1AA-1CF10A44AA06}" type="slidenum">
               <a:rPr lang="en-US" smtClean="0"/>
-              <a:t>18</a:t>
+              <a:t>19</a:t>
             </a:fld>
             <a:endParaRPr lang="en-US"/>
           </a:p>
@@ -9785,7 +9939,7 @@
 </p:sld>
 </file>
 
-<file path=ppt/slides/slide19.xml><?xml version="1.0" encoding="utf-8"?>
+<file path=ppt/slides/slide2.xml><?xml version="1.0" encoding="utf-8"?>
 <p:sld xmlns:a="http://schemas.openxmlformats.org/drawingml/2006/main" xmlns:r="http://schemas.openxmlformats.org/officeDocument/2006/relationships" xmlns:p="http://schemas.openxmlformats.org/presentationml/2006/main">
   <p:cSld>
     <p:spTree>
@@ -9814,9 +9968,148 @@
         </p:nvSpPr>
         <p:spPr/>
         <p:txBody>
+          <a:bodyPr>
+            <a:normAutofit/>
+          </a:bodyPr>
+          <a:lstStyle/>
+          <a:p>
+            <a:r>
+              <a:rPr lang="en-US" dirty="0" smtClean="0"/>
+              <a:t>Team 75 Organization</a:t>
+            </a:r>
+            <a:endParaRPr lang="en-US" dirty="0"/>
+          </a:p>
+        </p:txBody>
+      </p:sp>
+      <p:sp>
+        <p:nvSpPr>
+          <p:cNvPr id="4" name="Slide Number Placeholder 3"/>
+          <p:cNvSpPr>
+            <a:spLocks noGrp="1"/>
+          </p:cNvSpPr>
+          <p:nvPr>
+            <p:ph type="sldNum" sz="quarter" idx="12"/>
+          </p:nvPr>
+        </p:nvSpPr>
+        <p:spPr/>
+        <p:txBody>
           <a:bodyPr/>
           <a:lstStyle/>
           <a:p>
+            <a:fld id="{5C6BB475-B640-4DD3-A1AA-1CF10A44AA06}" type="slidenum">
+              <a:rPr lang="en-US" smtClean="0"/>
+              <a:t>2</a:t>
+            </a:fld>
+            <a:endParaRPr lang="en-US"/>
+          </a:p>
+        </p:txBody>
+      </p:sp>
+      <p:sp>
+        <p:nvSpPr>
+          <p:cNvPr id="7" name="TextBox 6"/>
+          <p:cNvSpPr txBox="1"/>
+          <p:nvPr/>
+        </p:nvSpPr>
+        <p:spPr>
+          <a:xfrm>
+            <a:off x="5046208" y="5884727"/>
+            <a:ext cx="3009222" cy="369332"/>
+          </a:xfrm>
+          <a:prstGeom prst="rect">
+            <a:avLst/>
+          </a:prstGeom>
+          <a:noFill/>
+        </p:spPr>
+        <p:txBody>
+          <a:bodyPr wrap="none" rtlCol="0">
+            <a:spAutoFit/>
+          </a:bodyPr>
+          <a:lstStyle/>
+          <a:p>
+            <a:r>
+              <a:rPr lang="en-US" dirty="0" smtClean="0"/>
+              <a:t>Figure 1. Project Organization</a:t>
+            </a:r>
+            <a:endParaRPr lang="en-US" dirty="0"/>
+          </a:p>
+        </p:txBody>
+      </p:sp>
+      <p:pic>
+        <p:nvPicPr>
+          <p:cNvPr id="8" name="Picture 7"/>
+          <p:cNvPicPr>
+            <a:picLocks noChangeAspect="1"/>
+          </p:cNvPicPr>
+          <p:nvPr/>
+        </p:nvPicPr>
+        <p:blipFill>
+          <a:blip r:embed="rId2"/>
+          <a:stretch>
+            <a:fillRect/>
+          </a:stretch>
+        </p:blipFill>
+        <p:spPr>
+          <a:xfrm>
+            <a:off x="1681325" y="1663240"/>
+            <a:ext cx="9738987" cy="4001154"/>
+          </a:xfrm>
+          <a:prstGeom prst="rect">
+            <a:avLst/>
+          </a:prstGeom>
+        </p:spPr>
+      </p:pic>
+    </p:spTree>
+    <p:extLst>
+      <p:ext uri="{BB962C8B-B14F-4D97-AF65-F5344CB8AC3E}">
+        <p14:creationId xmlns:p14="http://schemas.microsoft.com/office/powerpoint/2010/main" val="1628288518"/>
+      </p:ext>
+    </p:extLst>
+  </p:cSld>
+  <p:clrMapOvr>
+    <a:masterClrMapping/>
+  </p:clrMapOvr>
+  <p:timing>
+    <p:tnLst>
+      <p:par>
+        <p:cTn id="1" dur="indefinite" restart="never" nodeType="tmRoot"/>
+      </p:par>
+    </p:tnLst>
+  </p:timing>
+</p:sld>
+</file>
+
+<file path=ppt/slides/slide20.xml><?xml version="1.0" encoding="utf-8"?>
+<p:sld xmlns:a="http://schemas.openxmlformats.org/drawingml/2006/main" xmlns:r="http://schemas.openxmlformats.org/officeDocument/2006/relationships" xmlns:p="http://schemas.openxmlformats.org/presentationml/2006/main">
+  <p:cSld>
+    <p:spTree>
+      <p:nvGrpSpPr>
+        <p:cNvPr id="1" name=""/>
+        <p:cNvGrpSpPr/>
+        <p:nvPr/>
+      </p:nvGrpSpPr>
+      <p:grpSpPr>
+        <a:xfrm>
+          <a:off x="0" y="0"/>
+          <a:ext cx="0" cy="0"/>
+          <a:chOff x="0" y="0"/>
+          <a:chExt cx="0" cy="0"/>
+        </a:xfrm>
+      </p:grpSpPr>
+      <p:sp>
+        <p:nvSpPr>
+          <p:cNvPr id="2" name="Title 1"/>
+          <p:cNvSpPr>
+            <a:spLocks noGrp="1"/>
+          </p:cNvSpPr>
+          <p:nvPr>
+            <p:ph type="title"/>
+          </p:nvPr>
+        </p:nvSpPr>
+        <p:spPr/>
+        <p:txBody>
+          <a:bodyPr/>
+          <a:lstStyle/>
+          <a:p>
             <a:r>
               <a:rPr lang="en-US" dirty="0" smtClean="0"/>
               <a:t>Timeline &amp; Budget</a:t>
@@ -9842,7 +10135,7 @@
           <a:p>
             <a:fld id="{5C6BB475-B640-4DD3-A1AA-1CF10A44AA06}" type="slidenum">
               <a:rPr lang="en-US" smtClean="0"/>
-              <a:t>19</a:t>
+              <a:t>20</a:t>
             </a:fld>
             <a:endParaRPr lang="en-US"/>
           </a:p>
@@ -10288,7 +10581,7 @@
 </p:sld>
 </file>
 
-<file path=ppt/slides/slide2.xml><?xml version="1.0" encoding="utf-8"?>
+<file path=ppt/slides/slide21.xml><?xml version="1.0" encoding="utf-8"?>
 <p:sld xmlns:a="http://schemas.openxmlformats.org/drawingml/2006/main" xmlns:r="http://schemas.openxmlformats.org/officeDocument/2006/relationships" xmlns:p="http://schemas.openxmlformats.org/presentationml/2006/main">
   <p:cSld>
     <p:spTree>
@@ -10317,145 +10610,6 @@
         </p:nvSpPr>
         <p:spPr/>
         <p:txBody>
-          <a:bodyPr>
-            <a:normAutofit/>
-          </a:bodyPr>
-          <a:lstStyle/>
-          <a:p>
-            <a:r>
-              <a:rPr lang="en-US" dirty="0" smtClean="0"/>
-              <a:t>Team 75 Organization</a:t>
-            </a:r>
-            <a:endParaRPr lang="en-US" dirty="0"/>
-          </a:p>
-        </p:txBody>
-      </p:sp>
-      <p:sp>
-        <p:nvSpPr>
-          <p:cNvPr id="4" name="Slide Number Placeholder 3"/>
-          <p:cNvSpPr>
-            <a:spLocks noGrp="1"/>
-          </p:cNvSpPr>
-          <p:nvPr>
-            <p:ph type="sldNum" sz="quarter" idx="12"/>
-          </p:nvPr>
-        </p:nvSpPr>
-        <p:spPr/>
-        <p:txBody>
-          <a:bodyPr/>
-          <a:lstStyle/>
-          <a:p>
-            <a:fld id="{5C6BB475-B640-4DD3-A1AA-1CF10A44AA06}" type="slidenum">
-              <a:rPr lang="en-US" smtClean="0"/>
-              <a:t>2</a:t>
-            </a:fld>
-            <a:endParaRPr lang="en-US"/>
-          </a:p>
-        </p:txBody>
-      </p:sp>
-      <p:sp>
-        <p:nvSpPr>
-          <p:cNvPr id="7" name="TextBox 6"/>
-          <p:cNvSpPr txBox="1"/>
-          <p:nvPr/>
-        </p:nvSpPr>
-        <p:spPr>
-          <a:xfrm>
-            <a:off x="5046208" y="5884727"/>
-            <a:ext cx="3009222" cy="369332"/>
-          </a:xfrm>
-          <a:prstGeom prst="rect">
-            <a:avLst/>
-          </a:prstGeom>
-          <a:noFill/>
-        </p:spPr>
-        <p:txBody>
-          <a:bodyPr wrap="none" rtlCol="0">
-            <a:spAutoFit/>
-          </a:bodyPr>
-          <a:lstStyle/>
-          <a:p>
-            <a:r>
-              <a:rPr lang="en-US" dirty="0" smtClean="0"/>
-              <a:t>Figure 1. Project Organization</a:t>
-            </a:r>
-            <a:endParaRPr lang="en-US" dirty="0"/>
-          </a:p>
-        </p:txBody>
-      </p:sp>
-      <p:pic>
-        <p:nvPicPr>
-          <p:cNvPr id="8" name="Picture 7"/>
-          <p:cNvPicPr>
-            <a:picLocks noChangeAspect="1"/>
-          </p:cNvPicPr>
-          <p:nvPr/>
-        </p:nvPicPr>
-        <p:blipFill>
-          <a:blip r:embed="rId2"/>
-          <a:stretch>
-            <a:fillRect/>
-          </a:stretch>
-        </p:blipFill>
-        <p:spPr>
-          <a:xfrm>
-            <a:off x="1681325" y="1663240"/>
-            <a:ext cx="9738987" cy="4001154"/>
-          </a:xfrm>
-          <a:prstGeom prst="rect">
-            <a:avLst/>
-          </a:prstGeom>
-        </p:spPr>
-      </p:pic>
-    </p:spTree>
-    <p:extLst>
-      <p:ext uri="{BB962C8B-B14F-4D97-AF65-F5344CB8AC3E}">
-        <p14:creationId xmlns:p14="http://schemas.microsoft.com/office/powerpoint/2010/main" val="1628288518"/>
-      </p:ext>
-    </p:extLst>
-  </p:cSld>
-  <p:clrMapOvr>
-    <a:masterClrMapping/>
-  </p:clrMapOvr>
-  <p:timing>
-    <p:tnLst>
-      <p:par>
-        <p:cTn id="1" dur="indefinite" restart="never" nodeType="tmRoot"/>
-      </p:par>
-    </p:tnLst>
-  </p:timing>
-</p:sld>
-</file>
-
-<file path=ppt/slides/slide20.xml><?xml version="1.0" encoding="utf-8"?>
-<p:sld xmlns:a="http://schemas.openxmlformats.org/drawingml/2006/main" xmlns:r="http://schemas.openxmlformats.org/officeDocument/2006/relationships" xmlns:p="http://schemas.openxmlformats.org/presentationml/2006/main">
-  <p:cSld>
-    <p:spTree>
-      <p:nvGrpSpPr>
-        <p:cNvPr id="1" name=""/>
-        <p:cNvGrpSpPr/>
-        <p:nvPr/>
-      </p:nvGrpSpPr>
-      <p:grpSpPr>
-        <a:xfrm>
-          <a:off x="0" y="0"/>
-          <a:ext cx="0" cy="0"/>
-          <a:chOff x="0" y="0"/>
-          <a:chExt cx="0" cy="0"/>
-        </a:xfrm>
-      </p:grpSpPr>
-      <p:sp>
-        <p:nvSpPr>
-          <p:cNvPr id="2" name="Title 1"/>
-          <p:cNvSpPr>
-            <a:spLocks noGrp="1"/>
-          </p:cNvSpPr>
-          <p:nvPr>
-            <p:ph type="title"/>
-          </p:nvPr>
-        </p:nvSpPr>
-        <p:spPr/>
-        <p:txBody>
           <a:bodyPr/>
           <a:lstStyle/>
           <a:p>
@@ -10567,7 +10721,7 @@
           <a:p>
             <a:fld id="{5C6BB475-B640-4DD3-A1AA-1CF10A44AA06}" type="slidenum">
               <a:rPr lang="en-US" smtClean="0"/>
-              <a:t>20</a:t>
+              <a:t>21</a:t>
             </a:fld>
             <a:endParaRPr lang="en-US"/>
           </a:p>
@@ -10593,7 +10747,7 @@
 </p:sld>
 </file>
 
-<file path=ppt/slides/slide21.xml><?xml version="1.0" encoding="utf-8"?>
+<file path=ppt/slides/slide22.xml><?xml version="1.0" encoding="utf-8"?>
 <p:sld xmlns:a="http://schemas.openxmlformats.org/drawingml/2006/main" xmlns:r="http://schemas.openxmlformats.org/officeDocument/2006/relationships" xmlns:p="http://schemas.openxmlformats.org/presentationml/2006/main">
   <p:cSld>
     <p:spTree>
@@ -11756,7 +11910,7 @@
             <a:fld id="{5C6BB475-B640-4DD3-A1AA-1CF10A44AA06}" type="slidenum">
               <a:rPr lang="en-US" smtClean="0"/>
               <a:pPr/>
-              <a:t>21</a:t>
+              <a:t>22</a:t>
             </a:fld>
             <a:endParaRPr lang="en-US" dirty="0"/>
           </a:p>
@@ -11782,7 +11936,7 @@
 </p:sld>
 </file>
 
-<file path=ppt/slides/slide22.xml><?xml version="1.0" encoding="utf-8"?>
+<file path=ppt/slides/slide23.xml><?xml version="1.0" encoding="utf-8"?>
 <p:sld xmlns:a="http://schemas.openxmlformats.org/drawingml/2006/main" xmlns:r="http://schemas.openxmlformats.org/officeDocument/2006/relationships" xmlns:p="http://schemas.openxmlformats.org/presentationml/2006/main">
   <p:cSld>
     <p:spTree>
@@ -12094,7 +12248,7 @@
           <a:p>
             <a:fld id="{5C6BB475-B640-4DD3-A1AA-1CF10A44AA06}" type="slidenum">
               <a:rPr lang="en-US" smtClean="0"/>
-              <a:t>22</a:t>
+              <a:t>23</a:t>
             </a:fld>
             <a:endParaRPr lang="en-US"/>
           </a:p>
@@ -12916,7 +13070,7 @@
       </p:grpSpPr>
       <p:sp>
         <p:nvSpPr>
-          <p:cNvPr id="5" name="Title 4"/>
+          <p:cNvPr id="2" name="Title 1"/>
           <p:cNvSpPr>
             <a:spLocks noGrp="1"/>
           </p:cNvSpPr>
@@ -12926,74 +13080,17 @@
         </p:nvSpPr>
         <p:spPr/>
         <p:txBody>
-          <a:bodyPr>
-            <a:normAutofit fontScale="90000"/>
-          </a:bodyPr>
+          <a:bodyPr/>
           <a:lstStyle/>
           <a:p>
             <a:r>
-              <a:rPr lang="en-US" dirty="0"/>
-              <a:t>Chassis Design</a:t>
-            </a:r>
-          </a:p>
-        </p:txBody>
-      </p:sp>
-      <p:pic>
-        <p:nvPicPr>
-          <p:cNvPr id="10" name="Content Placeholder 9"/>
-          <p:cNvPicPr>
-            <a:picLocks noGrp="1" noChangeAspect="1"/>
-          </p:cNvPicPr>
-          <p:nvPr>
-            <p:ph sz="half" idx="1"/>
-          </p:nvPr>
-        </p:nvPicPr>
-        <p:blipFill rotWithShape="1">
-          <a:blip r:embed="rId2" cstate="print">
-            <a:extLst>
-              <a:ext uri="{28A0092B-C50C-407E-A947-70E740481C1C}">
-                <a14:useLocalDpi xmlns:a14="http://schemas.microsoft.com/office/drawing/2010/main" val="0"/>
-              </a:ext>
-            </a:extLst>
-          </a:blip>
-          <a:srcRect t="19571"/>
-          <a:stretch/>
-        </p:blipFill>
-        <p:spPr>
-          <a:xfrm>
-            <a:off x="1484311" y="1910075"/>
-            <a:ext cx="6072843" cy="3460124"/>
-          </a:xfrm>
-        </p:spPr>
-      </p:pic>
-      <p:pic>
-        <p:nvPicPr>
-          <p:cNvPr id="9" name="Content Placeholder 8"/>
-          <p:cNvPicPr>
-            <a:picLocks noGrp="1" noChangeAspect="1"/>
-          </p:cNvPicPr>
-          <p:nvPr>
-            <p:ph sz="half" idx="2"/>
-          </p:nvPr>
-        </p:nvPicPr>
-        <p:blipFill rotWithShape="1">
-          <a:blip r:embed="rId3">
-            <a:extLst>
-              <a:ext uri="{28A0092B-C50C-407E-A947-70E740481C1C}">
-                <a14:useLocalDpi xmlns:a14="http://schemas.microsoft.com/office/drawing/2010/main" val="0"/>
-              </a:ext>
-            </a:extLst>
-          </a:blip>
-          <a:srcRect r="12302"/>
-          <a:stretch/>
-        </p:blipFill>
-        <p:spPr>
-          <a:xfrm>
-            <a:off x="8154545" y="1489074"/>
-            <a:ext cx="2843364" cy="4302125"/>
-          </a:xfrm>
-        </p:spPr>
-      </p:pic>
+              <a:rPr lang="en-US" dirty="0" smtClean="0"/>
+              <a:t>Specifications</a:t>
+            </a:r>
+            <a:endParaRPr lang="en-US" dirty="0"/>
+          </a:p>
+        </p:txBody>
+      </p:sp>
       <p:sp>
         <p:nvSpPr>
           <p:cNvPr id="4" name="Slide Number Placeholder 3"/>
@@ -13012,166 +13109,6 @@
             <a:fld id="{5C6BB475-B640-4DD3-A1AA-1CF10A44AA06}" type="slidenum">
               <a:rPr lang="en-US" smtClean="0"/>
               <a:t>8</a:t>
-            </a:fld>
-            <a:endParaRPr lang="en-US"/>
-          </a:p>
-        </p:txBody>
-      </p:sp>
-      <p:sp>
-        <p:nvSpPr>
-          <p:cNvPr id="6" name="TextBox 5"/>
-          <p:cNvSpPr txBox="1"/>
-          <p:nvPr/>
-        </p:nvSpPr>
-        <p:spPr>
-          <a:xfrm>
-            <a:off x="2823793" y="5513942"/>
-            <a:ext cx="3393878" cy="369332"/>
-          </a:xfrm>
-          <a:prstGeom prst="rect">
-            <a:avLst/>
-          </a:prstGeom>
-          <a:noFill/>
-        </p:spPr>
-        <p:txBody>
-          <a:bodyPr wrap="none" rtlCol="0">
-            <a:spAutoFit/>
-          </a:bodyPr>
-          <a:lstStyle/>
-          <a:p>
-            <a:r>
-              <a:rPr lang="en-US" dirty="0" smtClean="0"/>
-              <a:t>Figure 4. </a:t>
-            </a:r>
-            <a:r>
-              <a:rPr lang="en-US" dirty="0"/>
-              <a:t>Proposed chassis design </a:t>
-            </a:r>
-          </a:p>
-        </p:txBody>
-      </p:sp>
-      <p:sp>
-        <p:nvSpPr>
-          <p:cNvPr id="7" name="TextBox 6"/>
-          <p:cNvSpPr txBox="1"/>
-          <p:nvPr/>
-        </p:nvSpPr>
-        <p:spPr>
-          <a:xfrm>
-            <a:off x="8337747" y="5883273"/>
-            <a:ext cx="2476960" cy="646331"/>
-          </a:xfrm>
-          <a:prstGeom prst="rect">
-            <a:avLst/>
-          </a:prstGeom>
-          <a:noFill/>
-        </p:spPr>
-        <p:txBody>
-          <a:bodyPr wrap="none" rtlCol="0">
-            <a:spAutoFit/>
-          </a:bodyPr>
-          <a:lstStyle/>
-          <a:p>
-            <a:r>
-              <a:rPr lang="en-US" dirty="0" smtClean="0"/>
-              <a:t>Figure 5. </a:t>
-            </a:r>
-            <a:r>
-              <a:rPr lang="en-US" dirty="0"/>
-              <a:t>Isometric view </a:t>
-            </a:r>
-            <a:endParaRPr lang="en-US" dirty="0" smtClean="0"/>
-          </a:p>
-          <a:p>
-            <a:r>
-              <a:rPr lang="en-US" dirty="0" smtClean="0"/>
-              <a:t>of </a:t>
-            </a:r>
-            <a:r>
-              <a:rPr lang="en-US" dirty="0"/>
-              <a:t>proposed chassis </a:t>
-            </a:r>
-          </a:p>
-        </p:txBody>
-      </p:sp>
-    </p:spTree>
-    <p:extLst>
-      <p:ext uri="{BB962C8B-B14F-4D97-AF65-F5344CB8AC3E}">
-        <p14:creationId xmlns:p14="http://schemas.microsoft.com/office/powerpoint/2010/main" val="341879816"/>
-      </p:ext>
-    </p:extLst>
-  </p:cSld>
-  <p:clrMapOvr>
-    <a:masterClrMapping/>
-  </p:clrMapOvr>
-  <p:timing>
-    <p:tnLst>
-      <p:par>
-        <p:cTn id="1" dur="indefinite" restart="never" nodeType="tmRoot"/>
-      </p:par>
-    </p:tnLst>
-  </p:timing>
-</p:sld>
-</file>
-
-<file path=ppt/slides/slide9.xml><?xml version="1.0" encoding="utf-8"?>
-<p:sld xmlns:a="http://schemas.openxmlformats.org/drawingml/2006/main" xmlns:r="http://schemas.openxmlformats.org/officeDocument/2006/relationships" xmlns:p="http://schemas.openxmlformats.org/presentationml/2006/main">
-  <p:cSld>
-    <p:spTree>
-      <p:nvGrpSpPr>
-        <p:cNvPr id="1" name=""/>
-        <p:cNvGrpSpPr/>
-        <p:nvPr/>
-      </p:nvGrpSpPr>
-      <p:grpSpPr>
-        <a:xfrm>
-          <a:off x="0" y="0"/>
-          <a:ext cx="0" cy="0"/>
-          <a:chOff x="0" y="0"/>
-          <a:chExt cx="0" cy="0"/>
-        </a:xfrm>
-      </p:grpSpPr>
-      <p:sp>
-        <p:nvSpPr>
-          <p:cNvPr id="2" name="Title 1"/>
-          <p:cNvSpPr>
-            <a:spLocks noGrp="1"/>
-          </p:cNvSpPr>
-          <p:nvPr>
-            <p:ph type="title"/>
-          </p:nvPr>
-        </p:nvSpPr>
-        <p:spPr/>
-        <p:txBody>
-          <a:bodyPr/>
-          <a:lstStyle/>
-          <a:p>
-            <a:r>
-              <a:rPr lang="en-US" dirty="0" smtClean="0"/>
-              <a:t>Specifications</a:t>
-            </a:r>
-            <a:endParaRPr lang="en-US" dirty="0"/>
-          </a:p>
-        </p:txBody>
-      </p:sp>
-      <p:sp>
-        <p:nvSpPr>
-          <p:cNvPr id="4" name="Slide Number Placeholder 3"/>
-          <p:cNvSpPr>
-            <a:spLocks noGrp="1"/>
-          </p:cNvSpPr>
-          <p:nvPr>
-            <p:ph type="sldNum" sz="quarter" idx="12"/>
-          </p:nvPr>
-        </p:nvSpPr>
-        <p:spPr/>
-        <p:txBody>
-          <a:bodyPr/>
-          <a:lstStyle/>
-          <a:p>
-            <a:fld id="{5C6BB475-B640-4DD3-A1AA-1CF10A44AA06}" type="slidenum">
-              <a:rPr lang="en-US" smtClean="0"/>
-              <a:t>9</a:t>
             </a:fld>
             <a:endParaRPr lang="en-US"/>
           </a:p>
@@ -13484,6 +13421,224 @@
     <p:extLst>
       <p:ext uri="{BB962C8B-B14F-4D97-AF65-F5344CB8AC3E}">
         <p14:creationId xmlns:p14="http://schemas.microsoft.com/office/powerpoint/2010/main" val="2866729988"/>
+      </p:ext>
+    </p:extLst>
+  </p:cSld>
+  <p:clrMapOvr>
+    <a:masterClrMapping/>
+  </p:clrMapOvr>
+  <p:timing>
+    <p:tnLst>
+      <p:par>
+        <p:cTn id="1" dur="indefinite" restart="never" nodeType="tmRoot"/>
+      </p:par>
+    </p:tnLst>
+  </p:timing>
+</p:sld>
+</file>
+
+<file path=ppt/slides/slide9.xml><?xml version="1.0" encoding="utf-8"?>
+<p:sld xmlns:a="http://schemas.openxmlformats.org/drawingml/2006/main" xmlns:r="http://schemas.openxmlformats.org/officeDocument/2006/relationships" xmlns:p="http://schemas.openxmlformats.org/presentationml/2006/main">
+  <p:cSld>
+    <p:spTree>
+      <p:nvGrpSpPr>
+        <p:cNvPr id="1" name=""/>
+        <p:cNvGrpSpPr/>
+        <p:nvPr/>
+      </p:nvGrpSpPr>
+      <p:grpSpPr>
+        <a:xfrm>
+          <a:off x="0" y="0"/>
+          <a:ext cx="0" cy="0"/>
+          <a:chOff x="0" y="0"/>
+          <a:chExt cx="0" cy="0"/>
+        </a:xfrm>
+      </p:grpSpPr>
+      <p:sp>
+        <p:nvSpPr>
+          <p:cNvPr id="5" name="Title 4"/>
+          <p:cNvSpPr>
+            <a:spLocks noGrp="1"/>
+          </p:cNvSpPr>
+          <p:nvPr>
+            <p:ph type="title"/>
+          </p:nvPr>
+        </p:nvSpPr>
+        <p:spPr/>
+        <p:txBody>
+          <a:bodyPr>
+            <a:normAutofit fontScale="90000"/>
+          </a:bodyPr>
+          <a:lstStyle/>
+          <a:p>
+            <a:r>
+              <a:rPr lang="en-US" dirty="0" smtClean="0"/>
+              <a:t>Previous Chassis Proposal</a:t>
+            </a:r>
+            <a:endParaRPr lang="en-US" dirty="0"/>
+          </a:p>
+        </p:txBody>
+      </p:sp>
+      <p:pic>
+        <p:nvPicPr>
+          <p:cNvPr id="10" name="Content Placeholder 9"/>
+          <p:cNvPicPr>
+            <a:picLocks noGrp="1" noChangeAspect="1"/>
+          </p:cNvPicPr>
+          <p:nvPr>
+            <p:ph sz="half" idx="1"/>
+          </p:nvPr>
+        </p:nvPicPr>
+        <p:blipFill rotWithShape="1">
+          <a:blip r:embed="rId2" cstate="print">
+            <a:extLst>
+              <a:ext uri="{28A0092B-C50C-407E-A947-70E740481C1C}">
+                <a14:useLocalDpi xmlns:a14="http://schemas.microsoft.com/office/drawing/2010/main" val="0"/>
+              </a:ext>
+            </a:extLst>
+          </a:blip>
+          <a:srcRect t="19571"/>
+          <a:stretch/>
+        </p:blipFill>
+        <p:spPr>
+          <a:xfrm>
+            <a:off x="1484311" y="1910075"/>
+            <a:ext cx="6072843" cy="3460124"/>
+          </a:xfrm>
+        </p:spPr>
+      </p:pic>
+      <p:pic>
+        <p:nvPicPr>
+          <p:cNvPr id="9" name="Content Placeholder 8"/>
+          <p:cNvPicPr>
+            <a:picLocks noGrp="1" noChangeAspect="1"/>
+          </p:cNvPicPr>
+          <p:nvPr>
+            <p:ph sz="half" idx="2"/>
+          </p:nvPr>
+        </p:nvPicPr>
+        <p:blipFill rotWithShape="1">
+          <a:blip r:embed="rId3">
+            <a:extLst>
+              <a:ext uri="{28A0092B-C50C-407E-A947-70E740481C1C}">
+                <a14:useLocalDpi xmlns:a14="http://schemas.microsoft.com/office/drawing/2010/main" val="0"/>
+              </a:ext>
+            </a:extLst>
+          </a:blip>
+          <a:srcRect r="12302"/>
+          <a:stretch/>
+        </p:blipFill>
+        <p:spPr>
+          <a:xfrm>
+            <a:off x="8154545" y="1489074"/>
+            <a:ext cx="2843364" cy="4302125"/>
+          </a:xfrm>
+        </p:spPr>
+      </p:pic>
+      <p:sp>
+        <p:nvSpPr>
+          <p:cNvPr id="4" name="Slide Number Placeholder 3"/>
+          <p:cNvSpPr>
+            <a:spLocks noGrp="1"/>
+          </p:cNvSpPr>
+          <p:nvPr>
+            <p:ph type="sldNum" sz="quarter" idx="12"/>
+          </p:nvPr>
+        </p:nvSpPr>
+        <p:spPr/>
+        <p:txBody>
+          <a:bodyPr/>
+          <a:lstStyle/>
+          <a:p>
+            <a:fld id="{5C6BB475-B640-4DD3-A1AA-1CF10A44AA06}" type="slidenum">
+              <a:rPr lang="en-US" smtClean="0"/>
+              <a:t>9</a:t>
+            </a:fld>
+            <a:endParaRPr lang="en-US"/>
+          </a:p>
+        </p:txBody>
+      </p:sp>
+      <p:sp>
+        <p:nvSpPr>
+          <p:cNvPr id="6" name="TextBox 5"/>
+          <p:cNvSpPr txBox="1"/>
+          <p:nvPr/>
+        </p:nvSpPr>
+        <p:spPr>
+          <a:xfrm>
+            <a:off x="2823793" y="5513942"/>
+            <a:ext cx="3393878" cy="369332"/>
+          </a:xfrm>
+          <a:prstGeom prst="rect">
+            <a:avLst/>
+          </a:prstGeom>
+          <a:noFill/>
+        </p:spPr>
+        <p:txBody>
+          <a:bodyPr wrap="none" rtlCol="0">
+            <a:spAutoFit/>
+          </a:bodyPr>
+          <a:lstStyle/>
+          <a:p>
+            <a:r>
+              <a:rPr lang="en-US" dirty="0" smtClean="0"/>
+              <a:t>Figure 4. </a:t>
+            </a:r>
+            <a:r>
+              <a:rPr lang="en-US" dirty="0"/>
+              <a:t>Proposed chassis design </a:t>
+            </a:r>
+          </a:p>
+        </p:txBody>
+      </p:sp>
+      <p:sp>
+        <p:nvSpPr>
+          <p:cNvPr id="7" name="TextBox 6"/>
+          <p:cNvSpPr txBox="1"/>
+          <p:nvPr/>
+        </p:nvSpPr>
+        <p:spPr>
+          <a:xfrm>
+            <a:off x="8337747" y="5883273"/>
+            <a:ext cx="2476960" cy="646331"/>
+          </a:xfrm>
+          <a:prstGeom prst="rect">
+            <a:avLst/>
+          </a:prstGeom>
+          <a:noFill/>
+        </p:spPr>
+        <p:txBody>
+          <a:bodyPr wrap="none" rtlCol="0">
+            <a:spAutoFit/>
+          </a:bodyPr>
+          <a:lstStyle/>
+          <a:p>
+            <a:r>
+              <a:rPr lang="en-US" dirty="0" smtClean="0"/>
+              <a:t>Figure 5. </a:t>
+            </a:r>
+            <a:r>
+              <a:rPr lang="en-US" dirty="0"/>
+              <a:t>Isometric view </a:t>
+            </a:r>
+            <a:endParaRPr lang="en-US" dirty="0" smtClean="0"/>
+          </a:p>
+          <a:p>
+            <a:r>
+              <a:rPr lang="en-US" dirty="0" smtClean="0"/>
+              <a:t>of </a:t>
+            </a:r>
+            <a:r>
+              <a:rPr lang="en-US" dirty="0"/>
+              <a:t>proposed chassis </a:t>
+            </a:r>
+          </a:p>
+        </p:txBody>
+      </p:sp>
+    </p:spTree>
+    <p:extLst>
+      <p:ext uri="{BB962C8B-B14F-4D97-AF65-F5344CB8AC3E}">
+        <p14:creationId xmlns:p14="http://schemas.microsoft.com/office/powerpoint/2010/main" val="2531518990"/>
       </p:ext>
     </p:extLst>
   </p:cSld>
@@ -14018,6 +14173,21 @@
 </file>
 
 <file path=customXml/item1.xml><?xml version="1.0" encoding="utf-8"?>
+<?mso-contentType ?>
+<FormTemplates xmlns="http://schemas.microsoft.com/sharepoint/v3/contenttype/forms">
+  <Display>DocumentLibraryForm</Display>
+  <Edit>DocumentLibraryForm</Edit>
+  <New>DocumentLibraryForm</New>
+</FormTemplates>
+</file>
+
+<file path=customXml/item2.xml><?xml version="1.0" encoding="utf-8"?>
+<p:properties xmlns:p="http://schemas.microsoft.com/office/2006/metadata/properties" xmlns:xsi="http://www.w3.org/2001/XMLSchema-instance" xmlns:pc="http://schemas.microsoft.com/office/infopath/2007/PartnerControls">
+  <documentManagement/>
+</p:properties>
+</file>
+
+<file path=customXml/item3.xml><?xml version="1.0" encoding="utf-8"?>
 <ct:contentTypeSchema xmlns:ct="http://schemas.microsoft.com/office/2006/metadata/contentType" xmlns:ma="http://schemas.microsoft.com/office/2006/metadata/properties/metaAttributes" ct:_="" ma:_="" ma:contentTypeName="Document" ma:contentTypeID="0x01010037F85F4321109849828001F89B63E148" ma:contentTypeVersion="1" ma:contentTypeDescription="Create a new document." ma:contentTypeScope="" ma:versionID="095e360c2d3b38e9f1c3d2409eae6492">
   <xsd:schema xmlns:xsd="http://www.w3.org/2001/XMLSchema" xmlns:xs="http://www.w3.org/2001/XMLSchema" xmlns:p="http://schemas.microsoft.com/office/2006/metadata/properties" xmlns:ns3="4c2e6f55-8abc-4b5b-a4f7-930d3885115f" targetNamespace="http://schemas.microsoft.com/office/2006/metadata/properties" ma:root="true" ma:fieldsID="ce6d8a4f71ede4388f67b476f14a0021" ns3:_="">
     <xsd:import namespace="4c2e6f55-8abc-4b5b-a4f7-930d3885115f"/>
@@ -14157,22 +14327,24 @@
 </ct:contentTypeSchema>
 </file>
 
-<file path=customXml/item2.xml><?xml version="1.0" encoding="utf-8"?>
-<p:properties xmlns:p="http://schemas.microsoft.com/office/2006/metadata/properties" xmlns:xsi="http://www.w3.org/2001/XMLSchema-instance" xmlns:pc="http://schemas.microsoft.com/office/infopath/2007/PartnerControls">
-  <documentManagement/>
-</p:properties>
+<file path=customXml/itemProps1.xml><?xml version="1.0" encoding="utf-8"?>
+<ds:datastoreItem xmlns:ds="http://schemas.openxmlformats.org/officeDocument/2006/customXml" ds:itemID="{A1EF12E8-B070-4F5F-9BD0-CEE0E7C075D0}">
+  <ds:schemaRefs>
+    <ds:schemaRef ds:uri="http://schemas.microsoft.com/sharepoint/v3/contenttype/forms"/>
+  </ds:schemaRefs>
+</ds:datastoreItem>
 </file>
 
-<file path=customXml/item3.xml><?xml version="1.0" encoding="utf-8"?>
-<?mso-contentType ?>
-<FormTemplates xmlns="http://schemas.microsoft.com/sharepoint/v3/contenttype/forms">
-  <Display>DocumentLibraryForm</Display>
-  <Edit>DocumentLibraryForm</Edit>
-  <New>DocumentLibraryForm</New>
-</FormTemplates>
+<file path=customXml/itemProps2.xml><?xml version="1.0" encoding="utf-8"?>
+<ds:datastoreItem xmlns:ds="http://schemas.openxmlformats.org/officeDocument/2006/customXml" ds:itemID="{7D5E529B-E2B8-4FF4-96DC-717B6A9731D6}">
+  <ds:schemaRefs>
+    <ds:schemaRef ds:uri="http://schemas.microsoft.com/office/2006/metadata/properties"/>
+    <ds:schemaRef ds:uri="http://schemas.microsoft.com/office/infopath/2007/PartnerControls"/>
+  </ds:schemaRefs>
+</ds:datastoreItem>
 </file>
 
-<file path=customXml/itemProps1.xml><?xml version="1.0" encoding="utf-8"?>
+<file path=customXml/itemProps3.xml><?xml version="1.0" encoding="utf-8"?>
 <ds:datastoreItem xmlns:ds="http://schemas.openxmlformats.org/officeDocument/2006/customXml" ds:itemID="{41A76F2A-8591-44A6-B165-1D0702FBBD53}">
   <ds:schemaRefs>
     <ds:schemaRef ds:uri="http://schemas.microsoft.com/office/2006/metadata/contentType"/>
@@ -14188,21 +14360,4 @@
     <ds:schemaRef ds:uri="http://schemas.microsoft.com/internal/obd"/>
   </ds:schemaRefs>
 </ds:datastoreItem>
-</file>
-
-<file path=customXml/itemProps2.xml><?xml version="1.0" encoding="utf-8"?>
-<ds:datastoreItem xmlns:ds="http://schemas.openxmlformats.org/officeDocument/2006/customXml" ds:itemID="{7D5E529B-E2B8-4FF4-96DC-717B6A9731D6}">
-  <ds:schemaRefs>
-    <ds:schemaRef ds:uri="http://schemas.microsoft.com/office/2006/metadata/properties"/>
-    <ds:schemaRef ds:uri="http://schemas.microsoft.com/office/infopath/2007/PartnerControls"/>
-  </ds:schemaRefs>
-</ds:datastoreItem>
-</file>
-
-<file path=customXml/itemProps3.xml><?xml version="1.0" encoding="utf-8"?>
-<ds:datastoreItem xmlns:ds="http://schemas.openxmlformats.org/officeDocument/2006/customXml" ds:itemID="{A1EF12E8-B070-4F5F-9BD0-CEE0E7C075D0}">
-  <ds:schemaRefs>
-    <ds:schemaRef ds:uri="http://schemas.microsoft.com/sharepoint/v3/contenttype/forms"/>
-  </ds:schemaRefs>
-</ds:datastoreItem>
 </file>
--- a/Presentations/DesignPres/DesignPres-75.pptx
+++ b/Presentations/DesignPres/DesignPres-75.pptx
@@ -5,7 +5,7 @@
     <p:sldMasterId id="2147483678" r:id="rId4"/>
   </p:sldMasterIdLst>
   <p:notesMasterIdLst>
-    <p:notesMasterId r:id="rId28"/>
+    <p:notesMasterId r:id="rId27"/>
   </p:notesMasterIdLst>
   <p:sldIdLst>
     <p:sldId id="256" r:id="rId5"/>
@@ -13,24 +13,23 @@
     <p:sldId id="272" r:id="rId7"/>
     <p:sldId id="294" r:id="rId8"/>
     <p:sldId id="292" r:id="rId9"/>
-    <p:sldId id="279" r:id="rId10"/>
-    <p:sldId id="265" r:id="rId11"/>
-    <p:sldId id="293" r:id="rId12"/>
-    <p:sldId id="299" r:id="rId13"/>
-    <p:sldId id="300" r:id="rId14"/>
-    <p:sldId id="297" r:id="rId15"/>
-    <p:sldId id="298" r:id="rId16"/>
-    <p:sldId id="283" r:id="rId17"/>
-    <p:sldId id="284" r:id="rId18"/>
-    <p:sldId id="285" r:id="rId19"/>
-    <p:sldId id="296" r:id="rId20"/>
-    <p:sldId id="287" r:id="rId21"/>
-    <p:sldId id="288" r:id="rId22"/>
-    <p:sldId id="276" r:id="rId23"/>
-    <p:sldId id="289" r:id="rId24"/>
-    <p:sldId id="278" r:id="rId25"/>
-    <p:sldId id="295" r:id="rId26"/>
-    <p:sldId id="270" r:id="rId27"/>
+    <p:sldId id="265" r:id="rId10"/>
+    <p:sldId id="293" r:id="rId11"/>
+    <p:sldId id="299" r:id="rId12"/>
+    <p:sldId id="300" r:id="rId13"/>
+    <p:sldId id="297" r:id="rId14"/>
+    <p:sldId id="298" r:id="rId15"/>
+    <p:sldId id="283" r:id="rId16"/>
+    <p:sldId id="284" r:id="rId17"/>
+    <p:sldId id="285" r:id="rId18"/>
+    <p:sldId id="296" r:id="rId19"/>
+    <p:sldId id="287" r:id="rId20"/>
+    <p:sldId id="288" r:id="rId21"/>
+    <p:sldId id="302" r:id="rId22"/>
+    <p:sldId id="301" r:id="rId23"/>
+    <p:sldId id="278" r:id="rId24"/>
+    <p:sldId id="295" r:id="rId25"/>
+    <p:sldId id="270" r:id="rId26"/>
   </p:sldIdLst>
   <p:sldSz cx="12192000" cy="6858000"/>
   <p:notesSz cx="6858000" cy="9144000"/>
@@ -622,11 +621,11 @@
         </c:dLbls>
         <c:bubbleScale val="100"/>
         <c:showNegBubbles val="0"/>
-        <c:axId val="2032151904"/>
-        <c:axId val="2032158432"/>
+        <c:axId val="1277468000"/>
+        <c:axId val="1277469088"/>
       </c:bubbleChart>
       <c:valAx>
-        <c:axId val="2032151904"/>
+        <c:axId val="1277468000"/>
         <c:scaling>
           <c:orientation val="minMax"/>
           <c:min val="0"/>
@@ -746,12 +745,12 @@
             <a:endParaRPr lang="en-US"/>
           </a:p>
         </c:txPr>
-        <c:crossAx val="2032158432"/>
+        <c:crossAx val="1277469088"/>
         <c:crosses val="autoZero"/>
         <c:crossBetween val="midCat"/>
       </c:valAx>
       <c:valAx>
-        <c:axId val="2032158432"/>
+        <c:axId val="1277469088"/>
         <c:scaling>
           <c:orientation val="minMax"/>
           <c:max val="3500"/>
@@ -869,7 +868,7 @@
             <a:endParaRPr lang="en-US"/>
           </a:p>
         </c:txPr>
-        <c:crossAx val="2032151904"/>
+        <c:crossAx val="1277468000"/>
         <c:crosses val="autoZero"/>
         <c:crossBetween val="midCat"/>
       </c:valAx>
@@ -1619,7 +1618,7 @@
           <a:p>
             <a:fld id="{EDEAC965-93D5-4BF2-BEB3-753A18A2DA84}" type="datetimeFigureOut">
               <a:rPr lang="en-US" smtClean="0"/>
-              <a:t>11/16/2014</a:t>
+              <a:t>11/18/2014</a:t>
             </a:fld>
             <a:endParaRPr lang="en-US"/>
           </a:p>
@@ -2176,7 +2175,7 @@
             <a:fld id="{23782511-E6CA-4337-83DD-3F4EDFA36EC0}" type="slidenum">
               <a:rPr lang="en-US" smtClean="0"/>
               <a:pPr/>
-              <a:t>11</a:t>
+              <a:t>10</a:t>
             </a:fld>
             <a:endParaRPr lang="en-US" dirty="0"/>
           </a:p>
@@ -2476,7 +2475,7 @@
             <a:fld id="{23782511-E6CA-4337-83DD-3F4EDFA36EC0}" type="slidenum">
               <a:rPr lang="en-US" smtClean="0"/>
               <a:pPr/>
-              <a:t>12</a:t>
+              <a:t>11</a:t>
             </a:fld>
             <a:endParaRPr lang="en-US" dirty="0"/>
           </a:p>
@@ -2997,7 +2996,7 @@
           <a:p>
             <a:fld id="{20B296D5-E3CF-4672-8939-A7C2F0F5EC5D}" type="datetime1">
               <a:rPr lang="en-US" smtClean="0"/>
-              <a:t>11/16/2014</a:t>
+              <a:t>11/18/2014</a:t>
             </a:fld>
             <a:endParaRPr lang="en-US"/>
           </a:p>
@@ -3293,7 +3292,7 @@
           <a:p>
             <a:fld id="{28A02E2E-7E1A-4CF8-B33B-7A3A0C846DC2}" type="datetime1">
               <a:rPr lang="en-US" smtClean="0"/>
-              <a:t>11/16/2014</a:t>
+              <a:t>11/18/2014</a:t>
             </a:fld>
             <a:endParaRPr lang="en-US"/>
           </a:p>
@@ -3541,7 +3540,7 @@
           <a:p>
             <a:fld id="{8CE046AC-902E-42C0-88FC-A13213B32EAE}" type="datetime1">
               <a:rPr lang="en-US" smtClean="0"/>
-              <a:t>11/16/2014</a:t>
+              <a:t>11/18/2014</a:t>
             </a:fld>
             <a:endParaRPr lang="en-US"/>
           </a:p>
@@ -4081,7 +4080,7 @@
           <a:p>
             <a:fld id="{31A6F805-971A-403C-A032-DEFF7CF3C983}" type="datetime1">
               <a:rPr lang="en-US" smtClean="0"/>
-              <a:t>11/16/2014</a:t>
+              <a:t>11/18/2014</a:t>
             </a:fld>
             <a:endParaRPr lang="en-US"/>
           </a:p>
@@ -4329,7 +4328,7 @@
           <a:p>
             <a:fld id="{A47BC926-D3EC-4D9D-A99F-9E843187F3B0}" type="datetime1">
               <a:rPr lang="en-US" smtClean="0"/>
-              <a:t>11/16/2014</a:t>
+              <a:t>11/18/2014</a:t>
             </a:fld>
             <a:endParaRPr lang="en-US"/>
           </a:p>
@@ -4861,7 +4860,7 @@
           <a:p>
             <a:fld id="{706D8B8A-C6A1-4E34-A79C-7660F8ED0256}" type="datetime1">
               <a:rPr lang="en-US" smtClean="0"/>
-              <a:t>11/16/2014</a:t>
+              <a:t>11/18/2014</a:t>
             </a:fld>
             <a:endParaRPr lang="en-US"/>
           </a:p>
@@ -5158,7 +5157,7 @@
           <a:p>
             <a:fld id="{F4BE39B4-CFBF-45CF-82E8-4594DA2BC016}" type="datetime1">
               <a:rPr lang="en-US" smtClean="0"/>
-              <a:t>11/16/2014</a:t>
+              <a:t>11/18/2014</a:t>
             </a:fld>
             <a:endParaRPr lang="en-US"/>
           </a:p>
@@ -5332,7 +5331,7 @@
           <a:p>
             <a:fld id="{DE0C5273-F1EA-4469-BB96-269557B0EFD7}" type="datetime1">
               <a:rPr lang="en-US" smtClean="0"/>
-              <a:t>11/16/2014</a:t>
+              <a:t>11/18/2014</a:t>
             </a:fld>
             <a:endParaRPr lang="en-US"/>
           </a:p>
@@ -5512,7 +5511,7 @@
           <a:p>
             <a:fld id="{A151EF98-F8EA-4C17-B600-10F3495D73A0}" type="datetime1">
               <a:rPr lang="en-US" smtClean="0"/>
-              <a:t>11/16/2014</a:t>
+              <a:t>11/18/2014</a:t>
             </a:fld>
             <a:endParaRPr lang="en-US"/>
           </a:p>
@@ -5708,7 +5707,7 @@
           <a:p>
             <a:fld id="{573D28D5-0840-4988-BF4D-6D4AA1076FF1}" type="datetime1">
               <a:rPr lang="en-US" smtClean="0"/>
-              <a:t>11/16/2014</a:t>
+              <a:t>11/18/2014</a:t>
             </a:fld>
             <a:endParaRPr lang="en-US"/>
           </a:p>
@@ -5961,7 +5960,7 @@
           <a:p>
             <a:fld id="{9F96B093-F3D2-4BE9-838E-E3D4B84B74A6}" type="datetime1">
               <a:rPr lang="en-US" smtClean="0"/>
-              <a:t>11/16/2014</a:t>
+              <a:t>11/18/2014</a:t>
             </a:fld>
             <a:endParaRPr lang="en-US"/>
           </a:p>
@@ -6264,7 +6263,7 @@
           <a:p>
             <a:fld id="{BE18AAB6-E895-4CF5-8797-8DBFC83C491D}" type="datetime1">
               <a:rPr lang="en-US" smtClean="0"/>
-              <a:t>11/16/2014</a:t>
+              <a:t>11/18/2014</a:t>
             </a:fld>
             <a:endParaRPr lang="en-US"/>
           </a:p>
@@ -6706,7 +6705,7 @@
           <a:p>
             <a:fld id="{72210C82-80B6-439C-A993-8C06E994D74A}" type="datetime1">
               <a:rPr lang="en-US" smtClean="0"/>
-              <a:t>11/16/2014</a:t>
+              <a:t>11/18/2014</a:t>
             </a:fld>
             <a:endParaRPr lang="en-US"/>
           </a:p>
@@ -6824,7 +6823,7 @@
           <a:p>
             <a:fld id="{24A3ABEB-97E0-4DED-AEF3-FAB70F021CC7}" type="datetime1">
               <a:rPr lang="en-US" smtClean="0"/>
-              <a:t>11/16/2014</a:t>
+              <a:t>11/18/2014</a:t>
             </a:fld>
             <a:endParaRPr lang="en-US"/>
           </a:p>
@@ -6919,7 +6918,7 @@
           <a:p>
             <a:fld id="{FFC76860-5976-4A44-8E7A-96795D52A085}" type="datetime1">
               <a:rPr lang="en-US" smtClean="0"/>
-              <a:t>11/16/2014</a:t>
+              <a:t>11/18/2014</a:t>
             </a:fld>
             <a:endParaRPr lang="en-US"/>
           </a:p>
@@ -7202,7 +7201,7 @@
           <a:p>
             <a:fld id="{D041843B-E1B4-43C8-9F5C-31408ABDC424}" type="datetime1">
               <a:rPr lang="en-US" smtClean="0"/>
-              <a:t>11/16/2014</a:t>
+              <a:t>11/18/2014</a:t>
             </a:fld>
             <a:endParaRPr lang="en-US"/>
           </a:p>
@@ -7493,7 +7492,7 @@
           <a:p>
             <a:fld id="{731A8D32-FC45-449B-9B90-E5553677A65C}" type="datetime1">
               <a:rPr lang="en-US" smtClean="0"/>
-              <a:t>11/16/2014</a:t>
+              <a:t>11/18/2014</a:t>
             </a:fld>
             <a:endParaRPr lang="en-US"/>
           </a:p>
@@ -8023,7 +8022,7 @@
           <a:p>
             <a:fld id="{5E17704D-19AD-47EC-889C-2F8A90D9F71A}" type="datetime1">
               <a:rPr lang="en-US" smtClean="0"/>
-              <a:t>11/16/2014</a:t>
+              <a:t>11/18/2014</a:t>
             </a:fld>
             <a:endParaRPr lang="en-US"/>
           </a:p>
@@ -8746,168 +8745,6 @@
           <a:p>
             <a:r>
               <a:rPr lang="en-US" dirty="0" smtClean="0"/>
-              <a:t>Current Prototype </a:t>
-            </a:r>
-            <a:endParaRPr lang="en-US" dirty="0"/>
-          </a:p>
-        </p:txBody>
-      </p:sp>
-      <p:pic>
-        <p:nvPicPr>
-          <p:cNvPr id="5" name="Content Placeholder 4"/>
-          <p:cNvPicPr>
-            <a:picLocks noGrp="1" noChangeAspect="1"/>
-          </p:cNvPicPr>
-          <p:nvPr>
-            <p:ph idx="1"/>
-          </p:nvPr>
-        </p:nvPicPr>
-        <p:blipFill rotWithShape="1">
-          <a:blip r:embed="rId2">
-            <a:extLst>
-              <a:ext uri="{28A0092B-C50C-407E-A947-70E740481C1C}">
-                <a14:useLocalDpi xmlns:a14="http://schemas.microsoft.com/office/drawing/2010/main" val="0"/>
-              </a:ext>
-            </a:extLst>
-          </a:blip>
-          <a:srcRect l="36248" r="38167"/>
-          <a:stretch/>
-        </p:blipFill>
-        <p:spPr>
-          <a:xfrm>
-            <a:off x="2215757" y="1477867"/>
-            <a:ext cx="1991154" cy="4389263"/>
-          </a:xfrm>
-        </p:spPr>
-      </p:pic>
-      <p:sp>
-        <p:nvSpPr>
-          <p:cNvPr id="4" name="Slide Number Placeholder 3"/>
-          <p:cNvSpPr>
-            <a:spLocks noGrp="1"/>
-          </p:cNvSpPr>
-          <p:nvPr>
-            <p:ph type="sldNum" sz="quarter" idx="12"/>
-          </p:nvPr>
-        </p:nvSpPr>
-        <p:spPr/>
-        <p:txBody>
-          <a:bodyPr/>
-          <a:lstStyle/>
-          <a:p>
-            <a:fld id="{5C6BB475-B640-4DD3-A1AA-1CF10A44AA06}" type="slidenum">
-              <a:rPr lang="en-US" smtClean="0"/>
-              <a:t>10</a:t>
-            </a:fld>
-            <a:endParaRPr lang="en-US"/>
-          </a:p>
-        </p:txBody>
-      </p:sp>
-      <p:pic>
-        <p:nvPicPr>
-          <p:cNvPr id="6" name="Picture 5"/>
-          <p:cNvPicPr>
-            <a:picLocks noChangeAspect="1"/>
-          </p:cNvPicPr>
-          <p:nvPr/>
-        </p:nvPicPr>
-        <p:blipFill rotWithShape="1">
-          <a:blip r:embed="rId3">
-            <a:extLst>
-              <a:ext uri="{28A0092B-C50C-407E-A947-70E740481C1C}">
-                <a14:useLocalDpi xmlns:a14="http://schemas.microsoft.com/office/drawing/2010/main" val="0"/>
-              </a:ext>
-            </a:extLst>
-          </a:blip>
-          <a:srcRect l="27989" r="43223"/>
-          <a:stretch/>
-        </p:blipFill>
-        <p:spPr>
-          <a:xfrm>
-            <a:off x="8457647" y="1477867"/>
-            <a:ext cx="2240402" cy="4389263"/>
-          </a:xfrm>
-          <a:prstGeom prst="rect">
-            <a:avLst/>
-          </a:prstGeom>
-        </p:spPr>
-      </p:pic>
-      <p:pic>
-        <p:nvPicPr>
-          <p:cNvPr id="7" name="Picture 6"/>
-          <p:cNvPicPr>
-            <a:picLocks noChangeAspect="1"/>
-          </p:cNvPicPr>
-          <p:nvPr/>
-        </p:nvPicPr>
-        <p:blipFill rotWithShape="1">
-          <a:blip r:embed="rId4" cstate="print">
-            <a:extLst>
-              <a:ext uri="{28A0092B-C50C-407E-A947-70E740481C1C}">
-                <a14:useLocalDpi xmlns:a14="http://schemas.microsoft.com/office/drawing/2010/main" val="0"/>
-              </a:ext>
-            </a:extLst>
-          </a:blip>
-          <a:srcRect l="35646" r="34051"/>
-          <a:stretch/>
-        </p:blipFill>
-        <p:spPr>
-          <a:xfrm>
-            <a:off x="5139175" y="1477868"/>
-            <a:ext cx="2364586" cy="4389262"/>
-          </a:xfrm>
-          <a:prstGeom prst="rect">
-            <a:avLst/>
-          </a:prstGeom>
-        </p:spPr>
-      </p:pic>
-    </p:spTree>
-    <p:extLst>
-      <p:ext uri="{BB962C8B-B14F-4D97-AF65-F5344CB8AC3E}">
-        <p14:creationId xmlns:p14="http://schemas.microsoft.com/office/powerpoint/2010/main" val="2538826317"/>
-      </p:ext>
-    </p:extLst>
-  </p:cSld>
-  <p:clrMapOvr>
-    <a:masterClrMapping/>
-  </p:clrMapOvr>
-</p:sld>
-</file>
-
-<file path=ppt/slides/slide11.xml><?xml version="1.0" encoding="utf-8"?>
-<p:sld xmlns:a="http://schemas.openxmlformats.org/drawingml/2006/main" xmlns:r="http://schemas.openxmlformats.org/officeDocument/2006/relationships" xmlns:p="http://schemas.openxmlformats.org/presentationml/2006/main">
-  <p:cSld>
-    <p:spTree>
-      <p:nvGrpSpPr>
-        <p:cNvPr id="1" name=""/>
-        <p:cNvGrpSpPr/>
-        <p:nvPr/>
-      </p:nvGrpSpPr>
-      <p:grpSpPr>
-        <a:xfrm>
-          <a:off x="0" y="0"/>
-          <a:ext cx="0" cy="0"/>
-          <a:chOff x="0" y="0"/>
-          <a:chExt cx="0" cy="0"/>
-        </a:xfrm>
-      </p:grpSpPr>
-      <p:sp>
-        <p:nvSpPr>
-          <p:cNvPr id="2" name="Title 1"/>
-          <p:cNvSpPr>
-            <a:spLocks noGrp="1"/>
-          </p:cNvSpPr>
-          <p:nvPr>
-            <p:ph type="title"/>
-          </p:nvPr>
-        </p:nvSpPr>
-        <p:spPr/>
-        <p:txBody>
-          <a:bodyPr/>
-          <a:lstStyle/>
-          <a:p>
-            <a:r>
-              <a:rPr lang="en-US" dirty="0" smtClean="0"/>
               <a:t>Technical Drawings/Title Block</a:t>
             </a:r>
             <a:endParaRPr lang="en-US" dirty="0"/>
@@ -8977,7 +8814,7 @@
             <a:fld id="{5C6BB475-B640-4DD3-A1AA-1CF10A44AA06}" type="slidenum">
               <a:rPr lang="en-US" smtClean="0"/>
               <a:pPr/>
-              <a:t>11</a:t>
+              <a:t>10</a:t>
             </a:fld>
             <a:endParaRPr lang="en-US" dirty="0"/>
           </a:p>
@@ -9025,7 +8862,7 @@
 </p:sld>
 </file>
 
-<file path=ppt/slides/slide12.xml><?xml version="1.0" encoding="utf-8"?>
+<file path=ppt/slides/slide11.xml><?xml version="1.0" encoding="utf-8"?>
 <p:sld xmlns:a="http://schemas.openxmlformats.org/drawingml/2006/main" xmlns:r="http://schemas.openxmlformats.org/officeDocument/2006/relationships" xmlns:p="http://schemas.openxmlformats.org/presentationml/2006/main">
   <p:cSld>
     <p:spTree>
@@ -9120,7 +8957,7 @@
             <a:fld id="{5C6BB475-B640-4DD3-A1AA-1CF10A44AA06}" type="slidenum">
               <a:rPr lang="en-US" smtClean="0"/>
               <a:pPr/>
-              <a:t>12</a:t>
+              <a:t>11</a:t>
             </a:fld>
             <a:endParaRPr lang="en-US" dirty="0"/>
           </a:p>
@@ -9142,8 +8979,8 @@
         </p:blipFill>
         <p:spPr>
           <a:xfrm>
-            <a:off x="1541989" y="2715491"/>
-            <a:ext cx="4299043" cy="3846121"/>
+            <a:off x="2135761" y="2715491"/>
+            <a:ext cx="3930902" cy="3516765"/>
           </a:xfrm>
           <a:prstGeom prst="rect">
             <a:avLst/>
@@ -9166,8 +9003,8 @@
         </p:blipFill>
         <p:spPr>
           <a:xfrm>
-            <a:off x="5841032" y="2715490"/>
-            <a:ext cx="826916" cy="3846121"/>
+            <a:off x="6080154" y="2715491"/>
+            <a:ext cx="756105" cy="3516766"/>
           </a:xfrm>
           <a:prstGeom prst="rect">
             <a:avLst/>
@@ -9190,8 +9027,8 @@
         </p:blipFill>
         <p:spPr>
           <a:xfrm>
-            <a:off x="6660182" y="2715491"/>
-            <a:ext cx="3825294" cy="3846121"/>
+            <a:off x="6849750" y="2712946"/>
+            <a:ext cx="3502785" cy="3521856"/>
           </a:xfrm>
           <a:prstGeom prst="rect">
             <a:avLst/>
@@ -9202,6 +9039,101 @@
     <p:extLst>
       <p:ext uri="{BB962C8B-B14F-4D97-AF65-F5344CB8AC3E}">
         <p14:creationId xmlns:p14="http://schemas.microsoft.com/office/powerpoint/2010/main" val="1293130739"/>
+      </p:ext>
+    </p:extLst>
+  </p:cSld>
+  <p:clrMapOvr>
+    <a:masterClrMapping/>
+  </p:clrMapOvr>
+</p:sld>
+</file>
+
+<file path=ppt/slides/slide12.xml><?xml version="1.0" encoding="utf-8"?>
+<p:sld xmlns:a="http://schemas.openxmlformats.org/drawingml/2006/main" xmlns:r="http://schemas.openxmlformats.org/officeDocument/2006/relationships" xmlns:p="http://schemas.openxmlformats.org/presentationml/2006/main">
+  <p:cSld>
+    <p:spTree>
+      <p:nvGrpSpPr>
+        <p:cNvPr id="1" name=""/>
+        <p:cNvGrpSpPr/>
+        <p:nvPr/>
+      </p:nvGrpSpPr>
+      <p:grpSpPr>
+        <a:xfrm>
+          <a:off x="0" y="0"/>
+          <a:ext cx="0" cy="0"/>
+          <a:chOff x="0" y="0"/>
+          <a:chExt cx="0" cy="0"/>
+        </a:xfrm>
+      </p:grpSpPr>
+      <p:sp>
+        <p:nvSpPr>
+          <p:cNvPr id="2" name="Title 1"/>
+          <p:cNvSpPr>
+            <a:spLocks noGrp="1"/>
+          </p:cNvSpPr>
+          <p:nvPr>
+            <p:ph type="title"/>
+          </p:nvPr>
+        </p:nvSpPr>
+        <p:spPr/>
+        <p:txBody>
+          <a:bodyPr/>
+          <a:lstStyle/>
+          <a:p>
+            <a:r>
+              <a:rPr lang="en-US" dirty="0" smtClean="0"/>
+              <a:t>Wire Diagram</a:t>
+            </a:r>
+            <a:endParaRPr lang="en-US" dirty="0"/>
+          </a:p>
+        </p:txBody>
+      </p:sp>
+      <p:sp>
+        <p:nvSpPr>
+          <p:cNvPr id="3" name="Content Placeholder 2"/>
+          <p:cNvSpPr>
+            <a:spLocks noGrp="1"/>
+          </p:cNvSpPr>
+          <p:nvPr>
+            <p:ph idx="1"/>
+          </p:nvPr>
+        </p:nvSpPr>
+        <p:spPr/>
+        <p:txBody>
+          <a:bodyPr/>
+          <a:lstStyle/>
+          <a:p>
+            <a:endParaRPr lang="en-US"/>
+          </a:p>
+        </p:txBody>
+      </p:sp>
+      <p:sp>
+        <p:nvSpPr>
+          <p:cNvPr id="4" name="Slide Number Placeholder 3"/>
+          <p:cNvSpPr>
+            <a:spLocks noGrp="1"/>
+          </p:cNvSpPr>
+          <p:nvPr>
+            <p:ph type="sldNum" sz="quarter" idx="12"/>
+          </p:nvPr>
+        </p:nvSpPr>
+        <p:spPr/>
+        <p:txBody>
+          <a:bodyPr/>
+          <a:lstStyle/>
+          <a:p>
+            <a:fld id="{5C6BB475-B640-4DD3-A1AA-1CF10A44AA06}" type="slidenum">
+              <a:rPr lang="en-US" smtClean="0"/>
+              <a:t>12</a:t>
+            </a:fld>
+            <a:endParaRPr lang="en-US"/>
+          </a:p>
+        </p:txBody>
+      </p:sp>
+    </p:spTree>
+    <p:extLst>
+      <p:ext uri="{BB962C8B-B14F-4D97-AF65-F5344CB8AC3E}">
+        <p14:creationId xmlns:p14="http://schemas.microsoft.com/office/powerpoint/2010/main" val="4240055343"/>
       </p:ext>
     </p:extLst>
   </p:cSld>
@@ -9245,7 +9177,7 @@
           <a:p>
             <a:r>
               <a:rPr lang="en-US" dirty="0" smtClean="0"/>
-              <a:t>Wire Diagram</a:t>
+              <a:t>Hardware Software Interface</a:t>
             </a:r>
             <a:endParaRPr lang="en-US" dirty="0"/>
           </a:p>
@@ -9296,7 +9228,7 @@
     </p:spTree>
     <p:extLst>
       <p:ext uri="{BB962C8B-B14F-4D97-AF65-F5344CB8AC3E}">
-        <p14:creationId xmlns:p14="http://schemas.microsoft.com/office/powerpoint/2010/main" val="4240055343"/>
+        <p14:creationId xmlns:p14="http://schemas.microsoft.com/office/powerpoint/2010/main" val="3374279974"/>
       </p:ext>
     </p:extLst>
   </p:cSld>
@@ -9339,8 +9271,12 @@
           <a:lstStyle/>
           <a:p>
             <a:r>
+              <a:rPr lang="en-US" dirty="0"/>
+              <a:t>Hardware Software </a:t>
+            </a:r>
+            <a:r>
               <a:rPr lang="en-US" dirty="0" smtClean="0"/>
-              <a:t>Hardware Software Interface</a:t>
+              <a:t>Interface contd.</a:t>
             </a:r>
             <a:endParaRPr lang="en-US" dirty="0"/>
           </a:p>
@@ -9391,7 +9327,7 @@
     </p:spTree>
     <p:extLst>
       <p:ext uri="{BB962C8B-B14F-4D97-AF65-F5344CB8AC3E}">
-        <p14:creationId xmlns:p14="http://schemas.microsoft.com/office/powerpoint/2010/main" val="3374279974"/>
+        <p14:creationId xmlns:p14="http://schemas.microsoft.com/office/powerpoint/2010/main" val="1320030583"/>
       </p:ext>
     </p:extLst>
   </p:cSld>
@@ -9434,12 +9370,8 @@
           <a:lstStyle/>
           <a:p>
             <a:r>
-              <a:rPr lang="en-US" dirty="0"/>
-              <a:t>Hardware Software </a:t>
-            </a:r>
-            <a:r>
               <a:rPr lang="en-US" dirty="0" smtClean="0"/>
-              <a:t>Interface contd.</a:t>
+              <a:t>Projector and Resin</a:t>
             </a:r>
             <a:endParaRPr lang="en-US" dirty="0"/>
           </a:p>
@@ -9447,12 +9379,12 @@
       </p:sp>
       <p:sp>
         <p:nvSpPr>
-          <p:cNvPr id="3" name="Content Placeholder 2"/>
-          <p:cNvSpPr>
-            <a:spLocks noGrp="1"/>
-          </p:cNvSpPr>
-          <p:nvPr>
-            <p:ph idx="1"/>
+          <p:cNvPr id="4" name="Slide Number Placeholder 3"/>
+          <p:cNvSpPr>
+            <a:spLocks noGrp="1"/>
+          </p:cNvSpPr>
+          <p:nvPr>
+            <p:ph type="sldNum" sz="quarter" idx="12"/>
           </p:nvPr>
         </p:nvSpPr>
         <p:spPr/>
@@ -9460,37 +9392,106 @@
           <a:bodyPr/>
           <a:lstStyle/>
           <a:p>
-            <a:endParaRPr lang="en-US"/>
-          </a:p>
-        </p:txBody>
-      </p:sp>
-      <p:sp>
-        <p:nvSpPr>
-          <p:cNvPr id="4" name="Slide Number Placeholder 3"/>
-          <p:cNvSpPr>
-            <a:spLocks noGrp="1"/>
-          </p:cNvSpPr>
-          <p:nvPr>
-            <p:ph type="sldNum" sz="quarter" idx="12"/>
-          </p:nvPr>
-        </p:nvSpPr>
-        <p:spPr/>
-        <p:txBody>
-          <a:bodyPr/>
-          <a:lstStyle/>
-          <a:p>
             <a:fld id="{5C6BB475-B640-4DD3-A1AA-1CF10A44AA06}" type="slidenum">
               <a:rPr lang="en-US" smtClean="0"/>
+              <a:pPr/>
               <a:t>15</a:t>
             </a:fld>
-            <a:endParaRPr lang="en-US"/>
+            <a:endParaRPr lang="en-US" dirty="0"/>
+          </a:p>
+        </p:txBody>
+      </p:sp>
+      <p:sp>
+        <p:nvSpPr>
+          <p:cNvPr id="6" name="Content Placeholder 5"/>
+          <p:cNvSpPr>
+            <a:spLocks noGrp="1"/>
+          </p:cNvSpPr>
+          <p:nvPr>
+            <p:ph idx="1"/>
+          </p:nvPr>
+        </p:nvSpPr>
+        <p:spPr>
+          <a:xfrm>
+            <a:off x="1541989" y="1538196"/>
+            <a:ext cx="10018713" cy="4180024"/>
+          </a:xfrm>
+        </p:spPr>
+        <p:txBody>
+          <a:bodyPr anchor="t">
+            <a:normAutofit/>
+          </a:bodyPr>
+          <a:lstStyle/>
+          <a:p>
+            <a:r>
+              <a:rPr lang="en-US" dirty="0" smtClean="0"/>
+              <a:t>Projector Qualities</a:t>
+            </a:r>
+          </a:p>
+          <a:p>
+            <a:pPr lvl="1"/>
+            <a:r>
+              <a:rPr lang="en-US" dirty="0" smtClean="0"/>
+              <a:t>High Resolution DLP</a:t>
+            </a:r>
+            <a:endParaRPr lang="en-US" dirty="0"/>
+          </a:p>
+          <a:p>
+            <a:pPr lvl="1"/>
+            <a:r>
+              <a:rPr lang="en-US" dirty="0"/>
+              <a:t>UV </a:t>
+            </a:r>
+            <a:r>
+              <a:rPr lang="en-US" dirty="0" smtClean="0"/>
+              <a:t>Filter Removal </a:t>
+            </a:r>
+            <a:endParaRPr lang="en-US" dirty="0"/>
+          </a:p>
+          <a:p>
+            <a:pPr lvl="1"/>
+            <a:r>
+              <a:rPr lang="en-US" dirty="0"/>
+              <a:t>Throw </a:t>
+            </a:r>
+            <a:r>
+              <a:rPr lang="en-US" dirty="0" smtClean="0"/>
+              <a:t>Distance</a:t>
+            </a:r>
+          </a:p>
+          <a:p>
+            <a:r>
+              <a:rPr lang="en-US" dirty="0" smtClean="0"/>
+              <a:t>Resin</a:t>
+            </a:r>
+            <a:endParaRPr lang="en-US" dirty="0"/>
+          </a:p>
+          <a:p>
+            <a:pPr lvl="1"/>
+            <a:r>
+              <a:rPr lang="en-US" dirty="0"/>
+              <a:t>Test for Layer Thickness</a:t>
+            </a:r>
+          </a:p>
+          <a:p>
+            <a:pPr lvl="1"/>
+            <a:r>
+              <a:rPr lang="en-US" dirty="0"/>
+              <a:t>Test for Exposure Time</a:t>
+            </a:r>
+          </a:p>
+          <a:p>
+            <a:pPr marL="0" indent="0">
+              <a:buNone/>
+            </a:pPr>
+            <a:endParaRPr lang="en-US" dirty="0" smtClean="0"/>
           </a:p>
         </p:txBody>
       </p:sp>
     </p:spTree>
     <p:extLst>
       <p:ext uri="{BB962C8B-B14F-4D97-AF65-F5344CB8AC3E}">
-        <p14:creationId xmlns:p14="http://schemas.microsoft.com/office/powerpoint/2010/main" val="1320030583"/>
+        <p14:creationId xmlns:p14="http://schemas.microsoft.com/office/powerpoint/2010/main" val="1888003692"/>
       </p:ext>
     </p:extLst>
   </p:cSld>
@@ -9534,7 +9535,7 @@
           <a:p>
             <a:r>
               <a:rPr lang="en-US" dirty="0" smtClean="0"/>
-              <a:t>Projector and Resin</a:t>
+              <a:t>Software Problems</a:t>
             </a:r>
             <a:endParaRPr lang="en-US" dirty="0"/>
           </a:p>
@@ -9542,12 +9543,12 @@
       </p:sp>
       <p:sp>
         <p:nvSpPr>
-          <p:cNvPr id="4" name="Slide Number Placeholder 3"/>
-          <p:cNvSpPr>
-            <a:spLocks noGrp="1"/>
-          </p:cNvSpPr>
-          <p:nvPr>
-            <p:ph type="sldNum" sz="quarter" idx="12"/>
+          <p:cNvPr id="3" name="Content Placeholder 2"/>
+          <p:cNvSpPr>
+            <a:spLocks noGrp="1"/>
+          </p:cNvSpPr>
+          <p:nvPr>
+            <p:ph idx="1"/>
           </p:nvPr>
         </p:nvSpPr>
         <p:spPr/>
@@ -9555,106 +9556,37 @@
           <a:bodyPr/>
           <a:lstStyle/>
           <a:p>
+            <a:endParaRPr lang="en-US"/>
+          </a:p>
+        </p:txBody>
+      </p:sp>
+      <p:sp>
+        <p:nvSpPr>
+          <p:cNvPr id="4" name="Slide Number Placeholder 3"/>
+          <p:cNvSpPr>
+            <a:spLocks noGrp="1"/>
+          </p:cNvSpPr>
+          <p:nvPr>
+            <p:ph type="sldNum" sz="quarter" idx="12"/>
+          </p:nvPr>
+        </p:nvSpPr>
+        <p:spPr/>
+        <p:txBody>
+          <a:bodyPr/>
+          <a:lstStyle/>
+          <a:p>
             <a:fld id="{5C6BB475-B640-4DD3-A1AA-1CF10A44AA06}" type="slidenum">
               <a:rPr lang="en-US" smtClean="0"/>
-              <a:pPr/>
               <a:t>16</a:t>
             </a:fld>
-            <a:endParaRPr lang="en-US" dirty="0"/>
-          </a:p>
-        </p:txBody>
-      </p:sp>
-      <p:sp>
-        <p:nvSpPr>
-          <p:cNvPr id="6" name="Content Placeholder 5"/>
-          <p:cNvSpPr>
-            <a:spLocks noGrp="1"/>
-          </p:cNvSpPr>
-          <p:nvPr>
-            <p:ph idx="1"/>
-          </p:nvPr>
-        </p:nvSpPr>
-        <p:spPr>
-          <a:xfrm>
-            <a:off x="1541989" y="1538196"/>
-            <a:ext cx="10018713" cy="4180024"/>
-          </a:xfrm>
-        </p:spPr>
-        <p:txBody>
-          <a:bodyPr anchor="t">
-            <a:normAutofit/>
-          </a:bodyPr>
-          <a:lstStyle/>
-          <a:p>
-            <a:r>
-              <a:rPr lang="en-US" dirty="0" smtClean="0"/>
-              <a:t>Projector Qualities</a:t>
-            </a:r>
-          </a:p>
-          <a:p>
-            <a:pPr lvl="1"/>
-            <a:r>
-              <a:rPr lang="en-US" dirty="0" smtClean="0"/>
-              <a:t>High Resolution DLP</a:t>
-            </a:r>
-            <a:endParaRPr lang="en-US" dirty="0"/>
-          </a:p>
-          <a:p>
-            <a:pPr lvl="1"/>
-            <a:r>
-              <a:rPr lang="en-US" dirty="0"/>
-              <a:t>UV </a:t>
-            </a:r>
-            <a:r>
-              <a:rPr lang="en-US" dirty="0" smtClean="0"/>
-              <a:t>Filter Removal </a:t>
-            </a:r>
-            <a:endParaRPr lang="en-US" dirty="0"/>
-          </a:p>
-          <a:p>
-            <a:pPr lvl="1"/>
-            <a:r>
-              <a:rPr lang="en-US" dirty="0"/>
-              <a:t>Throw </a:t>
-            </a:r>
-            <a:r>
-              <a:rPr lang="en-US" dirty="0" smtClean="0"/>
-              <a:t>Distance</a:t>
-            </a:r>
-          </a:p>
-          <a:p>
-            <a:r>
-              <a:rPr lang="en-US" dirty="0" smtClean="0"/>
-              <a:t>Resin</a:t>
-            </a:r>
-            <a:endParaRPr lang="en-US" dirty="0"/>
-          </a:p>
-          <a:p>
-            <a:pPr lvl="1"/>
-            <a:r>
-              <a:rPr lang="en-US" dirty="0"/>
-              <a:t>Test for Layer Thickness</a:t>
-            </a:r>
-          </a:p>
-          <a:p>
-            <a:pPr lvl="1"/>
-            <a:r>
-              <a:rPr lang="en-US" dirty="0"/>
-              <a:t>Test for Exposure Time</a:t>
-            </a:r>
-          </a:p>
-          <a:p>
-            <a:pPr marL="0" indent="0">
-              <a:buNone/>
-            </a:pPr>
-            <a:endParaRPr lang="en-US" dirty="0" smtClean="0"/>
+            <a:endParaRPr lang="en-US"/>
           </a:p>
         </p:txBody>
       </p:sp>
     </p:spTree>
     <p:extLst>
       <p:ext uri="{BB962C8B-B14F-4D97-AF65-F5344CB8AC3E}">
-        <p14:creationId xmlns:p14="http://schemas.microsoft.com/office/powerpoint/2010/main" val="1888003692"/>
+        <p14:creationId xmlns:p14="http://schemas.microsoft.com/office/powerpoint/2010/main" val="4088312060"/>
       </p:ext>
     </p:extLst>
   </p:cSld>
@@ -9698,7 +9630,7 @@
           <a:p>
             <a:r>
               <a:rPr lang="en-US" dirty="0" smtClean="0"/>
-              <a:t>Software Problems</a:t>
+              <a:t>New Design</a:t>
             </a:r>
             <a:endParaRPr lang="en-US" dirty="0"/>
           </a:p>
@@ -9749,7 +9681,7 @@
     </p:spTree>
     <p:extLst>
       <p:ext uri="{BB962C8B-B14F-4D97-AF65-F5344CB8AC3E}">
-        <p14:creationId xmlns:p14="http://schemas.microsoft.com/office/powerpoint/2010/main" val="4088312060"/>
+        <p14:creationId xmlns:p14="http://schemas.microsoft.com/office/powerpoint/2010/main" val="4014598853"/>
       </p:ext>
     </p:extLst>
   </p:cSld>
@@ -9788,33 +9720,16 @@
         </p:nvSpPr>
         <p:spPr/>
         <p:txBody>
-          <a:bodyPr/>
+          <a:bodyPr>
+            <a:normAutofit/>
+          </a:bodyPr>
           <a:lstStyle/>
           <a:p>
             <a:r>
               <a:rPr lang="en-US" dirty="0" smtClean="0"/>
-              <a:t>New Design</a:t>
+              <a:t>Budget</a:t>
             </a:r>
             <a:endParaRPr lang="en-US" dirty="0"/>
-          </a:p>
-        </p:txBody>
-      </p:sp>
-      <p:sp>
-        <p:nvSpPr>
-          <p:cNvPr id="3" name="Content Placeholder 2"/>
-          <p:cNvSpPr>
-            <a:spLocks noGrp="1"/>
-          </p:cNvSpPr>
-          <p:nvPr>
-            <p:ph idx="1"/>
-          </p:nvPr>
-        </p:nvSpPr>
-        <p:spPr/>
-        <p:txBody>
-          <a:bodyPr/>
-          <a:lstStyle/>
-          <a:p>
-            <a:endParaRPr lang="en-US"/>
           </a:p>
         </p:txBody>
       </p:sp>
@@ -9841,16 +9756,572 @@
           </a:p>
         </p:txBody>
       </p:sp>
+      <p:graphicFrame>
+        <p:nvGraphicFramePr>
+          <p:cNvPr id="5" name="Content Placeholder 1"/>
+          <p:cNvGraphicFramePr>
+            <a:graphicFrameLocks/>
+          </p:cNvGraphicFramePr>
+          <p:nvPr>
+            <p:extLst>
+              <p:ext uri="{D42A27DB-BD31-4B8C-83A1-F6EECF244321}">
+                <p14:modId xmlns:p14="http://schemas.microsoft.com/office/powerpoint/2010/main" val="1422329999"/>
+              </p:ext>
+            </p:extLst>
+          </p:nvPr>
+        </p:nvGraphicFramePr>
+        <p:xfrm>
+          <a:off x="2882536" y="2372691"/>
+          <a:ext cx="7337617" cy="2433626"/>
+        </p:xfrm>
+        <a:graphic>
+          <a:graphicData uri="http://schemas.openxmlformats.org/drawingml/2006/table">
+            <a:tbl>
+              <a:tblPr firstRow="1" firstCol="1" bandRow="1">
+                <a:tableStyleId>{5C22544A-7EE6-4342-B048-85BDC9FD1C3A}</a:tableStyleId>
+              </a:tblPr>
+              <a:tblGrid>
+                <a:gridCol w="5070936"/>
+                <a:gridCol w="2266681"/>
+              </a:tblGrid>
+              <a:tr h="604826">
+                <a:tc>
+                  <a:txBody>
+                    <a:bodyPr/>
+                    <a:lstStyle/>
+                    <a:p>
+                      <a:pPr marL="0" marR="0" algn="ctr">
+                        <a:spcBef>
+                          <a:spcPts val="0"/>
+                        </a:spcBef>
+                        <a:spcAft>
+                          <a:spcPts val="0"/>
+                        </a:spcAft>
+                      </a:pPr>
+                      <a:r>
+                        <a:rPr lang="en-US" sz="2000" dirty="0" smtClean="0">
+                          <a:effectLst/>
+                          <a:latin typeface="+mn-lt"/>
+                        </a:rPr>
+                        <a:t>Item</a:t>
+                      </a:r>
+                      <a:r>
+                        <a:rPr lang="en-US" sz="2000" dirty="0">
+                          <a:effectLst/>
+                          <a:latin typeface="+mn-lt"/>
+                        </a:rPr>
+                        <a:t> </a:t>
+                      </a:r>
+                      <a:endParaRPr lang="en-US" sz="2000" dirty="0">
+                        <a:effectLst/>
+                        <a:latin typeface="+mn-lt"/>
+                        <a:ea typeface="Times New Roman" panose="02020603050405020304" pitchFamily="18" charset="0"/>
+                      </a:endParaRPr>
+                    </a:p>
+                  </a:txBody>
+                  <a:tcPr marL="68580" marR="68580" marT="0" marB="0" anchor="ctr"/>
+                </a:tc>
+                <a:tc>
+                  <a:txBody>
+                    <a:bodyPr/>
+                    <a:lstStyle/>
+                    <a:p>
+                      <a:pPr marL="0" marR="0" algn="ctr">
+                        <a:spcBef>
+                          <a:spcPts val="0"/>
+                        </a:spcBef>
+                        <a:spcAft>
+                          <a:spcPts val="0"/>
+                        </a:spcAft>
+                      </a:pPr>
+                      <a:r>
+                        <a:rPr lang="en-US" sz="2000" dirty="0" smtClean="0">
+                          <a:effectLst/>
+                          <a:latin typeface="+mn-lt"/>
+                          <a:ea typeface="+mn-ea"/>
+                        </a:rPr>
+                        <a:t>Total</a:t>
+                      </a:r>
+                      <a:r>
+                        <a:rPr lang="en-US" sz="2000" baseline="0" dirty="0" smtClean="0">
+                          <a:effectLst/>
+                          <a:latin typeface="+mn-lt"/>
+                          <a:ea typeface="+mn-ea"/>
+                        </a:rPr>
+                        <a:t> Price</a:t>
+                      </a:r>
+                      <a:endParaRPr lang="en-US" sz="2000" dirty="0">
+                        <a:effectLst/>
+                        <a:latin typeface="+mn-lt"/>
+                        <a:ea typeface="Times New Roman" panose="02020603050405020304" pitchFamily="18" charset="0"/>
+                      </a:endParaRPr>
+                    </a:p>
+                  </a:txBody>
+                  <a:tcPr marL="68580" marR="68580" marT="0" marB="0" anchor="ctr"/>
+                </a:tc>
+              </a:tr>
+              <a:tr h="302413">
+                <a:tc>
+                  <a:txBody>
+                    <a:bodyPr/>
+                    <a:lstStyle/>
+                    <a:p>
+                      <a:pPr marL="0" marR="0" algn="l">
+                        <a:spcBef>
+                          <a:spcPts val="0"/>
+                        </a:spcBef>
+                        <a:spcAft>
+                          <a:spcPts val="0"/>
+                        </a:spcAft>
+                      </a:pPr>
+                      <a:r>
+                        <a:rPr lang="en-US" sz="2000" dirty="0" smtClean="0">
+                          <a:effectLst/>
+                          <a:latin typeface="+mn-lt"/>
+                        </a:rPr>
+                        <a:t>Motion</a:t>
+                      </a:r>
+                      <a:r>
+                        <a:rPr lang="en-US" sz="2000" baseline="0" dirty="0" smtClean="0">
+                          <a:effectLst/>
+                          <a:latin typeface="+mn-lt"/>
+                        </a:rPr>
+                        <a:t> control</a:t>
+                      </a:r>
+                      <a:endParaRPr lang="en-US" sz="2000" dirty="0">
+                        <a:effectLst/>
+                        <a:latin typeface="+mn-lt"/>
+                        <a:ea typeface="Times New Roman" panose="02020603050405020304" pitchFamily="18" charset="0"/>
+                      </a:endParaRPr>
+                    </a:p>
+                  </a:txBody>
+                  <a:tcPr marL="68580" marR="68580" marT="0" marB="0" anchor="ctr"/>
+                </a:tc>
+                <a:tc>
+                  <a:txBody>
+                    <a:bodyPr/>
+                    <a:lstStyle/>
+                    <a:p>
+                      <a:pPr algn="r" rtl="0" fontAlgn="b"/>
+                      <a:r>
+                        <a:rPr lang="en-US" dirty="0" smtClean="0">
+                          <a:solidFill>
+                            <a:srgbClr val="000000"/>
+                          </a:solidFill>
+                          <a:effectLst/>
+                          <a:latin typeface="+mn-lt"/>
+                        </a:rPr>
+                        <a:t>$113.61</a:t>
+                      </a:r>
+                      <a:endParaRPr lang="en-US" dirty="0">
+                        <a:solidFill>
+                          <a:srgbClr val="000000"/>
+                        </a:solidFill>
+                        <a:effectLst/>
+                        <a:latin typeface="+mn-lt"/>
+                      </a:endParaRPr>
+                    </a:p>
+                  </a:txBody>
+                  <a:tcPr marL="28575" marR="28575" marT="0" marB="0" anchor="b"/>
+                </a:tc>
+              </a:tr>
+              <a:tr h="302413">
+                <a:tc>
+                  <a:txBody>
+                    <a:bodyPr/>
+                    <a:lstStyle/>
+                    <a:p>
+                      <a:pPr marL="0" marR="0" algn="l">
+                        <a:spcBef>
+                          <a:spcPts val="0"/>
+                        </a:spcBef>
+                        <a:spcAft>
+                          <a:spcPts val="0"/>
+                        </a:spcAft>
+                      </a:pPr>
+                      <a:r>
+                        <a:rPr lang="en-US" sz="2000" dirty="0" smtClean="0">
+                          <a:effectLst/>
+                          <a:latin typeface="+mn-lt"/>
+                          <a:ea typeface="Times New Roman" panose="02020603050405020304" pitchFamily="18" charset="0"/>
+                        </a:rPr>
+                        <a:t>Chassis</a:t>
+                      </a:r>
+                      <a:endParaRPr lang="en-US" sz="2000" dirty="0">
+                        <a:effectLst/>
+                        <a:latin typeface="+mn-lt"/>
+                        <a:ea typeface="Times New Roman" panose="02020603050405020304" pitchFamily="18" charset="0"/>
+                      </a:endParaRPr>
+                    </a:p>
+                  </a:txBody>
+                  <a:tcPr marL="68580" marR="68580" marT="0" marB="0" anchor="ctr"/>
+                </a:tc>
+                <a:tc>
+                  <a:txBody>
+                    <a:bodyPr/>
+                    <a:lstStyle/>
+                    <a:p>
+                      <a:pPr algn="r" rtl="0" fontAlgn="b"/>
+                      <a:r>
+                        <a:rPr lang="en-US" dirty="0" smtClean="0">
+                          <a:solidFill>
+                            <a:srgbClr val="000000"/>
+                          </a:solidFill>
+                          <a:effectLst/>
+                          <a:latin typeface="+mn-lt"/>
+                        </a:rPr>
+                        <a:t>$315.99</a:t>
+                      </a:r>
+                    </a:p>
+                  </a:txBody>
+                  <a:tcPr marL="28575" marR="28575" marT="0" marB="0" anchor="b"/>
+                </a:tc>
+              </a:tr>
+              <a:tr h="302413">
+                <a:tc>
+                  <a:txBody>
+                    <a:bodyPr/>
+                    <a:lstStyle/>
+                    <a:p>
+                      <a:pPr marL="0" marR="0" algn="l">
+                        <a:spcBef>
+                          <a:spcPts val="0"/>
+                        </a:spcBef>
+                        <a:spcAft>
+                          <a:spcPts val="0"/>
+                        </a:spcAft>
+                      </a:pPr>
+                      <a:r>
+                        <a:rPr lang="en-US" sz="2000" dirty="0" smtClean="0">
+                          <a:effectLst/>
+                          <a:latin typeface="+mn-lt"/>
+                          <a:ea typeface="Times New Roman" panose="02020603050405020304" pitchFamily="18" charset="0"/>
+                        </a:rPr>
+                        <a:t>Hardware software interface</a:t>
+                      </a:r>
+                      <a:endParaRPr lang="en-US" sz="2000" dirty="0">
+                        <a:effectLst/>
+                        <a:latin typeface="+mn-lt"/>
+                        <a:ea typeface="Times New Roman" panose="02020603050405020304" pitchFamily="18" charset="0"/>
+                      </a:endParaRPr>
+                    </a:p>
+                  </a:txBody>
+                  <a:tcPr marL="68580" marR="68580" marT="0" marB="0" anchor="ctr"/>
+                </a:tc>
+                <a:tc>
+                  <a:txBody>
+                    <a:bodyPr/>
+                    <a:lstStyle/>
+                    <a:p>
+                      <a:pPr algn="r" rtl="0" fontAlgn="b"/>
+                      <a:r>
+                        <a:rPr lang="en-US" dirty="0" smtClean="0">
+                          <a:solidFill>
+                            <a:srgbClr val="000000"/>
+                          </a:solidFill>
+                          <a:effectLst/>
+                          <a:latin typeface="+mn-lt"/>
+                        </a:rPr>
+                        <a:t>$25.97</a:t>
+                      </a:r>
+                      <a:endParaRPr lang="en-US" dirty="0">
+                        <a:solidFill>
+                          <a:srgbClr val="000000"/>
+                        </a:solidFill>
+                        <a:effectLst/>
+                        <a:latin typeface="+mn-lt"/>
+                      </a:endParaRPr>
+                    </a:p>
+                  </a:txBody>
+                  <a:tcPr marL="28575" marR="28575" marT="0" marB="0" anchor="b"/>
+                </a:tc>
+              </a:tr>
+              <a:tr h="302413">
+                <a:tc>
+                  <a:txBody>
+                    <a:bodyPr/>
+                    <a:lstStyle/>
+                    <a:p>
+                      <a:pPr marL="0" marR="0" algn="l">
+                        <a:spcBef>
+                          <a:spcPts val="0"/>
+                        </a:spcBef>
+                        <a:spcAft>
+                          <a:spcPts val="0"/>
+                        </a:spcAft>
+                      </a:pPr>
+                      <a:r>
+                        <a:rPr lang="en-US" sz="2000" dirty="0" smtClean="0">
+                          <a:effectLst/>
+                          <a:latin typeface="+mn-lt"/>
+                          <a:ea typeface="Times New Roman" panose="02020603050405020304" pitchFamily="18" charset="0"/>
+                        </a:rPr>
+                        <a:t>Motors/motor</a:t>
+                      </a:r>
+                      <a:r>
+                        <a:rPr lang="en-US" sz="2000" baseline="0" dirty="0" smtClean="0">
+                          <a:effectLst/>
+                          <a:latin typeface="+mn-lt"/>
+                          <a:ea typeface="Times New Roman" panose="02020603050405020304" pitchFamily="18" charset="0"/>
+                        </a:rPr>
+                        <a:t> control</a:t>
+                      </a:r>
+                      <a:endParaRPr lang="en-US" sz="2000" dirty="0">
+                        <a:effectLst/>
+                        <a:latin typeface="+mn-lt"/>
+                        <a:ea typeface="Times New Roman" panose="02020603050405020304" pitchFamily="18" charset="0"/>
+                      </a:endParaRPr>
+                    </a:p>
+                  </a:txBody>
+                  <a:tcPr marL="68580" marR="68580" marT="0" marB="0" anchor="ctr"/>
+                </a:tc>
+                <a:tc>
+                  <a:txBody>
+                    <a:bodyPr/>
+                    <a:lstStyle/>
+                    <a:p>
+                      <a:pPr algn="r" rtl="0" fontAlgn="b"/>
+                      <a:r>
+                        <a:rPr lang="en-US" dirty="0" smtClean="0">
+                          <a:solidFill>
+                            <a:srgbClr val="000000"/>
+                          </a:solidFill>
+                          <a:effectLst/>
+                          <a:latin typeface="+mn-lt"/>
+                        </a:rPr>
+                        <a:t>$82.83</a:t>
+                      </a:r>
+                      <a:endParaRPr lang="en-US" dirty="0">
+                        <a:solidFill>
+                          <a:srgbClr val="000000"/>
+                        </a:solidFill>
+                        <a:effectLst/>
+                        <a:latin typeface="+mn-lt"/>
+                      </a:endParaRPr>
+                    </a:p>
+                  </a:txBody>
+                  <a:tcPr marL="28575" marR="28575" marT="0" marB="0" anchor="b"/>
+                </a:tc>
+              </a:tr>
+              <a:tr h="302413">
+                <a:tc>
+                  <a:txBody>
+                    <a:bodyPr/>
+                    <a:lstStyle/>
+                    <a:p>
+                      <a:pPr marL="0" marR="0" algn="l">
+                        <a:spcBef>
+                          <a:spcPts val="0"/>
+                        </a:spcBef>
+                        <a:spcAft>
+                          <a:spcPts val="0"/>
+                        </a:spcAft>
+                      </a:pPr>
+                      <a:r>
+                        <a:rPr lang="en-US" sz="2000" b="1" kern="1200" dirty="0" err="1" smtClean="0">
+                          <a:solidFill>
+                            <a:schemeClr val="lt1"/>
+                          </a:solidFill>
+                          <a:effectLst/>
+                          <a:latin typeface="+mn-lt"/>
+                          <a:ea typeface="+mn-ea"/>
+                          <a:cs typeface="+mn-cs"/>
+                        </a:rPr>
+                        <a:t>MakerJuice</a:t>
+                      </a:r>
+                      <a:r>
+                        <a:rPr lang="en-US" sz="2000" b="1" kern="1200" dirty="0" smtClean="0">
+                          <a:solidFill>
+                            <a:schemeClr val="lt1"/>
+                          </a:solidFill>
+                          <a:effectLst/>
+                          <a:latin typeface="+mn-lt"/>
+                          <a:ea typeface="+mn-ea"/>
+                          <a:cs typeface="+mn-cs"/>
+                        </a:rPr>
+                        <a:t> </a:t>
+                      </a:r>
+                      <a:r>
+                        <a:rPr lang="en-US" sz="2000" b="1" kern="1200" dirty="0" smtClean="0">
+                          <a:solidFill>
+                            <a:schemeClr val="lt1"/>
+                          </a:solidFill>
+                          <a:effectLst/>
+                          <a:latin typeface="+mn-lt"/>
+                          <a:ea typeface="+mn-ea"/>
+                          <a:cs typeface="+mn-cs"/>
+                        </a:rPr>
+                        <a:t>resins</a:t>
+                      </a:r>
+                      <a:endParaRPr lang="en-US" sz="2000" dirty="0">
+                        <a:effectLst/>
+                        <a:latin typeface="+mn-lt"/>
+                        <a:ea typeface="Times New Roman" panose="02020603050405020304" pitchFamily="18" charset="0"/>
+                      </a:endParaRPr>
+                    </a:p>
+                  </a:txBody>
+                  <a:tcPr marL="68580" marR="68580" marT="0" marB="0" anchor="ctr"/>
+                </a:tc>
+                <a:tc>
+                  <a:txBody>
+                    <a:bodyPr/>
+                    <a:lstStyle/>
+                    <a:p>
+                      <a:pPr algn="r" rtl="0" fontAlgn="b"/>
+                      <a:r>
+                        <a:rPr lang="en-US" dirty="0">
+                          <a:solidFill>
+                            <a:srgbClr val="000000"/>
+                          </a:solidFill>
+                          <a:effectLst/>
+                        </a:rPr>
+                        <a:t>$</a:t>
+                      </a:r>
+                      <a:r>
+                        <a:rPr lang="en-US" dirty="0" smtClean="0">
+                          <a:solidFill>
+                            <a:srgbClr val="000000"/>
+                          </a:solidFill>
+                          <a:effectLst/>
+                        </a:rPr>
+                        <a:t>45.00</a:t>
+                      </a:r>
+                      <a:endParaRPr lang="en-US" dirty="0">
+                        <a:solidFill>
+                          <a:srgbClr val="000000"/>
+                        </a:solidFill>
+                        <a:effectLst/>
+                      </a:endParaRPr>
+                    </a:p>
+                  </a:txBody>
+                  <a:tcPr marL="28575" marR="28575" marT="0" marB="0" anchor="b"/>
+                </a:tc>
+              </a:tr>
+              <a:tr h="302413">
+                <a:tc>
+                  <a:txBody>
+                    <a:bodyPr/>
+                    <a:lstStyle/>
+                    <a:p>
+                      <a:pPr marL="0" marR="0" algn="r">
+                        <a:spcBef>
+                          <a:spcPts val="0"/>
+                        </a:spcBef>
+                        <a:spcAft>
+                          <a:spcPts val="0"/>
+                        </a:spcAft>
+                      </a:pPr>
+                      <a:r>
+                        <a:rPr lang="en-US" sz="2000" dirty="0" smtClean="0">
+                          <a:effectLst/>
+                          <a:latin typeface="+mn-lt"/>
+                          <a:ea typeface="Times New Roman" panose="02020603050405020304" pitchFamily="18" charset="0"/>
+                        </a:rPr>
+                        <a:t>TOTAL</a:t>
+                      </a:r>
+                      <a:endParaRPr lang="en-US" sz="2000" dirty="0">
+                        <a:effectLst/>
+                        <a:latin typeface="+mn-lt"/>
+                        <a:ea typeface="Times New Roman" panose="02020603050405020304" pitchFamily="18" charset="0"/>
+                      </a:endParaRPr>
+                    </a:p>
+                  </a:txBody>
+                  <a:tcPr marL="68580" marR="68580" marT="0" marB="0" anchor="ctr"/>
+                </a:tc>
+                <a:tc>
+                  <a:txBody>
+                    <a:bodyPr/>
+                    <a:lstStyle/>
+                    <a:p>
+                      <a:pPr marL="0" marR="0" algn="r">
+                        <a:spcBef>
+                          <a:spcPts val="0"/>
+                        </a:spcBef>
+                        <a:spcAft>
+                          <a:spcPts val="0"/>
+                        </a:spcAft>
+                      </a:pPr>
+                      <a:r>
+                        <a:rPr lang="en-US" sz="1800" dirty="0" smtClean="0">
+                          <a:effectLst/>
+                          <a:latin typeface="+mn-lt"/>
+                          <a:ea typeface="Times New Roman" panose="02020603050405020304" pitchFamily="18" charset="0"/>
+                        </a:rPr>
+                        <a:t>$602.17</a:t>
+                      </a:r>
+                      <a:endParaRPr lang="en-US" sz="1800" dirty="0">
+                        <a:effectLst/>
+                        <a:latin typeface="+mn-lt"/>
+                        <a:ea typeface="Times New Roman" panose="02020603050405020304" pitchFamily="18" charset="0"/>
+                      </a:endParaRPr>
+                    </a:p>
+                  </a:txBody>
+                  <a:tcPr marL="68580" marR="68580" marT="0" marB="0" anchor="ctr"/>
+                </a:tc>
+              </a:tr>
+            </a:tbl>
+          </a:graphicData>
+        </a:graphic>
+      </p:graphicFrame>
+      <p:sp>
+        <p:nvSpPr>
+          <p:cNvPr id="6" name="TextBox 5"/>
+          <p:cNvSpPr txBox="1"/>
+          <p:nvPr/>
+        </p:nvSpPr>
+        <p:spPr>
+          <a:xfrm>
+            <a:off x="5305427" y="1863246"/>
+            <a:ext cx="2491836" cy="369332"/>
+          </a:xfrm>
+          <a:prstGeom prst="rect">
+            <a:avLst/>
+          </a:prstGeom>
+          <a:noFill/>
+        </p:spPr>
+        <p:txBody>
+          <a:bodyPr wrap="none" rtlCol="0">
+            <a:spAutoFit/>
+          </a:bodyPr>
+          <a:lstStyle/>
+          <a:p>
+            <a:r>
+              <a:rPr lang="en-US" dirty="0" smtClean="0"/>
+              <a:t>Table </a:t>
+            </a:r>
+            <a:r>
+              <a:rPr lang="en-US" dirty="0"/>
+              <a:t>4</a:t>
+            </a:r>
+            <a:r>
+              <a:rPr lang="en-US" dirty="0" smtClean="0"/>
+              <a:t>. </a:t>
+            </a:r>
+            <a:r>
+              <a:rPr lang="en-US" dirty="0" smtClean="0"/>
+              <a:t>Subsystem Cost</a:t>
+            </a:r>
+            <a:endParaRPr lang="en-US" dirty="0"/>
+          </a:p>
+        </p:txBody>
+      </p:sp>
     </p:spTree>
     <p:extLst>
       <p:ext uri="{BB962C8B-B14F-4D97-AF65-F5344CB8AC3E}">
-        <p14:creationId xmlns:p14="http://schemas.microsoft.com/office/powerpoint/2010/main" val="4014598853"/>
+        <p14:creationId xmlns:p14="http://schemas.microsoft.com/office/powerpoint/2010/main" val="2845202061"/>
       </p:ext>
     </p:extLst>
   </p:cSld>
   <p:clrMapOvr>
     <a:masterClrMapping/>
   </p:clrMapOvr>
+  <p:timing>
+    <p:tnLst>
+      <p:par>
+        <p:cTn id="1" dur="indefinite" restart="never" nodeType="tmRoot"/>
+      </p:par>
+    </p:tnLst>
+  </p:timing>
 </p:sld>
 </file>
 
@@ -9883,16 +10354,33 @@
         </p:nvSpPr>
         <p:spPr/>
         <p:txBody>
-          <a:bodyPr>
-            <a:normAutofit/>
-          </a:bodyPr>
+          <a:bodyPr/>
           <a:lstStyle/>
           <a:p>
             <a:r>
               <a:rPr lang="en-US" dirty="0" smtClean="0"/>
-              <a:t>Timeline</a:t>
+              <a:t>Next Steps</a:t>
             </a:r>
             <a:endParaRPr lang="en-US" dirty="0"/>
+          </a:p>
+        </p:txBody>
+      </p:sp>
+      <p:sp>
+        <p:nvSpPr>
+          <p:cNvPr id="3" name="Content Placeholder 2"/>
+          <p:cNvSpPr>
+            <a:spLocks noGrp="1"/>
+          </p:cNvSpPr>
+          <p:nvPr>
+            <p:ph idx="1"/>
+          </p:nvPr>
+        </p:nvSpPr>
+        <p:spPr/>
+        <p:txBody>
+          <a:bodyPr/>
+          <a:lstStyle/>
+          <a:p>
+            <a:endParaRPr lang="en-US"/>
           </a:p>
         </p:txBody>
       </p:sp>
@@ -9922,20 +10410,13 @@
     </p:spTree>
     <p:extLst>
       <p:ext uri="{BB962C8B-B14F-4D97-AF65-F5344CB8AC3E}">
-        <p14:creationId xmlns:p14="http://schemas.microsoft.com/office/powerpoint/2010/main" val="278994164"/>
+        <p14:creationId xmlns:p14="http://schemas.microsoft.com/office/powerpoint/2010/main" val="364902407"/>
       </p:ext>
     </p:extLst>
   </p:cSld>
   <p:clrMapOvr>
     <a:masterClrMapping/>
   </p:clrMapOvr>
-  <p:timing>
-    <p:tnLst>
-      <p:par>
-        <p:cTn id="1" dur="indefinite" restart="never" nodeType="tmRoot"/>
-      </p:par>
-    </p:tnLst>
-  </p:timing>
 </p:sld>
 </file>
 
@@ -10112,509 +10593,6 @@
           <a:p>
             <a:r>
               <a:rPr lang="en-US" dirty="0" smtClean="0"/>
-              <a:t>Timeline &amp; Budget</a:t>
-            </a:r>
-            <a:endParaRPr lang="en-US" dirty="0"/>
-          </a:p>
-        </p:txBody>
-      </p:sp>
-      <p:sp>
-        <p:nvSpPr>
-          <p:cNvPr id="4" name="Slide Number Placeholder 3"/>
-          <p:cNvSpPr>
-            <a:spLocks noGrp="1"/>
-          </p:cNvSpPr>
-          <p:nvPr>
-            <p:ph type="sldNum" sz="quarter" idx="12"/>
-          </p:nvPr>
-        </p:nvSpPr>
-        <p:spPr/>
-        <p:txBody>
-          <a:bodyPr/>
-          <a:lstStyle/>
-          <a:p>
-            <a:fld id="{5C6BB475-B640-4DD3-A1AA-1CF10A44AA06}" type="slidenum">
-              <a:rPr lang="en-US" smtClean="0"/>
-              <a:t>20</a:t>
-            </a:fld>
-            <a:endParaRPr lang="en-US"/>
-          </a:p>
-        </p:txBody>
-      </p:sp>
-      <p:graphicFrame>
-        <p:nvGraphicFramePr>
-          <p:cNvPr id="5" name="Content Placeholder 1"/>
-          <p:cNvGraphicFramePr>
-            <a:graphicFrameLocks/>
-          </p:cNvGraphicFramePr>
-          <p:nvPr>
-            <p:extLst>
-              <p:ext uri="{D42A27DB-BD31-4B8C-83A1-F6EECF244321}">
-                <p14:modId xmlns:p14="http://schemas.microsoft.com/office/powerpoint/2010/main" val="2983756022"/>
-              </p:ext>
-            </p:extLst>
-          </p:nvPr>
-        </p:nvGraphicFramePr>
-        <p:xfrm>
-          <a:off x="1541989" y="2408738"/>
-          <a:ext cx="5599094" cy="1701427"/>
-        </p:xfrm>
-        <a:graphic>
-          <a:graphicData uri="http://schemas.openxmlformats.org/drawingml/2006/table">
-            <a:tbl>
-              <a:tblPr firstRow="1" firstCol="1" bandRow="1">
-                <a:tableStyleId>{5C22544A-7EE6-4342-B048-85BDC9FD1C3A}</a:tableStyleId>
-              </a:tblPr>
-              <a:tblGrid>
-                <a:gridCol w="2847068"/>
-                <a:gridCol w="1367282"/>
-                <a:gridCol w="1384744"/>
-              </a:tblGrid>
-              <a:tr h="476966">
-                <a:tc>
-                  <a:txBody>
-                    <a:bodyPr/>
-                    <a:lstStyle/>
-                    <a:p>
-                      <a:pPr marL="0" marR="0" algn="ctr">
-                        <a:spcBef>
-                          <a:spcPts val="0"/>
-                        </a:spcBef>
-                        <a:spcAft>
-                          <a:spcPts val="0"/>
-                        </a:spcAft>
-                      </a:pPr>
-                      <a:r>
-                        <a:rPr lang="en-US" sz="2000" dirty="0" smtClean="0">
-                          <a:effectLst/>
-                        </a:rPr>
-                        <a:t>Phase</a:t>
-                      </a:r>
-                      <a:endParaRPr lang="en-US" sz="2000" dirty="0">
-                        <a:effectLst/>
-                        <a:latin typeface="Times New Roman" panose="02020603050405020304" pitchFamily="18" charset="0"/>
-                        <a:ea typeface="Times New Roman" panose="02020603050405020304" pitchFamily="18" charset="0"/>
-                      </a:endParaRPr>
-                    </a:p>
-                  </a:txBody>
-                  <a:tcPr marL="68580" marR="68580" marT="0" marB="0" anchor="ctr"/>
-                </a:tc>
-                <a:tc>
-                  <a:txBody>
-                    <a:bodyPr/>
-                    <a:lstStyle/>
-                    <a:p>
-                      <a:pPr marL="0" marR="0" algn="ctr">
-                        <a:spcBef>
-                          <a:spcPts val="0"/>
-                        </a:spcBef>
-                        <a:spcAft>
-                          <a:spcPts val="0"/>
-                        </a:spcAft>
-                      </a:pPr>
-                      <a:r>
-                        <a:rPr lang="en-US" sz="2000" dirty="0" smtClean="0">
-                          <a:effectLst/>
-                        </a:rPr>
-                        <a:t>Start</a:t>
-                      </a:r>
-                      <a:r>
-                        <a:rPr lang="en-US" sz="2000" baseline="0" dirty="0" smtClean="0">
-                          <a:effectLst/>
-                        </a:rPr>
-                        <a:t> Date</a:t>
-                      </a:r>
-                      <a:endParaRPr lang="en-US" sz="2000" dirty="0">
-                        <a:effectLst/>
-                        <a:latin typeface="Times New Roman" panose="02020603050405020304" pitchFamily="18" charset="0"/>
-                        <a:ea typeface="Times New Roman" panose="02020603050405020304" pitchFamily="18" charset="0"/>
-                      </a:endParaRPr>
-                    </a:p>
-                  </a:txBody>
-                  <a:tcPr marL="68580" marR="68580" marT="0" marB="0" anchor="ctr"/>
-                </a:tc>
-                <a:tc>
-                  <a:txBody>
-                    <a:bodyPr/>
-                    <a:lstStyle/>
-                    <a:p>
-                      <a:pPr marL="0" marR="0" algn="ctr">
-                        <a:spcBef>
-                          <a:spcPts val="0"/>
-                        </a:spcBef>
-                        <a:spcAft>
-                          <a:spcPts val="0"/>
-                        </a:spcAft>
-                      </a:pPr>
-                      <a:r>
-                        <a:rPr lang="en-US" sz="2000" dirty="0" smtClean="0">
-                          <a:effectLst/>
-                        </a:rPr>
-                        <a:t>End Date</a:t>
-                      </a:r>
-                      <a:endParaRPr lang="en-US" sz="2000" dirty="0">
-                        <a:effectLst/>
-                        <a:latin typeface="Times New Roman" panose="02020603050405020304" pitchFamily="18" charset="0"/>
-                        <a:ea typeface="Times New Roman" panose="02020603050405020304" pitchFamily="18" charset="0"/>
-                      </a:endParaRPr>
-                    </a:p>
-                  </a:txBody>
-                  <a:tcPr marL="68580" marR="68580" marT="0" marB="0" anchor="ctr"/>
-                </a:tc>
-              </a:tr>
-              <a:tr h="310061">
-                <a:tc>
-                  <a:txBody>
-                    <a:bodyPr/>
-                    <a:lstStyle/>
-                    <a:p>
-                      <a:pPr marL="0" marR="0" algn="ctr">
-                        <a:spcBef>
-                          <a:spcPts val="0"/>
-                        </a:spcBef>
-                        <a:spcAft>
-                          <a:spcPts val="0"/>
-                        </a:spcAft>
-                      </a:pPr>
-                      <a:r>
-                        <a:rPr lang="en-US" sz="2000" dirty="0" smtClean="0">
-                          <a:effectLst/>
-                          <a:latin typeface="+mn-lt"/>
-                        </a:rPr>
-                        <a:t>Build</a:t>
-                      </a:r>
-                      <a:endParaRPr lang="en-US" sz="2000" dirty="0">
-                        <a:effectLst/>
-                        <a:latin typeface="+mn-lt"/>
-                        <a:ea typeface="Times New Roman" panose="02020603050405020304" pitchFamily="18" charset="0"/>
-                      </a:endParaRPr>
-                    </a:p>
-                  </a:txBody>
-                  <a:tcPr marL="68580" marR="68580" marT="0" marB="0" anchor="ctr"/>
-                </a:tc>
-                <a:tc>
-                  <a:txBody>
-                    <a:bodyPr/>
-                    <a:lstStyle/>
-                    <a:p>
-                      <a:pPr marL="0" marR="0" algn="ctr">
-                        <a:spcBef>
-                          <a:spcPts val="0"/>
-                        </a:spcBef>
-                        <a:spcAft>
-                          <a:spcPts val="0"/>
-                        </a:spcAft>
-                      </a:pPr>
-                      <a:r>
-                        <a:rPr lang="en-US" sz="2000" dirty="0" smtClean="0">
-                          <a:effectLst/>
-                          <a:latin typeface="+mn-lt"/>
-                        </a:rPr>
-                        <a:t>2014-08-18</a:t>
-                      </a:r>
-                      <a:endParaRPr lang="en-US" sz="2000" dirty="0">
-                        <a:effectLst/>
-                        <a:latin typeface="+mn-lt"/>
-                        <a:ea typeface="Times New Roman" panose="02020603050405020304" pitchFamily="18" charset="0"/>
-                      </a:endParaRPr>
-                    </a:p>
-                  </a:txBody>
-                  <a:tcPr marL="68580" marR="68580" marT="0" marB="0" anchor="ctr"/>
-                </a:tc>
-                <a:tc>
-                  <a:txBody>
-                    <a:bodyPr/>
-                    <a:lstStyle/>
-                    <a:p>
-                      <a:pPr marL="0" marR="0" algn="ctr">
-                        <a:spcBef>
-                          <a:spcPts val="0"/>
-                        </a:spcBef>
-                        <a:spcAft>
-                          <a:spcPts val="0"/>
-                        </a:spcAft>
-                      </a:pPr>
-                      <a:r>
-                        <a:rPr lang="en-US" sz="2000" dirty="0" smtClean="0">
-                          <a:effectLst/>
-                          <a:latin typeface="+mn-lt"/>
-                          <a:ea typeface="Times New Roman" panose="02020603050405020304" pitchFamily="18" charset="0"/>
-                        </a:rPr>
-                        <a:t>2014-09-26</a:t>
-                      </a:r>
-                      <a:endParaRPr lang="en-US" sz="2000" dirty="0">
-                        <a:effectLst/>
-                        <a:latin typeface="+mn-lt"/>
-                        <a:ea typeface="Times New Roman" panose="02020603050405020304" pitchFamily="18" charset="0"/>
-                      </a:endParaRPr>
-                    </a:p>
-                  </a:txBody>
-                  <a:tcPr marL="68580" marR="68580" marT="0" marB="0" anchor="ctr"/>
-                </a:tc>
-              </a:tr>
-              <a:tr h="296883">
-                <a:tc>
-                  <a:txBody>
-                    <a:bodyPr/>
-                    <a:lstStyle/>
-                    <a:p>
-                      <a:pPr marL="0" marR="0" algn="ctr">
-                        <a:spcBef>
-                          <a:spcPts val="0"/>
-                        </a:spcBef>
-                        <a:spcAft>
-                          <a:spcPts val="0"/>
-                        </a:spcAft>
-                      </a:pPr>
-                      <a:r>
-                        <a:rPr lang="en-US" sz="2000" dirty="0" smtClean="0">
-                          <a:effectLst/>
-                          <a:latin typeface="+mn-lt"/>
-                        </a:rPr>
-                        <a:t>Test</a:t>
-                      </a:r>
-                      <a:endParaRPr lang="en-US" sz="2000" dirty="0">
-                        <a:effectLst/>
-                        <a:latin typeface="+mn-lt"/>
-                        <a:ea typeface="Times New Roman" panose="02020603050405020304" pitchFamily="18" charset="0"/>
-                      </a:endParaRPr>
-                    </a:p>
-                  </a:txBody>
-                  <a:tcPr marL="68580" marR="68580" marT="0" marB="0" anchor="ctr"/>
-                </a:tc>
-                <a:tc>
-                  <a:txBody>
-                    <a:bodyPr/>
-                    <a:lstStyle/>
-                    <a:p>
-                      <a:pPr marL="0" marR="0" algn="ctr">
-                        <a:spcBef>
-                          <a:spcPts val="0"/>
-                        </a:spcBef>
-                        <a:spcAft>
-                          <a:spcPts val="0"/>
-                        </a:spcAft>
-                      </a:pPr>
-                      <a:r>
-                        <a:rPr lang="en-US" sz="2000" dirty="0" smtClean="0">
-                          <a:effectLst/>
-                          <a:latin typeface="+mn-lt"/>
-                          <a:ea typeface="+mn-ea"/>
-                        </a:rPr>
-                        <a:t>2014-09-14</a:t>
-                      </a:r>
-                      <a:endParaRPr lang="en-US" sz="2000" dirty="0">
-                        <a:effectLst/>
-                        <a:latin typeface="+mn-lt"/>
-                        <a:ea typeface="Times New Roman" panose="02020603050405020304" pitchFamily="18" charset="0"/>
-                      </a:endParaRPr>
-                    </a:p>
-                  </a:txBody>
-                  <a:tcPr marL="68580" marR="68580" marT="0" marB="0" anchor="ctr"/>
-                </a:tc>
-                <a:tc>
-                  <a:txBody>
-                    <a:bodyPr/>
-                    <a:lstStyle/>
-                    <a:p>
-                      <a:pPr marL="0" marR="0" algn="ctr">
-                        <a:spcBef>
-                          <a:spcPts val="0"/>
-                        </a:spcBef>
-                        <a:spcAft>
-                          <a:spcPts val="0"/>
-                        </a:spcAft>
-                      </a:pPr>
-                      <a:r>
-                        <a:rPr lang="en-US" sz="2000" dirty="0" smtClean="0">
-                          <a:effectLst/>
-                          <a:latin typeface="+mn-lt"/>
-                          <a:ea typeface="+mn-ea"/>
-                        </a:rPr>
-                        <a:t>2014-11-07</a:t>
-                      </a:r>
-                      <a:endParaRPr lang="en-US" sz="2000" dirty="0">
-                        <a:effectLst/>
-                        <a:latin typeface="+mn-lt"/>
-                        <a:ea typeface="Times New Roman" panose="02020603050405020304" pitchFamily="18" charset="0"/>
-                      </a:endParaRPr>
-                    </a:p>
-                  </a:txBody>
-                  <a:tcPr marL="68580" marR="68580" marT="0" marB="0" anchor="ctr"/>
-                </a:tc>
-              </a:tr>
-              <a:tr h="383969">
-                <a:tc>
-                  <a:txBody>
-                    <a:bodyPr/>
-                    <a:lstStyle/>
-                    <a:p>
-                      <a:pPr marL="0" marR="0" algn="ctr">
-                        <a:spcBef>
-                          <a:spcPts val="0"/>
-                        </a:spcBef>
-                        <a:spcAft>
-                          <a:spcPts val="0"/>
-                        </a:spcAft>
-                      </a:pPr>
-                      <a:r>
-                        <a:rPr lang="en-US" sz="2000" dirty="0" smtClean="0">
-                          <a:effectLst/>
-                          <a:latin typeface="+mn-lt"/>
-                        </a:rPr>
-                        <a:t>Documentation and Presentation</a:t>
-                      </a:r>
-                      <a:endParaRPr lang="en-US" sz="2000" dirty="0">
-                        <a:effectLst/>
-                        <a:latin typeface="+mn-lt"/>
-                        <a:ea typeface="Times New Roman" panose="02020603050405020304" pitchFamily="18" charset="0"/>
-                      </a:endParaRPr>
-                    </a:p>
-                  </a:txBody>
-                  <a:tcPr marL="68580" marR="68580" marT="0" marB="0" anchor="ctr"/>
-                </a:tc>
-                <a:tc>
-                  <a:txBody>
-                    <a:bodyPr/>
-                    <a:lstStyle/>
-                    <a:p>
-                      <a:pPr marL="0" marR="0" algn="ctr">
-                        <a:spcBef>
-                          <a:spcPts val="0"/>
-                        </a:spcBef>
-                        <a:spcAft>
-                          <a:spcPts val="0"/>
-                        </a:spcAft>
-                      </a:pPr>
-                      <a:r>
-                        <a:rPr lang="en-US" sz="2000" dirty="0" smtClean="0">
-                          <a:effectLst/>
-                          <a:latin typeface="+mn-lt"/>
-                          <a:ea typeface="+mn-ea"/>
-                        </a:rPr>
-                        <a:t>2014-11-14</a:t>
-                      </a:r>
-                      <a:endParaRPr lang="en-US" sz="2000" dirty="0">
-                        <a:effectLst/>
-                        <a:latin typeface="+mn-lt"/>
-                        <a:ea typeface="Times New Roman" panose="02020603050405020304" pitchFamily="18" charset="0"/>
-                      </a:endParaRPr>
-                    </a:p>
-                  </a:txBody>
-                  <a:tcPr marL="68580" marR="68580" marT="0" marB="0" anchor="ctr"/>
-                </a:tc>
-                <a:tc>
-                  <a:txBody>
-                    <a:bodyPr/>
-                    <a:lstStyle/>
-                    <a:p>
-                      <a:pPr marL="0" marR="0" algn="ctr">
-                        <a:spcBef>
-                          <a:spcPts val="0"/>
-                        </a:spcBef>
-                        <a:spcAft>
-                          <a:spcPts val="0"/>
-                        </a:spcAft>
-                      </a:pPr>
-                      <a:r>
-                        <a:rPr lang="en-US" sz="2000" dirty="0" smtClean="0">
-                          <a:effectLst/>
-                          <a:latin typeface="+mn-lt"/>
-                          <a:ea typeface="Times New Roman" panose="02020603050405020304" pitchFamily="18" charset="0"/>
-                        </a:rPr>
-                        <a:t>2014-12-12</a:t>
-                      </a:r>
-                      <a:endParaRPr lang="en-US" sz="2000" dirty="0">
-                        <a:effectLst/>
-                        <a:latin typeface="+mn-lt"/>
-                        <a:ea typeface="Times New Roman" panose="02020603050405020304" pitchFamily="18" charset="0"/>
-                      </a:endParaRPr>
-                    </a:p>
-                  </a:txBody>
-                  <a:tcPr marL="68580" marR="68580" marT="0" marB="0" anchor="ctr"/>
-                </a:tc>
-              </a:tr>
-            </a:tbl>
-          </a:graphicData>
-        </a:graphic>
-      </p:graphicFrame>
-      <p:sp>
-        <p:nvSpPr>
-          <p:cNvPr id="6" name="TextBox 5"/>
-          <p:cNvSpPr txBox="1"/>
-          <p:nvPr/>
-        </p:nvSpPr>
-        <p:spPr>
-          <a:xfrm>
-            <a:off x="2305634" y="1835212"/>
-            <a:ext cx="2743764" cy="369332"/>
-          </a:xfrm>
-          <a:prstGeom prst="rect">
-            <a:avLst/>
-          </a:prstGeom>
-          <a:noFill/>
-        </p:spPr>
-        <p:txBody>
-          <a:bodyPr wrap="none" rtlCol="0">
-            <a:spAutoFit/>
-          </a:bodyPr>
-          <a:lstStyle/>
-          <a:p>
-            <a:r>
-              <a:rPr lang="en-US" dirty="0" smtClean="0"/>
-              <a:t>Table 3. Proposed timeline </a:t>
-            </a:r>
-            <a:endParaRPr lang="en-US" dirty="0"/>
-          </a:p>
-        </p:txBody>
-      </p:sp>
-    </p:spTree>
-    <p:extLst>
-      <p:ext uri="{BB962C8B-B14F-4D97-AF65-F5344CB8AC3E}">
-        <p14:creationId xmlns:p14="http://schemas.microsoft.com/office/powerpoint/2010/main" val="730559000"/>
-      </p:ext>
-    </p:extLst>
-  </p:cSld>
-  <p:clrMapOvr>
-    <a:masterClrMapping/>
-  </p:clrMapOvr>
-</p:sld>
-</file>
-
-<file path=ppt/slides/slide21.xml><?xml version="1.0" encoding="utf-8"?>
-<p:sld xmlns:a="http://schemas.openxmlformats.org/drawingml/2006/main" xmlns:r="http://schemas.openxmlformats.org/officeDocument/2006/relationships" xmlns:p="http://schemas.openxmlformats.org/presentationml/2006/main">
-  <p:cSld>
-    <p:spTree>
-      <p:nvGrpSpPr>
-        <p:cNvPr id="1" name=""/>
-        <p:cNvGrpSpPr/>
-        <p:nvPr/>
-      </p:nvGrpSpPr>
-      <p:grpSpPr>
-        <a:xfrm>
-          <a:off x="0" y="0"/>
-          <a:ext cx="0" cy="0"/>
-          <a:chOff x="0" y="0"/>
-          <a:chExt cx="0" cy="0"/>
-        </a:xfrm>
-      </p:grpSpPr>
-      <p:sp>
-        <p:nvSpPr>
-          <p:cNvPr id="2" name="Title 1"/>
-          <p:cNvSpPr>
-            <a:spLocks noGrp="1"/>
-          </p:cNvSpPr>
-          <p:nvPr>
-            <p:ph type="title"/>
-          </p:nvPr>
-        </p:nvSpPr>
-        <p:spPr/>
-        <p:txBody>
-          <a:bodyPr/>
-          <a:lstStyle/>
-          <a:p>
-            <a:r>
-              <a:rPr lang="en-US" dirty="0" smtClean="0"/>
               <a:t>Summary</a:t>
             </a:r>
             <a:endParaRPr lang="en-US" dirty="0"/>
@@ -10721,7 +10699,7 @@
           <a:p>
             <a:fld id="{5C6BB475-B640-4DD3-A1AA-1CF10A44AA06}" type="slidenum">
               <a:rPr lang="en-US" smtClean="0"/>
-              <a:t>21</a:t>
+              <a:t>20</a:t>
             </a:fld>
             <a:endParaRPr lang="en-US"/>
           </a:p>
@@ -10747,7 +10725,7 @@
 </p:sld>
 </file>
 
-<file path=ppt/slides/slide22.xml><?xml version="1.0" encoding="utf-8"?>
+<file path=ppt/slides/slide21.xml><?xml version="1.0" encoding="utf-8"?>
 <p:sld xmlns:a="http://schemas.openxmlformats.org/drawingml/2006/main" xmlns:r="http://schemas.openxmlformats.org/officeDocument/2006/relationships" xmlns:p="http://schemas.openxmlformats.org/presentationml/2006/main">
   <p:cSld>
     <p:spTree>
@@ -11910,7 +11888,7 @@
             <a:fld id="{5C6BB475-B640-4DD3-A1AA-1CF10A44AA06}" type="slidenum">
               <a:rPr lang="en-US" smtClean="0"/>
               <a:pPr/>
-              <a:t>22</a:t>
+              <a:t>21</a:t>
             </a:fld>
             <a:endParaRPr lang="en-US" dirty="0"/>
           </a:p>
@@ -11936,7 +11914,7 @@
 </p:sld>
 </file>
 
-<file path=ppt/slides/slide23.xml><?xml version="1.0" encoding="utf-8"?>
+<file path=ppt/slides/slide22.xml><?xml version="1.0" encoding="utf-8"?>
 <p:sld xmlns:a="http://schemas.openxmlformats.org/drawingml/2006/main" xmlns:r="http://schemas.openxmlformats.org/officeDocument/2006/relationships" xmlns:p="http://schemas.openxmlformats.org/presentationml/2006/main">
   <p:cSld>
     <p:spTree>
@@ -12248,7 +12226,7 @@
           <a:p>
             <a:fld id="{5C6BB475-B640-4DD3-A1AA-1CF10A44AA06}" type="slidenum">
               <a:rPr lang="en-US" smtClean="0"/>
-              <a:t>23</a:t>
+              <a:t>22</a:t>
             </a:fld>
             <a:endParaRPr lang="en-US"/>
           </a:p>
@@ -12850,28 +12828,12 @@
           <a:p>
             <a:r>
               <a:rPr lang="en-US" dirty="0" smtClean="0"/>
-              <a:t>Top Down vs. Bottom Up</a:t>
-            </a:r>
-            <a:endParaRPr lang="en-US" dirty="0"/>
-          </a:p>
-        </p:txBody>
-      </p:sp>
-      <p:sp>
-        <p:nvSpPr>
-          <p:cNvPr id="3" name="Content Placeholder 2"/>
-          <p:cNvSpPr>
-            <a:spLocks noGrp="1"/>
-          </p:cNvSpPr>
-          <p:nvPr>
-            <p:ph idx="1"/>
-          </p:nvPr>
-        </p:nvSpPr>
-        <p:spPr/>
-        <p:txBody>
-          <a:bodyPr/>
-          <a:lstStyle/>
-          <a:p>
-            <a:endParaRPr lang="en-US"/>
+              <a:t>System Block </a:t>
+            </a:r>
+            <a:r>
+              <a:rPr lang="en-US" dirty="0"/>
+              <a:t>Diagram</a:t>
+            </a:r>
           </a:p>
         </p:txBody>
       </p:sp>
@@ -12893,85 +12855,6 @@
             <a:fld id="{5C6BB475-B640-4DD3-A1AA-1CF10A44AA06}" type="slidenum">
               <a:rPr lang="en-US" smtClean="0"/>
               <a:t>6</a:t>
-            </a:fld>
-            <a:endParaRPr lang="en-US"/>
-          </a:p>
-        </p:txBody>
-      </p:sp>
-    </p:spTree>
-    <p:extLst>
-      <p:ext uri="{BB962C8B-B14F-4D97-AF65-F5344CB8AC3E}">
-        <p14:creationId xmlns:p14="http://schemas.microsoft.com/office/powerpoint/2010/main" val="3047169888"/>
-      </p:ext>
-    </p:extLst>
-  </p:cSld>
-  <p:clrMapOvr>
-    <a:masterClrMapping/>
-  </p:clrMapOvr>
-</p:sld>
-</file>
-
-<file path=ppt/slides/slide7.xml><?xml version="1.0" encoding="utf-8"?>
-<p:sld xmlns:a="http://schemas.openxmlformats.org/drawingml/2006/main" xmlns:r="http://schemas.openxmlformats.org/officeDocument/2006/relationships" xmlns:p="http://schemas.openxmlformats.org/presentationml/2006/main">
-  <p:cSld>
-    <p:spTree>
-      <p:nvGrpSpPr>
-        <p:cNvPr id="1" name=""/>
-        <p:cNvGrpSpPr/>
-        <p:nvPr/>
-      </p:nvGrpSpPr>
-      <p:grpSpPr>
-        <a:xfrm>
-          <a:off x="0" y="0"/>
-          <a:ext cx="0" cy="0"/>
-          <a:chOff x="0" y="0"/>
-          <a:chExt cx="0" cy="0"/>
-        </a:xfrm>
-      </p:grpSpPr>
-      <p:sp>
-        <p:nvSpPr>
-          <p:cNvPr id="2" name="Title 1"/>
-          <p:cNvSpPr>
-            <a:spLocks noGrp="1"/>
-          </p:cNvSpPr>
-          <p:nvPr>
-            <p:ph type="title"/>
-          </p:nvPr>
-        </p:nvSpPr>
-        <p:spPr/>
-        <p:txBody>
-          <a:bodyPr/>
-          <a:lstStyle/>
-          <a:p>
-            <a:r>
-              <a:rPr lang="en-US" dirty="0" smtClean="0"/>
-              <a:t>System Block </a:t>
-            </a:r>
-            <a:r>
-              <a:rPr lang="en-US" dirty="0"/>
-              <a:t>Diagram</a:t>
-            </a:r>
-          </a:p>
-        </p:txBody>
-      </p:sp>
-      <p:sp>
-        <p:nvSpPr>
-          <p:cNvPr id="4" name="Slide Number Placeholder 3"/>
-          <p:cNvSpPr>
-            <a:spLocks noGrp="1"/>
-          </p:cNvSpPr>
-          <p:nvPr>
-            <p:ph type="sldNum" sz="quarter" idx="12"/>
-          </p:nvPr>
-        </p:nvSpPr>
-        <p:spPr/>
-        <p:txBody>
-          <a:bodyPr/>
-          <a:lstStyle/>
-          <a:p>
-            <a:fld id="{5C6BB475-B640-4DD3-A1AA-1CF10A44AA06}" type="slidenum">
-              <a:rPr lang="en-US" smtClean="0"/>
-              <a:t>7</a:t>
             </a:fld>
             <a:endParaRPr lang="en-US"/>
           </a:p>
@@ -13051,7 +12934,7 @@
 </p:sld>
 </file>
 
-<file path=ppt/slides/slide8.xml><?xml version="1.0" encoding="utf-8"?>
+<file path=ppt/slides/slide7.xml><?xml version="1.0" encoding="utf-8"?>
 <p:sld xmlns:a="http://schemas.openxmlformats.org/drawingml/2006/main" xmlns:r="http://schemas.openxmlformats.org/officeDocument/2006/relationships" xmlns:p="http://schemas.openxmlformats.org/presentationml/2006/main">
   <p:cSld>
     <p:spTree>
@@ -13108,7 +12991,7 @@
           <a:p>
             <a:fld id="{5C6BB475-B640-4DD3-A1AA-1CF10A44AA06}" type="slidenum">
               <a:rPr lang="en-US" smtClean="0"/>
-              <a:t>8</a:t>
+              <a:t>7</a:t>
             </a:fld>
             <a:endParaRPr lang="en-US"/>
           </a:p>
@@ -13437,7 +13320,7 @@
 </p:sld>
 </file>
 
-<file path=ppt/slides/slide9.xml><?xml version="1.0" encoding="utf-8"?>
+<file path=ppt/slides/slide8.xml><?xml version="1.0" encoding="utf-8"?>
 <p:sld xmlns:a="http://schemas.openxmlformats.org/drawingml/2006/main" xmlns:r="http://schemas.openxmlformats.org/officeDocument/2006/relationships" xmlns:p="http://schemas.openxmlformats.org/presentationml/2006/main">
   <p:cSld>
     <p:spTree>
@@ -13552,7 +13435,7 @@
           <a:p>
             <a:fld id="{5C6BB475-B640-4DD3-A1AA-1CF10A44AA06}" type="slidenum">
               <a:rPr lang="en-US" smtClean="0"/>
-              <a:t>9</a:t>
+              <a:t>8</a:t>
             </a:fld>
             <a:endParaRPr lang="en-US"/>
           </a:p>
@@ -13652,6 +13535,168 @@
       </p:par>
     </p:tnLst>
   </p:timing>
+</p:sld>
+</file>
+
+<file path=ppt/slides/slide9.xml><?xml version="1.0" encoding="utf-8"?>
+<p:sld xmlns:a="http://schemas.openxmlformats.org/drawingml/2006/main" xmlns:r="http://schemas.openxmlformats.org/officeDocument/2006/relationships" xmlns:p="http://schemas.openxmlformats.org/presentationml/2006/main">
+  <p:cSld>
+    <p:spTree>
+      <p:nvGrpSpPr>
+        <p:cNvPr id="1" name=""/>
+        <p:cNvGrpSpPr/>
+        <p:nvPr/>
+      </p:nvGrpSpPr>
+      <p:grpSpPr>
+        <a:xfrm>
+          <a:off x="0" y="0"/>
+          <a:ext cx="0" cy="0"/>
+          <a:chOff x="0" y="0"/>
+          <a:chExt cx="0" cy="0"/>
+        </a:xfrm>
+      </p:grpSpPr>
+      <p:sp>
+        <p:nvSpPr>
+          <p:cNvPr id="2" name="Title 1"/>
+          <p:cNvSpPr>
+            <a:spLocks noGrp="1"/>
+          </p:cNvSpPr>
+          <p:nvPr>
+            <p:ph type="title"/>
+          </p:nvPr>
+        </p:nvSpPr>
+        <p:spPr/>
+        <p:txBody>
+          <a:bodyPr/>
+          <a:lstStyle/>
+          <a:p>
+            <a:r>
+              <a:rPr lang="en-US" dirty="0" smtClean="0"/>
+              <a:t>Current Prototype </a:t>
+            </a:r>
+            <a:endParaRPr lang="en-US" dirty="0"/>
+          </a:p>
+        </p:txBody>
+      </p:sp>
+      <p:pic>
+        <p:nvPicPr>
+          <p:cNvPr id="5" name="Content Placeholder 4"/>
+          <p:cNvPicPr>
+            <a:picLocks noGrp="1" noChangeAspect="1"/>
+          </p:cNvPicPr>
+          <p:nvPr>
+            <p:ph idx="1"/>
+          </p:nvPr>
+        </p:nvPicPr>
+        <p:blipFill rotWithShape="1">
+          <a:blip r:embed="rId2">
+            <a:extLst>
+              <a:ext uri="{28A0092B-C50C-407E-A947-70E740481C1C}">
+                <a14:useLocalDpi xmlns:a14="http://schemas.microsoft.com/office/drawing/2010/main" val="0"/>
+              </a:ext>
+            </a:extLst>
+          </a:blip>
+          <a:srcRect l="36248" r="38167"/>
+          <a:stretch/>
+        </p:blipFill>
+        <p:spPr>
+          <a:xfrm>
+            <a:off x="2215757" y="1477867"/>
+            <a:ext cx="1991154" cy="4389263"/>
+          </a:xfrm>
+        </p:spPr>
+      </p:pic>
+      <p:sp>
+        <p:nvSpPr>
+          <p:cNvPr id="4" name="Slide Number Placeholder 3"/>
+          <p:cNvSpPr>
+            <a:spLocks noGrp="1"/>
+          </p:cNvSpPr>
+          <p:nvPr>
+            <p:ph type="sldNum" sz="quarter" idx="12"/>
+          </p:nvPr>
+        </p:nvSpPr>
+        <p:spPr/>
+        <p:txBody>
+          <a:bodyPr/>
+          <a:lstStyle/>
+          <a:p>
+            <a:fld id="{5C6BB475-B640-4DD3-A1AA-1CF10A44AA06}" type="slidenum">
+              <a:rPr lang="en-US" smtClean="0"/>
+              <a:t>9</a:t>
+            </a:fld>
+            <a:endParaRPr lang="en-US"/>
+          </a:p>
+        </p:txBody>
+      </p:sp>
+      <p:pic>
+        <p:nvPicPr>
+          <p:cNvPr id="6" name="Picture 5"/>
+          <p:cNvPicPr>
+            <a:picLocks noChangeAspect="1"/>
+          </p:cNvPicPr>
+          <p:nvPr/>
+        </p:nvPicPr>
+        <p:blipFill rotWithShape="1">
+          <a:blip r:embed="rId3">
+            <a:extLst>
+              <a:ext uri="{28A0092B-C50C-407E-A947-70E740481C1C}">
+                <a14:useLocalDpi xmlns:a14="http://schemas.microsoft.com/office/drawing/2010/main" val="0"/>
+              </a:ext>
+            </a:extLst>
+          </a:blip>
+          <a:srcRect l="27989" r="43223"/>
+          <a:stretch/>
+        </p:blipFill>
+        <p:spPr>
+          <a:xfrm>
+            <a:off x="8457647" y="1477867"/>
+            <a:ext cx="2240402" cy="4389263"/>
+          </a:xfrm>
+          <a:prstGeom prst="rect">
+            <a:avLst/>
+          </a:prstGeom>
+        </p:spPr>
+      </p:pic>
+      <p:pic>
+        <p:nvPicPr>
+          <p:cNvPr id="7" name="Picture 6"/>
+          <p:cNvPicPr>
+            <a:picLocks noChangeAspect="1"/>
+          </p:cNvPicPr>
+          <p:nvPr/>
+        </p:nvPicPr>
+        <p:blipFill rotWithShape="1">
+          <a:blip r:embed="rId4" cstate="print">
+            <a:extLst>
+              <a:ext uri="{28A0092B-C50C-407E-A947-70E740481C1C}">
+                <a14:useLocalDpi xmlns:a14="http://schemas.microsoft.com/office/drawing/2010/main" val="0"/>
+              </a:ext>
+            </a:extLst>
+          </a:blip>
+          <a:srcRect l="35646" r="34051"/>
+          <a:stretch/>
+        </p:blipFill>
+        <p:spPr>
+          <a:xfrm>
+            <a:off x="5139175" y="1477868"/>
+            <a:ext cx="2364586" cy="4389262"/>
+          </a:xfrm>
+          <a:prstGeom prst="rect">
+            <a:avLst/>
+          </a:prstGeom>
+        </p:spPr>
+      </p:pic>
+    </p:spTree>
+    <p:extLst>
+      <p:ext uri="{BB962C8B-B14F-4D97-AF65-F5344CB8AC3E}">
+        <p14:creationId xmlns:p14="http://schemas.microsoft.com/office/powerpoint/2010/main" val="2538826317"/>
+      </p:ext>
+    </p:extLst>
+  </p:cSld>
+  <p:clrMapOvr>
+    <a:masterClrMapping/>
+  </p:clrMapOvr>
 </p:sld>
 </file>
 
@@ -14173,18 +14218,18 @@
 </file>
 
 <file path=customXml/item1.xml><?xml version="1.0" encoding="utf-8"?>
+<p:properties xmlns:p="http://schemas.microsoft.com/office/2006/metadata/properties" xmlns:xsi="http://www.w3.org/2001/XMLSchema-instance" xmlns:pc="http://schemas.microsoft.com/office/infopath/2007/PartnerControls">
+  <documentManagement/>
+</p:properties>
+</file>
+
+<file path=customXml/item2.xml><?xml version="1.0" encoding="utf-8"?>
 <?mso-contentType ?>
 <FormTemplates xmlns="http://schemas.microsoft.com/sharepoint/v3/contenttype/forms">
   <Display>DocumentLibraryForm</Display>
   <Edit>DocumentLibraryForm</Edit>
   <New>DocumentLibraryForm</New>
 </FormTemplates>
-</file>
-
-<file path=customXml/item2.xml><?xml version="1.0" encoding="utf-8"?>
-<p:properties xmlns:p="http://schemas.microsoft.com/office/2006/metadata/properties" xmlns:xsi="http://www.w3.org/2001/XMLSchema-instance" xmlns:pc="http://schemas.microsoft.com/office/infopath/2007/PartnerControls">
-  <documentManagement/>
-</p:properties>
 </file>
 
 <file path=customXml/item3.xml><?xml version="1.0" encoding="utf-8"?>
@@ -14328,18 +14373,18 @@
 </file>
 
 <file path=customXml/itemProps1.xml><?xml version="1.0" encoding="utf-8"?>
-<ds:datastoreItem xmlns:ds="http://schemas.openxmlformats.org/officeDocument/2006/customXml" ds:itemID="{A1EF12E8-B070-4F5F-9BD0-CEE0E7C075D0}">
+<ds:datastoreItem xmlns:ds="http://schemas.openxmlformats.org/officeDocument/2006/customXml" ds:itemID="{7D5E529B-E2B8-4FF4-96DC-717B6A9731D6}">
   <ds:schemaRefs>
-    <ds:schemaRef ds:uri="http://schemas.microsoft.com/sharepoint/v3/contenttype/forms"/>
+    <ds:schemaRef ds:uri="http://schemas.microsoft.com/office/2006/metadata/properties"/>
+    <ds:schemaRef ds:uri="http://schemas.microsoft.com/office/infopath/2007/PartnerControls"/>
   </ds:schemaRefs>
 </ds:datastoreItem>
 </file>
 
 <file path=customXml/itemProps2.xml><?xml version="1.0" encoding="utf-8"?>
-<ds:datastoreItem xmlns:ds="http://schemas.openxmlformats.org/officeDocument/2006/customXml" ds:itemID="{7D5E529B-E2B8-4FF4-96DC-717B6A9731D6}">
+<ds:datastoreItem xmlns:ds="http://schemas.openxmlformats.org/officeDocument/2006/customXml" ds:itemID="{A1EF12E8-B070-4F5F-9BD0-CEE0E7C075D0}">
   <ds:schemaRefs>
-    <ds:schemaRef ds:uri="http://schemas.microsoft.com/office/2006/metadata/properties"/>
-    <ds:schemaRef ds:uri="http://schemas.microsoft.com/office/infopath/2007/PartnerControls"/>
+    <ds:schemaRef ds:uri="http://schemas.microsoft.com/sharepoint/v3/contenttype/forms"/>
   </ds:schemaRefs>
 </ds:datastoreItem>
 </file>

--- a/Presentations/DesignPres/DesignPres-75.pptx
+++ b/Presentations/DesignPres/DesignPres-75.pptx
@@ -5,7 +5,7 @@
     <p:sldMasterId id="2147483678" r:id="rId4"/>
   </p:sldMasterIdLst>
   <p:notesMasterIdLst>
-    <p:notesMasterId r:id="rId27"/>
+    <p:notesMasterId r:id="rId25"/>
   </p:notesMasterIdLst>
   <p:sldIdLst>
     <p:sldId id="256" r:id="rId5"/>
@@ -13,23 +13,21 @@
     <p:sldId id="272" r:id="rId7"/>
     <p:sldId id="294" r:id="rId8"/>
     <p:sldId id="292" r:id="rId9"/>
-    <p:sldId id="265" r:id="rId10"/>
-    <p:sldId id="293" r:id="rId11"/>
-    <p:sldId id="299" r:id="rId12"/>
-    <p:sldId id="300" r:id="rId13"/>
-    <p:sldId id="297" r:id="rId14"/>
-    <p:sldId id="298" r:id="rId15"/>
-    <p:sldId id="283" r:id="rId16"/>
-    <p:sldId id="284" r:id="rId17"/>
-    <p:sldId id="285" r:id="rId18"/>
-    <p:sldId id="296" r:id="rId19"/>
-    <p:sldId id="287" r:id="rId20"/>
-    <p:sldId id="288" r:id="rId21"/>
-    <p:sldId id="302" r:id="rId22"/>
-    <p:sldId id="301" r:id="rId23"/>
-    <p:sldId id="278" r:id="rId24"/>
-    <p:sldId id="295" r:id="rId25"/>
-    <p:sldId id="270" r:id="rId26"/>
+    <p:sldId id="293" r:id="rId10"/>
+    <p:sldId id="299" r:id="rId11"/>
+    <p:sldId id="300" r:id="rId12"/>
+    <p:sldId id="297" r:id="rId13"/>
+    <p:sldId id="298" r:id="rId14"/>
+    <p:sldId id="283" r:id="rId15"/>
+    <p:sldId id="305" r:id="rId16"/>
+    <p:sldId id="296" r:id="rId17"/>
+    <p:sldId id="307" r:id="rId18"/>
+    <p:sldId id="303" r:id="rId19"/>
+    <p:sldId id="304" r:id="rId20"/>
+    <p:sldId id="302" r:id="rId21"/>
+    <p:sldId id="306" r:id="rId22"/>
+    <p:sldId id="278" r:id="rId23"/>
+    <p:sldId id="295" r:id="rId24"/>
   </p:sldIdLst>
   <p:sldSz cx="12192000" cy="6858000"/>
   <p:notesSz cx="6858000" cy="9144000"/>
@@ -621,11 +619,11 @@
         </c:dLbls>
         <c:bubbleScale val="100"/>
         <c:showNegBubbles val="0"/>
-        <c:axId val="1277468000"/>
-        <c:axId val="1277469088"/>
+        <c:axId val="-1337821952"/>
+        <c:axId val="-1337820320"/>
       </c:bubbleChart>
       <c:valAx>
-        <c:axId val="1277468000"/>
+        <c:axId val="-1337821952"/>
         <c:scaling>
           <c:orientation val="minMax"/>
           <c:min val="0"/>
@@ -745,12 +743,12 @@
             <a:endParaRPr lang="en-US"/>
           </a:p>
         </c:txPr>
-        <c:crossAx val="1277469088"/>
+        <c:crossAx val="-1337820320"/>
         <c:crosses val="autoZero"/>
         <c:crossBetween val="midCat"/>
       </c:valAx>
       <c:valAx>
-        <c:axId val="1277469088"/>
+        <c:axId val="-1337820320"/>
         <c:scaling>
           <c:orientation val="minMax"/>
           <c:max val="3500"/>
@@ -868,7 +866,7 @@
             <a:endParaRPr lang="en-US"/>
           </a:p>
         </c:txPr>
-        <c:crossAx val="1277468000"/>
+        <c:crossAx val="-1337821952"/>
         <c:crosses val="autoZero"/>
         <c:crossBetween val="midCat"/>
       </c:valAx>
@@ -2175,7 +2173,7 @@
             <a:fld id="{23782511-E6CA-4337-83DD-3F4EDFA36EC0}" type="slidenum">
               <a:rPr lang="en-US" smtClean="0"/>
               <a:pPr/>
-              <a:t>10</a:t>
+              <a:t>9</a:t>
             </a:fld>
             <a:endParaRPr lang="en-US" dirty="0"/>
           </a:p>
@@ -2475,7 +2473,7 @@
             <a:fld id="{23782511-E6CA-4337-83DD-3F4EDFA36EC0}" type="slidenum">
               <a:rPr lang="en-US" smtClean="0"/>
               <a:pPr/>
-              <a:t>11</a:t>
+              <a:t>10</a:t>
             </a:fld>
             <a:endParaRPr lang="en-US" dirty="0"/>
           </a:p>
@@ -2485,6 +2483,206 @@
     <p:extLst>
       <p:ext uri="{BB962C8B-B14F-4D97-AF65-F5344CB8AC3E}">
         <p14:creationId xmlns:p14="http://schemas.microsoft.com/office/powerpoint/2010/main" val="1305589058"/>
+      </p:ext>
+    </p:extLst>
+  </p:cSld>
+  <p:clrMapOvr>
+    <a:masterClrMapping/>
+  </p:clrMapOvr>
+</p:notes>
+</file>
+
+<file path=ppt/notesSlides/notesSlide4.xml><?xml version="1.0" encoding="utf-8"?>
+<p:notes xmlns:a="http://schemas.openxmlformats.org/drawingml/2006/main" xmlns:r="http://schemas.openxmlformats.org/officeDocument/2006/relationships" xmlns:p="http://schemas.openxmlformats.org/presentationml/2006/main" showMasterSp="0" showMasterPhAnim="0">
+  <p:cSld>
+    <p:spTree>
+      <p:nvGrpSpPr>
+        <p:cNvPr id="1" name="Shape 229"/>
+        <p:cNvGrpSpPr/>
+        <p:nvPr/>
+      </p:nvGrpSpPr>
+      <p:grpSpPr>
+        <a:xfrm>
+          <a:off x="0" y="0"/>
+          <a:ext cx="0" cy="0"/>
+          <a:chOff x="0" y="0"/>
+          <a:chExt cx="0" cy="0"/>
+        </a:xfrm>
+      </p:grpSpPr>
+      <p:sp>
+        <p:nvSpPr>
+          <p:cNvPr id="230" name="Shape 230"/>
+          <p:cNvSpPr txBox="1">
+            <a:spLocks noGrp="1"/>
+          </p:cNvSpPr>
+          <p:nvPr>
+            <p:ph type="body" idx="1"/>
+          </p:nvPr>
+        </p:nvSpPr>
+        <p:spPr>
+          <a:xfrm>
+            <a:off x="685800" y="4400550"/>
+            <a:ext cx="5486399" cy="3600450"/>
+          </a:xfrm>
+          <a:prstGeom prst="rect">
+            <a:avLst/>
+          </a:prstGeom>
+        </p:spPr>
+        <p:txBody>
+          <a:bodyPr lIns="91425" tIns="91425" rIns="91425" bIns="91425" anchor="t" anchorCtr="0">
+            <a:noAutofit/>
+          </a:bodyPr>
+          <a:lstStyle/>
+          <a:p>
+            <a:pPr>
+              <a:spcBef>
+                <a:spcPts val="0"/>
+              </a:spcBef>
+              <a:buNone/>
+            </a:pPr>
+            <a:endParaRPr/>
+          </a:p>
+        </p:txBody>
+      </p:sp>
+      <p:sp>
+        <p:nvSpPr>
+          <p:cNvPr id="231" name="Shape 231"/>
+          <p:cNvSpPr>
+            <a:spLocks noGrp="1" noRot="1" noChangeAspect="1"/>
+          </p:cNvSpPr>
+          <p:nvPr>
+            <p:ph type="sldImg" idx="2"/>
+          </p:nvPr>
+        </p:nvSpPr>
+        <p:spPr>
+          <a:xfrm>
+            <a:off x="685800" y="1143000"/>
+            <a:ext cx="5486400" cy="3086100"/>
+          </a:xfrm>
+          <a:custGeom>
+            <a:avLst/>
+            <a:gdLst/>
+            <a:ahLst/>
+            <a:cxnLst/>
+            <a:rect l="0" t="0" r="0" b="0"/>
+            <a:pathLst>
+              <a:path w="120000" h="120000" extrusionOk="0">
+                <a:moveTo>
+                  <a:pt x="0" y="0"/>
+                </a:moveTo>
+                <a:lnTo>
+                  <a:pt x="120000" y="0"/>
+                </a:lnTo>
+                <a:lnTo>
+                  <a:pt x="120000" y="120000"/>
+                </a:lnTo>
+                <a:lnTo>
+                  <a:pt x="0" y="120000"/>
+                </a:lnTo>
+                <a:close/>
+              </a:path>
+            </a:pathLst>
+          </a:custGeom>
+          <a:noFill/>
+          <a:ln w="9525" cap="flat">
+            <a:solidFill>
+              <a:srgbClr val="000000"/>
+            </a:solidFill>
+            <a:prstDash val="solid"/>
+            <a:round/>
+            <a:headEnd type="none" w="med" len="med"/>
+            <a:tailEnd type="none" w="med" len="med"/>
+          </a:ln>
+        </p:spPr>
+      </p:sp>
+    </p:spTree>
+    <p:extLst>
+      <p:ext uri="{BB962C8B-B14F-4D97-AF65-F5344CB8AC3E}">
+        <p14:creationId xmlns:p14="http://schemas.microsoft.com/office/powerpoint/2010/main" val="1179150737"/>
+      </p:ext>
+    </p:extLst>
+  </p:cSld>
+  <p:clrMapOvr>
+    <a:masterClrMapping/>
+  </p:clrMapOvr>
+</p:notes>
+</file>
+
+<file path=ppt/notesSlides/notesSlide5.xml><?xml version="1.0" encoding="utf-8"?>
+<p:notes xmlns:a="http://schemas.openxmlformats.org/drawingml/2006/main" xmlns:r="http://schemas.openxmlformats.org/officeDocument/2006/relationships" xmlns:p="http://schemas.openxmlformats.org/presentationml/2006/main">
+  <p:cSld>
+    <p:spTree>
+      <p:nvGrpSpPr>
+        <p:cNvPr id="1" name=""/>
+        <p:cNvGrpSpPr/>
+        <p:nvPr/>
+      </p:nvGrpSpPr>
+      <p:grpSpPr>
+        <a:xfrm>
+          <a:off x="0" y="0"/>
+          <a:ext cx="0" cy="0"/>
+          <a:chOff x="0" y="0"/>
+          <a:chExt cx="0" cy="0"/>
+        </a:xfrm>
+      </p:grpSpPr>
+      <p:sp>
+        <p:nvSpPr>
+          <p:cNvPr id="2" name="Slide Image Placeholder 1"/>
+          <p:cNvSpPr>
+            <a:spLocks noGrp="1" noRot="1" noChangeAspect="1"/>
+          </p:cNvSpPr>
+          <p:nvPr>
+            <p:ph type="sldImg"/>
+          </p:nvPr>
+        </p:nvSpPr>
+        <p:spPr/>
+      </p:sp>
+      <p:sp>
+        <p:nvSpPr>
+          <p:cNvPr id="3" name="Notes Placeholder 2"/>
+          <p:cNvSpPr>
+            <a:spLocks noGrp="1"/>
+          </p:cNvSpPr>
+          <p:nvPr>
+            <p:ph type="body" idx="1"/>
+          </p:nvPr>
+        </p:nvSpPr>
+        <p:spPr/>
+        <p:txBody>
+          <a:bodyPr/>
+          <a:lstStyle/>
+          <a:p>
+            <a:endParaRPr lang="en-US"/>
+          </a:p>
+        </p:txBody>
+      </p:sp>
+      <p:sp>
+        <p:nvSpPr>
+          <p:cNvPr id="4" name="Slide Number Placeholder 3"/>
+          <p:cNvSpPr>
+            <a:spLocks noGrp="1"/>
+          </p:cNvSpPr>
+          <p:nvPr>
+            <p:ph type="sldNum" sz="quarter" idx="10"/>
+          </p:nvPr>
+        </p:nvSpPr>
+        <p:spPr/>
+        <p:txBody>
+          <a:bodyPr/>
+          <a:lstStyle/>
+          <a:p>
+            <a:fld id="{23782511-E6CA-4337-83DD-3F4EDFA36EC0}" type="slidenum">
+              <a:rPr lang="en-US" smtClean="0"/>
+              <a:t>15</a:t>
+            </a:fld>
+            <a:endParaRPr lang="en-US"/>
+          </a:p>
+        </p:txBody>
+      </p:sp>
+    </p:spTree>
+    <p:extLst>
+      <p:ext uri="{BB962C8B-B14F-4D97-AF65-F5344CB8AC3E}">
+        <p14:creationId xmlns:p14="http://schemas.microsoft.com/office/powerpoint/2010/main" val="2625203144"/>
       </p:ext>
     </p:extLst>
   </p:cSld>
@@ -8653,8 +8851,12 @@
           </a:p>
           <a:p>
             <a:r>
+              <a:rPr lang="en-US" dirty="0"/>
+              <a:t>Nathaniel Tyler (</a:t>
+            </a:r>
+            <a:r>
               <a:rPr lang="en-US" dirty="0" smtClean="0"/>
-              <a:t>Jeffrey </a:t>
+              <a:t>ME), Jeffrey </a:t>
             </a:r>
             <a:r>
               <a:rPr lang="en-US" dirty="0"/>
@@ -8662,7 +8864,7 @@
             </a:r>
             <a:r>
               <a:rPr lang="en-US" dirty="0" smtClean="0"/>
-              <a:t>PM </a:t>
+              <a:t>PM</a:t>
             </a:r>
             <a:endParaRPr lang="en-US" dirty="0"/>
           </a:p>
@@ -8740,157 +8942,6 @@
         </p:nvSpPr>
         <p:spPr/>
         <p:txBody>
-          <a:bodyPr/>
-          <a:lstStyle/>
-          <a:p>
-            <a:r>
-              <a:rPr lang="en-US" dirty="0" smtClean="0"/>
-              <a:t>Technical Drawings/Title Block</a:t>
-            </a:r>
-            <a:endParaRPr lang="en-US" dirty="0"/>
-          </a:p>
-        </p:txBody>
-      </p:sp>
-      <p:sp>
-        <p:nvSpPr>
-          <p:cNvPr id="3" name="Content Placeholder 2"/>
-          <p:cNvSpPr>
-            <a:spLocks noGrp="1"/>
-          </p:cNvSpPr>
-          <p:nvPr>
-            <p:ph idx="1"/>
-          </p:nvPr>
-        </p:nvSpPr>
-        <p:spPr>
-          <a:xfrm>
-            <a:off x="1541989" y="1629637"/>
-            <a:ext cx="10018713" cy="1321382"/>
-          </a:xfrm>
-        </p:spPr>
-        <p:txBody>
-          <a:bodyPr>
-            <a:normAutofit fontScale="85000" lnSpcReduction="20000"/>
-          </a:bodyPr>
-          <a:lstStyle/>
-          <a:p>
-            <a:r>
-              <a:rPr lang="en-US" dirty="0" smtClean="0"/>
-              <a:t>The Coupler was GD&amp;T according to ISO standards. </a:t>
-            </a:r>
-          </a:p>
-          <a:p>
-            <a:r>
-              <a:rPr lang="en-US" dirty="0"/>
-              <a:t>A Title Block was created for the Open Source Hardware </a:t>
-            </a:r>
-            <a:r>
-              <a:rPr lang="en-US" dirty="0" smtClean="0"/>
-              <a:t>Community</a:t>
-            </a:r>
-          </a:p>
-          <a:p>
-            <a:pPr marL="0" indent="0">
-              <a:buNone/>
-            </a:pPr>
-            <a:endParaRPr lang="en-US" dirty="0"/>
-          </a:p>
-        </p:txBody>
-      </p:sp>
-      <p:sp>
-        <p:nvSpPr>
-          <p:cNvPr id="4" name="Slide Number Placeholder 3"/>
-          <p:cNvSpPr>
-            <a:spLocks noGrp="1"/>
-          </p:cNvSpPr>
-          <p:nvPr>
-            <p:ph type="sldNum" sz="quarter" idx="12"/>
-          </p:nvPr>
-        </p:nvSpPr>
-        <p:spPr/>
-        <p:txBody>
-          <a:bodyPr/>
-          <a:lstStyle/>
-          <a:p>
-            <a:fld id="{5C6BB475-B640-4DD3-A1AA-1CF10A44AA06}" type="slidenum">
-              <a:rPr lang="en-US" smtClean="0"/>
-              <a:pPr/>
-              <a:t>10</a:t>
-            </a:fld>
-            <a:endParaRPr lang="en-US" dirty="0"/>
-          </a:p>
-        </p:txBody>
-      </p:sp>
-      <p:pic>
-        <p:nvPicPr>
-          <p:cNvPr id="5" name="Picture 4"/>
-          <p:cNvPicPr>
-            <a:picLocks noChangeAspect="1"/>
-          </p:cNvPicPr>
-          <p:nvPr/>
-        </p:nvPicPr>
-        <p:blipFill rotWithShape="1">
-          <a:blip r:embed="rId3" cstate="print">
-            <a:extLst>
-              <a:ext uri="{28A0092B-C50C-407E-A947-70E740481C1C}">
-                <a14:useLocalDpi xmlns:a14="http://schemas.microsoft.com/office/drawing/2010/main" val="0"/>
-              </a:ext>
-            </a:extLst>
-          </a:blip>
-          <a:srcRect l="50250" t="77424" r="1936" b="3030"/>
-          <a:stretch/>
-        </p:blipFill>
-        <p:spPr>
-          <a:xfrm>
-            <a:off x="1690254" y="2770660"/>
-            <a:ext cx="10130285" cy="2923505"/>
-          </a:xfrm>
-          <a:prstGeom prst="rect">
-            <a:avLst/>
-          </a:prstGeom>
-        </p:spPr>
-      </p:pic>
-    </p:spTree>
-    <p:extLst>
-      <p:ext uri="{BB962C8B-B14F-4D97-AF65-F5344CB8AC3E}">
-        <p14:creationId xmlns:p14="http://schemas.microsoft.com/office/powerpoint/2010/main" val="4023824264"/>
-      </p:ext>
-    </p:extLst>
-  </p:cSld>
-  <p:clrMapOvr>
-    <a:masterClrMapping/>
-  </p:clrMapOvr>
-</p:sld>
-</file>
-
-<file path=ppt/slides/slide11.xml><?xml version="1.0" encoding="utf-8"?>
-<p:sld xmlns:a="http://schemas.openxmlformats.org/drawingml/2006/main" xmlns:r="http://schemas.openxmlformats.org/officeDocument/2006/relationships" xmlns:p="http://schemas.openxmlformats.org/presentationml/2006/main">
-  <p:cSld>
-    <p:spTree>
-      <p:nvGrpSpPr>
-        <p:cNvPr id="1" name=""/>
-        <p:cNvGrpSpPr/>
-        <p:nvPr/>
-      </p:nvGrpSpPr>
-      <p:grpSpPr>
-        <a:xfrm>
-          <a:off x="0" y="0"/>
-          <a:ext cx="0" cy="0"/>
-          <a:chOff x="0" y="0"/>
-          <a:chExt cx="0" cy="0"/>
-        </a:xfrm>
-      </p:grpSpPr>
-      <p:sp>
-        <p:nvSpPr>
-          <p:cNvPr id="2" name="Title 1"/>
-          <p:cNvSpPr>
-            <a:spLocks noGrp="1"/>
-          </p:cNvSpPr>
-          <p:nvPr>
-            <p:ph type="title"/>
-          </p:nvPr>
-        </p:nvSpPr>
-        <p:spPr/>
-        <p:txBody>
           <a:bodyPr>
             <a:normAutofit/>
           </a:bodyPr>
@@ -8957,7 +9008,7 @@
             <a:fld id="{5C6BB475-B640-4DD3-A1AA-1CF10A44AA06}" type="slidenum">
               <a:rPr lang="en-US" smtClean="0"/>
               <a:pPr/>
-              <a:t>11</a:t>
+              <a:t>10</a:t>
             </a:fld>
             <a:endParaRPr lang="en-US" dirty="0"/>
           </a:p>
@@ -9048,7 +9099,7 @@
 </p:sld>
 </file>
 
-<file path=ppt/slides/slide12.xml><?xml version="1.0" encoding="utf-8"?>
+<file path=ppt/slides/slide11.xml><?xml version="1.0" encoding="utf-8"?>
 <p:sld xmlns:a="http://schemas.openxmlformats.org/drawingml/2006/main" xmlns:r="http://schemas.openxmlformats.org/officeDocument/2006/relationships" xmlns:p="http://schemas.openxmlformats.org/presentationml/2006/main">
   <p:cSld>
     <p:spTree>
@@ -9090,12 +9141,12 @@
       </p:sp>
       <p:sp>
         <p:nvSpPr>
-          <p:cNvPr id="3" name="Content Placeholder 2"/>
-          <p:cNvSpPr>
-            <a:spLocks noGrp="1"/>
-          </p:cNvSpPr>
-          <p:nvPr>
-            <p:ph idx="1"/>
+          <p:cNvPr id="4" name="Slide Number Placeholder 3"/>
+          <p:cNvSpPr>
+            <a:spLocks noGrp="1"/>
+          </p:cNvSpPr>
+          <p:nvPr>
+            <p:ph type="sldNum" sz="quarter" idx="12"/>
           </p:nvPr>
         </p:nvSpPr>
         <p:spPr/>
@@ -9103,33 +9154,38 @@
           <a:bodyPr/>
           <a:lstStyle/>
           <a:p>
-            <a:endParaRPr lang="en-US"/>
-          </a:p>
-        </p:txBody>
-      </p:sp>
-      <p:sp>
-        <p:nvSpPr>
-          <p:cNvPr id="4" name="Slide Number Placeholder 3"/>
-          <p:cNvSpPr>
-            <a:spLocks noGrp="1"/>
-          </p:cNvSpPr>
-          <p:nvPr>
-            <p:ph type="sldNum" sz="quarter" idx="12"/>
-          </p:nvPr>
-        </p:nvSpPr>
-        <p:spPr/>
-        <p:txBody>
-          <a:bodyPr/>
-          <a:lstStyle/>
-          <a:p>
             <a:fld id="{5C6BB475-B640-4DD3-A1AA-1CF10A44AA06}" type="slidenum">
               <a:rPr lang="en-US" smtClean="0"/>
-              <a:t>12</a:t>
+              <a:t>11</a:t>
             </a:fld>
             <a:endParaRPr lang="en-US"/>
           </a:p>
         </p:txBody>
       </p:sp>
+      <p:pic>
+        <p:nvPicPr>
+          <p:cNvPr id="5" name="Content Placeholder 14" descr="LndScapeHLD.png"/>
+          <p:cNvPicPr>
+            <a:picLocks noChangeAspect="1"/>
+          </p:cNvPicPr>
+          <p:nvPr/>
+        </p:nvPicPr>
+        <p:blipFill>
+          <a:blip r:embed="rId2" cstate="print"/>
+          <a:stretch>
+            <a:fillRect/>
+          </a:stretch>
+        </p:blipFill>
+        <p:spPr>
+          <a:xfrm>
+            <a:off x="2114760" y="1478099"/>
+            <a:ext cx="8837096" cy="4968441"/>
+          </a:xfrm>
+          <a:prstGeom prst="rect">
+            <a:avLst/>
+          </a:prstGeom>
+        </p:spPr>
+      </p:pic>
     </p:spTree>
     <p:extLst>
       <p:ext uri="{BB962C8B-B14F-4D97-AF65-F5344CB8AC3E}">
@@ -9140,6 +9196,291 @@
   <p:clrMapOvr>
     <a:masterClrMapping/>
   </p:clrMapOvr>
+  <p:timing>
+    <p:tnLst>
+      <p:par>
+        <p:cTn id="1" dur="indefinite" restart="never" nodeType="tmRoot"/>
+      </p:par>
+    </p:tnLst>
+  </p:timing>
+</p:sld>
+</file>
+
+<file path=ppt/slides/slide12.xml><?xml version="1.0" encoding="utf-8"?>
+<p:sld xmlns:a="http://schemas.openxmlformats.org/drawingml/2006/main" xmlns:r="http://schemas.openxmlformats.org/officeDocument/2006/relationships" xmlns:p="http://schemas.openxmlformats.org/presentationml/2006/main">
+  <p:cSld>
+    <p:spTree>
+      <p:nvGrpSpPr>
+        <p:cNvPr id="1" name="Shape 225"/>
+        <p:cNvGrpSpPr/>
+        <p:nvPr/>
+      </p:nvGrpSpPr>
+      <p:grpSpPr>
+        <a:xfrm>
+          <a:off x="0" y="0"/>
+          <a:ext cx="0" cy="0"/>
+          <a:chOff x="0" y="0"/>
+          <a:chExt cx="0" cy="0"/>
+        </a:xfrm>
+      </p:grpSpPr>
+      <p:sp>
+        <p:nvSpPr>
+          <p:cNvPr id="226" name="Shape 226"/>
+          <p:cNvSpPr txBox="1">
+            <a:spLocks noGrp="1"/>
+          </p:cNvSpPr>
+          <p:nvPr>
+            <p:ph type="title"/>
+          </p:nvPr>
+        </p:nvSpPr>
+        <p:spPr>
+          <a:xfrm>
+            <a:off x="1541988" y="420824"/>
+            <a:ext cx="10018712" cy="1057275"/>
+          </a:xfrm>
+          <a:prstGeom prst="rect">
+            <a:avLst/>
+          </a:prstGeom>
+          <a:noFill/>
+          <a:ln>
+            <a:noFill/>
+          </a:ln>
+        </p:spPr>
+        <p:txBody>
+          <a:bodyPr lIns="91425" tIns="45700" rIns="91425" bIns="45700" anchor="ctr" anchorCtr="0">
+            <a:noAutofit/>
+          </a:bodyPr>
+          <a:lstStyle/>
+          <a:p>
+            <a:pPr marL="0" marR="0" lvl="0" indent="0" algn="ctr" rtl="0">
+              <a:spcBef>
+                <a:spcPts val="0"/>
+              </a:spcBef>
+              <a:buClr>
+                <a:schemeClr val="dk1"/>
+              </a:buClr>
+              <a:buSzPct val="25000"/>
+              <a:buFont typeface="Cantarell"/>
+              <a:buNone/>
+            </a:pPr>
+            <a:r>
+              <a:rPr lang="en-US" sz="4800" b="0" i="0" u="none" strike="noStrike" cap="none" baseline="0" dirty="0" smtClean="0">
+                <a:solidFill>
+                  <a:schemeClr val="dk1"/>
+                </a:solidFill>
+                <a:ea typeface="Cantarell"/>
+                <a:cs typeface="Cantarell"/>
+                <a:sym typeface="Cantarell"/>
+              </a:rPr>
+              <a:t>Hardware Software</a:t>
+            </a:r>
+            <a:r>
+              <a:rPr lang="en-US" sz="4800" b="0" i="0" u="none" strike="noStrike" cap="none" dirty="0" smtClean="0">
+                <a:solidFill>
+                  <a:schemeClr val="dk1"/>
+                </a:solidFill>
+                <a:ea typeface="Cantarell"/>
+                <a:cs typeface="Cantarell"/>
+                <a:sym typeface="Cantarell"/>
+              </a:rPr>
+              <a:t> Interface</a:t>
+            </a:r>
+            <a:endParaRPr lang="en-US" sz="4800" b="0" i="0" u="none" strike="noStrike" cap="none" baseline="0" dirty="0">
+              <a:solidFill>
+                <a:schemeClr val="dk1"/>
+              </a:solidFill>
+              <a:ea typeface="Cantarell"/>
+              <a:cs typeface="Cantarell"/>
+              <a:sym typeface="Cantarell"/>
+            </a:endParaRPr>
+          </a:p>
+        </p:txBody>
+      </p:sp>
+      <p:sp>
+        <p:nvSpPr>
+          <p:cNvPr id="227" name="Shape 227"/>
+          <p:cNvSpPr txBox="1">
+            <a:spLocks noGrp="1"/>
+          </p:cNvSpPr>
+          <p:nvPr>
+            <p:ph type="body" idx="1"/>
+          </p:nvPr>
+        </p:nvSpPr>
+        <p:spPr>
+          <a:xfrm>
+            <a:off x="1600200" y="1478100"/>
+            <a:ext cx="10018712" cy="4512264"/>
+          </a:xfrm>
+          <a:prstGeom prst="rect">
+            <a:avLst/>
+          </a:prstGeom>
+          <a:noFill/>
+          <a:ln>
+            <a:noFill/>
+          </a:ln>
+        </p:spPr>
+        <p:txBody>
+          <a:bodyPr lIns="91425" tIns="45700" rIns="91425" bIns="45700" anchor="ctr" anchorCtr="0">
+            <a:noAutofit/>
+          </a:bodyPr>
+          <a:lstStyle/>
+          <a:p>
+            <a:r>
+              <a:rPr lang="en-US" sz="3200" dirty="0" smtClean="0"/>
+              <a:t>GRBL - Lightweight </a:t>
+            </a:r>
+            <a:r>
+              <a:rPr lang="en-US" sz="3200" dirty="0" err="1" smtClean="0"/>
+              <a:t>Arduino</a:t>
+            </a:r>
+            <a:r>
+              <a:rPr lang="en-US" sz="3200" dirty="0" smtClean="0"/>
+              <a:t> firmware used to interface the software and the motors/hardware</a:t>
+            </a:r>
+          </a:p>
+          <a:p>
+            <a:r>
+              <a:rPr lang="en-US" sz="3200" dirty="0" smtClean="0"/>
+              <a:t>CNC Motor Shield:  4 </a:t>
+            </a:r>
+            <a:r>
+              <a:rPr lang="en-US" sz="3200" dirty="0" err="1"/>
+              <a:t>P</a:t>
+            </a:r>
+            <a:r>
+              <a:rPr lang="en-US" sz="3200" dirty="0" err="1" smtClean="0"/>
+              <a:t>ololu</a:t>
+            </a:r>
+            <a:r>
+              <a:rPr lang="en-US" sz="3200" dirty="0" smtClean="0"/>
+              <a:t> DRV8825 </a:t>
+            </a:r>
+            <a:r>
+              <a:rPr lang="en-US" sz="3200" dirty="0" smtClean="0"/>
+              <a:t>drivers</a:t>
+            </a:r>
+          </a:p>
+          <a:p>
+            <a:pPr lvl="1"/>
+            <a:r>
+              <a:rPr lang="en-US" sz="2000" dirty="0" smtClean="0"/>
+              <a:t>4 dual </a:t>
+            </a:r>
+            <a:r>
+              <a:rPr lang="en-US" sz="2000" dirty="0" smtClean="0"/>
+              <a:t>H-bridge </a:t>
+            </a:r>
+            <a:r>
+              <a:rPr lang="en-US" sz="2000" dirty="0" smtClean="0"/>
+              <a:t>drivers with current control logic, allowing for more precise stepping and power management</a:t>
+            </a:r>
+          </a:p>
+          <a:p>
+            <a:pPr marL="285750" lvl="1" indent="-64770"/>
+            <a:r>
+              <a:rPr lang="en-US" sz="3200" dirty="0" smtClean="0"/>
+              <a:t>Adafruit Motor Shield (AFMS): Uses an </a:t>
+            </a:r>
+            <a:r>
+              <a:rPr lang="en-US" sz="3200" dirty="0" smtClean="0"/>
+              <a:t>H-</a:t>
+            </a:r>
+            <a:r>
+              <a:rPr lang="en-US" sz="3200" dirty="0" smtClean="0"/>
+              <a:t>bridge </a:t>
+            </a:r>
+            <a:r>
+              <a:rPr lang="en-US" sz="3200" dirty="0" smtClean="0"/>
+              <a:t>motor driver </a:t>
+            </a:r>
+          </a:p>
+          <a:p>
+            <a:pPr marL="742950" lvl="2" indent="-64770"/>
+            <a:r>
+              <a:rPr lang="en-US" sz="2000" dirty="0" smtClean="0"/>
+              <a:t>4 </a:t>
+            </a:r>
+            <a:r>
+              <a:rPr lang="en-US" sz="2000" dirty="0" smtClean="0"/>
+              <a:t>H-</a:t>
+            </a:r>
+            <a:r>
+              <a:rPr lang="en-US" sz="2000" dirty="0" smtClean="0"/>
+              <a:t>bridge </a:t>
+            </a:r>
+            <a:r>
+              <a:rPr lang="en-US" sz="2000" dirty="0" smtClean="0"/>
+              <a:t>drivers capable of running 2 stepper motors, however lacks some of the logic for more precise </a:t>
+            </a:r>
+            <a:r>
+              <a:rPr lang="en-US" sz="2000" dirty="0" smtClean="0"/>
+              <a:t>control</a:t>
+            </a:r>
+            <a:endParaRPr lang="en-US" sz="2000" dirty="0" smtClean="0"/>
+          </a:p>
+        </p:txBody>
+      </p:sp>
+      <p:sp>
+        <p:nvSpPr>
+          <p:cNvPr id="228" name="Shape 228"/>
+          <p:cNvSpPr txBox="1">
+            <a:spLocks noGrp="1"/>
+          </p:cNvSpPr>
+          <p:nvPr>
+            <p:ph type="sldNum" idx="12"/>
+          </p:nvPr>
+        </p:nvSpPr>
+        <p:spPr>
+          <a:xfrm>
+            <a:off x="10951856" y="5867130"/>
+            <a:ext cx="551166" cy="365125"/>
+          </a:xfrm>
+          <a:prstGeom prst="rect">
+            <a:avLst/>
+          </a:prstGeom>
+          <a:noFill/>
+          <a:ln>
+            <a:noFill/>
+          </a:ln>
+        </p:spPr>
+        <p:txBody>
+          <a:bodyPr lIns="91425" tIns="45700" rIns="91425" bIns="45700" anchor="ctr" anchorCtr="0">
+            <a:noAutofit/>
+          </a:bodyPr>
+          <a:lstStyle/>
+          <a:p>
+            <a:pPr marL="0" marR="0" lvl="0" indent="0" algn="r" rtl="0">
+              <a:spcBef>
+                <a:spcPts val="0"/>
+              </a:spcBef>
+              <a:buSzPct val="25000"/>
+              <a:buNone/>
+            </a:pPr>
+            <a:r>
+              <a:rPr lang="en-US"/>
+              <a:t> </a:t>
+            </a:r>
+          </a:p>
+        </p:txBody>
+      </p:sp>
+    </p:spTree>
+    <p:extLst>
+      <p:ext uri="{BB962C8B-B14F-4D97-AF65-F5344CB8AC3E}">
+        <p14:creationId xmlns:p14="http://schemas.microsoft.com/office/powerpoint/2010/main" val="3480688385"/>
+      </p:ext>
+    </p:extLst>
+  </p:cSld>
+  <p:clrMapOvr>
+    <a:masterClrMapping/>
+  </p:clrMapOvr>
+  <mc:AlternateContent xmlns:mc="http://schemas.openxmlformats.org/markup-compatibility/2006">
+    <mc:Choice xmlns:p14="http://schemas.microsoft.com/office/powerpoint/2010/main" Requires="p14">
+      <p:transition p14:dur="0"/>
+    </mc:Choice>
+    <mc:Fallback>
+      <p:transition/>
+    </mc:Fallback>
+  </mc:AlternateContent>
 </p:sld>
 </file>
 
@@ -9177,7 +9518,7 @@
           <a:p>
             <a:r>
               <a:rPr lang="en-US" dirty="0" smtClean="0"/>
-              <a:t>Hardware Software Interface</a:t>
+              <a:t>Projector and Resin</a:t>
             </a:r>
             <a:endParaRPr lang="en-US" dirty="0"/>
           </a:p>
@@ -9185,12 +9526,12 @@
       </p:sp>
       <p:sp>
         <p:nvSpPr>
-          <p:cNvPr id="3" name="Content Placeholder 2"/>
-          <p:cNvSpPr>
-            <a:spLocks noGrp="1"/>
-          </p:cNvSpPr>
-          <p:nvPr>
-            <p:ph idx="1"/>
+          <p:cNvPr id="4" name="Slide Number Placeholder 3"/>
+          <p:cNvSpPr>
+            <a:spLocks noGrp="1"/>
+          </p:cNvSpPr>
+          <p:nvPr>
+            <p:ph type="sldNum" sz="quarter" idx="12"/>
           </p:nvPr>
         </p:nvSpPr>
         <p:spPr/>
@@ -9198,37 +9539,106 @@
           <a:bodyPr/>
           <a:lstStyle/>
           <a:p>
-            <a:endParaRPr lang="en-US"/>
-          </a:p>
-        </p:txBody>
-      </p:sp>
-      <p:sp>
-        <p:nvSpPr>
-          <p:cNvPr id="4" name="Slide Number Placeholder 3"/>
-          <p:cNvSpPr>
-            <a:spLocks noGrp="1"/>
-          </p:cNvSpPr>
-          <p:nvPr>
-            <p:ph type="sldNum" sz="quarter" idx="12"/>
-          </p:nvPr>
-        </p:nvSpPr>
-        <p:spPr/>
-        <p:txBody>
-          <a:bodyPr/>
-          <a:lstStyle/>
-          <a:p>
             <a:fld id="{5C6BB475-B640-4DD3-A1AA-1CF10A44AA06}" type="slidenum">
               <a:rPr lang="en-US" smtClean="0"/>
+              <a:pPr/>
               <a:t>13</a:t>
             </a:fld>
-            <a:endParaRPr lang="en-US"/>
+            <a:endParaRPr lang="en-US" dirty="0"/>
+          </a:p>
+        </p:txBody>
+      </p:sp>
+      <p:sp>
+        <p:nvSpPr>
+          <p:cNvPr id="6" name="Content Placeholder 5"/>
+          <p:cNvSpPr>
+            <a:spLocks noGrp="1"/>
+          </p:cNvSpPr>
+          <p:nvPr>
+            <p:ph idx="1"/>
+          </p:nvPr>
+        </p:nvSpPr>
+        <p:spPr>
+          <a:xfrm>
+            <a:off x="1541989" y="1538196"/>
+            <a:ext cx="10018713" cy="4180024"/>
+          </a:xfrm>
+        </p:spPr>
+        <p:txBody>
+          <a:bodyPr anchor="t">
+            <a:normAutofit/>
+          </a:bodyPr>
+          <a:lstStyle/>
+          <a:p>
+            <a:r>
+              <a:rPr lang="en-US" dirty="0" smtClean="0"/>
+              <a:t>Projector Qualities</a:t>
+            </a:r>
+          </a:p>
+          <a:p>
+            <a:pPr lvl="1"/>
+            <a:r>
+              <a:rPr lang="en-US" dirty="0" smtClean="0"/>
+              <a:t>High Resolution DLP</a:t>
+            </a:r>
+            <a:endParaRPr lang="en-US" dirty="0"/>
+          </a:p>
+          <a:p>
+            <a:pPr lvl="1"/>
+            <a:r>
+              <a:rPr lang="en-US" dirty="0"/>
+              <a:t>UV </a:t>
+            </a:r>
+            <a:r>
+              <a:rPr lang="en-US" dirty="0" smtClean="0"/>
+              <a:t>Filter Removal </a:t>
+            </a:r>
+            <a:endParaRPr lang="en-US" dirty="0"/>
+          </a:p>
+          <a:p>
+            <a:pPr lvl="1"/>
+            <a:r>
+              <a:rPr lang="en-US" dirty="0"/>
+              <a:t>Throw </a:t>
+            </a:r>
+            <a:r>
+              <a:rPr lang="en-US" dirty="0" smtClean="0"/>
+              <a:t>Distance</a:t>
+            </a:r>
+          </a:p>
+          <a:p>
+            <a:r>
+              <a:rPr lang="en-US" dirty="0" smtClean="0"/>
+              <a:t>Resin</a:t>
+            </a:r>
+            <a:endParaRPr lang="en-US" dirty="0"/>
+          </a:p>
+          <a:p>
+            <a:pPr lvl="1"/>
+            <a:r>
+              <a:rPr lang="en-US" dirty="0"/>
+              <a:t>Test for Layer Thickness</a:t>
+            </a:r>
+          </a:p>
+          <a:p>
+            <a:pPr lvl="1"/>
+            <a:r>
+              <a:rPr lang="en-US" dirty="0"/>
+              <a:t>Test for Exposure Time</a:t>
+            </a:r>
+          </a:p>
+          <a:p>
+            <a:pPr marL="0" indent="0">
+              <a:buNone/>
+            </a:pPr>
+            <a:endParaRPr lang="en-US" dirty="0" smtClean="0"/>
           </a:p>
         </p:txBody>
       </p:sp>
     </p:spTree>
     <p:extLst>
       <p:ext uri="{BB962C8B-B14F-4D97-AF65-F5344CB8AC3E}">
-        <p14:creationId xmlns:p14="http://schemas.microsoft.com/office/powerpoint/2010/main" val="3374279974"/>
+        <p14:creationId xmlns:p14="http://schemas.microsoft.com/office/powerpoint/2010/main" val="1888003692"/>
       </p:ext>
     </p:extLst>
   </p:cSld>
@@ -9271,33 +9681,13 @@
           <a:lstStyle/>
           <a:p>
             <a:r>
+              <a:rPr lang="en-US" dirty="0" smtClean="0"/>
+              <a:t>System Block </a:t>
+            </a:r>
+            <a:r>
               <a:rPr lang="en-US" dirty="0"/>
-              <a:t>Hardware Software </a:t>
-            </a:r>
-            <a:r>
-              <a:rPr lang="en-US" dirty="0" smtClean="0"/>
-              <a:t>Interface contd.</a:t>
-            </a:r>
-            <a:endParaRPr lang="en-US" dirty="0"/>
-          </a:p>
-        </p:txBody>
-      </p:sp>
-      <p:sp>
-        <p:nvSpPr>
-          <p:cNvPr id="3" name="Content Placeholder 2"/>
-          <p:cNvSpPr>
-            <a:spLocks noGrp="1"/>
-          </p:cNvSpPr>
-          <p:nvPr>
-            <p:ph idx="1"/>
-          </p:nvPr>
-        </p:nvSpPr>
-        <p:spPr/>
-        <p:txBody>
-          <a:bodyPr/>
-          <a:lstStyle/>
-          <a:p>
-            <a:endParaRPr lang="en-US"/>
+              <a:t>Diagram</a:t>
+            </a:r>
           </a:p>
         </p:txBody>
       </p:sp>
@@ -9324,16 +9714,77 @@
           </a:p>
         </p:txBody>
       </p:sp>
+      <p:pic>
+        <p:nvPicPr>
+          <p:cNvPr id="6" name="Picture 5"/>
+          <p:cNvPicPr>
+            <a:picLocks noChangeAspect="1"/>
+          </p:cNvPicPr>
+          <p:nvPr/>
+        </p:nvPicPr>
+        <p:blipFill>
+          <a:blip r:embed="rId2"/>
+          <a:stretch>
+            <a:fillRect/>
+          </a:stretch>
+        </p:blipFill>
+        <p:spPr>
+          <a:xfrm>
+            <a:off x="1064412" y="1504440"/>
+            <a:ext cx="10973866" cy="4336349"/>
+          </a:xfrm>
+          <a:prstGeom prst="rect">
+            <a:avLst/>
+          </a:prstGeom>
+        </p:spPr>
+      </p:pic>
+      <p:sp>
+        <p:nvSpPr>
+          <p:cNvPr id="7" name="TextBox 6"/>
+          <p:cNvSpPr txBox="1"/>
+          <p:nvPr/>
+        </p:nvSpPr>
+        <p:spPr>
+          <a:xfrm>
+            <a:off x="4799904" y="5867130"/>
+            <a:ext cx="3502882" cy="369332"/>
+          </a:xfrm>
+          <a:prstGeom prst="rect">
+            <a:avLst/>
+          </a:prstGeom>
+          <a:noFill/>
+        </p:spPr>
+        <p:txBody>
+          <a:bodyPr wrap="none" rtlCol="0">
+            <a:spAutoFit/>
+          </a:bodyPr>
+          <a:lstStyle/>
+          <a:p>
+            <a:r>
+              <a:rPr lang="en-US" dirty="0" smtClean="0"/>
+              <a:t>Figure 6. Functional Block Diagram</a:t>
+            </a:r>
+            <a:endParaRPr lang="en-US" dirty="0"/>
+          </a:p>
+        </p:txBody>
+      </p:sp>
     </p:spTree>
     <p:extLst>
       <p:ext uri="{BB962C8B-B14F-4D97-AF65-F5344CB8AC3E}">
-        <p14:creationId xmlns:p14="http://schemas.microsoft.com/office/powerpoint/2010/main" val="1320030583"/>
+        <p14:creationId xmlns:p14="http://schemas.microsoft.com/office/powerpoint/2010/main" val="1724258590"/>
       </p:ext>
     </p:extLst>
   </p:cSld>
   <p:clrMapOvr>
     <a:masterClrMapping/>
   </p:clrMapOvr>
+  <p:timing>
+    <p:tnLst>
+      <p:par>
+        <p:cTn id="1" dur="indefinite" restart="never" nodeType="tmRoot"/>
+      </p:par>
+    </p:tnLst>
+  </p:timing>
 </p:sld>
 </file>
 
@@ -9366,138 +9817,122 @@
         </p:nvSpPr>
         <p:spPr/>
         <p:txBody>
-          <a:bodyPr/>
-          <a:lstStyle/>
-          <a:p>
-            <a:r>
-              <a:rPr lang="en-US" dirty="0" smtClean="0"/>
-              <a:t>Projector and Resin</a:t>
-            </a:r>
-            <a:endParaRPr lang="en-US" dirty="0"/>
-          </a:p>
-        </p:txBody>
-      </p:sp>
-      <p:sp>
-        <p:nvSpPr>
-          <p:cNvPr id="4" name="Slide Number Placeholder 3"/>
-          <p:cNvSpPr>
-            <a:spLocks noGrp="1"/>
-          </p:cNvSpPr>
-          <p:nvPr>
-            <p:ph type="sldNum" sz="quarter" idx="12"/>
-          </p:nvPr>
-        </p:nvSpPr>
-        <p:spPr/>
-        <p:txBody>
-          <a:bodyPr/>
-          <a:lstStyle/>
-          <a:p>
-            <a:fld id="{5C6BB475-B640-4DD3-A1AA-1CF10A44AA06}" type="slidenum">
-              <a:rPr lang="en-US" smtClean="0"/>
-              <a:pPr/>
-              <a:t>15</a:t>
-            </a:fld>
-            <a:endParaRPr lang="en-US" dirty="0"/>
-          </a:p>
-        </p:txBody>
-      </p:sp>
-      <p:sp>
-        <p:nvSpPr>
-          <p:cNvPr id="6" name="Content Placeholder 5"/>
-          <p:cNvSpPr>
-            <a:spLocks noGrp="1"/>
-          </p:cNvSpPr>
-          <p:nvPr>
-            <p:ph idx="1"/>
-          </p:nvPr>
-        </p:nvSpPr>
-        <p:spPr>
-          <a:xfrm>
-            <a:off x="1541989" y="1538196"/>
-            <a:ext cx="10018713" cy="4180024"/>
-          </a:xfrm>
-        </p:spPr>
-        <p:txBody>
-          <a:bodyPr anchor="t">
+          <a:bodyPr>
             <a:normAutofit/>
           </a:bodyPr>
           <a:lstStyle/>
           <a:p>
             <a:r>
               <a:rPr lang="en-US" dirty="0" smtClean="0"/>
-              <a:t>Projector Qualities</a:t>
+              <a:t>Problems with 3D Printing Software</a:t>
+            </a:r>
+            <a:endParaRPr lang="en-US" dirty="0"/>
+          </a:p>
+        </p:txBody>
+      </p:sp>
+      <p:sp>
+        <p:nvSpPr>
+          <p:cNvPr id="3" name="Subtitle 2"/>
+          <p:cNvSpPr>
+            <a:spLocks noGrp="1"/>
+          </p:cNvSpPr>
+          <p:nvPr>
+            <p:ph idx="1"/>
+          </p:nvPr>
+        </p:nvSpPr>
+        <p:spPr/>
+        <p:txBody>
+          <a:bodyPr>
+            <a:normAutofit/>
+          </a:bodyPr>
+          <a:lstStyle/>
+          <a:p>
+            <a:r>
+              <a:rPr lang="en-US" dirty="0" smtClean="0"/>
+              <a:t>Set out to create the de facto DLP 3D printer </a:t>
+            </a:r>
+            <a:r>
+              <a:rPr lang="en-US" dirty="0"/>
+              <a:t>c</a:t>
+            </a:r>
+            <a:r>
+              <a:rPr lang="en-US" dirty="0" smtClean="0"/>
+              <a:t>ontrol software</a:t>
+            </a:r>
+          </a:p>
+          <a:p>
+            <a:r>
+              <a:rPr lang="en-US" dirty="0" smtClean="0"/>
+              <a:t>Harder said then done</a:t>
             </a:r>
           </a:p>
           <a:p>
             <a:pPr lvl="1"/>
             <a:r>
               <a:rPr lang="en-US" dirty="0" smtClean="0"/>
-              <a:t>High Resolution DLP</a:t>
-            </a:r>
-            <a:endParaRPr lang="en-US" dirty="0"/>
+              <a:t>STL file format</a:t>
+            </a:r>
           </a:p>
           <a:p>
             <a:pPr lvl="1"/>
             <a:r>
+              <a:rPr lang="en-US" dirty="0" smtClean="0"/>
+              <a:t>No common platforms</a:t>
+            </a:r>
+          </a:p>
+          <a:p>
+            <a:pPr lvl="1"/>
+            <a:r>
+              <a:rPr lang="en-US" dirty="0" smtClean="0"/>
+              <a:t>Batch Slicing vs. </a:t>
+            </a:r>
+            <a:r>
               <a:rPr lang="en-US" dirty="0"/>
-              <a:t>UV </a:t>
-            </a:r>
-            <a:r>
-              <a:rPr lang="en-US" dirty="0" smtClean="0"/>
-              <a:t>Filter Removal </a:t>
-            </a:r>
-            <a:endParaRPr lang="en-US" dirty="0"/>
-          </a:p>
-          <a:p>
-            <a:pPr lvl="1"/>
-            <a:r>
-              <a:rPr lang="en-US" dirty="0"/>
-              <a:t>Throw </a:t>
-            </a:r>
-            <a:r>
-              <a:rPr lang="en-US" dirty="0" smtClean="0"/>
-              <a:t>Distance</a:t>
-            </a:r>
-          </a:p>
-          <a:p>
-            <a:r>
-              <a:rPr lang="en-US" dirty="0" smtClean="0"/>
-              <a:t>Resin</a:t>
-            </a:r>
-            <a:endParaRPr lang="en-US" dirty="0"/>
-          </a:p>
-          <a:p>
-            <a:pPr lvl="1"/>
-            <a:r>
-              <a:rPr lang="en-US" dirty="0"/>
-              <a:t>Test for Layer Thickness</a:t>
-            </a:r>
-          </a:p>
-          <a:p>
-            <a:pPr lvl="1"/>
-            <a:r>
-              <a:rPr lang="en-US" dirty="0"/>
-              <a:t>Test for Exposure Time</a:t>
-            </a:r>
-          </a:p>
-          <a:p>
-            <a:pPr marL="0" indent="0">
-              <a:buNone/>
-            </a:pPr>
-            <a:endParaRPr lang="en-US" dirty="0" smtClean="0"/>
+              <a:t>Slicing On Demand </a:t>
+            </a:r>
+          </a:p>
+        </p:txBody>
+      </p:sp>
+      <p:sp>
+        <p:nvSpPr>
+          <p:cNvPr id="4" name="Slide Number Placeholder 3"/>
+          <p:cNvSpPr>
+            <a:spLocks noGrp="1"/>
+          </p:cNvSpPr>
+          <p:nvPr>
+            <p:ph type="sldNum" sz="quarter" idx="12"/>
+          </p:nvPr>
+        </p:nvSpPr>
+        <p:spPr/>
+        <p:txBody>
+          <a:bodyPr/>
+          <a:lstStyle/>
+          <a:p>
+            <a:fld id="{5C6BB475-B640-4DD3-A1AA-1CF10A44AA06}" type="slidenum">
+              <a:rPr lang="en-US" smtClean="0"/>
+              <a:t>15</a:t>
+            </a:fld>
+            <a:endParaRPr lang="en-US"/>
           </a:p>
         </p:txBody>
       </p:sp>
     </p:spTree>
     <p:extLst>
       <p:ext uri="{BB962C8B-B14F-4D97-AF65-F5344CB8AC3E}">
-        <p14:creationId xmlns:p14="http://schemas.microsoft.com/office/powerpoint/2010/main" val="1888003692"/>
+        <p14:creationId xmlns:p14="http://schemas.microsoft.com/office/powerpoint/2010/main" val="717805690"/>
       </p:ext>
     </p:extLst>
   </p:cSld>
   <p:clrMapOvr>
     <a:masterClrMapping/>
   </p:clrMapOvr>
+  <p:timing>
+    <p:tnLst>
+      <p:par>
+        <p:cTn id="1" dur="indefinite" restart="never" nodeType="tmRoot"/>
+      </p:par>
+    </p:tnLst>
+  </p:timing>
 </p:sld>
 </file>
 
@@ -9535,7 +9970,7 @@
           <a:p>
             <a:r>
               <a:rPr lang="en-US" dirty="0" smtClean="0"/>
-              <a:t>Software Problems</a:t>
+              <a:t>LibreCAM</a:t>
             </a:r>
             <a:endParaRPr lang="en-US" dirty="0"/>
           </a:p>
@@ -9556,7 +9991,20 @@
           <a:bodyPr/>
           <a:lstStyle/>
           <a:p>
-            <a:endParaRPr lang="en-US"/>
+            <a:r>
+              <a:rPr lang="en-US" dirty="0" smtClean="0"/>
+              <a:t>Open Source and Libre</a:t>
+            </a:r>
+            <a:endParaRPr lang="en-US" dirty="0"/>
+          </a:p>
+          <a:p>
+            <a:r>
+              <a:rPr lang="en-US" dirty="0" smtClean="0"/>
+              <a:t>Modular CAM</a:t>
+            </a:r>
+          </a:p>
+          <a:p>
+            <a:endParaRPr lang="en-US" dirty="0"/>
           </a:p>
         </p:txBody>
       </p:sp>
@@ -9577,22 +10025,30 @@
           <a:p>
             <a:fld id="{5C6BB475-B640-4DD3-A1AA-1CF10A44AA06}" type="slidenum">
               <a:rPr lang="en-US" smtClean="0"/>
+              <a:pPr/>
               <a:t>16</a:t>
             </a:fld>
-            <a:endParaRPr lang="en-US"/>
+            <a:endParaRPr lang="en-US" dirty="0"/>
           </a:p>
         </p:txBody>
       </p:sp>
     </p:spTree>
     <p:extLst>
       <p:ext uri="{BB962C8B-B14F-4D97-AF65-F5344CB8AC3E}">
-        <p14:creationId xmlns:p14="http://schemas.microsoft.com/office/powerpoint/2010/main" val="4088312060"/>
+        <p14:creationId xmlns:p14="http://schemas.microsoft.com/office/powerpoint/2010/main" val="1126572728"/>
       </p:ext>
     </p:extLst>
   </p:cSld>
   <p:clrMapOvr>
     <a:masterClrMapping/>
   </p:clrMapOvr>
+  <p:timing>
+    <p:tnLst>
+      <p:par>
+        <p:cTn id="1" dur="indefinite" restart="never" nodeType="tmRoot"/>
+      </p:par>
+    </p:tnLst>
+  </p:timing>
 </p:sld>
 </file>
 
@@ -9625,101 +10081,6 @@
         </p:nvSpPr>
         <p:spPr/>
         <p:txBody>
-          <a:bodyPr/>
-          <a:lstStyle/>
-          <a:p>
-            <a:r>
-              <a:rPr lang="en-US" dirty="0" smtClean="0"/>
-              <a:t>New Design</a:t>
-            </a:r>
-            <a:endParaRPr lang="en-US" dirty="0"/>
-          </a:p>
-        </p:txBody>
-      </p:sp>
-      <p:sp>
-        <p:nvSpPr>
-          <p:cNvPr id="3" name="Content Placeholder 2"/>
-          <p:cNvSpPr>
-            <a:spLocks noGrp="1"/>
-          </p:cNvSpPr>
-          <p:nvPr>
-            <p:ph idx="1"/>
-          </p:nvPr>
-        </p:nvSpPr>
-        <p:spPr/>
-        <p:txBody>
-          <a:bodyPr/>
-          <a:lstStyle/>
-          <a:p>
-            <a:endParaRPr lang="en-US"/>
-          </a:p>
-        </p:txBody>
-      </p:sp>
-      <p:sp>
-        <p:nvSpPr>
-          <p:cNvPr id="4" name="Slide Number Placeholder 3"/>
-          <p:cNvSpPr>
-            <a:spLocks noGrp="1"/>
-          </p:cNvSpPr>
-          <p:nvPr>
-            <p:ph type="sldNum" sz="quarter" idx="12"/>
-          </p:nvPr>
-        </p:nvSpPr>
-        <p:spPr/>
-        <p:txBody>
-          <a:bodyPr/>
-          <a:lstStyle/>
-          <a:p>
-            <a:fld id="{5C6BB475-B640-4DD3-A1AA-1CF10A44AA06}" type="slidenum">
-              <a:rPr lang="en-US" smtClean="0"/>
-              <a:t>17</a:t>
-            </a:fld>
-            <a:endParaRPr lang="en-US"/>
-          </a:p>
-        </p:txBody>
-      </p:sp>
-    </p:spTree>
-    <p:extLst>
-      <p:ext uri="{BB962C8B-B14F-4D97-AF65-F5344CB8AC3E}">
-        <p14:creationId xmlns:p14="http://schemas.microsoft.com/office/powerpoint/2010/main" val="4014598853"/>
-      </p:ext>
-    </p:extLst>
-  </p:cSld>
-  <p:clrMapOvr>
-    <a:masterClrMapping/>
-  </p:clrMapOvr>
-</p:sld>
-</file>
-
-<file path=ppt/slides/slide18.xml><?xml version="1.0" encoding="utf-8"?>
-<p:sld xmlns:a="http://schemas.openxmlformats.org/drawingml/2006/main" xmlns:r="http://schemas.openxmlformats.org/officeDocument/2006/relationships" xmlns:p="http://schemas.openxmlformats.org/presentationml/2006/main">
-  <p:cSld>
-    <p:spTree>
-      <p:nvGrpSpPr>
-        <p:cNvPr id="1" name=""/>
-        <p:cNvGrpSpPr/>
-        <p:nvPr/>
-      </p:nvGrpSpPr>
-      <p:grpSpPr>
-        <a:xfrm>
-          <a:off x="0" y="0"/>
-          <a:ext cx="0" cy="0"/>
-          <a:chOff x="0" y="0"/>
-          <a:chExt cx="0" cy="0"/>
-        </a:xfrm>
-      </p:grpSpPr>
-      <p:sp>
-        <p:nvSpPr>
-          <p:cNvPr id="2" name="Title 1"/>
-          <p:cNvSpPr>
-            <a:spLocks noGrp="1"/>
-          </p:cNvSpPr>
-          <p:nvPr>
-            <p:ph type="title"/>
-          </p:nvPr>
-        </p:nvSpPr>
-        <p:spPr/>
-        <p:txBody>
           <a:bodyPr>
             <a:normAutofit/>
           </a:bodyPr>
@@ -9750,7 +10111,7 @@
           <a:p>
             <a:fld id="{5C6BB475-B640-4DD3-A1AA-1CF10A44AA06}" type="slidenum">
               <a:rPr lang="en-US" smtClean="0"/>
-              <a:t>18</a:t>
+              <a:t>17</a:t>
             </a:fld>
             <a:endParaRPr lang="en-US"/>
           </a:p>
@@ -10139,19 +10500,7 @@
                           <a:ea typeface="+mn-ea"/>
                           <a:cs typeface="+mn-cs"/>
                         </a:rPr>
-                        <a:t> </a:t>
-                      </a:r>
-                      <a:r>
-                        <a:rPr lang="en-US" sz="2000" b="1" kern="1200" dirty="0" smtClean="0">
-                          <a:solidFill>
-                            <a:schemeClr val="lt1"/>
-                          </a:solidFill>
-                          <a:effectLst/>
-                          <a:latin typeface="+mn-lt"/>
-                          <a:ea typeface="+mn-ea"/>
-                          <a:cs typeface="+mn-cs"/>
-                        </a:rPr>
-                        <a:t>resins</a:t>
+                        <a:t> resins</a:t>
                       </a:r>
                       <a:endParaRPr lang="en-US" sz="2000" dirty="0">
                         <a:effectLst/>
@@ -10295,11 +10644,7 @@
             </a:r>
             <a:r>
               <a:rPr lang="en-US" dirty="0" smtClean="0"/>
-              <a:t>. </a:t>
-            </a:r>
-            <a:r>
-              <a:rPr lang="en-US" dirty="0" smtClean="0"/>
-              <a:t>Subsystem Cost</a:t>
+              <a:t>. Subsystem Cost</a:t>
             </a:r>
             <a:endParaRPr lang="en-US" dirty="0"/>
           </a:p>
@@ -10325,6 +10670,139 @@
 </p:sld>
 </file>
 
+<file path=ppt/slides/slide18.xml><?xml version="1.0" encoding="utf-8"?>
+<p:sld xmlns:a="http://schemas.openxmlformats.org/drawingml/2006/main" xmlns:r="http://schemas.openxmlformats.org/officeDocument/2006/relationships" xmlns:p="http://schemas.openxmlformats.org/presentationml/2006/main">
+  <p:cSld>
+    <p:spTree>
+      <p:nvGrpSpPr>
+        <p:cNvPr id="1" name=""/>
+        <p:cNvGrpSpPr/>
+        <p:nvPr/>
+      </p:nvGrpSpPr>
+      <p:grpSpPr>
+        <a:xfrm>
+          <a:off x="0" y="0"/>
+          <a:ext cx="0" cy="0"/>
+          <a:chOff x="0" y="0"/>
+          <a:chExt cx="0" cy="0"/>
+        </a:xfrm>
+      </p:grpSpPr>
+      <p:sp>
+        <p:nvSpPr>
+          <p:cNvPr id="2" name="Title 1"/>
+          <p:cNvSpPr>
+            <a:spLocks noGrp="1"/>
+          </p:cNvSpPr>
+          <p:nvPr>
+            <p:ph type="title"/>
+          </p:nvPr>
+        </p:nvSpPr>
+        <p:spPr/>
+        <p:txBody>
+          <a:bodyPr/>
+          <a:lstStyle/>
+          <a:p>
+            <a:r>
+              <a:rPr lang="en-US" dirty="0" smtClean="0"/>
+              <a:t>Next Steps</a:t>
+            </a:r>
+            <a:endParaRPr lang="en-US" dirty="0"/>
+          </a:p>
+        </p:txBody>
+      </p:sp>
+      <p:sp>
+        <p:nvSpPr>
+          <p:cNvPr id="3" name="Content Placeholder 2"/>
+          <p:cNvSpPr>
+            <a:spLocks noGrp="1"/>
+          </p:cNvSpPr>
+          <p:nvPr>
+            <p:ph idx="1"/>
+          </p:nvPr>
+        </p:nvSpPr>
+        <p:spPr/>
+        <p:txBody>
+          <a:bodyPr/>
+          <a:lstStyle/>
+          <a:p>
+            <a:r>
+              <a:rPr lang="en-US" dirty="0" smtClean="0"/>
+              <a:t>Finish Prototype</a:t>
+            </a:r>
+          </a:p>
+          <a:p>
+            <a:r>
+              <a:rPr lang="en-US" dirty="0"/>
+              <a:t>Finalize</a:t>
+            </a:r>
+            <a:r>
+              <a:rPr lang="en-US" dirty="0" smtClean="0"/>
+              <a:t> </a:t>
+            </a:r>
+            <a:r>
+              <a:rPr lang="en-US" dirty="0" err="1" smtClean="0"/>
+              <a:t>LibreCAM</a:t>
+            </a:r>
+            <a:endParaRPr lang="en-US" dirty="0" smtClean="0"/>
+          </a:p>
+          <a:p>
+            <a:r>
+              <a:rPr lang="en-US" dirty="0" smtClean="0"/>
+              <a:t>Complete User Documentation</a:t>
+            </a:r>
+          </a:p>
+          <a:p>
+            <a:r>
+              <a:rPr lang="en-US" dirty="0" smtClean="0"/>
+              <a:t>Package Initial Release</a:t>
+            </a:r>
+          </a:p>
+          <a:p>
+            <a:r>
+              <a:rPr lang="en-US" dirty="0" smtClean="0"/>
+              <a:t>Compete in Cornell Cup</a:t>
+            </a:r>
+            <a:endParaRPr lang="en-US" dirty="0"/>
+          </a:p>
+        </p:txBody>
+      </p:sp>
+      <p:sp>
+        <p:nvSpPr>
+          <p:cNvPr id="4" name="Slide Number Placeholder 3"/>
+          <p:cNvSpPr>
+            <a:spLocks noGrp="1"/>
+          </p:cNvSpPr>
+          <p:nvPr>
+            <p:ph type="sldNum" sz="quarter" idx="12"/>
+          </p:nvPr>
+        </p:nvSpPr>
+        <p:spPr/>
+        <p:txBody>
+          <a:bodyPr/>
+          <a:lstStyle/>
+          <a:p>
+            <a:fld id="{5C6BB475-B640-4DD3-A1AA-1CF10A44AA06}" type="slidenum">
+              <a:rPr lang="en-US" smtClean="0"/>
+              <a:pPr/>
+              <a:t>18</a:t>
+            </a:fld>
+            <a:endParaRPr lang="en-US" dirty="0"/>
+          </a:p>
+        </p:txBody>
+      </p:sp>
+    </p:spTree>
+    <p:extLst>
+      <p:ext uri="{BB962C8B-B14F-4D97-AF65-F5344CB8AC3E}">
+        <p14:creationId xmlns:p14="http://schemas.microsoft.com/office/powerpoint/2010/main" val="3346557588"/>
+      </p:ext>
+    </p:extLst>
+  </p:cSld>
+  <p:clrMapOvr>
+    <a:masterClrMapping/>
+  </p:clrMapOvr>
+</p:sld>
+</file>
+
 <file path=ppt/slides/slide19.xml><?xml version="1.0" encoding="utf-8"?>
 <p:sld xmlns:a="http://schemas.openxmlformats.org/drawingml/2006/main" xmlns:r="http://schemas.openxmlformats.org/officeDocument/2006/relationships" xmlns:p="http://schemas.openxmlformats.org/presentationml/2006/main">
   <p:cSld>
@@ -10359,7 +10837,7 @@
           <a:p>
             <a:r>
               <a:rPr lang="en-US" dirty="0" smtClean="0"/>
-              <a:t>Next Steps</a:t>
+              <a:t>Summary</a:t>
             </a:r>
             <a:endParaRPr lang="en-US" dirty="0"/>
           </a:p>
@@ -10377,10 +10855,74 @@
         </p:nvSpPr>
         <p:spPr/>
         <p:txBody>
-          <a:bodyPr/>
+          <a:bodyPr>
+            <a:normAutofit fontScale="92500" lnSpcReduction="20000"/>
+          </a:bodyPr>
           <a:lstStyle/>
           <a:p>
-            <a:endParaRPr lang="en-US"/>
+            <a:pPr marL="0" indent="0" fontAlgn="base">
+              <a:buNone/>
+            </a:pPr>
+            <a:r>
+              <a:rPr lang="en-US" dirty="0"/>
+              <a:t>Problem Statement</a:t>
+            </a:r>
+          </a:p>
+          <a:p>
+            <a:pPr lvl="1" fontAlgn="base"/>
+            <a:r>
+              <a:rPr lang="en-US" dirty="0"/>
+              <a:t>Current hobbyist 3D printers are imprecise and fault-prone</a:t>
+            </a:r>
+          </a:p>
+          <a:p>
+            <a:pPr lvl="1" fontAlgn="base"/>
+            <a:r>
+              <a:rPr lang="en-US" dirty="0"/>
+              <a:t>High resolution additive manufacturing is currently not accessible for hobbyists (under $1,000)</a:t>
+            </a:r>
+          </a:p>
+          <a:p>
+            <a:pPr lvl="1" fontAlgn="base"/>
+            <a:r>
+              <a:rPr lang="en-US" dirty="0"/>
+              <a:t>Available PAM systems use proprietary hardware and software</a:t>
+            </a:r>
+          </a:p>
+          <a:p>
+            <a:pPr marL="0" indent="0" fontAlgn="base">
+              <a:buNone/>
+            </a:pPr>
+            <a:r>
+              <a:rPr lang="en-US" dirty="0"/>
+              <a:t>Our Solution</a:t>
+            </a:r>
+          </a:p>
+          <a:p>
+            <a:pPr lvl="1"/>
+            <a:r>
+              <a:rPr lang="en-US" dirty="0"/>
+              <a:t>A DLP PAM system can produce high quality and fast prints</a:t>
+            </a:r>
+          </a:p>
+          <a:p>
+            <a:pPr lvl="1"/>
+            <a:r>
+              <a:rPr lang="en-US" dirty="0"/>
+              <a:t>Use off-the-shelf open-source hardware</a:t>
+            </a:r>
+          </a:p>
+          <a:p>
+            <a:pPr lvl="1"/>
+            <a:r>
+              <a:rPr lang="en-US" dirty="0"/>
+              <a:t>Create a thoroughly documented reference </a:t>
+            </a:r>
+            <a:r>
+              <a:rPr lang="en-US" dirty="0" smtClean="0"/>
+              <a:t>design</a:t>
+            </a:r>
+            <a:endParaRPr lang="en-US" dirty="0"/>
           </a:p>
         </p:txBody>
       </p:sp>
@@ -10410,13 +10952,20 @@
     </p:spTree>
     <p:extLst>
       <p:ext uri="{BB962C8B-B14F-4D97-AF65-F5344CB8AC3E}">
-        <p14:creationId xmlns:p14="http://schemas.microsoft.com/office/powerpoint/2010/main" val="364902407"/>
+        <p14:creationId xmlns:p14="http://schemas.microsoft.com/office/powerpoint/2010/main" val="2150469081"/>
       </p:ext>
     </p:extLst>
   </p:cSld>
   <p:clrMapOvr>
     <a:masterClrMapping/>
   </p:clrMapOvr>
+  <p:timing>
+    <p:tnLst>
+      <p:par>
+        <p:cTn id="1" dur="indefinite" restart="never" nodeType="tmRoot"/>
+      </p:par>
+    </p:tnLst>
+  </p:timing>
 </p:sld>
 </file>
 
@@ -10560,172 +11109,6 @@
 </file>
 
 <file path=ppt/slides/slide20.xml><?xml version="1.0" encoding="utf-8"?>
-<p:sld xmlns:a="http://schemas.openxmlformats.org/drawingml/2006/main" xmlns:r="http://schemas.openxmlformats.org/officeDocument/2006/relationships" xmlns:p="http://schemas.openxmlformats.org/presentationml/2006/main">
-  <p:cSld>
-    <p:spTree>
-      <p:nvGrpSpPr>
-        <p:cNvPr id="1" name=""/>
-        <p:cNvGrpSpPr/>
-        <p:nvPr/>
-      </p:nvGrpSpPr>
-      <p:grpSpPr>
-        <a:xfrm>
-          <a:off x="0" y="0"/>
-          <a:ext cx="0" cy="0"/>
-          <a:chOff x="0" y="0"/>
-          <a:chExt cx="0" cy="0"/>
-        </a:xfrm>
-      </p:grpSpPr>
-      <p:sp>
-        <p:nvSpPr>
-          <p:cNvPr id="2" name="Title 1"/>
-          <p:cNvSpPr>
-            <a:spLocks noGrp="1"/>
-          </p:cNvSpPr>
-          <p:nvPr>
-            <p:ph type="title"/>
-          </p:nvPr>
-        </p:nvSpPr>
-        <p:spPr/>
-        <p:txBody>
-          <a:bodyPr/>
-          <a:lstStyle/>
-          <a:p>
-            <a:r>
-              <a:rPr lang="en-US" dirty="0" smtClean="0"/>
-              <a:t>Summary</a:t>
-            </a:r>
-            <a:endParaRPr lang="en-US" dirty="0"/>
-          </a:p>
-        </p:txBody>
-      </p:sp>
-      <p:sp>
-        <p:nvSpPr>
-          <p:cNvPr id="3" name="Content Placeholder 2"/>
-          <p:cNvSpPr>
-            <a:spLocks noGrp="1"/>
-          </p:cNvSpPr>
-          <p:nvPr>
-            <p:ph idx="1"/>
-          </p:nvPr>
-        </p:nvSpPr>
-        <p:spPr/>
-        <p:txBody>
-          <a:bodyPr>
-            <a:normAutofit fontScale="92500" lnSpcReduction="20000"/>
-          </a:bodyPr>
-          <a:lstStyle/>
-          <a:p>
-            <a:pPr marL="0" indent="0" fontAlgn="base">
-              <a:buNone/>
-            </a:pPr>
-            <a:r>
-              <a:rPr lang="en-US" dirty="0"/>
-              <a:t>Problem Statement</a:t>
-            </a:r>
-          </a:p>
-          <a:p>
-            <a:pPr lvl="1" fontAlgn="base"/>
-            <a:r>
-              <a:rPr lang="en-US" dirty="0"/>
-              <a:t>Current hobbyist 3D printers are imprecise and fault-prone</a:t>
-            </a:r>
-          </a:p>
-          <a:p>
-            <a:pPr lvl="1" fontAlgn="base"/>
-            <a:r>
-              <a:rPr lang="en-US" dirty="0"/>
-              <a:t>High resolution additive manufacturing is currently not accessible for hobbyists (under $1,000)</a:t>
-            </a:r>
-          </a:p>
-          <a:p>
-            <a:pPr lvl="1" fontAlgn="base"/>
-            <a:r>
-              <a:rPr lang="en-US" dirty="0"/>
-              <a:t>Available PAM systems use proprietary hardware and software</a:t>
-            </a:r>
-          </a:p>
-          <a:p>
-            <a:pPr marL="0" indent="0" fontAlgn="base">
-              <a:buNone/>
-            </a:pPr>
-            <a:r>
-              <a:rPr lang="en-US" dirty="0"/>
-              <a:t>Our Solution</a:t>
-            </a:r>
-          </a:p>
-          <a:p>
-            <a:pPr lvl="1"/>
-            <a:r>
-              <a:rPr lang="en-US" dirty="0"/>
-              <a:t>A DLP PAM system can produce high quality and fast prints</a:t>
-            </a:r>
-          </a:p>
-          <a:p>
-            <a:pPr lvl="1"/>
-            <a:r>
-              <a:rPr lang="en-US" dirty="0"/>
-              <a:t>Use off-the-shelf open-source hardware</a:t>
-            </a:r>
-          </a:p>
-          <a:p>
-            <a:pPr lvl="1"/>
-            <a:r>
-              <a:rPr lang="en-US" dirty="0"/>
-              <a:t>Create a thoroughly documented reference </a:t>
-            </a:r>
-            <a:r>
-              <a:rPr lang="en-US" dirty="0" smtClean="0"/>
-              <a:t>design</a:t>
-            </a:r>
-            <a:endParaRPr lang="en-US" dirty="0"/>
-          </a:p>
-        </p:txBody>
-      </p:sp>
-      <p:sp>
-        <p:nvSpPr>
-          <p:cNvPr id="4" name="Slide Number Placeholder 3"/>
-          <p:cNvSpPr>
-            <a:spLocks noGrp="1"/>
-          </p:cNvSpPr>
-          <p:nvPr>
-            <p:ph type="sldNum" sz="quarter" idx="12"/>
-          </p:nvPr>
-        </p:nvSpPr>
-        <p:spPr/>
-        <p:txBody>
-          <a:bodyPr/>
-          <a:lstStyle/>
-          <a:p>
-            <a:fld id="{5C6BB475-B640-4DD3-A1AA-1CF10A44AA06}" type="slidenum">
-              <a:rPr lang="en-US" smtClean="0"/>
-              <a:t>20</a:t>
-            </a:fld>
-            <a:endParaRPr lang="en-US"/>
-          </a:p>
-        </p:txBody>
-      </p:sp>
-    </p:spTree>
-    <p:extLst>
-      <p:ext uri="{BB962C8B-B14F-4D97-AF65-F5344CB8AC3E}">
-        <p14:creationId xmlns:p14="http://schemas.microsoft.com/office/powerpoint/2010/main" val="2150469081"/>
-      </p:ext>
-    </p:extLst>
-  </p:cSld>
-  <p:clrMapOvr>
-    <a:masterClrMapping/>
-  </p:clrMapOvr>
-  <p:timing>
-    <p:tnLst>
-      <p:par>
-        <p:cTn id="1" dur="indefinite" restart="never" nodeType="tmRoot"/>
-      </p:par>
-    </p:tnLst>
-  </p:timing>
-</p:sld>
-</file>
-
-<file path=ppt/slides/slide21.xml><?xml version="1.0" encoding="utf-8"?>
 <p:sld xmlns:a="http://schemas.openxmlformats.org/drawingml/2006/main" xmlns:r="http://schemas.openxmlformats.org/officeDocument/2006/relationships" xmlns:p="http://schemas.openxmlformats.org/presentationml/2006/main">
   <p:cSld>
     <p:spTree>
@@ -11888,7 +12271,7 @@
             <a:fld id="{5C6BB475-B640-4DD3-A1AA-1CF10A44AA06}" type="slidenum">
               <a:rPr lang="en-US" smtClean="0"/>
               <a:pPr/>
-              <a:t>21</a:t>
+              <a:t>20</a:t>
             </a:fld>
             <a:endParaRPr lang="en-US" dirty="0"/>
           </a:p>
@@ -11898,344 +12281,6 @@
     <p:extLst>
       <p:ext uri="{BB962C8B-B14F-4D97-AF65-F5344CB8AC3E}">
         <p14:creationId xmlns:p14="http://schemas.microsoft.com/office/powerpoint/2010/main" val="767577116"/>
-      </p:ext>
-    </p:extLst>
-  </p:cSld>
-  <p:clrMapOvr>
-    <a:masterClrMapping/>
-  </p:clrMapOvr>
-  <p:timing>
-    <p:tnLst>
-      <p:par>
-        <p:cTn id="1" dur="indefinite" restart="never" nodeType="tmRoot"/>
-      </p:par>
-    </p:tnLst>
-  </p:timing>
-</p:sld>
-</file>
-
-<file path=ppt/slides/slide22.xml><?xml version="1.0" encoding="utf-8"?>
-<p:sld xmlns:a="http://schemas.openxmlformats.org/drawingml/2006/main" xmlns:r="http://schemas.openxmlformats.org/officeDocument/2006/relationships" xmlns:p="http://schemas.openxmlformats.org/presentationml/2006/main">
-  <p:cSld>
-    <p:spTree>
-      <p:nvGrpSpPr>
-        <p:cNvPr id="1" name=""/>
-        <p:cNvGrpSpPr/>
-        <p:nvPr/>
-      </p:nvGrpSpPr>
-      <p:grpSpPr>
-        <a:xfrm>
-          <a:off x="0" y="0"/>
-          <a:ext cx="0" cy="0"/>
-          <a:chOff x="0" y="0"/>
-          <a:chExt cx="0" cy="0"/>
-        </a:xfrm>
-      </p:grpSpPr>
-      <p:sp>
-        <p:nvSpPr>
-          <p:cNvPr id="2" name="Title 1"/>
-          <p:cNvSpPr>
-            <a:spLocks noGrp="1"/>
-          </p:cNvSpPr>
-          <p:nvPr>
-            <p:ph type="title"/>
-          </p:nvPr>
-        </p:nvSpPr>
-        <p:spPr/>
-        <p:txBody>
-          <a:bodyPr>
-            <a:normAutofit/>
-          </a:bodyPr>
-          <a:lstStyle/>
-          <a:p>
-            <a:r>
-              <a:rPr lang="en-US" dirty="0" smtClean="0"/>
-              <a:t>References</a:t>
-            </a:r>
-            <a:endParaRPr lang="en-US" dirty="0"/>
-          </a:p>
-        </p:txBody>
-      </p:sp>
-      <p:sp>
-        <p:nvSpPr>
-          <p:cNvPr id="3" name="Content Placeholder 2"/>
-          <p:cNvSpPr>
-            <a:spLocks noGrp="1"/>
-          </p:cNvSpPr>
-          <p:nvPr>
-            <p:ph idx="1"/>
-          </p:nvPr>
-        </p:nvSpPr>
-        <p:spPr/>
-        <p:txBody>
-          <a:bodyPr>
-            <a:normAutofit fontScale="25000" lnSpcReduction="20000"/>
-          </a:bodyPr>
-          <a:lstStyle/>
-          <a:p>
-            <a:pPr marL="514350" indent="-514350">
-              <a:buFont typeface="Arial"/>
-              <a:buAutoNum type="arabicPeriod"/>
-            </a:pPr>
-            <a:r>
-              <a:rPr lang="en-US" i="1" dirty="0"/>
-              <a:t>Make: Ultimate Guide to 3D Printing</a:t>
-            </a:r>
-            <a:endParaRPr lang="en-US" dirty="0" smtClean="0"/>
-          </a:p>
-          <a:p>
-            <a:pPr marL="514350" indent="-514350">
-              <a:buFont typeface="Arial"/>
-              <a:buAutoNum type="arabicPeriod"/>
-            </a:pPr>
-            <a:r>
-              <a:rPr lang="en-US" dirty="0" smtClean="0"/>
-              <a:t>ISO </a:t>
-            </a:r>
-            <a:r>
-              <a:rPr lang="en-US" dirty="0"/>
-              <a:t>262:1998, ISO general purpose metric screw threads -- Selected sizes for screws, bolts and nuts</a:t>
-            </a:r>
-            <a:r>
-              <a:rPr lang="en-US" dirty="0" smtClean="0"/>
-              <a:t>.</a:t>
-            </a:r>
-            <a:endParaRPr lang="en-US" dirty="0"/>
-          </a:p>
-          <a:p>
-            <a:pPr marL="514350" indent="-514350">
-              <a:buAutoNum type="arabicPeriod"/>
-            </a:pPr>
-            <a:r>
-              <a:rPr lang="en-US" dirty="0" smtClean="0"/>
-              <a:t>DIN </a:t>
-            </a:r>
-            <a:r>
-              <a:rPr lang="en-US" dirty="0"/>
-              <a:t>103, ISO Metric Trapezoidal Screw </a:t>
-            </a:r>
-            <a:r>
-              <a:rPr lang="en-US" dirty="0" smtClean="0"/>
-              <a:t>Thread.</a:t>
-            </a:r>
-          </a:p>
-          <a:p>
-            <a:pPr marL="514350" indent="-514350">
-              <a:buAutoNum type="arabicPeriod"/>
-            </a:pPr>
-            <a:r>
-              <a:rPr lang="en-US" dirty="0" smtClean="0"/>
-              <a:t>ANSI/NEMA </a:t>
-            </a:r>
-            <a:r>
-              <a:rPr lang="en-US" dirty="0"/>
-              <a:t>MG 1-2011, Motors and </a:t>
-            </a:r>
-            <a:r>
-              <a:rPr lang="en-US" dirty="0" smtClean="0"/>
-              <a:t>Generators.</a:t>
-            </a:r>
-          </a:p>
-          <a:p>
-            <a:pPr marL="514350" indent="-514350">
-              <a:buFont typeface="Arial"/>
-              <a:buAutoNum type="arabicPeriod"/>
-            </a:pPr>
-            <a:r>
-              <a:rPr lang="en-US" dirty="0"/>
-              <a:t>ISO 6983-1:2009, Automation systems and integration -- Numerical control of machines -- Program format and definitions of address words -- Part 1: Data format for positioning, line motion and contouring control </a:t>
-            </a:r>
-            <a:r>
-              <a:rPr lang="en-US" dirty="0" smtClean="0"/>
-              <a:t>systems.</a:t>
-            </a:r>
-          </a:p>
-          <a:p>
-            <a:pPr marL="514350" indent="-514350">
-              <a:buFont typeface="Arial"/>
-              <a:buAutoNum type="arabicPeriod"/>
-            </a:pPr>
-            <a:r>
-              <a:rPr lang="en-US" dirty="0"/>
-              <a:t>ISO 10303-21:2002, Industrial automation systems and integration -- Product data representation and exchange -- Part 21: Implementation methods: Clear text encoding of the exchange structure.</a:t>
-            </a:r>
-            <a:endParaRPr lang="en-US" dirty="0" smtClean="0"/>
-          </a:p>
-          <a:p>
-            <a:pPr marL="514350" indent="-514350">
-              <a:buFont typeface="Arial"/>
-              <a:buAutoNum type="arabicPeriod"/>
-            </a:pPr>
-            <a:r>
-              <a:rPr lang="en-US" dirty="0" smtClean="0"/>
-              <a:t>ISO/ASTM </a:t>
-            </a:r>
-            <a:r>
-              <a:rPr lang="en-US" dirty="0"/>
-              <a:t>52915:2013, Standard specification for additive manufacturing file format (AMF) Version 1.1</a:t>
-            </a:r>
-            <a:r>
-              <a:rPr lang="en-US" dirty="0" smtClean="0"/>
-              <a:t>.</a:t>
-            </a:r>
-          </a:p>
-          <a:p>
-            <a:pPr marL="514350" indent="-514350">
-              <a:buAutoNum type="arabicPeriod"/>
-            </a:pPr>
-            <a:r>
-              <a:rPr lang="en-US" dirty="0"/>
-              <a:t>W3C, "XML 1.1 Extensible Markup Language (XML) 1.1 (Second Edition)," 16 August 2006. [Online]. Available: http://www.w3.org/TR/2006/REC-xml11-20060816/. [Accessed 16 April 2014</a:t>
-            </a:r>
-            <a:r>
-              <a:rPr lang="en-US" dirty="0" smtClean="0"/>
-              <a:t>].</a:t>
-            </a:r>
-          </a:p>
-          <a:p>
-            <a:pPr marL="514350" indent="-514350">
-              <a:buAutoNum type="arabicPeriod"/>
-            </a:pPr>
-            <a:r>
-              <a:rPr lang="en-US" dirty="0"/>
-              <a:t>W3C, "Scalable Vector Graphics (SVG) 1.1 (Second Edition)," 16 August 2011. [Online]. Available: http://www.w3.org/TR/SVG/. [Accessed 16 April 2014</a:t>
-            </a:r>
-            <a:r>
-              <a:rPr lang="en-US" dirty="0" smtClean="0"/>
-              <a:t>].</a:t>
-            </a:r>
-          </a:p>
-          <a:p>
-            <a:pPr marL="514350" indent="-514350">
-              <a:buFont typeface="Arial"/>
-              <a:buAutoNum type="arabicPeriod"/>
-            </a:pPr>
-            <a:r>
-              <a:rPr lang="en-US" dirty="0"/>
-              <a:t>ISO/IEC 14882:2011, Information technology -- Programming languages -- C++.</a:t>
-            </a:r>
-          </a:p>
-          <a:p>
-            <a:pPr marL="514350" indent="-514350">
-              <a:buFont typeface="Arial"/>
-              <a:buAutoNum type="arabicPeriod"/>
-            </a:pPr>
-            <a:r>
-              <a:rPr lang="en-US" dirty="0"/>
-              <a:t>E. Chu, "B9 Creator," </a:t>
-            </a:r>
-            <a:r>
-              <a:rPr lang="en-US" i="1" dirty="0"/>
-              <a:t>Make: Ultimate Guide to 3D Printing, </a:t>
-            </a:r>
-            <a:r>
-              <a:rPr lang="en-US" dirty="0"/>
-              <a:t>p. 93.</a:t>
-            </a:r>
-          </a:p>
-          <a:p>
-            <a:pPr marL="514350" indent="-514350">
-              <a:buFont typeface="Arial"/>
-              <a:buAutoNum type="arabicPeriod"/>
-            </a:pPr>
-            <a:r>
-              <a:rPr lang="en-US" dirty="0"/>
-              <a:t>B9 Creations LLC, "B9 Creator GitHub," GitHub Inc., 2014. [Online]. Available: https://github.com/B9Creations/B9Creator. [Accessed 27 February 2014].</a:t>
-            </a:r>
-          </a:p>
-          <a:p>
-            <a:pPr marL="514350" indent="-514350">
-              <a:buAutoNum type="arabicPeriod"/>
-            </a:pPr>
-            <a:r>
-              <a:rPr lang="en-US" dirty="0"/>
-              <a:t>Rays Optics Inc., "MiiCraft User Guide," </a:t>
-            </a:r>
-            <a:r>
-              <a:rPr lang="en-US" dirty="0" smtClean="0"/>
-              <a:t>2012</a:t>
-            </a:r>
-            <a:r>
-              <a:rPr lang="en-US" dirty="0"/>
-              <a:t>. [Online]. Available: http://www.miicraft.com/web/assets/2012/11/MiiCraft-3D-printer-User-Guide.pdf. [Accessed 27 February 2014</a:t>
-            </a:r>
-            <a:r>
-              <a:rPr lang="en-US" dirty="0" smtClean="0"/>
-              <a:t>].</a:t>
-            </a:r>
-          </a:p>
-          <a:p>
-            <a:pPr marL="514350" indent="-514350">
-              <a:buAutoNum type="arabicPeriod"/>
-            </a:pPr>
-            <a:r>
-              <a:rPr lang="en-US" dirty="0"/>
-              <a:t>S. Hernandez, "Creation Workshop GitHub," GitHub Inc., 2014. [Online]. Available: https://github.com/Pacmanfan/UVDLPSlicerController. [Accessed 27 February 2014</a:t>
-            </a:r>
-            <a:r>
-              <a:rPr lang="en-US" dirty="0" smtClean="0"/>
-              <a:t>].</a:t>
-            </a:r>
-          </a:p>
-          <a:p>
-            <a:pPr marL="514350" indent="-514350">
-              <a:buAutoNum type="arabicPeriod"/>
-            </a:pPr>
-            <a:r>
-              <a:rPr lang="en-US" dirty="0"/>
-              <a:t>S. Hernandez, "Creation Workshop - SLA / FDM Slicer and Controller," Makerbot Industries LLC, 8 January 2013. [Online]. Available: https://www.thingiverse.com/thing:40778. [Accessed 27 February 2014</a:t>
-            </a:r>
-            <a:r>
-              <a:rPr lang="en-US" dirty="0" smtClean="0"/>
-              <a:t>].</a:t>
-            </a:r>
-          </a:p>
-          <a:p>
-            <a:pPr marL="514350" indent="-514350">
-              <a:buAutoNum type="arabicPeriod"/>
-            </a:pPr>
-            <a:r>
-              <a:rPr lang="en-US" dirty="0"/>
-              <a:t>Fabmetheus, "Skeinforge Vectorwrite," Demozendium, 17 July 2012. [Online]. Available: http://fabmetheus.crsndoo.com/wiki/index.php/Skeinforge_Vectorwrite. [Accessed 27 </a:t>
-            </a:r>
-            <a:r>
-              <a:rPr lang="en-US" dirty="0" smtClean="0"/>
-              <a:t>February </a:t>
-            </a:r>
-            <a:r>
-              <a:rPr lang="en-US" dirty="0"/>
-              <a:t>2014].</a:t>
-            </a:r>
-          </a:p>
-        </p:txBody>
-      </p:sp>
-      <p:sp>
-        <p:nvSpPr>
-          <p:cNvPr id="4" name="Slide Number Placeholder 3"/>
-          <p:cNvSpPr>
-            <a:spLocks noGrp="1"/>
-          </p:cNvSpPr>
-          <p:nvPr>
-            <p:ph type="sldNum" sz="quarter" idx="12"/>
-          </p:nvPr>
-        </p:nvSpPr>
-        <p:spPr/>
-        <p:txBody>
-          <a:bodyPr/>
-          <a:lstStyle/>
-          <a:p>
-            <a:fld id="{5C6BB475-B640-4DD3-A1AA-1CF10A44AA06}" type="slidenum">
-              <a:rPr lang="en-US" smtClean="0"/>
-              <a:t>22</a:t>
-            </a:fld>
-            <a:endParaRPr lang="en-US"/>
-          </a:p>
-        </p:txBody>
-      </p:sp>
-    </p:spTree>
-    <p:extLst>
-      <p:ext uri="{BB962C8B-B14F-4D97-AF65-F5344CB8AC3E}">
-        <p14:creationId xmlns:p14="http://schemas.microsoft.com/office/powerpoint/2010/main" val="3335187621"/>
       </p:ext>
     </p:extLst>
   </p:cSld>
@@ -12828,12 +12873,9 @@
           <a:p>
             <a:r>
               <a:rPr lang="en-US" dirty="0" smtClean="0"/>
-              <a:t>System Block </a:t>
-            </a:r>
-            <a:r>
-              <a:rPr lang="en-US" dirty="0"/>
-              <a:t>Diagram</a:t>
-            </a:r>
+              <a:t>Specifications</a:t>
+            </a:r>
+            <a:endParaRPr lang="en-US" dirty="0"/>
           </a:p>
         </p:txBody>
       </p:sp>
@@ -12855,143 +12897,6 @@
             <a:fld id="{5C6BB475-B640-4DD3-A1AA-1CF10A44AA06}" type="slidenum">
               <a:rPr lang="en-US" smtClean="0"/>
               <a:t>6</a:t>
-            </a:fld>
-            <a:endParaRPr lang="en-US"/>
-          </a:p>
-        </p:txBody>
-      </p:sp>
-      <p:pic>
-        <p:nvPicPr>
-          <p:cNvPr id="6" name="Picture 5"/>
-          <p:cNvPicPr>
-            <a:picLocks noChangeAspect="1"/>
-          </p:cNvPicPr>
-          <p:nvPr/>
-        </p:nvPicPr>
-        <p:blipFill>
-          <a:blip r:embed="rId2"/>
-          <a:stretch>
-            <a:fillRect/>
-          </a:stretch>
-        </p:blipFill>
-        <p:spPr>
-          <a:xfrm>
-            <a:off x="1064412" y="1504440"/>
-            <a:ext cx="10973866" cy="4336349"/>
-          </a:xfrm>
-          <a:prstGeom prst="rect">
-            <a:avLst/>
-          </a:prstGeom>
-        </p:spPr>
-      </p:pic>
-      <p:sp>
-        <p:nvSpPr>
-          <p:cNvPr id="7" name="TextBox 6"/>
-          <p:cNvSpPr txBox="1"/>
-          <p:nvPr/>
-        </p:nvSpPr>
-        <p:spPr>
-          <a:xfrm>
-            <a:off x="4799904" y="5867130"/>
-            <a:ext cx="3502882" cy="369332"/>
-          </a:xfrm>
-          <a:prstGeom prst="rect">
-            <a:avLst/>
-          </a:prstGeom>
-          <a:noFill/>
-        </p:spPr>
-        <p:txBody>
-          <a:bodyPr wrap="none" rtlCol="0">
-            <a:spAutoFit/>
-          </a:bodyPr>
-          <a:lstStyle/>
-          <a:p>
-            <a:r>
-              <a:rPr lang="en-US" dirty="0" smtClean="0"/>
-              <a:t>Figure 6. Functional Block Diagram</a:t>
-            </a:r>
-            <a:endParaRPr lang="en-US" dirty="0"/>
-          </a:p>
-        </p:txBody>
-      </p:sp>
-    </p:spTree>
-    <p:extLst>
-      <p:ext uri="{BB962C8B-B14F-4D97-AF65-F5344CB8AC3E}">
-        <p14:creationId xmlns:p14="http://schemas.microsoft.com/office/powerpoint/2010/main" val="3997829335"/>
-      </p:ext>
-    </p:extLst>
-  </p:cSld>
-  <p:clrMapOvr>
-    <a:masterClrMapping/>
-  </p:clrMapOvr>
-  <p:timing>
-    <p:tnLst>
-      <p:par>
-        <p:cTn id="1" dur="indefinite" restart="never" nodeType="tmRoot"/>
-      </p:par>
-    </p:tnLst>
-  </p:timing>
-</p:sld>
-</file>
-
-<file path=ppt/slides/slide7.xml><?xml version="1.0" encoding="utf-8"?>
-<p:sld xmlns:a="http://schemas.openxmlformats.org/drawingml/2006/main" xmlns:r="http://schemas.openxmlformats.org/officeDocument/2006/relationships" xmlns:p="http://schemas.openxmlformats.org/presentationml/2006/main">
-  <p:cSld>
-    <p:spTree>
-      <p:nvGrpSpPr>
-        <p:cNvPr id="1" name=""/>
-        <p:cNvGrpSpPr/>
-        <p:nvPr/>
-      </p:nvGrpSpPr>
-      <p:grpSpPr>
-        <a:xfrm>
-          <a:off x="0" y="0"/>
-          <a:ext cx="0" cy="0"/>
-          <a:chOff x="0" y="0"/>
-          <a:chExt cx="0" cy="0"/>
-        </a:xfrm>
-      </p:grpSpPr>
-      <p:sp>
-        <p:nvSpPr>
-          <p:cNvPr id="2" name="Title 1"/>
-          <p:cNvSpPr>
-            <a:spLocks noGrp="1"/>
-          </p:cNvSpPr>
-          <p:nvPr>
-            <p:ph type="title"/>
-          </p:nvPr>
-        </p:nvSpPr>
-        <p:spPr/>
-        <p:txBody>
-          <a:bodyPr/>
-          <a:lstStyle/>
-          <a:p>
-            <a:r>
-              <a:rPr lang="en-US" dirty="0" smtClean="0"/>
-              <a:t>Specifications</a:t>
-            </a:r>
-            <a:endParaRPr lang="en-US" dirty="0"/>
-          </a:p>
-        </p:txBody>
-      </p:sp>
-      <p:sp>
-        <p:nvSpPr>
-          <p:cNvPr id="4" name="Slide Number Placeholder 3"/>
-          <p:cNvSpPr>
-            <a:spLocks noGrp="1"/>
-          </p:cNvSpPr>
-          <p:nvPr>
-            <p:ph type="sldNum" sz="quarter" idx="12"/>
-          </p:nvPr>
-        </p:nvSpPr>
-        <p:spPr/>
-        <p:txBody>
-          <a:bodyPr/>
-          <a:lstStyle/>
-          <a:p>
-            <a:fld id="{5C6BB475-B640-4DD3-A1AA-1CF10A44AA06}" type="slidenum">
-              <a:rPr lang="en-US" smtClean="0"/>
-              <a:t>7</a:t>
             </a:fld>
             <a:endParaRPr lang="en-US"/>
           </a:p>
@@ -13320,7 +13225,7 @@
 </p:sld>
 </file>
 
-<file path=ppt/slides/slide8.xml><?xml version="1.0" encoding="utf-8"?>
+<file path=ppt/slides/slide7.xml><?xml version="1.0" encoding="utf-8"?>
 <p:sld xmlns:a="http://schemas.openxmlformats.org/drawingml/2006/main" xmlns:r="http://schemas.openxmlformats.org/officeDocument/2006/relationships" xmlns:p="http://schemas.openxmlformats.org/presentationml/2006/main">
   <p:cSld>
     <p:spTree>
@@ -13435,7 +13340,7 @@
           <a:p>
             <a:fld id="{5C6BB475-B640-4DD3-A1AA-1CF10A44AA06}" type="slidenum">
               <a:rPr lang="en-US" smtClean="0"/>
-              <a:t>8</a:t>
+              <a:t>7</a:t>
             </a:fld>
             <a:endParaRPr lang="en-US"/>
           </a:p>
@@ -13538,7 +13443,7 @@
 </p:sld>
 </file>
 
-<file path=ppt/slides/slide9.xml><?xml version="1.0" encoding="utf-8"?>
+<file path=ppt/slides/slide8.xml><?xml version="1.0" encoding="utf-8"?>
 <p:sld xmlns:a="http://schemas.openxmlformats.org/drawingml/2006/main" xmlns:r="http://schemas.openxmlformats.org/officeDocument/2006/relationships" xmlns:p="http://schemas.openxmlformats.org/presentationml/2006/main">
   <p:cSld>
     <p:spTree>
@@ -13623,7 +13528,7 @@
           <a:p>
             <a:fld id="{5C6BB475-B640-4DD3-A1AA-1CF10A44AA06}" type="slidenum">
               <a:rPr lang="en-US" smtClean="0"/>
-              <a:t>9</a:t>
+              <a:t>8</a:t>
             </a:fld>
             <a:endParaRPr lang="en-US"/>
           </a:p>
@@ -13691,6 +13596,157 @@
     <p:extLst>
       <p:ext uri="{BB962C8B-B14F-4D97-AF65-F5344CB8AC3E}">
         <p14:creationId xmlns:p14="http://schemas.microsoft.com/office/powerpoint/2010/main" val="2538826317"/>
+      </p:ext>
+    </p:extLst>
+  </p:cSld>
+  <p:clrMapOvr>
+    <a:masterClrMapping/>
+  </p:clrMapOvr>
+</p:sld>
+</file>
+
+<file path=ppt/slides/slide9.xml><?xml version="1.0" encoding="utf-8"?>
+<p:sld xmlns:a="http://schemas.openxmlformats.org/drawingml/2006/main" xmlns:r="http://schemas.openxmlformats.org/officeDocument/2006/relationships" xmlns:p="http://schemas.openxmlformats.org/presentationml/2006/main">
+  <p:cSld>
+    <p:spTree>
+      <p:nvGrpSpPr>
+        <p:cNvPr id="1" name=""/>
+        <p:cNvGrpSpPr/>
+        <p:nvPr/>
+      </p:nvGrpSpPr>
+      <p:grpSpPr>
+        <a:xfrm>
+          <a:off x="0" y="0"/>
+          <a:ext cx="0" cy="0"/>
+          <a:chOff x="0" y="0"/>
+          <a:chExt cx="0" cy="0"/>
+        </a:xfrm>
+      </p:grpSpPr>
+      <p:sp>
+        <p:nvSpPr>
+          <p:cNvPr id="2" name="Title 1"/>
+          <p:cNvSpPr>
+            <a:spLocks noGrp="1"/>
+          </p:cNvSpPr>
+          <p:nvPr>
+            <p:ph type="title"/>
+          </p:nvPr>
+        </p:nvSpPr>
+        <p:spPr/>
+        <p:txBody>
+          <a:bodyPr/>
+          <a:lstStyle/>
+          <a:p>
+            <a:r>
+              <a:rPr lang="en-US" dirty="0" smtClean="0"/>
+              <a:t>Technical Drawings/Title Block</a:t>
+            </a:r>
+            <a:endParaRPr lang="en-US" dirty="0"/>
+          </a:p>
+        </p:txBody>
+      </p:sp>
+      <p:sp>
+        <p:nvSpPr>
+          <p:cNvPr id="3" name="Content Placeholder 2"/>
+          <p:cNvSpPr>
+            <a:spLocks noGrp="1"/>
+          </p:cNvSpPr>
+          <p:nvPr>
+            <p:ph idx="1"/>
+          </p:nvPr>
+        </p:nvSpPr>
+        <p:spPr>
+          <a:xfrm>
+            <a:off x="1541989" y="1629637"/>
+            <a:ext cx="10018713" cy="1321382"/>
+          </a:xfrm>
+        </p:spPr>
+        <p:txBody>
+          <a:bodyPr>
+            <a:normAutofit fontScale="85000" lnSpcReduction="20000"/>
+          </a:bodyPr>
+          <a:lstStyle/>
+          <a:p>
+            <a:r>
+              <a:rPr lang="en-US" dirty="0" smtClean="0"/>
+              <a:t>The Coupler was GD&amp;T according to ISO standards. </a:t>
+            </a:r>
+          </a:p>
+          <a:p>
+            <a:r>
+              <a:rPr lang="en-US" dirty="0"/>
+              <a:t>A Title Block was created for the Open Source Hardware </a:t>
+            </a:r>
+            <a:r>
+              <a:rPr lang="en-US" dirty="0" smtClean="0"/>
+              <a:t>Community</a:t>
+            </a:r>
+          </a:p>
+          <a:p>
+            <a:pPr marL="0" indent="0">
+              <a:buNone/>
+            </a:pPr>
+            <a:endParaRPr lang="en-US" dirty="0"/>
+          </a:p>
+        </p:txBody>
+      </p:sp>
+      <p:sp>
+        <p:nvSpPr>
+          <p:cNvPr id="4" name="Slide Number Placeholder 3"/>
+          <p:cNvSpPr>
+            <a:spLocks noGrp="1"/>
+          </p:cNvSpPr>
+          <p:nvPr>
+            <p:ph type="sldNum" sz="quarter" idx="12"/>
+          </p:nvPr>
+        </p:nvSpPr>
+        <p:spPr/>
+        <p:txBody>
+          <a:bodyPr/>
+          <a:lstStyle/>
+          <a:p>
+            <a:fld id="{5C6BB475-B640-4DD3-A1AA-1CF10A44AA06}" type="slidenum">
+              <a:rPr lang="en-US" smtClean="0"/>
+              <a:pPr/>
+              <a:t>9</a:t>
+            </a:fld>
+            <a:endParaRPr lang="en-US" dirty="0"/>
+          </a:p>
+        </p:txBody>
+      </p:sp>
+      <p:pic>
+        <p:nvPicPr>
+          <p:cNvPr id="5" name="Picture 4"/>
+          <p:cNvPicPr>
+            <a:picLocks noChangeAspect="1"/>
+          </p:cNvPicPr>
+          <p:nvPr/>
+        </p:nvPicPr>
+        <p:blipFill rotWithShape="1">
+          <a:blip r:embed="rId3" cstate="print">
+            <a:extLst>
+              <a:ext uri="{28A0092B-C50C-407E-A947-70E740481C1C}">
+                <a14:useLocalDpi xmlns:a14="http://schemas.microsoft.com/office/drawing/2010/main" val="0"/>
+              </a:ext>
+            </a:extLst>
+          </a:blip>
+          <a:srcRect l="50250" t="77424" r="1936" b="3030"/>
+          <a:stretch/>
+        </p:blipFill>
+        <p:spPr>
+          <a:xfrm>
+            <a:off x="1690254" y="2770660"/>
+            <a:ext cx="10130285" cy="2923505"/>
+          </a:xfrm>
+          <a:prstGeom prst="rect">
+            <a:avLst/>
+          </a:prstGeom>
+        </p:spPr>
+      </p:pic>
+    </p:spTree>
+    <p:extLst>
+      <p:ext uri="{BB962C8B-B14F-4D97-AF65-F5344CB8AC3E}">
+        <p14:creationId xmlns:p14="http://schemas.microsoft.com/office/powerpoint/2010/main" val="4023824264"/>
       </p:ext>
     </p:extLst>
   </p:cSld>
@@ -14218,18 +14274,18 @@
 </file>
 
 <file path=customXml/item1.xml><?xml version="1.0" encoding="utf-8"?>
-<p:properties xmlns:p="http://schemas.microsoft.com/office/2006/metadata/properties" xmlns:xsi="http://www.w3.org/2001/XMLSchema-instance" xmlns:pc="http://schemas.microsoft.com/office/infopath/2007/PartnerControls">
-  <documentManagement/>
-</p:properties>
-</file>
-
-<file path=customXml/item2.xml><?xml version="1.0" encoding="utf-8"?>
 <?mso-contentType ?>
 <FormTemplates xmlns="http://schemas.microsoft.com/sharepoint/v3/contenttype/forms">
   <Display>DocumentLibraryForm</Display>
   <Edit>DocumentLibraryForm</Edit>
   <New>DocumentLibraryForm</New>
 </FormTemplates>
+</file>
+
+<file path=customXml/item2.xml><?xml version="1.0" encoding="utf-8"?>
+<p:properties xmlns:p="http://schemas.microsoft.com/office/2006/metadata/properties" xmlns:xsi="http://www.w3.org/2001/XMLSchema-instance" xmlns:pc="http://schemas.microsoft.com/office/infopath/2007/PartnerControls">
+  <documentManagement/>
+</p:properties>
 </file>
 
 <file path=customXml/item3.xml><?xml version="1.0" encoding="utf-8"?>
@@ -14373,18 +14429,18 @@
 </file>
 
 <file path=customXml/itemProps1.xml><?xml version="1.0" encoding="utf-8"?>
-<ds:datastoreItem xmlns:ds="http://schemas.openxmlformats.org/officeDocument/2006/customXml" ds:itemID="{7D5E529B-E2B8-4FF4-96DC-717B6A9731D6}">
+<ds:datastoreItem xmlns:ds="http://schemas.openxmlformats.org/officeDocument/2006/customXml" ds:itemID="{A1EF12E8-B070-4F5F-9BD0-CEE0E7C075D0}">
   <ds:schemaRefs>
-    <ds:schemaRef ds:uri="http://schemas.microsoft.com/office/2006/metadata/properties"/>
-    <ds:schemaRef ds:uri="http://schemas.microsoft.com/office/infopath/2007/PartnerControls"/>
+    <ds:schemaRef ds:uri="http://schemas.microsoft.com/sharepoint/v3/contenttype/forms"/>
   </ds:schemaRefs>
 </ds:datastoreItem>
 </file>
 
 <file path=customXml/itemProps2.xml><?xml version="1.0" encoding="utf-8"?>
-<ds:datastoreItem xmlns:ds="http://schemas.openxmlformats.org/officeDocument/2006/customXml" ds:itemID="{A1EF12E8-B070-4F5F-9BD0-CEE0E7C075D0}">
+<ds:datastoreItem xmlns:ds="http://schemas.openxmlformats.org/officeDocument/2006/customXml" ds:itemID="{7D5E529B-E2B8-4FF4-96DC-717B6A9731D6}">
   <ds:schemaRefs>
-    <ds:schemaRef ds:uri="http://schemas.microsoft.com/sharepoint/v3/contenttype/forms"/>
+    <ds:schemaRef ds:uri="http://schemas.microsoft.com/office/2006/metadata/properties"/>
+    <ds:schemaRef ds:uri="http://schemas.microsoft.com/office/infopath/2007/PartnerControls"/>
   </ds:schemaRefs>
 </ds:datastoreItem>
 </file>

--- a/Presentations/DesignPres/DesignPres-75.pptx
+++ b/Presentations/DesignPres/DesignPres-75.pptx
@@ -619,11 +619,11 @@
         </c:dLbls>
         <c:bubbleScale val="100"/>
         <c:showNegBubbles val="0"/>
-        <c:axId val="-1337821952"/>
-        <c:axId val="-1337820320"/>
+        <c:axId val="578265184"/>
+        <c:axId val="578265728"/>
       </c:bubbleChart>
       <c:valAx>
-        <c:axId val="-1337821952"/>
+        <c:axId val="578265184"/>
         <c:scaling>
           <c:orientation val="minMax"/>
           <c:min val="0"/>
@@ -743,12 +743,12 @@
             <a:endParaRPr lang="en-US"/>
           </a:p>
         </c:txPr>
-        <c:crossAx val="-1337820320"/>
+        <c:crossAx val="578265728"/>
         <c:crosses val="autoZero"/>
         <c:crossBetween val="midCat"/>
       </c:valAx>
       <c:valAx>
-        <c:axId val="-1337820320"/>
+        <c:axId val="578265728"/>
         <c:scaling>
           <c:orientation val="minMax"/>
           <c:max val="3500"/>
@@ -866,7 +866,7 @@
             <a:endParaRPr lang="en-US"/>
           </a:p>
         </c:txPr>
-        <c:crossAx val="-1337821952"/>
+        <c:crossAx val="578265184"/>
         <c:crosses val="autoZero"/>
         <c:crossBetween val="midCat"/>
       </c:valAx>
@@ -9086,6 +9086,40 @@
           </a:prstGeom>
         </p:spPr>
       </p:pic>
+      <p:sp>
+        <p:nvSpPr>
+          <p:cNvPr id="8" name="TextBox 7"/>
+          <p:cNvSpPr txBox="1"/>
+          <p:nvPr/>
+        </p:nvSpPr>
+        <p:spPr>
+          <a:xfrm>
+            <a:off x="5148813" y="6232256"/>
+            <a:ext cx="2805063" cy="369332"/>
+          </a:xfrm>
+          <a:prstGeom prst="rect">
+            <a:avLst/>
+          </a:prstGeom>
+          <a:noFill/>
+        </p:spPr>
+        <p:txBody>
+          <a:bodyPr wrap="none" rtlCol="0">
+            <a:spAutoFit/>
+          </a:bodyPr>
+          <a:lstStyle/>
+          <a:p>
+            <a:r>
+              <a:rPr lang="en-US" dirty="0" smtClean="0"/>
+              <a:t>Figure </a:t>
+            </a:r>
+            <a:r>
+              <a:rPr lang="en-US" dirty="0" smtClean="0"/>
+              <a:t>7. Simulation Results</a:t>
+            </a:r>
+            <a:endParaRPr lang="en-US" dirty="0"/>
+          </a:p>
+        </p:txBody>
+      </p:sp>
     </p:spTree>
     <p:extLst>
       <p:ext uri="{BB962C8B-B14F-4D97-AF65-F5344CB8AC3E}">
@@ -9186,6 +9220,52 @@
           </a:prstGeom>
         </p:spPr>
       </p:pic>
+      <p:sp>
+        <p:nvSpPr>
+          <p:cNvPr id="6" name="TextBox 5"/>
+          <p:cNvSpPr txBox="1"/>
+          <p:nvPr/>
+        </p:nvSpPr>
+        <p:spPr>
+          <a:xfrm>
+            <a:off x="5148813" y="6446540"/>
+            <a:ext cx="3393173" cy="369332"/>
+          </a:xfrm>
+          <a:prstGeom prst="rect">
+            <a:avLst/>
+          </a:prstGeom>
+          <a:noFill/>
+        </p:spPr>
+        <p:txBody>
+          <a:bodyPr wrap="none" rtlCol="0">
+            <a:spAutoFit/>
+          </a:bodyPr>
+          <a:lstStyle/>
+          <a:p>
+            <a:r>
+              <a:rPr lang="en-US" dirty="0" smtClean="0"/>
+              <a:t>Figure </a:t>
+            </a:r>
+            <a:r>
+              <a:rPr lang="en-US" dirty="0"/>
+              <a:t>8</a:t>
+            </a:r>
+            <a:r>
+              <a:rPr lang="en-US" dirty="0" smtClean="0"/>
+              <a:t>. High Level Wire </a:t>
+            </a:r>
+            <a:r>
+              <a:rPr lang="en-US" dirty="0"/>
+              <a:t>D</a:t>
+            </a:r>
+            <a:r>
+              <a:rPr lang="en-US" dirty="0" smtClean="0"/>
+              <a:t>iagram</a:t>
+            </a:r>
+            <a:endParaRPr lang="en-US" dirty="0"/>
+          </a:p>
+        </p:txBody>
+      </p:sp>
     </p:spTree>
     <p:extLst>
       <p:ext uri="{BB962C8B-B14F-4D97-AF65-F5344CB8AC3E}">
@@ -9353,70 +9433,29 @@
             </a:r>
             <a:r>
               <a:rPr lang="en-US" sz="3200" dirty="0" smtClean="0"/>
-              <a:t> DRV8825 </a:t>
-            </a:r>
+              <a:t> DRV8825 drivers</a:t>
+            </a:r>
+          </a:p>
+          <a:p>
+            <a:pPr lvl="1"/>
+            <a:r>
+              <a:rPr lang="en-US" sz="2000" dirty="0" smtClean="0"/>
+              <a:t>4 dual H-bridge drivers with current control logic, allowing for more precise stepping and power management</a:t>
+            </a:r>
+          </a:p>
+          <a:p>
+            <a:pPr marL="285750" lvl="1" indent="-64770"/>
             <a:r>
               <a:rPr lang="en-US" sz="3200" dirty="0" smtClean="0"/>
-              <a:t>drivers</a:t>
-            </a:r>
-          </a:p>
-          <a:p>
-            <a:pPr lvl="1"/>
+              <a:t>Adafruit Motor Shield (AFMS): Uses an H-bridge motor driver </a:t>
+            </a:r>
+          </a:p>
+          <a:p>
+            <a:pPr marL="742950" lvl="2" indent="-64770"/>
             <a:r>
               <a:rPr lang="en-US" sz="2000" dirty="0" smtClean="0"/>
-              <a:t>4 dual </a:t>
-            </a:r>
-            <a:r>
-              <a:rPr lang="en-US" sz="2000" dirty="0" smtClean="0"/>
-              <a:t>H-bridge </a:t>
-            </a:r>
-            <a:r>
-              <a:rPr lang="en-US" sz="2000" dirty="0" smtClean="0"/>
-              <a:t>drivers with current control logic, allowing for more precise stepping and power management</a:t>
-            </a:r>
-          </a:p>
-          <a:p>
-            <a:pPr marL="285750" lvl="1" indent="-64770"/>
-            <a:r>
-              <a:rPr lang="en-US" sz="3200" dirty="0" smtClean="0"/>
-              <a:t>Adafruit Motor Shield (AFMS): Uses an </a:t>
-            </a:r>
-            <a:r>
-              <a:rPr lang="en-US" sz="3200" dirty="0" smtClean="0"/>
-              <a:t>H-</a:t>
-            </a:r>
-            <a:r>
-              <a:rPr lang="en-US" sz="3200" dirty="0" smtClean="0"/>
-              <a:t>bridge </a:t>
-            </a:r>
-            <a:r>
-              <a:rPr lang="en-US" sz="3200" dirty="0" smtClean="0"/>
-              <a:t>motor driver </a:t>
-            </a:r>
-          </a:p>
-          <a:p>
-            <a:pPr marL="742950" lvl="2" indent="-64770"/>
-            <a:r>
-              <a:rPr lang="en-US" sz="2000" dirty="0" smtClean="0"/>
-              <a:t>4 </a:t>
-            </a:r>
-            <a:r>
-              <a:rPr lang="en-US" sz="2000" dirty="0" smtClean="0"/>
-              <a:t>H-</a:t>
-            </a:r>
-            <a:r>
-              <a:rPr lang="en-US" sz="2000" dirty="0" smtClean="0"/>
-              <a:t>bridge </a:t>
-            </a:r>
-            <a:r>
-              <a:rPr lang="en-US" sz="2000" dirty="0" smtClean="0"/>
-              <a:t>drivers capable of running 2 stepper motors, however lacks some of the logic for more precise </a:t>
-            </a:r>
-            <a:r>
-              <a:rPr lang="en-US" sz="2000" dirty="0" smtClean="0"/>
-              <a:t>control</a:t>
-            </a:r>
-            <a:endParaRPr lang="en-US" sz="2000" dirty="0" smtClean="0"/>
+              <a:t>4 H-bridge drivers capable of running 2 stepper motors, however lacks some of the logic for more precise control</a:t>
+            </a:r>
           </a:p>
         </p:txBody>
       </p:sp>
@@ -9473,11 +9512,11 @@
   <p:clrMapOvr>
     <a:masterClrMapping/>
   </p:clrMapOvr>
-  <mc:AlternateContent xmlns:mc="http://schemas.openxmlformats.org/markup-compatibility/2006">
-    <mc:Choice xmlns:p14="http://schemas.microsoft.com/office/powerpoint/2010/main" Requires="p14">
+  <mc:AlternateContent xmlns:mc="http://schemas.openxmlformats.org/markup-compatibility/2006" xmlns:p14="http://schemas.microsoft.com/office/powerpoint/2010/main">
+    <mc:Choice Requires="p14">
       <p:transition p14:dur="0"/>
     </mc:Choice>
-    <mc:Fallback>
+    <mc:Fallback xmlns="">
       <p:transition/>
     </mc:Fallback>
   </mc:AlternateContent>
@@ -9682,7 +9721,7 @@
           <a:p>
             <a:r>
               <a:rPr lang="en-US" dirty="0" smtClean="0"/>
-              <a:t>System Block </a:t>
+              <a:t>Functional Block </a:t>
             </a:r>
             <a:r>
               <a:rPr lang="en-US" dirty="0"/>
@@ -9746,7 +9785,7 @@
         </p:nvSpPr>
         <p:spPr>
           <a:xfrm>
-            <a:off x="4799904" y="5867130"/>
+            <a:off x="4799904" y="5882462"/>
             <a:ext cx="3502882" cy="369332"/>
           </a:xfrm>
           <a:prstGeom prst="rect">
@@ -9762,7 +9801,15 @@
           <a:p>
             <a:r>
               <a:rPr lang="en-US" dirty="0" smtClean="0"/>
-              <a:t>Figure 6. Functional Block Diagram</a:t>
+              <a:t>Figure </a:t>
+            </a:r>
+            <a:r>
+              <a:rPr lang="en-US" dirty="0" smtClean="0"/>
+              <a:t>9. </a:t>
+            </a:r>
+            <a:r>
+              <a:rPr lang="en-US" dirty="0" smtClean="0"/>
+              <a:t>Functional Block Diagram</a:t>
             </a:r>
             <a:endParaRPr lang="en-US" dirty="0"/>
           </a:p>
@@ -10126,14 +10173,14 @@
           <p:nvPr>
             <p:extLst>
               <p:ext uri="{D42A27DB-BD31-4B8C-83A1-F6EECF244321}">
-                <p14:modId xmlns:p14="http://schemas.microsoft.com/office/powerpoint/2010/main" val="1422329999"/>
+                <p14:modId xmlns:p14="http://schemas.microsoft.com/office/powerpoint/2010/main" val="3091638491"/>
               </p:ext>
             </p:extLst>
           </p:nvPr>
         </p:nvGraphicFramePr>
         <p:xfrm>
-          <a:off x="2882536" y="2372691"/>
-          <a:ext cx="7337617" cy="2433626"/>
+          <a:off x="3778300" y="2272922"/>
+          <a:ext cx="5546090" cy="2799386"/>
         </p:xfrm>
         <a:graphic>
           <a:graphicData uri="http://schemas.openxmlformats.org/drawingml/2006/table">
@@ -10142,8 +10189,8 @@
                 <a:tableStyleId>{5C22544A-7EE6-4342-B048-85BDC9FD1C3A}</a:tableStyleId>
               </a:tblPr>
               <a:tblGrid>
-                <a:gridCol w="5070936"/>
-                <a:gridCol w="2266681"/>
+                <a:gridCol w="3953510"/>
+                <a:gridCol w="1592580"/>
               </a:tblGrid>
               <a:tr h="604826">
                 <a:tc>
@@ -10160,20 +10207,20 @@
                         </a:spcAft>
                       </a:pPr>
                       <a:r>
-                        <a:rPr lang="en-US" sz="2000" dirty="0" smtClean="0">
+                        <a:rPr lang="en-US" sz="2400" dirty="0" smtClean="0">
                           <a:effectLst/>
                           <a:latin typeface="+mn-lt"/>
                         </a:rPr>
                         <a:t>Item</a:t>
                       </a:r>
                       <a:r>
-                        <a:rPr lang="en-US" sz="2000" dirty="0">
+                        <a:rPr lang="en-US" sz="2400" dirty="0">
                           <a:effectLst/>
                           <a:latin typeface="+mn-lt"/>
                         </a:rPr>
                         <a:t> </a:t>
                       </a:r>
-                      <a:endParaRPr lang="en-US" sz="2000" dirty="0">
+                      <a:endParaRPr lang="en-US" sz="2400" dirty="0">
                         <a:effectLst/>
                         <a:latin typeface="+mn-lt"/>
                         <a:ea typeface="Times New Roman" panose="02020603050405020304" pitchFamily="18" charset="0"/>
@@ -10196,7 +10243,7 @@
                         </a:spcAft>
                       </a:pPr>
                       <a:r>
-                        <a:rPr lang="en-US" sz="2000" dirty="0" smtClean="0">
+                        <a:rPr lang="en-US" sz="2400" dirty="0" smtClean="0">
                           <a:effectLst/>
                           <a:latin typeface="+mn-lt"/>
                           <a:ea typeface="+mn-ea"/>
@@ -10204,14 +10251,14 @@
                         <a:t>Total</a:t>
                       </a:r>
                       <a:r>
-                        <a:rPr lang="en-US" sz="2000" baseline="0" dirty="0" smtClean="0">
+                        <a:rPr lang="en-US" sz="2400" baseline="0" dirty="0" smtClean="0">
                           <a:effectLst/>
                           <a:latin typeface="+mn-lt"/>
                           <a:ea typeface="+mn-ea"/>
                         </a:rPr>
                         <a:t> Price</a:t>
                       </a:r>
-                      <a:endParaRPr lang="en-US" sz="2000" dirty="0">
+                      <a:endParaRPr lang="en-US" sz="2400" dirty="0">
                         <a:effectLst/>
                         <a:latin typeface="+mn-lt"/>
                         <a:ea typeface="Times New Roman" panose="02020603050405020304" pitchFamily="18" charset="0"/>
@@ -10236,20 +10283,20 @@
                         </a:spcAft>
                       </a:pPr>
                       <a:r>
-                        <a:rPr lang="en-US" sz="2000" dirty="0" smtClean="0">
+                        <a:rPr lang="en-US" sz="2400" dirty="0" smtClean="0">
                           <a:effectLst/>
                           <a:latin typeface="+mn-lt"/>
                         </a:rPr>
                         <a:t>Motion</a:t>
                       </a:r>
                       <a:r>
-                        <a:rPr lang="en-US" sz="2000" baseline="0" dirty="0" smtClean="0">
+                        <a:rPr lang="en-US" sz="2400" baseline="0" dirty="0" smtClean="0">
                           <a:effectLst/>
                           <a:latin typeface="+mn-lt"/>
                         </a:rPr>
                         <a:t> control</a:t>
                       </a:r>
-                      <a:endParaRPr lang="en-US" sz="2000" dirty="0">
+                      <a:endParaRPr lang="en-US" sz="2400" dirty="0">
                         <a:effectLst/>
                         <a:latin typeface="+mn-lt"/>
                         <a:ea typeface="Times New Roman" panose="02020603050405020304" pitchFamily="18" charset="0"/>
@@ -10265,7 +10312,7 @@
                     <a:p>
                       <a:pPr algn="r" rtl="0" fontAlgn="b"/>
                       <a:r>
-                        <a:rPr lang="en-US" dirty="0" smtClean="0">
+                        <a:rPr lang="en-US" sz="2000" dirty="0" smtClean="0">
                           <a:solidFill>
                             <a:srgbClr val="000000"/>
                           </a:solidFill>
@@ -10274,7 +10321,7 @@
                         </a:rPr>
                         <a:t>$113.61</a:t>
                       </a:r>
-                      <a:endParaRPr lang="en-US" dirty="0">
+                      <a:endParaRPr lang="en-US" sz="2000" dirty="0">
                         <a:solidFill>
                           <a:srgbClr val="000000"/>
                         </a:solidFill>
@@ -10301,14 +10348,14 @@
                         </a:spcAft>
                       </a:pPr>
                       <a:r>
-                        <a:rPr lang="en-US" sz="2000" dirty="0" smtClean="0">
+                        <a:rPr lang="en-US" sz="2400" dirty="0" smtClean="0">
                           <a:effectLst/>
                           <a:latin typeface="+mn-lt"/>
                           <a:ea typeface="Times New Roman" panose="02020603050405020304" pitchFamily="18" charset="0"/>
                         </a:rPr>
                         <a:t>Chassis</a:t>
                       </a:r>
-                      <a:endParaRPr lang="en-US" sz="2000" dirty="0">
+                      <a:endParaRPr lang="en-US" sz="2400" dirty="0">
                         <a:effectLst/>
                         <a:latin typeface="+mn-lt"/>
                         <a:ea typeface="Times New Roman" panose="02020603050405020304" pitchFamily="18" charset="0"/>
@@ -10324,7 +10371,7 @@
                     <a:p>
                       <a:pPr algn="r" rtl="0" fontAlgn="b"/>
                       <a:r>
-                        <a:rPr lang="en-US" dirty="0" smtClean="0">
+                        <a:rPr lang="en-US" sz="2000" dirty="0" smtClean="0">
                           <a:solidFill>
                             <a:srgbClr val="000000"/>
                           </a:solidFill>
@@ -10353,14 +10400,14 @@
                         </a:spcAft>
                       </a:pPr>
                       <a:r>
-                        <a:rPr lang="en-US" sz="2000" dirty="0" smtClean="0">
+                        <a:rPr lang="en-US" sz="2400" dirty="0" smtClean="0">
                           <a:effectLst/>
                           <a:latin typeface="+mn-lt"/>
                           <a:ea typeface="Times New Roman" panose="02020603050405020304" pitchFamily="18" charset="0"/>
                         </a:rPr>
                         <a:t>Hardware software interface</a:t>
                       </a:r>
-                      <a:endParaRPr lang="en-US" sz="2000" dirty="0">
+                      <a:endParaRPr lang="en-US" sz="2400" dirty="0">
                         <a:effectLst/>
                         <a:latin typeface="+mn-lt"/>
                         <a:ea typeface="Times New Roman" panose="02020603050405020304" pitchFamily="18" charset="0"/>
@@ -10376,7 +10423,7 @@
                     <a:p>
                       <a:pPr algn="r" rtl="0" fontAlgn="b"/>
                       <a:r>
-                        <a:rPr lang="en-US" dirty="0" smtClean="0">
+                        <a:rPr lang="en-US" sz="2000" dirty="0" smtClean="0">
                           <a:solidFill>
                             <a:srgbClr val="000000"/>
                           </a:solidFill>
@@ -10385,7 +10432,7 @@
                         </a:rPr>
                         <a:t>$25.97</a:t>
                       </a:r>
-                      <a:endParaRPr lang="en-US" dirty="0">
+                      <a:endParaRPr lang="en-US" sz="2000" dirty="0">
                         <a:solidFill>
                           <a:srgbClr val="000000"/>
                         </a:solidFill>
@@ -10412,7 +10459,7 @@
                         </a:spcAft>
                       </a:pPr>
                       <a:r>
-                        <a:rPr lang="en-US" sz="2000" dirty="0" smtClean="0">
+                        <a:rPr lang="en-US" sz="2400" dirty="0" smtClean="0">
                           <a:effectLst/>
                           <a:latin typeface="+mn-lt"/>
                           <a:ea typeface="Times New Roman" panose="02020603050405020304" pitchFamily="18" charset="0"/>
@@ -10420,14 +10467,14 @@
                         <a:t>Motors/motor</a:t>
                       </a:r>
                       <a:r>
-                        <a:rPr lang="en-US" sz="2000" baseline="0" dirty="0" smtClean="0">
+                        <a:rPr lang="en-US" sz="2400" baseline="0" dirty="0" smtClean="0">
                           <a:effectLst/>
                           <a:latin typeface="+mn-lt"/>
                           <a:ea typeface="Times New Roman" panose="02020603050405020304" pitchFamily="18" charset="0"/>
                         </a:rPr>
                         <a:t> control</a:t>
                       </a:r>
-                      <a:endParaRPr lang="en-US" sz="2000" dirty="0">
+                      <a:endParaRPr lang="en-US" sz="2400" dirty="0">
                         <a:effectLst/>
                         <a:latin typeface="+mn-lt"/>
                         <a:ea typeface="Times New Roman" panose="02020603050405020304" pitchFamily="18" charset="0"/>
@@ -10443,7 +10490,7 @@
                     <a:p>
                       <a:pPr algn="r" rtl="0" fontAlgn="b"/>
                       <a:r>
-                        <a:rPr lang="en-US" dirty="0" smtClean="0">
+                        <a:rPr lang="en-US" sz="2000" dirty="0" smtClean="0">
                           <a:solidFill>
                             <a:srgbClr val="000000"/>
                           </a:solidFill>
@@ -10452,7 +10499,7 @@
                         </a:rPr>
                         <a:t>$82.83</a:t>
                       </a:r>
-                      <a:endParaRPr lang="en-US" dirty="0">
+                      <a:endParaRPr lang="en-US" sz="2000" dirty="0">
                         <a:solidFill>
                           <a:srgbClr val="000000"/>
                         </a:solidFill>
@@ -10479,7 +10526,7 @@
                         </a:spcAft>
                       </a:pPr>
                       <a:r>
-                        <a:rPr lang="en-US" sz="2000" b="1" kern="1200" dirty="0" err="1" smtClean="0">
+                        <a:rPr lang="en-US" sz="2400" b="1" kern="1200" dirty="0" err="1" smtClean="0">
                           <a:solidFill>
                             <a:schemeClr val="lt1"/>
                           </a:solidFill>
@@ -10491,7 +10538,7 @@
                         <a:t>MakerJuice</a:t>
                       </a:r>
                       <a:r>
-                        <a:rPr lang="en-US" sz="2000" b="1" kern="1200" dirty="0" smtClean="0">
+                        <a:rPr lang="en-US" sz="2400" b="1" kern="1200" dirty="0" smtClean="0">
                           <a:solidFill>
                             <a:schemeClr val="lt1"/>
                           </a:solidFill>
@@ -10502,7 +10549,7 @@
                         </a:rPr>
                         <a:t> resins</a:t>
                       </a:r>
-                      <a:endParaRPr lang="en-US" sz="2000" dirty="0">
+                      <a:endParaRPr lang="en-US" sz="2400" dirty="0">
                         <a:effectLst/>
                         <a:latin typeface="+mn-lt"/>
                         <a:ea typeface="Times New Roman" panose="02020603050405020304" pitchFamily="18" charset="0"/>
@@ -10518,7 +10565,7 @@
                     <a:p>
                       <a:pPr algn="r" rtl="0" fontAlgn="b"/>
                       <a:r>
-                        <a:rPr lang="en-US" dirty="0">
+                        <a:rPr lang="en-US" sz="2000" dirty="0">
                           <a:solidFill>
                             <a:srgbClr val="000000"/>
                           </a:solidFill>
@@ -10527,7 +10574,7 @@
                         <a:t>$</a:t>
                       </a:r>
                       <a:r>
-                        <a:rPr lang="en-US" dirty="0" smtClean="0">
+                        <a:rPr lang="en-US" sz="2000" dirty="0" smtClean="0">
                           <a:solidFill>
                             <a:srgbClr val="000000"/>
                           </a:solidFill>
@@ -10535,7 +10582,7 @@
                         </a:rPr>
                         <a:t>45.00</a:t>
                       </a:r>
-                      <a:endParaRPr lang="en-US" dirty="0">
+                      <a:endParaRPr lang="en-US" sz="2000" dirty="0">
                         <a:solidFill>
                           <a:srgbClr val="000000"/>
                         </a:solidFill>
@@ -10561,14 +10608,14 @@
                         </a:spcAft>
                       </a:pPr>
                       <a:r>
-                        <a:rPr lang="en-US" sz="2000" dirty="0" smtClean="0">
+                        <a:rPr lang="en-US" sz="2400" b="1" dirty="0" smtClean="0">
                           <a:effectLst/>
                           <a:latin typeface="+mn-lt"/>
                           <a:ea typeface="Times New Roman" panose="02020603050405020304" pitchFamily="18" charset="0"/>
                         </a:rPr>
-                        <a:t>TOTAL</a:t>
+                        <a:t>Total</a:t>
                       </a:r>
-                      <a:endParaRPr lang="en-US" sz="2000" dirty="0">
+                      <a:endParaRPr lang="en-US" sz="2400" b="1" dirty="0">
                         <a:effectLst/>
                         <a:latin typeface="+mn-lt"/>
                         <a:ea typeface="Times New Roman" panose="02020603050405020304" pitchFamily="18" charset="0"/>
@@ -10591,14 +10638,14 @@
                         </a:spcAft>
                       </a:pPr>
                       <a:r>
-                        <a:rPr lang="en-US" sz="1800" dirty="0" smtClean="0">
+                        <a:rPr lang="en-US" sz="2000" dirty="0" smtClean="0">
                           <a:effectLst/>
                           <a:latin typeface="+mn-lt"/>
                           <a:ea typeface="Times New Roman" panose="02020603050405020304" pitchFamily="18" charset="0"/>
                         </a:rPr>
                         <a:t>$602.17</a:t>
                       </a:r>
-                      <a:endParaRPr lang="en-US" sz="1800" dirty="0">
+                      <a:endParaRPr lang="en-US" sz="2000" dirty="0">
                         <a:effectLst/>
                         <a:latin typeface="+mn-lt"/>
                         <a:ea typeface="Times New Roman" panose="02020603050405020304" pitchFamily="18" charset="0"/>
@@ -10620,7 +10667,7 @@
         </p:nvSpPr>
         <p:spPr>
           <a:xfrm>
-            <a:off x="5305427" y="1863246"/>
+            <a:off x="5305427" y="1837488"/>
             <a:ext cx="2491836" cy="369332"/>
           </a:xfrm>
           <a:prstGeom prst="rect">
@@ -10640,11 +10687,15 @@
             </a:r>
             <a:r>
               <a:rPr lang="en-US" dirty="0"/>
-              <a:t>4</a:t>
+              <a:t>2</a:t>
             </a:r>
             <a:r>
               <a:rPr lang="en-US" dirty="0" smtClean="0"/>
-              <a:t>. Subsystem Cost</a:t>
+              <a:t>. </a:t>
+            </a:r>
+            <a:r>
+              <a:rPr lang="en-US" dirty="0" smtClean="0"/>
+              <a:t>Subsystem Cost</a:t>
             </a:r>
             <a:endParaRPr lang="en-US" dirty="0"/>
           </a:p>
@@ -13370,7 +13421,11 @@
           <a:p>
             <a:r>
               <a:rPr lang="en-US" dirty="0" smtClean="0"/>
-              <a:t>Figure 4. </a:t>
+              <a:t>Figure </a:t>
+            </a:r>
+            <a:r>
+              <a:rPr lang="en-US" dirty="0" smtClean="0"/>
+              <a:t>3. </a:t>
             </a:r>
             <a:r>
               <a:rPr lang="en-US" dirty="0"/>
@@ -13388,7 +13443,7 @@
         <p:spPr>
           <a:xfrm>
             <a:off x="8337747" y="5883273"/>
-            <a:ext cx="2476960" cy="646331"/>
+            <a:ext cx="2484976" cy="646331"/>
           </a:xfrm>
           <a:prstGeom prst="rect">
             <a:avLst/>
@@ -13403,7 +13458,11 @@
           <a:p>
             <a:r>
               <a:rPr lang="en-US" dirty="0" smtClean="0"/>
-              <a:t>Figure 5. </a:t>
+              <a:t>Figure </a:t>
+            </a:r>
+            <a:r>
+              <a:rPr lang="en-US" dirty="0" smtClean="0"/>
+              <a:t>4. </a:t>
             </a:r>
             <a:r>
               <a:rPr lang="en-US" dirty="0"/>
@@ -13592,6 +13651,40 @@
           </a:prstGeom>
         </p:spPr>
       </p:pic>
+      <p:sp>
+        <p:nvSpPr>
+          <p:cNvPr id="8" name="TextBox 7"/>
+          <p:cNvSpPr txBox="1"/>
+          <p:nvPr/>
+        </p:nvSpPr>
+        <p:spPr>
+          <a:xfrm>
+            <a:off x="4898194" y="5862924"/>
+            <a:ext cx="2846548" cy="369332"/>
+          </a:xfrm>
+          <a:prstGeom prst="rect">
+            <a:avLst/>
+          </a:prstGeom>
+          <a:noFill/>
+        </p:spPr>
+        <p:txBody>
+          <a:bodyPr wrap="none" rtlCol="0">
+            <a:spAutoFit/>
+          </a:bodyPr>
+          <a:lstStyle/>
+          <a:p>
+            <a:r>
+              <a:rPr lang="en-US" dirty="0" smtClean="0"/>
+              <a:t>Figure </a:t>
+            </a:r>
+            <a:r>
+              <a:rPr lang="en-US" dirty="0" smtClean="0"/>
+              <a:t>5. Current Rendering </a:t>
+            </a:r>
+            <a:endParaRPr lang="en-US" dirty="0"/>
+          </a:p>
+        </p:txBody>
+      </p:sp>
     </p:spTree>
     <p:extLst>
       <p:ext uri="{BB962C8B-B14F-4D97-AF65-F5344CB8AC3E}">
@@ -13743,6 +13836,44 @@
           </a:prstGeom>
         </p:spPr>
       </p:pic>
+      <p:sp>
+        <p:nvSpPr>
+          <p:cNvPr id="6" name="TextBox 5"/>
+          <p:cNvSpPr txBox="1"/>
+          <p:nvPr/>
+        </p:nvSpPr>
+        <p:spPr>
+          <a:xfrm>
+            <a:off x="5128071" y="5694165"/>
+            <a:ext cx="2740687" cy="369332"/>
+          </a:xfrm>
+          <a:prstGeom prst="rect">
+            <a:avLst/>
+          </a:prstGeom>
+          <a:noFill/>
+        </p:spPr>
+        <p:txBody>
+          <a:bodyPr wrap="none" rtlCol="0">
+            <a:spAutoFit/>
+          </a:bodyPr>
+          <a:lstStyle/>
+          <a:p>
+            <a:r>
+              <a:rPr lang="en-US" dirty="0" smtClean="0"/>
+              <a:t>Figure </a:t>
+            </a:r>
+            <a:r>
+              <a:rPr lang="en-US" dirty="0"/>
+              <a:t>6</a:t>
+            </a:r>
+            <a:r>
+              <a:rPr lang="en-US" dirty="0" smtClean="0"/>
+              <a:t>. OSHW Title Block</a:t>
+            </a:r>
+            <a:endParaRPr lang="en-US" dirty="0"/>
+          </a:p>
+        </p:txBody>
+      </p:sp>
     </p:spTree>
     <p:extLst>
       <p:ext uri="{BB962C8B-B14F-4D97-AF65-F5344CB8AC3E}">
@@ -14274,18 +14405,18 @@
 </file>
 
 <file path=customXml/item1.xml><?xml version="1.0" encoding="utf-8"?>
+<p:properties xmlns:p="http://schemas.microsoft.com/office/2006/metadata/properties" xmlns:xsi="http://www.w3.org/2001/XMLSchema-instance" xmlns:pc="http://schemas.microsoft.com/office/infopath/2007/PartnerControls">
+  <documentManagement/>
+</p:properties>
+</file>
+
+<file path=customXml/item2.xml><?xml version="1.0" encoding="utf-8"?>
 <?mso-contentType ?>
 <FormTemplates xmlns="http://schemas.microsoft.com/sharepoint/v3/contenttype/forms">
   <Display>DocumentLibraryForm</Display>
   <Edit>DocumentLibraryForm</Edit>
   <New>DocumentLibraryForm</New>
 </FormTemplates>
-</file>
-
-<file path=customXml/item2.xml><?xml version="1.0" encoding="utf-8"?>
-<p:properties xmlns:p="http://schemas.microsoft.com/office/2006/metadata/properties" xmlns:xsi="http://www.w3.org/2001/XMLSchema-instance" xmlns:pc="http://schemas.microsoft.com/office/infopath/2007/PartnerControls">
-  <documentManagement/>
-</p:properties>
 </file>
 
 <file path=customXml/item3.xml><?xml version="1.0" encoding="utf-8"?>
@@ -14429,18 +14560,18 @@
 </file>
 
 <file path=customXml/itemProps1.xml><?xml version="1.0" encoding="utf-8"?>
-<ds:datastoreItem xmlns:ds="http://schemas.openxmlformats.org/officeDocument/2006/customXml" ds:itemID="{A1EF12E8-B070-4F5F-9BD0-CEE0E7C075D0}">
+<ds:datastoreItem xmlns:ds="http://schemas.openxmlformats.org/officeDocument/2006/customXml" ds:itemID="{7D5E529B-E2B8-4FF4-96DC-717B6A9731D6}">
   <ds:schemaRefs>
-    <ds:schemaRef ds:uri="http://schemas.microsoft.com/sharepoint/v3/contenttype/forms"/>
+    <ds:schemaRef ds:uri="http://schemas.microsoft.com/office/2006/metadata/properties"/>
+    <ds:schemaRef ds:uri="http://schemas.microsoft.com/office/infopath/2007/PartnerControls"/>
   </ds:schemaRefs>
 </ds:datastoreItem>
 </file>
 
 <file path=customXml/itemProps2.xml><?xml version="1.0" encoding="utf-8"?>
-<ds:datastoreItem xmlns:ds="http://schemas.openxmlformats.org/officeDocument/2006/customXml" ds:itemID="{7D5E529B-E2B8-4FF4-96DC-717B6A9731D6}">
+<ds:datastoreItem xmlns:ds="http://schemas.openxmlformats.org/officeDocument/2006/customXml" ds:itemID="{A1EF12E8-B070-4F5F-9BD0-CEE0E7C075D0}">
   <ds:schemaRefs>
-    <ds:schemaRef ds:uri="http://schemas.microsoft.com/office/2006/metadata/properties"/>
-    <ds:schemaRef ds:uri="http://schemas.microsoft.com/office/infopath/2007/PartnerControls"/>
+    <ds:schemaRef ds:uri="http://schemas.microsoft.com/sharepoint/v3/contenttype/forms"/>
   </ds:schemaRefs>
 </ds:datastoreItem>
 </file>

--- a/Presentations/DesignPres/DesignPres-75.pptx
+++ b/Presentations/DesignPres/DesignPres-75.pptx
@@ -1,6 +1,6 @@
 
 <file path=ppt/presentation.xml><?xml version="1.0" encoding="utf-8"?>
-<p:presentation xmlns:a="http://schemas.openxmlformats.org/drawingml/2006/main" xmlns:r="http://schemas.openxmlformats.org/officeDocument/2006/relationships" xmlns:p="http://schemas.openxmlformats.org/presentationml/2006/main" saveSubsetFonts="1">
+<p:presentation xmlns:a="http://schemas.openxmlformats.org/drawingml/2006/main" xmlns:r="http://schemas.openxmlformats.org/officeDocument/2006/relationships" xmlns:p="http://schemas.openxmlformats.org/presentationml/2006/main" showSpecialPlsOnTitleSld="0" saveSubsetFonts="1">
   <p:sldMasterIdLst>
     <p:sldMasterId id="2147483678" r:id="rId4"/>
   </p:sldMasterIdLst>
@@ -9,8 +9,8 @@
   </p:notesMasterIdLst>
   <p:sldIdLst>
     <p:sldId id="256" r:id="rId5"/>
-    <p:sldId id="261" r:id="rId6"/>
-    <p:sldId id="272" r:id="rId7"/>
+    <p:sldId id="272" r:id="rId6"/>
+    <p:sldId id="261" r:id="rId7"/>
     <p:sldId id="294" r:id="rId8"/>
     <p:sldId id="292" r:id="rId9"/>
     <p:sldId id="293" r:id="rId10"/>
@@ -19,7 +19,7 @@
     <p:sldId id="297" r:id="rId13"/>
     <p:sldId id="298" r:id="rId14"/>
     <p:sldId id="283" r:id="rId15"/>
-    <p:sldId id="305" r:id="rId16"/>
+    <p:sldId id="308" r:id="rId16"/>
     <p:sldId id="296" r:id="rId17"/>
     <p:sldId id="307" r:id="rId18"/>
     <p:sldId id="303" r:id="rId19"/>
@@ -619,11 +619,11 @@
         </c:dLbls>
         <c:bubbleScale val="100"/>
         <c:showNegBubbles val="0"/>
-        <c:axId val="578265184"/>
-        <c:axId val="578265728"/>
+        <c:axId val="-1638771360"/>
+        <c:axId val="-1638762656"/>
       </c:bubbleChart>
       <c:valAx>
-        <c:axId val="578265184"/>
+        <c:axId val="-1638771360"/>
         <c:scaling>
           <c:orientation val="minMax"/>
           <c:min val="0"/>
@@ -743,12 +743,12 @@
             <a:endParaRPr lang="en-US"/>
           </a:p>
         </c:txPr>
-        <c:crossAx val="578265728"/>
+        <c:crossAx val="-1638762656"/>
         <c:crosses val="autoZero"/>
         <c:crossBetween val="midCat"/>
       </c:valAx>
       <c:valAx>
-        <c:axId val="578265728"/>
+        <c:axId val="-1638762656"/>
         <c:scaling>
           <c:orientation val="minMax"/>
           <c:max val="3500"/>
@@ -866,7 +866,7 @@
             <a:endParaRPr lang="en-US"/>
           </a:p>
         </c:txPr>
-        <c:crossAx val="578265184"/>
+        <c:crossAx val="-1638771360"/>
         <c:crosses val="autoZero"/>
         <c:crossBetween val="midCat"/>
       </c:valAx>
@@ -2493,11 +2493,11 @@
 </file>
 
 <file path=ppt/notesSlides/notesSlide4.xml><?xml version="1.0" encoding="utf-8"?>
-<p:notes xmlns:a="http://schemas.openxmlformats.org/drawingml/2006/main" xmlns:r="http://schemas.openxmlformats.org/officeDocument/2006/relationships" xmlns:p="http://schemas.openxmlformats.org/presentationml/2006/main" showMasterSp="0" showMasterPhAnim="0">
+<p:notes xmlns:a="http://schemas.openxmlformats.org/drawingml/2006/main" xmlns:r="http://schemas.openxmlformats.org/officeDocument/2006/relationships" xmlns:p="http://schemas.openxmlformats.org/presentationml/2006/main">
   <p:cSld>
     <p:spTree>
       <p:nvGrpSpPr>
-        <p:cNvPr id="1" name="Shape 229"/>
+        <p:cNvPr id="1" name=""/>
         <p:cNvGrpSpPr/>
         <p:nvPr/>
       </p:nvGrpSpPr>
@@ -2511,94 +2511,62 @@
       </p:grpSpPr>
       <p:sp>
         <p:nvSpPr>
-          <p:cNvPr id="230" name="Shape 230"/>
-          <p:cNvSpPr txBox="1">
+          <p:cNvPr id="2" name="Slide Image Placeholder 1"/>
+          <p:cNvSpPr>
+            <a:spLocks noGrp="1" noRot="1" noChangeAspect="1"/>
+          </p:cNvSpPr>
+          <p:nvPr>
+            <p:ph type="sldImg"/>
+          </p:nvPr>
+        </p:nvSpPr>
+        <p:spPr/>
+      </p:sp>
+      <p:sp>
+        <p:nvSpPr>
+          <p:cNvPr id="3" name="Notes Placeholder 2"/>
+          <p:cNvSpPr>
             <a:spLocks noGrp="1"/>
           </p:cNvSpPr>
           <p:nvPr>
             <p:ph type="body" idx="1"/>
           </p:nvPr>
         </p:nvSpPr>
-        <p:spPr>
-          <a:xfrm>
-            <a:off x="685800" y="4400550"/>
-            <a:ext cx="5486399" cy="3600450"/>
-          </a:xfrm>
-          <a:prstGeom prst="rect">
-            <a:avLst/>
-          </a:prstGeom>
-        </p:spPr>
-        <p:txBody>
-          <a:bodyPr lIns="91425" tIns="91425" rIns="91425" bIns="91425" anchor="t" anchorCtr="0">
-            <a:noAutofit/>
-          </a:bodyPr>
+        <p:spPr/>
+        <p:txBody>
+          <a:bodyPr/>
           <a:lstStyle/>
           <a:p>
-            <a:pPr>
-              <a:spcBef>
-                <a:spcPts val="0"/>
-              </a:spcBef>
-              <a:buNone/>
-            </a:pPr>
-            <a:endParaRPr/>
-          </a:p>
-        </p:txBody>
-      </p:sp>
-      <p:sp>
-        <p:nvSpPr>
-          <p:cNvPr id="231" name="Shape 231"/>
-          <p:cNvSpPr>
-            <a:spLocks noGrp="1" noRot="1" noChangeAspect="1"/>
-          </p:cNvSpPr>
-          <p:nvPr>
-            <p:ph type="sldImg" idx="2"/>
-          </p:nvPr>
-        </p:nvSpPr>
-        <p:spPr>
-          <a:xfrm>
-            <a:off x="685800" y="1143000"/>
-            <a:ext cx="5486400" cy="3086100"/>
-          </a:xfrm>
-          <a:custGeom>
-            <a:avLst/>
-            <a:gdLst/>
-            <a:ahLst/>
-            <a:cxnLst/>
-            <a:rect l="0" t="0" r="0" b="0"/>
-            <a:pathLst>
-              <a:path w="120000" h="120000" extrusionOk="0">
-                <a:moveTo>
-                  <a:pt x="0" y="0"/>
-                </a:moveTo>
-                <a:lnTo>
-                  <a:pt x="120000" y="0"/>
-                </a:lnTo>
-                <a:lnTo>
-                  <a:pt x="120000" y="120000"/>
-                </a:lnTo>
-                <a:lnTo>
-                  <a:pt x="0" y="120000"/>
-                </a:lnTo>
-                <a:close/>
-              </a:path>
-            </a:pathLst>
-          </a:custGeom>
-          <a:noFill/>
-          <a:ln w="9525" cap="flat">
-            <a:solidFill>
-              <a:srgbClr val="000000"/>
-            </a:solidFill>
-            <a:prstDash val="solid"/>
-            <a:round/>
-            <a:headEnd type="none" w="med" len="med"/>
-            <a:tailEnd type="none" w="med" len="med"/>
-          </a:ln>
-        </p:spPr>
+            <a:endParaRPr lang="en-US"/>
+          </a:p>
+        </p:txBody>
+      </p:sp>
+      <p:sp>
+        <p:nvSpPr>
+          <p:cNvPr id="4" name="Slide Number Placeholder 3"/>
+          <p:cNvSpPr>
+            <a:spLocks noGrp="1"/>
+          </p:cNvSpPr>
+          <p:nvPr>
+            <p:ph type="sldNum" sz="quarter" idx="10"/>
+          </p:nvPr>
+        </p:nvSpPr>
+        <p:spPr/>
+        <p:txBody>
+          <a:bodyPr/>
+          <a:lstStyle/>
+          <a:p>
+            <a:fld id="{23782511-E6CA-4337-83DD-3F4EDFA36EC0}" type="slidenum">
+              <a:rPr lang="en-US" smtClean="0"/>
+              <a:t>13</a:t>
+            </a:fld>
+            <a:endParaRPr lang="en-US"/>
+          </a:p>
+        </p:txBody>
       </p:sp>
     </p:spTree>
     <p:extLst>
       <p:ext uri="{BB962C8B-B14F-4D97-AF65-F5344CB8AC3E}">
-        <p14:creationId xmlns:p14="http://schemas.microsoft.com/office/powerpoint/2010/main" val="1179150737"/>
+        <p14:creationId xmlns:p14="http://schemas.microsoft.com/office/powerpoint/2010/main" val="1651929229"/>
       </p:ext>
     </p:extLst>
   </p:cSld>
@@ -3192,7 +3160,7 @@
           <a:bodyPr/>
           <a:lstStyle/>
           <a:p>
-            <a:fld id="{20B296D5-E3CF-4672-8939-A7C2F0F5EC5D}" type="datetime1">
+            <a:fld id="{A8DB8D84-A504-4C6A-B313-D484E747C37A}" type="datetime1">
               <a:rPr lang="en-US" smtClean="0"/>
               <a:t>11/18/2014</a:t>
             </a:fld>
@@ -3488,7 +3456,7 @@
           <a:bodyPr/>
           <a:lstStyle/>
           <a:p>
-            <a:fld id="{28A02E2E-7E1A-4CF8-B33B-7A3A0C846DC2}" type="datetime1">
+            <a:fld id="{7E7449FB-DE76-4D9A-B8C3-847CC8C46963}" type="datetime1">
               <a:rPr lang="en-US" smtClean="0"/>
               <a:t>11/18/2014</a:t>
             </a:fld>
@@ -3736,7 +3704,7 @@
           <a:bodyPr/>
           <a:lstStyle/>
           <a:p>
-            <a:fld id="{8CE046AC-902E-42C0-88FC-A13213B32EAE}" type="datetime1">
+            <a:fld id="{F9A29C09-815A-4C5D-8897-6BAE0C47F895}" type="datetime1">
               <a:rPr lang="en-US" smtClean="0"/>
               <a:t>11/18/2014</a:t>
             </a:fld>
@@ -4276,7 +4244,7 @@
           <a:bodyPr/>
           <a:lstStyle/>
           <a:p>
-            <a:fld id="{31A6F805-971A-403C-A032-DEFF7CF3C983}" type="datetime1">
+            <a:fld id="{FC674004-48A9-479F-A052-85539BC056DB}" type="datetime1">
               <a:rPr lang="en-US" smtClean="0"/>
               <a:t>11/18/2014</a:t>
             </a:fld>
@@ -4524,7 +4492,7 @@
           <a:bodyPr/>
           <a:lstStyle/>
           <a:p>
-            <a:fld id="{A47BC926-D3EC-4D9D-A99F-9E843187F3B0}" type="datetime1">
+            <a:fld id="{AAAAA62A-113E-486E-A37E-0CB40A92EF99}" type="datetime1">
               <a:rPr lang="en-US" smtClean="0"/>
               <a:t>11/18/2014</a:t>
             </a:fld>
@@ -5056,7 +5024,7 @@
           <a:bodyPr/>
           <a:lstStyle/>
           <a:p>
-            <a:fld id="{706D8B8A-C6A1-4E34-A79C-7660F8ED0256}" type="datetime1">
+            <a:fld id="{1F739B6A-D4BF-4957-8EDD-3BF3C9C08216}" type="datetime1">
               <a:rPr lang="en-US" smtClean="0"/>
               <a:t>11/18/2014</a:t>
             </a:fld>
@@ -5353,7 +5321,7 @@
           <a:bodyPr/>
           <a:lstStyle/>
           <a:p>
-            <a:fld id="{F4BE39B4-CFBF-45CF-82E8-4594DA2BC016}" type="datetime1">
+            <a:fld id="{11FEB98A-002B-4BEA-85AD-E966BE396237}" type="datetime1">
               <a:rPr lang="en-US" smtClean="0"/>
               <a:t>11/18/2014</a:t>
             </a:fld>
@@ -5527,7 +5495,7 @@
           <a:bodyPr/>
           <a:lstStyle/>
           <a:p>
-            <a:fld id="{DE0C5273-F1EA-4469-BB96-269557B0EFD7}" type="datetime1">
+            <a:fld id="{26FE1B55-DE86-488E-B585-608838DCA6B6}" type="datetime1">
               <a:rPr lang="en-US" smtClean="0"/>
               <a:t>11/18/2014</a:t>
             </a:fld>
@@ -5707,7 +5675,7 @@
           <a:bodyPr/>
           <a:lstStyle/>
           <a:p>
-            <a:fld id="{A151EF98-F8EA-4C17-B600-10F3495D73A0}" type="datetime1">
+            <a:fld id="{4F065B1A-143F-4E5D-B675-DF45735D9BE7}" type="datetime1">
               <a:rPr lang="en-US" smtClean="0"/>
               <a:t>11/18/2014</a:t>
             </a:fld>
@@ -5903,7 +5871,7 @@
           <a:bodyPr/>
           <a:lstStyle/>
           <a:p>
-            <a:fld id="{573D28D5-0840-4988-BF4D-6D4AA1076FF1}" type="datetime1">
+            <a:fld id="{75559880-5BA4-414D-9F0A-C62EA5BE5968}" type="datetime1">
               <a:rPr lang="en-US" smtClean="0"/>
               <a:t>11/18/2014</a:t>
             </a:fld>
@@ -6156,7 +6124,7 @@
           <a:bodyPr/>
           <a:lstStyle/>
           <a:p>
-            <a:fld id="{9F96B093-F3D2-4BE9-838E-E3D4B84B74A6}" type="datetime1">
+            <a:fld id="{77DA7A73-F748-4503-A0C7-8469377C5F79}" type="datetime1">
               <a:rPr lang="en-US" smtClean="0"/>
               <a:t>11/18/2014</a:t>
             </a:fld>
@@ -6459,7 +6427,7 @@
           <a:bodyPr/>
           <a:lstStyle/>
           <a:p>
-            <a:fld id="{BE18AAB6-E895-4CF5-8797-8DBFC83C491D}" type="datetime1">
+            <a:fld id="{5BF26E00-2F21-49B3-8DE2-3A05A56BDBE7}" type="datetime1">
               <a:rPr lang="en-US" smtClean="0"/>
               <a:t>11/18/2014</a:t>
             </a:fld>
@@ -6901,7 +6869,7 @@
           <a:bodyPr/>
           <a:lstStyle/>
           <a:p>
-            <a:fld id="{72210C82-80B6-439C-A993-8C06E994D74A}" type="datetime1">
+            <a:fld id="{906B6C2D-FC5B-4A5C-AA23-CFD397D74C3C}" type="datetime1">
               <a:rPr lang="en-US" smtClean="0"/>
               <a:t>11/18/2014</a:t>
             </a:fld>
@@ -7019,7 +6987,7 @@
           <a:bodyPr/>
           <a:lstStyle/>
           <a:p>
-            <a:fld id="{24A3ABEB-97E0-4DED-AEF3-FAB70F021CC7}" type="datetime1">
+            <a:fld id="{17DCE614-99BB-4C77-A628-F4A43C79D50A}" type="datetime1">
               <a:rPr lang="en-US" smtClean="0"/>
               <a:t>11/18/2014</a:t>
             </a:fld>
@@ -7114,7 +7082,7 @@
           <a:bodyPr/>
           <a:lstStyle/>
           <a:p>
-            <a:fld id="{FFC76860-5976-4A44-8E7A-96795D52A085}" type="datetime1">
+            <a:fld id="{E5EA7C56-D908-4162-9E4E-78485D6F373E}" type="datetime1">
               <a:rPr lang="en-US" smtClean="0"/>
               <a:t>11/18/2014</a:t>
             </a:fld>
@@ -7397,7 +7365,7 @@
           <a:bodyPr/>
           <a:lstStyle/>
           <a:p>
-            <a:fld id="{D041843B-E1B4-43C8-9F5C-31408ABDC424}" type="datetime1">
+            <a:fld id="{B3CCB7B5-EDD8-4C57-BDE1-E8631A7DF619}" type="datetime1">
               <a:rPr lang="en-US" smtClean="0"/>
               <a:t>11/18/2014</a:t>
             </a:fld>
@@ -7688,7 +7656,7 @@
           <a:bodyPr/>
           <a:lstStyle/>
           <a:p>
-            <a:fld id="{731A8D32-FC45-449B-9B90-E5553677A65C}" type="datetime1">
+            <a:fld id="{8F721213-95D5-42FE-A77C-C3085638C4A1}" type="datetime1">
               <a:rPr lang="en-US" smtClean="0"/>
               <a:t>11/18/2014</a:t>
             </a:fld>
@@ -8218,7 +8186,7 @@
             </a:lvl1pPr>
           </a:lstStyle>
           <a:p>
-            <a:fld id="{5E17704D-19AD-47EC-889C-2F8A90D9F71A}" type="datetime1">
+            <a:fld id="{30B1548D-C883-4B00-820B-ECE613902671}" type="datetime1">
               <a:rPr lang="en-US" smtClean="0"/>
               <a:t>11/18/2014</a:t>
             </a:fld>
@@ -8870,29 +8838,6 @@
           </a:p>
         </p:txBody>
       </p:sp>
-      <p:sp>
-        <p:nvSpPr>
-          <p:cNvPr id="4" name="Slide Number Placeholder 3"/>
-          <p:cNvSpPr>
-            <a:spLocks noGrp="1"/>
-          </p:cNvSpPr>
-          <p:nvPr>
-            <p:ph type="sldNum" sz="quarter" idx="12"/>
-          </p:nvPr>
-        </p:nvSpPr>
-        <p:spPr/>
-        <p:txBody>
-          <a:bodyPr/>
-          <a:lstStyle/>
-          <a:p>
-            <a:fld id="{5C6BB475-B640-4DD3-A1AA-1CF10A44AA06}" type="slidenum">
-              <a:rPr lang="en-US" smtClean="0"/>
-              <a:t>1</a:t>
-            </a:fld>
-            <a:endParaRPr lang="en-US"/>
-          </a:p>
-        </p:txBody>
-      </p:sp>
     </p:spTree>
     <p:extLst>
       <p:ext uri="{BB962C8B-B14F-4D97-AF65-F5344CB8AC3E}">
@@ -9110,11 +9055,7 @@
           <a:p>
             <a:r>
               <a:rPr lang="en-US" dirty="0" smtClean="0"/>
-              <a:t>Figure </a:t>
-            </a:r>
-            <a:r>
-              <a:rPr lang="en-US" dirty="0" smtClean="0"/>
-              <a:t>7. Simulation Results</a:t>
+              <a:t>Figure 7. Simulation Results</a:t>
             </a:r>
             <a:endParaRPr lang="en-US" dirty="0"/>
           </a:p>
@@ -9212,7 +9153,7 @@
         </p:blipFill>
         <p:spPr>
           <a:xfrm>
-            <a:off x="2114760" y="1478099"/>
+            <a:off x="2132797" y="1478099"/>
             <a:ext cx="8837096" cy="4968441"/>
           </a:xfrm>
           <a:prstGeom prst="rect">
@@ -9291,7 +9232,7 @@
   <p:cSld>
     <p:spTree>
       <p:nvGrpSpPr>
-        <p:cNvPr id="1" name="Shape 225"/>
+        <p:cNvPr id="1" name=""/>
         <p:cNvGrpSpPr/>
         <p:nvPr/>
       </p:nvGrpSpPr>
@@ -9305,46 +9246,21 @@
       </p:grpSpPr>
       <p:sp>
         <p:nvSpPr>
-          <p:cNvPr id="226" name="Shape 226"/>
-          <p:cNvSpPr txBox="1">
+          <p:cNvPr id="2" name="Title 1"/>
+          <p:cNvSpPr>
             <a:spLocks noGrp="1"/>
           </p:cNvSpPr>
           <p:nvPr>
             <p:ph type="title"/>
           </p:nvPr>
         </p:nvSpPr>
-        <p:spPr>
-          <a:xfrm>
-            <a:off x="1541988" y="420824"/>
-            <a:ext cx="10018712" cy="1057275"/>
-          </a:xfrm>
-          <a:prstGeom prst="rect">
-            <a:avLst/>
-          </a:prstGeom>
-          <a:noFill/>
-          <a:ln>
-            <a:noFill/>
-          </a:ln>
-        </p:spPr>
-        <p:txBody>
-          <a:bodyPr lIns="91425" tIns="45700" rIns="91425" bIns="45700" anchor="ctr" anchorCtr="0">
-            <a:noAutofit/>
-          </a:bodyPr>
+        <p:spPr/>
+        <p:txBody>
+          <a:bodyPr/>
           <a:lstStyle/>
           <a:p>
-            <a:pPr marL="0" marR="0" lvl="0" indent="0" algn="ctr" rtl="0">
-              <a:spcBef>
-                <a:spcPts val="0"/>
-              </a:spcBef>
-              <a:buClr>
-                <a:schemeClr val="dk1"/>
-              </a:buClr>
-              <a:buSzPct val="25000"/>
-              <a:buFont typeface="Cantarell"/>
-              <a:buNone/>
-            </a:pPr>
-            <a:r>
-              <a:rPr lang="en-US" sz="4800" b="0" i="0" u="none" strike="noStrike" cap="none" baseline="0" dirty="0" smtClean="0">
+            <a:r>
+              <a:rPr lang="en-US" dirty="0">
                 <a:solidFill>
                   <a:schemeClr val="dk1"/>
                 </a:solidFill>
@@ -9352,174 +9268,116 @@
                 <a:cs typeface="Cantarell"/>
                 <a:sym typeface="Cantarell"/>
               </a:rPr>
-              <a:t>Hardware Software</a:t>
-            </a:r>
-            <a:r>
-              <a:rPr lang="en-US" sz="4800" b="0" i="0" u="none" strike="noStrike" cap="none" dirty="0" smtClean="0">
-                <a:solidFill>
-                  <a:schemeClr val="dk1"/>
-                </a:solidFill>
-                <a:ea typeface="Cantarell"/>
-                <a:cs typeface="Cantarell"/>
-                <a:sym typeface="Cantarell"/>
-              </a:rPr>
-              <a:t> Interface</a:t>
-            </a:r>
-            <a:endParaRPr lang="en-US" sz="4800" b="0" i="0" u="none" strike="noStrike" cap="none" baseline="0" dirty="0">
-              <a:solidFill>
-                <a:schemeClr val="dk1"/>
-              </a:solidFill>
-              <a:ea typeface="Cantarell"/>
-              <a:cs typeface="Cantarell"/>
-              <a:sym typeface="Cantarell"/>
-            </a:endParaRPr>
-          </a:p>
-        </p:txBody>
-      </p:sp>
-      <p:sp>
-        <p:nvSpPr>
-          <p:cNvPr id="227" name="Shape 227"/>
-          <p:cNvSpPr txBox="1">
-            <a:spLocks noGrp="1"/>
-          </p:cNvSpPr>
-          <p:nvPr>
-            <p:ph type="body" idx="1"/>
-          </p:nvPr>
-        </p:nvSpPr>
-        <p:spPr>
-          <a:xfrm>
-            <a:off x="1600200" y="1478100"/>
-            <a:ext cx="10018712" cy="4512264"/>
-          </a:xfrm>
-          <a:prstGeom prst="rect">
-            <a:avLst/>
-          </a:prstGeom>
-          <a:noFill/>
-          <a:ln>
-            <a:noFill/>
-          </a:ln>
-        </p:spPr>
-        <p:txBody>
-          <a:bodyPr lIns="91425" tIns="45700" rIns="91425" bIns="45700" anchor="ctr" anchorCtr="0">
-            <a:noAutofit/>
+              <a:t>Hardware Software Interface</a:t>
+            </a:r>
+            <a:endParaRPr lang="en-US" dirty="0"/>
+          </a:p>
+        </p:txBody>
+      </p:sp>
+      <p:sp>
+        <p:nvSpPr>
+          <p:cNvPr id="3" name="Content Placeholder 2"/>
+          <p:cNvSpPr>
+            <a:spLocks noGrp="1"/>
+          </p:cNvSpPr>
+          <p:nvPr>
+            <p:ph idx="1"/>
+          </p:nvPr>
+        </p:nvSpPr>
+        <p:spPr/>
+        <p:txBody>
+          <a:bodyPr>
+            <a:normAutofit lnSpcReduction="10000"/>
           </a:bodyPr>
           <a:lstStyle/>
           <a:p>
             <a:r>
-              <a:rPr lang="en-US" sz="3200" dirty="0" smtClean="0"/>
-              <a:t>GRBL - Lightweight </a:t>
-            </a:r>
-            <a:r>
-              <a:rPr lang="en-US" sz="3200" dirty="0" err="1" smtClean="0"/>
-              <a:t>Arduino</a:t>
-            </a:r>
-            <a:r>
-              <a:rPr lang="en-US" sz="3200" dirty="0" smtClean="0"/>
-              <a:t> firmware used to interface the software and the motors/hardware</a:t>
-            </a:r>
-          </a:p>
-          <a:p>
-            <a:r>
-              <a:rPr lang="en-US" sz="3200" dirty="0" smtClean="0"/>
+              <a:rPr lang="en-US" dirty="0"/>
+              <a:t>GRBL - Lightweight Arduino firmware used to interface the software and the motors/hardware</a:t>
+            </a:r>
+          </a:p>
+          <a:p>
+            <a:r>
+              <a:rPr lang="en-US" dirty="0"/>
               <a:t>CNC Motor Shield:  4 </a:t>
             </a:r>
             <a:r>
-              <a:rPr lang="en-US" sz="3200" dirty="0" err="1"/>
-              <a:t>P</a:t>
-            </a:r>
-            <a:r>
-              <a:rPr lang="en-US" sz="3200" dirty="0" err="1" smtClean="0"/>
-              <a:t>ololu</a:t>
-            </a:r>
-            <a:r>
-              <a:rPr lang="en-US" sz="3200" dirty="0" smtClean="0"/>
+              <a:rPr lang="en-US" dirty="0" err="1"/>
+              <a:t>Pololu</a:t>
+            </a:r>
+            <a:r>
+              <a:rPr lang="en-US" dirty="0"/>
               <a:t> DRV8825 drivers</a:t>
             </a:r>
           </a:p>
           <a:p>
             <a:pPr lvl="1"/>
             <a:r>
-              <a:rPr lang="en-US" sz="2000" dirty="0" smtClean="0"/>
+              <a:rPr lang="en-US" sz="2000" dirty="0"/>
               <a:t>4 dual H-bridge drivers with current control logic, allowing for more precise stepping and power management</a:t>
             </a:r>
           </a:p>
           <a:p>
             <a:pPr marL="285750" lvl="1" indent="-64770"/>
             <a:r>
-              <a:rPr lang="en-US" sz="3200" dirty="0" smtClean="0"/>
+              <a:rPr lang="en-US" sz="3200" dirty="0"/>
               <a:t>Adafruit Motor Shield (AFMS): Uses an H-bridge motor driver </a:t>
             </a:r>
           </a:p>
           <a:p>
             <a:pPr marL="742950" lvl="2" indent="-64770"/>
             <a:r>
-              <a:rPr lang="en-US" sz="2000" dirty="0" smtClean="0"/>
-              <a:t>4 H-bridge drivers capable of running 2 stepper motors, however lacks some of the logic for more precise control</a:t>
-            </a:r>
-          </a:p>
-        </p:txBody>
-      </p:sp>
-      <p:sp>
-        <p:nvSpPr>
-          <p:cNvPr id="228" name="Shape 228"/>
-          <p:cNvSpPr txBox="1">
-            <a:spLocks noGrp="1"/>
-          </p:cNvSpPr>
-          <p:nvPr>
-            <p:ph type="sldNum" idx="12"/>
-          </p:nvPr>
-        </p:nvSpPr>
-        <p:spPr>
-          <a:xfrm>
-            <a:off x="10951856" y="5867130"/>
-            <a:ext cx="551166" cy="365125"/>
-          </a:xfrm>
-          <a:prstGeom prst="rect">
-            <a:avLst/>
-          </a:prstGeom>
-          <a:noFill/>
-          <a:ln>
-            <a:noFill/>
-          </a:ln>
-        </p:spPr>
-        <p:txBody>
-          <a:bodyPr lIns="91425" tIns="45700" rIns="91425" bIns="45700" anchor="ctr" anchorCtr="0">
-            <a:noAutofit/>
-          </a:bodyPr>
+              <a:rPr lang="en-US" dirty="0"/>
+              <a:t>4 H-bridge drivers capable of running 2 stepper motors, however lacks some of the logic for more precise </a:t>
+            </a:r>
+            <a:r>
+              <a:rPr lang="en-US" dirty="0" smtClean="0"/>
+              <a:t>control</a:t>
+            </a:r>
+            <a:endParaRPr lang="en-US" dirty="0"/>
+          </a:p>
+        </p:txBody>
+      </p:sp>
+      <p:sp>
+        <p:nvSpPr>
+          <p:cNvPr id="4" name="Slide Number Placeholder 3"/>
+          <p:cNvSpPr>
+            <a:spLocks noGrp="1"/>
+          </p:cNvSpPr>
+          <p:nvPr>
+            <p:ph type="sldNum" sz="quarter" idx="12"/>
+          </p:nvPr>
+        </p:nvSpPr>
+        <p:spPr/>
+        <p:txBody>
+          <a:bodyPr/>
           <a:lstStyle/>
           <a:p>
-            <a:pPr marL="0" marR="0" lvl="0" indent="0" algn="r" rtl="0">
-              <a:spcBef>
-                <a:spcPts val="0"/>
-              </a:spcBef>
-              <a:buSzPct val="25000"/>
-              <a:buNone/>
-            </a:pPr>
-            <a:r>
-              <a:rPr lang="en-US"/>
-              <a:t> </a:t>
-            </a:r>
+            <a:fld id="{5C6BB475-B640-4DD3-A1AA-1CF10A44AA06}" type="slidenum">
+              <a:rPr lang="en-US" smtClean="0"/>
+              <a:t>12</a:t>
+            </a:fld>
+            <a:endParaRPr lang="en-US"/>
           </a:p>
         </p:txBody>
       </p:sp>
     </p:spTree>
     <p:extLst>
       <p:ext uri="{BB962C8B-B14F-4D97-AF65-F5344CB8AC3E}">
-        <p14:creationId xmlns:p14="http://schemas.microsoft.com/office/powerpoint/2010/main" val="3480688385"/>
+        <p14:creationId xmlns:p14="http://schemas.microsoft.com/office/powerpoint/2010/main" val="2192185344"/>
       </p:ext>
     </p:extLst>
   </p:cSld>
   <p:clrMapOvr>
     <a:masterClrMapping/>
   </p:clrMapOvr>
-  <mc:AlternateContent xmlns:mc="http://schemas.openxmlformats.org/markup-compatibility/2006" xmlns:p14="http://schemas.microsoft.com/office/powerpoint/2010/main">
-    <mc:Choice Requires="p14">
-      <p:transition p14:dur="0"/>
-    </mc:Choice>
-    <mc:Fallback xmlns="">
-      <p:transition/>
-    </mc:Fallback>
-  </mc:AlternateContent>
+  <p:timing>
+    <p:tnLst>
+      <p:par>
+        <p:cTn id="1" dur="indefinite" restart="never" nodeType="tmRoot"/>
+      </p:par>
+    </p:tnLst>
+  </p:timing>
 </p:sld>
 </file>
 
@@ -9684,6 +9542,13 @@
   <p:clrMapOvr>
     <a:masterClrMapping/>
   </p:clrMapOvr>
+  <p:timing>
+    <p:tnLst>
+      <p:par>
+        <p:cTn id="1" dur="indefinite" restart="never" nodeType="tmRoot"/>
+      </p:par>
+    </p:tnLst>
+  </p:timing>
 </p:sld>
 </file>
 
@@ -9753,9 +9618,39 @@
           </a:p>
         </p:txBody>
       </p:sp>
+      <p:sp>
+        <p:nvSpPr>
+          <p:cNvPr id="7" name="TextBox 6"/>
+          <p:cNvSpPr txBox="1"/>
+          <p:nvPr/>
+        </p:nvSpPr>
+        <p:spPr>
+          <a:xfrm>
+            <a:off x="4799904" y="5882462"/>
+            <a:ext cx="3502882" cy="369332"/>
+          </a:xfrm>
+          <a:prstGeom prst="rect">
+            <a:avLst/>
+          </a:prstGeom>
+          <a:noFill/>
+        </p:spPr>
+        <p:txBody>
+          <a:bodyPr wrap="none" rtlCol="0">
+            <a:spAutoFit/>
+          </a:bodyPr>
+          <a:lstStyle/>
+          <a:p>
+            <a:r>
+              <a:rPr lang="en-US" dirty="0" smtClean="0"/>
+              <a:t>Figure 9. Functional Block Diagram</a:t>
+            </a:r>
+            <a:endParaRPr lang="en-US" dirty="0"/>
+          </a:p>
+        </p:txBody>
+      </p:sp>
       <p:pic>
         <p:nvPicPr>
-          <p:cNvPr id="6" name="Picture 5"/>
+          <p:cNvPr id="3" name="Picture 2"/>
           <p:cNvPicPr>
             <a:picLocks noChangeAspect="1"/>
           </p:cNvPicPr>
@@ -9769,52 +9664,14 @@
         </p:blipFill>
         <p:spPr>
           <a:xfrm>
-            <a:off x="1064412" y="1504440"/>
-            <a:ext cx="10973866" cy="4336349"/>
+            <a:off x="1584000" y="1707172"/>
+            <a:ext cx="9934689" cy="3915556"/>
           </a:xfrm>
           <a:prstGeom prst="rect">
             <a:avLst/>
           </a:prstGeom>
         </p:spPr>
       </p:pic>
-      <p:sp>
-        <p:nvSpPr>
-          <p:cNvPr id="7" name="TextBox 6"/>
-          <p:cNvSpPr txBox="1"/>
-          <p:nvPr/>
-        </p:nvSpPr>
-        <p:spPr>
-          <a:xfrm>
-            <a:off x="4799904" y="5882462"/>
-            <a:ext cx="3502882" cy="369332"/>
-          </a:xfrm>
-          <a:prstGeom prst="rect">
-            <a:avLst/>
-          </a:prstGeom>
-          <a:noFill/>
-        </p:spPr>
-        <p:txBody>
-          <a:bodyPr wrap="none" rtlCol="0">
-            <a:spAutoFit/>
-          </a:bodyPr>
-          <a:lstStyle/>
-          <a:p>
-            <a:r>
-              <a:rPr lang="en-US" dirty="0" smtClean="0"/>
-              <a:t>Figure </a:t>
-            </a:r>
-            <a:r>
-              <a:rPr lang="en-US" dirty="0" smtClean="0"/>
-              <a:t>9. </a:t>
-            </a:r>
-            <a:r>
-              <a:rPr lang="en-US" dirty="0" smtClean="0"/>
-              <a:t>Functional Block Diagram</a:t>
-            </a:r>
-            <a:endParaRPr lang="en-US" dirty="0"/>
-          </a:p>
-        </p:txBody>
-      </p:sp>
     </p:spTree>
     <p:extLst>
       <p:ext uri="{BB962C8B-B14F-4D97-AF65-F5344CB8AC3E}">
@@ -10040,17 +9897,58 @@
           <a:p>
             <a:r>
               <a:rPr lang="en-US" dirty="0" smtClean="0"/>
-              <a:t>Open Source and Libre</a:t>
+              <a:t>Open Source and </a:t>
+            </a:r>
+            <a:r>
+              <a:rPr lang="en-US" dirty="0" err="1" smtClean="0"/>
+              <a:t>Libre</a:t>
+            </a:r>
+            <a:endParaRPr lang="en-US" dirty="0" smtClean="0"/>
+          </a:p>
+          <a:p>
+            <a:r>
+              <a:rPr lang="en-US" dirty="0" smtClean="0"/>
+              <a:t>Very few dependencies for core application</a:t>
+            </a:r>
+          </a:p>
+          <a:p>
+            <a:pPr lvl="1"/>
+            <a:r>
+              <a:rPr lang="en-US" dirty="0" err="1" smtClean="0"/>
+              <a:t>Qt</a:t>
+            </a:r>
+            <a:r>
+              <a:rPr lang="en-US" dirty="0" smtClean="0"/>
+              <a:t> 5, Open Cascade Community Edition</a:t>
             </a:r>
             <a:endParaRPr lang="en-US" dirty="0"/>
           </a:p>
           <a:p>
             <a:r>
               <a:rPr lang="en-US" dirty="0" smtClean="0"/>
-              <a:t>Modular CAM</a:t>
-            </a:r>
-          </a:p>
-          <a:p>
+              <a:t>Modular</a:t>
+            </a:r>
+          </a:p>
+          <a:p>
+            <a:pPr lvl="1"/>
+            <a:r>
+              <a:rPr lang="en-US" dirty="0" smtClean="0"/>
+              <a:t>Develop plugins for CNC machines, 3D printers, mills, </a:t>
+            </a:r>
+            <a:r>
+              <a:rPr lang="en-US" dirty="0" err="1" smtClean="0"/>
+              <a:t>etc</a:t>
+            </a:r>
+            <a:r>
+              <a:rPr lang="en-US" dirty="0" smtClean="0"/>
+              <a:t> …</a:t>
+            </a:r>
+          </a:p>
+          <a:p>
+            <a:r>
+              <a:rPr lang="en-US" dirty="0" smtClean="0"/>
+              <a:t>Tool path creation/debugging</a:t>
+            </a:r>
             <a:endParaRPr lang="en-US" dirty="0"/>
           </a:p>
         </p:txBody>
@@ -10164,23 +10062,61 @@
           </a:p>
         </p:txBody>
       </p:sp>
+      <p:sp>
+        <p:nvSpPr>
+          <p:cNvPr id="6" name="TextBox 5"/>
+          <p:cNvSpPr txBox="1"/>
+          <p:nvPr/>
+        </p:nvSpPr>
+        <p:spPr>
+          <a:xfrm>
+            <a:off x="5305427" y="1478099"/>
+            <a:ext cx="2491836" cy="369332"/>
+          </a:xfrm>
+          <a:prstGeom prst="rect">
+            <a:avLst/>
+          </a:prstGeom>
+          <a:noFill/>
+        </p:spPr>
+        <p:txBody>
+          <a:bodyPr wrap="none" rtlCol="0">
+            <a:spAutoFit/>
+          </a:bodyPr>
+          <a:lstStyle/>
+          <a:p>
+            <a:r>
+              <a:rPr lang="en-US" dirty="0" smtClean="0"/>
+              <a:t>Table </a:t>
+            </a:r>
+            <a:r>
+              <a:rPr lang="en-US" dirty="0"/>
+              <a:t>2</a:t>
+            </a:r>
+            <a:r>
+              <a:rPr lang="en-US" dirty="0" smtClean="0"/>
+              <a:t>. Subsystem Cost</a:t>
+            </a:r>
+            <a:endParaRPr lang="en-US" dirty="0"/>
+          </a:p>
+        </p:txBody>
+      </p:sp>
       <p:graphicFrame>
         <p:nvGraphicFramePr>
-          <p:cNvPr id="5" name="Content Placeholder 1"/>
+          <p:cNvPr id="7" name="Content Placeholder 4"/>
           <p:cNvGraphicFramePr>
             <a:graphicFrameLocks/>
           </p:cNvGraphicFramePr>
           <p:nvPr>
             <p:extLst>
               <p:ext uri="{D42A27DB-BD31-4B8C-83A1-F6EECF244321}">
-                <p14:modId xmlns:p14="http://schemas.microsoft.com/office/powerpoint/2010/main" val="3091638491"/>
+                <p14:modId xmlns:p14="http://schemas.microsoft.com/office/powerpoint/2010/main" val="2046551752"/>
               </p:ext>
             </p:extLst>
           </p:nvPr>
         </p:nvGraphicFramePr>
         <p:xfrm>
-          <a:off x="3778300" y="2272922"/>
-          <a:ext cx="5546090" cy="2799386"/>
+          <a:off x="3989710" y="1866062"/>
+          <a:ext cx="4891450" cy="4257155"/>
         </p:xfrm>
         <a:graphic>
           <a:graphicData uri="http://schemas.openxmlformats.org/drawingml/2006/table">
@@ -10189,86 +10125,45 @@
                 <a:tableStyleId>{5C22544A-7EE6-4342-B048-85BDC9FD1C3A}</a:tableStyleId>
               </a:tblPr>
               <a:tblGrid>
-                <a:gridCol w="3953510"/>
-                <a:gridCol w="1592580"/>
+                <a:gridCol w="3474774"/>
+                <a:gridCol w="1416676"/>
               </a:tblGrid>
-              <a:tr h="604826">
+              <a:tr h="640080">
                 <a:tc>
                   <a:txBody>
                     <a:bodyPr/>
                     <a:lstStyle/>
                     <a:p>
-                      <a:pPr marL="0" marR="0" algn="ctr">
-                        <a:spcBef>
-                          <a:spcPts val="0"/>
-                        </a:spcBef>
-                        <a:spcAft>
-                          <a:spcPts val="0"/>
-                        </a:spcAft>
-                      </a:pPr>
+                      <a:pPr algn="ctr"/>
                       <a:r>
-                        <a:rPr lang="en-US" sz="2400" dirty="0" smtClean="0">
+                        <a:rPr lang="en-US" sz="1800" dirty="0" smtClean="0">
                           <a:effectLst/>
                           <a:latin typeface="+mn-lt"/>
                         </a:rPr>
                         <a:t>Item</a:t>
                       </a:r>
-                      <a:r>
-                        <a:rPr lang="en-US" sz="2400" dirty="0">
-                          <a:effectLst/>
-                          <a:latin typeface="+mn-lt"/>
-                        </a:rPr>
-                        <a:t> </a:t>
-                      </a:r>
-                      <a:endParaRPr lang="en-US" sz="2400" dirty="0">
-                        <a:effectLst/>
-                        <a:latin typeface="+mn-lt"/>
-                        <a:ea typeface="Times New Roman" panose="02020603050405020304" pitchFamily="18" charset="0"/>
-                      </a:endParaRPr>
+                      <a:endParaRPr lang="en-US" dirty="0"/>
                     </a:p>
                   </a:txBody>
-                  <a:tcPr marL="68580" marR="68580" marT="0" marB="0" anchor="ctr"/>
+                  <a:tcPr anchor="ctr"/>
                 </a:tc>
                 <a:tc>
                   <a:txBody>
                     <a:bodyPr/>
                     <a:lstStyle/>
                     <a:p>
-                      <a:pPr marL="0" marR="0" algn="ctr">
-                        <a:spcBef>
-                          <a:spcPts val="0"/>
-                        </a:spcBef>
-                        <a:spcAft>
-                          <a:spcPts val="0"/>
-                        </a:spcAft>
-                      </a:pPr>
+                      <a:pPr algn="ctr"/>
                       <a:r>
-                        <a:rPr lang="en-US" sz="2400" dirty="0" smtClean="0">
-                          <a:effectLst/>
-                          <a:latin typeface="+mn-lt"/>
-                          <a:ea typeface="+mn-ea"/>
-                        </a:rPr>
-                        <a:t>Total</a:t>
+                        <a:rPr lang="en-US" dirty="0" smtClean="0"/>
+                        <a:t>Price</a:t>
                       </a:r>
-                      <a:r>
-                        <a:rPr lang="en-US" sz="2400" baseline="0" dirty="0" smtClean="0">
-                          <a:effectLst/>
-                          <a:latin typeface="+mn-lt"/>
-                          <a:ea typeface="+mn-ea"/>
-                        </a:rPr>
-                        <a:t> Price</a:t>
-                      </a:r>
-                      <a:endParaRPr lang="en-US" sz="2400" dirty="0">
-                        <a:effectLst/>
-                        <a:latin typeface="+mn-lt"/>
-                        <a:ea typeface="Times New Roman" panose="02020603050405020304" pitchFamily="18" charset="0"/>
-                      </a:endParaRPr>
+                      <a:endParaRPr lang="en-US" dirty="0"/>
                     </a:p>
                   </a:txBody>
-                  <a:tcPr marL="68580" marR="68580" marT="0" marB="0" anchor="ctr"/>
+                  <a:tcPr anchor="ctr"/>
                 </a:tc>
               </a:tr>
-              <a:tr h="302413">
+              <a:tr h="640080">
                 <a:tc>
                   <a:txBody>
                     <a:bodyPr/>
@@ -10283,27 +10178,27 @@
                         </a:spcAft>
                       </a:pPr>
                       <a:r>
-                        <a:rPr lang="en-US" sz="2400" dirty="0" smtClean="0">
+                        <a:rPr lang="en-US" sz="1800" dirty="0" smtClean="0">
                           <a:effectLst/>
                           <a:latin typeface="+mn-lt"/>
                         </a:rPr>
                         <a:t>Motion</a:t>
                       </a:r>
                       <a:r>
-                        <a:rPr lang="en-US" sz="2400" baseline="0" dirty="0" smtClean="0">
+                        <a:rPr lang="en-US" sz="1800" baseline="0" dirty="0" smtClean="0">
                           <a:effectLst/>
                           <a:latin typeface="+mn-lt"/>
                         </a:rPr>
                         <a:t> control</a:t>
                       </a:r>
-                      <a:endParaRPr lang="en-US" sz="2400" dirty="0">
+                      <a:endParaRPr lang="en-US" sz="1800" dirty="0">
                         <a:effectLst/>
                         <a:latin typeface="+mn-lt"/>
                         <a:ea typeface="Times New Roman" panose="02020603050405020304" pitchFamily="18" charset="0"/>
                       </a:endParaRPr>
                     </a:p>
                   </a:txBody>
-                  <a:tcPr marL="68580" marR="68580" marT="0" marB="0" anchor="ctr"/>
+                  <a:tcPr anchor="ctr"/>
                 </a:tc>
                 <a:tc>
                   <a:txBody>
@@ -10312,7 +10207,7 @@
                     <a:p>
                       <a:pPr algn="r" rtl="0" fontAlgn="b"/>
                       <a:r>
-                        <a:rPr lang="en-US" sz="2000" dirty="0" smtClean="0">
+                        <a:rPr lang="en-US" sz="1800" dirty="0" smtClean="0">
                           <a:solidFill>
                             <a:srgbClr val="000000"/>
                           </a:solidFill>
@@ -10321,7 +10216,7 @@
                         </a:rPr>
                         <a:t>$113.61</a:t>
                       </a:r>
-                      <a:endParaRPr lang="en-US" sz="2000" dirty="0">
+                      <a:endParaRPr lang="en-US" sz="1800" dirty="0">
                         <a:solidFill>
                           <a:srgbClr val="000000"/>
                         </a:solidFill>
@@ -10330,10 +10225,10 @@
                       </a:endParaRPr>
                     </a:p>
                   </a:txBody>
-                  <a:tcPr marL="28575" marR="28575" marT="0" marB="0" anchor="b"/>
+                  <a:tcPr anchor="ctr"/>
                 </a:tc>
               </a:tr>
-              <a:tr h="302413">
+              <a:tr h="640080">
                 <a:tc>
                   <a:txBody>
                     <a:bodyPr/>
@@ -10348,21 +10243,21 @@
                         </a:spcAft>
                       </a:pPr>
                       <a:r>
-                        <a:rPr lang="en-US" sz="2400" dirty="0" smtClean="0">
+                        <a:rPr lang="en-US" sz="1800" dirty="0" smtClean="0">
                           <a:effectLst/>
                           <a:latin typeface="+mn-lt"/>
                           <a:ea typeface="Times New Roman" panose="02020603050405020304" pitchFamily="18" charset="0"/>
                         </a:rPr>
                         <a:t>Chassis</a:t>
                       </a:r>
-                      <a:endParaRPr lang="en-US" sz="2400" dirty="0">
+                      <a:endParaRPr lang="en-US" sz="1800" dirty="0">
                         <a:effectLst/>
                         <a:latin typeface="+mn-lt"/>
                         <a:ea typeface="Times New Roman" panose="02020603050405020304" pitchFamily="18" charset="0"/>
                       </a:endParaRPr>
                     </a:p>
                   </a:txBody>
-                  <a:tcPr marL="68580" marR="68580" marT="0" marB="0" anchor="ctr"/>
+                  <a:tcPr anchor="ctr"/>
                 </a:tc>
                 <a:tc>
                   <a:txBody>
@@ -10371,7 +10266,7 @@
                     <a:p>
                       <a:pPr algn="r" rtl="0" fontAlgn="b"/>
                       <a:r>
-                        <a:rPr lang="en-US" sz="2000" dirty="0" smtClean="0">
+                        <a:rPr lang="en-US" sz="1800" dirty="0" smtClean="0">
                           <a:solidFill>
                             <a:srgbClr val="000000"/>
                           </a:solidFill>
@@ -10380,12 +10275,19 @@
                         </a:rPr>
                         <a:t>$315.99</a:t>
                       </a:r>
+                      <a:endParaRPr lang="en-US" sz="1800" dirty="0" smtClean="0">
+                        <a:solidFill>
+                          <a:srgbClr val="000000"/>
+                        </a:solidFill>
+                        <a:effectLst/>
+                        <a:latin typeface="+mn-lt"/>
+                      </a:endParaRPr>
                     </a:p>
                   </a:txBody>
-                  <a:tcPr marL="28575" marR="28575" marT="0" marB="0" anchor="b"/>
+                  <a:tcPr anchor="ctr"/>
                 </a:tc>
               </a:tr>
-              <a:tr h="302413">
+              <a:tr h="640080">
                 <a:tc>
                   <a:txBody>
                     <a:bodyPr/>
@@ -10400,21 +10302,21 @@
                         </a:spcAft>
                       </a:pPr>
                       <a:r>
-                        <a:rPr lang="en-US" sz="2400" dirty="0" smtClean="0">
+                        <a:rPr lang="en-US" sz="1800" dirty="0" smtClean="0">
                           <a:effectLst/>
                           <a:latin typeface="+mn-lt"/>
                           <a:ea typeface="Times New Roman" panose="02020603050405020304" pitchFamily="18" charset="0"/>
                         </a:rPr>
                         <a:t>Hardware software interface</a:t>
                       </a:r>
-                      <a:endParaRPr lang="en-US" sz="2400" dirty="0">
+                      <a:endParaRPr lang="en-US" sz="1800" dirty="0">
                         <a:effectLst/>
                         <a:latin typeface="+mn-lt"/>
                         <a:ea typeface="Times New Roman" panose="02020603050405020304" pitchFamily="18" charset="0"/>
                       </a:endParaRPr>
                     </a:p>
                   </a:txBody>
-                  <a:tcPr marL="68580" marR="68580" marT="0" marB="0" anchor="ctr"/>
+                  <a:tcPr anchor="ctr"/>
                 </a:tc>
                 <a:tc>
                   <a:txBody>
@@ -10423,7 +10325,7 @@
                     <a:p>
                       <a:pPr algn="r" rtl="0" fontAlgn="b"/>
                       <a:r>
-                        <a:rPr lang="en-US" sz="2000" dirty="0" smtClean="0">
+                        <a:rPr lang="en-US" sz="1800" dirty="0" smtClean="0">
                           <a:solidFill>
                             <a:srgbClr val="000000"/>
                           </a:solidFill>
@@ -10432,7 +10334,7 @@
                         </a:rPr>
                         <a:t>$25.97</a:t>
                       </a:r>
-                      <a:endParaRPr lang="en-US" sz="2000" dirty="0">
+                      <a:endParaRPr lang="en-US" sz="1800" dirty="0">
                         <a:solidFill>
                           <a:srgbClr val="000000"/>
                         </a:solidFill>
@@ -10441,10 +10343,10 @@
                       </a:endParaRPr>
                     </a:p>
                   </a:txBody>
-                  <a:tcPr marL="28575" marR="28575" marT="0" marB="0" anchor="b"/>
+                  <a:tcPr anchor="ctr"/>
                 </a:tc>
               </a:tr>
-              <a:tr h="302413">
+              <a:tr h="640080">
                 <a:tc>
                   <a:txBody>
                     <a:bodyPr/>
@@ -10459,7 +10361,7 @@
                         </a:spcAft>
                       </a:pPr>
                       <a:r>
-                        <a:rPr lang="en-US" sz="2400" dirty="0" smtClean="0">
+                        <a:rPr lang="en-US" sz="1800" dirty="0" smtClean="0">
                           <a:effectLst/>
                           <a:latin typeface="+mn-lt"/>
                           <a:ea typeface="Times New Roman" panose="02020603050405020304" pitchFamily="18" charset="0"/>
@@ -10467,21 +10369,21 @@
                         <a:t>Motors/motor</a:t>
                       </a:r>
                       <a:r>
-                        <a:rPr lang="en-US" sz="2400" baseline="0" dirty="0" smtClean="0">
+                        <a:rPr lang="en-US" sz="1800" baseline="0" dirty="0" smtClean="0">
                           <a:effectLst/>
                           <a:latin typeface="+mn-lt"/>
                           <a:ea typeface="Times New Roman" panose="02020603050405020304" pitchFamily="18" charset="0"/>
                         </a:rPr>
                         <a:t> control</a:t>
                       </a:r>
-                      <a:endParaRPr lang="en-US" sz="2400" dirty="0">
+                      <a:endParaRPr lang="en-US" sz="1800" dirty="0">
                         <a:effectLst/>
                         <a:latin typeface="+mn-lt"/>
                         <a:ea typeface="Times New Roman" panose="02020603050405020304" pitchFamily="18" charset="0"/>
                       </a:endParaRPr>
                     </a:p>
                   </a:txBody>
-                  <a:tcPr marL="68580" marR="68580" marT="0" marB="0" anchor="ctr"/>
+                  <a:tcPr anchor="ctr"/>
                 </a:tc>
                 <a:tc>
                   <a:txBody>
@@ -10490,7 +10392,7 @@
                     <a:p>
                       <a:pPr algn="r" rtl="0" fontAlgn="b"/>
                       <a:r>
-                        <a:rPr lang="en-US" sz="2000" dirty="0" smtClean="0">
+                        <a:rPr lang="en-US" sz="1800" dirty="0" smtClean="0">
                           <a:solidFill>
                             <a:srgbClr val="000000"/>
                           </a:solidFill>
@@ -10499,7 +10401,7 @@
                         </a:rPr>
                         <a:t>$82.83</a:t>
                       </a:r>
-                      <a:endParaRPr lang="en-US" sz="2000" dirty="0">
+                      <a:endParaRPr lang="en-US" sz="1800" dirty="0">
                         <a:solidFill>
                           <a:srgbClr val="000000"/>
                         </a:solidFill>
@@ -10508,10 +10410,10 @@
                       </a:endParaRPr>
                     </a:p>
                   </a:txBody>
-                  <a:tcPr marL="28575" marR="28575" marT="0" marB="0" anchor="b"/>
+                  <a:tcPr anchor="ctr"/>
                 </a:tc>
               </a:tr>
-              <a:tr h="302413">
+              <a:tr h="640080">
                 <a:tc>
                   <a:txBody>
                     <a:bodyPr/>
@@ -10526,7 +10428,7 @@
                         </a:spcAft>
                       </a:pPr>
                       <a:r>
-                        <a:rPr lang="en-US" sz="2400" b="1" kern="1200" dirty="0" err="1" smtClean="0">
+                        <a:rPr lang="en-US" sz="1800" b="1" kern="1200" dirty="0" smtClean="0">
                           <a:solidFill>
                             <a:schemeClr val="lt1"/>
                           </a:solidFill>
@@ -10535,28 +10437,16 @@
                           <a:ea typeface="+mn-ea"/>
                           <a:cs typeface="+mn-cs"/>
                         </a:rPr>
-                        <a:t>MakerJuice</a:t>
+                        <a:t>Maker Juice resins</a:t>
                       </a:r>
-                      <a:r>
-                        <a:rPr lang="en-US" sz="2400" b="1" kern="1200" dirty="0" smtClean="0">
-                          <a:solidFill>
-                            <a:schemeClr val="lt1"/>
-                          </a:solidFill>
-                          <a:effectLst/>
-                          <a:latin typeface="+mn-lt"/>
-                          <a:ea typeface="+mn-ea"/>
-                          <a:cs typeface="+mn-cs"/>
-                        </a:rPr>
-                        <a:t> resins</a:t>
-                      </a:r>
-                      <a:endParaRPr lang="en-US" sz="2400" dirty="0">
+                      <a:endParaRPr lang="en-US" sz="1800" dirty="0">
                         <a:effectLst/>
                         <a:latin typeface="+mn-lt"/>
                         <a:ea typeface="Times New Roman" panose="02020603050405020304" pitchFamily="18" charset="0"/>
                       </a:endParaRPr>
                     </a:p>
                   </a:txBody>
-                  <a:tcPr marL="68580" marR="68580" marT="0" marB="0" anchor="ctr"/>
+                  <a:tcPr anchor="ctr"/>
                 </a:tc>
                 <a:tc>
                   <a:txBody>
@@ -10565,142 +10455,93 @@
                     <a:p>
                       <a:pPr algn="r" rtl="0" fontAlgn="b"/>
                       <a:r>
-                        <a:rPr lang="en-US" sz="2000" dirty="0">
+                        <a:rPr lang="en-US" sz="1800" dirty="0" smtClean="0">
                           <a:solidFill>
                             <a:srgbClr val="000000"/>
                           </a:solidFill>
                           <a:effectLst/>
                         </a:rPr>
-                        <a:t>$</a:t>
+                        <a:t>$45.00</a:t>
                       </a:r>
-                      <a:r>
-                        <a:rPr lang="en-US" sz="2000" dirty="0" smtClean="0">
-                          <a:solidFill>
-                            <a:srgbClr val="000000"/>
-                          </a:solidFill>
-                          <a:effectLst/>
-                        </a:rPr>
-                        <a:t>45.00</a:t>
-                      </a:r>
-                      <a:endParaRPr lang="en-US" sz="2000" dirty="0">
-                        <a:solidFill>
-                          <a:srgbClr val="000000"/>
-                        </a:solidFill>
-                        <a:effectLst/>
-                      </a:endParaRPr>
                     </a:p>
                   </a:txBody>
-                  <a:tcPr marL="28575" marR="28575" marT="0" marB="0" anchor="b"/>
+                  <a:tcPr anchor="ctr"/>
                 </a:tc>
               </a:tr>
-              <a:tr h="302413">
+              <a:tr h="416675">
                 <a:tc>
                   <a:txBody>
                     <a:bodyPr/>
                     <a:lstStyle/>
                     <a:p>
-                      <a:pPr marL="0" marR="0" algn="r">
+                      <a:pPr marL="0" marR="0" indent="0" algn="r" defTabSz="457200" rtl="0" eaLnBrk="1" fontAlgn="auto" latinLnBrk="0" hangingPunct="1">
+                        <a:lnSpc>
+                          <a:spcPct val="100000"/>
+                        </a:lnSpc>
                         <a:spcBef>
                           <a:spcPts val="0"/>
                         </a:spcBef>
                         <a:spcAft>
                           <a:spcPts val="0"/>
                         </a:spcAft>
+                        <a:buClrTx/>
+                        <a:buSzTx/>
+                        <a:buFontTx/>
+                        <a:buNone/>
+                        <a:tabLst/>
+                        <a:defRPr/>
                       </a:pPr>
                       <a:r>
-                        <a:rPr lang="en-US" sz="2400" b="1" dirty="0" smtClean="0">
+                        <a:rPr lang="en-US" sz="1800" b="1" dirty="0" smtClean="0">
                           <a:effectLst/>
                           <a:latin typeface="+mn-lt"/>
                           <a:ea typeface="Times New Roman" panose="02020603050405020304" pitchFamily="18" charset="0"/>
                         </a:rPr>
                         <a:t>Total</a:t>
                       </a:r>
-                      <a:endParaRPr lang="en-US" sz="2400" b="1" dirty="0">
-                        <a:effectLst/>
-                        <a:latin typeface="+mn-lt"/>
-                        <a:ea typeface="Times New Roman" panose="02020603050405020304" pitchFamily="18" charset="0"/>
-                      </a:endParaRPr>
                     </a:p>
                   </a:txBody>
-                  <a:tcPr marL="68580" marR="68580" marT="0" marB="0" anchor="ctr"/>
+                  <a:tcPr anchor="ctr"/>
                 </a:tc>
                 <a:tc>
                   <a:txBody>
                     <a:bodyPr/>
                     <a:lstStyle/>
                     <a:p>
-                      <a:pPr marL="0" marR="0" algn="r">
+                      <a:pPr marL="0" marR="0" indent="0" algn="r" defTabSz="457200" rtl="0" eaLnBrk="1" fontAlgn="auto" latinLnBrk="0" hangingPunct="1">
+                        <a:lnSpc>
+                          <a:spcPct val="100000"/>
+                        </a:lnSpc>
                         <a:spcBef>
                           <a:spcPts val="0"/>
                         </a:spcBef>
                         <a:spcAft>
                           <a:spcPts val="0"/>
                         </a:spcAft>
+                        <a:buClrTx/>
+                        <a:buSzTx/>
+                        <a:buFontTx/>
+                        <a:buNone/>
+                        <a:tabLst/>
+                        <a:defRPr/>
                       </a:pPr>
                       <a:r>
-                        <a:rPr lang="en-US" sz="2000" dirty="0" smtClean="0">
+                        <a:rPr lang="en-US" sz="1800" dirty="0" smtClean="0">
                           <a:effectLst/>
                           <a:latin typeface="+mn-lt"/>
                           <a:ea typeface="Times New Roman" panose="02020603050405020304" pitchFamily="18" charset="0"/>
                         </a:rPr>
                         <a:t>$602.17</a:t>
                       </a:r>
-                      <a:endParaRPr lang="en-US" sz="2000" dirty="0">
-                        <a:effectLst/>
-                        <a:latin typeface="+mn-lt"/>
-                        <a:ea typeface="Times New Roman" panose="02020603050405020304" pitchFamily="18" charset="0"/>
-                      </a:endParaRPr>
                     </a:p>
                   </a:txBody>
-                  <a:tcPr marL="68580" marR="68580" marT="0" marB="0" anchor="ctr"/>
+                  <a:tcPr anchor="ctr"/>
                 </a:tc>
               </a:tr>
             </a:tbl>
           </a:graphicData>
         </a:graphic>
       </p:graphicFrame>
-      <p:sp>
-        <p:nvSpPr>
-          <p:cNvPr id="6" name="TextBox 5"/>
-          <p:cNvSpPr txBox="1"/>
-          <p:nvPr/>
-        </p:nvSpPr>
-        <p:spPr>
-          <a:xfrm>
-            <a:off x="5305427" y="1837488"/>
-            <a:ext cx="2491836" cy="369332"/>
-          </a:xfrm>
-          <a:prstGeom prst="rect">
-            <a:avLst/>
-          </a:prstGeom>
-          <a:noFill/>
-        </p:spPr>
-        <p:txBody>
-          <a:bodyPr wrap="none" rtlCol="0">
-            <a:spAutoFit/>
-          </a:bodyPr>
-          <a:lstStyle/>
-          <a:p>
-            <a:r>
-              <a:rPr lang="en-US" dirty="0" smtClean="0"/>
-              <a:t>Table </a:t>
-            </a:r>
-            <a:r>
-              <a:rPr lang="en-US" dirty="0"/>
-              <a:t>2</a:t>
-            </a:r>
-            <a:r>
-              <a:rPr lang="en-US" dirty="0" smtClean="0"/>
-              <a:t>. </a:t>
-            </a:r>
-            <a:r>
-              <a:rPr lang="en-US" dirty="0" smtClean="0"/>
-              <a:t>Subsystem Cost</a:t>
-            </a:r>
-            <a:endParaRPr lang="en-US" dirty="0"/>
-          </a:p>
-        </p:txBody>
-      </p:sp>
     </p:spTree>
     <p:extLst>
       <p:ext uri="{BB962C8B-B14F-4D97-AF65-F5344CB8AC3E}">
@@ -11056,9 +10897,105 @@
           <a:p>
             <a:r>
               <a:rPr lang="en-US" dirty="0" smtClean="0"/>
-              <a:t>Team 75 Organization</a:t>
+              <a:t>Outline</a:t>
             </a:r>
             <a:endParaRPr lang="en-US" dirty="0"/>
+          </a:p>
+        </p:txBody>
+      </p:sp>
+      <p:sp>
+        <p:nvSpPr>
+          <p:cNvPr id="3" name="Content Placeholder 2"/>
+          <p:cNvSpPr>
+            <a:spLocks noGrp="1"/>
+          </p:cNvSpPr>
+          <p:nvPr>
+            <p:ph idx="1"/>
+          </p:nvPr>
+        </p:nvSpPr>
+        <p:spPr/>
+        <p:txBody>
+          <a:bodyPr>
+            <a:normAutofit fontScale="55000" lnSpcReduction="20000"/>
+          </a:bodyPr>
+          <a:lstStyle/>
+          <a:p>
+            <a:r>
+              <a:rPr lang="en-US" dirty="0"/>
+              <a:t>Project Organization- JPB</a:t>
+            </a:r>
+          </a:p>
+          <a:p>
+            <a:r>
+              <a:rPr lang="en-US" dirty="0"/>
+              <a:t>Executive Summary, Market Gap, </a:t>
+            </a:r>
+          </a:p>
+          <a:p>
+            <a:pPr marL="0" indent="0">
+              <a:buNone/>
+            </a:pPr>
+            <a:r>
+              <a:rPr lang="en-US" dirty="0"/>
+              <a:t>	Specifications, and Chassis Design- JPB</a:t>
+            </a:r>
+          </a:p>
+          <a:p>
+            <a:r>
+              <a:rPr lang="en-US" dirty="0"/>
+              <a:t>Documentation, Vat Simulation- NBT</a:t>
+            </a:r>
+          </a:p>
+          <a:p>
+            <a:r>
+              <a:rPr lang="en-US" dirty="0"/>
+              <a:t>Wiring Diagram- CWS</a:t>
+            </a:r>
+          </a:p>
+          <a:p>
+            <a:r>
+              <a:rPr lang="en-US" dirty="0"/>
+              <a:t>Hardware/Software Interface - NAT</a:t>
+            </a:r>
+          </a:p>
+          <a:p>
+            <a:r>
+              <a:rPr lang="en-US" dirty="0"/>
+              <a:t>Projector and Resin- CWB</a:t>
+            </a:r>
+          </a:p>
+          <a:p>
+            <a:r>
+              <a:rPr lang="en-US" dirty="0"/>
+              <a:t>Functional Block Diagram- </a:t>
+            </a:r>
+            <a:r>
+              <a:rPr lang="en-US" dirty="0" smtClean="0"/>
+              <a:t>DMO</a:t>
+            </a:r>
+            <a:endParaRPr lang="en-US" dirty="0"/>
+          </a:p>
+          <a:p>
+            <a:r>
+              <a:rPr lang="en-US" dirty="0"/>
+              <a:t>Printer Control Software- DMO</a:t>
+            </a:r>
+          </a:p>
+          <a:p>
+            <a:r>
+              <a:rPr lang="en-US" dirty="0" smtClean="0"/>
+              <a:t>Budget- DMO</a:t>
+            </a:r>
+          </a:p>
+          <a:p>
+            <a:r>
+              <a:rPr lang="en-US" dirty="0" smtClean="0"/>
+              <a:t>Summary </a:t>
+            </a:r>
+            <a:r>
+              <a:rPr lang="en-US" dirty="0"/>
+              <a:t>and Acknowledgements- CWS</a:t>
+            </a:r>
           </a:p>
         </p:txBody>
       </p:sp>
@@ -11085,64 +11022,10 @@
           </a:p>
         </p:txBody>
       </p:sp>
-      <p:sp>
-        <p:nvSpPr>
-          <p:cNvPr id="7" name="TextBox 6"/>
-          <p:cNvSpPr txBox="1"/>
-          <p:nvPr/>
-        </p:nvSpPr>
-        <p:spPr>
-          <a:xfrm>
-            <a:off x="5046208" y="5884727"/>
-            <a:ext cx="3009222" cy="369332"/>
-          </a:xfrm>
-          <a:prstGeom prst="rect">
-            <a:avLst/>
-          </a:prstGeom>
-          <a:noFill/>
-        </p:spPr>
-        <p:txBody>
-          <a:bodyPr wrap="none" rtlCol="0">
-            <a:spAutoFit/>
-          </a:bodyPr>
-          <a:lstStyle/>
-          <a:p>
-            <a:r>
-              <a:rPr lang="en-US" dirty="0" smtClean="0"/>
-              <a:t>Figure 1. Project Organization</a:t>
-            </a:r>
-            <a:endParaRPr lang="en-US" dirty="0"/>
-          </a:p>
-        </p:txBody>
-      </p:sp>
-      <p:pic>
-        <p:nvPicPr>
-          <p:cNvPr id="8" name="Picture 7"/>
-          <p:cNvPicPr>
-            <a:picLocks noChangeAspect="1"/>
-          </p:cNvPicPr>
-          <p:nvPr/>
-        </p:nvPicPr>
-        <p:blipFill>
-          <a:blip r:embed="rId2"/>
-          <a:stretch>
-            <a:fillRect/>
-          </a:stretch>
-        </p:blipFill>
-        <p:spPr>
-          <a:xfrm>
-            <a:off x="1681325" y="1663240"/>
-            <a:ext cx="9738987" cy="4001154"/>
-          </a:xfrm>
-          <a:prstGeom prst="rect">
-            <a:avLst/>
-          </a:prstGeom>
-        </p:spPr>
-      </p:pic>
     </p:spTree>
     <p:extLst>
       <p:ext uri="{BB962C8B-B14F-4D97-AF65-F5344CB8AC3E}">
-        <p14:creationId xmlns:p14="http://schemas.microsoft.com/office/powerpoint/2010/main" val="1628288518"/>
+        <p14:creationId xmlns:p14="http://schemas.microsoft.com/office/powerpoint/2010/main" val="3332796590"/>
       </p:ext>
     </p:extLst>
   </p:cSld>
@@ -12384,75 +12267,9 @@
           <a:p>
             <a:r>
               <a:rPr lang="en-US" dirty="0" smtClean="0"/>
-              <a:t>Outline</a:t>
+              <a:t>Team 75 Organization</a:t>
             </a:r>
             <a:endParaRPr lang="en-US" dirty="0"/>
-          </a:p>
-        </p:txBody>
-      </p:sp>
-      <p:sp>
-        <p:nvSpPr>
-          <p:cNvPr id="3" name="Content Placeholder 2"/>
-          <p:cNvSpPr>
-            <a:spLocks noGrp="1"/>
-          </p:cNvSpPr>
-          <p:nvPr>
-            <p:ph idx="1"/>
-          </p:nvPr>
-        </p:nvSpPr>
-        <p:spPr/>
-        <p:txBody>
-          <a:bodyPr>
-            <a:normAutofit fontScale="85000" lnSpcReduction="20000"/>
-          </a:bodyPr>
-          <a:lstStyle/>
-          <a:p>
-            <a:r>
-              <a:rPr lang="en-US" dirty="0" smtClean="0"/>
-              <a:t>Project Organization- JPB</a:t>
-            </a:r>
-          </a:p>
-          <a:p>
-            <a:r>
-              <a:rPr lang="en-US" dirty="0" smtClean="0"/>
-              <a:t>Prerequisites and Definitions- NAL</a:t>
-            </a:r>
-          </a:p>
-          <a:p>
-            <a:r>
-              <a:rPr lang="en-US" dirty="0" smtClean="0"/>
-              <a:t>Executive Summary- JPB</a:t>
-            </a:r>
-          </a:p>
-          <a:p>
-            <a:r>
-              <a:rPr lang="en-US" dirty="0" smtClean="0"/>
-              <a:t>Market Gap, Criteria, and Specifications- CWB</a:t>
-            </a:r>
-          </a:p>
-          <a:p>
-            <a:r>
-              <a:rPr lang="en-US" dirty="0" smtClean="0"/>
-              <a:t>Chassis Design and Standards- JPB</a:t>
-            </a:r>
-          </a:p>
-          <a:p>
-            <a:r>
-              <a:rPr lang="en-US" dirty="0" smtClean="0"/>
-              <a:t>Functional Block Diagram- DMO, NAL</a:t>
-            </a:r>
-          </a:p>
-          <a:p>
-            <a:r>
-              <a:rPr lang="en-US" dirty="0" smtClean="0"/>
-              <a:t>Printer Control Software- DMO</a:t>
-            </a:r>
-          </a:p>
-          <a:p>
-            <a:r>
-              <a:rPr lang="en-US" dirty="0" smtClean="0"/>
-              <a:t>Timeline and Resources- CWS</a:t>
-            </a:r>
           </a:p>
         </p:txBody>
       </p:sp>
@@ -12479,10 +12296,64 @@
           </a:p>
         </p:txBody>
       </p:sp>
+      <p:sp>
+        <p:nvSpPr>
+          <p:cNvPr id="7" name="TextBox 6"/>
+          <p:cNvSpPr txBox="1"/>
+          <p:nvPr/>
+        </p:nvSpPr>
+        <p:spPr>
+          <a:xfrm>
+            <a:off x="5046208" y="5884727"/>
+            <a:ext cx="3009222" cy="369332"/>
+          </a:xfrm>
+          <a:prstGeom prst="rect">
+            <a:avLst/>
+          </a:prstGeom>
+          <a:noFill/>
+        </p:spPr>
+        <p:txBody>
+          <a:bodyPr wrap="none" rtlCol="0">
+            <a:spAutoFit/>
+          </a:bodyPr>
+          <a:lstStyle/>
+          <a:p>
+            <a:r>
+              <a:rPr lang="en-US" dirty="0" smtClean="0"/>
+              <a:t>Figure 1. Project Organization</a:t>
+            </a:r>
+            <a:endParaRPr lang="en-US" dirty="0"/>
+          </a:p>
+        </p:txBody>
+      </p:sp>
+      <p:pic>
+        <p:nvPicPr>
+          <p:cNvPr id="8" name="Picture 7"/>
+          <p:cNvPicPr>
+            <a:picLocks noChangeAspect="1"/>
+          </p:cNvPicPr>
+          <p:nvPr/>
+        </p:nvPicPr>
+        <p:blipFill>
+          <a:blip r:embed="rId2"/>
+          <a:stretch>
+            <a:fillRect/>
+          </a:stretch>
+        </p:blipFill>
+        <p:spPr>
+          <a:xfrm>
+            <a:off x="1681325" y="1663240"/>
+            <a:ext cx="9738987" cy="4001154"/>
+          </a:xfrm>
+          <a:prstGeom prst="rect">
+            <a:avLst/>
+          </a:prstGeom>
+        </p:spPr>
+      </p:pic>
     </p:spTree>
     <p:extLst>
       <p:ext uri="{BB962C8B-B14F-4D97-AF65-F5344CB8AC3E}">
-        <p14:creationId xmlns:p14="http://schemas.microsoft.com/office/powerpoint/2010/main" val="3332796590"/>
+        <p14:creationId xmlns:p14="http://schemas.microsoft.com/office/powerpoint/2010/main" val="1628288518"/>
       </p:ext>
     </p:extLst>
   </p:cSld>
@@ -12961,7 +12832,7 @@
         </p:nvSpPr>
         <p:spPr>
           <a:xfrm>
-            <a:off x="5409109" y="1788805"/>
+            <a:off x="5409109" y="1724411"/>
             <a:ext cx="2284472" cy="369332"/>
           </a:xfrm>
           <a:prstGeom prst="rect">
@@ -12990,11 +12861,15 @@
             <a:graphicFrameLocks/>
           </p:cNvGraphicFramePr>
           <p:nvPr>
-            <p:extLst/>
+            <p:extLst>
+              <p:ext uri="{D42A27DB-BD31-4B8C-83A1-F6EECF244321}">
+                <p14:modId xmlns:p14="http://schemas.microsoft.com/office/powerpoint/2010/main" val="2825766040"/>
+              </p:ext>
+            </p:extLst>
           </p:nvPr>
         </p:nvGraphicFramePr>
         <p:xfrm>
-          <a:off x="1970468" y="2288539"/>
+          <a:off x="2055472" y="2209213"/>
           <a:ext cx="8991746" cy="3840480"/>
         </p:xfrm>
         <a:graphic>
@@ -13236,12 +13111,8 @@
                         <a:defRPr/>
                       </a:pPr>
                       <a:r>
-                        <a:rPr lang="en-US" smtClean="0"/>
-                        <a:t>± 0.050 </a:t>
-                      </a:r>
-                      <a:r>
                         <a:rPr lang="en-US" dirty="0" smtClean="0"/>
-                        <a:t>mm</a:t>
+                        <a:t>± 0.050 mm</a:t>
                       </a:r>
                     </a:p>
                     <a:p>
@@ -13421,11 +13292,7 @@
           <a:p>
             <a:r>
               <a:rPr lang="en-US" dirty="0" smtClean="0"/>
-              <a:t>Figure </a:t>
-            </a:r>
-            <a:r>
-              <a:rPr lang="en-US" dirty="0" smtClean="0"/>
-              <a:t>3. </a:t>
+              <a:t>Figure 3. </a:t>
             </a:r>
             <a:r>
               <a:rPr lang="en-US" dirty="0"/>
@@ -13458,11 +13325,7 @@
           <a:p>
             <a:r>
               <a:rPr lang="en-US" dirty="0" smtClean="0"/>
-              <a:t>Figure </a:t>
-            </a:r>
-            <a:r>
-              <a:rPr lang="en-US" dirty="0" smtClean="0"/>
-              <a:t>4. </a:t>
+              <a:t>Figure 4. </a:t>
             </a:r>
             <a:r>
               <a:rPr lang="en-US" dirty="0"/>
@@ -13675,11 +13538,7 @@
           <a:p>
             <a:r>
               <a:rPr lang="en-US" dirty="0" smtClean="0"/>
-              <a:t>Figure </a:t>
-            </a:r>
-            <a:r>
-              <a:rPr lang="en-US" dirty="0" smtClean="0"/>
-              <a:t>5. Current Rendering </a:t>
+              <a:t>Figure 5. Current Rendering </a:t>
             </a:r>
             <a:endParaRPr lang="en-US" dirty="0"/>
           </a:p>
@@ -14405,18 +14264,18 @@
 </file>
 
 <file path=customXml/item1.xml><?xml version="1.0" encoding="utf-8"?>
-<p:properties xmlns:p="http://schemas.microsoft.com/office/2006/metadata/properties" xmlns:xsi="http://www.w3.org/2001/XMLSchema-instance" xmlns:pc="http://schemas.microsoft.com/office/infopath/2007/PartnerControls">
-  <documentManagement/>
-</p:properties>
-</file>
-
-<file path=customXml/item2.xml><?xml version="1.0" encoding="utf-8"?>
 <?mso-contentType ?>
 <FormTemplates xmlns="http://schemas.microsoft.com/sharepoint/v3/contenttype/forms">
   <Display>DocumentLibraryForm</Display>
   <Edit>DocumentLibraryForm</Edit>
   <New>DocumentLibraryForm</New>
 </FormTemplates>
+</file>
+
+<file path=customXml/item2.xml><?xml version="1.0" encoding="utf-8"?>
+<p:properties xmlns:p="http://schemas.microsoft.com/office/2006/metadata/properties" xmlns:xsi="http://www.w3.org/2001/XMLSchema-instance" xmlns:pc="http://schemas.microsoft.com/office/infopath/2007/PartnerControls">
+  <documentManagement/>
+</p:properties>
 </file>
 
 <file path=customXml/item3.xml><?xml version="1.0" encoding="utf-8"?>
@@ -14560,18 +14419,18 @@
 </file>
 
 <file path=customXml/itemProps1.xml><?xml version="1.0" encoding="utf-8"?>
-<ds:datastoreItem xmlns:ds="http://schemas.openxmlformats.org/officeDocument/2006/customXml" ds:itemID="{7D5E529B-E2B8-4FF4-96DC-717B6A9731D6}">
+<ds:datastoreItem xmlns:ds="http://schemas.openxmlformats.org/officeDocument/2006/customXml" ds:itemID="{A1EF12E8-B070-4F5F-9BD0-CEE0E7C075D0}">
   <ds:schemaRefs>
-    <ds:schemaRef ds:uri="http://schemas.microsoft.com/office/2006/metadata/properties"/>
-    <ds:schemaRef ds:uri="http://schemas.microsoft.com/office/infopath/2007/PartnerControls"/>
+    <ds:schemaRef ds:uri="http://schemas.microsoft.com/sharepoint/v3/contenttype/forms"/>
   </ds:schemaRefs>
 </ds:datastoreItem>
 </file>
 
 <file path=customXml/itemProps2.xml><?xml version="1.0" encoding="utf-8"?>
-<ds:datastoreItem xmlns:ds="http://schemas.openxmlformats.org/officeDocument/2006/customXml" ds:itemID="{A1EF12E8-B070-4F5F-9BD0-CEE0E7C075D0}">
+<ds:datastoreItem xmlns:ds="http://schemas.openxmlformats.org/officeDocument/2006/customXml" ds:itemID="{7D5E529B-E2B8-4FF4-96DC-717B6A9731D6}">
   <ds:schemaRefs>
-    <ds:schemaRef ds:uri="http://schemas.microsoft.com/sharepoint/v3/contenttype/forms"/>
+    <ds:schemaRef ds:uri="http://schemas.microsoft.com/office/2006/metadata/properties"/>
+    <ds:schemaRef ds:uri="http://schemas.microsoft.com/office/infopath/2007/PartnerControls"/>
   </ds:schemaRefs>
 </ds:datastoreItem>
 </file>
